--- a/electricity.pptx
+++ b/electricity.pptx
@@ -11,8 +11,11 @@
     <p:sldId id="258" r:id="rId5"/>
     <p:sldId id="263" r:id="rId6"/>
     <p:sldId id="259" r:id="rId7"/>
-    <p:sldId id="262" r:id="rId8"/>
-    <p:sldId id="260" r:id="rId9"/>
+    <p:sldId id="266" r:id="rId8"/>
+    <p:sldId id="262" r:id="rId9"/>
+    <p:sldId id="264" r:id="rId10"/>
+    <p:sldId id="260" r:id="rId11"/>
+    <p:sldId id="265" r:id="rId12"/>
   </p:sldIdLst>
   <p:sldSz cx="12192000" cy="6858000"/>
   <p:notesSz cx="6858000" cy="9144000"/>
@@ -111,6 +114,11 @@
       </a:defRPr>
     </a:lvl9pPr>
   </p:defaultTextStyle>
+  <p:extLst>
+    <p:ext uri="{EFAFB233-063F-42B5-8137-9DF3F51BA10A}">
+      <p15:sldGuideLst xmlns:p15="http://schemas.microsoft.com/office/powerpoint/2012/main"/>
+    </p:ext>
+  </p:extLst>
 </p:presentation>
 </file>
 
@@ -918,7 +926,7 @@
           <a:p>
             <a:fld id="{1A6B1C94-4E21-4EB7-84C4-6E795422F0E3}" type="datetimeFigureOut">
               <a:rPr lang="ko-KR" altLang="en-US" smtClean="0"/>
-              <a:t>2024-04-11</a:t>
+              <a:t>2024-04-12</a:t>
             </a:fld>
             <a:endParaRPr lang="ko-KR" altLang="en-US"/>
           </a:p>
@@ -1116,7 +1124,7 @@
           <a:p>
             <a:fld id="{1A6B1C94-4E21-4EB7-84C4-6E795422F0E3}" type="datetimeFigureOut">
               <a:rPr lang="ko-KR" altLang="en-US" smtClean="0"/>
-              <a:t>2024-04-11</a:t>
+              <a:t>2024-04-12</a:t>
             </a:fld>
             <a:endParaRPr lang="ko-KR" altLang="en-US"/>
           </a:p>
@@ -1324,7 +1332,7 @@
           <a:p>
             <a:fld id="{1A6B1C94-4E21-4EB7-84C4-6E795422F0E3}" type="datetimeFigureOut">
               <a:rPr lang="ko-KR" altLang="en-US" smtClean="0"/>
-              <a:t>2024-04-11</a:t>
+              <a:t>2024-04-12</a:t>
             </a:fld>
             <a:endParaRPr lang="ko-KR" altLang="en-US"/>
           </a:p>
@@ -1522,7 +1530,7 @@
           <a:p>
             <a:fld id="{1A6B1C94-4E21-4EB7-84C4-6E795422F0E3}" type="datetimeFigureOut">
               <a:rPr lang="ko-KR" altLang="en-US" smtClean="0"/>
-              <a:t>2024-04-11</a:t>
+              <a:t>2024-04-12</a:t>
             </a:fld>
             <a:endParaRPr lang="ko-KR" altLang="en-US"/>
           </a:p>
@@ -1797,7 +1805,7 @@
           <a:p>
             <a:fld id="{1A6B1C94-4E21-4EB7-84C4-6E795422F0E3}" type="datetimeFigureOut">
               <a:rPr lang="ko-KR" altLang="en-US" smtClean="0"/>
-              <a:t>2024-04-11</a:t>
+              <a:t>2024-04-12</a:t>
             </a:fld>
             <a:endParaRPr lang="ko-KR" altLang="en-US"/>
           </a:p>
@@ -2062,7 +2070,7 @@
           <a:p>
             <a:fld id="{1A6B1C94-4E21-4EB7-84C4-6E795422F0E3}" type="datetimeFigureOut">
               <a:rPr lang="ko-KR" altLang="en-US" smtClean="0"/>
-              <a:t>2024-04-11</a:t>
+              <a:t>2024-04-12</a:t>
             </a:fld>
             <a:endParaRPr lang="ko-KR" altLang="en-US"/>
           </a:p>
@@ -2474,7 +2482,7 @@
           <a:p>
             <a:fld id="{1A6B1C94-4E21-4EB7-84C4-6E795422F0E3}" type="datetimeFigureOut">
               <a:rPr lang="ko-KR" altLang="en-US" smtClean="0"/>
-              <a:t>2024-04-11</a:t>
+              <a:t>2024-04-12</a:t>
             </a:fld>
             <a:endParaRPr lang="ko-KR" altLang="en-US"/>
           </a:p>
@@ -2615,7 +2623,7 @@
           <a:p>
             <a:fld id="{1A6B1C94-4E21-4EB7-84C4-6E795422F0E3}" type="datetimeFigureOut">
               <a:rPr lang="ko-KR" altLang="en-US" smtClean="0"/>
-              <a:t>2024-04-11</a:t>
+              <a:t>2024-04-12</a:t>
             </a:fld>
             <a:endParaRPr lang="ko-KR" altLang="en-US"/>
           </a:p>
@@ -2728,7 +2736,7 @@
           <a:p>
             <a:fld id="{1A6B1C94-4E21-4EB7-84C4-6E795422F0E3}" type="datetimeFigureOut">
               <a:rPr lang="ko-KR" altLang="en-US" smtClean="0"/>
-              <a:t>2024-04-11</a:t>
+              <a:t>2024-04-12</a:t>
             </a:fld>
             <a:endParaRPr lang="ko-KR" altLang="en-US"/>
           </a:p>
@@ -3039,7 +3047,7 @@
           <a:p>
             <a:fld id="{1A6B1C94-4E21-4EB7-84C4-6E795422F0E3}" type="datetimeFigureOut">
               <a:rPr lang="ko-KR" altLang="en-US" smtClean="0"/>
-              <a:t>2024-04-11</a:t>
+              <a:t>2024-04-12</a:t>
             </a:fld>
             <a:endParaRPr lang="ko-KR" altLang="en-US"/>
           </a:p>
@@ -3327,7 +3335,7 @@
           <a:p>
             <a:fld id="{1A6B1C94-4E21-4EB7-84C4-6E795422F0E3}" type="datetimeFigureOut">
               <a:rPr lang="ko-KR" altLang="en-US" smtClean="0"/>
-              <a:t>2024-04-11</a:t>
+              <a:t>2024-04-12</a:t>
             </a:fld>
             <a:endParaRPr lang="ko-KR" altLang="en-US"/>
           </a:p>
@@ -3568,7 +3576,7 @@
           <a:p>
             <a:fld id="{1A6B1C94-4E21-4EB7-84C4-6E795422F0E3}" type="datetimeFigureOut">
               <a:rPr lang="ko-KR" altLang="en-US" smtClean="0"/>
-              <a:t>2024-04-11</a:t>
+              <a:t>2024-04-12</a:t>
             </a:fld>
             <a:endParaRPr lang="ko-KR" altLang="en-US"/>
           </a:p>
@@ -4126,6 +4134,558 @@
 </p:sld>
 </file>
 
+<file path=ppt/slides/slide10.xml><?xml version="1.0" encoding="utf-8"?>
+<p:sld xmlns:a="http://schemas.openxmlformats.org/drawingml/2006/main" xmlns:r="http://schemas.openxmlformats.org/officeDocument/2006/relationships" xmlns:p="http://schemas.openxmlformats.org/presentationml/2006/main">
+  <p:cSld>
+    <p:bg>
+      <p:bgPr>
+        <a:solidFill>
+          <a:schemeClr val="tx2">
+            <a:lumMod val="75000"/>
+          </a:schemeClr>
+        </a:solidFill>
+        <a:effectLst/>
+      </p:bgPr>
+    </p:bg>
+    <p:spTree>
+      <p:nvGrpSpPr>
+        <p:cNvPr id="1" name=""/>
+        <p:cNvGrpSpPr/>
+        <p:nvPr/>
+      </p:nvGrpSpPr>
+      <p:grpSpPr>
+        <a:xfrm>
+          <a:off x="0" y="0"/>
+          <a:ext cx="0" cy="0"/>
+          <a:chOff x="0" y="0"/>
+          <a:chExt cx="0" cy="0"/>
+        </a:xfrm>
+      </p:grpSpPr>
+      <p:sp>
+        <p:nvSpPr>
+          <p:cNvPr id="4" name="Google Shape;95;p2">
+            <a:extLst>
+              <a:ext uri="{FF2B5EF4-FFF2-40B4-BE49-F238E27FC236}">
+                <a16:creationId xmlns:a16="http://schemas.microsoft.com/office/drawing/2014/main" id="{BBDD50A2-2BBE-D666-192D-D592D3FAFEA1}"/>
+              </a:ext>
+            </a:extLst>
+          </p:cNvPr>
+          <p:cNvSpPr/>
+          <p:nvPr/>
+        </p:nvSpPr>
+        <p:spPr>
+          <a:xfrm>
+            <a:off x="0" y="0"/>
+            <a:ext cx="1628384" cy="6858000"/>
+          </a:xfrm>
+          <a:prstGeom prst="rect">
+            <a:avLst/>
+          </a:prstGeom>
+          <a:solidFill>
+            <a:schemeClr val="bg1"/>
+          </a:solidFill>
+          <a:ln w="12700" cap="flat" cmpd="sng">
+            <a:solidFill>
+              <a:srgbClr val="D0CECE"/>
+            </a:solidFill>
+            <a:prstDash val="solid"/>
+            <a:miter lim="800000"/>
+            <a:headEnd type="none" w="sm" len="sm"/>
+            <a:tailEnd type="none" w="sm" len="sm"/>
+          </a:ln>
+        </p:spPr>
+        <p:txBody>
+          <a:bodyPr spcFirstLastPara="1" wrap="square" lIns="91425" tIns="45700" rIns="91425" bIns="45700" anchor="ctr" anchorCtr="0">
+            <a:noAutofit/>
+          </a:bodyPr>
+          <a:lstStyle/>
+          <a:p>
+            <a:pPr marL="0" marR="0" lvl="0" indent="0" algn="ctr" rtl="0">
+              <a:spcBef>
+                <a:spcPts val="0"/>
+              </a:spcBef>
+              <a:spcAft>
+                <a:spcPts val="0"/>
+              </a:spcAft>
+              <a:buNone/>
+            </a:pPr>
+            <a:endParaRPr sz="1800">
+              <a:solidFill>
+                <a:schemeClr val="lt1"/>
+              </a:solidFill>
+              <a:latin typeface="Malgun Gothic"/>
+              <a:ea typeface="Malgun Gothic"/>
+              <a:cs typeface="Malgun Gothic"/>
+              <a:sym typeface="Malgun Gothic"/>
+            </a:endParaRPr>
+          </a:p>
+        </p:txBody>
+      </p:sp>
+      <p:sp>
+        <p:nvSpPr>
+          <p:cNvPr id="2" name="Google Shape;123;p3">
+            <a:extLst>
+              <a:ext uri="{FF2B5EF4-FFF2-40B4-BE49-F238E27FC236}">
+                <a16:creationId xmlns:a16="http://schemas.microsoft.com/office/drawing/2014/main" id="{FA31709A-94E1-6CE9-BB34-52C9012FCC40}"/>
+              </a:ext>
+            </a:extLst>
+          </p:cNvPr>
+          <p:cNvSpPr txBox="1"/>
+          <p:nvPr/>
+        </p:nvSpPr>
+        <p:spPr>
+          <a:xfrm>
+            <a:off x="1726240" y="385330"/>
+            <a:ext cx="3340637" cy="584775"/>
+          </a:xfrm>
+          <a:prstGeom prst="rect">
+            <a:avLst/>
+          </a:prstGeom>
+          <a:noFill/>
+          <a:ln>
+            <a:noFill/>
+          </a:ln>
+        </p:spPr>
+        <p:txBody>
+          <a:bodyPr spcFirstLastPara="1" wrap="square" lIns="91425" tIns="45700" rIns="91425" bIns="45700" anchor="t" anchorCtr="0">
+            <a:spAutoFit/>
+          </a:bodyPr>
+          <a:lstStyle/>
+          <a:p>
+            <a:pPr marL="0" marR="0" lvl="0" indent="0" algn="l" rtl="0">
+              <a:spcBef>
+                <a:spcPts val="0"/>
+              </a:spcBef>
+              <a:spcAft>
+                <a:spcPts val="0"/>
+              </a:spcAft>
+              <a:buNone/>
+            </a:pPr>
+            <a:r>
+              <a:rPr lang="en-US" altLang="ko-KR" sz="3200" b="1" dirty="0">
+                <a:solidFill>
+                  <a:schemeClr val="bg1"/>
+                </a:solidFill>
+                <a:latin typeface="+mj-lt"/>
+                <a:ea typeface="Malgun Gothic"/>
+                <a:cs typeface="Malgun Gothic"/>
+                <a:sym typeface="Malgun Gothic"/>
+              </a:rPr>
+              <a:t>2. </a:t>
+            </a:r>
+            <a:r>
+              <a:rPr lang="ko-KR" altLang="en-US" sz="3200" b="1" dirty="0">
+                <a:solidFill>
+                  <a:schemeClr val="bg1"/>
+                </a:solidFill>
+                <a:latin typeface="+mj-lt"/>
+                <a:ea typeface="Malgun Gothic"/>
+                <a:cs typeface="Malgun Gothic"/>
+                <a:sym typeface="Malgun Gothic"/>
+              </a:rPr>
+              <a:t>데이터 이해</a:t>
+            </a:r>
+            <a:endParaRPr sz="3200" b="1" dirty="0">
+              <a:solidFill>
+                <a:schemeClr val="bg1"/>
+              </a:solidFill>
+              <a:latin typeface="+mj-lt"/>
+              <a:ea typeface="Malgun Gothic"/>
+              <a:cs typeface="Malgun Gothic"/>
+              <a:sym typeface="Malgun Gothic"/>
+            </a:endParaRPr>
+          </a:p>
+        </p:txBody>
+      </p:sp>
+      <p:sp>
+        <p:nvSpPr>
+          <p:cNvPr id="3" name="Google Shape;124;p3">
+            <a:extLst>
+              <a:ext uri="{FF2B5EF4-FFF2-40B4-BE49-F238E27FC236}">
+                <a16:creationId xmlns:a16="http://schemas.microsoft.com/office/drawing/2014/main" id="{480E0013-E352-1A31-FEC8-61DCA3E6C384}"/>
+              </a:ext>
+            </a:extLst>
+          </p:cNvPr>
+          <p:cNvSpPr txBox="1"/>
+          <p:nvPr/>
+        </p:nvSpPr>
+        <p:spPr>
+          <a:xfrm>
+            <a:off x="9458325" y="46816"/>
+            <a:ext cx="2733673" cy="338514"/>
+          </a:xfrm>
+          <a:prstGeom prst="rect">
+            <a:avLst/>
+          </a:prstGeom>
+          <a:noFill/>
+          <a:ln>
+            <a:noFill/>
+          </a:ln>
+        </p:spPr>
+        <p:txBody>
+          <a:bodyPr spcFirstLastPara="1" wrap="square" lIns="91425" tIns="45700" rIns="91425" bIns="45700" anchor="t" anchorCtr="0">
+            <a:spAutoFit/>
+          </a:bodyPr>
+          <a:lstStyle/>
+          <a:p>
+            <a:pPr marL="0" marR="0" lvl="0" indent="0" algn="l" rtl="0">
+              <a:spcBef>
+                <a:spcPts val="0"/>
+              </a:spcBef>
+              <a:spcAft>
+                <a:spcPts val="0"/>
+              </a:spcAft>
+              <a:buNone/>
+            </a:pPr>
+            <a:r>
+              <a:rPr lang="ko-KR" altLang="en-US" sz="1600" b="1" dirty="0">
+                <a:solidFill>
+                  <a:schemeClr val="bg1"/>
+                </a:solidFill>
+                <a:latin typeface="+mj-lt"/>
+                <a:ea typeface="Malgun Gothic"/>
+                <a:cs typeface="Malgun Gothic"/>
+                <a:sym typeface="Malgun Gothic"/>
+              </a:rPr>
+              <a:t>데이터 설명 </a:t>
+            </a:r>
+            <a:r>
+              <a:rPr lang="ko-KR" sz="1600" b="1" dirty="0">
+                <a:solidFill>
+                  <a:schemeClr val="bg1"/>
+                </a:solidFill>
+                <a:latin typeface="+mj-lt"/>
+                <a:ea typeface="Malgun Gothic"/>
+                <a:cs typeface="Malgun Gothic"/>
+                <a:sym typeface="Malgun Gothic"/>
+              </a:rPr>
+              <a:t>&gt; </a:t>
+            </a:r>
+            <a:r>
+              <a:rPr lang="ko-KR" altLang="en-US" sz="1600" b="1" dirty="0">
+                <a:solidFill>
+                  <a:schemeClr val="accent4"/>
+                </a:solidFill>
+                <a:latin typeface="+mj-lt"/>
+                <a:ea typeface="Malgun Gothic"/>
+                <a:cs typeface="Malgun Gothic"/>
+                <a:sym typeface="Malgun Gothic"/>
+              </a:rPr>
+              <a:t>데이터 </a:t>
+            </a:r>
+            <a:r>
+              <a:rPr lang="en-US" altLang="ko-KR" sz="1600" b="1" dirty="0">
+                <a:solidFill>
+                  <a:schemeClr val="accent4"/>
+                </a:solidFill>
+                <a:latin typeface="+mj-lt"/>
+                <a:ea typeface="Malgun Gothic"/>
+                <a:cs typeface="Malgun Gothic"/>
+                <a:sym typeface="Malgun Gothic"/>
+              </a:rPr>
+              <a:t>EDA</a:t>
+            </a:r>
+            <a:endParaRPr sz="1600" b="1" dirty="0">
+              <a:solidFill>
+                <a:schemeClr val="accent4"/>
+              </a:solidFill>
+              <a:latin typeface="+mj-lt"/>
+              <a:ea typeface="Malgun Gothic"/>
+              <a:cs typeface="Malgun Gothic"/>
+              <a:sym typeface="Malgun Gothic"/>
+            </a:endParaRPr>
+          </a:p>
+        </p:txBody>
+      </p:sp>
+    </p:spTree>
+    <p:extLst>
+      <p:ext uri="{BB962C8B-B14F-4D97-AF65-F5344CB8AC3E}">
+        <p14:creationId xmlns:p14="http://schemas.microsoft.com/office/powerpoint/2010/main" val="4077288853"/>
+      </p:ext>
+    </p:extLst>
+  </p:cSld>
+  <p:clrMapOvr>
+    <a:masterClrMapping/>
+  </p:clrMapOvr>
+</p:sld>
+</file>
+
+<file path=ppt/slides/slide11.xml><?xml version="1.0" encoding="utf-8"?>
+<p:sld xmlns:a="http://schemas.openxmlformats.org/drawingml/2006/main" xmlns:r="http://schemas.openxmlformats.org/officeDocument/2006/relationships" xmlns:p="http://schemas.openxmlformats.org/presentationml/2006/main">
+  <p:cSld>
+    <p:bg>
+      <p:bgPr>
+        <a:solidFill>
+          <a:schemeClr val="tx2">
+            <a:lumMod val="75000"/>
+          </a:schemeClr>
+        </a:solidFill>
+        <a:effectLst/>
+      </p:bgPr>
+    </p:bg>
+    <p:spTree>
+      <p:nvGrpSpPr>
+        <p:cNvPr id="1" name=""/>
+        <p:cNvGrpSpPr/>
+        <p:nvPr/>
+      </p:nvGrpSpPr>
+      <p:grpSpPr>
+        <a:xfrm>
+          <a:off x="0" y="0"/>
+          <a:ext cx="0" cy="0"/>
+          <a:chOff x="0" y="0"/>
+          <a:chExt cx="0" cy="0"/>
+        </a:xfrm>
+      </p:grpSpPr>
+      <p:sp>
+        <p:nvSpPr>
+          <p:cNvPr id="4" name="Google Shape;95;p2">
+            <a:extLst>
+              <a:ext uri="{FF2B5EF4-FFF2-40B4-BE49-F238E27FC236}">
+                <a16:creationId xmlns:a16="http://schemas.microsoft.com/office/drawing/2014/main" id="{BBDD50A2-2BBE-D666-192D-D592D3FAFEA1}"/>
+              </a:ext>
+            </a:extLst>
+          </p:cNvPr>
+          <p:cNvSpPr/>
+          <p:nvPr/>
+        </p:nvSpPr>
+        <p:spPr>
+          <a:xfrm>
+            <a:off x="0" y="0"/>
+            <a:ext cx="1628384" cy="6858000"/>
+          </a:xfrm>
+          <a:prstGeom prst="rect">
+            <a:avLst/>
+          </a:prstGeom>
+          <a:solidFill>
+            <a:schemeClr val="bg1"/>
+          </a:solidFill>
+          <a:ln w="12700" cap="flat" cmpd="sng">
+            <a:solidFill>
+              <a:srgbClr val="D0CECE"/>
+            </a:solidFill>
+            <a:prstDash val="solid"/>
+            <a:miter lim="800000"/>
+            <a:headEnd type="none" w="sm" len="sm"/>
+            <a:tailEnd type="none" w="sm" len="sm"/>
+          </a:ln>
+        </p:spPr>
+        <p:txBody>
+          <a:bodyPr spcFirstLastPara="1" wrap="square" lIns="91425" tIns="45700" rIns="91425" bIns="45700" anchor="ctr" anchorCtr="0">
+            <a:noAutofit/>
+          </a:bodyPr>
+          <a:lstStyle/>
+          <a:p>
+            <a:pPr marL="0" marR="0" lvl="0" indent="0" algn="ctr" rtl="0">
+              <a:spcBef>
+                <a:spcPts val="0"/>
+              </a:spcBef>
+              <a:spcAft>
+                <a:spcPts val="0"/>
+              </a:spcAft>
+              <a:buNone/>
+            </a:pPr>
+            <a:endParaRPr sz="1800">
+              <a:solidFill>
+                <a:schemeClr val="lt1"/>
+              </a:solidFill>
+              <a:latin typeface="Malgun Gothic"/>
+              <a:ea typeface="Malgun Gothic"/>
+              <a:cs typeface="Malgun Gothic"/>
+              <a:sym typeface="Malgun Gothic"/>
+            </a:endParaRPr>
+          </a:p>
+        </p:txBody>
+      </p:sp>
+      <p:sp>
+        <p:nvSpPr>
+          <p:cNvPr id="2" name="Google Shape;123;p3">
+            <a:extLst>
+              <a:ext uri="{FF2B5EF4-FFF2-40B4-BE49-F238E27FC236}">
+                <a16:creationId xmlns:a16="http://schemas.microsoft.com/office/drawing/2014/main" id="{FA31709A-94E1-6CE9-BB34-52C9012FCC40}"/>
+              </a:ext>
+            </a:extLst>
+          </p:cNvPr>
+          <p:cNvSpPr txBox="1"/>
+          <p:nvPr/>
+        </p:nvSpPr>
+        <p:spPr>
+          <a:xfrm>
+            <a:off x="1726240" y="385330"/>
+            <a:ext cx="3340637" cy="584775"/>
+          </a:xfrm>
+          <a:prstGeom prst="rect">
+            <a:avLst/>
+          </a:prstGeom>
+          <a:noFill/>
+          <a:ln>
+            <a:noFill/>
+          </a:ln>
+        </p:spPr>
+        <p:txBody>
+          <a:bodyPr spcFirstLastPara="1" wrap="square" lIns="91425" tIns="45700" rIns="91425" bIns="45700" anchor="t" anchorCtr="0">
+            <a:spAutoFit/>
+          </a:bodyPr>
+          <a:lstStyle/>
+          <a:p>
+            <a:pPr marL="0" marR="0" lvl="0" indent="0" algn="l" rtl="0">
+              <a:spcBef>
+                <a:spcPts val="0"/>
+              </a:spcBef>
+              <a:spcAft>
+                <a:spcPts val="0"/>
+              </a:spcAft>
+              <a:buNone/>
+            </a:pPr>
+            <a:r>
+              <a:rPr lang="en-US" altLang="ko-KR" sz="3200" b="1" dirty="0">
+                <a:solidFill>
+                  <a:schemeClr val="bg1"/>
+                </a:solidFill>
+                <a:latin typeface="+mj-lt"/>
+                <a:ea typeface="Malgun Gothic"/>
+                <a:cs typeface="Malgun Gothic"/>
+                <a:sym typeface="Malgun Gothic"/>
+              </a:rPr>
+              <a:t>2. </a:t>
+            </a:r>
+            <a:r>
+              <a:rPr lang="ko-KR" altLang="en-US" sz="3200" b="1" dirty="0">
+                <a:solidFill>
+                  <a:schemeClr val="bg1"/>
+                </a:solidFill>
+                <a:latin typeface="+mj-lt"/>
+                <a:ea typeface="Malgun Gothic"/>
+                <a:cs typeface="Malgun Gothic"/>
+                <a:sym typeface="Malgun Gothic"/>
+              </a:rPr>
+              <a:t>데이터 이해</a:t>
+            </a:r>
+            <a:endParaRPr sz="3200" b="1" dirty="0">
+              <a:solidFill>
+                <a:schemeClr val="bg1"/>
+              </a:solidFill>
+              <a:latin typeface="+mj-lt"/>
+              <a:ea typeface="Malgun Gothic"/>
+              <a:cs typeface="Malgun Gothic"/>
+              <a:sym typeface="Malgun Gothic"/>
+            </a:endParaRPr>
+          </a:p>
+        </p:txBody>
+      </p:sp>
+      <p:sp>
+        <p:nvSpPr>
+          <p:cNvPr id="3" name="Google Shape;124;p3">
+            <a:extLst>
+              <a:ext uri="{FF2B5EF4-FFF2-40B4-BE49-F238E27FC236}">
+                <a16:creationId xmlns:a16="http://schemas.microsoft.com/office/drawing/2014/main" id="{480E0013-E352-1A31-FEC8-61DCA3E6C384}"/>
+              </a:ext>
+            </a:extLst>
+          </p:cNvPr>
+          <p:cNvSpPr txBox="1"/>
+          <p:nvPr/>
+        </p:nvSpPr>
+        <p:spPr>
+          <a:xfrm>
+            <a:off x="9458325" y="46816"/>
+            <a:ext cx="2733673" cy="338514"/>
+          </a:xfrm>
+          <a:prstGeom prst="rect">
+            <a:avLst/>
+          </a:prstGeom>
+          <a:noFill/>
+          <a:ln>
+            <a:noFill/>
+          </a:ln>
+        </p:spPr>
+        <p:txBody>
+          <a:bodyPr spcFirstLastPara="1" wrap="square" lIns="91425" tIns="45700" rIns="91425" bIns="45700" anchor="t" anchorCtr="0">
+            <a:spAutoFit/>
+          </a:bodyPr>
+          <a:lstStyle/>
+          <a:p>
+            <a:pPr marL="0" marR="0" lvl="0" indent="0" algn="l" rtl="0">
+              <a:spcBef>
+                <a:spcPts val="0"/>
+              </a:spcBef>
+              <a:spcAft>
+                <a:spcPts val="0"/>
+              </a:spcAft>
+              <a:buNone/>
+            </a:pPr>
+            <a:r>
+              <a:rPr lang="ko-KR" altLang="en-US" sz="1600" b="1" dirty="0">
+                <a:solidFill>
+                  <a:schemeClr val="bg1"/>
+                </a:solidFill>
+                <a:latin typeface="+mj-lt"/>
+                <a:ea typeface="Malgun Gothic"/>
+                <a:cs typeface="Malgun Gothic"/>
+                <a:sym typeface="Malgun Gothic"/>
+              </a:rPr>
+              <a:t>데이터 설명 </a:t>
+            </a:r>
+            <a:r>
+              <a:rPr lang="ko-KR" sz="1600" b="1" dirty="0">
+                <a:solidFill>
+                  <a:schemeClr val="bg1"/>
+                </a:solidFill>
+                <a:latin typeface="+mj-lt"/>
+                <a:ea typeface="Malgun Gothic"/>
+                <a:cs typeface="Malgun Gothic"/>
+                <a:sym typeface="Malgun Gothic"/>
+              </a:rPr>
+              <a:t>&gt; </a:t>
+            </a:r>
+            <a:r>
+              <a:rPr lang="ko-KR" altLang="en-US" sz="1600" b="1" dirty="0">
+                <a:solidFill>
+                  <a:schemeClr val="accent4"/>
+                </a:solidFill>
+                <a:latin typeface="+mj-lt"/>
+                <a:ea typeface="Malgun Gothic"/>
+                <a:cs typeface="Malgun Gothic"/>
+                <a:sym typeface="Malgun Gothic"/>
+              </a:rPr>
+              <a:t>데이터 </a:t>
+            </a:r>
+            <a:r>
+              <a:rPr lang="en-US" altLang="ko-KR" sz="1600" b="1" dirty="0">
+                <a:solidFill>
+                  <a:schemeClr val="accent4"/>
+                </a:solidFill>
+                <a:latin typeface="+mj-lt"/>
+                <a:ea typeface="Malgun Gothic"/>
+                <a:cs typeface="Malgun Gothic"/>
+                <a:sym typeface="Malgun Gothic"/>
+              </a:rPr>
+              <a:t>EDA</a:t>
+            </a:r>
+            <a:endParaRPr sz="1600" b="1" dirty="0">
+              <a:solidFill>
+                <a:schemeClr val="accent4"/>
+              </a:solidFill>
+              <a:latin typeface="+mj-lt"/>
+              <a:ea typeface="Malgun Gothic"/>
+              <a:cs typeface="Malgun Gothic"/>
+              <a:sym typeface="Malgun Gothic"/>
+            </a:endParaRPr>
+          </a:p>
+        </p:txBody>
+      </p:sp>
+    </p:spTree>
+    <p:extLst>
+      <p:ext uri="{BB962C8B-B14F-4D97-AF65-F5344CB8AC3E}">
+        <p14:creationId xmlns:p14="http://schemas.microsoft.com/office/powerpoint/2010/main" val="2712241595"/>
+      </p:ext>
+    </p:extLst>
+  </p:cSld>
+  <p:clrMapOvr>
+    <a:masterClrMapping/>
+  </p:clrMapOvr>
+</p:sld>
+</file>
+
 <file path=ppt/slides/slide2.xml><?xml version="1.0" encoding="utf-8"?>
 <p:sld xmlns:a="http://schemas.openxmlformats.org/drawingml/2006/main" xmlns:r="http://schemas.openxmlformats.org/officeDocument/2006/relationships" xmlns:p="http://schemas.openxmlformats.org/presentationml/2006/main">
   <p:cSld>
@@ -4416,7 +4976,7 @@
         <p:spPr>
           <a:xfrm>
             <a:off x="2140046" y="4660310"/>
-            <a:ext cx="1867560" cy="307736"/>
+            <a:ext cx="1867560" cy="1169511"/>
           </a:xfrm>
           <a:prstGeom prst="rect">
             <a:avLst/>
@@ -4432,15 +4992,26 @@
           </a:bodyPr>
           <a:lstStyle/>
           <a:p>
-            <a:pPr marL="0" marR="0" lvl="0" indent="0" algn="l" rtl="0">
+            <a:pPr marR="0" lvl="0" algn="l" rtl="0">
               <a:spcBef>
                 <a:spcPts val="0"/>
               </a:spcBef>
               <a:spcAft>
                 <a:spcPts val="0"/>
               </a:spcAft>
-              <a:buNone/>
             </a:pPr>
+            <a:r>
+              <a:rPr lang="en-US" altLang="ko-KR" sz="1400" dirty="0">
+                <a:solidFill>
+                  <a:schemeClr val="lt1"/>
+                </a:solidFill>
+                <a:latin typeface="Malgun Gothic"/>
+                <a:ea typeface="Malgun Gothic"/>
+                <a:cs typeface="Malgun Gothic"/>
+                <a:sym typeface="Malgun Gothic"/>
+              </a:rPr>
+              <a:t>1. </a:t>
+            </a:r>
             <a:r>
               <a:rPr lang="ko-KR" sz="1400" dirty="0">
                 <a:solidFill>
@@ -4451,9 +5022,9 @@
                 <a:cs typeface="Malgun Gothic"/>
                 <a:sym typeface="Malgun Gothic"/>
               </a:rPr>
-              <a:t>1. 프로젝트 필요성 </a:t>
-            </a:r>
-            <a:endParaRPr sz="1400" dirty="0">
+              <a:t>프로젝트 필요성</a:t>
+            </a:r>
+            <a:endParaRPr lang="en-US" altLang="ko-KR" sz="1400" dirty="0">
               <a:solidFill>
                 <a:schemeClr val="lt1"/>
               </a:solidFill>
@@ -4463,50 +5034,29 @@
               <a:sym typeface="Malgun Gothic"/>
             </a:endParaRPr>
           </a:p>
-        </p:txBody>
-      </p:sp>
-      <p:sp>
-        <p:nvSpPr>
-          <p:cNvPr id="9" name="Google Shape;108;p2">
-            <a:extLst>
-              <a:ext uri="{FF2B5EF4-FFF2-40B4-BE49-F238E27FC236}">
-                <a16:creationId xmlns:a16="http://schemas.microsoft.com/office/drawing/2014/main" id="{7A61C8EA-CBEE-4282-DCA3-D55B90E35FCA}"/>
-              </a:ext>
-            </a:extLst>
-          </p:cNvPr>
-          <p:cNvSpPr txBox="1"/>
-          <p:nvPr/>
-        </p:nvSpPr>
-        <p:spPr>
-          <a:xfrm>
-            <a:off x="2140046" y="5008341"/>
-            <a:ext cx="1867560" cy="307777"/>
-          </a:xfrm>
-          <a:prstGeom prst="rect">
-            <a:avLst/>
-          </a:prstGeom>
-          <a:noFill/>
-          <a:ln>
-            <a:noFill/>
-          </a:ln>
-        </p:spPr>
-        <p:txBody>
-          <a:bodyPr spcFirstLastPara="1" wrap="square" lIns="91425" tIns="45700" rIns="91425" bIns="45700" anchor="t" anchorCtr="0">
-            <a:spAutoFit/>
-          </a:bodyPr>
-          <a:lstStyle/>
-          <a:p>
-            <a:pPr marL="0" marR="0" lvl="0" indent="0" algn="l" rtl="0">
+          <a:p>
+            <a:pPr marL="342900" marR="0" lvl="0" indent="-342900" algn="l" rtl="0">
               <a:spcBef>
                 <a:spcPts val="0"/>
               </a:spcBef>
               <a:spcAft>
                 <a:spcPts val="0"/>
               </a:spcAft>
-              <a:buNone/>
+              <a:buAutoNum type="arabicPeriod"/>
             </a:pPr>
-            <a:r>
-              <a:rPr lang="ko-KR" sz="1400" dirty="0">
+            <a:endParaRPr lang="en-US" altLang="ko-KR" sz="1400" dirty="0">
+              <a:solidFill>
+                <a:schemeClr val="lt1"/>
+              </a:solidFill>
+              <a:latin typeface="Malgun Gothic"/>
+              <a:ea typeface="Malgun Gothic"/>
+              <a:cs typeface="Malgun Gothic"/>
+              <a:sym typeface="Malgun Gothic"/>
+            </a:endParaRPr>
+          </a:p>
+          <a:p>
+            <a:r>
+              <a:rPr lang="en-US" altLang="ko-KR" sz="1400" dirty="0">
                 <a:solidFill>
                   <a:schemeClr val="lt1"/>
                 </a:solidFill>
@@ -4515,9 +5065,43 @@
                 <a:cs typeface="Malgun Gothic"/>
                 <a:sym typeface="Malgun Gothic"/>
               </a:rPr>
-              <a:t>2. 프로젝트 개념도</a:t>
-            </a:r>
-            <a:endParaRPr sz="1400" dirty="0">
+              <a:t>2. </a:t>
+            </a:r>
+            <a:r>
+              <a:rPr lang="ko-KR" altLang="en-US" sz="1400" dirty="0">
+                <a:solidFill>
+                  <a:schemeClr val="lt1"/>
+                </a:solidFill>
+                <a:latin typeface="Malgun Gothic"/>
+                <a:ea typeface="Malgun Gothic"/>
+                <a:cs typeface="Malgun Gothic"/>
+                <a:sym typeface="Malgun Gothic"/>
+              </a:rPr>
+              <a:t>프로젝트 개념도</a:t>
+            </a:r>
+          </a:p>
+          <a:p>
+            <a:pPr marR="0" lvl="0" algn="l" rtl="0">
+              <a:spcBef>
+                <a:spcPts val="0"/>
+              </a:spcBef>
+              <a:spcAft>
+                <a:spcPts val="0"/>
+              </a:spcAft>
+            </a:pPr>
+            <a:r>
+              <a:rPr lang="ko-KR" altLang="en-US" sz="1400" dirty="0">
+                <a:solidFill>
+                  <a:schemeClr val="lt1"/>
+                </a:solidFill>
+                <a:latin typeface="Malgun Gothic"/>
+                <a:ea typeface="Malgun Gothic"/>
+                <a:cs typeface="Malgun Gothic"/>
+                <a:sym typeface="Malgun Gothic"/>
+              </a:rPr>
+              <a:t> </a:t>
+            </a:r>
+            <a:endParaRPr lang="en-US" altLang="ko-KR" sz="1400" dirty="0">
               <a:solidFill>
                 <a:schemeClr val="lt1"/>
               </a:solidFill>
@@ -4526,6 +5110,32 @@
               <a:cs typeface="Malgun Gothic"/>
               <a:sym typeface="Malgun Gothic"/>
             </a:endParaRPr>
+          </a:p>
+          <a:p>
+            <a:r>
+              <a:rPr lang="en-US" altLang="ko-KR" sz="1400" dirty="0">
+                <a:solidFill>
+                  <a:schemeClr val="lt1"/>
+                </a:solidFill>
+                <a:latin typeface="Malgun Gothic"/>
+                <a:ea typeface="Malgun Gothic"/>
+                <a:cs typeface="Malgun Gothic"/>
+                <a:sym typeface="Malgun Gothic"/>
+              </a:rPr>
+              <a:t>3. </a:t>
+            </a:r>
+            <a:r>
+              <a:rPr lang="ko-KR" altLang="en-US" sz="1400" dirty="0">
+                <a:solidFill>
+                  <a:schemeClr val="lt1"/>
+                </a:solidFill>
+                <a:latin typeface="Malgun Gothic"/>
+                <a:ea typeface="Malgun Gothic"/>
+                <a:cs typeface="Malgun Gothic"/>
+                <a:sym typeface="Malgun Gothic"/>
+              </a:rPr>
+              <a:t>개발 환경</a:t>
+            </a:r>
           </a:p>
         </p:txBody>
       </p:sp>
@@ -4748,7 +5358,7 @@
         <p:spPr>
           <a:xfrm>
             <a:off x="4648318" y="4629132"/>
-            <a:ext cx="1753073" cy="307777"/>
+            <a:ext cx="1753073" cy="738623"/>
           </a:xfrm>
           <a:prstGeom prst="rect">
             <a:avLst/>
@@ -4764,17 +5374,16 @@
           </a:bodyPr>
           <a:lstStyle/>
           <a:p>
-            <a:pPr marL="0" marR="0" lvl="0" indent="0" algn="l" rtl="0">
+            <a:pPr marR="0" lvl="0" algn="l" rtl="0">
               <a:spcBef>
                 <a:spcPts val="0"/>
               </a:spcBef>
               <a:spcAft>
                 <a:spcPts val="0"/>
               </a:spcAft>
-              <a:buNone/>
             </a:pPr>
             <a:r>
-              <a:rPr lang="ko-KR" sz="1400" dirty="0">
+              <a:rPr lang="en-US" altLang="ko-KR" sz="1400" dirty="0">
                 <a:solidFill>
                   <a:schemeClr val="lt1"/>
                 </a:solidFill>
@@ -4783,9 +5392,21 @@
                 <a:cs typeface="Malgun Gothic"/>
                 <a:sym typeface="Malgun Gothic"/>
               </a:rPr>
-              <a:t>1. 개발환경</a:t>
-            </a:r>
-            <a:endParaRPr sz="1400" dirty="0">
+              <a:t>1. </a:t>
+            </a:r>
+            <a:r>
+              <a:rPr lang="ko-KR" altLang="en-US" sz="1400" dirty="0">
+                <a:solidFill>
+                  <a:schemeClr val="lt1"/>
+                </a:solidFill>
+                <a:latin typeface="Malgun Gothic"/>
+                <a:ea typeface="Malgun Gothic"/>
+                <a:cs typeface="Malgun Gothic"/>
+                <a:sym typeface="Malgun Gothic"/>
+              </a:rPr>
+              <a:t>데이터 설명</a:t>
+            </a:r>
+            <a:endParaRPr lang="en-US" altLang="ko-KR" sz="1400" dirty="0">
               <a:solidFill>
                 <a:schemeClr val="lt1"/>
               </a:solidFill>
@@ -4795,14 +5416,80 @@
               <a:sym typeface="Malgun Gothic"/>
             </a:endParaRPr>
           </a:p>
+          <a:p>
+            <a:pPr marL="342900" marR="0" lvl="0" indent="-342900" algn="l" rtl="0">
+              <a:spcBef>
+                <a:spcPts val="0"/>
+              </a:spcBef>
+              <a:spcAft>
+                <a:spcPts val="0"/>
+              </a:spcAft>
+              <a:buAutoNum type="arabicPeriod"/>
+            </a:pPr>
+            <a:endParaRPr lang="en-US" sz="1400" dirty="0">
+              <a:solidFill>
+                <a:schemeClr val="lt1"/>
+              </a:solidFill>
+              <a:latin typeface="Malgun Gothic"/>
+              <a:ea typeface="Malgun Gothic"/>
+              <a:cs typeface="Malgun Gothic"/>
+              <a:sym typeface="Malgun Gothic"/>
+            </a:endParaRPr>
+          </a:p>
+          <a:p>
+            <a:pPr marR="0" lvl="0" algn="l" rtl="0">
+              <a:spcBef>
+                <a:spcPts val="0"/>
+              </a:spcBef>
+              <a:spcAft>
+                <a:spcPts val="0"/>
+              </a:spcAft>
+            </a:pPr>
+            <a:r>
+              <a:rPr lang="en-US" altLang="ko-KR" sz="1400" dirty="0">
+                <a:solidFill>
+                  <a:schemeClr val="lt1"/>
+                </a:solidFill>
+                <a:latin typeface="Malgun Gothic"/>
+                <a:ea typeface="Malgun Gothic"/>
+                <a:cs typeface="Malgun Gothic"/>
+                <a:sym typeface="Malgun Gothic"/>
+              </a:rPr>
+              <a:t>2. </a:t>
+            </a:r>
+            <a:r>
+              <a:rPr lang="ko-KR" altLang="en-US" sz="1400" dirty="0">
+                <a:solidFill>
+                  <a:schemeClr val="lt1"/>
+                </a:solidFill>
+                <a:latin typeface="Malgun Gothic"/>
+                <a:ea typeface="Malgun Gothic"/>
+                <a:cs typeface="Malgun Gothic"/>
+                <a:sym typeface="Malgun Gothic"/>
+              </a:rPr>
+              <a:t>데이터 </a:t>
+            </a:r>
+            <a:r>
+              <a:rPr lang="en-US" altLang="ko-KR" sz="1400" dirty="0">
+                <a:solidFill>
+                  <a:schemeClr val="lt1"/>
+                </a:solidFill>
+                <a:latin typeface="Malgun Gothic"/>
+                <a:ea typeface="Malgun Gothic"/>
+                <a:cs typeface="Malgun Gothic"/>
+                <a:sym typeface="Malgun Gothic"/>
+              </a:rPr>
+              <a:t>EDA</a:t>
+            </a:r>
+          </a:p>
         </p:txBody>
       </p:sp>
       <p:sp>
         <p:nvSpPr>
-          <p:cNvPr id="14" name="Google Shape;106;p2">
+          <p:cNvPr id="2" name="Google Shape;100;p2">
             <a:extLst>
               <a:ext uri="{FF2B5EF4-FFF2-40B4-BE49-F238E27FC236}">
-                <a16:creationId xmlns:a16="http://schemas.microsoft.com/office/drawing/2014/main" id="{1ADEE0BF-73C4-900A-3D79-7FA9A6E28A46}"/>
+                <a16:creationId xmlns:a16="http://schemas.microsoft.com/office/drawing/2014/main" id="{B265C04B-8D6B-BDC3-A33F-834D9BF8ACDC}"/>
               </a:ext>
             </a:extLst>
           </p:cNvPr>
@@ -4811,8 +5498,8 @@
         </p:nvSpPr>
         <p:spPr>
           <a:xfrm>
-            <a:off x="4648315" y="5015766"/>
-            <a:ext cx="1753073" cy="307777"/>
+            <a:off x="7138940" y="2807547"/>
+            <a:ext cx="1117600" cy="1569660"/>
           </a:xfrm>
           <a:prstGeom prst="rect">
             <a:avLst/>
@@ -4838,7 +5525,7 @@
               <a:buNone/>
             </a:pPr>
             <a:r>
-              <a:rPr lang="ko-KR" sz="1400" dirty="0">
+              <a:rPr lang="ko-KR" sz="9600" b="1" dirty="0">
                 <a:solidFill>
                   <a:schemeClr val="lt1"/>
                 </a:solidFill>
@@ -4847,9 +5534,9 @@
                 <a:cs typeface="Malgun Gothic"/>
                 <a:sym typeface="Malgun Gothic"/>
               </a:rPr>
-              <a:t>2. 데이터 설명</a:t>
-            </a:r>
-            <a:endParaRPr sz="1400" dirty="0">
+              <a:t>Ⅲ</a:t>
+            </a:r>
+            <a:endParaRPr sz="9600" b="1" dirty="0">
               <a:solidFill>
                 <a:schemeClr val="lt1"/>
               </a:solidFill>
@@ -4863,10 +5550,10 @@
       </p:sp>
       <p:sp>
         <p:nvSpPr>
-          <p:cNvPr id="19" name="Google Shape;108;p2">
+          <p:cNvPr id="3" name="Google Shape;109;p2">
             <a:extLst>
               <a:ext uri="{FF2B5EF4-FFF2-40B4-BE49-F238E27FC236}">
-                <a16:creationId xmlns:a16="http://schemas.microsoft.com/office/drawing/2014/main" id="{A622981D-A9B9-14FA-9C6D-D58636D289A6}"/>
+                <a16:creationId xmlns:a16="http://schemas.microsoft.com/office/drawing/2014/main" id="{0B1C2D0C-242A-CBE9-974F-FAA43E661F3B}"/>
               </a:ext>
             </a:extLst>
           </p:cNvPr>
@@ -4875,8 +5562,8 @@
         </p:nvSpPr>
         <p:spPr>
           <a:xfrm>
-            <a:off x="2147302" y="5334909"/>
-            <a:ext cx="1867560" cy="307777"/>
+            <a:off x="7032578" y="4650942"/>
+            <a:ext cx="1753073" cy="738623"/>
           </a:xfrm>
           <a:prstGeom prst="rect">
             <a:avLst/>
@@ -4892,6 +5579,144 @@
           </a:bodyPr>
           <a:lstStyle/>
           <a:p>
+            <a:pPr marR="0" lvl="0" algn="l" rtl="0">
+              <a:spcBef>
+                <a:spcPts val="0"/>
+              </a:spcBef>
+              <a:spcAft>
+                <a:spcPts val="0"/>
+              </a:spcAft>
+            </a:pPr>
+            <a:r>
+              <a:rPr lang="en-US" altLang="ko-KR" sz="1400" dirty="0">
+                <a:solidFill>
+                  <a:schemeClr val="lt1"/>
+                </a:solidFill>
+                <a:latin typeface="Malgun Gothic"/>
+                <a:ea typeface="Malgun Gothic"/>
+                <a:cs typeface="Malgun Gothic"/>
+                <a:sym typeface="Malgun Gothic"/>
+              </a:rPr>
+              <a:t>1. </a:t>
+            </a:r>
+            <a:r>
+              <a:rPr lang="ko-KR" sz="1400" dirty="0">
+                <a:solidFill>
+                  <a:schemeClr val="lt1"/>
+                </a:solidFill>
+                <a:latin typeface="Malgun Gothic"/>
+                <a:ea typeface="Malgun Gothic"/>
+                <a:cs typeface="Malgun Gothic"/>
+                <a:sym typeface="Malgun Gothic"/>
+              </a:rPr>
+              <a:t>결측치 처리</a:t>
+            </a:r>
+            <a:endParaRPr lang="en-US" altLang="ko-KR" sz="1400" dirty="0">
+              <a:solidFill>
+                <a:schemeClr val="lt1"/>
+              </a:solidFill>
+              <a:latin typeface="Malgun Gothic"/>
+              <a:ea typeface="Malgun Gothic"/>
+              <a:cs typeface="Malgun Gothic"/>
+              <a:sym typeface="Malgun Gothic"/>
+            </a:endParaRPr>
+          </a:p>
+          <a:p>
+            <a:pPr marL="342900" marR="0" lvl="0" indent="-342900" algn="l" rtl="0">
+              <a:spcBef>
+                <a:spcPts val="0"/>
+              </a:spcBef>
+              <a:spcAft>
+                <a:spcPts val="0"/>
+              </a:spcAft>
+              <a:buAutoNum type="arabicPeriod"/>
+            </a:pPr>
+            <a:endParaRPr lang="en-US" sz="1400" dirty="0">
+              <a:solidFill>
+                <a:schemeClr val="lt1"/>
+              </a:solidFill>
+              <a:latin typeface="Malgun Gothic"/>
+              <a:ea typeface="Malgun Gothic"/>
+              <a:cs typeface="Malgun Gothic"/>
+              <a:sym typeface="Malgun Gothic"/>
+            </a:endParaRPr>
+          </a:p>
+          <a:p>
+            <a:pPr marR="0" lvl="0" algn="l" rtl="0">
+              <a:spcBef>
+                <a:spcPts val="0"/>
+              </a:spcBef>
+              <a:spcAft>
+                <a:spcPts val="0"/>
+              </a:spcAft>
+            </a:pPr>
+            <a:r>
+              <a:rPr lang="en-US" altLang="ko-KR" sz="1400" dirty="0">
+                <a:solidFill>
+                  <a:schemeClr val="lt1"/>
+                </a:solidFill>
+                <a:latin typeface="Malgun Gothic"/>
+                <a:ea typeface="Malgun Gothic"/>
+                <a:cs typeface="Malgun Gothic"/>
+                <a:sym typeface="Malgun Gothic"/>
+              </a:rPr>
+              <a:t>2. </a:t>
+            </a:r>
+            <a:r>
+              <a:rPr lang="ko-KR" altLang="en-US" sz="1400" dirty="0">
+                <a:solidFill>
+                  <a:schemeClr val="lt1"/>
+                </a:solidFill>
+                <a:latin typeface="Malgun Gothic"/>
+                <a:ea typeface="Malgun Gothic"/>
+                <a:cs typeface="Malgun Gothic"/>
+                <a:sym typeface="Malgun Gothic"/>
+              </a:rPr>
+              <a:t>파생변수 생성</a:t>
+            </a:r>
+            <a:endParaRPr lang="en-US" altLang="ko-KR" sz="1400" dirty="0">
+              <a:solidFill>
+                <a:schemeClr val="lt1"/>
+              </a:solidFill>
+              <a:latin typeface="Malgun Gothic"/>
+              <a:ea typeface="Malgun Gothic"/>
+              <a:cs typeface="Malgun Gothic"/>
+              <a:sym typeface="Malgun Gothic"/>
+            </a:endParaRPr>
+          </a:p>
+        </p:txBody>
+      </p:sp>
+      <p:sp>
+        <p:nvSpPr>
+          <p:cNvPr id="15" name="Google Shape;111;p2">
+            <a:extLst>
+              <a:ext uri="{FF2B5EF4-FFF2-40B4-BE49-F238E27FC236}">
+                <a16:creationId xmlns:a16="http://schemas.microsoft.com/office/drawing/2014/main" id="{C51BA0BA-0E1A-90C4-5863-DCDFAB45AE0D}"/>
+              </a:ext>
+            </a:extLst>
+          </p:cNvPr>
+          <p:cNvSpPr txBox="1"/>
+          <p:nvPr/>
+        </p:nvSpPr>
+        <p:spPr>
+          <a:xfrm>
+            <a:off x="7050513" y="4215620"/>
+            <a:ext cx="1705334" cy="369332"/>
+          </a:xfrm>
+          <a:prstGeom prst="rect">
+            <a:avLst/>
+          </a:prstGeom>
+          <a:noFill/>
+          <a:ln>
+            <a:noFill/>
+          </a:ln>
+        </p:spPr>
+        <p:txBody>
+          <a:bodyPr spcFirstLastPara="1" wrap="square" lIns="91425" tIns="45700" rIns="91425" bIns="45700" anchor="t" anchorCtr="0">
+            <a:spAutoFit/>
+          </a:bodyPr>
+          <a:lstStyle/>
+          <a:p>
             <a:pPr marL="0" marR="0" lvl="0" indent="0" algn="l" rtl="0">
               <a:spcBef>
                 <a:spcPts val="0"/>
@@ -4902,7 +5727,7 @@
               <a:buNone/>
             </a:pPr>
             <a:r>
-              <a:rPr lang="en-US" altLang="ko-KR" sz="1400" dirty="0">
+              <a:rPr lang="ko-KR" sz="1800" b="1">
                 <a:solidFill>
                   <a:schemeClr val="lt1"/>
                 </a:solidFill>
@@ -4911,21 +5736,9 @@
                 <a:cs typeface="Malgun Gothic"/>
                 <a:sym typeface="Malgun Gothic"/>
               </a:rPr>
-              <a:t>3. </a:t>
-            </a:r>
-            <a:r>
-              <a:rPr lang="ko-KR" altLang="en-US" sz="1400" dirty="0">
-                <a:solidFill>
-                  <a:schemeClr val="lt1"/>
-                </a:solidFill>
-                <a:latin typeface="Malgun Gothic"/>
-                <a:ea typeface="Malgun Gothic"/>
-                <a:cs typeface="Malgun Gothic"/>
-                <a:sym typeface="Malgun Gothic"/>
-              </a:rPr>
-              <a:t>개발 환경</a:t>
-            </a:r>
-            <a:endParaRPr sz="1400" dirty="0">
+              <a:t>데이터 전처리</a:t>
+            </a:r>
+            <a:endParaRPr sz="1800" b="1">
               <a:solidFill>
                 <a:schemeClr val="lt1"/>
               </a:solidFill>
@@ -6927,178 +7740,6 @@
           </a:p>
         </p:txBody>
       </p:sp>
-      <p:sp>
-        <p:nvSpPr>
-          <p:cNvPr id="8" name="Google Shape;174;p5">
-            <a:extLst>
-              <a:ext uri="{FF2B5EF4-FFF2-40B4-BE49-F238E27FC236}">
-                <a16:creationId xmlns:a16="http://schemas.microsoft.com/office/drawing/2014/main" id="{6E2FCB5B-0199-4894-2389-AA26EDB3BE78}"/>
-              </a:ext>
-            </a:extLst>
-          </p:cNvPr>
-          <p:cNvSpPr/>
-          <p:nvPr/>
-        </p:nvSpPr>
-        <p:spPr>
-          <a:xfrm>
-            <a:off x="5479645" y="2134663"/>
-            <a:ext cx="2458165" cy="3820885"/>
-          </a:xfrm>
-          <a:prstGeom prst="roundRect">
-            <a:avLst>
-              <a:gd name="adj" fmla="val 16667"/>
-            </a:avLst>
-          </a:prstGeom>
-          <a:solidFill>
-            <a:srgbClr val="DDEAF6"/>
-          </a:solidFill>
-          <a:ln w="12700" cap="flat" cmpd="sng">
-            <a:solidFill>
-              <a:srgbClr val="42719B"/>
-            </a:solidFill>
-            <a:prstDash val="solid"/>
-            <a:miter lim="800000"/>
-            <a:headEnd type="none" w="sm" len="sm"/>
-            <a:tailEnd type="none" w="sm" len="sm"/>
-          </a:ln>
-        </p:spPr>
-        <p:txBody>
-          <a:bodyPr spcFirstLastPara="1" wrap="square" lIns="91425" tIns="45700" rIns="91425" bIns="45700" anchor="ctr" anchorCtr="0">
-            <a:noAutofit/>
-          </a:bodyPr>
-          <a:lstStyle/>
-          <a:p>
-            <a:pPr marL="0" marR="0" lvl="0" indent="0" algn="ctr" rtl="0">
-              <a:spcBef>
-                <a:spcPts val="0"/>
-              </a:spcBef>
-              <a:spcAft>
-                <a:spcPts val="0"/>
-              </a:spcAft>
-              <a:buNone/>
-            </a:pPr>
-            <a:endParaRPr sz="1800" b="1">
-              <a:solidFill>
-                <a:schemeClr val="lt1"/>
-              </a:solidFill>
-              <a:latin typeface="+mj-lt"/>
-              <a:ea typeface="Malgun Gothic"/>
-              <a:cs typeface="Malgun Gothic"/>
-              <a:sym typeface="Malgun Gothic"/>
-            </a:endParaRPr>
-          </a:p>
-        </p:txBody>
-      </p:sp>
-      <p:sp>
-        <p:nvSpPr>
-          <p:cNvPr id="9" name="Google Shape;175;p5">
-            <a:extLst>
-              <a:ext uri="{FF2B5EF4-FFF2-40B4-BE49-F238E27FC236}">
-                <a16:creationId xmlns:a16="http://schemas.microsoft.com/office/drawing/2014/main" id="{F10542B8-AF8A-16E7-0437-7407FA940054}"/>
-              </a:ext>
-            </a:extLst>
-          </p:cNvPr>
-          <p:cNvSpPr/>
-          <p:nvPr/>
-        </p:nvSpPr>
-        <p:spPr>
-          <a:xfrm>
-            <a:off x="8634357" y="2134663"/>
-            <a:ext cx="2458165" cy="3820885"/>
-          </a:xfrm>
-          <a:prstGeom prst="roundRect">
-            <a:avLst>
-              <a:gd name="adj" fmla="val 16667"/>
-            </a:avLst>
-          </a:prstGeom>
-          <a:solidFill>
-            <a:srgbClr val="DDEAF6"/>
-          </a:solidFill>
-          <a:ln w="12700" cap="flat" cmpd="sng">
-            <a:solidFill>
-              <a:srgbClr val="42719B"/>
-            </a:solidFill>
-            <a:prstDash val="solid"/>
-            <a:miter lim="800000"/>
-            <a:headEnd type="none" w="sm" len="sm"/>
-            <a:tailEnd type="none" w="sm" len="sm"/>
-          </a:ln>
-        </p:spPr>
-        <p:txBody>
-          <a:bodyPr spcFirstLastPara="1" wrap="square" lIns="91425" tIns="45700" rIns="91425" bIns="45700" anchor="ctr" anchorCtr="0">
-            <a:noAutofit/>
-          </a:bodyPr>
-          <a:lstStyle/>
-          <a:p>
-            <a:pPr marL="0" marR="0" lvl="0" indent="0" algn="ctr" rtl="0">
-              <a:spcBef>
-                <a:spcPts val="0"/>
-              </a:spcBef>
-              <a:spcAft>
-                <a:spcPts val="0"/>
-              </a:spcAft>
-              <a:buNone/>
-            </a:pPr>
-            <a:endParaRPr sz="1800" b="1">
-              <a:solidFill>
-                <a:schemeClr val="lt1"/>
-              </a:solidFill>
-              <a:latin typeface="+mj-lt"/>
-              <a:ea typeface="Malgun Gothic"/>
-              <a:cs typeface="Malgun Gothic"/>
-              <a:sym typeface="Malgun Gothic"/>
-            </a:endParaRPr>
-          </a:p>
-        </p:txBody>
-      </p:sp>
-      <p:pic>
-        <p:nvPicPr>
-          <p:cNvPr id="10" name="Google Shape;186;p5">
-            <a:extLst>
-              <a:ext uri="{FF2B5EF4-FFF2-40B4-BE49-F238E27FC236}">
-                <a16:creationId xmlns:a16="http://schemas.microsoft.com/office/drawing/2014/main" id="{084E021D-443A-AD4F-B39A-3F70989575DB}"/>
-              </a:ext>
-            </a:extLst>
-          </p:cNvPr>
-          <p:cNvPicPr preferRelativeResize="0"/>
-          <p:nvPr/>
-        </p:nvPicPr>
-        <p:blipFill rotWithShape="1">
-          <a:blip r:embed="rId2">
-            <a:alphaModFix/>
-          </a:blip>
-          <a:srcRect/>
-          <a:stretch/>
-        </p:blipFill>
-        <p:spPr>
-          <a:xfrm>
-            <a:off x="5729819" y="3217263"/>
-            <a:ext cx="750911" cy="800500"/>
-          </a:xfrm>
-          <a:prstGeom prst="rect">
-            <a:avLst/>
-          </a:prstGeom>
-          <a:solidFill>
-            <a:srgbClr val="ECECEC"/>
-          </a:solidFill>
-          <a:ln w="88900" cap="sq" cmpd="sng">
-            <a:solidFill>
-              <a:srgbClr val="FFFFFF"/>
-            </a:solidFill>
-            <a:prstDash val="solid"/>
-            <a:miter lim="800000"/>
-            <a:headEnd type="none" w="sm" len="sm"/>
-            <a:tailEnd type="none" w="sm" len="sm"/>
-          </a:ln>
-          <a:effectLst>
-            <a:outerShdw blurRad="55000" dist="18000" dir="5400000" algn="tl" rotWithShape="0">
-              <a:srgbClr val="000000">
-                <a:alpha val="40000"/>
-              </a:srgbClr>
-            </a:outerShdw>
-          </a:effectLst>
-        </p:spPr>
-      </p:pic>
       <p:cxnSp>
         <p:nvCxnSpPr>
           <p:cNvPr id="12" name="Google Shape;188;p5">
@@ -7123,70 +7764,6 @@
           <a:ln w="57150" cap="flat" cmpd="sng">
             <a:solidFill>
               <a:schemeClr val="bg1"/>
-            </a:solidFill>
-            <a:prstDash val="solid"/>
-            <a:miter lim="800000"/>
-            <a:headEnd type="none" w="sm" len="sm"/>
-            <a:tailEnd type="none" w="sm" len="sm"/>
-          </a:ln>
-        </p:spPr>
-      </p:cxnSp>
-      <p:cxnSp>
-        <p:nvCxnSpPr>
-          <p:cNvPr id="13" name="Google Shape;189;p5">
-            <a:extLst>
-              <a:ext uri="{FF2B5EF4-FFF2-40B4-BE49-F238E27FC236}">
-                <a16:creationId xmlns:a16="http://schemas.microsoft.com/office/drawing/2014/main" id="{DAA3C4F4-C9FA-F290-5EB3-775099DC1A66}"/>
-              </a:ext>
-            </a:extLst>
-          </p:cNvPr>
-          <p:cNvCxnSpPr/>
-          <p:nvPr/>
-        </p:nvCxnSpPr>
-        <p:spPr>
-          <a:xfrm rot="10800000" flipH="1">
-            <a:off x="5479645" y="2720921"/>
-            <a:ext cx="2458165" cy="16329"/>
-          </a:xfrm>
-          <a:prstGeom prst="straightConnector1">
-            <a:avLst/>
-          </a:prstGeom>
-          <a:noFill/>
-          <a:ln w="9525" cap="flat" cmpd="sng">
-            <a:solidFill>
-              <a:schemeClr val="dk1"/>
-            </a:solidFill>
-            <a:prstDash val="solid"/>
-            <a:miter lim="800000"/>
-            <a:headEnd type="none" w="sm" len="sm"/>
-            <a:tailEnd type="none" w="sm" len="sm"/>
-          </a:ln>
-        </p:spPr>
-      </p:cxnSp>
-      <p:cxnSp>
-        <p:nvCxnSpPr>
-          <p:cNvPr id="14" name="Google Shape;190;p5">
-            <a:extLst>
-              <a:ext uri="{FF2B5EF4-FFF2-40B4-BE49-F238E27FC236}">
-                <a16:creationId xmlns:a16="http://schemas.microsoft.com/office/drawing/2014/main" id="{5F97D253-7A0A-C1AB-89FD-87F7AC8C980F}"/>
-              </a:ext>
-            </a:extLst>
-          </p:cNvPr>
-          <p:cNvCxnSpPr/>
-          <p:nvPr/>
-        </p:nvCxnSpPr>
-        <p:spPr>
-          <a:xfrm rot="10800000" flipH="1">
-            <a:off x="8634358" y="2749080"/>
-            <a:ext cx="2458165" cy="16329"/>
-          </a:xfrm>
-          <a:prstGeom prst="straightConnector1">
-            <a:avLst/>
-          </a:prstGeom>
-          <a:noFill/>
-          <a:ln w="9525" cap="flat" cmpd="sng">
-            <a:solidFill>
-              <a:schemeClr val="dk1"/>
             </a:solidFill>
             <a:prstDash val="solid"/>
             <a:miter lim="800000"/>
@@ -7261,134 +7838,6 @@
       </p:sp>
       <p:sp>
         <p:nvSpPr>
-          <p:cNvPr id="16" name="Google Shape;192;p5">
-            <a:extLst>
-              <a:ext uri="{FF2B5EF4-FFF2-40B4-BE49-F238E27FC236}">
-                <a16:creationId xmlns:a16="http://schemas.microsoft.com/office/drawing/2014/main" id="{73DEDB3F-D85D-99E7-7368-8928581766E6}"/>
-              </a:ext>
-            </a:extLst>
-          </p:cNvPr>
-          <p:cNvSpPr txBox="1"/>
-          <p:nvPr/>
-        </p:nvSpPr>
-        <p:spPr>
-          <a:xfrm>
-            <a:off x="6417128" y="2367918"/>
-            <a:ext cx="678991" cy="369332"/>
-          </a:xfrm>
-          <a:prstGeom prst="rect">
-            <a:avLst/>
-          </a:prstGeom>
-          <a:noFill/>
-          <a:ln>
-            <a:noFill/>
-          </a:ln>
-        </p:spPr>
-        <p:txBody>
-          <a:bodyPr spcFirstLastPara="1" wrap="square" lIns="91425" tIns="45700" rIns="91425" bIns="45700" anchor="t" anchorCtr="0">
-            <a:spAutoFit/>
-          </a:bodyPr>
-          <a:lstStyle/>
-          <a:p>
-            <a:pPr marL="0" marR="0" lvl="0" indent="0" algn="l" rtl="0">
-              <a:spcBef>
-                <a:spcPts val="0"/>
-              </a:spcBef>
-              <a:spcAft>
-                <a:spcPts val="0"/>
-              </a:spcAft>
-              <a:buNone/>
-            </a:pPr>
-            <a:r>
-              <a:rPr lang="ko-KR" sz="1800" b="1">
-                <a:solidFill>
-                  <a:schemeClr val="dk1"/>
-                </a:solidFill>
-                <a:latin typeface="+mj-lt"/>
-                <a:ea typeface="Malgun Gothic"/>
-                <a:cs typeface="Malgun Gothic"/>
-                <a:sym typeface="Malgun Gothic"/>
-              </a:rPr>
-              <a:t>Tool</a:t>
-            </a:r>
-            <a:endParaRPr sz="1800" b="1">
-              <a:solidFill>
-                <a:schemeClr val="dk1"/>
-              </a:solidFill>
-              <a:latin typeface="+mj-lt"/>
-              <a:ea typeface="Malgun Gothic"/>
-              <a:cs typeface="Malgun Gothic"/>
-              <a:sym typeface="Malgun Gothic"/>
-            </a:endParaRPr>
-          </a:p>
-        </p:txBody>
-      </p:sp>
-      <p:sp>
-        <p:nvSpPr>
-          <p:cNvPr id="17" name="Google Shape;193;p5">
-            <a:extLst>
-              <a:ext uri="{FF2B5EF4-FFF2-40B4-BE49-F238E27FC236}">
-                <a16:creationId xmlns:a16="http://schemas.microsoft.com/office/drawing/2014/main" id="{D36AEDE6-91D0-53AD-3BA8-A0178E67C93D}"/>
-              </a:ext>
-            </a:extLst>
-          </p:cNvPr>
-          <p:cNvSpPr txBox="1"/>
-          <p:nvPr/>
-        </p:nvSpPr>
-        <p:spPr>
-          <a:xfrm>
-            <a:off x="9078521" y="2398291"/>
-            <a:ext cx="1667811" cy="369332"/>
-          </a:xfrm>
-          <a:prstGeom prst="rect">
-            <a:avLst/>
-          </a:prstGeom>
-          <a:noFill/>
-          <a:ln>
-            <a:noFill/>
-          </a:ln>
-        </p:spPr>
-        <p:txBody>
-          <a:bodyPr spcFirstLastPara="1" wrap="square" lIns="91425" tIns="45700" rIns="91425" bIns="45700" anchor="t" anchorCtr="0">
-            <a:spAutoFit/>
-          </a:bodyPr>
-          <a:lstStyle/>
-          <a:p>
-            <a:pPr marL="0" marR="0" lvl="0" indent="0" algn="l" rtl="0">
-              <a:spcBef>
-                <a:spcPts val="0"/>
-              </a:spcBef>
-              <a:spcAft>
-                <a:spcPts val="0"/>
-              </a:spcAft>
-              <a:buNone/>
-            </a:pPr>
-            <a:r>
-              <a:rPr lang="ko-KR" sz="1800" b="1">
-                <a:solidFill>
-                  <a:schemeClr val="dk1"/>
-                </a:solidFill>
-                <a:latin typeface="+mj-lt"/>
-                <a:ea typeface="Malgun Gothic"/>
-                <a:cs typeface="Malgun Gothic"/>
-                <a:sym typeface="Malgun Gothic"/>
-              </a:rPr>
-              <a:t>Visualization</a:t>
-            </a:r>
-            <a:endParaRPr sz="1800" b="1">
-              <a:solidFill>
-                <a:schemeClr val="dk1"/>
-              </a:solidFill>
-              <a:latin typeface="+mj-lt"/>
-              <a:ea typeface="Malgun Gothic"/>
-              <a:cs typeface="Malgun Gothic"/>
-              <a:sym typeface="Malgun Gothic"/>
-            </a:endParaRPr>
-          </a:p>
-        </p:txBody>
-      </p:sp>
-      <p:sp>
-        <p:nvSpPr>
           <p:cNvPr id="18" name="Google Shape;194;p5">
             <a:extLst>
               <a:ext uri="{FF2B5EF4-FFF2-40B4-BE49-F238E27FC236}">
@@ -7482,260 +7931,46 @@
       </p:sp>
       <p:pic>
         <p:nvPicPr>
-          <p:cNvPr id="19" name="Google Shape;195;p5">
+          <p:cNvPr id="28" name="그림 27">
             <a:extLst>
               <a:ext uri="{FF2B5EF4-FFF2-40B4-BE49-F238E27FC236}">
-                <a16:creationId xmlns:a16="http://schemas.microsoft.com/office/drawing/2014/main" id="{E40DE7FA-BF80-BB1D-B7C8-1B86CCBCFA8B}"/>
+                <a16:creationId xmlns:a16="http://schemas.microsoft.com/office/drawing/2014/main" id="{BE4610C0-A591-1D4B-6B59-B66CF651CB6F}"/>
               </a:ext>
             </a:extLst>
           </p:cNvPr>
-          <p:cNvPicPr preferRelativeResize="0"/>
+          <p:cNvPicPr>
+            <a:picLocks noChangeAspect="1"/>
+          </p:cNvPicPr>
           <p:nvPr/>
         </p:nvPicPr>
-        <p:blipFill rotWithShape="1">
-          <a:blip r:embed="rId3">
-            <a:alphaModFix/>
+        <p:blipFill>
+          <a:blip r:embed="rId2">
+            <a:extLst>
+              <a:ext uri="{28A0092B-C50C-407E-A947-70E740481C1C}">
+                <a14:useLocalDpi xmlns:a14="http://schemas.microsoft.com/office/drawing/2010/main" val="0"/>
+              </a:ext>
+            </a:extLst>
           </a:blip>
-          <a:srcRect/>
-          <a:stretch/>
+          <a:stretch>
+            <a:fillRect/>
+          </a:stretch>
         </p:blipFill>
         <p:spPr>
           <a:xfrm>
-            <a:off x="5710925" y="4734088"/>
-            <a:ext cx="769805" cy="747930"/>
+            <a:off x="2619211" y="3186250"/>
+            <a:ext cx="1831568" cy="1824441"/>
           </a:xfrm>
           <a:prstGeom prst="rect">
             <a:avLst/>
           </a:prstGeom>
-          <a:solidFill>
-            <a:srgbClr val="ECECEC"/>
-          </a:solidFill>
-          <a:ln w="88900" cap="sq" cmpd="sng">
-            <a:solidFill>
-              <a:srgbClr val="FFFFFF"/>
-            </a:solidFill>
-            <a:prstDash val="solid"/>
-            <a:miter lim="800000"/>
-            <a:headEnd type="none" w="sm" len="sm"/>
-            <a:tailEnd type="none" w="sm" len="sm"/>
-          </a:ln>
-          <a:effectLst>
-            <a:outerShdw blurRad="55000" dist="18000" dir="5400000" algn="tl" rotWithShape="0">
-              <a:srgbClr val="000000">
-                <a:alpha val="40000"/>
-              </a:srgbClr>
-            </a:outerShdw>
-          </a:effectLst>
         </p:spPr>
       </p:pic>
       <p:sp>
         <p:nvSpPr>
-          <p:cNvPr id="20" name="Google Shape;196;p5">
+          <p:cNvPr id="3" name="Google Shape;173;p5">
             <a:extLst>
               <a:ext uri="{FF2B5EF4-FFF2-40B4-BE49-F238E27FC236}">
-                <a16:creationId xmlns:a16="http://schemas.microsoft.com/office/drawing/2014/main" id="{AF1AC2DC-1FD2-1682-BD04-E5B61B36889A}"/>
-              </a:ext>
-            </a:extLst>
-          </p:cNvPr>
-          <p:cNvSpPr txBox="1"/>
-          <p:nvPr/>
-        </p:nvSpPr>
-        <p:spPr>
-          <a:xfrm>
-            <a:off x="6455443" y="3260809"/>
-            <a:ext cx="1473938" cy="646331"/>
-          </a:xfrm>
-          <a:prstGeom prst="rect">
-            <a:avLst/>
-          </a:prstGeom>
-          <a:noFill/>
-          <a:ln>
-            <a:noFill/>
-          </a:ln>
-        </p:spPr>
-        <p:txBody>
-          <a:bodyPr spcFirstLastPara="1" wrap="square" lIns="91425" tIns="45700" rIns="91425" bIns="45700" anchor="t" anchorCtr="0">
-            <a:spAutoFit/>
-          </a:bodyPr>
-          <a:lstStyle/>
-          <a:p>
-            <a:pPr marL="0" marR="0" lvl="0" indent="0" algn="ctr" rtl="0">
-              <a:spcBef>
-                <a:spcPts val="0"/>
-              </a:spcBef>
-              <a:spcAft>
-                <a:spcPts val="0"/>
-              </a:spcAft>
-              <a:buNone/>
-            </a:pPr>
-            <a:r>
-              <a:rPr lang="ko-KR" sz="1800" b="1">
-                <a:solidFill>
-                  <a:schemeClr val="dk1"/>
-                </a:solidFill>
-                <a:latin typeface="+mj-lt"/>
-                <a:ea typeface="Malgun Gothic"/>
-                <a:cs typeface="Malgun Gothic"/>
-                <a:sym typeface="Malgun Gothic"/>
-              </a:rPr>
-              <a:t>JUPYTER</a:t>
-            </a:r>
-            <a:endParaRPr b="1">
-              <a:latin typeface="+mj-lt"/>
-            </a:endParaRPr>
-          </a:p>
-          <a:p>
-            <a:pPr marL="0" marR="0" lvl="0" indent="0" algn="ctr" rtl="0">
-              <a:spcBef>
-                <a:spcPts val="0"/>
-              </a:spcBef>
-              <a:spcAft>
-                <a:spcPts val="0"/>
-              </a:spcAft>
-              <a:buNone/>
-            </a:pPr>
-            <a:r>
-              <a:rPr lang="ko-KR" sz="1800" b="1">
-                <a:solidFill>
-                  <a:schemeClr val="dk1"/>
-                </a:solidFill>
-                <a:latin typeface="+mj-lt"/>
-                <a:ea typeface="Malgun Gothic"/>
-                <a:cs typeface="Malgun Gothic"/>
-                <a:sym typeface="Malgun Gothic"/>
-              </a:rPr>
-              <a:t>NOTEBOOK</a:t>
-            </a:r>
-            <a:endParaRPr sz="1800" b="1">
-              <a:solidFill>
-                <a:schemeClr val="dk1"/>
-              </a:solidFill>
-              <a:latin typeface="+mj-lt"/>
-              <a:ea typeface="Malgun Gothic"/>
-              <a:cs typeface="Malgun Gothic"/>
-              <a:sym typeface="Malgun Gothic"/>
-            </a:endParaRPr>
-          </a:p>
-        </p:txBody>
-      </p:sp>
-      <p:sp>
-        <p:nvSpPr>
-          <p:cNvPr id="21" name="Google Shape;197;p5">
-            <a:extLst>
-              <a:ext uri="{FF2B5EF4-FFF2-40B4-BE49-F238E27FC236}">
-                <a16:creationId xmlns:a16="http://schemas.microsoft.com/office/drawing/2014/main" id="{1DFEB1B4-B578-6163-1F67-63F5286CFA30}"/>
-              </a:ext>
-            </a:extLst>
-          </p:cNvPr>
-          <p:cNvSpPr txBox="1"/>
-          <p:nvPr/>
-        </p:nvSpPr>
-        <p:spPr>
-          <a:xfrm>
-            <a:off x="6568800" y="4906139"/>
-            <a:ext cx="1262045" cy="369332"/>
-          </a:xfrm>
-          <a:prstGeom prst="rect">
-            <a:avLst/>
-          </a:prstGeom>
-          <a:noFill/>
-          <a:ln>
-            <a:noFill/>
-          </a:ln>
-        </p:spPr>
-        <p:txBody>
-          <a:bodyPr spcFirstLastPara="1" wrap="square" lIns="91425" tIns="45700" rIns="91425" bIns="45700" anchor="t" anchorCtr="0">
-            <a:spAutoFit/>
-          </a:bodyPr>
-          <a:lstStyle/>
-          <a:p>
-            <a:pPr marL="0" marR="0" lvl="0" indent="0" algn="ctr" rtl="0">
-              <a:spcBef>
-                <a:spcPts val="0"/>
-              </a:spcBef>
-              <a:spcAft>
-                <a:spcPts val="0"/>
-              </a:spcAft>
-              <a:buNone/>
-            </a:pPr>
-            <a:r>
-              <a:rPr lang="ko-KR" sz="1800" b="1">
-                <a:solidFill>
-                  <a:schemeClr val="dk1"/>
-                </a:solidFill>
-                <a:latin typeface="+mj-lt"/>
-                <a:ea typeface="Malgun Gothic"/>
-                <a:cs typeface="Malgun Gothic"/>
-                <a:sym typeface="Malgun Gothic"/>
-              </a:rPr>
-              <a:t>VSCODE</a:t>
-            </a:r>
-            <a:endParaRPr sz="1800" b="1">
-              <a:solidFill>
-                <a:schemeClr val="dk1"/>
-              </a:solidFill>
-              <a:latin typeface="+mj-lt"/>
-              <a:ea typeface="Malgun Gothic"/>
-              <a:cs typeface="Malgun Gothic"/>
-              <a:sym typeface="Malgun Gothic"/>
-            </a:endParaRPr>
-          </a:p>
-        </p:txBody>
-      </p:sp>
-      <p:pic>
-        <p:nvPicPr>
-          <p:cNvPr id="22" name="Google Shape;198;p5">
-            <a:extLst>
-              <a:ext uri="{FF2B5EF4-FFF2-40B4-BE49-F238E27FC236}">
-                <a16:creationId xmlns:a16="http://schemas.microsoft.com/office/drawing/2014/main" id="{E226C42A-E853-8125-0ACC-47F82D59E61B}"/>
-              </a:ext>
-            </a:extLst>
-          </p:cNvPr>
-          <p:cNvPicPr preferRelativeResize="0"/>
-          <p:nvPr/>
-        </p:nvPicPr>
-        <p:blipFill rotWithShape="1">
-          <a:blip r:embed="rId4">
-            <a:alphaModFix/>
-          </a:blip>
-          <a:srcRect/>
-          <a:stretch/>
-        </p:blipFill>
-        <p:spPr>
-          <a:xfrm>
-            <a:off x="8883720" y="3175871"/>
-            <a:ext cx="779134" cy="816208"/>
-          </a:xfrm>
-          <a:prstGeom prst="rect">
-            <a:avLst/>
-          </a:prstGeom>
-          <a:solidFill>
-            <a:srgbClr val="ECECEC"/>
-          </a:solidFill>
-          <a:ln w="88900" cap="sq" cmpd="sng">
-            <a:solidFill>
-              <a:srgbClr val="FFFFFF"/>
-            </a:solidFill>
-            <a:prstDash val="solid"/>
-            <a:miter lim="800000"/>
-            <a:headEnd type="none" w="sm" len="sm"/>
-            <a:tailEnd type="none" w="sm" len="sm"/>
-          </a:ln>
-          <a:effectLst>
-            <a:outerShdw blurRad="55000" dist="18000" dir="5400000" algn="tl" rotWithShape="0">
-              <a:srgbClr val="000000">
-                <a:alpha val="40000"/>
-              </a:srgbClr>
-            </a:outerShdw>
-          </a:effectLst>
-        </p:spPr>
-      </p:pic>
-      <p:sp>
-        <p:nvSpPr>
-          <p:cNvPr id="23" name="Google Shape;199;p5">
-            <a:extLst>
-              <a:ext uri="{FF2B5EF4-FFF2-40B4-BE49-F238E27FC236}">
-                <a16:creationId xmlns:a16="http://schemas.microsoft.com/office/drawing/2014/main" id="{94F8C9BB-E37C-D72D-0B1A-AD704080608C}"/>
+                <a16:creationId xmlns:a16="http://schemas.microsoft.com/office/drawing/2014/main" id="{3048E174-14BB-30F2-A1D2-FCA58D41FFE3}"/>
               </a:ext>
             </a:extLst>
           </p:cNvPr>
@@ -7744,18 +7979,22 @@
         </p:nvSpPr>
         <p:spPr>
           <a:xfrm>
-            <a:off x="9411828" y="3223840"/>
-            <a:ext cx="213185" cy="353464"/>
+            <a:off x="5403217" y="2136752"/>
+            <a:ext cx="2458165" cy="3820885"/>
           </a:xfrm>
-          <a:prstGeom prst="rect">
-            <a:avLst/>
+          <a:prstGeom prst="roundRect">
+            <a:avLst>
+              <a:gd name="adj" fmla="val 16667"/>
+            </a:avLst>
           </a:prstGeom>
           <a:solidFill>
-            <a:schemeClr val="lt1"/>
+            <a:schemeClr val="tx2">
+              <a:lumMod val="75000"/>
+            </a:schemeClr>
           </a:solidFill>
-          <a:ln w="12700" cap="flat" cmpd="sng">
+          <a:ln w="57150" cap="flat" cmpd="sng">
             <a:solidFill>
-              <a:schemeClr val="lt1"/>
+              <a:schemeClr val="bg1"/>
             </a:solidFill>
             <a:prstDash val="solid"/>
             <a:miter lim="800000"/>
@@ -7790,12 +8029,44 @@
           </a:p>
         </p:txBody>
       </p:sp>
+      <p:cxnSp>
+        <p:nvCxnSpPr>
+          <p:cNvPr id="6" name="Google Shape;188;p5">
+            <a:extLst>
+              <a:ext uri="{FF2B5EF4-FFF2-40B4-BE49-F238E27FC236}">
+                <a16:creationId xmlns:a16="http://schemas.microsoft.com/office/drawing/2014/main" id="{6D8C0562-42B8-52AE-A775-206152844300}"/>
+              </a:ext>
+            </a:extLst>
+          </p:cNvPr>
+          <p:cNvCxnSpPr/>
+          <p:nvPr/>
+        </p:nvCxnSpPr>
+        <p:spPr>
+          <a:xfrm rot="10800000" flipH="1">
+            <a:off x="5403217" y="2743200"/>
+            <a:ext cx="2458165" cy="16329"/>
+          </a:xfrm>
+          <a:prstGeom prst="straightConnector1">
+            <a:avLst/>
+          </a:prstGeom>
+          <a:noFill/>
+          <a:ln w="57150" cap="flat" cmpd="sng">
+            <a:solidFill>
+              <a:schemeClr val="bg1"/>
+            </a:solidFill>
+            <a:prstDash val="solid"/>
+            <a:miter lim="800000"/>
+            <a:headEnd type="none" w="sm" len="sm"/>
+            <a:tailEnd type="none" w="sm" len="sm"/>
+          </a:ln>
+        </p:spPr>
+      </p:cxnSp>
       <p:sp>
         <p:nvSpPr>
-          <p:cNvPr id="24" name="Google Shape;200;p5">
+          <p:cNvPr id="11" name="Google Shape;191;p5">
             <a:extLst>
               <a:ext uri="{FF2B5EF4-FFF2-40B4-BE49-F238E27FC236}">
-                <a16:creationId xmlns:a16="http://schemas.microsoft.com/office/drawing/2014/main" id="{800A8F8A-BBC3-8CB0-2435-5417F9710B92}"/>
+                <a16:creationId xmlns:a16="http://schemas.microsoft.com/office/drawing/2014/main" id="{1CFB9534-A612-472C-3A37-7A89DF28C4C0}"/>
               </a:ext>
             </a:extLst>
           </p:cNvPr>
@@ -7804,8 +8075,8 @@
         </p:nvSpPr>
         <p:spPr>
           <a:xfrm>
-            <a:off x="9733194" y="3444758"/>
-            <a:ext cx="1325512" cy="369332"/>
+            <a:off x="5403216" y="2280834"/>
+            <a:ext cx="2458165" cy="400069"/>
           </a:xfrm>
           <a:prstGeom prst="rect">
             <a:avLst/>
@@ -7831,20 +8102,20 @@
               <a:buNone/>
             </a:pPr>
             <a:r>
-              <a:rPr lang="ko-KR" sz="1800" b="1">
+              <a:rPr lang="en-US" altLang="ko-KR" sz="2000" b="1" dirty="0">
                 <a:solidFill>
-                  <a:schemeClr val="dk1"/>
+                  <a:schemeClr val="bg1"/>
                 </a:solidFill>
                 <a:latin typeface="+mj-lt"/>
                 <a:ea typeface="Malgun Gothic"/>
                 <a:cs typeface="Malgun Gothic"/>
                 <a:sym typeface="Malgun Gothic"/>
               </a:rPr>
-              <a:t>Matplotlib</a:t>
-            </a:r>
-            <a:endParaRPr sz="1800" b="1">
+              <a:t>Tool</a:t>
+            </a:r>
+            <a:endParaRPr sz="2000" b="1" dirty="0">
               <a:solidFill>
-                <a:schemeClr val="dk1"/>
+                <a:schemeClr val="bg1"/>
               </a:solidFill>
               <a:latin typeface="+mj-lt"/>
               <a:ea typeface="Malgun Gothic"/>
@@ -7856,58 +8127,46 @@
       </p:sp>
       <p:pic>
         <p:nvPicPr>
-          <p:cNvPr id="25" name="Google Shape;201;p5">
+          <p:cNvPr id="33" name="그림 32">
             <a:extLst>
               <a:ext uri="{FF2B5EF4-FFF2-40B4-BE49-F238E27FC236}">
-                <a16:creationId xmlns:a16="http://schemas.microsoft.com/office/drawing/2014/main" id="{98D41D3E-D307-DDBA-BE1A-C85197FA2D8A}"/>
+                <a16:creationId xmlns:a16="http://schemas.microsoft.com/office/drawing/2014/main" id="{59A240CF-4CB0-E246-3C83-5777EE013A4F}"/>
               </a:ext>
             </a:extLst>
           </p:cNvPr>
-          <p:cNvPicPr preferRelativeResize="0"/>
+          <p:cNvPicPr>
+            <a:picLocks noChangeAspect="1"/>
+          </p:cNvPicPr>
           <p:nvPr/>
         </p:nvPicPr>
-        <p:blipFill rotWithShape="1">
-          <a:blip r:embed="rId5">
-            <a:alphaModFix/>
+        <p:blipFill>
+          <a:blip r:embed="rId3">
+            <a:extLst>
+              <a:ext uri="{28A0092B-C50C-407E-A947-70E740481C1C}">
+                <a14:useLocalDpi xmlns:a14="http://schemas.microsoft.com/office/drawing/2010/main" val="0"/>
+              </a:ext>
+            </a:extLst>
           </a:blip>
-          <a:srcRect/>
-          <a:stretch/>
+          <a:stretch>
+            <a:fillRect/>
+          </a:stretch>
         </p:blipFill>
         <p:spPr>
           <a:xfrm>
-            <a:off x="8894441" y="4681922"/>
-            <a:ext cx="832704" cy="800096"/>
+            <a:off x="6096000" y="2878382"/>
+            <a:ext cx="917407" cy="913824"/>
           </a:xfrm>
           <a:prstGeom prst="rect">
             <a:avLst/>
           </a:prstGeom>
-          <a:solidFill>
-            <a:srgbClr val="ECECEC"/>
-          </a:solidFill>
-          <a:ln w="88900" cap="sq" cmpd="sng">
-            <a:solidFill>
-              <a:srgbClr val="FFFFFF"/>
-            </a:solidFill>
-            <a:prstDash val="solid"/>
-            <a:miter lim="800000"/>
-            <a:headEnd type="none" w="sm" len="sm"/>
-            <a:tailEnd type="none" w="sm" len="sm"/>
-          </a:ln>
-          <a:effectLst>
-            <a:outerShdw blurRad="55000" dist="18000" dir="5400000" algn="tl" rotWithShape="0">
-              <a:srgbClr val="000000">
-                <a:alpha val="40000"/>
-              </a:srgbClr>
-            </a:outerShdw>
-          </a:effectLst>
         </p:spPr>
       </p:pic>
       <p:sp>
         <p:nvSpPr>
-          <p:cNvPr id="26" name="Google Shape;202;p5">
+          <p:cNvPr id="34" name="Google Shape;194;p5">
             <a:extLst>
               <a:ext uri="{FF2B5EF4-FFF2-40B4-BE49-F238E27FC236}">
-                <a16:creationId xmlns:a16="http://schemas.microsoft.com/office/drawing/2014/main" id="{8EB8EC39-ACD8-5497-FB13-E10EA0EC056E}"/>
+                <a16:creationId xmlns:a16="http://schemas.microsoft.com/office/drawing/2014/main" id="{396B638B-7EBF-6569-61B3-5D8E0ADD57A2}"/>
               </a:ext>
             </a:extLst>
           </p:cNvPr>
@@ -7916,8 +8175,8 @@
         </p:nvSpPr>
         <p:spPr>
           <a:xfrm>
-            <a:off x="9727145" y="4879821"/>
-            <a:ext cx="1325512" cy="369332"/>
+            <a:off x="5403215" y="3737890"/>
+            <a:ext cx="2458165" cy="338514"/>
           </a:xfrm>
           <a:prstGeom prst="rect">
             <a:avLst/>
@@ -7943,20 +8202,20 @@
               <a:buNone/>
             </a:pPr>
             <a:r>
-              <a:rPr lang="ko-KR" sz="1800" b="1">
+              <a:rPr lang="en-US" altLang="ko-KR" sz="1600" b="1" dirty="0">
                 <a:solidFill>
-                  <a:schemeClr val="dk1"/>
+                  <a:schemeClr val="bg1"/>
                 </a:solidFill>
                 <a:latin typeface="+mj-lt"/>
                 <a:ea typeface="Malgun Gothic"/>
                 <a:cs typeface="Malgun Gothic"/>
                 <a:sym typeface="Malgun Gothic"/>
               </a:rPr>
-              <a:t>Power BI</a:t>
-            </a:r>
-            <a:endParaRPr sz="1800" b="1">
+              <a:t>Visual Studio Code</a:t>
+            </a:r>
+            <a:endParaRPr lang="ko-KR" altLang="en-US" sz="1600" b="1" dirty="0">
               <a:solidFill>
-                <a:schemeClr val="dk1"/>
+                <a:schemeClr val="bg1"/>
               </a:solidFill>
               <a:latin typeface="+mj-lt"/>
               <a:ea typeface="Malgun Gothic"/>
@@ -7968,10 +8227,10 @@
       </p:sp>
       <p:pic>
         <p:nvPicPr>
-          <p:cNvPr id="28" name="그림 27">
+          <p:cNvPr id="36" name="그림 35">
             <a:extLst>
               <a:ext uri="{FF2B5EF4-FFF2-40B4-BE49-F238E27FC236}">
-                <a16:creationId xmlns:a16="http://schemas.microsoft.com/office/drawing/2014/main" id="{BE4610C0-A591-1D4B-6B59-B66CF651CB6F}"/>
+                <a16:creationId xmlns:a16="http://schemas.microsoft.com/office/drawing/2014/main" id="{92C76106-4472-CCD5-8BDE-A773609A7B5D}"/>
               </a:ext>
             </a:extLst>
           </p:cNvPr>
@@ -7981,7 +8240,7 @@
           <p:nvPr/>
         </p:nvPicPr>
         <p:blipFill>
-          <a:blip r:embed="rId6">
+          <a:blip r:embed="rId4">
             <a:extLst>
               <a:ext uri="{28A0092B-C50C-407E-A947-70E740481C1C}">
                 <a14:useLocalDpi xmlns:a14="http://schemas.microsoft.com/office/drawing/2010/main" val="0"/>
@@ -7994,8 +8253,332 @@
         </p:blipFill>
         <p:spPr>
           <a:xfrm>
-            <a:off x="2619211" y="3186250"/>
-            <a:ext cx="1831568" cy="1824441"/>
+            <a:off x="5998599" y="4267312"/>
+            <a:ext cx="1257596" cy="1257596"/>
+          </a:xfrm>
+          <a:prstGeom prst="rect">
+            <a:avLst/>
+          </a:prstGeom>
+        </p:spPr>
+      </p:pic>
+      <p:sp>
+        <p:nvSpPr>
+          <p:cNvPr id="37" name="Google Shape;194;p5">
+            <a:extLst>
+              <a:ext uri="{FF2B5EF4-FFF2-40B4-BE49-F238E27FC236}">
+                <a16:creationId xmlns:a16="http://schemas.microsoft.com/office/drawing/2014/main" id="{B118A78E-7B7D-B0D2-784D-64E22D254E8D}"/>
+              </a:ext>
+            </a:extLst>
+          </p:cNvPr>
+          <p:cNvSpPr txBox="1"/>
+          <p:nvPr/>
+        </p:nvSpPr>
+        <p:spPr>
+          <a:xfrm>
+            <a:off x="5398314" y="5492754"/>
+            <a:ext cx="2458165" cy="338514"/>
+          </a:xfrm>
+          <a:prstGeom prst="rect">
+            <a:avLst/>
+          </a:prstGeom>
+          <a:noFill/>
+          <a:ln>
+            <a:noFill/>
+          </a:ln>
+        </p:spPr>
+        <p:txBody>
+          <a:bodyPr spcFirstLastPara="1" wrap="square" lIns="91425" tIns="45700" rIns="91425" bIns="45700" anchor="t" anchorCtr="0">
+            <a:spAutoFit/>
+          </a:bodyPr>
+          <a:lstStyle/>
+          <a:p>
+            <a:pPr marL="0" marR="0" lvl="0" indent="0" algn="ctr" rtl="0">
+              <a:spcBef>
+                <a:spcPts val="0"/>
+              </a:spcBef>
+              <a:spcAft>
+                <a:spcPts val="0"/>
+              </a:spcAft>
+              <a:buNone/>
+            </a:pPr>
+            <a:r>
+              <a:rPr lang="en-US" altLang="ko-KR" sz="1600" b="1" dirty="0">
+                <a:solidFill>
+                  <a:schemeClr val="bg1"/>
+                </a:solidFill>
+                <a:latin typeface="+mj-lt"/>
+                <a:ea typeface="Malgun Gothic"/>
+                <a:cs typeface="Malgun Gothic"/>
+                <a:sym typeface="Malgun Gothic"/>
+              </a:rPr>
+              <a:t>Github &amp; Git</a:t>
+            </a:r>
+            <a:endParaRPr lang="ko-KR" altLang="en-US" sz="1600" b="1" dirty="0">
+              <a:solidFill>
+                <a:schemeClr val="bg1"/>
+              </a:solidFill>
+              <a:latin typeface="+mj-lt"/>
+              <a:ea typeface="Malgun Gothic"/>
+              <a:cs typeface="Malgun Gothic"/>
+              <a:sym typeface="Malgun Gothic"/>
+            </a:endParaRPr>
+          </a:p>
+        </p:txBody>
+      </p:sp>
+      <p:sp>
+        <p:nvSpPr>
+          <p:cNvPr id="38" name="Google Shape;173;p5">
+            <a:extLst>
+              <a:ext uri="{FF2B5EF4-FFF2-40B4-BE49-F238E27FC236}">
+                <a16:creationId xmlns:a16="http://schemas.microsoft.com/office/drawing/2014/main" id="{BCA8F33C-86D9-89B7-5328-A44123EDB149}"/>
+              </a:ext>
+            </a:extLst>
+          </p:cNvPr>
+          <p:cNvSpPr/>
+          <p:nvPr/>
+        </p:nvSpPr>
+        <p:spPr>
+          <a:xfrm>
+            <a:off x="8509796" y="2136752"/>
+            <a:ext cx="2458165" cy="3820885"/>
+          </a:xfrm>
+          <a:prstGeom prst="roundRect">
+            <a:avLst>
+              <a:gd name="adj" fmla="val 16667"/>
+            </a:avLst>
+          </a:prstGeom>
+          <a:solidFill>
+            <a:schemeClr val="tx2">
+              <a:lumMod val="75000"/>
+            </a:schemeClr>
+          </a:solidFill>
+          <a:ln w="57150" cap="flat" cmpd="sng">
+            <a:solidFill>
+              <a:schemeClr val="bg1"/>
+            </a:solidFill>
+            <a:prstDash val="solid"/>
+            <a:miter lim="800000"/>
+            <a:headEnd type="none" w="sm" len="sm"/>
+            <a:tailEnd type="none" w="sm" len="sm"/>
+          </a:ln>
+        </p:spPr>
+        <p:txBody>
+          <a:bodyPr spcFirstLastPara="1" wrap="square" lIns="91425" tIns="45700" rIns="91425" bIns="45700" anchor="ctr" anchorCtr="0">
+            <a:noAutofit/>
+          </a:bodyPr>
+          <a:lstStyle/>
+          <a:p>
+            <a:pPr marL="0" marR="0" lvl="0" indent="0" algn="ctr" rtl="0">
+              <a:spcBef>
+                <a:spcPts val="0"/>
+              </a:spcBef>
+              <a:spcAft>
+                <a:spcPts val="0"/>
+              </a:spcAft>
+              <a:buNone/>
+            </a:pPr>
+            <a:endParaRPr sz="1800" b="1">
+              <a:solidFill>
+                <a:schemeClr val="lt1"/>
+              </a:solidFill>
+              <a:latin typeface="+mj-lt"/>
+              <a:ea typeface="Malgun Gothic"/>
+              <a:cs typeface="Malgun Gothic"/>
+              <a:sym typeface="Malgun Gothic"/>
+            </a:endParaRPr>
+          </a:p>
+        </p:txBody>
+      </p:sp>
+      <p:cxnSp>
+        <p:nvCxnSpPr>
+          <p:cNvPr id="39" name="Google Shape;188;p5">
+            <a:extLst>
+              <a:ext uri="{FF2B5EF4-FFF2-40B4-BE49-F238E27FC236}">
+                <a16:creationId xmlns:a16="http://schemas.microsoft.com/office/drawing/2014/main" id="{F672B176-8BAF-DE16-6E86-6A27798DC7D6}"/>
+              </a:ext>
+            </a:extLst>
+          </p:cNvPr>
+          <p:cNvCxnSpPr/>
+          <p:nvPr/>
+        </p:nvCxnSpPr>
+        <p:spPr>
+          <a:xfrm rot="10800000" flipH="1">
+            <a:off x="8509796" y="2743200"/>
+            <a:ext cx="2458165" cy="16329"/>
+          </a:xfrm>
+          <a:prstGeom prst="straightConnector1">
+            <a:avLst/>
+          </a:prstGeom>
+          <a:noFill/>
+          <a:ln w="57150" cap="flat" cmpd="sng">
+            <a:solidFill>
+              <a:schemeClr val="bg1"/>
+            </a:solidFill>
+            <a:prstDash val="solid"/>
+            <a:miter lim="800000"/>
+            <a:headEnd type="none" w="sm" len="sm"/>
+            <a:tailEnd type="none" w="sm" len="sm"/>
+          </a:ln>
+        </p:spPr>
+      </p:cxnSp>
+      <p:sp>
+        <p:nvSpPr>
+          <p:cNvPr id="40" name="Google Shape;191;p5">
+            <a:extLst>
+              <a:ext uri="{FF2B5EF4-FFF2-40B4-BE49-F238E27FC236}">
+                <a16:creationId xmlns:a16="http://schemas.microsoft.com/office/drawing/2014/main" id="{0CFF9445-2BBD-E1F5-A796-1ED5C192B617}"/>
+              </a:ext>
+            </a:extLst>
+          </p:cNvPr>
+          <p:cNvSpPr txBox="1"/>
+          <p:nvPr/>
+        </p:nvSpPr>
+        <p:spPr>
+          <a:xfrm>
+            <a:off x="8509795" y="2280834"/>
+            <a:ext cx="2458165" cy="400069"/>
+          </a:xfrm>
+          <a:prstGeom prst="rect">
+            <a:avLst/>
+          </a:prstGeom>
+          <a:noFill/>
+          <a:ln>
+            <a:noFill/>
+          </a:ln>
+        </p:spPr>
+        <p:txBody>
+          <a:bodyPr spcFirstLastPara="1" wrap="square" lIns="91425" tIns="45700" rIns="91425" bIns="45700" anchor="t" anchorCtr="0">
+            <a:spAutoFit/>
+          </a:bodyPr>
+          <a:lstStyle/>
+          <a:p>
+            <a:pPr marL="0" marR="0" lvl="0" indent="0" algn="ctr" rtl="0">
+              <a:spcBef>
+                <a:spcPts val="0"/>
+              </a:spcBef>
+              <a:spcAft>
+                <a:spcPts val="0"/>
+              </a:spcAft>
+              <a:buNone/>
+            </a:pPr>
+            <a:r>
+              <a:rPr lang="en-US" altLang="ko-KR" sz="2000" b="1" dirty="0">
+                <a:solidFill>
+                  <a:schemeClr val="bg1"/>
+                </a:solidFill>
+                <a:latin typeface="+mj-lt"/>
+                <a:ea typeface="Malgun Gothic"/>
+                <a:cs typeface="Malgun Gothic"/>
+                <a:sym typeface="Malgun Gothic"/>
+              </a:rPr>
+              <a:t>Visualization</a:t>
+            </a:r>
+            <a:endParaRPr sz="2000" b="1" dirty="0">
+              <a:solidFill>
+                <a:schemeClr val="bg1"/>
+              </a:solidFill>
+              <a:latin typeface="+mj-lt"/>
+              <a:ea typeface="Malgun Gothic"/>
+              <a:cs typeface="Malgun Gothic"/>
+              <a:sym typeface="Malgun Gothic"/>
+            </a:endParaRPr>
+          </a:p>
+        </p:txBody>
+      </p:sp>
+      <p:sp>
+        <p:nvSpPr>
+          <p:cNvPr id="44" name="Google Shape;194;p5">
+            <a:extLst>
+              <a:ext uri="{FF2B5EF4-FFF2-40B4-BE49-F238E27FC236}">
+                <a16:creationId xmlns:a16="http://schemas.microsoft.com/office/drawing/2014/main" id="{9C64A6C7-2E16-281D-9623-554912DA2F8D}"/>
+              </a:ext>
+            </a:extLst>
+          </p:cNvPr>
+          <p:cNvSpPr txBox="1"/>
+          <p:nvPr/>
+        </p:nvSpPr>
+        <p:spPr>
+          <a:xfrm>
+            <a:off x="8504389" y="5182141"/>
+            <a:ext cx="2458165" cy="369291"/>
+          </a:xfrm>
+          <a:prstGeom prst="rect">
+            <a:avLst/>
+          </a:prstGeom>
+          <a:noFill/>
+          <a:ln>
+            <a:noFill/>
+          </a:ln>
+        </p:spPr>
+        <p:txBody>
+          <a:bodyPr spcFirstLastPara="1" wrap="square" lIns="91425" tIns="45700" rIns="91425" bIns="45700" anchor="t" anchorCtr="0">
+            <a:spAutoFit/>
+          </a:bodyPr>
+          <a:lstStyle/>
+          <a:p>
+            <a:pPr marL="0" marR="0" lvl="0" indent="0" algn="ctr" rtl="0">
+              <a:spcBef>
+                <a:spcPts val="0"/>
+              </a:spcBef>
+              <a:spcAft>
+                <a:spcPts val="0"/>
+              </a:spcAft>
+              <a:buNone/>
+            </a:pPr>
+            <a:r>
+              <a:rPr lang="en-US" altLang="ko-KR" b="1" dirty="0">
+                <a:solidFill>
+                  <a:schemeClr val="bg1"/>
+                </a:solidFill>
+                <a:latin typeface="+mj-lt"/>
+                <a:ea typeface="Malgun Gothic"/>
+                <a:cs typeface="Malgun Gothic"/>
+                <a:sym typeface="Malgun Gothic"/>
+              </a:rPr>
+              <a:t>Matplotlib</a:t>
+            </a:r>
+            <a:endParaRPr lang="ko-KR" altLang="en-US" b="1" dirty="0">
+              <a:solidFill>
+                <a:schemeClr val="bg1"/>
+              </a:solidFill>
+              <a:latin typeface="+mj-lt"/>
+              <a:ea typeface="Malgun Gothic"/>
+              <a:cs typeface="Malgun Gothic"/>
+              <a:sym typeface="Malgun Gothic"/>
+            </a:endParaRPr>
+          </a:p>
+        </p:txBody>
+      </p:sp>
+      <p:pic>
+        <p:nvPicPr>
+          <p:cNvPr id="46" name="그림 45">
+            <a:extLst>
+              <a:ext uri="{FF2B5EF4-FFF2-40B4-BE49-F238E27FC236}">
+                <a16:creationId xmlns:a16="http://schemas.microsoft.com/office/drawing/2014/main" id="{85E74C40-9A19-B790-2BAE-0AB78AC70911}"/>
+              </a:ext>
+            </a:extLst>
+          </p:cNvPr>
+          <p:cNvPicPr>
+            <a:picLocks noChangeAspect="1"/>
+          </p:cNvPicPr>
+          <p:nvPr/>
+        </p:nvPicPr>
+        <p:blipFill>
+          <a:blip r:embed="rId5">
+            <a:extLst>
+              <a:ext uri="{28A0092B-C50C-407E-A947-70E740481C1C}">
+                <a14:useLocalDpi xmlns:a14="http://schemas.microsoft.com/office/drawing/2010/main" val="0"/>
+              </a:ext>
+            </a:extLst>
+          </a:blip>
+          <a:stretch>
+            <a:fillRect/>
+          </a:stretch>
+        </p:blipFill>
+        <p:spPr>
+          <a:xfrm>
+            <a:off x="8738622" y="2975986"/>
+            <a:ext cx="1989697" cy="1989697"/>
           </a:xfrm>
           <a:prstGeom prst="rect">
             <a:avLst/>
@@ -8042,130 +8625,129 @@
           <a:chExt cx="0" cy="0"/>
         </a:xfrm>
       </p:grpSpPr>
-      <p:sp>
-        <p:nvSpPr>
-          <p:cNvPr id="4" name="Google Shape;95;p2">
+      <p:pic>
+        <p:nvPicPr>
+          <p:cNvPr id="3" name="그림 2">
             <a:extLst>
               <a:ext uri="{FF2B5EF4-FFF2-40B4-BE49-F238E27FC236}">
-                <a16:creationId xmlns:a16="http://schemas.microsoft.com/office/drawing/2014/main" id="{BBDD50A2-2BBE-D666-192D-D592D3FAFEA1}"/>
+                <a16:creationId xmlns:a16="http://schemas.microsoft.com/office/drawing/2014/main" id="{60611A8A-FEB1-5178-75A1-AAC870CEB539}"/>
               </a:ext>
             </a:extLst>
           </p:cNvPr>
-          <p:cNvSpPr/>
+          <p:cNvPicPr>
+            <a:picLocks noChangeAspect="1"/>
+          </p:cNvPicPr>
+          <p:nvPr/>
+        </p:nvPicPr>
+        <p:blipFill rotWithShape="1">
+          <a:blip r:embed="rId2" cstate="screen">
+            <a:extLst>
+              <a:ext uri="{28A0092B-C50C-407E-A947-70E740481C1C}">
+                <a14:useLocalDpi xmlns:a14="http://schemas.microsoft.com/office/drawing/2010/main" val="0"/>
+              </a:ext>
+            </a:extLst>
+          </a:blip>
+          <a:srcRect/>
+          <a:stretch/>
+        </p:blipFill>
+        <p:spPr>
+          <a:xfrm>
+            <a:off x="0" y="3040912"/>
+            <a:ext cx="12192000" cy="3817088"/>
+          </a:xfrm>
+          <a:prstGeom prst="rect">
+            <a:avLst/>
+          </a:prstGeom>
+        </p:spPr>
+      </p:pic>
+      <p:sp>
+        <p:nvSpPr>
+          <p:cNvPr id="7" name="TextBox 6">
+            <a:extLst>
+              <a:ext uri="{FF2B5EF4-FFF2-40B4-BE49-F238E27FC236}">
+                <a16:creationId xmlns:a16="http://schemas.microsoft.com/office/drawing/2014/main" id="{2BB8FA24-42F6-4D4C-4EE1-B0F50E2A0207}"/>
+              </a:ext>
+            </a:extLst>
+          </p:cNvPr>
+          <p:cNvSpPr txBox="1"/>
           <p:nvPr/>
         </p:nvSpPr>
         <p:spPr>
           <a:xfrm>
-            <a:off x="0" y="0"/>
-            <a:ext cx="1628384" cy="6858000"/>
+            <a:off x="361028" y="1538178"/>
+            <a:ext cx="3525619" cy="1015663"/>
           </a:xfrm>
           <a:prstGeom prst="rect">
             <a:avLst/>
           </a:prstGeom>
-          <a:solidFill>
-            <a:schemeClr val="bg1"/>
-          </a:solidFill>
-          <a:ln w="12700" cap="flat" cmpd="sng">
-            <a:solidFill>
-              <a:srgbClr val="D0CECE"/>
-            </a:solidFill>
-            <a:prstDash val="solid"/>
-            <a:miter lim="800000"/>
-            <a:headEnd type="none" w="sm" len="sm"/>
-            <a:tailEnd type="none" w="sm" len="sm"/>
-          </a:ln>
+          <a:noFill/>
         </p:spPr>
         <p:txBody>
-          <a:bodyPr spcFirstLastPara="1" wrap="square" lIns="91425" tIns="45700" rIns="91425" bIns="45700" anchor="ctr" anchorCtr="0">
-            <a:noAutofit/>
+          <a:bodyPr wrap="square" rtlCol="0">
+            <a:spAutoFit/>
           </a:bodyPr>
           <a:lstStyle/>
           <a:p>
-            <a:pPr marL="0" marR="0" lvl="0" indent="0" algn="ctr" rtl="0">
-              <a:spcBef>
-                <a:spcPts val="0"/>
-              </a:spcBef>
-              <a:spcAft>
-                <a:spcPts val="0"/>
-              </a:spcAft>
-              <a:buNone/>
-            </a:pPr>
-            <a:endParaRPr sz="1800">
+            <a:pPr algn="ctr"/>
+            <a:r>
+              <a:rPr lang="en-US" altLang="ko-KR" sz="6000" b="1" dirty="0">
+                <a:solidFill>
+                  <a:schemeClr val="bg1"/>
+                </a:solidFill>
+              </a:rPr>
+              <a:t>Part 2, </a:t>
+            </a:r>
+            <a:endParaRPr lang="ko-KR" altLang="en-US" sz="6000" b="1" dirty="0">
               <a:solidFill>
-                <a:schemeClr val="lt1"/>
+                <a:schemeClr val="bg1"/>
               </a:solidFill>
-              <a:latin typeface="Malgun Gothic"/>
-              <a:ea typeface="Malgun Gothic"/>
-              <a:cs typeface="Malgun Gothic"/>
-              <a:sym typeface="Malgun Gothic"/>
             </a:endParaRPr>
           </a:p>
         </p:txBody>
       </p:sp>
       <p:sp>
         <p:nvSpPr>
-          <p:cNvPr id="6" name="Google Shape;97;p2">
+          <p:cNvPr id="8" name="TextBox 7">
             <a:extLst>
               <a:ext uri="{FF2B5EF4-FFF2-40B4-BE49-F238E27FC236}">
-                <a16:creationId xmlns:a16="http://schemas.microsoft.com/office/drawing/2014/main" id="{8821C2A5-7597-B9CA-3F75-83635C2AB1C4}"/>
+                <a16:creationId xmlns:a16="http://schemas.microsoft.com/office/drawing/2014/main" id="{370A3E94-958E-98FF-E8AD-B334A5F9260C}"/>
               </a:ext>
             </a:extLst>
           </p:cNvPr>
-          <p:cNvSpPr/>
+          <p:cNvSpPr txBox="1"/>
           <p:nvPr/>
         </p:nvSpPr>
         <p:spPr>
           <a:xfrm>
-            <a:off x="1628384" y="785090"/>
-            <a:ext cx="237361" cy="1318029"/>
+            <a:off x="3780315" y="1568955"/>
+            <a:ext cx="5915229" cy="1015663"/>
           </a:xfrm>
           <a:prstGeom prst="rect">
             <a:avLst/>
           </a:prstGeom>
-          <a:solidFill>
-            <a:schemeClr val="bg1"/>
-          </a:solidFill>
-          <a:ln w="12700" cap="flat" cmpd="sng">
-            <a:solidFill>
-              <a:srgbClr val="757070"/>
-            </a:solidFill>
-            <a:prstDash val="solid"/>
-            <a:miter lim="800000"/>
-            <a:headEnd type="none" w="sm" len="sm"/>
-            <a:tailEnd type="none" w="sm" len="sm"/>
-          </a:ln>
+          <a:noFill/>
         </p:spPr>
         <p:txBody>
-          <a:bodyPr spcFirstLastPara="1" wrap="square" lIns="91425" tIns="45700" rIns="91425" bIns="45700" anchor="ctr" anchorCtr="0">
-            <a:noAutofit/>
+          <a:bodyPr wrap="square" rtlCol="0">
+            <a:spAutoFit/>
           </a:bodyPr>
           <a:lstStyle/>
           <a:p>
-            <a:pPr marL="0" marR="0" lvl="0" indent="0" algn="ctr" rtl="0">
-              <a:spcBef>
-                <a:spcPts val="0"/>
-              </a:spcBef>
-              <a:spcAft>
-                <a:spcPts val="0"/>
-              </a:spcAft>
-              <a:buNone/>
-            </a:pPr>
-            <a:endParaRPr sz="1800">
-              <a:solidFill>
-                <a:schemeClr val="lt1"/>
-              </a:solidFill>
-              <a:latin typeface="Malgun Gothic"/>
-              <a:ea typeface="Malgun Gothic"/>
-              <a:cs typeface="Malgun Gothic"/>
-              <a:sym typeface="Malgun Gothic"/>
-            </a:endParaRPr>
+            <a:r>
+              <a:rPr lang="ko-KR" altLang="en-US" sz="6000" b="1" dirty="0">
+                <a:solidFill>
+                  <a:schemeClr val="bg1"/>
+                </a:solidFill>
+              </a:rPr>
+              <a:t>데이터 이해</a:t>
+            </a:r>
           </a:p>
         </p:txBody>
       </p:sp>
     </p:spTree>
     <p:extLst>
       <p:ext uri="{BB962C8B-B14F-4D97-AF65-F5344CB8AC3E}">
-        <p14:creationId xmlns:p14="http://schemas.microsoft.com/office/powerpoint/2010/main" val="3902701286"/>
+        <p14:creationId xmlns:p14="http://schemas.microsoft.com/office/powerpoint/2010/main" val="511526061"/>
       </p:ext>
     </p:extLst>
   </p:cSld>
@@ -8264,10 +8846,3485 @@
       </p:sp>
       <p:sp>
         <p:nvSpPr>
-          <p:cNvPr id="6" name="Google Shape;97;p2">
+          <p:cNvPr id="2" name="Google Shape;124;p3">
             <a:extLst>
               <a:ext uri="{FF2B5EF4-FFF2-40B4-BE49-F238E27FC236}">
-                <a16:creationId xmlns:a16="http://schemas.microsoft.com/office/drawing/2014/main" id="{8821C2A5-7597-B9CA-3F75-83635C2AB1C4}"/>
+                <a16:creationId xmlns:a16="http://schemas.microsoft.com/office/drawing/2014/main" id="{92198413-093A-220B-B37E-0E3BECA78F5A}"/>
+              </a:ext>
+            </a:extLst>
+          </p:cNvPr>
+          <p:cNvSpPr txBox="1"/>
+          <p:nvPr/>
+        </p:nvSpPr>
+        <p:spPr>
+          <a:xfrm>
+            <a:off x="9458325" y="46816"/>
+            <a:ext cx="2733673" cy="338514"/>
+          </a:xfrm>
+          <a:prstGeom prst="rect">
+            <a:avLst/>
+          </a:prstGeom>
+          <a:noFill/>
+          <a:ln>
+            <a:noFill/>
+          </a:ln>
+        </p:spPr>
+        <p:txBody>
+          <a:bodyPr spcFirstLastPara="1" wrap="square" lIns="91425" tIns="45700" rIns="91425" bIns="45700" anchor="t" anchorCtr="0">
+            <a:spAutoFit/>
+          </a:bodyPr>
+          <a:lstStyle/>
+          <a:p>
+            <a:pPr marL="0" marR="0" lvl="0" indent="0" algn="l" rtl="0">
+              <a:spcBef>
+                <a:spcPts val="0"/>
+              </a:spcBef>
+              <a:spcAft>
+                <a:spcPts val="0"/>
+              </a:spcAft>
+              <a:buNone/>
+            </a:pPr>
+            <a:r>
+              <a:rPr lang="ko-KR" altLang="en-US" sz="1600" b="1" dirty="0">
+                <a:solidFill>
+                  <a:srgbClr val="FFC000"/>
+                </a:solidFill>
+                <a:latin typeface="+mj-lt"/>
+                <a:ea typeface="Malgun Gothic"/>
+                <a:cs typeface="Malgun Gothic"/>
+                <a:sym typeface="Malgun Gothic"/>
+              </a:rPr>
+              <a:t>데이터 설명 </a:t>
+            </a:r>
+            <a:r>
+              <a:rPr lang="ko-KR" sz="1600" b="1" dirty="0">
+                <a:solidFill>
+                  <a:schemeClr val="bg1"/>
+                </a:solidFill>
+                <a:latin typeface="+mj-lt"/>
+                <a:ea typeface="Malgun Gothic"/>
+                <a:cs typeface="Malgun Gothic"/>
+                <a:sym typeface="Malgun Gothic"/>
+              </a:rPr>
+              <a:t>&gt; </a:t>
+            </a:r>
+            <a:r>
+              <a:rPr lang="ko-KR" altLang="en-US" sz="1600" b="1" dirty="0">
+                <a:solidFill>
+                  <a:schemeClr val="bg1"/>
+                </a:solidFill>
+                <a:latin typeface="+mj-lt"/>
+                <a:ea typeface="Malgun Gothic"/>
+                <a:cs typeface="Malgun Gothic"/>
+                <a:sym typeface="Malgun Gothic"/>
+              </a:rPr>
+              <a:t>데이터 </a:t>
+            </a:r>
+            <a:r>
+              <a:rPr lang="en-US" altLang="ko-KR" sz="1600" b="1" dirty="0">
+                <a:solidFill>
+                  <a:schemeClr val="bg1"/>
+                </a:solidFill>
+                <a:latin typeface="+mj-lt"/>
+                <a:ea typeface="Malgun Gothic"/>
+                <a:cs typeface="Malgun Gothic"/>
+                <a:sym typeface="Malgun Gothic"/>
+              </a:rPr>
+              <a:t>EDA</a:t>
+            </a:r>
+            <a:endParaRPr sz="1600" b="1" dirty="0">
+              <a:solidFill>
+                <a:srgbClr val="FFC000"/>
+              </a:solidFill>
+              <a:latin typeface="+mj-lt"/>
+              <a:ea typeface="Malgun Gothic"/>
+              <a:cs typeface="Malgun Gothic"/>
+              <a:sym typeface="Malgun Gothic"/>
+            </a:endParaRPr>
+          </a:p>
+        </p:txBody>
+      </p:sp>
+      <p:sp>
+        <p:nvSpPr>
+          <p:cNvPr id="3" name="Google Shape;123;p3">
+            <a:extLst>
+              <a:ext uri="{FF2B5EF4-FFF2-40B4-BE49-F238E27FC236}">
+                <a16:creationId xmlns:a16="http://schemas.microsoft.com/office/drawing/2014/main" id="{12094BAE-EDFE-D707-2D9A-D80F592E64BA}"/>
+              </a:ext>
+            </a:extLst>
+          </p:cNvPr>
+          <p:cNvSpPr txBox="1"/>
+          <p:nvPr/>
+        </p:nvSpPr>
+        <p:spPr>
+          <a:xfrm>
+            <a:off x="1726240" y="385330"/>
+            <a:ext cx="3340637" cy="584775"/>
+          </a:xfrm>
+          <a:prstGeom prst="rect">
+            <a:avLst/>
+          </a:prstGeom>
+          <a:noFill/>
+          <a:ln>
+            <a:noFill/>
+          </a:ln>
+        </p:spPr>
+        <p:txBody>
+          <a:bodyPr spcFirstLastPara="1" wrap="square" lIns="91425" tIns="45700" rIns="91425" bIns="45700" anchor="t" anchorCtr="0">
+            <a:spAutoFit/>
+          </a:bodyPr>
+          <a:lstStyle/>
+          <a:p>
+            <a:pPr marL="0" marR="0" lvl="0" indent="0" algn="l" rtl="0">
+              <a:spcBef>
+                <a:spcPts val="0"/>
+              </a:spcBef>
+              <a:spcAft>
+                <a:spcPts val="0"/>
+              </a:spcAft>
+              <a:buNone/>
+            </a:pPr>
+            <a:r>
+              <a:rPr lang="en-US" altLang="ko-KR" sz="3200" b="1" dirty="0">
+                <a:solidFill>
+                  <a:schemeClr val="bg1"/>
+                </a:solidFill>
+                <a:latin typeface="+mj-lt"/>
+                <a:ea typeface="Malgun Gothic"/>
+                <a:cs typeface="Malgun Gothic"/>
+                <a:sym typeface="Malgun Gothic"/>
+              </a:rPr>
+              <a:t>2. </a:t>
+            </a:r>
+            <a:r>
+              <a:rPr lang="ko-KR" altLang="en-US" sz="3200" b="1" dirty="0">
+                <a:solidFill>
+                  <a:schemeClr val="bg1"/>
+                </a:solidFill>
+                <a:latin typeface="+mj-lt"/>
+                <a:ea typeface="Malgun Gothic"/>
+                <a:cs typeface="Malgun Gothic"/>
+                <a:sym typeface="Malgun Gothic"/>
+              </a:rPr>
+              <a:t>데이터 이해</a:t>
+            </a:r>
+            <a:endParaRPr sz="3200" b="1" dirty="0">
+              <a:solidFill>
+                <a:schemeClr val="bg1"/>
+              </a:solidFill>
+              <a:latin typeface="+mj-lt"/>
+              <a:ea typeface="Malgun Gothic"/>
+              <a:cs typeface="Malgun Gothic"/>
+              <a:sym typeface="Malgun Gothic"/>
+            </a:endParaRPr>
+          </a:p>
+        </p:txBody>
+      </p:sp>
+      <p:graphicFrame>
+        <p:nvGraphicFramePr>
+          <p:cNvPr id="5" name="Google Shape;214;p6">
+            <a:extLst>
+              <a:ext uri="{FF2B5EF4-FFF2-40B4-BE49-F238E27FC236}">
+                <a16:creationId xmlns:a16="http://schemas.microsoft.com/office/drawing/2014/main" id="{FCCDDF93-9AB8-5DA2-C714-8B3A2D68BFA2}"/>
+              </a:ext>
+            </a:extLst>
+          </p:cNvPr>
+          <p:cNvGraphicFramePr/>
+          <p:nvPr>
+            <p:extLst>
+              <p:ext uri="{D42A27DB-BD31-4B8C-83A1-F6EECF244321}">
+                <p14:modId xmlns:p14="http://schemas.microsoft.com/office/powerpoint/2010/main" val="2308347146"/>
+              </p:ext>
+            </p:extLst>
+          </p:nvPr>
+        </p:nvGraphicFramePr>
+        <p:xfrm>
+          <a:off x="1873401" y="1438274"/>
+          <a:ext cx="10155650" cy="5065451"/>
+        </p:xfrm>
+        <a:graphic>
+          <a:graphicData uri="http://schemas.openxmlformats.org/drawingml/2006/table">
+            <a:tbl>
+              <a:tblPr firstRow="1" bandRow="1">
+                <a:noFill/>
+              </a:tblPr>
+              <a:tblGrid>
+                <a:gridCol w="1657675">
+                  <a:extLst>
+                    <a:ext uri="{9D8B030D-6E8A-4147-A177-3AD203B41FA5}">
+                      <a16:colId xmlns:a16="http://schemas.microsoft.com/office/drawing/2014/main" val="20000"/>
+                    </a:ext>
+                  </a:extLst>
+                </a:gridCol>
+                <a:gridCol w="2393375">
+                  <a:extLst>
+                    <a:ext uri="{9D8B030D-6E8A-4147-A177-3AD203B41FA5}">
+                      <a16:colId xmlns:a16="http://schemas.microsoft.com/office/drawing/2014/main" val="20001"/>
+                    </a:ext>
+                  </a:extLst>
+                </a:gridCol>
+                <a:gridCol w="2034250">
+                  <a:extLst>
+                    <a:ext uri="{9D8B030D-6E8A-4147-A177-3AD203B41FA5}">
+                      <a16:colId xmlns:a16="http://schemas.microsoft.com/office/drawing/2014/main" val="20002"/>
+                    </a:ext>
+                  </a:extLst>
+                </a:gridCol>
+                <a:gridCol w="2121225">
+                  <a:extLst>
+                    <a:ext uri="{9D8B030D-6E8A-4147-A177-3AD203B41FA5}">
+                      <a16:colId xmlns:a16="http://schemas.microsoft.com/office/drawing/2014/main" val="20003"/>
+                    </a:ext>
+                  </a:extLst>
+                </a:gridCol>
+                <a:gridCol w="1949125">
+                  <a:extLst>
+                    <a:ext uri="{9D8B030D-6E8A-4147-A177-3AD203B41FA5}">
+                      <a16:colId xmlns:a16="http://schemas.microsoft.com/office/drawing/2014/main" val="20004"/>
+                    </a:ext>
+                  </a:extLst>
+                </a:gridCol>
+              </a:tblGrid>
+              <a:tr h="650849">
+                <a:tc>
+                  <a:txBody>
+                    <a:bodyPr/>
+                    <a:lstStyle/>
+                    <a:p>
+                      <a:pPr marL="0" marR="0" lvl="0" indent="0" algn="ctr" rtl="0">
+                        <a:spcBef>
+                          <a:spcPts val="0"/>
+                        </a:spcBef>
+                        <a:spcAft>
+                          <a:spcPts val="0"/>
+                        </a:spcAft>
+                        <a:buNone/>
+                      </a:pPr>
+                      <a:r>
+                        <a:rPr lang="ko-KR" sz="2000" u="none" strike="noStrike" cap="none">
+                          <a:solidFill>
+                            <a:schemeClr val="dk1"/>
+                          </a:solidFill>
+                        </a:rPr>
+                        <a:t>변수명</a:t>
+                      </a:r>
+                      <a:endParaRPr sz="2000" u="none" strike="noStrike" cap="none">
+                        <a:solidFill>
+                          <a:schemeClr val="dk1"/>
+                        </a:solidFill>
+                      </a:endParaRPr>
+                    </a:p>
+                  </a:txBody>
+                  <a:tcPr marL="91450" marR="91450" marT="45725" marB="45725" anchor="ctr" anchorCtr="1">
+                    <a:lnL w="12700" cap="flat" cmpd="sng">
+                      <a:solidFill>
+                        <a:schemeClr val="dk1"/>
+                      </a:solidFill>
+                      <a:prstDash val="solid"/>
+                      <a:round/>
+                      <a:headEnd type="none" w="sm" len="sm"/>
+                      <a:tailEnd type="none" w="sm" len="sm"/>
+                    </a:lnL>
+                    <a:lnR w="12700" cap="flat" cmpd="sng">
+                      <a:solidFill>
+                        <a:schemeClr val="dk1"/>
+                      </a:solidFill>
+                      <a:prstDash val="solid"/>
+                      <a:round/>
+                      <a:headEnd type="none" w="sm" len="sm"/>
+                      <a:tailEnd type="none" w="sm" len="sm"/>
+                    </a:lnR>
+                    <a:lnT w="12700" cap="flat" cmpd="sng">
+                      <a:solidFill>
+                        <a:schemeClr val="dk1"/>
+                      </a:solidFill>
+                      <a:prstDash val="solid"/>
+                      <a:round/>
+                      <a:headEnd type="none" w="sm" len="sm"/>
+                      <a:tailEnd type="none" w="sm" len="sm"/>
+                    </a:lnT>
+                    <a:lnB w="12700" cap="flat" cmpd="sng">
+                      <a:solidFill>
+                        <a:schemeClr val="dk1"/>
+                      </a:solidFill>
+                      <a:prstDash val="solid"/>
+                      <a:round/>
+                      <a:headEnd type="none" w="sm" len="sm"/>
+                      <a:tailEnd type="none" w="sm" len="sm"/>
+                    </a:lnB>
+                    <a:solidFill>
+                      <a:srgbClr val="F2F2F2"/>
+                    </a:solidFill>
+                  </a:tcPr>
+                </a:tc>
+                <a:tc>
+                  <a:txBody>
+                    <a:bodyPr/>
+                    <a:lstStyle/>
+                    <a:p>
+                      <a:pPr marL="0" marR="0" lvl="0" indent="0" algn="ctr" rtl="0">
+                        <a:spcBef>
+                          <a:spcPts val="0"/>
+                        </a:spcBef>
+                        <a:spcAft>
+                          <a:spcPts val="0"/>
+                        </a:spcAft>
+                        <a:buNone/>
+                      </a:pPr>
+                      <a:r>
+                        <a:rPr lang="ko-KR" sz="2000" u="none" strike="noStrike" cap="none">
+                          <a:solidFill>
+                            <a:schemeClr val="dk1"/>
+                          </a:solidFill>
+                        </a:rPr>
+                        <a:t>데이터 Shape</a:t>
+                      </a:r>
+                      <a:endParaRPr sz="2000" u="none" strike="noStrike" cap="none">
+                        <a:solidFill>
+                          <a:schemeClr val="dk1"/>
+                        </a:solidFill>
+                      </a:endParaRPr>
+                    </a:p>
+                  </a:txBody>
+                  <a:tcPr marL="91450" marR="91450" marT="45725" marB="45725" anchor="ctr" anchorCtr="1">
+                    <a:lnL w="12700" cap="flat" cmpd="sng">
+                      <a:solidFill>
+                        <a:schemeClr val="dk1"/>
+                      </a:solidFill>
+                      <a:prstDash val="solid"/>
+                      <a:round/>
+                      <a:headEnd type="none" w="sm" len="sm"/>
+                      <a:tailEnd type="none" w="sm" len="sm"/>
+                    </a:lnL>
+                    <a:lnR w="12700" cap="flat" cmpd="sng">
+                      <a:solidFill>
+                        <a:schemeClr val="dk1"/>
+                      </a:solidFill>
+                      <a:prstDash val="solid"/>
+                      <a:round/>
+                      <a:headEnd type="none" w="sm" len="sm"/>
+                      <a:tailEnd type="none" w="sm" len="sm"/>
+                    </a:lnR>
+                    <a:lnT w="12700" cap="flat" cmpd="sng">
+                      <a:solidFill>
+                        <a:schemeClr val="dk1"/>
+                      </a:solidFill>
+                      <a:prstDash val="solid"/>
+                      <a:round/>
+                      <a:headEnd type="none" w="sm" len="sm"/>
+                      <a:tailEnd type="none" w="sm" len="sm"/>
+                    </a:lnT>
+                    <a:lnB w="12700" cap="flat" cmpd="sng">
+                      <a:solidFill>
+                        <a:schemeClr val="dk1"/>
+                      </a:solidFill>
+                      <a:prstDash val="solid"/>
+                      <a:round/>
+                      <a:headEnd type="none" w="sm" len="sm"/>
+                      <a:tailEnd type="none" w="sm" len="sm"/>
+                    </a:lnB>
+                    <a:solidFill>
+                      <a:srgbClr val="F2F2F2"/>
+                    </a:solidFill>
+                  </a:tcPr>
+                </a:tc>
+                <a:tc>
+                  <a:txBody>
+                    <a:bodyPr/>
+                    <a:lstStyle/>
+                    <a:p>
+                      <a:pPr marL="0" marR="0" lvl="0" indent="0" algn="ctr" rtl="0">
+                        <a:spcBef>
+                          <a:spcPts val="0"/>
+                        </a:spcBef>
+                        <a:spcAft>
+                          <a:spcPts val="0"/>
+                        </a:spcAft>
+                        <a:buNone/>
+                      </a:pPr>
+                      <a:r>
+                        <a:rPr lang="ko-KR" sz="2000" u="none" strike="noStrike" cap="none">
+                          <a:solidFill>
+                            <a:schemeClr val="dk1"/>
+                          </a:solidFill>
+                        </a:rPr>
+                        <a:t>데이터 자료형</a:t>
+                      </a:r>
+                      <a:endParaRPr sz="2000" u="none" strike="noStrike" cap="none">
+                        <a:solidFill>
+                          <a:schemeClr val="dk1"/>
+                        </a:solidFill>
+                      </a:endParaRPr>
+                    </a:p>
+                  </a:txBody>
+                  <a:tcPr marL="91450" marR="91450" marT="45725" marB="45725" anchor="ctr" anchorCtr="1">
+                    <a:lnL w="12700" cap="flat" cmpd="sng">
+                      <a:solidFill>
+                        <a:schemeClr val="dk1"/>
+                      </a:solidFill>
+                      <a:prstDash val="solid"/>
+                      <a:round/>
+                      <a:headEnd type="none" w="sm" len="sm"/>
+                      <a:tailEnd type="none" w="sm" len="sm"/>
+                    </a:lnL>
+                    <a:lnR w="12700" cap="flat" cmpd="sng">
+                      <a:solidFill>
+                        <a:schemeClr val="dk1"/>
+                      </a:solidFill>
+                      <a:prstDash val="solid"/>
+                      <a:round/>
+                      <a:headEnd type="none" w="sm" len="sm"/>
+                      <a:tailEnd type="none" w="sm" len="sm"/>
+                    </a:lnR>
+                    <a:lnT w="12700" cap="flat" cmpd="sng">
+                      <a:solidFill>
+                        <a:schemeClr val="dk1"/>
+                      </a:solidFill>
+                      <a:prstDash val="solid"/>
+                      <a:round/>
+                      <a:headEnd type="none" w="sm" len="sm"/>
+                      <a:tailEnd type="none" w="sm" len="sm"/>
+                    </a:lnT>
+                    <a:lnB w="12700" cap="flat" cmpd="sng">
+                      <a:solidFill>
+                        <a:schemeClr val="dk1"/>
+                      </a:solidFill>
+                      <a:prstDash val="solid"/>
+                      <a:round/>
+                      <a:headEnd type="none" w="sm" len="sm"/>
+                      <a:tailEnd type="none" w="sm" len="sm"/>
+                    </a:lnB>
+                    <a:solidFill>
+                      <a:srgbClr val="F2F2F2"/>
+                    </a:solidFill>
+                  </a:tcPr>
+                </a:tc>
+                <a:tc gridSpan="2">
+                  <a:txBody>
+                    <a:bodyPr/>
+                    <a:lstStyle/>
+                    <a:p>
+                      <a:pPr marL="0" marR="0" lvl="0" indent="0" algn="ctr" rtl="0">
+                        <a:spcBef>
+                          <a:spcPts val="0"/>
+                        </a:spcBef>
+                        <a:spcAft>
+                          <a:spcPts val="0"/>
+                        </a:spcAft>
+                        <a:buNone/>
+                      </a:pPr>
+                      <a:r>
+                        <a:rPr lang="ko-KR" sz="2000" u="none" strike="noStrike" cap="none">
+                          <a:solidFill>
+                            <a:schemeClr val="dk1"/>
+                          </a:solidFill>
+                        </a:rPr>
+                        <a:t>변수 설명</a:t>
+                      </a:r>
+                      <a:endParaRPr sz="2000" u="none" strike="noStrike" cap="none">
+                        <a:solidFill>
+                          <a:schemeClr val="dk1"/>
+                        </a:solidFill>
+                      </a:endParaRPr>
+                    </a:p>
+                  </a:txBody>
+                  <a:tcPr marL="91450" marR="91450" marT="45725" marB="45725" anchor="ctr" anchorCtr="1">
+                    <a:lnL w="12700" cap="flat" cmpd="sng">
+                      <a:solidFill>
+                        <a:schemeClr val="dk1"/>
+                      </a:solidFill>
+                      <a:prstDash val="solid"/>
+                      <a:round/>
+                      <a:headEnd type="none" w="sm" len="sm"/>
+                      <a:tailEnd type="none" w="sm" len="sm"/>
+                    </a:lnL>
+                    <a:lnR w="12700" cap="flat" cmpd="sng">
+                      <a:solidFill>
+                        <a:schemeClr val="dk1"/>
+                      </a:solidFill>
+                      <a:prstDash val="solid"/>
+                      <a:round/>
+                      <a:headEnd type="none" w="sm" len="sm"/>
+                      <a:tailEnd type="none" w="sm" len="sm"/>
+                    </a:lnR>
+                    <a:lnT w="12700" cap="flat" cmpd="sng">
+                      <a:solidFill>
+                        <a:schemeClr val="dk1"/>
+                      </a:solidFill>
+                      <a:prstDash val="solid"/>
+                      <a:round/>
+                      <a:headEnd type="none" w="sm" len="sm"/>
+                      <a:tailEnd type="none" w="sm" len="sm"/>
+                    </a:lnT>
+                    <a:lnB w="12700" cap="flat" cmpd="sng">
+                      <a:solidFill>
+                        <a:schemeClr val="dk1"/>
+                      </a:solidFill>
+                      <a:prstDash val="solid"/>
+                      <a:round/>
+                      <a:headEnd type="none" w="sm" len="sm"/>
+                      <a:tailEnd type="none" w="sm" len="sm"/>
+                    </a:lnB>
+                    <a:solidFill>
+                      <a:srgbClr val="F2F2F2"/>
+                    </a:solidFill>
+                  </a:tcPr>
+                </a:tc>
+                <a:tc hMerge="1">
+                  <a:txBody>
+                    <a:bodyPr/>
+                    <a:lstStyle/>
+                    <a:p>
+                      <a:endParaRPr lang="ko-KR"/>
+                    </a:p>
+                  </a:txBody>
+                  <a:tcPr/>
+                </a:tc>
+                <a:extLst>
+                  <a:ext uri="{0D108BD9-81ED-4DB2-BD59-A6C34878D82A}">
+                    <a16:rowId xmlns:a16="http://schemas.microsoft.com/office/drawing/2014/main" val="10000"/>
+                  </a:ext>
+                </a:extLst>
+              </a:tr>
+              <a:tr h="364925">
+                <a:tc rowSpan="6">
+                  <a:txBody>
+                    <a:bodyPr/>
+                    <a:lstStyle/>
+                    <a:p>
+                      <a:pPr marL="0" marR="0" lvl="0" indent="0" algn="ctr" rtl="0">
+                        <a:spcBef>
+                          <a:spcPts val="0"/>
+                        </a:spcBef>
+                        <a:spcAft>
+                          <a:spcPts val="0"/>
+                        </a:spcAft>
+                        <a:buNone/>
+                      </a:pPr>
+                      <a:r>
+                        <a:rPr lang="ko-KR" sz="1800" b="0" u="none" strike="noStrike" cap="none">
+                          <a:solidFill>
+                            <a:schemeClr val="dk1"/>
+                          </a:solidFill>
+                        </a:rPr>
+                        <a:t>건물유형</a:t>
+                      </a:r>
+                      <a:endParaRPr sz="1800" b="0" u="none" strike="noStrike" cap="none">
+                        <a:solidFill>
+                          <a:schemeClr val="dk1"/>
+                        </a:solidFill>
+                      </a:endParaRPr>
+                    </a:p>
+                  </a:txBody>
+                  <a:tcPr marL="91450" marR="91450" marT="45725" marB="45725" anchor="ctr" anchorCtr="1">
+                    <a:lnL w="12700" cap="flat" cmpd="sng">
+                      <a:solidFill>
+                        <a:schemeClr val="dk1"/>
+                      </a:solidFill>
+                      <a:prstDash val="solid"/>
+                      <a:round/>
+                      <a:headEnd type="none" w="sm" len="sm"/>
+                      <a:tailEnd type="none" w="sm" len="sm"/>
+                    </a:lnL>
+                    <a:lnR w="12700" cap="flat" cmpd="sng">
+                      <a:solidFill>
+                        <a:schemeClr val="dk1"/>
+                      </a:solidFill>
+                      <a:prstDash val="solid"/>
+                      <a:round/>
+                      <a:headEnd type="none" w="sm" len="sm"/>
+                      <a:tailEnd type="none" w="sm" len="sm"/>
+                    </a:lnR>
+                    <a:lnT w="12700" cap="flat" cmpd="sng">
+                      <a:solidFill>
+                        <a:schemeClr val="dk1"/>
+                      </a:solidFill>
+                      <a:prstDash val="solid"/>
+                      <a:round/>
+                      <a:headEnd type="none" w="sm" len="sm"/>
+                      <a:tailEnd type="none" w="sm" len="sm"/>
+                    </a:lnT>
+                    <a:lnB w="12700" cap="flat" cmpd="sng">
+                      <a:solidFill>
+                        <a:schemeClr val="dk1"/>
+                      </a:solidFill>
+                      <a:prstDash val="solid"/>
+                      <a:round/>
+                      <a:headEnd type="none" w="sm" len="sm"/>
+                      <a:tailEnd type="none" w="sm" len="sm"/>
+                    </a:lnB>
+                    <a:solidFill>
+                      <a:schemeClr val="lt1"/>
+                    </a:solidFill>
+                  </a:tcPr>
+                </a:tc>
+                <a:tc rowSpan="12">
+                  <a:txBody>
+                    <a:bodyPr/>
+                    <a:lstStyle/>
+                    <a:p>
+                      <a:pPr marL="0" marR="0" lvl="0" indent="0" algn="ctr" rtl="0">
+                        <a:spcBef>
+                          <a:spcPts val="0"/>
+                        </a:spcBef>
+                        <a:spcAft>
+                          <a:spcPts val="0"/>
+                        </a:spcAft>
+                        <a:buNone/>
+                      </a:pPr>
+                      <a:r>
+                        <a:rPr lang="ko-KR" sz="1800" u="none" strike="noStrike" cap="none" dirty="0">
+                          <a:solidFill>
+                            <a:schemeClr val="dk1"/>
+                          </a:solidFill>
+                        </a:rPr>
+                        <a:t>100행 7열</a:t>
+                      </a:r>
+                      <a:endParaRPr sz="1800" u="none" strike="noStrike" cap="none" dirty="0">
+                        <a:solidFill>
+                          <a:schemeClr val="dk1"/>
+                        </a:solidFill>
+                      </a:endParaRPr>
+                    </a:p>
+                    <a:p>
+                      <a:pPr marL="0" marR="0" lvl="0" indent="0" algn="ctr" rtl="0">
+                        <a:spcBef>
+                          <a:spcPts val="0"/>
+                        </a:spcBef>
+                        <a:spcAft>
+                          <a:spcPts val="0"/>
+                        </a:spcAft>
+                        <a:buNone/>
+                      </a:pPr>
+                      <a:r>
+                        <a:rPr lang="ko-KR" sz="1800" u="none" strike="noStrike" cap="none" dirty="0">
+                          <a:solidFill>
+                            <a:schemeClr val="dk1"/>
+                          </a:solidFill>
+                        </a:rPr>
+                        <a:t>(100, 7)</a:t>
+                      </a:r>
+                      <a:endParaRPr sz="1800" u="none" strike="noStrike" cap="none" dirty="0">
+                        <a:solidFill>
+                          <a:schemeClr val="dk1"/>
+                        </a:solidFill>
+                      </a:endParaRPr>
+                    </a:p>
+                  </a:txBody>
+                  <a:tcPr marL="91450" marR="91450" marT="45725" marB="45725" anchor="ctr" anchorCtr="1">
+                    <a:lnL w="12700" cap="flat" cmpd="sng">
+                      <a:solidFill>
+                        <a:schemeClr val="dk1"/>
+                      </a:solidFill>
+                      <a:prstDash val="solid"/>
+                      <a:round/>
+                      <a:headEnd type="none" w="sm" len="sm"/>
+                      <a:tailEnd type="none" w="sm" len="sm"/>
+                    </a:lnL>
+                    <a:lnR w="12700" cap="flat" cmpd="sng">
+                      <a:solidFill>
+                        <a:schemeClr val="dk1"/>
+                      </a:solidFill>
+                      <a:prstDash val="solid"/>
+                      <a:round/>
+                      <a:headEnd type="none" w="sm" len="sm"/>
+                      <a:tailEnd type="none" w="sm" len="sm"/>
+                    </a:lnR>
+                    <a:lnT w="12700" cap="flat" cmpd="sng">
+                      <a:solidFill>
+                        <a:schemeClr val="dk1"/>
+                      </a:solidFill>
+                      <a:prstDash val="solid"/>
+                      <a:round/>
+                      <a:headEnd type="none" w="sm" len="sm"/>
+                      <a:tailEnd type="none" w="sm" len="sm"/>
+                    </a:lnT>
+                    <a:lnB w="12700" cap="flat" cmpd="sng">
+                      <a:solidFill>
+                        <a:schemeClr val="dk1"/>
+                      </a:solidFill>
+                      <a:prstDash val="solid"/>
+                      <a:round/>
+                      <a:headEnd type="none" w="sm" len="sm"/>
+                      <a:tailEnd type="none" w="sm" len="sm"/>
+                    </a:lnB>
+                    <a:solidFill>
+                      <a:schemeClr val="lt1"/>
+                    </a:solidFill>
+                  </a:tcPr>
+                </a:tc>
+                <a:tc rowSpan="6">
+                  <a:txBody>
+                    <a:bodyPr/>
+                    <a:lstStyle/>
+                    <a:p>
+                      <a:pPr marL="0" marR="0" lvl="0" indent="0" algn="ctr" rtl="0">
+                        <a:spcBef>
+                          <a:spcPts val="0"/>
+                        </a:spcBef>
+                        <a:spcAft>
+                          <a:spcPts val="0"/>
+                        </a:spcAft>
+                        <a:buNone/>
+                      </a:pPr>
+                      <a:r>
+                        <a:rPr lang="ko-KR" sz="1800" u="none" strike="noStrike" cap="none">
+                          <a:solidFill>
+                            <a:schemeClr val="dk1"/>
+                          </a:solidFill>
+                        </a:rPr>
+                        <a:t>Int64</a:t>
+                      </a:r>
+                      <a:endParaRPr sz="1800" u="none" strike="noStrike" cap="none">
+                        <a:solidFill>
+                          <a:schemeClr val="dk1"/>
+                        </a:solidFill>
+                      </a:endParaRPr>
+                    </a:p>
+                  </a:txBody>
+                  <a:tcPr marL="91450" marR="91450" marT="45725" marB="45725" anchor="ctr" anchorCtr="1">
+                    <a:lnL w="12700" cap="flat" cmpd="sng">
+                      <a:solidFill>
+                        <a:schemeClr val="dk1"/>
+                      </a:solidFill>
+                      <a:prstDash val="solid"/>
+                      <a:round/>
+                      <a:headEnd type="none" w="sm" len="sm"/>
+                      <a:tailEnd type="none" w="sm" len="sm"/>
+                    </a:lnL>
+                    <a:lnR w="12700" cap="flat" cmpd="sng">
+                      <a:solidFill>
+                        <a:schemeClr val="dk1"/>
+                      </a:solidFill>
+                      <a:prstDash val="solid"/>
+                      <a:round/>
+                      <a:headEnd type="none" w="sm" len="sm"/>
+                      <a:tailEnd type="none" w="sm" len="sm"/>
+                    </a:lnR>
+                    <a:lnT w="12700" cap="flat" cmpd="sng">
+                      <a:solidFill>
+                        <a:schemeClr val="dk1"/>
+                      </a:solidFill>
+                      <a:prstDash val="solid"/>
+                      <a:round/>
+                      <a:headEnd type="none" w="sm" len="sm"/>
+                      <a:tailEnd type="none" w="sm" len="sm"/>
+                    </a:lnT>
+                    <a:lnB w="12700" cap="flat" cmpd="sng">
+                      <a:solidFill>
+                        <a:schemeClr val="dk1"/>
+                      </a:solidFill>
+                      <a:prstDash val="solid"/>
+                      <a:round/>
+                      <a:headEnd type="none" w="sm" len="sm"/>
+                      <a:tailEnd type="none" w="sm" len="sm"/>
+                    </a:lnB>
+                    <a:solidFill>
+                      <a:schemeClr val="lt1"/>
+                    </a:solidFill>
+                  </a:tcPr>
+                </a:tc>
+                <a:tc>
+                  <a:txBody>
+                    <a:bodyPr/>
+                    <a:lstStyle/>
+                    <a:p>
+                      <a:pPr marL="342900" marR="0" lvl="0" indent="-342900" algn="l" rtl="0">
+                        <a:lnSpc>
+                          <a:spcPct val="100000"/>
+                        </a:lnSpc>
+                        <a:spcBef>
+                          <a:spcPts val="0"/>
+                        </a:spcBef>
+                        <a:spcAft>
+                          <a:spcPts val="0"/>
+                        </a:spcAft>
+                        <a:buClr>
+                          <a:schemeClr val="dk1"/>
+                        </a:buClr>
+                        <a:buSzPts val="1800"/>
+                        <a:buFont typeface="Malgun Gothic"/>
+                        <a:buAutoNum type="arabicPeriod"/>
+                      </a:pPr>
+                      <a:r>
+                        <a:rPr lang="ko-KR" sz="1800" b="0" u="none" strike="noStrike" cap="none">
+                          <a:solidFill>
+                            <a:schemeClr val="dk1"/>
+                          </a:solidFill>
+                        </a:rPr>
+                        <a:t>건물기타</a:t>
+                      </a:r>
+                      <a:endParaRPr sz="1800" b="0" u="none" strike="noStrike" cap="none">
+                        <a:solidFill>
+                          <a:schemeClr val="dk1"/>
+                        </a:solidFill>
+                      </a:endParaRPr>
+                    </a:p>
+                  </a:txBody>
+                  <a:tcPr marL="91450" marR="91450" marT="45725" marB="45725">
+                    <a:lnL w="12700" cap="flat" cmpd="sng">
+                      <a:solidFill>
+                        <a:schemeClr val="dk1"/>
+                      </a:solidFill>
+                      <a:prstDash val="solid"/>
+                      <a:round/>
+                      <a:headEnd type="none" w="sm" len="sm"/>
+                      <a:tailEnd type="none" w="sm" len="sm"/>
+                    </a:lnL>
+                    <a:lnR w="12700" cap="flat" cmpd="sng">
+                      <a:solidFill>
+                        <a:schemeClr val="dk1"/>
+                      </a:solidFill>
+                      <a:prstDash val="solid"/>
+                      <a:round/>
+                      <a:headEnd type="none" w="sm" len="sm"/>
+                      <a:tailEnd type="none" w="sm" len="sm"/>
+                    </a:lnR>
+                    <a:lnT w="12700" cap="flat" cmpd="sng">
+                      <a:solidFill>
+                        <a:schemeClr val="dk1"/>
+                      </a:solidFill>
+                      <a:prstDash val="solid"/>
+                      <a:round/>
+                      <a:headEnd type="none" w="sm" len="sm"/>
+                      <a:tailEnd type="none" w="sm" len="sm"/>
+                    </a:lnT>
+                    <a:lnB w="12700" cap="flat" cmpd="sng">
+                      <a:solidFill>
+                        <a:schemeClr val="dk1"/>
+                      </a:solidFill>
+                      <a:prstDash val="solid"/>
+                      <a:round/>
+                      <a:headEnd type="none" w="sm" len="sm"/>
+                      <a:tailEnd type="none" w="sm" len="sm"/>
+                    </a:lnB>
+                    <a:solidFill>
+                      <a:schemeClr val="lt1"/>
+                    </a:solidFill>
+                  </a:tcPr>
+                </a:tc>
+                <a:tc>
+                  <a:txBody>
+                    <a:bodyPr/>
+                    <a:lstStyle/>
+                    <a:p>
+                      <a:pPr marL="0" marR="0" lvl="0" indent="0" algn="l" rtl="0">
+                        <a:lnSpc>
+                          <a:spcPct val="100000"/>
+                        </a:lnSpc>
+                        <a:spcBef>
+                          <a:spcPts val="0"/>
+                        </a:spcBef>
+                        <a:spcAft>
+                          <a:spcPts val="0"/>
+                        </a:spcAft>
+                        <a:buClr>
+                          <a:schemeClr val="dk1"/>
+                        </a:buClr>
+                        <a:buSzPts val="1800"/>
+                        <a:buFont typeface="Malgun Gothic"/>
+                        <a:buNone/>
+                      </a:pPr>
+                      <a:r>
+                        <a:rPr lang="ko-KR" sz="1800" b="0" u="none" strike="noStrike" cap="none">
+                          <a:solidFill>
+                            <a:schemeClr val="dk1"/>
+                          </a:solidFill>
+                        </a:rPr>
+                        <a:t>7. 상용</a:t>
+                      </a:r>
+                      <a:endParaRPr sz="1800" b="0" u="none" strike="noStrike" cap="none">
+                        <a:solidFill>
+                          <a:schemeClr val="dk1"/>
+                        </a:solidFill>
+                      </a:endParaRPr>
+                    </a:p>
+                  </a:txBody>
+                  <a:tcPr marL="91450" marR="91450" marT="45725" marB="45725">
+                    <a:lnL w="12700" cap="flat" cmpd="sng">
+                      <a:solidFill>
+                        <a:schemeClr val="dk1"/>
+                      </a:solidFill>
+                      <a:prstDash val="solid"/>
+                      <a:round/>
+                      <a:headEnd type="none" w="sm" len="sm"/>
+                      <a:tailEnd type="none" w="sm" len="sm"/>
+                    </a:lnL>
+                    <a:lnR w="12700" cap="flat" cmpd="sng">
+                      <a:solidFill>
+                        <a:schemeClr val="dk1"/>
+                      </a:solidFill>
+                      <a:prstDash val="solid"/>
+                      <a:round/>
+                      <a:headEnd type="none" w="sm" len="sm"/>
+                      <a:tailEnd type="none" w="sm" len="sm"/>
+                    </a:lnR>
+                    <a:lnT w="12700" cap="flat" cmpd="sng">
+                      <a:solidFill>
+                        <a:schemeClr val="dk1"/>
+                      </a:solidFill>
+                      <a:prstDash val="solid"/>
+                      <a:round/>
+                      <a:headEnd type="none" w="sm" len="sm"/>
+                      <a:tailEnd type="none" w="sm" len="sm"/>
+                    </a:lnT>
+                    <a:lnB w="12700" cap="flat" cmpd="sng">
+                      <a:solidFill>
+                        <a:schemeClr val="dk1"/>
+                      </a:solidFill>
+                      <a:prstDash val="solid"/>
+                      <a:round/>
+                      <a:headEnd type="none" w="sm" len="sm"/>
+                      <a:tailEnd type="none" w="sm" len="sm"/>
+                    </a:lnB>
+                    <a:solidFill>
+                      <a:schemeClr val="lt1"/>
+                    </a:solidFill>
+                  </a:tcPr>
+                </a:tc>
+                <a:extLst>
+                  <a:ext uri="{0D108BD9-81ED-4DB2-BD59-A6C34878D82A}">
+                    <a16:rowId xmlns:a16="http://schemas.microsoft.com/office/drawing/2014/main" val="10001"/>
+                  </a:ext>
+                </a:extLst>
+              </a:tr>
+              <a:tr h="364925">
+                <a:tc vMerge="1">
+                  <a:txBody>
+                    <a:bodyPr/>
+                    <a:lstStyle/>
+                    <a:p>
+                      <a:endParaRPr lang="ko-KR"/>
+                    </a:p>
+                  </a:txBody>
+                  <a:tcPr/>
+                </a:tc>
+                <a:tc vMerge="1">
+                  <a:txBody>
+                    <a:bodyPr/>
+                    <a:lstStyle/>
+                    <a:p>
+                      <a:endParaRPr lang="ko-KR"/>
+                    </a:p>
+                  </a:txBody>
+                  <a:tcPr/>
+                </a:tc>
+                <a:tc vMerge="1">
+                  <a:txBody>
+                    <a:bodyPr/>
+                    <a:lstStyle/>
+                    <a:p>
+                      <a:endParaRPr lang="ko-KR"/>
+                    </a:p>
+                  </a:txBody>
+                  <a:tcPr/>
+                </a:tc>
+                <a:tc>
+                  <a:txBody>
+                    <a:bodyPr/>
+                    <a:lstStyle/>
+                    <a:p>
+                      <a:pPr marL="0" marR="0" lvl="0" indent="0" algn="l" rtl="0">
+                        <a:lnSpc>
+                          <a:spcPct val="100000"/>
+                        </a:lnSpc>
+                        <a:spcBef>
+                          <a:spcPts val="0"/>
+                        </a:spcBef>
+                        <a:spcAft>
+                          <a:spcPts val="0"/>
+                        </a:spcAft>
+                        <a:buClr>
+                          <a:schemeClr val="dk1"/>
+                        </a:buClr>
+                        <a:buSzPts val="1800"/>
+                        <a:buFont typeface="Malgun Gothic"/>
+                        <a:buNone/>
+                      </a:pPr>
+                      <a:r>
+                        <a:rPr lang="ko-KR" sz="1800" b="0" u="none" strike="noStrike" cap="none">
+                          <a:solidFill>
+                            <a:schemeClr val="dk1"/>
+                          </a:solidFill>
+                        </a:rPr>
+                        <a:t>2. 공공</a:t>
+                      </a:r>
+                      <a:endParaRPr sz="1800" b="0" u="none" strike="noStrike" cap="none">
+                        <a:solidFill>
+                          <a:schemeClr val="dk1"/>
+                        </a:solidFill>
+                      </a:endParaRPr>
+                    </a:p>
+                  </a:txBody>
+                  <a:tcPr marL="91450" marR="91450" marT="45725" marB="45725">
+                    <a:lnL w="12700" cap="flat" cmpd="sng">
+                      <a:solidFill>
+                        <a:schemeClr val="dk1"/>
+                      </a:solidFill>
+                      <a:prstDash val="solid"/>
+                      <a:round/>
+                      <a:headEnd type="none" w="sm" len="sm"/>
+                      <a:tailEnd type="none" w="sm" len="sm"/>
+                    </a:lnL>
+                    <a:lnR w="12700" cap="flat" cmpd="sng">
+                      <a:solidFill>
+                        <a:schemeClr val="dk1"/>
+                      </a:solidFill>
+                      <a:prstDash val="solid"/>
+                      <a:round/>
+                      <a:headEnd type="none" w="sm" len="sm"/>
+                      <a:tailEnd type="none" w="sm" len="sm"/>
+                    </a:lnR>
+                    <a:lnT w="12700" cap="flat" cmpd="sng">
+                      <a:solidFill>
+                        <a:schemeClr val="dk1"/>
+                      </a:solidFill>
+                      <a:prstDash val="solid"/>
+                      <a:round/>
+                      <a:headEnd type="none" w="sm" len="sm"/>
+                      <a:tailEnd type="none" w="sm" len="sm"/>
+                    </a:lnT>
+                    <a:lnB w="12700" cap="flat" cmpd="sng">
+                      <a:solidFill>
+                        <a:schemeClr val="dk1"/>
+                      </a:solidFill>
+                      <a:prstDash val="solid"/>
+                      <a:round/>
+                      <a:headEnd type="none" w="sm" len="sm"/>
+                      <a:tailEnd type="none" w="sm" len="sm"/>
+                    </a:lnB>
+                    <a:solidFill>
+                      <a:schemeClr val="lt1"/>
+                    </a:solidFill>
+                  </a:tcPr>
+                </a:tc>
+                <a:tc>
+                  <a:txBody>
+                    <a:bodyPr/>
+                    <a:lstStyle/>
+                    <a:p>
+                      <a:pPr marL="0" marR="0" lvl="0" indent="0" algn="l" rtl="0">
+                        <a:lnSpc>
+                          <a:spcPct val="100000"/>
+                        </a:lnSpc>
+                        <a:spcBef>
+                          <a:spcPts val="0"/>
+                        </a:spcBef>
+                        <a:spcAft>
+                          <a:spcPts val="0"/>
+                        </a:spcAft>
+                        <a:buClr>
+                          <a:schemeClr val="dk1"/>
+                        </a:buClr>
+                        <a:buSzPts val="1800"/>
+                        <a:buFont typeface="Malgun Gothic"/>
+                        <a:buNone/>
+                      </a:pPr>
+                      <a:r>
+                        <a:rPr lang="ko-KR" sz="1800" b="0" u="none" strike="noStrike" cap="none">
+                          <a:solidFill>
+                            <a:schemeClr val="dk1"/>
+                          </a:solidFill>
+                        </a:rPr>
+                        <a:t>8. 아파트</a:t>
+                      </a:r>
+                      <a:endParaRPr sz="1800" b="0" u="none" strike="noStrike" cap="none">
+                        <a:solidFill>
+                          <a:schemeClr val="dk1"/>
+                        </a:solidFill>
+                      </a:endParaRPr>
+                    </a:p>
+                  </a:txBody>
+                  <a:tcPr marL="91450" marR="91450" marT="45725" marB="45725">
+                    <a:lnL w="12700" cap="flat" cmpd="sng">
+                      <a:solidFill>
+                        <a:schemeClr val="dk1"/>
+                      </a:solidFill>
+                      <a:prstDash val="solid"/>
+                      <a:round/>
+                      <a:headEnd type="none" w="sm" len="sm"/>
+                      <a:tailEnd type="none" w="sm" len="sm"/>
+                    </a:lnL>
+                    <a:lnR w="12700" cap="flat" cmpd="sng">
+                      <a:solidFill>
+                        <a:schemeClr val="dk1"/>
+                      </a:solidFill>
+                      <a:prstDash val="solid"/>
+                      <a:round/>
+                      <a:headEnd type="none" w="sm" len="sm"/>
+                      <a:tailEnd type="none" w="sm" len="sm"/>
+                    </a:lnR>
+                    <a:lnT w="12700" cap="flat" cmpd="sng">
+                      <a:solidFill>
+                        <a:schemeClr val="dk1"/>
+                      </a:solidFill>
+                      <a:prstDash val="solid"/>
+                      <a:round/>
+                      <a:headEnd type="none" w="sm" len="sm"/>
+                      <a:tailEnd type="none" w="sm" len="sm"/>
+                    </a:lnT>
+                    <a:lnB w="12700" cap="flat" cmpd="sng">
+                      <a:solidFill>
+                        <a:schemeClr val="dk1"/>
+                      </a:solidFill>
+                      <a:prstDash val="solid"/>
+                      <a:round/>
+                      <a:headEnd type="none" w="sm" len="sm"/>
+                      <a:tailEnd type="none" w="sm" len="sm"/>
+                    </a:lnB>
+                    <a:solidFill>
+                      <a:schemeClr val="lt1"/>
+                    </a:solidFill>
+                  </a:tcPr>
+                </a:tc>
+                <a:extLst>
+                  <a:ext uri="{0D108BD9-81ED-4DB2-BD59-A6C34878D82A}">
+                    <a16:rowId xmlns:a16="http://schemas.microsoft.com/office/drawing/2014/main" val="10002"/>
+                  </a:ext>
+                </a:extLst>
+              </a:tr>
+              <a:tr h="364925">
+                <a:tc vMerge="1">
+                  <a:txBody>
+                    <a:bodyPr/>
+                    <a:lstStyle/>
+                    <a:p>
+                      <a:endParaRPr lang="ko-KR"/>
+                    </a:p>
+                  </a:txBody>
+                  <a:tcPr/>
+                </a:tc>
+                <a:tc vMerge="1">
+                  <a:txBody>
+                    <a:bodyPr/>
+                    <a:lstStyle/>
+                    <a:p>
+                      <a:endParaRPr lang="ko-KR"/>
+                    </a:p>
+                  </a:txBody>
+                  <a:tcPr/>
+                </a:tc>
+                <a:tc vMerge="1">
+                  <a:txBody>
+                    <a:bodyPr/>
+                    <a:lstStyle/>
+                    <a:p>
+                      <a:endParaRPr lang="ko-KR"/>
+                    </a:p>
+                  </a:txBody>
+                  <a:tcPr/>
+                </a:tc>
+                <a:tc>
+                  <a:txBody>
+                    <a:bodyPr/>
+                    <a:lstStyle/>
+                    <a:p>
+                      <a:pPr marL="0" marR="0" lvl="0" indent="0" algn="l" rtl="0">
+                        <a:lnSpc>
+                          <a:spcPct val="100000"/>
+                        </a:lnSpc>
+                        <a:spcBef>
+                          <a:spcPts val="0"/>
+                        </a:spcBef>
+                        <a:spcAft>
+                          <a:spcPts val="0"/>
+                        </a:spcAft>
+                        <a:buClr>
+                          <a:schemeClr val="dk1"/>
+                        </a:buClr>
+                        <a:buSzPts val="1800"/>
+                        <a:buFont typeface="Malgun Gothic"/>
+                        <a:buNone/>
+                      </a:pPr>
+                      <a:r>
+                        <a:rPr lang="ko-KR" sz="1800" b="0" u="none" strike="noStrike" cap="none">
+                          <a:solidFill>
+                            <a:schemeClr val="dk1"/>
+                          </a:solidFill>
+                        </a:rPr>
+                        <a:t>3. 대학교</a:t>
+                      </a:r>
+                      <a:endParaRPr sz="1800" b="0" u="none" strike="noStrike" cap="none">
+                        <a:solidFill>
+                          <a:schemeClr val="dk1"/>
+                        </a:solidFill>
+                      </a:endParaRPr>
+                    </a:p>
+                  </a:txBody>
+                  <a:tcPr marL="91450" marR="91450" marT="45725" marB="45725">
+                    <a:lnL w="12700" cap="flat" cmpd="sng">
+                      <a:solidFill>
+                        <a:schemeClr val="dk1"/>
+                      </a:solidFill>
+                      <a:prstDash val="solid"/>
+                      <a:round/>
+                      <a:headEnd type="none" w="sm" len="sm"/>
+                      <a:tailEnd type="none" w="sm" len="sm"/>
+                    </a:lnL>
+                    <a:lnR w="12700" cap="flat" cmpd="sng">
+                      <a:solidFill>
+                        <a:schemeClr val="dk1"/>
+                      </a:solidFill>
+                      <a:prstDash val="solid"/>
+                      <a:round/>
+                      <a:headEnd type="none" w="sm" len="sm"/>
+                      <a:tailEnd type="none" w="sm" len="sm"/>
+                    </a:lnR>
+                    <a:lnT w="12700" cap="flat" cmpd="sng">
+                      <a:solidFill>
+                        <a:schemeClr val="dk1"/>
+                      </a:solidFill>
+                      <a:prstDash val="solid"/>
+                      <a:round/>
+                      <a:headEnd type="none" w="sm" len="sm"/>
+                      <a:tailEnd type="none" w="sm" len="sm"/>
+                    </a:lnT>
+                    <a:lnB w="12700" cap="flat" cmpd="sng">
+                      <a:solidFill>
+                        <a:schemeClr val="dk1"/>
+                      </a:solidFill>
+                      <a:prstDash val="solid"/>
+                      <a:round/>
+                      <a:headEnd type="none" w="sm" len="sm"/>
+                      <a:tailEnd type="none" w="sm" len="sm"/>
+                    </a:lnB>
+                    <a:solidFill>
+                      <a:schemeClr val="lt1"/>
+                    </a:solidFill>
+                  </a:tcPr>
+                </a:tc>
+                <a:tc>
+                  <a:txBody>
+                    <a:bodyPr/>
+                    <a:lstStyle/>
+                    <a:p>
+                      <a:pPr marL="0" marR="0" lvl="0" indent="0" algn="l" rtl="0">
+                        <a:lnSpc>
+                          <a:spcPct val="100000"/>
+                        </a:lnSpc>
+                        <a:spcBef>
+                          <a:spcPts val="0"/>
+                        </a:spcBef>
+                        <a:spcAft>
+                          <a:spcPts val="0"/>
+                        </a:spcAft>
+                        <a:buClr>
+                          <a:schemeClr val="dk1"/>
+                        </a:buClr>
+                        <a:buSzPts val="1800"/>
+                        <a:buFont typeface="Malgun Gothic"/>
+                        <a:buNone/>
+                      </a:pPr>
+                      <a:r>
+                        <a:rPr lang="ko-KR" sz="1800" b="0" u="none" strike="noStrike" cap="none">
+                          <a:solidFill>
+                            <a:schemeClr val="dk1"/>
+                          </a:solidFill>
+                        </a:rPr>
+                        <a:t>9. 연구소</a:t>
+                      </a:r>
+                      <a:endParaRPr sz="1800" b="0" u="none" strike="noStrike" cap="none">
+                        <a:solidFill>
+                          <a:schemeClr val="dk1"/>
+                        </a:solidFill>
+                      </a:endParaRPr>
+                    </a:p>
+                  </a:txBody>
+                  <a:tcPr marL="91450" marR="91450" marT="45725" marB="45725">
+                    <a:lnL w="12700" cap="flat" cmpd="sng">
+                      <a:solidFill>
+                        <a:schemeClr val="dk1"/>
+                      </a:solidFill>
+                      <a:prstDash val="solid"/>
+                      <a:round/>
+                      <a:headEnd type="none" w="sm" len="sm"/>
+                      <a:tailEnd type="none" w="sm" len="sm"/>
+                    </a:lnL>
+                    <a:lnR w="12700" cap="flat" cmpd="sng">
+                      <a:solidFill>
+                        <a:schemeClr val="dk1"/>
+                      </a:solidFill>
+                      <a:prstDash val="solid"/>
+                      <a:round/>
+                      <a:headEnd type="none" w="sm" len="sm"/>
+                      <a:tailEnd type="none" w="sm" len="sm"/>
+                    </a:lnR>
+                    <a:lnT w="12700" cap="flat" cmpd="sng">
+                      <a:solidFill>
+                        <a:schemeClr val="dk1"/>
+                      </a:solidFill>
+                      <a:prstDash val="solid"/>
+                      <a:round/>
+                      <a:headEnd type="none" w="sm" len="sm"/>
+                      <a:tailEnd type="none" w="sm" len="sm"/>
+                    </a:lnT>
+                    <a:lnB w="12700" cap="flat" cmpd="sng">
+                      <a:solidFill>
+                        <a:schemeClr val="dk1"/>
+                      </a:solidFill>
+                      <a:prstDash val="solid"/>
+                      <a:round/>
+                      <a:headEnd type="none" w="sm" len="sm"/>
+                      <a:tailEnd type="none" w="sm" len="sm"/>
+                    </a:lnB>
+                    <a:solidFill>
+                      <a:schemeClr val="lt1"/>
+                    </a:solidFill>
+                  </a:tcPr>
+                </a:tc>
+                <a:extLst>
+                  <a:ext uri="{0D108BD9-81ED-4DB2-BD59-A6C34878D82A}">
+                    <a16:rowId xmlns:a16="http://schemas.microsoft.com/office/drawing/2014/main" val="10003"/>
+                  </a:ext>
+                </a:extLst>
+              </a:tr>
+              <a:tr h="364925">
+                <a:tc vMerge="1">
+                  <a:txBody>
+                    <a:bodyPr/>
+                    <a:lstStyle/>
+                    <a:p>
+                      <a:endParaRPr lang="ko-KR"/>
+                    </a:p>
+                  </a:txBody>
+                  <a:tcPr/>
+                </a:tc>
+                <a:tc vMerge="1">
+                  <a:txBody>
+                    <a:bodyPr/>
+                    <a:lstStyle/>
+                    <a:p>
+                      <a:endParaRPr lang="ko-KR"/>
+                    </a:p>
+                  </a:txBody>
+                  <a:tcPr/>
+                </a:tc>
+                <a:tc vMerge="1">
+                  <a:txBody>
+                    <a:bodyPr/>
+                    <a:lstStyle/>
+                    <a:p>
+                      <a:endParaRPr lang="ko-KR"/>
+                    </a:p>
+                  </a:txBody>
+                  <a:tcPr/>
+                </a:tc>
+                <a:tc>
+                  <a:txBody>
+                    <a:bodyPr/>
+                    <a:lstStyle/>
+                    <a:p>
+                      <a:pPr marL="0" marR="0" lvl="0" indent="0" algn="l" rtl="0">
+                        <a:lnSpc>
+                          <a:spcPct val="100000"/>
+                        </a:lnSpc>
+                        <a:spcBef>
+                          <a:spcPts val="0"/>
+                        </a:spcBef>
+                        <a:spcAft>
+                          <a:spcPts val="0"/>
+                        </a:spcAft>
+                        <a:buClr>
+                          <a:schemeClr val="dk1"/>
+                        </a:buClr>
+                        <a:buSzPts val="1800"/>
+                        <a:buFont typeface="Malgun Gothic"/>
+                        <a:buNone/>
+                      </a:pPr>
+                      <a:r>
+                        <a:rPr lang="ko-KR" sz="1800" b="0" u="none" strike="noStrike" cap="none">
+                          <a:solidFill>
+                            <a:schemeClr val="dk1"/>
+                          </a:solidFill>
+                        </a:rPr>
+                        <a:t>4. 데이터센터</a:t>
+                      </a:r>
+                      <a:endParaRPr sz="1800" b="0" u="none" strike="noStrike" cap="none">
+                        <a:solidFill>
+                          <a:schemeClr val="dk1"/>
+                        </a:solidFill>
+                      </a:endParaRPr>
+                    </a:p>
+                  </a:txBody>
+                  <a:tcPr marL="91450" marR="91450" marT="45725" marB="45725">
+                    <a:lnL w="12700" cap="flat" cmpd="sng">
+                      <a:solidFill>
+                        <a:schemeClr val="dk1"/>
+                      </a:solidFill>
+                      <a:prstDash val="solid"/>
+                      <a:round/>
+                      <a:headEnd type="none" w="sm" len="sm"/>
+                      <a:tailEnd type="none" w="sm" len="sm"/>
+                    </a:lnL>
+                    <a:lnR w="12700" cap="flat" cmpd="sng">
+                      <a:solidFill>
+                        <a:schemeClr val="dk1"/>
+                      </a:solidFill>
+                      <a:prstDash val="solid"/>
+                      <a:round/>
+                      <a:headEnd type="none" w="sm" len="sm"/>
+                      <a:tailEnd type="none" w="sm" len="sm"/>
+                    </a:lnR>
+                    <a:lnT w="12700" cap="flat" cmpd="sng">
+                      <a:solidFill>
+                        <a:schemeClr val="dk1"/>
+                      </a:solidFill>
+                      <a:prstDash val="solid"/>
+                      <a:round/>
+                      <a:headEnd type="none" w="sm" len="sm"/>
+                      <a:tailEnd type="none" w="sm" len="sm"/>
+                    </a:lnT>
+                    <a:lnB w="12700" cap="flat" cmpd="sng">
+                      <a:solidFill>
+                        <a:schemeClr val="dk1"/>
+                      </a:solidFill>
+                      <a:prstDash val="solid"/>
+                      <a:round/>
+                      <a:headEnd type="none" w="sm" len="sm"/>
+                      <a:tailEnd type="none" w="sm" len="sm"/>
+                    </a:lnB>
+                    <a:solidFill>
+                      <a:schemeClr val="lt1"/>
+                    </a:solidFill>
+                  </a:tcPr>
+                </a:tc>
+                <a:tc>
+                  <a:txBody>
+                    <a:bodyPr/>
+                    <a:lstStyle/>
+                    <a:p>
+                      <a:pPr marL="0" marR="0" lvl="0" indent="0" algn="l" rtl="0">
+                        <a:lnSpc>
+                          <a:spcPct val="100000"/>
+                        </a:lnSpc>
+                        <a:spcBef>
+                          <a:spcPts val="0"/>
+                        </a:spcBef>
+                        <a:spcAft>
+                          <a:spcPts val="0"/>
+                        </a:spcAft>
+                        <a:buClr>
+                          <a:schemeClr val="dk1"/>
+                        </a:buClr>
+                        <a:buSzPts val="1800"/>
+                        <a:buFont typeface="Malgun Gothic"/>
+                        <a:buNone/>
+                      </a:pPr>
+                      <a:r>
+                        <a:rPr lang="ko-KR" sz="1800" b="0" u="none" strike="noStrike" cap="none">
+                          <a:solidFill>
+                            <a:schemeClr val="dk1"/>
+                          </a:solidFill>
+                        </a:rPr>
+                        <a:t>10. 지식산업센터</a:t>
+                      </a:r>
+                      <a:endParaRPr sz="1800" b="0" u="none" strike="noStrike" cap="none">
+                        <a:solidFill>
+                          <a:schemeClr val="dk1"/>
+                        </a:solidFill>
+                      </a:endParaRPr>
+                    </a:p>
+                  </a:txBody>
+                  <a:tcPr marL="91450" marR="91450" marT="45725" marB="45725">
+                    <a:lnL w="12700" cap="flat" cmpd="sng">
+                      <a:solidFill>
+                        <a:schemeClr val="dk1"/>
+                      </a:solidFill>
+                      <a:prstDash val="solid"/>
+                      <a:round/>
+                      <a:headEnd type="none" w="sm" len="sm"/>
+                      <a:tailEnd type="none" w="sm" len="sm"/>
+                    </a:lnL>
+                    <a:lnR w="12700" cap="flat" cmpd="sng">
+                      <a:solidFill>
+                        <a:schemeClr val="dk1"/>
+                      </a:solidFill>
+                      <a:prstDash val="solid"/>
+                      <a:round/>
+                      <a:headEnd type="none" w="sm" len="sm"/>
+                      <a:tailEnd type="none" w="sm" len="sm"/>
+                    </a:lnR>
+                    <a:lnT w="12700" cap="flat" cmpd="sng">
+                      <a:solidFill>
+                        <a:schemeClr val="dk1"/>
+                      </a:solidFill>
+                      <a:prstDash val="solid"/>
+                      <a:round/>
+                      <a:headEnd type="none" w="sm" len="sm"/>
+                      <a:tailEnd type="none" w="sm" len="sm"/>
+                    </a:lnT>
+                    <a:lnB w="12700" cap="flat" cmpd="sng">
+                      <a:solidFill>
+                        <a:schemeClr val="dk1"/>
+                      </a:solidFill>
+                      <a:prstDash val="solid"/>
+                      <a:round/>
+                      <a:headEnd type="none" w="sm" len="sm"/>
+                      <a:tailEnd type="none" w="sm" len="sm"/>
+                    </a:lnB>
+                    <a:solidFill>
+                      <a:schemeClr val="lt1"/>
+                    </a:solidFill>
+                  </a:tcPr>
+                </a:tc>
+                <a:extLst>
+                  <a:ext uri="{0D108BD9-81ED-4DB2-BD59-A6C34878D82A}">
+                    <a16:rowId xmlns:a16="http://schemas.microsoft.com/office/drawing/2014/main" val="10004"/>
+                  </a:ext>
+                </a:extLst>
+              </a:tr>
+              <a:tr h="364925">
+                <a:tc vMerge="1">
+                  <a:txBody>
+                    <a:bodyPr/>
+                    <a:lstStyle/>
+                    <a:p>
+                      <a:endParaRPr lang="ko-KR"/>
+                    </a:p>
+                  </a:txBody>
+                  <a:tcPr/>
+                </a:tc>
+                <a:tc vMerge="1">
+                  <a:txBody>
+                    <a:bodyPr/>
+                    <a:lstStyle/>
+                    <a:p>
+                      <a:endParaRPr lang="ko-KR"/>
+                    </a:p>
+                  </a:txBody>
+                  <a:tcPr/>
+                </a:tc>
+                <a:tc vMerge="1">
+                  <a:txBody>
+                    <a:bodyPr/>
+                    <a:lstStyle/>
+                    <a:p>
+                      <a:endParaRPr lang="ko-KR"/>
+                    </a:p>
+                  </a:txBody>
+                  <a:tcPr/>
+                </a:tc>
+                <a:tc>
+                  <a:txBody>
+                    <a:bodyPr/>
+                    <a:lstStyle/>
+                    <a:p>
+                      <a:pPr marL="0" marR="0" lvl="0" indent="0" algn="l" rtl="0">
+                        <a:lnSpc>
+                          <a:spcPct val="100000"/>
+                        </a:lnSpc>
+                        <a:spcBef>
+                          <a:spcPts val="0"/>
+                        </a:spcBef>
+                        <a:spcAft>
+                          <a:spcPts val="0"/>
+                        </a:spcAft>
+                        <a:buClr>
+                          <a:schemeClr val="dk1"/>
+                        </a:buClr>
+                        <a:buSzPts val="1800"/>
+                        <a:buFont typeface="Malgun Gothic"/>
+                        <a:buNone/>
+                      </a:pPr>
+                      <a:r>
+                        <a:rPr lang="ko-KR" sz="1800" b="0" u="none" strike="noStrike" cap="none">
+                          <a:solidFill>
+                            <a:schemeClr val="dk1"/>
+                          </a:solidFill>
+                        </a:rPr>
+                        <a:t>5. 백화점및아울렛</a:t>
+                      </a:r>
+                      <a:endParaRPr sz="1800" b="0" u="none" strike="noStrike" cap="none">
+                        <a:solidFill>
+                          <a:schemeClr val="dk1"/>
+                        </a:solidFill>
+                      </a:endParaRPr>
+                    </a:p>
+                  </a:txBody>
+                  <a:tcPr marL="91450" marR="91450" marT="45725" marB="45725">
+                    <a:lnL w="12700" cap="flat" cmpd="sng">
+                      <a:solidFill>
+                        <a:schemeClr val="dk1"/>
+                      </a:solidFill>
+                      <a:prstDash val="solid"/>
+                      <a:round/>
+                      <a:headEnd type="none" w="sm" len="sm"/>
+                      <a:tailEnd type="none" w="sm" len="sm"/>
+                    </a:lnL>
+                    <a:lnR w="12700" cap="flat" cmpd="sng">
+                      <a:solidFill>
+                        <a:schemeClr val="dk1"/>
+                      </a:solidFill>
+                      <a:prstDash val="solid"/>
+                      <a:round/>
+                      <a:headEnd type="none" w="sm" len="sm"/>
+                      <a:tailEnd type="none" w="sm" len="sm"/>
+                    </a:lnR>
+                    <a:lnT w="12700" cap="flat" cmpd="sng">
+                      <a:solidFill>
+                        <a:schemeClr val="dk1"/>
+                      </a:solidFill>
+                      <a:prstDash val="solid"/>
+                      <a:round/>
+                      <a:headEnd type="none" w="sm" len="sm"/>
+                      <a:tailEnd type="none" w="sm" len="sm"/>
+                    </a:lnT>
+                    <a:lnB w="12700" cap="flat" cmpd="sng">
+                      <a:solidFill>
+                        <a:schemeClr val="dk1"/>
+                      </a:solidFill>
+                      <a:prstDash val="solid"/>
+                      <a:round/>
+                      <a:headEnd type="none" w="sm" len="sm"/>
+                      <a:tailEnd type="none" w="sm" len="sm"/>
+                    </a:lnB>
+                    <a:solidFill>
+                      <a:schemeClr val="lt1"/>
+                    </a:solidFill>
+                  </a:tcPr>
+                </a:tc>
+                <a:tc>
+                  <a:txBody>
+                    <a:bodyPr/>
+                    <a:lstStyle/>
+                    <a:p>
+                      <a:pPr marL="0" marR="0" lvl="0" indent="0" algn="l" rtl="0">
+                        <a:lnSpc>
+                          <a:spcPct val="100000"/>
+                        </a:lnSpc>
+                        <a:spcBef>
+                          <a:spcPts val="0"/>
+                        </a:spcBef>
+                        <a:spcAft>
+                          <a:spcPts val="0"/>
+                        </a:spcAft>
+                        <a:buClr>
+                          <a:schemeClr val="dk1"/>
+                        </a:buClr>
+                        <a:buSzPts val="1800"/>
+                        <a:buFont typeface="Malgun Gothic"/>
+                        <a:buNone/>
+                      </a:pPr>
+                      <a:r>
+                        <a:rPr lang="ko-KR" sz="1800" b="0" u="none" strike="noStrike" cap="none">
+                          <a:solidFill>
+                            <a:schemeClr val="dk1"/>
+                          </a:solidFill>
+                        </a:rPr>
+                        <a:t>11. 할인마트</a:t>
+                      </a:r>
+                      <a:endParaRPr sz="1800" b="0" u="none" strike="noStrike" cap="none">
+                        <a:solidFill>
+                          <a:schemeClr val="dk1"/>
+                        </a:solidFill>
+                      </a:endParaRPr>
+                    </a:p>
+                  </a:txBody>
+                  <a:tcPr marL="91450" marR="91450" marT="45725" marB="45725">
+                    <a:lnL w="12700" cap="flat" cmpd="sng">
+                      <a:solidFill>
+                        <a:schemeClr val="dk1"/>
+                      </a:solidFill>
+                      <a:prstDash val="solid"/>
+                      <a:round/>
+                      <a:headEnd type="none" w="sm" len="sm"/>
+                      <a:tailEnd type="none" w="sm" len="sm"/>
+                    </a:lnL>
+                    <a:lnR w="12700" cap="flat" cmpd="sng">
+                      <a:solidFill>
+                        <a:schemeClr val="dk1"/>
+                      </a:solidFill>
+                      <a:prstDash val="solid"/>
+                      <a:round/>
+                      <a:headEnd type="none" w="sm" len="sm"/>
+                      <a:tailEnd type="none" w="sm" len="sm"/>
+                    </a:lnR>
+                    <a:lnT w="12700" cap="flat" cmpd="sng">
+                      <a:solidFill>
+                        <a:schemeClr val="dk1"/>
+                      </a:solidFill>
+                      <a:prstDash val="solid"/>
+                      <a:round/>
+                      <a:headEnd type="none" w="sm" len="sm"/>
+                      <a:tailEnd type="none" w="sm" len="sm"/>
+                    </a:lnT>
+                    <a:lnB w="12700" cap="flat" cmpd="sng">
+                      <a:solidFill>
+                        <a:schemeClr val="dk1"/>
+                      </a:solidFill>
+                      <a:prstDash val="solid"/>
+                      <a:round/>
+                      <a:headEnd type="none" w="sm" len="sm"/>
+                      <a:tailEnd type="none" w="sm" len="sm"/>
+                    </a:lnB>
+                    <a:solidFill>
+                      <a:schemeClr val="lt1"/>
+                    </a:solidFill>
+                  </a:tcPr>
+                </a:tc>
+                <a:extLst>
+                  <a:ext uri="{0D108BD9-81ED-4DB2-BD59-A6C34878D82A}">
+                    <a16:rowId xmlns:a16="http://schemas.microsoft.com/office/drawing/2014/main" val="10005"/>
+                  </a:ext>
+                </a:extLst>
+              </a:tr>
+              <a:tr h="364925">
+                <a:tc vMerge="1">
+                  <a:txBody>
+                    <a:bodyPr/>
+                    <a:lstStyle/>
+                    <a:p>
+                      <a:endParaRPr lang="ko-KR"/>
+                    </a:p>
+                  </a:txBody>
+                  <a:tcPr/>
+                </a:tc>
+                <a:tc vMerge="1">
+                  <a:txBody>
+                    <a:bodyPr/>
+                    <a:lstStyle/>
+                    <a:p>
+                      <a:endParaRPr lang="ko-KR"/>
+                    </a:p>
+                  </a:txBody>
+                  <a:tcPr/>
+                </a:tc>
+                <a:tc vMerge="1">
+                  <a:txBody>
+                    <a:bodyPr/>
+                    <a:lstStyle/>
+                    <a:p>
+                      <a:endParaRPr lang="ko-KR"/>
+                    </a:p>
+                  </a:txBody>
+                  <a:tcPr/>
+                </a:tc>
+                <a:tc>
+                  <a:txBody>
+                    <a:bodyPr/>
+                    <a:lstStyle/>
+                    <a:p>
+                      <a:pPr marL="0" marR="0" lvl="0" indent="0" algn="l" rtl="0">
+                        <a:lnSpc>
+                          <a:spcPct val="100000"/>
+                        </a:lnSpc>
+                        <a:spcBef>
+                          <a:spcPts val="0"/>
+                        </a:spcBef>
+                        <a:spcAft>
+                          <a:spcPts val="0"/>
+                        </a:spcAft>
+                        <a:buClr>
+                          <a:schemeClr val="dk1"/>
+                        </a:buClr>
+                        <a:buSzPts val="1800"/>
+                        <a:buFont typeface="Malgun Gothic"/>
+                        <a:buNone/>
+                      </a:pPr>
+                      <a:r>
+                        <a:rPr lang="ko-KR" sz="1800" b="0" u="none" strike="noStrike" cap="none">
+                          <a:solidFill>
+                            <a:schemeClr val="dk1"/>
+                          </a:solidFill>
+                        </a:rPr>
+                        <a:t>6. 병원</a:t>
+                      </a:r>
+                      <a:endParaRPr sz="1800" b="0" u="none" strike="noStrike" cap="none">
+                        <a:solidFill>
+                          <a:schemeClr val="dk1"/>
+                        </a:solidFill>
+                      </a:endParaRPr>
+                    </a:p>
+                  </a:txBody>
+                  <a:tcPr marL="91450" marR="91450" marT="45725" marB="45725">
+                    <a:lnL w="12700" cap="flat" cmpd="sng">
+                      <a:solidFill>
+                        <a:schemeClr val="dk1"/>
+                      </a:solidFill>
+                      <a:prstDash val="solid"/>
+                      <a:round/>
+                      <a:headEnd type="none" w="sm" len="sm"/>
+                      <a:tailEnd type="none" w="sm" len="sm"/>
+                    </a:lnL>
+                    <a:lnR w="12700" cap="flat" cmpd="sng">
+                      <a:solidFill>
+                        <a:schemeClr val="dk1"/>
+                      </a:solidFill>
+                      <a:prstDash val="solid"/>
+                      <a:round/>
+                      <a:headEnd type="none" w="sm" len="sm"/>
+                      <a:tailEnd type="none" w="sm" len="sm"/>
+                    </a:lnR>
+                    <a:lnT w="12700" cap="flat" cmpd="sng">
+                      <a:solidFill>
+                        <a:schemeClr val="dk1"/>
+                      </a:solidFill>
+                      <a:prstDash val="solid"/>
+                      <a:round/>
+                      <a:headEnd type="none" w="sm" len="sm"/>
+                      <a:tailEnd type="none" w="sm" len="sm"/>
+                    </a:lnT>
+                    <a:lnB w="12700" cap="flat" cmpd="sng">
+                      <a:solidFill>
+                        <a:schemeClr val="dk1"/>
+                      </a:solidFill>
+                      <a:prstDash val="solid"/>
+                      <a:round/>
+                      <a:headEnd type="none" w="sm" len="sm"/>
+                      <a:tailEnd type="none" w="sm" len="sm"/>
+                    </a:lnB>
+                    <a:solidFill>
+                      <a:schemeClr val="lt1"/>
+                    </a:solidFill>
+                  </a:tcPr>
+                </a:tc>
+                <a:tc>
+                  <a:txBody>
+                    <a:bodyPr/>
+                    <a:lstStyle/>
+                    <a:p>
+                      <a:pPr marL="0" marR="0" lvl="0" indent="0" algn="l" rtl="0">
+                        <a:lnSpc>
+                          <a:spcPct val="100000"/>
+                        </a:lnSpc>
+                        <a:spcBef>
+                          <a:spcPts val="0"/>
+                        </a:spcBef>
+                        <a:spcAft>
+                          <a:spcPts val="0"/>
+                        </a:spcAft>
+                        <a:buClr>
+                          <a:schemeClr val="dk1"/>
+                        </a:buClr>
+                        <a:buSzPts val="1800"/>
+                        <a:buFont typeface="Malgun Gothic"/>
+                        <a:buNone/>
+                      </a:pPr>
+                      <a:r>
+                        <a:rPr lang="ko-KR" sz="1800" b="0" u="none" strike="noStrike" cap="none">
+                          <a:solidFill>
+                            <a:schemeClr val="dk1"/>
+                          </a:solidFill>
+                        </a:rPr>
+                        <a:t>12. 호텔및리조트</a:t>
+                      </a:r>
+                      <a:endParaRPr sz="1800" b="0" u="none" strike="noStrike" cap="none">
+                        <a:solidFill>
+                          <a:schemeClr val="dk1"/>
+                        </a:solidFill>
+                      </a:endParaRPr>
+                    </a:p>
+                  </a:txBody>
+                  <a:tcPr marL="91450" marR="91450" marT="45725" marB="45725">
+                    <a:lnL w="12700" cap="flat" cmpd="sng">
+                      <a:solidFill>
+                        <a:schemeClr val="dk1"/>
+                      </a:solidFill>
+                      <a:prstDash val="solid"/>
+                      <a:round/>
+                      <a:headEnd type="none" w="sm" len="sm"/>
+                      <a:tailEnd type="none" w="sm" len="sm"/>
+                    </a:lnL>
+                    <a:lnR w="12700" cap="flat" cmpd="sng">
+                      <a:solidFill>
+                        <a:schemeClr val="dk1"/>
+                      </a:solidFill>
+                      <a:prstDash val="solid"/>
+                      <a:round/>
+                      <a:headEnd type="none" w="sm" len="sm"/>
+                      <a:tailEnd type="none" w="sm" len="sm"/>
+                    </a:lnR>
+                    <a:lnT w="12700" cap="flat" cmpd="sng">
+                      <a:solidFill>
+                        <a:schemeClr val="dk1"/>
+                      </a:solidFill>
+                      <a:prstDash val="solid"/>
+                      <a:round/>
+                      <a:headEnd type="none" w="sm" len="sm"/>
+                      <a:tailEnd type="none" w="sm" len="sm"/>
+                    </a:lnT>
+                    <a:lnB w="12700" cap="flat" cmpd="sng">
+                      <a:solidFill>
+                        <a:schemeClr val="dk1"/>
+                      </a:solidFill>
+                      <a:prstDash val="solid"/>
+                      <a:round/>
+                      <a:headEnd type="none" w="sm" len="sm"/>
+                      <a:tailEnd type="none" w="sm" len="sm"/>
+                    </a:lnB>
+                    <a:solidFill>
+                      <a:schemeClr val="lt1"/>
+                    </a:solidFill>
+                  </a:tcPr>
+                </a:tc>
+                <a:extLst>
+                  <a:ext uri="{0D108BD9-81ED-4DB2-BD59-A6C34878D82A}">
+                    <a16:rowId xmlns:a16="http://schemas.microsoft.com/office/drawing/2014/main" val="10006"/>
+                  </a:ext>
+                </a:extLst>
+              </a:tr>
+              <a:tr h="369997">
+                <a:tc>
+                  <a:txBody>
+                    <a:bodyPr/>
+                    <a:lstStyle/>
+                    <a:p>
+                      <a:pPr marL="0" marR="0" lvl="0" indent="0" algn="ctr" rtl="0">
+                        <a:spcBef>
+                          <a:spcPts val="0"/>
+                        </a:spcBef>
+                        <a:spcAft>
+                          <a:spcPts val="0"/>
+                        </a:spcAft>
+                        <a:buNone/>
+                      </a:pPr>
+                      <a:r>
+                        <a:rPr lang="ko-KR" sz="1800" b="0" u="none" strike="noStrike" cap="none">
+                          <a:solidFill>
+                            <a:schemeClr val="dk1"/>
+                          </a:solidFill>
+                        </a:rPr>
+                        <a:t>건물번호</a:t>
+                      </a:r>
+                      <a:endParaRPr sz="1800" b="0" u="none" strike="noStrike" cap="none">
+                        <a:solidFill>
+                          <a:schemeClr val="dk1"/>
+                        </a:solidFill>
+                      </a:endParaRPr>
+                    </a:p>
+                  </a:txBody>
+                  <a:tcPr marL="91450" marR="91450" marT="45725" marB="45725" anchor="ctr" anchorCtr="1">
+                    <a:lnL w="12700" cap="flat" cmpd="sng">
+                      <a:solidFill>
+                        <a:schemeClr val="dk1"/>
+                      </a:solidFill>
+                      <a:prstDash val="solid"/>
+                      <a:round/>
+                      <a:headEnd type="none" w="sm" len="sm"/>
+                      <a:tailEnd type="none" w="sm" len="sm"/>
+                    </a:lnL>
+                    <a:lnR w="12700" cap="flat" cmpd="sng">
+                      <a:solidFill>
+                        <a:schemeClr val="dk1"/>
+                      </a:solidFill>
+                      <a:prstDash val="solid"/>
+                      <a:round/>
+                      <a:headEnd type="none" w="sm" len="sm"/>
+                      <a:tailEnd type="none" w="sm" len="sm"/>
+                    </a:lnR>
+                    <a:lnT w="12700" cap="flat" cmpd="sng">
+                      <a:solidFill>
+                        <a:schemeClr val="dk1"/>
+                      </a:solidFill>
+                      <a:prstDash val="solid"/>
+                      <a:round/>
+                      <a:headEnd type="none" w="sm" len="sm"/>
+                      <a:tailEnd type="none" w="sm" len="sm"/>
+                    </a:lnT>
+                    <a:lnB w="12700" cap="flat" cmpd="sng">
+                      <a:solidFill>
+                        <a:schemeClr val="dk1"/>
+                      </a:solidFill>
+                      <a:prstDash val="solid"/>
+                      <a:round/>
+                      <a:headEnd type="none" w="sm" len="sm"/>
+                      <a:tailEnd type="none" w="sm" len="sm"/>
+                    </a:lnB>
+                    <a:solidFill>
+                      <a:schemeClr val="lt1"/>
+                    </a:solidFill>
+                  </a:tcPr>
+                </a:tc>
+                <a:tc vMerge="1">
+                  <a:txBody>
+                    <a:bodyPr/>
+                    <a:lstStyle/>
+                    <a:p>
+                      <a:endParaRPr lang="ko-KR"/>
+                    </a:p>
+                  </a:txBody>
+                  <a:tcPr/>
+                </a:tc>
+                <a:tc>
+                  <a:txBody>
+                    <a:bodyPr/>
+                    <a:lstStyle/>
+                    <a:p>
+                      <a:pPr marL="0" marR="0" lvl="0" indent="0" algn="ctr" rtl="0">
+                        <a:spcBef>
+                          <a:spcPts val="0"/>
+                        </a:spcBef>
+                        <a:spcAft>
+                          <a:spcPts val="0"/>
+                        </a:spcAft>
+                        <a:buNone/>
+                      </a:pPr>
+                      <a:r>
+                        <a:rPr lang="ko-KR" sz="1800" u="none" strike="noStrike" cap="none">
+                          <a:solidFill>
+                            <a:schemeClr val="dk1"/>
+                          </a:solidFill>
+                        </a:rPr>
+                        <a:t>Object</a:t>
+                      </a:r>
+                      <a:endParaRPr sz="1800" u="none" strike="noStrike" cap="none">
+                        <a:solidFill>
+                          <a:schemeClr val="dk1"/>
+                        </a:solidFill>
+                      </a:endParaRPr>
+                    </a:p>
+                  </a:txBody>
+                  <a:tcPr marL="91450" marR="91450" marT="45725" marB="45725" anchor="ctr" anchorCtr="1">
+                    <a:lnL w="12700" cap="flat" cmpd="sng">
+                      <a:solidFill>
+                        <a:schemeClr val="dk1"/>
+                      </a:solidFill>
+                      <a:prstDash val="solid"/>
+                      <a:round/>
+                      <a:headEnd type="none" w="sm" len="sm"/>
+                      <a:tailEnd type="none" w="sm" len="sm"/>
+                    </a:lnL>
+                    <a:lnR w="12700" cap="flat" cmpd="sng">
+                      <a:solidFill>
+                        <a:schemeClr val="dk1"/>
+                      </a:solidFill>
+                      <a:prstDash val="solid"/>
+                      <a:round/>
+                      <a:headEnd type="none" w="sm" len="sm"/>
+                      <a:tailEnd type="none" w="sm" len="sm"/>
+                    </a:lnR>
+                    <a:lnT w="12700" cap="flat" cmpd="sng">
+                      <a:solidFill>
+                        <a:schemeClr val="dk1"/>
+                      </a:solidFill>
+                      <a:prstDash val="solid"/>
+                      <a:round/>
+                      <a:headEnd type="none" w="sm" len="sm"/>
+                      <a:tailEnd type="none" w="sm" len="sm"/>
+                    </a:lnT>
+                    <a:lnB w="12700" cap="flat" cmpd="sng">
+                      <a:solidFill>
+                        <a:schemeClr val="dk1"/>
+                      </a:solidFill>
+                      <a:prstDash val="solid"/>
+                      <a:round/>
+                      <a:headEnd type="none" w="sm" len="sm"/>
+                      <a:tailEnd type="none" w="sm" len="sm"/>
+                    </a:lnB>
+                    <a:solidFill>
+                      <a:schemeClr val="lt1"/>
+                    </a:solidFill>
+                  </a:tcPr>
+                </a:tc>
+                <a:tc gridSpan="2">
+                  <a:txBody>
+                    <a:bodyPr/>
+                    <a:lstStyle/>
+                    <a:p>
+                      <a:pPr marL="0" marR="0" lvl="0" indent="0" algn="ctr" rtl="0">
+                        <a:lnSpc>
+                          <a:spcPct val="100000"/>
+                        </a:lnSpc>
+                        <a:spcBef>
+                          <a:spcPts val="0"/>
+                        </a:spcBef>
+                        <a:spcAft>
+                          <a:spcPts val="0"/>
+                        </a:spcAft>
+                        <a:buClr>
+                          <a:schemeClr val="dk1"/>
+                        </a:buClr>
+                        <a:buSzPts val="1800"/>
+                        <a:buFont typeface="Malgun Gothic"/>
+                        <a:buNone/>
+                      </a:pPr>
+                      <a:r>
+                        <a:rPr lang="ko-KR" sz="1800" u="none" strike="noStrike" cap="none"/>
+                        <a:t>건물1 ~ 건물100 (총 100개)</a:t>
+                      </a:r>
+                      <a:endParaRPr sz="1800" u="none" strike="noStrike" cap="none"/>
+                    </a:p>
+                  </a:txBody>
+                  <a:tcPr marL="91450" marR="91450" marT="45725" marB="45725" anchor="ctr" anchorCtr="1">
+                    <a:lnL w="12700" cap="flat" cmpd="sng">
+                      <a:solidFill>
+                        <a:schemeClr val="dk1"/>
+                      </a:solidFill>
+                      <a:prstDash val="solid"/>
+                      <a:round/>
+                      <a:headEnd type="none" w="sm" len="sm"/>
+                      <a:tailEnd type="none" w="sm" len="sm"/>
+                    </a:lnL>
+                    <a:lnR w="12700" cap="flat" cmpd="sng">
+                      <a:solidFill>
+                        <a:schemeClr val="dk1"/>
+                      </a:solidFill>
+                      <a:prstDash val="solid"/>
+                      <a:round/>
+                      <a:headEnd type="none" w="sm" len="sm"/>
+                      <a:tailEnd type="none" w="sm" len="sm"/>
+                    </a:lnR>
+                    <a:lnT w="12700" cap="flat" cmpd="sng">
+                      <a:solidFill>
+                        <a:schemeClr val="dk1"/>
+                      </a:solidFill>
+                      <a:prstDash val="solid"/>
+                      <a:round/>
+                      <a:headEnd type="none" w="sm" len="sm"/>
+                      <a:tailEnd type="none" w="sm" len="sm"/>
+                    </a:lnT>
+                    <a:lnB w="12700" cap="flat" cmpd="sng">
+                      <a:solidFill>
+                        <a:schemeClr val="dk1"/>
+                      </a:solidFill>
+                      <a:prstDash val="solid"/>
+                      <a:round/>
+                      <a:headEnd type="none" w="sm" len="sm"/>
+                      <a:tailEnd type="none" w="sm" len="sm"/>
+                    </a:lnB>
+                    <a:solidFill>
+                      <a:schemeClr val="lt1"/>
+                    </a:solidFill>
+                  </a:tcPr>
+                </a:tc>
+                <a:tc hMerge="1">
+                  <a:txBody>
+                    <a:bodyPr/>
+                    <a:lstStyle/>
+                    <a:p>
+                      <a:endParaRPr lang="ko-KR"/>
+                    </a:p>
+                  </a:txBody>
+                  <a:tcPr/>
+                </a:tc>
+                <a:extLst>
+                  <a:ext uri="{0D108BD9-81ED-4DB2-BD59-A6C34878D82A}">
+                    <a16:rowId xmlns:a16="http://schemas.microsoft.com/office/drawing/2014/main" val="10007"/>
+                  </a:ext>
+                </a:extLst>
+              </a:tr>
+              <a:tr h="369997">
+                <a:tc>
+                  <a:txBody>
+                    <a:bodyPr/>
+                    <a:lstStyle/>
+                    <a:p>
+                      <a:pPr marL="0" marR="0" lvl="0" indent="0" algn="ctr" rtl="0">
+                        <a:spcBef>
+                          <a:spcPts val="0"/>
+                        </a:spcBef>
+                        <a:spcAft>
+                          <a:spcPts val="0"/>
+                        </a:spcAft>
+                        <a:buNone/>
+                      </a:pPr>
+                      <a:r>
+                        <a:rPr lang="ko-KR" sz="1800" b="0" u="none" strike="noStrike" cap="none">
+                          <a:solidFill>
+                            <a:schemeClr val="dk1"/>
+                          </a:solidFill>
+                        </a:rPr>
+                        <a:t>연면적</a:t>
+                      </a:r>
+                      <a:endParaRPr sz="1800" b="0" u="none" strike="noStrike" cap="none">
+                        <a:solidFill>
+                          <a:schemeClr val="dk1"/>
+                        </a:solidFill>
+                      </a:endParaRPr>
+                    </a:p>
+                  </a:txBody>
+                  <a:tcPr marL="91450" marR="91450" marT="45725" marB="45725" anchor="ctr" anchorCtr="1">
+                    <a:lnL w="12700" cap="flat" cmpd="sng">
+                      <a:solidFill>
+                        <a:schemeClr val="dk1"/>
+                      </a:solidFill>
+                      <a:prstDash val="solid"/>
+                      <a:round/>
+                      <a:headEnd type="none" w="sm" len="sm"/>
+                      <a:tailEnd type="none" w="sm" len="sm"/>
+                    </a:lnL>
+                    <a:lnR w="12700" cap="flat" cmpd="sng">
+                      <a:solidFill>
+                        <a:schemeClr val="dk1"/>
+                      </a:solidFill>
+                      <a:prstDash val="solid"/>
+                      <a:round/>
+                      <a:headEnd type="none" w="sm" len="sm"/>
+                      <a:tailEnd type="none" w="sm" len="sm"/>
+                    </a:lnR>
+                    <a:lnT w="12700" cap="flat" cmpd="sng">
+                      <a:solidFill>
+                        <a:schemeClr val="dk1"/>
+                      </a:solidFill>
+                      <a:prstDash val="solid"/>
+                      <a:round/>
+                      <a:headEnd type="none" w="sm" len="sm"/>
+                      <a:tailEnd type="none" w="sm" len="sm"/>
+                    </a:lnT>
+                    <a:lnB w="12700" cap="flat" cmpd="sng">
+                      <a:solidFill>
+                        <a:schemeClr val="dk1"/>
+                      </a:solidFill>
+                      <a:prstDash val="solid"/>
+                      <a:round/>
+                      <a:headEnd type="none" w="sm" len="sm"/>
+                      <a:tailEnd type="none" w="sm" len="sm"/>
+                    </a:lnB>
+                    <a:solidFill>
+                      <a:schemeClr val="lt1"/>
+                    </a:solidFill>
+                  </a:tcPr>
+                </a:tc>
+                <a:tc vMerge="1">
+                  <a:txBody>
+                    <a:bodyPr/>
+                    <a:lstStyle/>
+                    <a:p>
+                      <a:endParaRPr lang="ko-KR"/>
+                    </a:p>
+                  </a:txBody>
+                  <a:tcPr/>
+                </a:tc>
+                <a:tc>
+                  <a:txBody>
+                    <a:bodyPr/>
+                    <a:lstStyle/>
+                    <a:p>
+                      <a:pPr marL="0" marR="0" lvl="0" indent="0" algn="ctr" rtl="0">
+                        <a:spcBef>
+                          <a:spcPts val="0"/>
+                        </a:spcBef>
+                        <a:spcAft>
+                          <a:spcPts val="0"/>
+                        </a:spcAft>
+                        <a:buNone/>
+                      </a:pPr>
+                      <a:r>
+                        <a:rPr lang="ko-KR" sz="1800" u="none" strike="noStrike" cap="none">
+                          <a:solidFill>
+                            <a:schemeClr val="dk1"/>
+                          </a:solidFill>
+                        </a:rPr>
+                        <a:t>Float64</a:t>
+                      </a:r>
+                      <a:endParaRPr sz="1800" u="none" strike="noStrike" cap="none">
+                        <a:solidFill>
+                          <a:schemeClr val="dk1"/>
+                        </a:solidFill>
+                      </a:endParaRPr>
+                    </a:p>
+                  </a:txBody>
+                  <a:tcPr marL="91450" marR="91450" marT="45725" marB="45725" anchor="ctr" anchorCtr="1">
+                    <a:lnL w="12700" cap="flat" cmpd="sng">
+                      <a:solidFill>
+                        <a:schemeClr val="dk1"/>
+                      </a:solidFill>
+                      <a:prstDash val="solid"/>
+                      <a:round/>
+                      <a:headEnd type="none" w="sm" len="sm"/>
+                      <a:tailEnd type="none" w="sm" len="sm"/>
+                    </a:lnL>
+                    <a:lnR w="12700" cap="flat" cmpd="sng">
+                      <a:solidFill>
+                        <a:schemeClr val="dk1"/>
+                      </a:solidFill>
+                      <a:prstDash val="solid"/>
+                      <a:round/>
+                      <a:headEnd type="none" w="sm" len="sm"/>
+                      <a:tailEnd type="none" w="sm" len="sm"/>
+                    </a:lnR>
+                    <a:lnT w="12700" cap="flat" cmpd="sng">
+                      <a:solidFill>
+                        <a:schemeClr val="dk1"/>
+                      </a:solidFill>
+                      <a:prstDash val="solid"/>
+                      <a:round/>
+                      <a:headEnd type="none" w="sm" len="sm"/>
+                      <a:tailEnd type="none" w="sm" len="sm"/>
+                    </a:lnT>
+                    <a:lnB w="12700" cap="flat" cmpd="sng">
+                      <a:solidFill>
+                        <a:schemeClr val="dk1"/>
+                      </a:solidFill>
+                      <a:prstDash val="solid"/>
+                      <a:round/>
+                      <a:headEnd type="none" w="sm" len="sm"/>
+                      <a:tailEnd type="none" w="sm" len="sm"/>
+                    </a:lnB>
+                    <a:solidFill>
+                      <a:schemeClr val="lt1"/>
+                    </a:solidFill>
+                  </a:tcPr>
+                </a:tc>
+                <a:tc gridSpan="2">
+                  <a:txBody>
+                    <a:bodyPr/>
+                    <a:lstStyle/>
+                    <a:p>
+                      <a:pPr marL="0" marR="0" lvl="0" indent="0" algn="ctr" rtl="0">
+                        <a:lnSpc>
+                          <a:spcPct val="100000"/>
+                        </a:lnSpc>
+                        <a:spcBef>
+                          <a:spcPts val="0"/>
+                        </a:spcBef>
+                        <a:spcAft>
+                          <a:spcPts val="0"/>
+                        </a:spcAft>
+                        <a:buClr>
+                          <a:schemeClr val="dk1"/>
+                        </a:buClr>
+                        <a:buSzPts val="1800"/>
+                        <a:buFont typeface="Malgun Gothic"/>
+                        <a:buNone/>
+                      </a:pPr>
+                      <a:r>
+                        <a:rPr lang="ko-KR" sz="1800" u="none" strike="noStrike" cap="none"/>
+                        <a:t>모든 층의 바닥 면적 합</a:t>
+                      </a:r>
+                      <a:endParaRPr/>
+                    </a:p>
+                  </a:txBody>
+                  <a:tcPr marL="91450" marR="91450" marT="45725" marB="45725" anchor="ctr" anchorCtr="1">
+                    <a:lnL w="12700" cap="flat" cmpd="sng">
+                      <a:solidFill>
+                        <a:schemeClr val="dk1"/>
+                      </a:solidFill>
+                      <a:prstDash val="solid"/>
+                      <a:round/>
+                      <a:headEnd type="none" w="sm" len="sm"/>
+                      <a:tailEnd type="none" w="sm" len="sm"/>
+                    </a:lnL>
+                    <a:lnR w="12700" cap="flat" cmpd="sng">
+                      <a:solidFill>
+                        <a:schemeClr val="dk1"/>
+                      </a:solidFill>
+                      <a:prstDash val="solid"/>
+                      <a:round/>
+                      <a:headEnd type="none" w="sm" len="sm"/>
+                      <a:tailEnd type="none" w="sm" len="sm"/>
+                    </a:lnR>
+                    <a:lnT w="12700" cap="flat" cmpd="sng">
+                      <a:solidFill>
+                        <a:schemeClr val="dk1"/>
+                      </a:solidFill>
+                      <a:prstDash val="solid"/>
+                      <a:round/>
+                      <a:headEnd type="none" w="sm" len="sm"/>
+                      <a:tailEnd type="none" w="sm" len="sm"/>
+                    </a:lnT>
+                    <a:lnB w="12700" cap="flat" cmpd="sng">
+                      <a:solidFill>
+                        <a:schemeClr val="dk1"/>
+                      </a:solidFill>
+                      <a:prstDash val="solid"/>
+                      <a:round/>
+                      <a:headEnd type="none" w="sm" len="sm"/>
+                      <a:tailEnd type="none" w="sm" len="sm"/>
+                    </a:lnB>
+                    <a:solidFill>
+                      <a:schemeClr val="lt1"/>
+                    </a:solidFill>
+                  </a:tcPr>
+                </a:tc>
+                <a:tc hMerge="1">
+                  <a:txBody>
+                    <a:bodyPr/>
+                    <a:lstStyle/>
+                    <a:p>
+                      <a:endParaRPr lang="ko-KR"/>
+                    </a:p>
+                  </a:txBody>
+                  <a:tcPr/>
+                </a:tc>
+                <a:extLst>
+                  <a:ext uri="{0D108BD9-81ED-4DB2-BD59-A6C34878D82A}">
+                    <a16:rowId xmlns:a16="http://schemas.microsoft.com/office/drawing/2014/main" val="10008"/>
+                  </a:ext>
+                </a:extLst>
+              </a:tr>
+              <a:tr h="369997">
+                <a:tc>
+                  <a:txBody>
+                    <a:bodyPr/>
+                    <a:lstStyle/>
+                    <a:p>
+                      <a:pPr marL="0" marR="0" lvl="0" indent="0" algn="ctr" rtl="0">
+                        <a:spcBef>
+                          <a:spcPts val="0"/>
+                        </a:spcBef>
+                        <a:spcAft>
+                          <a:spcPts val="0"/>
+                        </a:spcAft>
+                        <a:buNone/>
+                      </a:pPr>
+                      <a:r>
+                        <a:rPr lang="ko-KR" sz="1800" b="0" u="none" strike="noStrike" cap="none">
+                          <a:solidFill>
+                            <a:schemeClr val="dk1"/>
+                          </a:solidFill>
+                        </a:rPr>
+                        <a:t>냉방면적</a:t>
+                      </a:r>
+                      <a:endParaRPr sz="1800" b="0" u="none" strike="noStrike" cap="none">
+                        <a:solidFill>
+                          <a:schemeClr val="dk1"/>
+                        </a:solidFill>
+                      </a:endParaRPr>
+                    </a:p>
+                  </a:txBody>
+                  <a:tcPr marL="91450" marR="91450" marT="45725" marB="45725" anchor="ctr" anchorCtr="1">
+                    <a:lnL w="12700" cap="flat" cmpd="sng">
+                      <a:solidFill>
+                        <a:schemeClr val="dk1"/>
+                      </a:solidFill>
+                      <a:prstDash val="solid"/>
+                      <a:round/>
+                      <a:headEnd type="none" w="sm" len="sm"/>
+                      <a:tailEnd type="none" w="sm" len="sm"/>
+                    </a:lnL>
+                    <a:lnR w="12700" cap="flat" cmpd="sng">
+                      <a:solidFill>
+                        <a:schemeClr val="dk1"/>
+                      </a:solidFill>
+                      <a:prstDash val="solid"/>
+                      <a:round/>
+                      <a:headEnd type="none" w="sm" len="sm"/>
+                      <a:tailEnd type="none" w="sm" len="sm"/>
+                    </a:lnR>
+                    <a:lnT w="12700" cap="flat" cmpd="sng">
+                      <a:solidFill>
+                        <a:schemeClr val="dk1"/>
+                      </a:solidFill>
+                      <a:prstDash val="solid"/>
+                      <a:round/>
+                      <a:headEnd type="none" w="sm" len="sm"/>
+                      <a:tailEnd type="none" w="sm" len="sm"/>
+                    </a:lnT>
+                    <a:lnB w="12700" cap="flat" cmpd="sng">
+                      <a:solidFill>
+                        <a:schemeClr val="dk1"/>
+                      </a:solidFill>
+                      <a:prstDash val="solid"/>
+                      <a:round/>
+                      <a:headEnd type="none" w="sm" len="sm"/>
+                      <a:tailEnd type="none" w="sm" len="sm"/>
+                    </a:lnB>
+                    <a:solidFill>
+                      <a:schemeClr val="lt1"/>
+                    </a:solidFill>
+                  </a:tcPr>
+                </a:tc>
+                <a:tc vMerge="1">
+                  <a:txBody>
+                    <a:bodyPr/>
+                    <a:lstStyle/>
+                    <a:p>
+                      <a:endParaRPr lang="ko-KR"/>
+                    </a:p>
+                  </a:txBody>
+                  <a:tcPr/>
+                </a:tc>
+                <a:tc>
+                  <a:txBody>
+                    <a:bodyPr/>
+                    <a:lstStyle/>
+                    <a:p>
+                      <a:pPr marL="0" marR="0" lvl="0" indent="0" algn="ctr" rtl="0">
+                        <a:lnSpc>
+                          <a:spcPct val="100000"/>
+                        </a:lnSpc>
+                        <a:spcBef>
+                          <a:spcPts val="0"/>
+                        </a:spcBef>
+                        <a:spcAft>
+                          <a:spcPts val="0"/>
+                        </a:spcAft>
+                        <a:buClr>
+                          <a:schemeClr val="dk1"/>
+                        </a:buClr>
+                        <a:buSzPts val="1800"/>
+                        <a:buFont typeface="Malgun Gothic"/>
+                        <a:buNone/>
+                      </a:pPr>
+                      <a:r>
+                        <a:rPr lang="ko-KR" sz="1800" u="none" strike="noStrike" cap="none">
+                          <a:solidFill>
+                            <a:schemeClr val="dk1"/>
+                          </a:solidFill>
+                        </a:rPr>
+                        <a:t>Float64</a:t>
+                      </a:r>
+                      <a:endParaRPr sz="1800" u="none" strike="noStrike" cap="none">
+                        <a:solidFill>
+                          <a:schemeClr val="dk1"/>
+                        </a:solidFill>
+                      </a:endParaRPr>
+                    </a:p>
+                  </a:txBody>
+                  <a:tcPr marL="91450" marR="91450" marT="45725" marB="45725" anchor="ctr" anchorCtr="1">
+                    <a:lnL w="12700" cap="flat" cmpd="sng">
+                      <a:solidFill>
+                        <a:schemeClr val="dk1"/>
+                      </a:solidFill>
+                      <a:prstDash val="solid"/>
+                      <a:round/>
+                      <a:headEnd type="none" w="sm" len="sm"/>
+                      <a:tailEnd type="none" w="sm" len="sm"/>
+                    </a:lnL>
+                    <a:lnR w="12700" cap="flat" cmpd="sng">
+                      <a:solidFill>
+                        <a:schemeClr val="dk1"/>
+                      </a:solidFill>
+                      <a:prstDash val="solid"/>
+                      <a:round/>
+                      <a:headEnd type="none" w="sm" len="sm"/>
+                      <a:tailEnd type="none" w="sm" len="sm"/>
+                    </a:lnR>
+                    <a:lnT w="12700" cap="flat" cmpd="sng">
+                      <a:solidFill>
+                        <a:schemeClr val="dk1"/>
+                      </a:solidFill>
+                      <a:prstDash val="solid"/>
+                      <a:round/>
+                      <a:headEnd type="none" w="sm" len="sm"/>
+                      <a:tailEnd type="none" w="sm" len="sm"/>
+                    </a:lnT>
+                    <a:lnB w="12700" cap="flat" cmpd="sng">
+                      <a:solidFill>
+                        <a:schemeClr val="dk1"/>
+                      </a:solidFill>
+                      <a:prstDash val="solid"/>
+                      <a:round/>
+                      <a:headEnd type="none" w="sm" len="sm"/>
+                      <a:tailEnd type="none" w="sm" len="sm"/>
+                    </a:lnB>
+                    <a:solidFill>
+                      <a:schemeClr val="lt1"/>
+                    </a:solidFill>
+                  </a:tcPr>
+                </a:tc>
+                <a:tc gridSpan="2">
+                  <a:txBody>
+                    <a:bodyPr/>
+                    <a:lstStyle/>
+                    <a:p>
+                      <a:pPr marL="0" marR="0" lvl="0" indent="0" algn="ctr" rtl="0">
+                        <a:lnSpc>
+                          <a:spcPct val="100000"/>
+                        </a:lnSpc>
+                        <a:spcBef>
+                          <a:spcPts val="0"/>
+                        </a:spcBef>
+                        <a:spcAft>
+                          <a:spcPts val="0"/>
+                        </a:spcAft>
+                        <a:buClr>
+                          <a:schemeClr val="dk1"/>
+                        </a:buClr>
+                        <a:buSzPts val="1800"/>
+                        <a:buFont typeface="Malgun Gothic"/>
+                        <a:buNone/>
+                      </a:pPr>
+                      <a:r>
+                        <a:rPr lang="ko-KR" sz="1800" u="none" strike="noStrike" cap="none"/>
+                        <a:t>냉방이 필요한 공간의 면적</a:t>
+                      </a:r>
+                      <a:endParaRPr/>
+                    </a:p>
+                  </a:txBody>
+                  <a:tcPr marL="91450" marR="91450" marT="45725" marB="45725" anchor="ctr" anchorCtr="1">
+                    <a:lnL w="12700" cap="flat" cmpd="sng">
+                      <a:solidFill>
+                        <a:schemeClr val="dk1"/>
+                      </a:solidFill>
+                      <a:prstDash val="solid"/>
+                      <a:round/>
+                      <a:headEnd type="none" w="sm" len="sm"/>
+                      <a:tailEnd type="none" w="sm" len="sm"/>
+                    </a:lnL>
+                    <a:lnR w="12700" cap="flat" cmpd="sng">
+                      <a:solidFill>
+                        <a:schemeClr val="dk1"/>
+                      </a:solidFill>
+                      <a:prstDash val="solid"/>
+                      <a:round/>
+                      <a:headEnd type="none" w="sm" len="sm"/>
+                      <a:tailEnd type="none" w="sm" len="sm"/>
+                    </a:lnR>
+                    <a:lnT w="12700" cap="flat" cmpd="sng">
+                      <a:solidFill>
+                        <a:schemeClr val="dk1"/>
+                      </a:solidFill>
+                      <a:prstDash val="solid"/>
+                      <a:round/>
+                      <a:headEnd type="none" w="sm" len="sm"/>
+                      <a:tailEnd type="none" w="sm" len="sm"/>
+                    </a:lnT>
+                    <a:lnB w="12700" cap="flat" cmpd="sng">
+                      <a:solidFill>
+                        <a:schemeClr val="dk1"/>
+                      </a:solidFill>
+                      <a:prstDash val="solid"/>
+                      <a:round/>
+                      <a:headEnd type="none" w="sm" len="sm"/>
+                      <a:tailEnd type="none" w="sm" len="sm"/>
+                    </a:lnB>
+                    <a:solidFill>
+                      <a:schemeClr val="lt1"/>
+                    </a:solidFill>
+                  </a:tcPr>
+                </a:tc>
+                <a:tc hMerge="1">
+                  <a:txBody>
+                    <a:bodyPr/>
+                    <a:lstStyle/>
+                    <a:p>
+                      <a:endParaRPr lang="ko-KR"/>
+                    </a:p>
+                  </a:txBody>
+                  <a:tcPr/>
+                </a:tc>
+                <a:extLst>
+                  <a:ext uri="{0D108BD9-81ED-4DB2-BD59-A6C34878D82A}">
+                    <a16:rowId xmlns:a16="http://schemas.microsoft.com/office/drawing/2014/main" val="10009"/>
+                  </a:ext>
+                </a:extLst>
+              </a:tr>
+              <a:tr h="369997">
+                <a:tc>
+                  <a:txBody>
+                    <a:bodyPr/>
+                    <a:lstStyle/>
+                    <a:p>
+                      <a:pPr marL="0" marR="0" lvl="0" indent="0" algn="ctr" rtl="0">
+                        <a:spcBef>
+                          <a:spcPts val="0"/>
+                        </a:spcBef>
+                        <a:spcAft>
+                          <a:spcPts val="0"/>
+                        </a:spcAft>
+                        <a:buNone/>
+                      </a:pPr>
+                      <a:r>
+                        <a:rPr lang="ko-KR" sz="1800" b="0" u="none" strike="noStrike" cap="none">
+                          <a:solidFill>
+                            <a:schemeClr val="dk1"/>
+                          </a:solidFill>
+                        </a:rPr>
+                        <a:t>태양광용량</a:t>
+                      </a:r>
+                      <a:endParaRPr sz="1800" b="0" u="none" strike="noStrike" cap="none">
+                        <a:solidFill>
+                          <a:schemeClr val="dk1"/>
+                        </a:solidFill>
+                      </a:endParaRPr>
+                    </a:p>
+                  </a:txBody>
+                  <a:tcPr marL="91450" marR="91450" marT="45725" marB="45725" anchor="ctr" anchorCtr="1">
+                    <a:lnL w="12700" cap="flat" cmpd="sng">
+                      <a:solidFill>
+                        <a:schemeClr val="dk1"/>
+                      </a:solidFill>
+                      <a:prstDash val="solid"/>
+                      <a:round/>
+                      <a:headEnd type="none" w="sm" len="sm"/>
+                      <a:tailEnd type="none" w="sm" len="sm"/>
+                    </a:lnL>
+                    <a:lnR w="12700" cap="flat" cmpd="sng">
+                      <a:solidFill>
+                        <a:schemeClr val="dk1"/>
+                      </a:solidFill>
+                      <a:prstDash val="solid"/>
+                      <a:round/>
+                      <a:headEnd type="none" w="sm" len="sm"/>
+                      <a:tailEnd type="none" w="sm" len="sm"/>
+                    </a:lnR>
+                    <a:lnT w="12700" cap="flat" cmpd="sng">
+                      <a:solidFill>
+                        <a:schemeClr val="dk1"/>
+                      </a:solidFill>
+                      <a:prstDash val="solid"/>
+                      <a:round/>
+                      <a:headEnd type="none" w="sm" len="sm"/>
+                      <a:tailEnd type="none" w="sm" len="sm"/>
+                    </a:lnT>
+                    <a:lnB w="12700" cap="flat" cmpd="sng">
+                      <a:solidFill>
+                        <a:schemeClr val="dk1"/>
+                      </a:solidFill>
+                      <a:prstDash val="solid"/>
+                      <a:round/>
+                      <a:headEnd type="none" w="sm" len="sm"/>
+                      <a:tailEnd type="none" w="sm" len="sm"/>
+                    </a:lnB>
+                    <a:solidFill>
+                      <a:schemeClr val="lt1"/>
+                    </a:solidFill>
+                  </a:tcPr>
+                </a:tc>
+                <a:tc vMerge="1">
+                  <a:txBody>
+                    <a:bodyPr/>
+                    <a:lstStyle/>
+                    <a:p>
+                      <a:endParaRPr lang="ko-KR"/>
+                    </a:p>
+                  </a:txBody>
+                  <a:tcPr/>
+                </a:tc>
+                <a:tc>
+                  <a:txBody>
+                    <a:bodyPr/>
+                    <a:lstStyle/>
+                    <a:p>
+                      <a:pPr marL="0" marR="0" lvl="0" indent="0" algn="ctr" rtl="0">
+                        <a:spcBef>
+                          <a:spcPts val="0"/>
+                        </a:spcBef>
+                        <a:spcAft>
+                          <a:spcPts val="0"/>
+                        </a:spcAft>
+                        <a:buNone/>
+                      </a:pPr>
+                      <a:r>
+                        <a:rPr lang="ko-KR" sz="1800" u="none" strike="noStrike" cap="none">
+                          <a:solidFill>
+                            <a:schemeClr val="dk1"/>
+                          </a:solidFill>
+                        </a:rPr>
+                        <a:t>Object</a:t>
+                      </a:r>
+                      <a:endParaRPr sz="1800" u="none" strike="noStrike" cap="none">
+                        <a:solidFill>
+                          <a:schemeClr val="dk1"/>
+                        </a:solidFill>
+                      </a:endParaRPr>
+                    </a:p>
+                  </a:txBody>
+                  <a:tcPr marL="91450" marR="91450" marT="45725" marB="45725" anchor="ctr" anchorCtr="1">
+                    <a:lnL w="12700" cap="flat" cmpd="sng">
+                      <a:solidFill>
+                        <a:schemeClr val="dk1"/>
+                      </a:solidFill>
+                      <a:prstDash val="solid"/>
+                      <a:round/>
+                      <a:headEnd type="none" w="sm" len="sm"/>
+                      <a:tailEnd type="none" w="sm" len="sm"/>
+                    </a:lnL>
+                    <a:lnR w="12700" cap="flat" cmpd="sng">
+                      <a:solidFill>
+                        <a:schemeClr val="dk1"/>
+                      </a:solidFill>
+                      <a:prstDash val="solid"/>
+                      <a:round/>
+                      <a:headEnd type="none" w="sm" len="sm"/>
+                      <a:tailEnd type="none" w="sm" len="sm"/>
+                    </a:lnR>
+                    <a:lnT w="12700" cap="flat" cmpd="sng">
+                      <a:solidFill>
+                        <a:schemeClr val="dk1"/>
+                      </a:solidFill>
+                      <a:prstDash val="solid"/>
+                      <a:round/>
+                      <a:headEnd type="none" w="sm" len="sm"/>
+                      <a:tailEnd type="none" w="sm" len="sm"/>
+                    </a:lnT>
+                    <a:lnB w="12700" cap="flat" cmpd="sng">
+                      <a:solidFill>
+                        <a:schemeClr val="dk1"/>
+                      </a:solidFill>
+                      <a:prstDash val="solid"/>
+                      <a:round/>
+                      <a:headEnd type="none" w="sm" len="sm"/>
+                      <a:tailEnd type="none" w="sm" len="sm"/>
+                    </a:lnB>
+                    <a:solidFill>
+                      <a:schemeClr val="lt1"/>
+                    </a:solidFill>
+                  </a:tcPr>
+                </a:tc>
+                <a:tc gridSpan="2">
+                  <a:txBody>
+                    <a:bodyPr/>
+                    <a:lstStyle/>
+                    <a:p>
+                      <a:pPr marL="0" marR="0" lvl="0" indent="0" algn="ctr" rtl="0">
+                        <a:lnSpc>
+                          <a:spcPct val="100000"/>
+                        </a:lnSpc>
+                        <a:spcBef>
+                          <a:spcPts val="0"/>
+                        </a:spcBef>
+                        <a:spcAft>
+                          <a:spcPts val="0"/>
+                        </a:spcAft>
+                        <a:buClr>
+                          <a:schemeClr val="dk1"/>
+                        </a:buClr>
+                        <a:buSzPts val="1800"/>
+                        <a:buFont typeface="Malgun Gothic"/>
+                        <a:buNone/>
+                      </a:pPr>
+                      <a:r>
+                        <a:rPr lang="ko-KR" sz="1800" b="0" u="none" strike="noStrike" cap="none"/>
+                        <a:t>태양광이 생성 가능한 전력 총량</a:t>
+                      </a:r>
+                      <a:endParaRPr/>
+                    </a:p>
+                  </a:txBody>
+                  <a:tcPr marL="91450" marR="91450" marT="45725" marB="45725" anchor="ctr" anchorCtr="1">
+                    <a:lnL w="12700" cap="flat" cmpd="sng">
+                      <a:solidFill>
+                        <a:schemeClr val="dk1"/>
+                      </a:solidFill>
+                      <a:prstDash val="solid"/>
+                      <a:round/>
+                      <a:headEnd type="none" w="sm" len="sm"/>
+                      <a:tailEnd type="none" w="sm" len="sm"/>
+                    </a:lnL>
+                    <a:lnR w="12700" cap="flat" cmpd="sng">
+                      <a:solidFill>
+                        <a:schemeClr val="dk1"/>
+                      </a:solidFill>
+                      <a:prstDash val="solid"/>
+                      <a:round/>
+                      <a:headEnd type="none" w="sm" len="sm"/>
+                      <a:tailEnd type="none" w="sm" len="sm"/>
+                    </a:lnR>
+                    <a:lnT w="12700" cap="flat" cmpd="sng">
+                      <a:solidFill>
+                        <a:schemeClr val="dk1"/>
+                      </a:solidFill>
+                      <a:prstDash val="solid"/>
+                      <a:round/>
+                      <a:headEnd type="none" w="sm" len="sm"/>
+                      <a:tailEnd type="none" w="sm" len="sm"/>
+                    </a:lnT>
+                    <a:lnB w="12700" cap="flat" cmpd="sng">
+                      <a:solidFill>
+                        <a:schemeClr val="dk1"/>
+                      </a:solidFill>
+                      <a:prstDash val="solid"/>
+                      <a:round/>
+                      <a:headEnd type="none" w="sm" len="sm"/>
+                      <a:tailEnd type="none" w="sm" len="sm"/>
+                    </a:lnB>
+                    <a:solidFill>
+                      <a:schemeClr val="lt1"/>
+                    </a:solidFill>
+                  </a:tcPr>
+                </a:tc>
+                <a:tc hMerge="1">
+                  <a:txBody>
+                    <a:bodyPr/>
+                    <a:lstStyle/>
+                    <a:p>
+                      <a:endParaRPr lang="ko-KR"/>
+                    </a:p>
+                  </a:txBody>
+                  <a:tcPr/>
+                </a:tc>
+                <a:extLst>
+                  <a:ext uri="{0D108BD9-81ED-4DB2-BD59-A6C34878D82A}">
+                    <a16:rowId xmlns:a16="http://schemas.microsoft.com/office/drawing/2014/main" val="10010"/>
+                  </a:ext>
+                </a:extLst>
+              </a:tr>
+              <a:tr h="369997">
+                <a:tc>
+                  <a:txBody>
+                    <a:bodyPr/>
+                    <a:lstStyle/>
+                    <a:p>
+                      <a:pPr marL="0" marR="0" lvl="0" indent="0" algn="ctr" rtl="0">
+                        <a:spcBef>
+                          <a:spcPts val="0"/>
+                        </a:spcBef>
+                        <a:spcAft>
+                          <a:spcPts val="0"/>
+                        </a:spcAft>
+                        <a:buNone/>
+                      </a:pPr>
+                      <a:r>
+                        <a:rPr lang="ko-KR" sz="1800" b="0" u="none" strike="noStrike" cap="none">
+                          <a:solidFill>
+                            <a:schemeClr val="dk1"/>
+                          </a:solidFill>
+                        </a:rPr>
+                        <a:t>ESS 저장용량</a:t>
+                      </a:r>
+                      <a:endParaRPr sz="1800" b="0" u="none" strike="noStrike" cap="none">
+                        <a:solidFill>
+                          <a:schemeClr val="dk1"/>
+                        </a:solidFill>
+                      </a:endParaRPr>
+                    </a:p>
+                  </a:txBody>
+                  <a:tcPr marL="91450" marR="91450" marT="45725" marB="45725" anchor="ctr" anchorCtr="1">
+                    <a:lnL w="12700" cap="flat" cmpd="sng">
+                      <a:solidFill>
+                        <a:schemeClr val="dk1"/>
+                      </a:solidFill>
+                      <a:prstDash val="solid"/>
+                      <a:round/>
+                      <a:headEnd type="none" w="sm" len="sm"/>
+                      <a:tailEnd type="none" w="sm" len="sm"/>
+                    </a:lnL>
+                    <a:lnR w="12700" cap="flat" cmpd="sng">
+                      <a:solidFill>
+                        <a:schemeClr val="dk1"/>
+                      </a:solidFill>
+                      <a:prstDash val="solid"/>
+                      <a:round/>
+                      <a:headEnd type="none" w="sm" len="sm"/>
+                      <a:tailEnd type="none" w="sm" len="sm"/>
+                    </a:lnR>
+                    <a:lnT w="12700" cap="flat" cmpd="sng">
+                      <a:solidFill>
+                        <a:schemeClr val="dk1"/>
+                      </a:solidFill>
+                      <a:prstDash val="solid"/>
+                      <a:round/>
+                      <a:headEnd type="none" w="sm" len="sm"/>
+                      <a:tailEnd type="none" w="sm" len="sm"/>
+                    </a:lnT>
+                    <a:lnB w="12700" cap="flat" cmpd="sng">
+                      <a:solidFill>
+                        <a:schemeClr val="dk1"/>
+                      </a:solidFill>
+                      <a:prstDash val="solid"/>
+                      <a:round/>
+                      <a:headEnd type="none" w="sm" len="sm"/>
+                      <a:tailEnd type="none" w="sm" len="sm"/>
+                    </a:lnB>
+                    <a:solidFill>
+                      <a:schemeClr val="lt1"/>
+                    </a:solidFill>
+                  </a:tcPr>
+                </a:tc>
+                <a:tc vMerge="1">
+                  <a:txBody>
+                    <a:bodyPr/>
+                    <a:lstStyle/>
+                    <a:p>
+                      <a:endParaRPr lang="ko-KR"/>
+                    </a:p>
+                  </a:txBody>
+                  <a:tcPr/>
+                </a:tc>
+                <a:tc>
+                  <a:txBody>
+                    <a:bodyPr/>
+                    <a:lstStyle/>
+                    <a:p>
+                      <a:pPr marL="0" marR="0" lvl="0" indent="0" algn="ctr" rtl="0">
+                        <a:spcBef>
+                          <a:spcPts val="0"/>
+                        </a:spcBef>
+                        <a:spcAft>
+                          <a:spcPts val="0"/>
+                        </a:spcAft>
+                        <a:buNone/>
+                      </a:pPr>
+                      <a:r>
+                        <a:rPr lang="ko-KR" sz="1800" u="none" strike="noStrike" cap="none">
+                          <a:solidFill>
+                            <a:schemeClr val="dk1"/>
+                          </a:solidFill>
+                        </a:rPr>
+                        <a:t>Object</a:t>
+                      </a:r>
+                      <a:endParaRPr sz="1800" u="none" strike="noStrike" cap="none">
+                        <a:solidFill>
+                          <a:schemeClr val="dk1"/>
+                        </a:solidFill>
+                      </a:endParaRPr>
+                    </a:p>
+                  </a:txBody>
+                  <a:tcPr marL="91450" marR="91450" marT="45725" marB="45725" anchor="ctr" anchorCtr="1">
+                    <a:lnL w="12700" cap="flat" cmpd="sng">
+                      <a:solidFill>
+                        <a:schemeClr val="dk1"/>
+                      </a:solidFill>
+                      <a:prstDash val="solid"/>
+                      <a:round/>
+                      <a:headEnd type="none" w="sm" len="sm"/>
+                      <a:tailEnd type="none" w="sm" len="sm"/>
+                    </a:lnL>
+                    <a:lnR w="12700" cap="flat" cmpd="sng">
+                      <a:solidFill>
+                        <a:schemeClr val="dk1"/>
+                      </a:solidFill>
+                      <a:prstDash val="solid"/>
+                      <a:round/>
+                      <a:headEnd type="none" w="sm" len="sm"/>
+                      <a:tailEnd type="none" w="sm" len="sm"/>
+                    </a:lnR>
+                    <a:lnT w="12700" cap="flat" cmpd="sng">
+                      <a:solidFill>
+                        <a:schemeClr val="dk1"/>
+                      </a:solidFill>
+                      <a:prstDash val="solid"/>
+                      <a:round/>
+                      <a:headEnd type="none" w="sm" len="sm"/>
+                      <a:tailEnd type="none" w="sm" len="sm"/>
+                    </a:lnT>
+                    <a:lnB w="12700" cap="flat" cmpd="sng">
+                      <a:solidFill>
+                        <a:schemeClr val="dk1"/>
+                      </a:solidFill>
+                      <a:prstDash val="solid"/>
+                      <a:round/>
+                      <a:headEnd type="none" w="sm" len="sm"/>
+                      <a:tailEnd type="none" w="sm" len="sm"/>
+                    </a:lnB>
+                    <a:solidFill>
+                      <a:schemeClr val="lt1"/>
+                    </a:solidFill>
+                  </a:tcPr>
+                </a:tc>
+                <a:tc gridSpan="2">
+                  <a:txBody>
+                    <a:bodyPr/>
+                    <a:lstStyle/>
+                    <a:p>
+                      <a:pPr marL="0" marR="0" lvl="0" indent="0" algn="ctr" rtl="0">
+                        <a:lnSpc>
+                          <a:spcPct val="100000"/>
+                        </a:lnSpc>
+                        <a:spcBef>
+                          <a:spcPts val="0"/>
+                        </a:spcBef>
+                        <a:spcAft>
+                          <a:spcPts val="0"/>
+                        </a:spcAft>
+                        <a:buClr>
+                          <a:schemeClr val="dk1"/>
+                        </a:buClr>
+                        <a:buSzPts val="1800"/>
+                        <a:buFont typeface="Malgun Gothic"/>
+                        <a:buNone/>
+                      </a:pPr>
+                      <a:r>
+                        <a:rPr lang="ko-KR" sz="1800" u="none" strike="noStrike" cap="none"/>
+                        <a:t>저장할 수 있는 최대 에너지 양</a:t>
+                      </a:r>
+                      <a:endParaRPr/>
+                    </a:p>
+                  </a:txBody>
+                  <a:tcPr marL="91450" marR="91450" marT="45725" marB="45725" anchor="ctr" anchorCtr="1">
+                    <a:lnL w="12700" cap="flat" cmpd="sng">
+                      <a:solidFill>
+                        <a:schemeClr val="dk1"/>
+                      </a:solidFill>
+                      <a:prstDash val="solid"/>
+                      <a:round/>
+                      <a:headEnd type="none" w="sm" len="sm"/>
+                      <a:tailEnd type="none" w="sm" len="sm"/>
+                    </a:lnL>
+                    <a:lnR w="12700" cap="flat" cmpd="sng">
+                      <a:solidFill>
+                        <a:schemeClr val="dk1"/>
+                      </a:solidFill>
+                      <a:prstDash val="solid"/>
+                      <a:round/>
+                      <a:headEnd type="none" w="sm" len="sm"/>
+                      <a:tailEnd type="none" w="sm" len="sm"/>
+                    </a:lnR>
+                    <a:lnT w="12700" cap="flat" cmpd="sng">
+                      <a:solidFill>
+                        <a:schemeClr val="dk1"/>
+                      </a:solidFill>
+                      <a:prstDash val="solid"/>
+                      <a:round/>
+                      <a:headEnd type="none" w="sm" len="sm"/>
+                      <a:tailEnd type="none" w="sm" len="sm"/>
+                    </a:lnT>
+                    <a:lnB w="12700" cap="flat" cmpd="sng">
+                      <a:solidFill>
+                        <a:schemeClr val="dk1"/>
+                      </a:solidFill>
+                      <a:prstDash val="solid"/>
+                      <a:round/>
+                      <a:headEnd type="none" w="sm" len="sm"/>
+                      <a:tailEnd type="none" w="sm" len="sm"/>
+                    </a:lnB>
+                    <a:solidFill>
+                      <a:schemeClr val="lt1"/>
+                    </a:solidFill>
+                  </a:tcPr>
+                </a:tc>
+                <a:tc hMerge="1">
+                  <a:txBody>
+                    <a:bodyPr/>
+                    <a:lstStyle/>
+                    <a:p>
+                      <a:endParaRPr lang="ko-KR"/>
+                    </a:p>
+                  </a:txBody>
+                  <a:tcPr/>
+                </a:tc>
+                <a:extLst>
+                  <a:ext uri="{0D108BD9-81ED-4DB2-BD59-A6C34878D82A}">
+                    <a16:rowId xmlns:a16="http://schemas.microsoft.com/office/drawing/2014/main" val="10011"/>
+                  </a:ext>
+                </a:extLst>
+              </a:tr>
+              <a:tr h="369997">
+                <a:tc>
+                  <a:txBody>
+                    <a:bodyPr/>
+                    <a:lstStyle/>
+                    <a:p>
+                      <a:pPr marL="0" marR="0" lvl="0" indent="0" algn="ctr" rtl="0">
+                        <a:spcBef>
+                          <a:spcPts val="0"/>
+                        </a:spcBef>
+                        <a:spcAft>
+                          <a:spcPts val="0"/>
+                        </a:spcAft>
+                        <a:buNone/>
+                      </a:pPr>
+                      <a:r>
+                        <a:rPr lang="ko-KR" sz="1800" b="0" u="none" strike="noStrike" cap="none">
+                          <a:solidFill>
+                            <a:schemeClr val="dk1"/>
+                          </a:solidFill>
+                        </a:rPr>
+                        <a:t>PCS 저장용량</a:t>
+                      </a:r>
+                      <a:endParaRPr sz="1800" b="0" u="none" strike="noStrike" cap="none">
+                        <a:solidFill>
+                          <a:schemeClr val="dk1"/>
+                        </a:solidFill>
+                      </a:endParaRPr>
+                    </a:p>
+                  </a:txBody>
+                  <a:tcPr marL="91450" marR="91450" marT="45725" marB="45725" anchor="ctr" anchorCtr="1">
+                    <a:lnL w="12700" cap="flat" cmpd="sng">
+                      <a:solidFill>
+                        <a:schemeClr val="dk1"/>
+                      </a:solidFill>
+                      <a:prstDash val="solid"/>
+                      <a:round/>
+                      <a:headEnd type="none" w="sm" len="sm"/>
+                      <a:tailEnd type="none" w="sm" len="sm"/>
+                    </a:lnL>
+                    <a:lnR w="12700" cap="flat" cmpd="sng">
+                      <a:solidFill>
+                        <a:schemeClr val="dk1"/>
+                      </a:solidFill>
+                      <a:prstDash val="solid"/>
+                      <a:round/>
+                      <a:headEnd type="none" w="sm" len="sm"/>
+                      <a:tailEnd type="none" w="sm" len="sm"/>
+                    </a:lnR>
+                    <a:lnT w="12700" cap="flat" cmpd="sng">
+                      <a:solidFill>
+                        <a:schemeClr val="dk1"/>
+                      </a:solidFill>
+                      <a:prstDash val="solid"/>
+                      <a:round/>
+                      <a:headEnd type="none" w="sm" len="sm"/>
+                      <a:tailEnd type="none" w="sm" len="sm"/>
+                    </a:lnT>
+                    <a:lnB w="12700" cap="flat" cmpd="sng">
+                      <a:solidFill>
+                        <a:schemeClr val="dk1"/>
+                      </a:solidFill>
+                      <a:prstDash val="solid"/>
+                      <a:round/>
+                      <a:headEnd type="none" w="sm" len="sm"/>
+                      <a:tailEnd type="none" w="sm" len="sm"/>
+                    </a:lnB>
+                    <a:solidFill>
+                      <a:schemeClr val="lt1"/>
+                    </a:solidFill>
+                  </a:tcPr>
+                </a:tc>
+                <a:tc vMerge="1">
+                  <a:txBody>
+                    <a:bodyPr/>
+                    <a:lstStyle/>
+                    <a:p>
+                      <a:endParaRPr lang="ko-KR"/>
+                    </a:p>
+                  </a:txBody>
+                  <a:tcPr/>
+                </a:tc>
+                <a:tc>
+                  <a:txBody>
+                    <a:bodyPr/>
+                    <a:lstStyle/>
+                    <a:p>
+                      <a:pPr marL="0" marR="0" lvl="0" indent="0" algn="ctr" rtl="0">
+                        <a:spcBef>
+                          <a:spcPts val="0"/>
+                        </a:spcBef>
+                        <a:spcAft>
+                          <a:spcPts val="0"/>
+                        </a:spcAft>
+                        <a:buNone/>
+                      </a:pPr>
+                      <a:r>
+                        <a:rPr lang="ko-KR" sz="1800" u="none" strike="noStrike" cap="none">
+                          <a:solidFill>
+                            <a:schemeClr val="dk1"/>
+                          </a:solidFill>
+                        </a:rPr>
+                        <a:t>Object</a:t>
+                      </a:r>
+                      <a:endParaRPr sz="1800" u="none" strike="noStrike" cap="none">
+                        <a:solidFill>
+                          <a:schemeClr val="dk1"/>
+                        </a:solidFill>
+                      </a:endParaRPr>
+                    </a:p>
+                  </a:txBody>
+                  <a:tcPr marL="91450" marR="91450" marT="45725" marB="45725" anchor="ctr" anchorCtr="1">
+                    <a:lnL w="12700" cap="flat" cmpd="sng">
+                      <a:solidFill>
+                        <a:schemeClr val="dk1"/>
+                      </a:solidFill>
+                      <a:prstDash val="solid"/>
+                      <a:round/>
+                      <a:headEnd type="none" w="sm" len="sm"/>
+                      <a:tailEnd type="none" w="sm" len="sm"/>
+                    </a:lnL>
+                    <a:lnR w="12700" cap="flat" cmpd="sng">
+                      <a:solidFill>
+                        <a:schemeClr val="dk1"/>
+                      </a:solidFill>
+                      <a:prstDash val="solid"/>
+                      <a:round/>
+                      <a:headEnd type="none" w="sm" len="sm"/>
+                      <a:tailEnd type="none" w="sm" len="sm"/>
+                    </a:lnR>
+                    <a:lnT w="12700" cap="flat" cmpd="sng">
+                      <a:solidFill>
+                        <a:schemeClr val="dk1"/>
+                      </a:solidFill>
+                      <a:prstDash val="solid"/>
+                      <a:round/>
+                      <a:headEnd type="none" w="sm" len="sm"/>
+                      <a:tailEnd type="none" w="sm" len="sm"/>
+                    </a:lnT>
+                    <a:lnB w="12700" cap="flat" cmpd="sng">
+                      <a:solidFill>
+                        <a:schemeClr val="dk1"/>
+                      </a:solidFill>
+                      <a:prstDash val="solid"/>
+                      <a:round/>
+                      <a:headEnd type="none" w="sm" len="sm"/>
+                      <a:tailEnd type="none" w="sm" len="sm"/>
+                    </a:lnB>
+                    <a:solidFill>
+                      <a:schemeClr val="lt1"/>
+                    </a:solidFill>
+                  </a:tcPr>
+                </a:tc>
+                <a:tc gridSpan="2">
+                  <a:txBody>
+                    <a:bodyPr/>
+                    <a:lstStyle/>
+                    <a:p>
+                      <a:pPr marL="0" marR="0" lvl="0" indent="0" algn="ctr" rtl="0">
+                        <a:lnSpc>
+                          <a:spcPct val="100000"/>
+                        </a:lnSpc>
+                        <a:spcBef>
+                          <a:spcPts val="0"/>
+                        </a:spcBef>
+                        <a:spcAft>
+                          <a:spcPts val="0"/>
+                        </a:spcAft>
+                        <a:buClr>
+                          <a:schemeClr val="dk1"/>
+                        </a:buClr>
+                        <a:buSzPts val="1800"/>
+                        <a:buFont typeface="Malgun Gothic"/>
+                        <a:buNone/>
+                      </a:pPr>
+                      <a:r>
+                        <a:rPr lang="ko-KR" sz="1800" u="none" strike="noStrike" cap="none" dirty="0"/>
+                        <a:t>시스템이 처리 가능한 최대 전력량</a:t>
+                      </a:r>
+                      <a:endParaRPr dirty="0"/>
+                    </a:p>
+                  </a:txBody>
+                  <a:tcPr marL="91450" marR="91450" marT="45725" marB="45725" anchor="ctr" anchorCtr="1">
+                    <a:lnL w="12700" cap="flat" cmpd="sng">
+                      <a:solidFill>
+                        <a:schemeClr val="dk1"/>
+                      </a:solidFill>
+                      <a:prstDash val="solid"/>
+                      <a:round/>
+                      <a:headEnd type="none" w="sm" len="sm"/>
+                      <a:tailEnd type="none" w="sm" len="sm"/>
+                    </a:lnL>
+                    <a:lnR w="12700" cap="flat" cmpd="sng">
+                      <a:solidFill>
+                        <a:schemeClr val="dk1"/>
+                      </a:solidFill>
+                      <a:prstDash val="solid"/>
+                      <a:round/>
+                      <a:headEnd type="none" w="sm" len="sm"/>
+                      <a:tailEnd type="none" w="sm" len="sm"/>
+                    </a:lnR>
+                    <a:lnT w="12700" cap="flat" cmpd="sng">
+                      <a:solidFill>
+                        <a:schemeClr val="dk1"/>
+                      </a:solidFill>
+                      <a:prstDash val="solid"/>
+                      <a:round/>
+                      <a:headEnd type="none" w="sm" len="sm"/>
+                      <a:tailEnd type="none" w="sm" len="sm"/>
+                    </a:lnT>
+                    <a:lnB w="12700" cap="flat" cmpd="sng">
+                      <a:solidFill>
+                        <a:schemeClr val="dk1"/>
+                      </a:solidFill>
+                      <a:prstDash val="solid"/>
+                      <a:round/>
+                      <a:headEnd type="none" w="sm" len="sm"/>
+                      <a:tailEnd type="none" w="sm" len="sm"/>
+                    </a:lnB>
+                    <a:solidFill>
+                      <a:schemeClr val="lt1"/>
+                    </a:solidFill>
+                  </a:tcPr>
+                </a:tc>
+                <a:tc hMerge="1">
+                  <a:txBody>
+                    <a:bodyPr/>
+                    <a:lstStyle/>
+                    <a:p>
+                      <a:endParaRPr lang="ko-KR"/>
+                    </a:p>
+                  </a:txBody>
+                  <a:tcPr/>
+                </a:tc>
+                <a:extLst>
+                  <a:ext uri="{0D108BD9-81ED-4DB2-BD59-A6C34878D82A}">
+                    <a16:rowId xmlns:a16="http://schemas.microsoft.com/office/drawing/2014/main" val="10012"/>
+                  </a:ext>
+                </a:extLst>
+              </a:tr>
+            </a:tbl>
+          </a:graphicData>
+        </a:graphic>
+      </p:graphicFrame>
+      <p:sp>
+        <p:nvSpPr>
+          <p:cNvPr id="7" name="Google Shape;123;p3">
+            <a:extLst>
+              <a:ext uri="{FF2B5EF4-FFF2-40B4-BE49-F238E27FC236}">
+                <a16:creationId xmlns:a16="http://schemas.microsoft.com/office/drawing/2014/main" id="{6027C991-84FE-42BD-7CB1-D581531CC4D4}"/>
+              </a:ext>
+            </a:extLst>
+          </p:cNvPr>
+          <p:cNvSpPr txBox="1"/>
+          <p:nvPr/>
+        </p:nvSpPr>
+        <p:spPr>
+          <a:xfrm>
+            <a:off x="1847850" y="1051371"/>
+            <a:ext cx="2444074" cy="461624"/>
+          </a:xfrm>
+          <a:prstGeom prst="rect">
+            <a:avLst/>
+          </a:prstGeom>
+          <a:noFill/>
+          <a:ln>
+            <a:noFill/>
+          </a:ln>
+        </p:spPr>
+        <p:txBody>
+          <a:bodyPr spcFirstLastPara="1" wrap="square" lIns="91425" tIns="45700" rIns="91425" bIns="45700" anchor="t" anchorCtr="0">
+            <a:spAutoFit/>
+          </a:bodyPr>
+          <a:lstStyle/>
+          <a:p>
+            <a:pPr marL="0" marR="0" lvl="0" indent="0" algn="ctr" rtl="0">
+              <a:spcBef>
+                <a:spcPts val="0"/>
+              </a:spcBef>
+              <a:spcAft>
+                <a:spcPts val="0"/>
+              </a:spcAft>
+              <a:buNone/>
+            </a:pPr>
+            <a:r>
+              <a:rPr lang="ko-KR" altLang="en-US" sz="2400" b="1" dirty="0">
+                <a:solidFill>
+                  <a:schemeClr val="accent4"/>
+                </a:solidFill>
+                <a:latin typeface="+mj-lt"/>
+                <a:ea typeface="Malgun Gothic"/>
+                <a:cs typeface="Malgun Gothic"/>
+                <a:sym typeface="Malgun Gothic"/>
+              </a:rPr>
+              <a:t>건물정보 데이터</a:t>
+            </a:r>
+            <a:endParaRPr sz="2400" b="1" dirty="0">
+              <a:solidFill>
+                <a:schemeClr val="accent4"/>
+              </a:solidFill>
+              <a:latin typeface="+mj-lt"/>
+              <a:ea typeface="Malgun Gothic"/>
+              <a:cs typeface="Malgun Gothic"/>
+              <a:sym typeface="Malgun Gothic"/>
+            </a:endParaRPr>
+          </a:p>
+        </p:txBody>
+      </p:sp>
+    </p:spTree>
+    <p:extLst>
+      <p:ext uri="{BB962C8B-B14F-4D97-AF65-F5344CB8AC3E}">
+        <p14:creationId xmlns:p14="http://schemas.microsoft.com/office/powerpoint/2010/main" val="3902701286"/>
+      </p:ext>
+    </p:extLst>
+  </p:cSld>
+  <p:clrMapOvr>
+    <a:masterClrMapping/>
+  </p:clrMapOvr>
+</p:sld>
+</file>
+
+<file path=ppt/slides/slide9.xml><?xml version="1.0" encoding="utf-8"?>
+<p:sld xmlns:a="http://schemas.openxmlformats.org/drawingml/2006/main" xmlns:r="http://schemas.openxmlformats.org/officeDocument/2006/relationships" xmlns:p="http://schemas.openxmlformats.org/presentationml/2006/main">
+  <p:cSld>
+    <p:bg>
+      <p:bgPr>
+        <a:solidFill>
+          <a:schemeClr val="tx2">
+            <a:lumMod val="75000"/>
+          </a:schemeClr>
+        </a:solidFill>
+        <a:effectLst/>
+      </p:bgPr>
+    </p:bg>
+    <p:spTree>
+      <p:nvGrpSpPr>
+        <p:cNvPr id="1" name=""/>
+        <p:cNvGrpSpPr/>
+        <p:nvPr/>
+      </p:nvGrpSpPr>
+      <p:grpSpPr>
+        <a:xfrm>
+          <a:off x="0" y="0"/>
+          <a:ext cx="0" cy="0"/>
+          <a:chOff x="0" y="0"/>
+          <a:chExt cx="0" cy="0"/>
+        </a:xfrm>
+      </p:grpSpPr>
+      <p:sp>
+        <p:nvSpPr>
+          <p:cNvPr id="4" name="Google Shape;95;p2">
+            <a:extLst>
+              <a:ext uri="{FF2B5EF4-FFF2-40B4-BE49-F238E27FC236}">
+                <a16:creationId xmlns:a16="http://schemas.microsoft.com/office/drawing/2014/main" id="{BBDD50A2-2BBE-D666-192D-D592D3FAFEA1}"/>
               </a:ext>
             </a:extLst>
           </p:cNvPr>
@@ -8276,8 +12333,8 @@
         </p:nvSpPr>
         <p:spPr>
           <a:xfrm>
-            <a:off x="1628384" y="785090"/>
-            <a:ext cx="237361" cy="1318029"/>
+            <a:off x="0" y="-9525"/>
+            <a:ext cx="1628384" cy="6858000"/>
           </a:xfrm>
           <a:prstGeom prst="rect">
             <a:avLst/>
@@ -8287,7 +12344,7 @@
           </a:solidFill>
           <a:ln w="12700" cap="flat" cmpd="sng">
             <a:solidFill>
-              <a:srgbClr val="757070"/>
+              <a:srgbClr val="D0CECE"/>
             </a:solidFill>
             <a:prstDash val="solid"/>
             <a:miter lim="800000"/>
@@ -8322,10 +12379,2994 @@
           </a:p>
         </p:txBody>
       </p:sp>
+      <p:sp>
+        <p:nvSpPr>
+          <p:cNvPr id="2" name="Google Shape;124;p3">
+            <a:extLst>
+              <a:ext uri="{FF2B5EF4-FFF2-40B4-BE49-F238E27FC236}">
+                <a16:creationId xmlns:a16="http://schemas.microsoft.com/office/drawing/2014/main" id="{92198413-093A-220B-B37E-0E3BECA78F5A}"/>
+              </a:ext>
+            </a:extLst>
+          </p:cNvPr>
+          <p:cNvSpPr txBox="1"/>
+          <p:nvPr/>
+        </p:nvSpPr>
+        <p:spPr>
+          <a:xfrm>
+            <a:off x="9458325" y="46816"/>
+            <a:ext cx="2733673" cy="338514"/>
+          </a:xfrm>
+          <a:prstGeom prst="rect">
+            <a:avLst/>
+          </a:prstGeom>
+          <a:noFill/>
+          <a:ln>
+            <a:noFill/>
+          </a:ln>
+        </p:spPr>
+        <p:txBody>
+          <a:bodyPr spcFirstLastPara="1" wrap="square" lIns="91425" tIns="45700" rIns="91425" bIns="45700" anchor="t" anchorCtr="0">
+            <a:spAutoFit/>
+          </a:bodyPr>
+          <a:lstStyle/>
+          <a:p>
+            <a:pPr marL="0" marR="0" lvl="0" indent="0" algn="l" rtl="0">
+              <a:spcBef>
+                <a:spcPts val="0"/>
+              </a:spcBef>
+              <a:spcAft>
+                <a:spcPts val="0"/>
+              </a:spcAft>
+              <a:buNone/>
+            </a:pPr>
+            <a:r>
+              <a:rPr lang="ko-KR" altLang="en-US" sz="1600" b="1" dirty="0">
+                <a:solidFill>
+                  <a:srgbClr val="FFC000"/>
+                </a:solidFill>
+                <a:latin typeface="+mj-lt"/>
+                <a:ea typeface="Malgun Gothic"/>
+                <a:cs typeface="Malgun Gothic"/>
+                <a:sym typeface="Malgun Gothic"/>
+              </a:rPr>
+              <a:t>데이터 설명 </a:t>
+            </a:r>
+            <a:r>
+              <a:rPr lang="ko-KR" sz="1600" b="1" dirty="0">
+                <a:solidFill>
+                  <a:schemeClr val="bg1"/>
+                </a:solidFill>
+                <a:latin typeface="+mj-lt"/>
+                <a:ea typeface="Malgun Gothic"/>
+                <a:cs typeface="Malgun Gothic"/>
+                <a:sym typeface="Malgun Gothic"/>
+              </a:rPr>
+              <a:t>&gt; </a:t>
+            </a:r>
+            <a:r>
+              <a:rPr lang="ko-KR" altLang="en-US" sz="1600" b="1" dirty="0">
+                <a:solidFill>
+                  <a:schemeClr val="bg1"/>
+                </a:solidFill>
+                <a:latin typeface="+mj-lt"/>
+                <a:ea typeface="Malgun Gothic"/>
+                <a:cs typeface="Malgun Gothic"/>
+                <a:sym typeface="Malgun Gothic"/>
+              </a:rPr>
+              <a:t>데이터 </a:t>
+            </a:r>
+            <a:r>
+              <a:rPr lang="en-US" altLang="ko-KR" sz="1600" b="1" dirty="0">
+                <a:solidFill>
+                  <a:schemeClr val="bg1"/>
+                </a:solidFill>
+                <a:latin typeface="+mj-lt"/>
+                <a:ea typeface="Malgun Gothic"/>
+                <a:cs typeface="Malgun Gothic"/>
+                <a:sym typeface="Malgun Gothic"/>
+              </a:rPr>
+              <a:t>EDA</a:t>
+            </a:r>
+            <a:endParaRPr sz="1600" b="1" dirty="0">
+              <a:solidFill>
+                <a:srgbClr val="FFC000"/>
+              </a:solidFill>
+              <a:latin typeface="+mj-lt"/>
+              <a:ea typeface="Malgun Gothic"/>
+              <a:cs typeface="Malgun Gothic"/>
+              <a:sym typeface="Malgun Gothic"/>
+            </a:endParaRPr>
+          </a:p>
+        </p:txBody>
+      </p:sp>
+      <p:sp>
+        <p:nvSpPr>
+          <p:cNvPr id="3" name="Google Shape;123;p3">
+            <a:extLst>
+              <a:ext uri="{FF2B5EF4-FFF2-40B4-BE49-F238E27FC236}">
+                <a16:creationId xmlns:a16="http://schemas.microsoft.com/office/drawing/2014/main" id="{12094BAE-EDFE-D707-2D9A-D80F592E64BA}"/>
+              </a:ext>
+            </a:extLst>
+          </p:cNvPr>
+          <p:cNvSpPr txBox="1"/>
+          <p:nvPr/>
+        </p:nvSpPr>
+        <p:spPr>
+          <a:xfrm>
+            <a:off x="1726240" y="385330"/>
+            <a:ext cx="3340637" cy="584775"/>
+          </a:xfrm>
+          <a:prstGeom prst="rect">
+            <a:avLst/>
+          </a:prstGeom>
+          <a:noFill/>
+          <a:ln>
+            <a:noFill/>
+          </a:ln>
+        </p:spPr>
+        <p:txBody>
+          <a:bodyPr spcFirstLastPara="1" wrap="square" lIns="91425" tIns="45700" rIns="91425" bIns="45700" anchor="t" anchorCtr="0">
+            <a:spAutoFit/>
+          </a:bodyPr>
+          <a:lstStyle/>
+          <a:p>
+            <a:pPr marL="0" marR="0" lvl="0" indent="0" algn="l" rtl="0">
+              <a:spcBef>
+                <a:spcPts val="0"/>
+              </a:spcBef>
+              <a:spcAft>
+                <a:spcPts val="0"/>
+              </a:spcAft>
+              <a:buNone/>
+            </a:pPr>
+            <a:r>
+              <a:rPr lang="en-US" altLang="ko-KR" sz="3200" b="1" dirty="0">
+                <a:solidFill>
+                  <a:schemeClr val="bg1"/>
+                </a:solidFill>
+                <a:latin typeface="+mj-lt"/>
+                <a:ea typeface="Malgun Gothic"/>
+                <a:cs typeface="Malgun Gothic"/>
+                <a:sym typeface="Malgun Gothic"/>
+              </a:rPr>
+              <a:t>2. </a:t>
+            </a:r>
+            <a:r>
+              <a:rPr lang="ko-KR" altLang="en-US" sz="3200" b="1" dirty="0">
+                <a:solidFill>
+                  <a:schemeClr val="bg1"/>
+                </a:solidFill>
+                <a:latin typeface="+mj-lt"/>
+                <a:ea typeface="Malgun Gothic"/>
+                <a:cs typeface="Malgun Gothic"/>
+                <a:sym typeface="Malgun Gothic"/>
+              </a:rPr>
+              <a:t>데이터 이해</a:t>
+            </a:r>
+            <a:endParaRPr sz="3200" b="1" dirty="0">
+              <a:solidFill>
+                <a:schemeClr val="bg1"/>
+              </a:solidFill>
+              <a:latin typeface="+mj-lt"/>
+              <a:ea typeface="Malgun Gothic"/>
+              <a:cs typeface="Malgun Gothic"/>
+              <a:sym typeface="Malgun Gothic"/>
+            </a:endParaRPr>
+          </a:p>
+        </p:txBody>
+      </p:sp>
+      <p:sp>
+        <p:nvSpPr>
+          <p:cNvPr id="7" name="Google Shape;123;p3">
+            <a:extLst>
+              <a:ext uri="{FF2B5EF4-FFF2-40B4-BE49-F238E27FC236}">
+                <a16:creationId xmlns:a16="http://schemas.microsoft.com/office/drawing/2014/main" id="{6027C991-84FE-42BD-7CB1-D581531CC4D4}"/>
+              </a:ext>
+            </a:extLst>
+          </p:cNvPr>
+          <p:cNvSpPr txBox="1"/>
+          <p:nvPr/>
+        </p:nvSpPr>
+        <p:spPr>
+          <a:xfrm>
+            <a:off x="1809749" y="1220583"/>
+            <a:ext cx="3695701" cy="461624"/>
+          </a:xfrm>
+          <a:prstGeom prst="rect">
+            <a:avLst/>
+          </a:prstGeom>
+          <a:noFill/>
+          <a:ln>
+            <a:noFill/>
+          </a:ln>
+        </p:spPr>
+        <p:txBody>
+          <a:bodyPr spcFirstLastPara="1" wrap="square" lIns="91425" tIns="45700" rIns="91425" bIns="45700" anchor="t" anchorCtr="0">
+            <a:spAutoFit/>
+          </a:bodyPr>
+          <a:lstStyle/>
+          <a:p>
+            <a:pPr marL="0" marR="0" lvl="0" indent="0" algn="ctr" rtl="0">
+              <a:spcBef>
+                <a:spcPts val="0"/>
+              </a:spcBef>
+              <a:spcAft>
+                <a:spcPts val="0"/>
+              </a:spcAft>
+              <a:buNone/>
+            </a:pPr>
+            <a:r>
+              <a:rPr lang="ko-KR" altLang="en-US" sz="2400" b="1" dirty="0">
+                <a:solidFill>
+                  <a:schemeClr val="accent4"/>
+                </a:solidFill>
+                <a:latin typeface="+mj-lt"/>
+                <a:ea typeface="Malgun Gothic"/>
+                <a:cs typeface="Malgun Gothic"/>
+                <a:sym typeface="Malgun Gothic"/>
+              </a:rPr>
+              <a:t>날씨 </a:t>
+            </a:r>
+            <a:r>
+              <a:rPr lang="en-US" altLang="ko-KR" sz="2400" b="1" dirty="0">
+                <a:solidFill>
+                  <a:schemeClr val="accent4"/>
+                </a:solidFill>
+                <a:latin typeface="+mj-lt"/>
+                <a:ea typeface="Malgun Gothic"/>
+                <a:cs typeface="Malgun Gothic"/>
+                <a:sym typeface="Malgun Gothic"/>
+              </a:rPr>
+              <a:t>/ </a:t>
+            </a:r>
+            <a:r>
+              <a:rPr lang="ko-KR" altLang="en-US" sz="2400" b="1" dirty="0">
+                <a:solidFill>
+                  <a:schemeClr val="accent4"/>
+                </a:solidFill>
+                <a:latin typeface="+mj-lt"/>
+                <a:ea typeface="Malgun Gothic"/>
+                <a:cs typeface="Malgun Gothic"/>
+                <a:sym typeface="Malgun Gothic"/>
+              </a:rPr>
+              <a:t>전력소비량 데이터</a:t>
+            </a:r>
+            <a:endParaRPr sz="2400" b="1" dirty="0">
+              <a:solidFill>
+                <a:schemeClr val="accent4"/>
+              </a:solidFill>
+              <a:latin typeface="+mj-lt"/>
+              <a:ea typeface="Malgun Gothic"/>
+              <a:cs typeface="Malgun Gothic"/>
+              <a:sym typeface="Malgun Gothic"/>
+            </a:endParaRPr>
+          </a:p>
+        </p:txBody>
+      </p:sp>
+      <p:graphicFrame>
+        <p:nvGraphicFramePr>
+          <p:cNvPr id="6" name="Google Shape;229;p7">
+            <a:extLst>
+              <a:ext uri="{FF2B5EF4-FFF2-40B4-BE49-F238E27FC236}">
+                <a16:creationId xmlns:a16="http://schemas.microsoft.com/office/drawing/2014/main" id="{D9557613-2D2C-B9BD-774E-F38EEF1CB0CF}"/>
+              </a:ext>
+            </a:extLst>
+          </p:cNvPr>
+          <p:cNvGraphicFramePr/>
+          <p:nvPr/>
+        </p:nvGraphicFramePr>
+        <p:xfrm>
+          <a:off x="1912065" y="1634582"/>
+          <a:ext cx="9932775" cy="4733525"/>
+        </p:xfrm>
+        <a:graphic>
+          <a:graphicData uri="http://schemas.openxmlformats.org/drawingml/2006/table">
+            <a:tbl>
+              <a:tblPr firstRow="1" bandRow="1">
+                <a:noFill/>
+              </a:tblPr>
+              <a:tblGrid>
+                <a:gridCol w="1962475">
+                  <a:extLst>
+                    <a:ext uri="{9D8B030D-6E8A-4147-A177-3AD203B41FA5}">
+                      <a16:colId xmlns:a16="http://schemas.microsoft.com/office/drawing/2014/main" val="20000"/>
+                    </a:ext>
+                  </a:extLst>
+                </a:gridCol>
+                <a:gridCol w="2620525">
+                  <a:extLst>
+                    <a:ext uri="{9D8B030D-6E8A-4147-A177-3AD203B41FA5}">
+                      <a16:colId xmlns:a16="http://schemas.microsoft.com/office/drawing/2014/main" val="20001"/>
+                    </a:ext>
+                  </a:extLst>
+                </a:gridCol>
+                <a:gridCol w="1884675">
+                  <a:extLst>
+                    <a:ext uri="{9D8B030D-6E8A-4147-A177-3AD203B41FA5}">
+                      <a16:colId xmlns:a16="http://schemas.microsoft.com/office/drawing/2014/main" val="20002"/>
+                    </a:ext>
+                  </a:extLst>
+                </a:gridCol>
+                <a:gridCol w="3465100">
+                  <a:extLst>
+                    <a:ext uri="{9D8B030D-6E8A-4147-A177-3AD203B41FA5}">
+                      <a16:colId xmlns:a16="http://schemas.microsoft.com/office/drawing/2014/main" val="20003"/>
+                    </a:ext>
+                  </a:extLst>
+                </a:gridCol>
+              </a:tblGrid>
+              <a:tr h="694525">
+                <a:tc>
+                  <a:txBody>
+                    <a:bodyPr/>
+                    <a:lstStyle/>
+                    <a:p>
+                      <a:pPr marL="0" marR="0" lvl="0" indent="0" algn="ctr" rtl="0">
+                        <a:spcBef>
+                          <a:spcPts val="0"/>
+                        </a:spcBef>
+                        <a:spcAft>
+                          <a:spcPts val="0"/>
+                        </a:spcAft>
+                        <a:buNone/>
+                      </a:pPr>
+                      <a:r>
+                        <a:rPr lang="ko-KR" sz="2000" u="none" strike="noStrike" cap="none">
+                          <a:solidFill>
+                            <a:schemeClr val="dk1"/>
+                          </a:solidFill>
+                        </a:rPr>
+                        <a:t>변수명</a:t>
+                      </a:r>
+                      <a:endParaRPr sz="2000" u="none" strike="noStrike" cap="none">
+                        <a:solidFill>
+                          <a:schemeClr val="dk1"/>
+                        </a:solidFill>
+                      </a:endParaRPr>
+                    </a:p>
+                  </a:txBody>
+                  <a:tcPr marL="91450" marR="91450" marT="45725" marB="45725" anchor="ctr" anchorCtr="1">
+                    <a:lnL w="12700" cap="flat" cmpd="sng">
+                      <a:solidFill>
+                        <a:schemeClr val="dk1"/>
+                      </a:solidFill>
+                      <a:prstDash val="solid"/>
+                      <a:round/>
+                      <a:headEnd type="none" w="sm" len="sm"/>
+                      <a:tailEnd type="none" w="sm" len="sm"/>
+                    </a:lnL>
+                    <a:lnR w="12700" cap="flat" cmpd="sng">
+                      <a:solidFill>
+                        <a:schemeClr val="dk1"/>
+                      </a:solidFill>
+                      <a:prstDash val="solid"/>
+                      <a:round/>
+                      <a:headEnd type="none" w="sm" len="sm"/>
+                      <a:tailEnd type="none" w="sm" len="sm"/>
+                    </a:lnR>
+                    <a:lnT w="12700" cap="flat" cmpd="sng">
+                      <a:solidFill>
+                        <a:schemeClr val="dk1"/>
+                      </a:solidFill>
+                      <a:prstDash val="solid"/>
+                      <a:round/>
+                      <a:headEnd type="none" w="sm" len="sm"/>
+                      <a:tailEnd type="none" w="sm" len="sm"/>
+                    </a:lnT>
+                    <a:lnB w="12700" cap="flat" cmpd="sng">
+                      <a:solidFill>
+                        <a:schemeClr val="dk1"/>
+                      </a:solidFill>
+                      <a:prstDash val="solid"/>
+                      <a:round/>
+                      <a:headEnd type="none" w="sm" len="sm"/>
+                      <a:tailEnd type="none" w="sm" len="sm"/>
+                    </a:lnB>
+                    <a:solidFill>
+                      <a:srgbClr val="F2F2F2"/>
+                    </a:solidFill>
+                  </a:tcPr>
+                </a:tc>
+                <a:tc>
+                  <a:txBody>
+                    <a:bodyPr/>
+                    <a:lstStyle/>
+                    <a:p>
+                      <a:pPr marL="0" marR="0" lvl="0" indent="0" algn="ctr" rtl="0">
+                        <a:spcBef>
+                          <a:spcPts val="0"/>
+                        </a:spcBef>
+                        <a:spcAft>
+                          <a:spcPts val="0"/>
+                        </a:spcAft>
+                        <a:buNone/>
+                      </a:pPr>
+                      <a:r>
+                        <a:rPr lang="ko-KR" sz="2000" u="none" strike="noStrike" cap="none">
+                          <a:solidFill>
+                            <a:schemeClr val="dk1"/>
+                          </a:solidFill>
+                        </a:rPr>
+                        <a:t>데이터 Shape</a:t>
+                      </a:r>
+                      <a:endParaRPr sz="2000" u="none" strike="noStrike" cap="none">
+                        <a:solidFill>
+                          <a:schemeClr val="dk1"/>
+                        </a:solidFill>
+                      </a:endParaRPr>
+                    </a:p>
+                  </a:txBody>
+                  <a:tcPr marL="91450" marR="91450" marT="45725" marB="45725" anchor="ctr" anchorCtr="1">
+                    <a:lnL w="12700" cap="flat" cmpd="sng">
+                      <a:solidFill>
+                        <a:schemeClr val="dk1"/>
+                      </a:solidFill>
+                      <a:prstDash val="solid"/>
+                      <a:round/>
+                      <a:headEnd type="none" w="sm" len="sm"/>
+                      <a:tailEnd type="none" w="sm" len="sm"/>
+                    </a:lnL>
+                    <a:lnR w="12700" cap="flat" cmpd="sng">
+                      <a:solidFill>
+                        <a:schemeClr val="dk1"/>
+                      </a:solidFill>
+                      <a:prstDash val="solid"/>
+                      <a:round/>
+                      <a:headEnd type="none" w="sm" len="sm"/>
+                      <a:tailEnd type="none" w="sm" len="sm"/>
+                    </a:lnR>
+                    <a:lnT w="12700" cap="flat" cmpd="sng">
+                      <a:solidFill>
+                        <a:schemeClr val="dk1"/>
+                      </a:solidFill>
+                      <a:prstDash val="solid"/>
+                      <a:round/>
+                      <a:headEnd type="none" w="sm" len="sm"/>
+                      <a:tailEnd type="none" w="sm" len="sm"/>
+                    </a:lnT>
+                    <a:lnB w="12700" cap="flat" cmpd="sng">
+                      <a:solidFill>
+                        <a:schemeClr val="dk1"/>
+                      </a:solidFill>
+                      <a:prstDash val="solid"/>
+                      <a:round/>
+                      <a:headEnd type="none" w="sm" len="sm"/>
+                      <a:tailEnd type="none" w="sm" len="sm"/>
+                    </a:lnB>
+                    <a:solidFill>
+                      <a:srgbClr val="F2F2F2"/>
+                    </a:solidFill>
+                  </a:tcPr>
+                </a:tc>
+                <a:tc>
+                  <a:txBody>
+                    <a:bodyPr/>
+                    <a:lstStyle/>
+                    <a:p>
+                      <a:pPr marL="0" marR="0" lvl="0" indent="0" algn="ctr" rtl="0">
+                        <a:spcBef>
+                          <a:spcPts val="0"/>
+                        </a:spcBef>
+                        <a:spcAft>
+                          <a:spcPts val="0"/>
+                        </a:spcAft>
+                        <a:buNone/>
+                      </a:pPr>
+                      <a:r>
+                        <a:rPr lang="ko-KR" sz="2000" u="none" strike="noStrike" cap="none">
+                          <a:solidFill>
+                            <a:schemeClr val="dk1"/>
+                          </a:solidFill>
+                        </a:rPr>
+                        <a:t>데이터 자료형</a:t>
+                      </a:r>
+                      <a:endParaRPr sz="2000" u="none" strike="noStrike" cap="none">
+                        <a:solidFill>
+                          <a:schemeClr val="dk1"/>
+                        </a:solidFill>
+                      </a:endParaRPr>
+                    </a:p>
+                  </a:txBody>
+                  <a:tcPr marL="91450" marR="91450" marT="45725" marB="45725" anchor="ctr" anchorCtr="1">
+                    <a:lnL w="12700" cap="flat" cmpd="sng">
+                      <a:solidFill>
+                        <a:schemeClr val="dk1"/>
+                      </a:solidFill>
+                      <a:prstDash val="solid"/>
+                      <a:round/>
+                      <a:headEnd type="none" w="sm" len="sm"/>
+                      <a:tailEnd type="none" w="sm" len="sm"/>
+                    </a:lnL>
+                    <a:lnR w="12700" cap="flat" cmpd="sng">
+                      <a:solidFill>
+                        <a:schemeClr val="dk1"/>
+                      </a:solidFill>
+                      <a:prstDash val="solid"/>
+                      <a:round/>
+                      <a:headEnd type="none" w="sm" len="sm"/>
+                      <a:tailEnd type="none" w="sm" len="sm"/>
+                    </a:lnR>
+                    <a:lnT w="12700" cap="flat" cmpd="sng">
+                      <a:solidFill>
+                        <a:schemeClr val="dk1"/>
+                      </a:solidFill>
+                      <a:prstDash val="solid"/>
+                      <a:round/>
+                      <a:headEnd type="none" w="sm" len="sm"/>
+                      <a:tailEnd type="none" w="sm" len="sm"/>
+                    </a:lnT>
+                    <a:lnB w="12700" cap="flat" cmpd="sng">
+                      <a:solidFill>
+                        <a:schemeClr val="dk1"/>
+                      </a:solidFill>
+                      <a:prstDash val="solid"/>
+                      <a:round/>
+                      <a:headEnd type="none" w="sm" len="sm"/>
+                      <a:tailEnd type="none" w="sm" len="sm"/>
+                    </a:lnB>
+                    <a:solidFill>
+                      <a:srgbClr val="F2F2F2"/>
+                    </a:solidFill>
+                  </a:tcPr>
+                </a:tc>
+                <a:tc>
+                  <a:txBody>
+                    <a:bodyPr/>
+                    <a:lstStyle/>
+                    <a:p>
+                      <a:pPr marL="0" marR="0" lvl="0" indent="0" algn="ctr" rtl="0">
+                        <a:spcBef>
+                          <a:spcPts val="0"/>
+                        </a:spcBef>
+                        <a:spcAft>
+                          <a:spcPts val="0"/>
+                        </a:spcAft>
+                        <a:buNone/>
+                      </a:pPr>
+                      <a:r>
+                        <a:rPr lang="ko-KR" sz="2000" u="none" strike="noStrike" cap="none">
+                          <a:solidFill>
+                            <a:schemeClr val="dk1"/>
+                          </a:solidFill>
+                        </a:rPr>
+                        <a:t>변수 설명</a:t>
+                      </a:r>
+                      <a:endParaRPr sz="2000" u="none" strike="noStrike" cap="none">
+                        <a:solidFill>
+                          <a:schemeClr val="dk1"/>
+                        </a:solidFill>
+                      </a:endParaRPr>
+                    </a:p>
+                  </a:txBody>
+                  <a:tcPr marL="91450" marR="91450" marT="45725" marB="45725" anchor="ctr" anchorCtr="1">
+                    <a:lnL w="12700" cap="flat" cmpd="sng">
+                      <a:solidFill>
+                        <a:schemeClr val="dk1"/>
+                      </a:solidFill>
+                      <a:prstDash val="solid"/>
+                      <a:round/>
+                      <a:headEnd type="none" w="sm" len="sm"/>
+                      <a:tailEnd type="none" w="sm" len="sm"/>
+                    </a:lnL>
+                    <a:lnR w="12700" cap="flat" cmpd="sng">
+                      <a:solidFill>
+                        <a:schemeClr val="dk1"/>
+                      </a:solidFill>
+                      <a:prstDash val="solid"/>
+                      <a:round/>
+                      <a:headEnd type="none" w="sm" len="sm"/>
+                      <a:tailEnd type="none" w="sm" len="sm"/>
+                    </a:lnR>
+                    <a:lnT w="12700" cap="flat" cmpd="sng">
+                      <a:solidFill>
+                        <a:schemeClr val="dk1"/>
+                      </a:solidFill>
+                      <a:prstDash val="solid"/>
+                      <a:round/>
+                      <a:headEnd type="none" w="sm" len="sm"/>
+                      <a:tailEnd type="none" w="sm" len="sm"/>
+                    </a:lnT>
+                    <a:lnB w="12700" cap="flat" cmpd="sng">
+                      <a:solidFill>
+                        <a:schemeClr val="dk1"/>
+                      </a:solidFill>
+                      <a:prstDash val="solid"/>
+                      <a:round/>
+                      <a:headEnd type="none" w="sm" len="sm"/>
+                      <a:tailEnd type="none" w="sm" len="sm"/>
+                    </a:lnB>
+                    <a:solidFill>
+                      <a:srgbClr val="F2F2F2"/>
+                    </a:solidFill>
+                  </a:tcPr>
+                </a:tc>
+                <a:extLst>
+                  <a:ext uri="{0D108BD9-81ED-4DB2-BD59-A6C34878D82A}">
+                    <a16:rowId xmlns:a16="http://schemas.microsoft.com/office/drawing/2014/main" val="10000"/>
+                  </a:ext>
+                </a:extLst>
+              </a:tr>
+              <a:tr h="403900">
+                <a:tc>
+                  <a:txBody>
+                    <a:bodyPr/>
+                    <a:lstStyle/>
+                    <a:p>
+                      <a:pPr marL="0" marR="0" lvl="0" indent="0" algn="ctr" rtl="0">
+                        <a:spcBef>
+                          <a:spcPts val="0"/>
+                        </a:spcBef>
+                        <a:spcAft>
+                          <a:spcPts val="0"/>
+                        </a:spcAft>
+                        <a:buNone/>
+                      </a:pPr>
+                      <a:r>
+                        <a:rPr lang="ko-KR" sz="1800" b="0" u="none" strike="noStrike" cap="none">
+                          <a:solidFill>
+                            <a:schemeClr val="dk1"/>
+                          </a:solidFill>
+                        </a:rPr>
+                        <a:t>num_date_time</a:t>
+                      </a:r>
+                      <a:endParaRPr sz="1800" b="0" u="none" strike="noStrike" cap="none">
+                        <a:solidFill>
+                          <a:schemeClr val="dk1"/>
+                        </a:solidFill>
+                      </a:endParaRPr>
+                    </a:p>
+                  </a:txBody>
+                  <a:tcPr marL="91450" marR="91450" marT="45725" marB="45725">
+                    <a:lnL w="12700" cap="flat" cmpd="sng">
+                      <a:solidFill>
+                        <a:schemeClr val="dk1"/>
+                      </a:solidFill>
+                      <a:prstDash val="solid"/>
+                      <a:round/>
+                      <a:headEnd type="none" w="sm" len="sm"/>
+                      <a:tailEnd type="none" w="sm" len="sm"/>
+                    </a:lnL>
+                    <a:lnR w="12700" cap="flat" cmpd="sng">
+                      <a:solidFill>
+                        <a:schemeClr val="dk1"/>
+                      </a:solidFill>
+                      <a:prstDash val="solid"/>
+                      <a:round/>
+                      <a:headEnd type="none" w="sm" len="sm"/>
+                      <a:tailEnd type="none" w="sm" len="sm"/>
+                    </a:lnR>
+                    <a:lnT w="12700" cap="flat" cmpd="sng">
+                      <a:solidFill>
+                        <a:schemeClr val="dk1"/>
+                      </a:solidFill>
+                      <a:prstDash val="solid"/>
+                      <a:round/>
+                      <a:headEnd type="none" w="sm" len="sm"/>
+                      <a:tailEnd type="none" w="sm" len="sm"/>
+                    </a:lnT>
+                    <a:lnB w="12700" cap="flat" cmpd="sng">
+                      <a:solidFill>
+                        <a:schemeClr val="dk1"/>
+                      </a:solidFill>
+                      <a:prstDash val="solid"/>
+                      <a:round/>
+                      <a:headEnd type="none" w="sm" len="sm"/>
+                      <a:tailEnd type="none" w="sm" len="sm"/>
+                    </a:lnB>
+                    <a:solidFill>
+                      <a:schemeClr val="lt1"/>
+                    </a:solidFill>
+                  </a:tcPr>
+                </a:tc>
+                <a:tc rowSpan="10">
+                  <a:txBody>
+                    <a:bodyPr/>
+                    <a:lstStyle/>
+                    <a:p>
+                      <a:pPr marL="0" marR="0" lvl="0" indent="0" algn="ctr" rtl="0">
+                        <a:spcBef>
+                          <a:spcPts val="0"/>
+                        </a:spcBef>
+                        <a:spcAft>
+                          <a:spcPts val="0"/>
+                        </a:spcAft>
+                        <a:buNone/>
+                      </a:pPr>
+                      <a:endParaRPr sz="1800" u="none" strike="noStrike" cap="none" dirty="0"/>
+                    </a:p>
+                    <a:p>
+                      <a:pPr marL="0" marR="0" lvl="0" indent="0" algn="ctr" rtl="0">
+                        <a:spcBef>
+                          <a:spcPts val="0"/>
+                        </a:spcBef>
+                        <a:spcAft>
+                          <a:spcPts val="0"/>
+                        </a:spcAft>
+                        <a:buNone/>
+                      </a:pPr>
+                      <a:endParaRPr sz="1800" u="none" strike="noStrike" cap="none" dirty="0"/>
+                    </a:p>
+                    <a:p>
+                      <a:pPr marL="0" marR="0" lvl="0" indent="0" algn="ctr" rtl="0">
+                        <a:spcBef>
+                          <a:spcPts val="0"/>
+                        </a:spcBef>
+                        <a:spcAft>
+                          <a:spcPts val="0"/>
+                        </a:spcAft>
+                        <a:buNone/>
+                      </a:pPr>
+                      <a:endParaRPr sz="1800" u="none" strike="noStrike" cap="none" dirty="0"/>
+                    </a:p>
+                    <a:p>
+                      <a:pPr marL="0" marR="0" lvl="0" indent="0" algn="ctr" rtl="0">
+                        <a:spcBef>
+                          <a:spcPts val="0"/>
+                        </a:spcBef>
+                        <a:spcAft>
+                          <a:spcPts val="0"/>
+                        </a:spcAft>
+                        <a:buNone/>
+                      </a:pPr>
+                      <a:endParaRPr sz="1800" u="none" strike="noStrike" cap="none" dirty="0"/>
+                    </a:p>
+                    <a:p>
+                      <a:pPr marL="0" marR="0" lvl="0" indent="0" algn="ctr" rtl="0">
+                        <a:spcBef>
+                          <a:spcPts val="0"/>
+                        </a:spcBef>
+                        <a:spcAft>
+                          <a:spcPts val="0"/>
+                        </a:spcAft>
+                        <a:buNone/>
+                      </a:pPr>
+                      <a:endParaRPr sz="1800" u="none" strike="noStrike" cap="none" dirty="0"/>
+                    </a:p>
+                    <a:p>
+                      <a:pPr marL="0" marR="0" lvl="0" indent="0" algn="ctr" rtl="0">
+                        <a:spcBef>
+                          <a:spcPts val="0"/>
+                        </a:spcBef>
+                        <a:spcAft>
+                          <a:spcPts val="0"/>
+                        </a:spcAft>
+                        <a:buNone/>
+                      </a:pPr>
+                      <a:r>
+                        <a:rPr lang="ko-KR" sz="1800" u="none" strike="noStrike" cap="none" dirty="0"/>
+                        <a:t>204000행 10열</a:t>
+                      </a:r>
+                      <a:endParaRPr sz="1800" u="none" strike="noStrike" cap="none" dirty="0"/>
+                    </a:p>
+                    <a:p>
+                      <a:pPr marL="0" marR="0" lvl="0" indent="0" algn="ctr" rtl="0">
+                        <a:spcBef>
+                          <a:spcPts val="0"/>
+                        </a:spcBef>
+                        <a:spcAft>
+                          <a:spcPts val="0"/>
+                        </a:spcAft>
+                        <a:buNone/>
+                      </a:pPr>
+                      <a:r>
+                        <a:rPr lang="ko-KR" sz="1800" u="none" strike="noStrike" cap="none" dirty="0"/>
+                        <a:t>(204000, 10)</a:t>
+                      </a:r>
+                      <a:endParaRPr sz="1800" u="none" strike="noStrike" cap="none" dirty="0"/>
+                    </a:p>
+                  </a:txBody>
+                  <a:tcPr marL="91450" marR="91450" marT="45725" marB="45725">
+                    <a:lnL w="12700" cap="flat" cmpd="sng">
+                      <a:solidFill>
+                        <a:schemeClr val="dk1"/>
+                      </a:solidFill>
+                      <a:prstDash val="solid"/>
+                      <a:round/>
+                      <a:headEnd type="none" w="sm" len="sm"/>
+                      <a:tailEnd type="none" w="sm" len="sm"/>
+                    </a:lnL>
+                    <a:lnR w="12700" cap="flat" cmpd="sng">
+                      <a:solidFill>
+                        <a:schemeClr val="dk1"/>
+                      </a:solidFill>
+                      <a:prstDash val="solid"/>
+                      <a:round/>
+                      <a:headEnd type="none" w="sm" len="sm"/>
+                      <a:tailEnd type="none" w="sm" len="sm"/>
+                    </a:lnR>
+                    <a:lnT w="12700" cap="flat" cmpd="sng">
+                      <a:solidFill>
+                        <a:schemeClr val="dk1"/>
+                      </a:solidFill>
+                      <a:prstDash val="solid"/>
+                      <a:round/>
+                      <a:headEnd type="none" w="sm" len="sm"/>
+                      <a:tailEnd type="none" w="sm" len="sm"/>
+                    </a:lnT>
+                    <a:lnB w="12700" cap="flat" cmpd="sng">
+                      <a:solidFill>
+                        <a:schemeClr val="dk1"/>
+                      </a:solidFill>
+                      <a:prstDash val="solid"/>
+                      <a:round/>
+                      <a:headEnd type="none" w="sm" len="sm"/>
+                      <a:tailEnd type="none" w="sm" len="sm"/>
+                    </a:lnB>
+                    <a:solidFill>
+                      <a:schemeClr val="lt1"/>
+                    </a:solidFill>
+                  </a:tcPr>
+                </a:tc>
+                <a:tc>
+                  <a:txBody>
+                    <a:bodyPr/>
+                    <a:lstStyle/>
+                    <a:p>
+                      <a:pPr marL="0" marR="0" lvl="0" indent="0" algn="ctr" rtl="0">
+                        <a:spcBef>
+                          <a:spcPts val="0"/>
+                        </a:spcBef>
+                        <a:spcAft>
+                          <a:spcPts val="0"/>
+                        </a:spcAft>
+                        <a:buNone/>
+                      </a:pPr>
+                      <a:r>
+                        <a:rPr lang="ko-KR" sz="1800" u="none" strike="noStrike" cap="none"/>
+                        <a:t>Object</a:t>
+                      </a:r>
+                      <a:endParaRPr sz="1800" u="none" strike="noStrike" cap="none"/>
+                    </a:p>
+                  </a:txBody>
+                  <a:tcPr marL="91450" marR="91450" marT="45725" marB="45725">
+                    <a:lnL w="12700" cap="flat" cmpd="sng">
+                      <a:solidFill>
+                        <a:schemeClr val="dk1"/>
+                      </a:solidFill>
+                      <a:prstDash val="solid"/>
+                      <a:round/>
+                      <a:headEnd type="none" w="sm" len="sm"/>
+                      <a:tailEnd type="none" w="sm" len="sm"/>
+                    </a:lnL>
+                    <a:lnR w="12700" cap="flat" cmpd="sng">
+                      <a:solidFill>
+                        <a:schemeClr val="dk1"/>
+                      </a:solidFill>
+                      <a:prstDash val="solid"/>
+                      <a:round/>
+                      <a:headEnd type="none" w="sm" len="sm"/>
+                      <a:tailEnd type="none" w="sm" len="sm"/>
+                    </a:lnR>
+                    <a:lnT w="12700" cap="flat" cmpd="sng">
+                      <a:solidFill>
+                        <a:schemeClr val="dk1"/>
+                      </a:solidFill>
+                      <a:prstDash val="solid"/>
+                      <a:round/>
+                      <a:headEnd type="none" w="sm" len="sm"/>
+                      <a:tailEnd type="none" w="sm" len="sm"/>
+                    </a:lnT>
+                    <a:lnB w="12700" cap="flat" cmpd="sng">
+                      <a:solidFill>
+                        <a:schemeClr val="dk1"/>
+                      </a:solidFill>
+                      <a:prstDash val="solid"/>
+                      <a:round/>
+                      <a:headEnd type="none" w="sm" len="sm"/>
+                      <a:tailEnd type="none" w="sm" len="sm"/>
+                    </a:lnB>
+                    <a:solidFill>
+                      <a:schemeClr val="lt1"/>
+                    </a:solidFill>
+                  </a:tcPr>
+                </a:tc>
+                <a:tc>
+                  <a:txBody>
+                    <a:bodyPr/>
+                    <a:lstStyle/>
+                    <a:p>
+                      <a:pPr marL="0" marR="0" lvl="0" indent="0" algn="ctr" rtl="0">
+                        <a:spcBef>
+                          <a:spcPts val="0"/>
+                        </a:spcBef>
+                        <a:spcAft>
+                          <a:spcPts val="0"/>
+                        </a:spcAft>
+                        <a:buNone/>
+                      </a:pPr>
+                      <a:r>
+                        <a:rPr lang="ko-KR" sz="1800" b="0" u="none" strike="noStrike" cap="none">
+                          <a:solidFill>
+                            <a:schemeClr val="dk1"/>
+                          </a:solidFill>
+                        </a:rPr>
+                        <a:t>건물번호 + 일시</a:t>
+                      </a:r>
+                      <a:endParaRPr sz="1800" b="0" u="none" strike="noStrike" cap="none">
+                        <a:solidFill>
+                          <a:schemeClr val="dk1"/>
+                        </a:solidFill>
+                      </a:endParaRPr>
+                    </a:p>
+                  </a:txBody>
+                  <a:tcPr marL="91450" marR="91450" marT="45725" marB="45725">
+                    <a:lnL w="12700" cap="flat" cmpd="sng">
+                      <a:solidFill>
+                        <a:schemeClr val="dk1"/>
+                      </a:solidFill>
+                      <a:prstDash val="solid"/>
+                      <a:round/>
+                      <a:headEnd type="none" w="sm" len="sm"/>
+                      <a:tailEnd type="none" w="sm" len="sm"/>
+                    </a:lnL>
+                    <a:lnR w="12700" cap="flat" cmpd="sng">
+                      <a:solidFill>
+                        <a:schemeClr val="dk1"/>
+                      </a:solidFill>
+                      <a:prstDash val="solid"/>
+                      <a:round/>
+                      <a:headEnd type="none" w="sm" len="sm"/>
+                      <a:tailEnd type="none" w="sm" len="sm"/>
+                    </a:lnR>
+                    <a:lnT w="12700" cap="flat" cmpd="sng">
+                      <a:solidFill>
+                        <a:schemeClr val="dk1"/>
+                      </a:solidFill>
+                      <a:prstDash val="solid"/>
+                      <a:round/>
+                      <a:headEnd type="none" w="sm" len="sm"/>
+                      <a:tailEnd type="none" w="sm" len="sm"/>
+                    </a:lnT>
+                    <a:lnB w="12700" cap="flat" cmpd="sng">
+                      <a:solidFill>
+                        <a:schemeClr val="dk1"/>
+                      </a:solidFill>
+                      <a:prstDash val="solid"/>
+                      <a:round/>
+                      <a:headEnd type="none" w="sm" len="sm"/>
+                      <a:tailEnd type="none" w="sm" len="sm"/>
+                    </a:lnB>
+                    <a:solidFill>
+                      <a:schemeClr val="lt1"/>
+                    </a:solidFill>
+                  </a:tcPr>
+                </a:tc>
+                <a:extLst>
+                  <a:ext uri="{0D108BD9-81ED-4DB2-BD59-A6C34878D82A}">
+                    <a16:rowId xmlns:a16="http://schemas.microsoft.com/office/drawing/2014/main" val="10001"/>
+                  </a:ext>
+                </a:extLst>
+              </a:tr>
+              <a:tr h="403900">
+                <a:tc>
+                  <a:txBody>
+                    <a:bodyPr/>
+                    <a:lstStyle/>
+                    <a:p>
+                      <a:pPr marL="0" marR="0" lvl="0" indent="0" algn="ctr" rtl="0">
+                        <a:spcBef>
+                          <a:spcPts val="0"/>
+                        </a:spcBef>
+                        <a:spcAft>
+                          <a:spcPts val="0"/>
+                        </a:spcAft>
+                        <a:buNone/>
+                      </a:pPr>
+                      <a:r>
+                        <a:rPr lang="ko-KR" sz="1800" b="0" u="none" strike="noStrike" cap="none" dirty="0">
+                          <a:solidFill>
+                            <a:schemeClr val="dk1"/>
+                          </a:solidFill>
+                        </a:rPr>
+                        <a:t>건물번호</a:t>
+                      </a:r>
+                      <a:endParaRPr sz="1800" b="0" u="none" strike="noStrike" cap="none" dirty="0">
+                        <a:solidFill>
+                          <a:schemeClr val="dk1"/>
+                        </a:solidFill>
+                      </a:endParaRPr>
+                    </a:p>
+                  </a:txBody>
+                  <a:tcPr marL="91450" marR="91450" marT="45725" marB="45725">
+                    <a:lnL w="12700" cap="flat" cmpd="sng">
+                      <a:solidFill>
+                        <a:schemeClr val="dk1"/>
+                      </a:solidFill>
+                      <a:prstDash val="solid"/>
+                      <a:round/>
+                      <a:headEnd type="none" w="sm" len="sm"/>
+                      <a:tailEnd type="none" w="sm" len="sm"/>
+                    </a:lnL>
+                    <a:lnR w="12700" cap="flat" cmpd="sng">
+                      <a:solidFill>
+                        <a:schemeClr val="dk1"/>
+                      </a:solidFill>
+                      <a:prstDash val="solid"/>
+                      <a:round/>
+                      <a:headEnd type="none" w="sm" len="sm"/>
+                      <a:tailEnd type="none" w="sm" len="sm"/>
+                    </a:lnR>
+                    <a:lnT w="12700" cap="flat" cmpd="sng">
+                      <a:solidFill>
+                        <a:schemeClr val="dk1"/>
+                      </a:solidFill>
+                      <a:prstDash val="solid"/>
+                      <a:round/>
+                      <a:headEnd type="none" w="sm" len="sm"/>
+                      <a:tailEnd type="none" w="sm" len="sm"/>
+                    </a:lnT>
+                    <a:lnB w="12700" cap="flat" cmpd="sng">
+                      <a:solidFill>
+                        <a:schemeClr val="dk1"/>
+                      </a:solidFill>
+                      <a:prstDash val="solid"/>
+                      <a:round/>
+                      <a:headEnd type="none" w="sm" len="sm"/>
+                      <a:tailEnd type="none" w="sm" len="sm"/>
+                    </a:lnB>
+                    <a:solidFill>
+                      <a:schemeClr val="lt1"/>
+                    </a:solidFill>
+                  </a:tcPr>
+                </a:tc>
+                <a:tc vMerge="1">
+                  <a:txBody>
+                    <a:bodyPr/>
+                    <a:lstStyle/>
+                    <a:p>
+                      <a:endParaRPr lang="ko-KR"/>
+                    </a:p>
+                  </a:txBody>
+                  <a:tcPr/>
+                </a:tc>
+                <a:tc>
+                  <a:txBody>
+                    <a:bodyPr/>
+                    <a:lstStyle/>
+                    <a:p>
+                      <a:pPr marL="0" marR="0" lvl="0" indent="0" algn="ctr" rtl="0">
+                        <a:spcBef>
+                          <a:spcPts val="0"/>
+                        </a:spcBef>
+                        <a:spcAft>
+                          <a:spcPts val="0"/>
+                        </a:spcAft>
+                        <a:buNone/>
+                      </a:pPr>
+                      <a:r>
+                        <a:rPr lang="ko-KR" sz="1800" u="none" strike="noStrike" cap="none"/>
+                        <a:t>Int64</a:t>
+                      </a:r>
+                      <a:endParaRPr sz="1800" u="none" strike="noStrike" cap="none"/>
+                    </a:p>
+                  </a:txBody>
+                  <a:tcPr marL="91450" marR="91450" marT="45725" marB="45725">
+                    <a:lnL w="12700" cap="flat" cmpd="sng">
+                      <a:solidFill>
+                        <a:schemeClr val="dk1"/>
+                      </a:solidFill>
+                      <a:prstDash val="solid"/>
+                      <a:round/>
+                      <a:headEnd type="none" w="sm" len="sm"/>
+                      <a:tailEnd type="none" w="sm" len="sm"/>
+                    </a:lnL>
+                    <a:lnR w="12700" cap="flat" cmpd="sng">
+                      <a:solidFill>
+                        <a:schemeClr val="dk1"/>
+                      </a:solidFill>
+                      <a:prstDash val="solid"/>
+                      <a:round/>
+                      <a:headEnd type="none" w="sm" len="sm"/>
+                      <a:tailEnd type="none" w="sm" len="sm"/>
+                    </a:lnR>
+                    <a:lnT w="12700" cap="flat" cmpd="sng">
+                      <a:solidFill>
+                        <a:schemeClr val="dk1"/>
+                      </a:solidFill>
+                      <a:prstDash val="solid"/>
+                      <a:round/>
+                      <a:headEnd type="none" w="sm" len="sm"/>
+                      <a:tailEnd type="none" w="sm" len="sm"/>
+                    </a:lnT>
+                    <a:lnB w="12700" cap="flat" cmpd="sng">
+                      <a:solidFill>
+                        <a:schemeClr val="dk1"/>
+                      </a:solidFill>
+                      <a:prstDash val="solid"/>
+                      <a:round/>
+                      <a:headEnd type="none" w="sm" len="sm"/>
+                      <a:tailEnd type="none" w="sm" len="sm"/>
+                    </a:lnB>
+                    <a:solidFill>
+                      <a:schemeClr val="lt1"/>
+                    </a:solidFill>
+                  </a:tcPr>
+                </a:tc>
+                <a:tc>
+                  <a:txBody>
+                    <a:bodyPr/>
+                    <a:lstStyle/>
+                    <a:p>
+                      <a:pPr marL="0" marR="0" lvl="0" indent="0" algn="ctr" rtl="0">
+                        <a:lnSpc>
+                          <a:spcPct val="100000"/>
+                        </a:lnSpc>
+                        <a:spcBef>
+                          <a:spcPts val="0"/>
+                        </a:spcBef>
+                        <a:spcAft>
+                          <a:spcPts val="0"/>
+                        </a:spcAft>
+                        <a:buClr>
+                          <a:schemeClr val="dk1"/>
+                        </a:buClr>
+                        <a:buSzPts val="1800"/>
+                        <a:buFont typeface="Malgun Gothic"/>
+                        <a:buNone/>
+                      </a:pPr>
+                      <a:r>
+                        <a:rPr lang="ko-KR" sz="1800" u="none" strike="noStrike" cap="none"/>
+                        <a:t>건물1 ~ 건물100 (총 100개)</a:t>
+                      </a:r>
+                      <a:endParaRPr sz="1800" u="none" strike="noStrike" cap="none"/>
+                    </a:p>
+                  </a:txBody>
+                  <a:tcPr marL="91450" marR="91450" marT="45725" marB="45725">
+                    <a:lnL w="12700" cap="flat" cmpd="sng">
+                      <a:solidFill>
+                        <a:schemeClr val="dk1"/>
+                      </a:solidFill>
+                      <a:prstDash val="solid"/>
+                      <a:round/>
+                      <a:headEnd type="none" w="sm" len="sm"/>
+                      <a:tailEnd type="none" w="sm" len="sm"/>
+                    </a:lnL>
+                    <a:lnR w="12700" cap="flat" cmpd="sng">
+                      <a:solidFill>
+                        <a:schemeClr val="dk1"/>
+                      </a:solidFill>
+                      <a:prstDash val="solid"/>
+                      <a:round/>
+                      <a:headEnd type="none" w="sm" len="sm"/>
+                      <a:tailEnd type="none" w="sm" len="sm"/>
+                    </a:lnR>
+                    <a:lnT w="12700" cap="flat" cmpd="sng">
+                      <a:solidFill>
+                        <a:schemeClr val="dk1"/>
+                      </a:solidFill>
+                      <a:prstDash val="solid"/>
+                      <a:round/>
+                      <a:headEnd type="none" w="sm" len="sm"/>
+                      <a:tailEnd type="none" w="sm" len="sm"/>
+                    </a:lnT>
+                    <a:lnB w="12700" cap="flat" cmpd="sng">
+                      <a:solidFill>
+                        <a:schemeClr val="dk1"/>
+                      </a:solidFill>
+                      <a:prstDash val="solid"/>
+                      <a:round/>
+                      <a:headEnd type="none" w="sm" len="sm"/>
+                      <a:tailEnd type="none" w="sm" len="sm"/>
+                    </a:lnB>
+                    <a:solidFill>
+                      <a:schemeClr val="lt1"/>
+                    </a:solidFill>
+                  </a:tcPr>
+                </a:tc>
+                <a:extLst>
+                  <a:ext uri="{0D108BD9-81ED-4DB2-BD59-A6C34878D82A}">
+                    <a16:rowId xmlns:a16="http://schemas.microsoft.com/office/drawing/2014/main" val="10002"/>
+                  </a:ext>
+                </a:extLst>
+              </a:tr>
+              <a:tr h="403900">
+                <a:tc>
+                  <a:txBody>
+                    <a:bodyPr/>
+                    <a:lstStyle/>
+                    <a:p>
+                      <a:pPr marL="0" marR="0" lvl="0" indent="0" algn="ctr" rtl="0">
+                        <a:spcBef>
+                          <a:spcPts val="0"/>
+                        </a:spcBef>
+                        <a:spcAft>
+                          <a:spcPts val="0"/>
+                        </a:spcAft>
+                        <a:buNone/>
+                      </a:pPr>
+                      <a:r>
+                        <a:rPr lang="ko-KR" sz="1800" b="0" u="none" strike="noStrike" cap="none">
+                          <a:solidFill>
+                            <a:schemeClr val="dk1"/>
+                          </a:solidFill>
+                        </a:rPr>
+                        <a:t>일시</a:t>
+                      </a:r>
+                      <a:endParaRPr sz="1800" b="0" u="none" strike="noStrike" cap="none">
+                        <a:solidFill>
+                          <a:schemeClr val="dk1"/>
+                        </a:solidFill>
+                      </a:endParaRPr>
+                    </a:p>
+                  </a:txBody>
+                  <a:tcPr marL="91450" marR="91450" marT="45725" marB="45725">
+                    <a:lnL w="12700" cap="flat" cmpd="sng">
+                      <a:solidFill>
+                        <a:schemeClr val="dk1"/>
+                      </a:solidFill>
+                      <a:prstDash val="solid"/>
+                      <a:round/>
+                      <a:headEnd type="none" w="sm" len="sm"/>
+                      <a:tailEnd type="none" w="sm" len="sm"/>
+                    </a:lnL>
+                    <a:lnR w="12700" cap="flat" cmpd="sng">
+                      <a:solidFill>
+                        <a:schemeClr val="dk1"/>
+                      </a:solidFill>
+                      <a:prstDash val="solid"/>
+                      <a:round/>
+                      <a:headEnd type="none" w="sm" len="sm"/>
+                      <a:tailEnd type="none" w="sm" len="sm"/>
+                    </a:lnR>
+                    <a:lnT w="12700" cap="flat" cmpd="sng">
+                      <a:solidFill>
+                        <a:schemeClr val="dk1"/>
+                      </a:solidFill>
+                      <a:prstDash val="solid"/>
+                      <a:round/>
+                      <a:headEnd type="none" w="sm" len="sm"/>
+                      <a:tailEnd type="none" w="sm" len="sm"/>
+                    </a:lnT>
+                    <a:lnB w="12700" cap="flat" cmpd="sng">
+                      <a:solidFill>
+                        <a:schemeClr val="dk1"/>
+                      </a:solidFill>
+                      <a:prstDash val="solid"/>
+                      <a:round/>
+                      <a:headEnd type="none" w="sm" len="sm"/>
+                      <a:tailEnd type="none" w="sm" len="sm"/>
+                    </a:lnB>
+                    <a:solidFill>
+                      <a:schemeClr val="lt1"/>
+                    </a:solidFill>
+                  </a:tcPr>
+                </a:tc>
+                <a:tc vMerge="1">
+                  <a:txBody>
+                    <a:bodyPr/>
+                    <a:lstStyle/>
+                    <a:p>
+                      <a:endParaRPr lang="ko-KR"/>
+                    </a:p>
+                  </a:txBody>
+                  <a:tcPr/>
+                </a:tc>
+                <a:tc>
+                  <a:txBody>
+                    <a:bodyPr/>
+                    <a:lstStyle/>
+                    <a:p>
+                      <a:pPr marL="0" marR="0" lvl="0" indent="0" algn="ctr" rtl="0">
+                        <a:spcBef>
+                          <a:spcPts val="0"/>
+                        </a:spcBef>
+                        <a:spcAft>
+                          <a:spcPts val="0"/>
+                        </a:spcAft>
+                        <a:buNone/>
+                      </a:pPr>
+                      <a:r>
+                        <a:rPr lang="ko-KR" sz="1800" u="none" strike="noStrike" cap="none"/>
+                        <a:t>Object</a:t>
+                      </a:r>
+                      <a:endParaRPr sz="1800" u="none" strike="noStrike" cap="none"/>
+                    </a:p>
+                  </a:txBody>
+                  <a:tcPr marL="91450" marR="91450" marT="45725" marB="45725">
+                    <a:lnL w="12700" cap="flat" cmpd="sng">
+                      <a:solidFill>
+                        <a:schemeClr val="dk1"/>
+                      </a:solidFill>
+                      <a:prstDash val="solid"/>
+                      <a:round/>
+                      <a:headEnd type="none" w="sm" len="sm"/>
+                      <a:tailEnd type="none" w="sm" len="sm"/>
+                    </a:lnL>
+                    <a:lnR w="12700" cap="flat" cmpd="sng">
+                      <a:solidFill>
+                        <a:schemeClr val="dk1"/>
+                      </a:solidFill>
+                      <a:prstDash val="solid"/>
+                      <a:round/>
+                      <a:headEnd type="none" w="sm" len="sm"/>
+                      <a:tailEnd type="none" w="sm" len="sm"/>
+                    </a:lnR>
+                    <a:lnT w="12700" cap="flat" cmpd="sng">
+                      <a:solidFill>
+                        <a:schemeClr val="dk1"/>
+                      </a:solidFill>
+                      <a:prstDash val="solid"/>
+                      <a:round/>
+                      <a:headEnd type="none" w="sm" len="sm"/>
+                      <a:tailEnd type="none" w="sm" len="sm"/>
+                    </a:lnT>
+                    <a:lnB w="12700" cap="flat" cmpd="sng">
+                      <a:solidFill>
+                        <a:schemeClr val="dk1"/>
+                      </a:solidFill>
+                      <a:prstDash val="solid"/>
+                      <a:round/>
+                      <a:headEnd type="none" w="sm" len="sm"/>
+                      <a:tailEnd type="none" w="sm" len="sm"/>
+                    </a:lnB>
+                    <a:solidFill>
+                      <a:schemeClr val="lt1"/>
+                    </a:solidFill>
+                  </a:tcPr>
+                </a:tc>
+                <a:tc>
+                  <a:txBody>
+                    <a:bodyPr/>
+                    <a:lstStyle/>
+                    <a:p>
+                      <a:pPr marL="0" marR="0" lvl="0" indent="0" algn="ctr" rtl="0">
+                        <a:lnSpc>
+                          <a:spcPct val="100000"/>
+                        </a:lnSpc>
+                        <a:spcBef>
+                          <a:spcPts val="0"/>
+                        </a:spcBef>
+                        <a:spcAft>
+                          <a:spcPts val="0"/>
+                        </a:spcAft>
+                        <a:buClr>
+                          <a:schemeClr val="dk1"/>
+                        </a:buClr>
+                        <a:buSzPts val="1800"/>
+                        <a:buFont typeface="Malgun Gothic"/>
+                        <a:buNone/>
+                      </a:pPr>
+                      <a:r>
+                        <a:rPr lang="ko-KR" sz="1800" b="0" u="none" strike="noStrike" cap="none">
+                          <a:solidFill>
+                            <a:schemeClr val="dk1"/>
+                          </a:solidFill>
+                        </a:rPr>
+                        <a:t>2022.06.01~2022.08.24</a:t>
+                      </a:r>
+                      <a:endParaRPr sz="1800" b="0" u="none" strike="noStrike" cap="none">
+                        <a:solidFill>
+                          <a:schemeClr val="dk1"/>
+                        </a:solidFill>
+                      </a:endParaRPr>
+                    </a:p>
+                  </a:txBody>
+                  <a:tcPr marL="91450" marR="91450" marT="45725" marB="45725">
+                    <a:lnL w="12700" cap="flat" cmpd="sng">
+                      <a:solidFill>
+                        <a:schemeClr val="dk1"/>
+                      </a:solidFill>
+                      <a:prstDash val="solid"/>
+                      <a:round/>
+                      <a:headEnd type="none" w="sm" len="sm"/>
+                      <a:tailEnd type="none" w="sm" len="sm"/>
+                    </a:lnL>
+                    <a:lnR w="12700" cap="flat" cmpd="sng">
+                      <a:solidFill>
+                        <a:schemeClr val="dk1"/>
+                      </a:solidFill>
+                      <a:prstDash val="solid"/>
+                      <a:round/>
+                      <a:headEnd type="none" w="sm" len="sm"/>
+                      <a:tailEnd type="none" w="sm" len="sm"/>
+                    </a:lnR>
+                    <a:lnT w="12700" cap="flat" cmpd="sng">
+                      <a:solidFill>
+                        <a:schemeClr val="dk1"/>
+                      </a:solidFill>
+                      <a:prstDash val="solid"/>
+                      <a:round/>
+                      <a:headEnd type="none" w="sm" len="sm"/>
+                      <a:tailEnd type="none" w="sm" len="sm"/>
+                    </a:lnT>
+                    <a:lnB w="12700" cap="flat" cmpd="sng">
+                      <a:solidFill>
+                        <a:schemeClr val="dk1"/>
+                      </a:solidFill>
+                      <a:prstDash val="solid"/>
+                      <a:round/>
+                      <a:headEnd type="none" w="sm" len="sm"/>
+                      <a:tailEnd type="none" w="sm" len="sm"/>
+                    </a:lnB>
+                    <a:solidFill>
+                      <a:schemeClr val="lt1"/>
+                    </a:solidFill>
+                  </a:tcPr>
+                </a:tc>
+                <a:extLst>
+                  <a:ext uri="{0D108BD9-81ED-4DB2-BD59-A6C34878D82A}">
+                    <a16:rowId xmlns:a16="http://schemas.microsoft.com/office/drawing/2014/main" val="10003"/>
+                  </a:ext>
+                </a:extLst>
+              </a:tr>
+              <a:tr h="403900">
+                <a:tc>
+                  <a:txBody>
+                    <a:bodyPr/>
+                    <a:lstStyle/>
+                    <a:p>
+                      <a:pPr marL="0" marR="0" lvl="0" indent="0" algn="ctr" rtl="0">
+                        <a:spcBef>
+                          <a:spcPts val="0"/>
+                        </a:spcBef>
+                        <a:spcAft>
+                          <a:spcPts val="0"/>
+                        </a:spcAft>
+                        <a:buNone/>
+                      </a:pPr>
+                      <a:r>
+                        <a:rPr lang="ko-KR" sz="1800" b="0" u="none" strike="noStrike" cap="none">
+                          <a:solidFill>
+                            <a:schemeClr val="dk1"/>
+                          </a:solidFill>
+                        </a:rPr>
+                        <a:t>기온</a:t>
+                      </a:r>
+                      <a:endParaRPr sz="1800" b="0" u="none" strike="noStrike" cap="none">
+                        <a:solidFill>
+                          <a:schemeClr val="dk1"/>
+                        </a:solidFill>
+                      </a:endParaRPr>
+                    </a:p>
+                  </a:txBody>
+                  <a:tcPr marL="91450" marR="91450" marT="45725" marB="45725">
+                    <a:lnL w="12700" cap="flat" cmpd="sng">
+                      <a:solidFill>
+                        <a:schemeClr val="dk1"/>
+                      </a:solidFill>
+                      <a:prstDash val="solid"/>
+                      <a:round/>
+                      <a:headEnd type="none" w="sm" len="sm"/>
+                      <a:tailEnd type="none" w="sm" len="sm"/>
+                    </a:lnL>
+                    <a:lnR w="12700" cap="flat" cmpd="sng">
+                      <a:solidFill>
+                        <a:schemeClr val="dk1"/>
+                      </a:solidFill>
+                      <a:prstDash val="solid"/>
+                      <a:round/>
+                      <a:headEnd type="none" w="sm" len="sm"/>
+                      <a:tailEnd type="none" w="sm" len="sm"/>
+                    </a:lnR>
+                    <a:lnT w="12700" cap="flat" cmpd="sng">
+                      <a:solidFill>
+                        <a:schemeClr val="dk1"/>
+                      </a:solidFill>
+                      <a:prstDash val="solid"/>
+                      <a:round/>
+                      <a:headEnd type="none" w="sm" len="sm"/>
+                      <a:tailEnd type="none" w="sm" len="sm"/>
+                    </a:lnT>
+                    <a:lnB w="12700" cap="flat" cmpd="sng">
+                      <a:solidFill>
+                        <a:schemeClr val="dk1"/>
+                      </a:solidFill>
+                      <a:prstDash val="solid"/>
+                      <a:round/>
+                      <a:headEnd type="none" w="sm" len="sm"/>
+                      <a:tailEnd type="none" w="sm" len="sm"/>
+                    </a:lnB>
+                    <a:solidFill>
+                      <a:schemeClr val="lt1"/>
+                    </a:solidFill>
+                  </a:tcPr>
+                </a:tc>
+                <a:tc vMerge="1">
+                  <a:txBody>
+                    <a:bodyPr/>
+                    <a:lstStyle/>
+                    <a:p>
+                      <a:endParaRPr lang="ko-KR"/>
+                    </a:p>
+                  </a:txBody>
+                  <a:tcPr/>
+                </a:tc>
+                <a:tc>
+                  <a:txBody>
+                    <a:bodyPr/>
+                    <a:lstStyle/>
+                    <a:p>
+                      <a:pPr marL="0" marR="0" lvl="0" indent="0" algn="ctr" rtl="0">
+                        <a:spcBef>
+                          <a:spcPts val="0"/>
+                        </a:spcBef>
+                        <a:spcAft>
+                          <a:spcPts val="0"/>
+                        </a:spcAft>
+                        <a:buNone/>
+                      </a:pPr>
+                      <a:r>
+                        <a:rPr lang="ko-KR" sz="1800" u="none" strike="noStrike" cap="none"/>
+                        <a:t>Float64</a:t>
+                      </a:r>
+                      <a:endParaRPr sz="1800" u="none" strike="noStrike" cap="none"/>
+                    </a:p>
+                  </a:txBody>
+                  <a:tcPr marL="91450" marR="91450" marT="45725" marB="45725">
+                    <a:lnL w="12700" cap="flat" cmpd="sng">
+                      <a:solidFill>
+                        <a:schemeClr val="dk1"/>
+                      </a:solidFill>
+                      <a:prstDash val="solid"/>
+                      <a:round/>
+                      <a:headEnd type="none" w="sm" len="sm"/>
+                      <a:tailEnd type="none" w="sm" len="sm"/>
+                    </a:lnL>
+                    <a:lnR w="12700" cap="flat" cmpd="sng">
+                      <a:solidFill>
+                        <a:schemeClr val="dk1"/>
+                      </a:solidFill>
+                      <a:prstDash val="solid"/>
+                      <a:round/>
+                      <a:headEnd type="none" w="sm" len="sm"/>
+                      <a:tailEnd type="none" w="sm" len="sm"/>
+                    </a:lnR>
+                    <a:lnT w="12700" cap="flat" cmpd="sng">
+                      <a:solidFill>
+                        <a:schemeClr val="dk1"/>
+                      </a:solidFill>
+                      <a:prstDash val="solid"/>
+                      <a:round/>
+                      <a:headEnd type="none" w="sm" len="sm"/>
+                      <a:tailEnd type="none" w="sm" len="sm"/>
+                    </a:lnT>
+                    <a:lnB w="12700" cap="flat" cmpd="sng">
+                      <a:solidFill>
+                        <a:schemeClr val="dk1"/>
+                      </a:solidFill>
+                      <a:prstDash val="solid"/>
+                      <a:round/>
+                      <a:headEnd type="none" w="sm" len="sm"/>
+                      <a:tailEnd type="none" w="sm" len="sm"/>
+                    </a:lnB>
+                    <a:solidFill>
+                      <a:schemeClr val="lt1"/>
+                    </a:solidFill>
+                  </a:tcPr>
+                </a:tc>
+                <a:tc>
+                  <a:txBody>
+                    <a:bodyPr/>
+                    <a:lstStyle/>
+                    <a:p>
+                      <a:pPr marL="0" marR="0" lvl="0" indent="0" algn="ctr" rtl="0">
+                        <a:spcBef>
+                          <a:spcPts val="0"/>
+                        </a:spcBef>
+                        <a:spcAft>
+                          <a:spcPts val="0"/>
+                        </a:spcAft>
+                        <a:buNone/>
+                      </a:pPr>
+                      <a:r>
+                        <a:rPr lang="ko-KR" sz="1800" u="none" strike="noStrike" cap="none">
+                          <a:solidFill>
+                            <a:schemeClr val="dk1"/>
+                          </a:solidFill>
+                        </a:rPr>
+                        <a:t>온도(C)</a:t>
+                      </a:r>
+                      <a:endParaRPr sz="1800" u="none" strike="noStrike" cap="none">
+                        <a:solidFill>
+                          <a:schemeClr val="dk1"/>
+                        </a:solidFill>
+                      </a:endParaRPr>
+                    </a:p>
+                  </a:txBody>
+                  <a:tcPr marL="91450" marR="91450" marT="45725" marB="45725">
+                    <a:lnL w="12700" cap="flat" cmpd="sng">
+                      <a:solidFill>
+                        <a:schemeClr val="dk1"/>
+                      </a:solidFill>
+                      <a:prstDash val="solid"/>
+                      <a:round/>
+                      <a:headEnd type="none" w="sm" len="sm"/>
+                      <a:tailEnd type="none" w="sm" len="sm"/>
+                    </a:lnL>
+                    <a:lnR w="12700" cap="flat" cmpd="sng">
+                      <a:solidFill>
+                        <a:schemeClr val="dk1"/>
+                      </a:solidFill>
+                      <a:prstDash val="solid"/>
+                      <a:round/>
+                      <a:headEnd type="none" w="sm" len="sm"/>
+                      <a:tailEnd type="none" w="sm" len="sm"/>
+                    </a:lnR>
+                    <a:lnT w="12700" cap="flat" cmpd="sng">
+                      <a:solidFill>
+                        <a:schemeClr val="dk1"/>
+                      </a:solidFill>
+                      <a:prstDash val="solid"/>
+                      <a:round/>
+                      <a:headEnd type="none" w="sm" len="sm"/>
+                      <a:tailEnd type="none" w="sm" len="sm"/>
+                    </a:lnT>
+                    <a:lnB w="12700" cap="flat" cmpd="sng">
+                      <a:solidFill>
+                        <a:schemeClr val="dk1"/>
+                      </a:solidFill>
+                      <a:prstDash val="solid"/>
+                      <a:round/>
+                      <a:headEnd type="none" w="sm" len="sm"/>
+                      <a:tailEnd type="none" w="sm" len="sm"/>
+                    </a:lnB>
+                    <a:solidFill>
+                      <a:schemeClr val="lt1"/>
+                    </a:solidFill>
+                  </a:tcPr>
+                </a:tc>
+                <a:extLst>
+                  <a:ext uri="{0D108BD9-81ED-4DB2-BD59-A6C34878D82A}">
+                    <a16:rowId xmlns:a16="http://schemas.microsoft.com/office/drawing/2014/main" val="10004"/>
+                  </a:ext>
+                </a:extLst>
+              </a:tr>
+              <a:tr h="403900">
+                <a:tc>
+                  <a:txBody>
+                    <a:bodyPr/>
+                    <a:lstStyle/>
+                    <a:p>
+                      <a:pPr marL="0" marR="0" lvl="0" indent="0" algn="ctr" rtl="0">
+                        <a:spcBef>
+                          <a:spcPts val="0"/>
+                        </a:spcBef>
+                        <a:spcAft>
+                          <a:spcPts val="0"/>
+                        </a:spcAft>
+                        <a:buNone/>
+                      </a:pPr>
+                      <a:r>
+                        <a:rPr lang="ko-KR" sz="1800" b="0" u="none" strike="noStrike" cap="none">
+                          <a:solidFill>
+                            <a:schemeClr val="dk1"/>
+                          </a:solidFill>
+                        </a:rPr>
+                        <a:t>강수량</a:t>
+                      </a:r>
+                      <a:endParaRPr sz="1800" b="0" u="none" strike="noStrike" cap="none">
+                        <a:solidFill>
+                          <a:schemeClr val="dk1"/>
+                        </a:solidFill>
+                      </a:endParaRPr>
+                    </a:p>
+                  </a:txBody>
+                  <a:tcPr marL="91450" marR="91450" marT="45725" marB="45725">
+                    <a:lnL w="12700" cap="flat" cmpd="sng">
+                      <a:solidFill>
+                        <a:schemeClr val="dk1"/>
+                      </a:solidFill>
+                      <a:prstDash val="solid"/>
+                      <a:round/>
+                      <a:headEnd type="none" w="sm" len="sm"/>
+                      <a:tailEnd type="none" w="sm" len="sm"/>
+                    </a:lnL>
+                    <a:lnR w="12700" cap="flat" cmpd="sng">
+                      <a:solidFill>
+                        <a:schemeClr val="dk1"/>
+                      </a:solidFill>
+                      <a:prstDash val="solid"/>
+                      <a:round/>
+                      <a:headEnd type="none" w="sm" len="sm"/>
+                      <a:tailEnd type="none" w="sm" len="sm"/>
+                    </a:lnR>
+                    <a:lnT w="12700" cap="flat" cmpd="sng">
+                      <a:solidFill>
+                        <a:schemeClr val="dk1"/>
+                      </a:solidFill>
+                      <a:prstDash val="solid"/>
+                      <a:round/>
+                      <a:headEnd type="none" w="sm" len="sm"/>
+                      <a:tailEnd type="none" w="sm" len="sm"/>
+                    </a:lnT>
+                    <a:lnB w="12700" cap="flat" cmpd="sng">
+                      <a:solidFill>
+                        <a:schemeClr val="dk1"/>
+                      </a:solidFill>
+                      <a:prstDash val="solid"/>
+                      <a:round/>
+                      <a:headEnd type="none" w="sm" len="sm"/>
+                      <a:tailEnd type="none" w="sm" len="sm"/>
+                    </a:lnB>
+                    <a:solidFill>
+                      <a:schemeClr val="lt1"/>
+                    </a:solidFill>
+                  </a:tcPr>
+                </a:tc>
+                <a:tc vMerge="1">
+                  <a:txBody>
+                    <a:bodyPr/>
+                    <a:lstStyle/>
+                    <a:p>
+                      <a:endParaRPr lang="ko-KR"/>
+                    </a:p>
+                  </a:txBody>
+                  <a:tcPr/>
+                </a:tc>
+                <a:tc>
+                  <a:txBody>
+                    <a:bodyPr/>
+                    <a:lstStyle/>
+                    <a:p>
+                      <a:pPr marL="0" marR="0" lvl="0" indent="0" algn="ctr" rtl="0">
+                        <a:lnSpc>
+                          <a:spcPct val="100000"/>
+                        </a:lnSpc>
+                        <a:spcBef>
+                          <a:spcPts val="0"/>
+                        </a:spcBef>
+                        <a:spcAft>
+                          <a:spcPts val="0"/>
+                        </a:spcAft>
+                        <a:buClr>
+                          <a:schemeClr val="dk1"/>
+                        </a:buClr>
+                        <a:buSzPts val="1800"/>
+                        <a:buFont typeface="Malgun Gothic"/>
+                        <a:buNone/>
+                      </a:pPr>
+                      <a:r>
+                        <a:rPr lang="ko-KR" sz="1800" u="none" strike="noStrike" cap="none"/>
+                        <a:t>Float64</a:t>
+                      </a:r>
+                      <a:endParaRPr sz="1800" u="none" strike="noStrike" cap="none"/>
+                    </a:p>
+                  </a:txBody>
+                  <a:tcPr marL="91450" marR="91450" marT="45725" marB="45725">
+                    <a:lnL w="12700" cap="flat" cmpd="sng">
+                      <a:solidFill>
+                        <a:schemeClr val="dk1"/>
+                      </a:solidFill>
+                      <a:prstDash val="solid"/>
+                      <a:round/>
+                      <a:headEnd type="none" w="sm" len="sm"/>
+                      <a:tailEnd type="none" w="sm" len="sm"/>
+                    </a:lnL>
+                    <a:lnR w="12700" cap="flat" cmpd="sng">
+                      <a:solidFill>
+                        <a:schemeClr val="dk1"/>
+                      </a:solidFill>
+                      <a:prstDash val="solid"/>
+                      <a:round/>
+                      <a:headEnd type="none" w="sm" len="sm"/>
+                      <a:tailEnd type="none" w="sm" len="sm"/>
+                    </a:lnR>
+                    <a:lnT w="12700" cap="flat" cmpd="sng">
+                      <a:solidFill>
+                        <a:schemeClr val="dk1"/>
+                      </a:solidFill>
+                      <a:prstDash val="solid"/>
+                      <a:round/>
+                      <a:headEnd type="none" w="sm" len="sm"/>
+                      <a:tailEnd type="none" w="sm" len="sm"/>
+                    </a:lnT>
+                    <a:lnB w="12700" cap="flat" cmpd="sng">
+                      <a:solidFill>
+                        <a:schemeClr val="dk1"/>
+                      </a:solidFill>
+                      <a:prstDash val="solid"/>
+                      <a:round/>
+                      <a:headEnd type="none" w="sm" len="sm"/>
+                      <a:tailEnd type="none" w="sm" len="sm"/>
+                    </a:lnB>
+                    <a:solidFill>
+                      <a:schemeClr val="lt1"/>
+                    </a:solidFill>
+                  </a:tcPr>
+                </a:tc>
+                <a:tc>
+                  <a:txBody>
+                    <a:bodyPr/>
+                    <a:lstStyle/>
+                    <a:p>
+                      <a:pPr marL="0" marR="0" lvl="0" indent="0" algn="ctr" rtl="0">
+                        <a:spcBef>
+                          <a:spcPts val="0"/>
+                        </a:spcBef>
+                        <a:spcAft>
+                          <a:spcPts val="0"/>
+                        </a:spcAft>
+                        <a:buNone/>
+                      </a:pPr>
+                      <a:r>
+                        <a:rPr lang="ko-KR" sz="1800" u="none" strike="noStrike" cap="none">
+                          <a:solidFill>
+                            <a:schemeClr val="dk1"/>
+                          </a:solidFill>
+                        </a:rPr>
+                        <a:t>강수량(mm)</a:t>
+                      </a:r>
+                      <a:endParaRPr sz="1800" u="none" strike="noStrike" cap="none">
+                        <a:solidFill>
+                          <a:schemeClr val="dk1"/>
+                        </a:solidFill>
+                      </a:endParaRPr>
+                    </a:p>
+                  </a:txBody>
+                  <a:tcPr marL="91450" marR="91450" marT="45725" marB="45725">
+                    <a:lnL w="12700" cap="flat" cmpd="sng">
+                      <a:solidFill>
+                        <a:schemeClr val="dk1"/>
+                      </a:solidFill>
+                      <a:prstDash val="solid"/>
+                      <a:round/>
+                      <a:headEnd type="none" w="sm" len="sm"/>
+                      <a:tailEnd type="none" w="sm" len="sm"/>
+                    </a:lnL>
+                    <a:lnR w="12700" cap="flat" cmpd="sng">
+                      <a:solidFill>
+                        <a:schemeClr val="dk1"/>
+                      </a:solidFill>
+                      <a:prstDash val="solid"/>
+                      <a:round/>
+                      <a:headEnd type="none" w="sm" len="sm"/>
+                      <a:tailEnd type="none" w="sm" len="sm"/>
+                    </a:lnR>
+                    <a:lnT w="12700" cap="flat" cmpd="sng">
+                      <a:solidFill>
+                        <a:schemeClr val="dk1"/>
+                      </a:solidFill>
+                      <a:prstDash val="solid"/>
+                      <a:round/>
+                      <a:headEnd type="none" w="sm" len="sm"/>
+                      <a:tailEnd type="none" w="sm" len="sm"/>
+                    </a:lnT>
+                    <a:lnB w="12700" cap="flat" cmpd="sng">
+                      <a:solidFill>
+                        <a:schemeClr val="dk1"/>
+                      </a:solidFill>
+                      <a:prstDash val="solid"/>
+                      <a:round/>
+                      <a:headEnd type="none" w="sm" len="sm"/>
+                      <a:tailEnd type="none" w="sm" len="sm"/>
+                    </a:lnB>
+                    <a:solidFill>
+                      <a:schemeClr val="lt1"/>
+                    </a:solidFill>
+                  </a:tcPr>
+                </a:tc>
+                <a:extLst>
+                  <a:ext uri="{0D108BD9-81ED-4DB2-BD59-A6C34878D82A}">
+                    <a16:rowId xmlns:a16="http://schemas.microsoft.com/office/drawing/2014/main" val="10005"/>
+                  </a:ext>
+                </a:extLst>
+              </a:tr>
+              <a:tr h="403900">
+                <a:tc>
+                  <a:txBody>
+                    <a:bodyPr/>
+                    <a:lstStyle/>
+                    <a:p>
+                      <a:pPr marL="0" marR="0" lvl="0" indent="0" algn="ctr" rtl="0">
+                        <a:spcBef>
+                          <a:spcPts val="0"/>
+                        </a:spcBef>
+                        <a:spcAft>
+                          <a:spcPts val="0"/>
+                        </a:spcAft>
+                        <a:buNone/>
+                      </a:pPr>
+                      <a:r>
+                        <a:rPr lang="ko-KR" sz="1800" b="0" u="none" strike="noStrike" cap="none">
+                          <a:solidFill>
+                            <a:schemeClr val="dk1"/>
+                          </a:solidFill>
+                        </a:rPr>
+                        <a:t>풍속</a:t>
+                      </a:r>
+                      <a:endParaRPr sz="1800" b="0" u="none" strike="noStrike" cap="none">
+                        <a:solidFill>
+                          <a:schemeClr val="dk1"/>
+                        </a:solidFill>
+                      </a:endParaRPr>
+                    </a:p>
+                  </a:txBody>
+                  <a:tcPr marL="91450" marR="91450" marT="45725" marB="45725">
+                    <a:lnL w="12700" cap="flat" cmpd="sng">
+                      <a:solidFill>
+                        <a:schemeClr val="dk1"/>
+                      </a:solidFill>
+                      <a:prstDash val="solid"/>
+                      <a:round/>
+                      <a:headEnd type="none" w="sm" len="sm"/>
+                      <a:tailEnd type="none" w="sm" len="sm"/>
+                    </a:lnL>
+                    <a:lnR w="12700" cap="flat" cmpd="sng">
+                      <a:solidFill>
+                        <a:schemeClr val="dk1"/>
+                      </a:solidFill>
+                      <a:prstDash val="solid"/>
+                      <a:round/>
+                      <a:headEnd type="none" w="sm" len="sm"/>
+                      <a:tailEnd type="none" w="sm" len="sm"/>
+                    </a:lnR>
+                    <a:lnT w="12700" cap="flat" cmpd="sng">
+                      <a:solidFill>
+                        <a:schemeClr val="dk1"/>
+                      </a:solidFill>
+                      <a:prstDash val="solid"/>
+                      <a:round/>
+                      <a:headEnd type="none" w="sm" len="sm"/>
+                      <a:tailEnd type="none" w="sm" len="sm"/>
+                    </a:lnT>
+                    <a:lnB w="12700" cap="flat" cmpd="sng">
+                      <a:solidFill>
+                        <a:schemeClr val="dk1"/>
+                      </a:solidFill>
+                      <a:prstDash val="solid"/>
+                      <a:round/>
+                      <a:headEnd type="none" w="sm" len="sm"/>
+                      <a:tailEnd type="none" w="sm" len="sm"/>
+                    </a:lnB>
+                    <a:solidFill>
+                      <a:schemeClr val="lt1"/>
+                    </a:solidFill>
+                  </a:tcPr>
+                </a:tc>
+                <a:tc vMerge="1">
+                  <a:txBody>
+                    <a:bodyPr/>
+                    <a:lstStyle/>
+                    <a:p>
+                      <a:endParaRPr lang="ko-KR"/>
+                    </a:p>
+                  </a:txBody>
+                  <a:tcPr/>
+                </a:tc>
+                <a:tc>
+                  <a:txBody>
+                    <a:bodyPr/>
+                    <a:lstStyle/>
+                    <a:p>
+                      <a:pPr marL="0" marR="0" lvl="0" indent="0" algn="ctr" rtl="0">
+                        <a:spcBef>
+                          <a:spcPts val="0"/>
+                        </a:spcBef>
+                        <a:spcAft>
+                          <a:spcPts val="0"/>
+                        </a:spcAft>
+                        <a:buNone/>
+                      </a:pPr>
+                      <a:r>
+                        <a:rPr lang="ko-KR" sz="1800" u="none" strike="noStrike" cap="none"/>
+                        <a:t>Float64</a:t>
+                      </a:r>
+                      <a:endParaRPr sz="1800" u="none" strike="noStrike" cap="none"/>
+                    </a:p>
+                  </a:txBody>
+                  <a:tcPr marL="91450" marR="91450" marT="45725" marB="45725">
+                    <a:lnL w="12700" cap="flat" cmpd="sng">
+                      <a:solidFill>
+                        <a:schemeClr val="dk1"/>
+                      </a:solidFill>
+                      <a:prstDash val="solid"/>
+                      <a:round/>
+                      <a:headEnd type="none" w="sm" len="sm"/>
+                      <a:tailEnd type="none" w="sm" len="sm"/>
+                    </a:lnL>
+                    <a:lnR w="12700" cap="flat" cmpd="sng">
+                      <a:solidFill>
+                        <a:schemeClr val="dk1"/>
+                      </a:solidFill>
+                      <a:prstDash val="solid"/>
+                      <a:round/>
+                      <a:headEnd type="none" w="sm" len="sm"/>
+                      <a:tailEnd type="none" w="sm" len="sm"/>
+                    </a:lnR>
+                    <a:lnT w="12700" cap="flat" cmpd="sng">
+                      <a:solidFill>
+                        <a:schemeClr val="dk1"/>
+                      </a:solidFill>
+                      <a:prstDash val="solid"/>
+                      <a:round/>
+                      <a:headEnd type="none" w="sm" len="sm"/>
+                      <a:tailEnd type="none" w="sm" len="sm"/>
+                    </a:lnT>
+                    <a:lnB w="12700" cap="flat" cmpd="sng">
+                      <a:solidFill>
+                        <a:schemeClr val="dk1"/>
+                      </a:solidFill>
+                      <a:prstDash val="solid"/>
+                      <a:round/>
+                      <a:headEnd type="none" w="sm" len="sm"/>
+                      <a:tailEnd type="none" w="sm" len="sm"/>
+                    </a:lnB>
+                    <a:solidFill>
+                      <a:schemeClr val="lt1"/>
+                    </a:solidFill>
+                  </a:tcPr>
+                </a:tc>
+                <a:tc>
+                  <a:txBody>
+                    <a:bodyPr/>
+                    <a:lstStyle/>
+                    <a:p>
+                      <a:pPr marL="0" marR="0" lvl="0" indent="0" algn="ctr" rtl="0">
+                        <a:spcBef>
+                          <a:spcPts val="0"/>
+                        </a:spcBef>
+                        <a:spcAft>
+                          <a:spcPts val="0"/>
+                        </a:spcAft>
+                        <a:buNone/>
+                      </a:pPr>
+                      <a:r>
+                        <a:rPr lang="ko-KR" sz="1800" b="0" u="none" strike="noStrike" cap="none">
+                          <a:solidFill>
+                            <a:schemeClr val="dk1"/>
+                          </a:solidFill>
+                        </a:rPr>
+                        <a:t>바람의 속도</a:t>
+                      </a:r>
+                      <a:endParaRPr sz="1800" b="0" u="none" strike="noStrike" cap="none">
+                        <a:solidFill>
+                          <a:schemeClr val="dk1"/>
+                        </a:solidFill>
+                      </a:endParaRPr>
+                    </a:p>
+                  </a:txBody>
+                  <a:tcPr marL="91450" marR="91450" marT="45725" marB="45725">
+                    <a:lnL w="12700" cap="flat" cmpd="sng">
+                      <a:solidFill>
+                        <a:schemeClr val="dk1"/>
+                      </a:solidFill>
+                      <a:prstDash val="solid"/>
+                      <a:round/>
+                      <a:headEnd type="none" w="sm" len="sm"/>
+                      <a:tailEnd type="none" w="sm" len="sm"/>
+                    </a:lnL>
+                    <a:lnR w="12700" cap="flat" cmpd="sng">
+                      <a:solidFill>
+                        <a:schemeClr val="dk1"/>
+                      </a:solidFill>
+                      <a:prstDash val="solid"/>
+                      <a:round/>
+                      <a:headEnd type="none" w="sm" len="sm"/>
+                      <a:tailEnd type="none" w="sm" len="sm"/>
+                    </a:lnR>
+                    <a:lnT w="12700" cap="flat" cmpd="sng">
+                      <a:solidFill>
+                        <a:schemeClr val="dk1"/>
+                      </a:solidFill>
+                      <a:prstDash val="solid"/>
+                      <a:round/>
+                      <a:headEnd type="none" w="sm" len="sm"/>
+                      <a:tailEnd type="none" w="sm" len="sm"/>
+                    </a:lnT>
+                    <a:lnB w="12700" cap="flat" cmpd="sng">
+                      <a:solidFill>
+                        <a:schemeClr val="dk1"/>
+                      </a:solidFill>
+                      <a:prstDash val="solid"/>
+                      <a:round/>
+                      <a:headEnd type="none" w="sm" len="sm"/>
+                      <a:tailEnd type="none" w="sm" len="sm"/>
+                    </a:lnB>
+                    <a:solidFill>
+                      <a:schemeClr val="lt1"/>
+                    </a:solidFill>
+                  </a:tcPr>
+                </a:tc>
+                <a:extLst>
+                  <a:ext uri="{0D108BD9-81ED-4DB2-BD59-A6C34878D82A}">
+                    <a16:rowId xmlns:a16="http://schemas.microsoft.com/office/drawing/2014/main" val="10006"/>
+                  </a:ext>
+                </a:extLst>
+              </a:tr>
+              <a:tr h="403900">
+                <a:tc>
+                  <a:txBody>
+                    <a:bodyPr/>
+                    <a:lstStyle/>
+                    <a:p>
+                      <a:pPr marL="0" marR="0" lvl="0" indent="0" algn="ctr" rtl="0">
+                        <a:spcBef>
+                          <a:spcPts val="0"/>
+                        </a:spcBef>
+                        <a:spcAft>
+                          <a:spcPts val="0"/>
+                        </a:spcAft>
+                        <a:buNone/>
+                      </a:pPr>
+                      <a:r>
+                        <a:rPr lang="ko-KR" sz="1800" b="0" u="none" strike="noStrike" cap="none">
+                          <a:solidFill>
+                            <a:schemeClr val="dk1"/>
+                          </a:solidFill>
+                        </a:rPr>
+                        <a:t>습도</a:t>
+                      </a:r>
+                      <a:endParaRPr sz="1800" b="0" u="none" strike="noStrike" cap="none">
+                        <a:solidFill>
+                          <a:schemeClr val="dk1"/>
+                        </a:solidFill>
+                      </a:endParaRPr>
+                    </a:p>
+                  </a:txBody>
+                  <a:tcPr marL="91450" marR="91450" marT="45725" marB="45725">
+                    <a:lnL w="12700" cap="flat" cmpd="sng">
+                      <a:solidFill>
+                        <a:schemeClr val="dk1"/>
+                      </a:solidFill>
+                      <a:prstDash val="solid"/>
+                      <a:round/>
+                      <a:headEnd type="none" w="sm" len="sm"/>
+                      <a:tailEnd type="none" w="sm" len="sm"/>
+                    </a:lnL>
+                    <a:lnR w="12700" cap="flat" cmpd="sng">
+                      <a:solidFill>
+                        <a:schemeClr val="dk1"/>
+                      </a:solidFill>
+                      <a:prstDash val="solid"/>
+                      <a:round/>
+                      <a:headEnd type="none" w="sm" len="sm"/>
+                      <a:tailEnd type="none" w="sm" len="sm"/>
+                    </a:lnR>
+                    <a:lnT w="12700" cap="flat" cmpd="sng">
+                      <a:solidFill>
+                        <a:schemeClr val="dk1"/>
+                      </a:solidFill>
+                      <a:prstDash val="solid"/>
+                      <a:round/>
+                      <a:headEnd type="none" w="sm" len="sm"/>
+                      <a:tailEnd type="none" w="sm" len="sm"/>
+                    </a:lnT>
+                    <a:lnB w="12700" cap="flat" cmpd="sng">
+                      <a:solidFill>
+                        <a:schemeClr val="dk1"/>
+                      </a:solidFill>
+                      <a:prstDash val="solid"/>
+                      <a:round/>
+                      <a:headEnd type="none" w="sm" len="sm"/>
+                      <a:tailEnd type="none" w="sm" len="sm"/>
+                    </a:lnB>
+                    <a:solidFill>
+                      <a:schemeClr val="lt1"/>
+                    </a:solidFill>
+                  </a:tcPr>
+                </a:tc>
+                <a:tc vMerge="1">
+                  <a:txBody>
+                    <a:bodyPr/>
+                    <a:lstStyle/>
+                    <a:p>
+                      <a:endParaRPr lang="ko-KR"/>
+                    </a:p>
+                  </a:txBody>
+                  <a:tcPr/>
+                </a:tc>
+                <a:tc>
+                  <a:txBody>
+                    <a:bodyPr/>
+                    <a:lstStyle/>
+                    <a:p>
+                      <a:pPr marL="0" marR="0" lvl="0" indent="0" algn="ctr" rtl="0">
+                        <a:spcBef>
+                          <a:spcPts val="0"/>
+                        </a:spcBef>
+                        <a:spcAft>
+                          <a:spcPts val="0"/>
+                        </a:spcAft>
+                        <a:buNone/>
+                      </a:pPr>
+                      <a:r>
+                        <a:rPr lang="ko-KR" sz="1800" u="none" strike="noStrike" cap="none"/>
+                        <a:t>Float64</a:t>
+                      </a:r>
+                      <a:endParaRPr sz="1800" u="none" strike="noStrike" cap="none"/>
+                    </a:p>
+                  </a:txBody>
+                  <a:tcPr marL="91450" marR="91450" marT="45725" marB="45725">
+                    <a:lnL w="12700" cap="flat" cmpd="sng">
+                      <a:solidFill>
+                        <a:schemeClr val="dk1"/>
+                      </a:solidFill>
+                      <a:prstDash val="solid"/>
+                      <a:round/>
+                      <a:headEnd type="none" w="sm" len="sm"/>
+                      <a:tailEnd type="none" w="sm" len="sm"/>
+                    </a:lnL>
+                    <a:lnR w="12700" cap="flat" cmpd="sng">
+                      <a:solidFill>
+                        <a:schemeClr val="dk1"/>
+                      </a:solidFill>
+                      <a:prstDash val="solid"/>
+                      <a:round/>
+                      <a:headEnd type="none" w="sm" len="sm"/>
+                      <a:tailEnd type="none" w="sm" len="sm"/>
+                    </a:lnR>
+                    <a:lnT w="12700" cap="flat" cmpd="sng">
+                      <a:solidFill>
+                        <a:schemeClr val="dk1"/>
+                      </a:solidFill>
+                      <a:prstDash val="solid"/>
+                      <a:round/>
+                      <a:headEnd type="none" w="sm" len="sm"/>
+                      <a:tailEnd type="none" w="sm" len="sm"/>
+                    </a:lnT>
+                    <a:lnB w="12700" cap="flat" cmpd="sng">
+                      <a:solidFill>
+                        <a:schemeClr val="dk1"/>
+                      </a:solidFill>
+                      <a:prstDash val="solid"/>
+                      <a:round/>
+                      <a:headEnd type="none" w="sm" len="sm"/>
+                      <a:tailEnd type="none" w="sm" len="sm"/>
+                    </a:lnB>
+                    <a:solidFill>
+                      <a:schemeClr val="lt1"/>
+                    </a:solidFill>
+                  </a:tcPr>
+                </a:tc>
+                <a:tc>
+                  <a:txBody>
+                    <a:bodyPr/>
+                    <a:lstStyle/>
+                    <a:p>
+                      <a:pPr marL="0" marR="0" lvl="0" indent="0" algn="ctr" rtl="0">
+                        <a:lnSpc>
+                          <a:spcPct val="100000"/>
+                        </a:lnSpc>
+                        <a:spcBef>
+                          <a:spcPts val="0"/>
+                        </a:spcBef>
+                        <a:spcAft>
+                          <a:spcPts val="0"/>
+                        </a:spcAft>
+                        <a:buClr>
+                          <a:schemeClr val="dk1"/>
+                        </a:buClr>
+                        <a:buSzPts val="1800"/>
+                        <a:buFont typeface="Malgun Gothic"/>
+                        <a:buNone/>
+                      </a:pPr>
+                      <a:r>
+                        <a:rPr lang="ko-KR" sz="1800" b="0" u="none" strike="noStrike" cap="none">
+                          <a:solidFill>
+                            <a:schemeClr val="dk1"/>
+                          </a:solidFill>
+                        </a:rPr>
+                        <a:t>대기 중 수증기 량</a:t>
+                      </a:r>
+                      <a:endParaRPr/>
+                    </a:p>
+                  </a:txBody>
+                  <a:tcPr marL="91450" marR="91450" marT="45725" marB="45725">
+                    <a:lnL w="12700" cap="flat" cmpd="sng">
+                      <a:solidFill>
+                        <a:schemeClr val="dk1"/>
+                      </a:solidFill>
+                      <a:prstDash val="solid"/>
+                      <a:round/>
+                      <a:headEnd type="none" w="sm" len="sm"/>
+                      <a:tailEnd type="none" w="sm" len="sm"/>
+                    </a:lnL>
+                    <a:lnR w="12700" cap="flat" cmpd="sng">
+                      <a:solidFill>
+                        <a:schemeClr val="dk1"/>
+                      </a:solidFill>
+                      <a:prstDash val="solid"/>
+                      <a:round/>
+                      <a:headEnd type="none" w="sm" len="sm"/>
+                      <a:tailEnd type="none" w="sm" len="sm"/>
+                    </a:lnR>
+                    <a:lnT w="12700" cap="flat" cmpd="sng">
+                      <a:solidFill>
+                        <a:schemeClr val="dk1"/>
+                      </a:solidFill>
+                      <a:prstDash val="solid"/>
+                      <a:round/>
+                      <a:headEnd type="none" w="sm" len="sm"/>
+                      <a:tailEnd type="none" w="sm" len="sm"/>
+                    </a:lnT>
+                    <a:lnB w="12700" cap="flat" cmpd="sng">
+                      <a:solidFill>
+                        <a:schemeClr val="dk1"/>
+                      </a:solidFill>
+                      <a:prstDash val="solid"/>
+                      <a:round/>
+                      <a:headEnd type="none" w="sm" len="sm"/>
+                      <a:tailEnd type="none" w="sm" len="sm"/>
+                    </a:lnB>
+                    <a:solidFill>
+                      <a:schemeClr val="lt1"/>
+                    </a:solidFill>
+                  </a:tcPr>
+                </a:tc>
+                <a:extLst>
+                  <a:ext uri="{0D108BD9-81ED-4DB2-BD59-A6C34878D82A}">
+                    <a16:rowId xmlns:a16="http://schemas.microsoft.com/office/drawing/2014/main" val="10007"/>
+                  </a:ext>
+                </a:extLst>
+              </a:tr>
+              <a:tr h="403900">
+                <a:tc>
+                  <a:txBody>
+                    <a:bodyPr/>
+                    <a:lstStyle/>
+                    <a:p>
+                      <a:pPr marL="0" marR="0" lvl="0" indent="0" algn="ctr" rtl="0">
+                        <a:spcBef>
+                          <a:spcPts val="0"/>
+                        </a:spcBef>
+                        <a:spcAft>
+                          <a:spcPts val="0"/>
+                        </a:spcAft>
+                        <a:buNone/>
+                      </a:pPr>
+                      <a:r>
+                        <a:rPr lang="ko-KR" sz="1800" b="0" u="none" strike="noStrike" cap="none">
+                          <a:solidFill>
+                            <a:schemeClr val="dk1"/>
+                          </a:solidFill>
+                        </a:rPr>
+                        <a:t>일조</a:t>
+                      </a:r>
+                      <a:endParaRPr sz="1800" b="0" u="none" strike="noStrike" cap="none">
+                        <a:solidFill>
+                          <a:schemeClr val="dk1"/>
+                        </a:solidFill>
+                      </a:endParaRPr>
+                    </a:p>
+                  </a:txBody>
+                  <a:tcPr marL="91450" marR="91450" marT="45725" marB="45725">
+                    <a:lnL w="12700" cap="flat" cmpd="sng">
+                      <a:solidFill>
+                        <a:schemeClr val="dk1"/>
+                      </a:solidFill>
+                      <a:prstDash val="solid"/>
+                      <a:round/>
+                      <a:headEnd type="none" w="sm" len="sm"/>
+                      <a:tailEnd type="none" w="sm" len="sm"/>
+                    </a:lnL>
+                    <a:lnR w="12700" cap="flat" cmpd="sng">
+                      <a:solidFill>
+                        <a:schemeClr val="dk1"/>
+                      </a:solidFill>
+                      <a:prstDash val="solid"/>
+                      <a:round/>
+                      <a:headEnd type="none" w="sm" len="sm"/>
+                      <a:tailEnd type="none" w="sm" len="sm"/>
+                    </a:lnR>
+                    <a:lnT w="12700" cap="flat" cmpd="sng">
+                      <a:solidFill>
+                        <a:schemeClr val="dk1"/>
+                      </a:solidFill>
+                      <a:prstDash val="solid"/>
+                      <a:round/>
+                      <a:headEnd type="none" w="sm" len="sm"/>
+                      <a:tailEnd type="none" w="sm" len="sm"/>
+                    </a:lnT>
+                    <a:lnB w="12700" cap="flat" cmpd="sng">
+                      <a:solidFill>
+                        <a:schemeClr val="dk1"/>
+                      </a:solidFill>
+                      <a:prstDash val="solid"/>
+                      <a:round/>
+                      <a:headEnd type="none" w="sm" len="sm"/>
+                      <a:tailEnd type="none" w="sm" len="sm"/>
+                    </a:lnB>
+                    <a:solidFill>
+                      <a:schemeClr val="lt1"/>
+                    </a:solidFill>
+                  </a:tcPr>
+                </a:tc>
+                <a:tc vMerge="1">
+                  <a:txBody>
+                    <a:bodyPr/>
+                    <a:lstStyle/>
+                    <a:p>
+                      <a:endParaRPr lang="ko-KR"/>
+                    </a:p>
+                  </a:txBody>
+                  <a:tcPr/>
+                </a:tc>
+                <a:tc>
+                  <a:txBody>
+                    <a:bodyPr/>
+                    <a:lstStyle/>
+                    <a:p>
+                      <a:pPr marL="0" marR="0" lvl="0" indent="0" algn="ctr" rtl="0">
+                        <a:spcBef>
+                          <a:spcPts val="0"/>
+                        </a:spcBef>
+                        <a:spcAft>
+                          <a:spcPts val="0"/>
+                        </a:spcAft>
+                        <a:buNone/>
+                      </a:pPr>
+                      <a:r>
+                        <a:rPr lang="ko-KR" sz="1800" u="none" strike="noStrike" cap="none"/>
+                        <a:t>Float64</a:t>
+                      </a:r>
+                      <a:endParaRPr sz="1800" u="none" strike="noStrike" cap="none"/>
+                    </a:p>
+                  </a:txBody>
+                  <a:tcPr marL="91450" marR="91450" marT="45725" marB="45725">
+                    <a:lnL w="12700" cap="flat" cmpd="sng">
+                      <a:solidFill>
+                        <a:schemeClr val="dk1"/>
+                      </a:solidFill>
+                      <a:prstDash val="solid"/>
+                      <a:round/>
+                      <a:headEnd type="none" w="sm" len="sm"/>
+                      <a:tailEnd type="none" w="sm" len="sm"/>
+                    </a:lnL>
+                    <a:lnR w="12700" cap="flat" cmpd="sng">
+                      <a:solidFill>
+                        <a:schemeClr val="dk1"/>
+                      </a:solidFill>
+                      <a:prstDash val="solid"/>
+                      <a:round/>
+                      <a:headEnd type="none" w="sm" len="sm"/>
+                      <a:tailEnd type="none" w="sm" len="sm"/>
+                    </a:lnR>
+                    <a:lnT w="12700" cap="flat" cmpd="sng">
+                      <a:solidFill>
+                        <a:schemeClr val="dk1"/>
+                      </a:solidFill>
+                      <a:prstDash val="solid"/>
+                      <a:round/>
+                      <a:headEnd type="none" w="sm" len="sm"/>
+                      <a:tailEnd type="none" w="sm" len="sm"/>
+                    </a:lnT>
+                    <a:lnB w="12700" cap="flat" cmpd="sng">
+                      <a:solidFill>
+                        <a:schemeClr val="dk1"/>
+                      </a:solidFill>
+                      <a:prstDash val="solid"/>
+                      <a:round/>
+                      <a:headEnd type="none" w="sm" len="sm"/>
+                      <a:tailEnd type="none" w="sm" len="sm"/>
+                    </a:lnB>
+                    <a:solidFill>
+                      <a:schemeClr val="lt1"/>
+                    </a:solidFill>
+                  </a:tcPr>
+                </a:tc>
+                <a:tc>
+                  <a:txBody>
+                    <a:bodyPr/>
+                    <a:lstStyle/>
+                    <a:p>
+                      <a:pPr marL="0" marR="0" lvl="0" indent="0" algn="ctr" rtl="0">
+                        <a:lnSpc>
+                          <a:spcPct val="100000"/>
+                        </a:lnSpc>
+                        <a:spcBef>
+                          <a:spcPts val="0"/>
+                        </a:spcBef>
+                        <a:spcAft>
+                          <a:spcPts val="0"/>
+                        </a:spcAft>
+                        <a:buClr>
+                          <a:schemeClr val="dk1"/>
+                        </a:buClr>
+                        <a:buSzPts val="1800"/>
+                        <a:buFont typeface="Malgun Gothic"/>
+                        <a:buNone/>
+                      </a:pPr>
+                      <a:r>
+                        <a:rPr lang="ko-KR" sz="1800" b="0" u="none" strike="noStrike" cap="none">
+                          <a:solidFill>
+                            <a:schemeClr val="dk1"/>
+                          </a:solidFill>
+                        </a:rPr>
+                        <a:t>땅 위에 비치는 태양광 시간</a:t>
+                      </a:r>
+                      <a:endParaRPr/>
+                    </a:p>
+                  </a:txBody>
+                  <a:tcPr marL="91450" marR="91450" marT="45725" marB="45725">
+                    <a:lnL w="12700" cap="flat" cmpd="sng">
+                      <a:solidFill>
+                        <a:schemeClr val="dk1"/>
+                      </a:solidFill>
+                      <a:prstDash val="solid"/>
+                      <a:round/>
+                      <a:headEnd type="none" w="sm" len="sm"/>
+                      <a:tailEnd type="none" w="sm" len="sm"/>
+                    </a:lnL>
+                    <a:lnR w="12700" cap="flat" cmpd="sng">
+                      <a:solidFill>
+                        <a:schemeClr val="dk1"/>
+                      </a:solidFill>
+                      <a:prstDash val="solid"/>
+                      <a:round/>
+                      <a:headEnd type="none" w="sm" len="sm"/>
+                      <a:tailEnd type="none" w="sm" len="sm"/>
+                    </a:lnR>
+                    <a:lnT w="12700" cap="flat" cmpd="sng">
+                      <a:solidFill>
+                        <a:schemeClr val="dk1"/>
+                      </a:solidFill>
+                      <a:prstDash val="solid"/>
+                      <a:round/>
+                      <a:headEnd type="none" w="sm" len="sm"/>
+                      <a:tailEnd type="none" w="sm" len="sm"/>
+                    </a:lnT>
+                    <a:lnB w="12700" cap="flat" cmpd="sng">
+                      <a:solidFill>
+                        <a:schemeClr val="dk1"/>
+                      </a:solidFill>
+                      <a:prstDash val="solid"/>
+                      <a:round/>
+                      <a:headEnd type="none" w="sm" len="sm"/>
+                      <a:tailEnd type="none" w="sm" len="sm"/>
+                    </a:lnB>
+                    <a:solidFill>
+                      <a:schemeClr val="lt1"/>
+                    </a:solidFill>
+                  </a:tcPr>
+                </a:tc>
+                <a:extLst>
+                  <a:ext uri="{0D108BD9-81ED-4DB2-BD59-A6C34878D82A}">
+                    <a16:rowId xmlns:a16="http://schemas.microsoft.com/office/drawing/2014/main" val="10008"/>
+                  </a:ext>
+                </a:extLst>
+              </a:tr>
+              <a:tr h="403900">
+                <a:tc>
+                  <a:txBody>
+                    <a:bodyPr/>
+                    <a:lstStyle/>
+                    <a:p>
+                      <a:pPr marL="0" marR="0" lvl="0" indent="0" algn="ctr" rtl="0">
+                        <a:spcBef>
+                          <a:spcPts val="0"/>
+                        </a:spcBef>
+                        <a:spcAft>
+                          <a:spcPts val="0"/>
+                        </a:spcAft>
+                        <a:buNone/>
+                      </a:pPr>
+                      <a:r>
+                        <a:rPr lang="ko-KR" sz="1800" b="0" u="none" strike="noStrike" cap="none">
+                          <a:solidFill>
+                            <a:schemeClr val="dk1"/>
+                          </a:solidFill>
+                        </a:rPr>
+                        <a:t>일사</a:t>
+                      </a:r>
+                      <a:endParaRPr sz="1800" b="0" u="none" strike="noStrike" cap="none">
+                        <a:solidFill>
+                          <a:schemeClr val="dk1"/>
+                        </a:solidFill>
+                      </a:endParaRPr>
+                    </a:p>
+                  </a:txBody>
+                  <a:tcPr marL="91450" marR="91450" marT="45725" marB="45725">
+                    <a:lnL w="12700" cap="flat" cmpd="sng">
+                      <a:solidFill>
+                        <a:schemeClr val="dk1"/>
+                      </a:solidFill>
+                      <a:prstDash val="solid"/>
+                      <a:round/>
+                      <a:headEnd type="none" w="sm" len="sm"/>
+                      <a:tailEnd type="none" w="sm" len="sm"/>
+                    </a:lnL>
+                    <a:lnR w="12700" cap="flat" cmpd="sng">
+                      <a:solidFill>
+                        <a:schemeClr val="dk1"/>
+                      </a:solidFill>
+                      <a:prstDash val="solid"/>
+                      <a:round/>
+                      <a:headEnd type="none" w="sm" len="sm"/>
+                      <a:tailEnd type="none" w="sm" len="sm"/>
+                    </a:lnR>
+                    <a:lnT w="12700" cap="flat" cmpd="sng">
+                      <a:solidFill>
+                        <a:schemeClr val="dk1"/>
+                      </a:solidFill>
+                      <a:prstDash val="solid"/>
+                      <a:round/>
+                      <a:headEnd type="none" w="sm" len="sm"/>
+                      <a:tailEnd type="none" w="sm" len="sm"/>
+                    </a:lnT>
+                    <a:lnB w="12700" cap="flat" cmpd="sng">
+                      <a:solidFill>
+                        <a:schemeClr val="dk1"/>
+                      </a:solidFill>
+                      <a:prstDash val="solid"/>
+                      <a:round/>
+                      <a:headEnd type="none" w="sm" len="sm"/>
+                      <a:tailEnd type="none" w="sm" len="sm"/>
+                    </a:lnB>
+                    <a:solidFill>
+                      <a:schemeClr val="lt1"/>
+                    </a:solidFill>
+                  </a:tcPr>
+                </a:tc>
+                <a:tc vMerge="1">
+                  <a:txBody>
+                    <a:bodyPr/>
+                    <a:lstStyle/>
+                    <a:p>
+                      <a:endParaRPr lang="ko-KR"/>
+                    </a:p>
+                  </a:txBody>
+                  <a:tcPr/>
+                </a:tc>
+                <a:tc>
+                  <a:txBody>
+                    <a:bodyPr/>
+                    <a:lstStyle/>
+                    <a:p>
+                      <a:pPr marL="0" marR="0" lvl="0" indent="0" algn="ctr" rtl="0">
+                        <a:spcBef>
+                          <a:spcPts val="0"/>
+                        </a:spcBef>
+                        <a:spcAft>
+                          <a:spcPts val="0"/>
+                        </a:spcAft>
+                        <a:buNone/>
+                      </a:pPr>
+                      <a:r>
+                        <a:rPr lang="ko-KR" sz="1800" u="none" strike="noStrike" cap="none"/>
+                        <a:t>Float64</a:t>
+                      </a:r>
+                      <a:endParaRPr sz="1800" u="none" strike="noStrike" cap="none"/>
+                    </a:p>
+                  </a:txBody>
+                  <a:tcPr marL="91450" marR="91450" marT="45725" marB="45725">
+                    <a:lnL w="12700" cap="flat" cmpd="sng">
+                      <a:solidFill>
+                        <a:schemeClr val="dk1"/>
+                      </a:solidFill>
+                      <a:prstDash val="solid"/>
+                      <a:round/>
+                      <a:headEnd type="none" w="sm" len="sm"/>
+                      <a:tailEnd type="none" w="sm" len="sm"/>
+                    </a:lnL>
+                    <a:lnR w="12700" cap="flat" cmpd="sng">
+                      <a:solidFill>
+                        <a:schemeClr val="dk1"/>
+                      </a:solidFill>
+                      <a:prstDash val="solid"/>
+                      <a:round/>
+                      <a:headEnd type="none" w="sm" len="sm"/>
+                      <a:tailEnd type="none" w="sm" len="sm"/>
+                    </a:lnR>
+                    <a:lnT w="12700" cap="flat" cmpd="sng">
+                      <a:solidFill>
+                        <a:schemeClr val="dk1"/>
+                      </a:solidFill>
+                      <a:prstDash val="solid"/>
+                      <a:round/>
+                      <a:headEnd type="none" w="sm" len="sm"/>
+                      <a:tailEnd type="none" w="sm" len="sm"/>
+                    </a:lnT>
+                    <a:lnB w="12700" cap="flat" cmpd="sng">
+                      <a:solidFill>
+                        <a:schemeClr val="dk1"/>
+                      </a:solidFill>
+                      <a:prstDash val="solid"/>
+                      <a:round/>
+                      <a:headEnd type="none" w="sm" len="sm"/>
+                      <a:tailEnd type="none" w="sm" len="sm"/>
+                    </a:lnB>
+                    <a:solidFill>
+                      <a:schemeClr val="lt1"/>
+                    </a:solidFill>
+                  </a:tcPr>
+                </a:tc>
+                <a:tc>
+                  <a:txBody>
+                    <a:bodyPr/>
+                    <a:lstStyle/>
+                    <a:p>
+                      <a:pPr marL="0" marR="0" lvl="0" indent="0" algn="ctr" rtl="0">
+                        <a:spcBef>
+                          <a:spcPts val="0"/>
+                        </a:spcBef>
+                        <a:spcAft>
+                          <a:spcPts val="0"/>
+                        </a:spcAft>
+                        <a:buNone/>
+                      </a:pPr>
+                      <a:r>
+                        <a:rPr lang="ko-KR" sz="1800" u="none" strike="noStrike" cap="none">
+                          <a:solidFill>
+                            <a:schemeClr val="dk1"/>
+                          </a:solidFill>
+                        </a:rPr>
+                        <a:t>태양으로부터 방출되는 에너지</a:t>
+                      </a:r>
+                      <a:endParaRPr sz="1800" u="none" strike="noStrike" cap="none">
+                        <a:solidFill>
+                          <a:schemeClr val="dk1"/>
+                        </a:solidFill>
+                      </a:endParaRPr>
+                    </a:p>
+                  </a:txBody>
+                  <a:tcPr marL="91450" marR="91450" marT="45725" marB="45725">
+                    <a:lnL w="12700" cap="flat" cmpd="sng">
+                      <a:solidFill>
+                        <a:schemeClr val="dk1"/>
+                      </a:solidFill>
+                      <a:prstDash val="solid"/>
+                      <a:round/>
+                      <a:headEnd type="none" w="sm" len="sm"/>
+                      <a:tailEnd type="none" w="sm" len="sm"/>
+                    </a:lnL>
+                    <a:lnR w="12700" cap="flat" cmpd="sng">
+                      <a:solidFill>
+                        <a:schemeClr val="dk1"/>
+                      </a:solidFill>
+                      <a:prstDash val="solid"/>
+                      <a:round/>
+                      <a:headEnd type="none" w="sm" len="sm"/>
+                      <a:tailEnd type="none" w="sm" len="sm"/>
+                    </a:lnR>
+                    <a:lnT w="12700" cap="flat" cmpd="sng">
+                      <a:solidFill>
+                        <a:schemeClr val="dk1"/>
+                      </a:solidFill>
+                      <a:prstDash val="solid"/>
+                      <a:round/>
+                      <a:headEnd type="none" w="sm" len="sm"/>
+                      <a:tailEnd type="none" w="sm" len="sm"/>
+                    </a:lnT>
+                    <a:lnB w="12700" cap="flat" cmpd="sng">
+                      <a:solidFill>
+                        <a:schemeClr val="dk1"/>
+                      </a:solidFill>
+                      <a:prstDash val="solid"/>
+                      <a:round/>
+                      <a:headEnd type="none" w="sm" len="sm"/>
+                      <a:tailEnd type="none" w="sm" len="sm"/>
+                    </a:lnB>
+                    <a:solidFill>
+                      <a:schemeClr val="lt1"/>
+                    </a:solidFill>
+                  </a:tcPr>
+                </a:tc>
+                <a:extLst>
+                  <a:ext uri="{0D108BD9-81ED-4DB2-BD59-A6C34878D82A}">
+                    <a16:rowId xmlns:a16="http://schemas.microsoft.com/office/drawing/2014/main" val="10009"/>
+                  </a:ext>
+                </a:extLst>
+              </a:tr>
+              <a:tr h="403900">
+                <a:tc>
+                  <a:txBody>
+                    <a:bodyPr/>
+                    <a:lstStyle/>
+                    <a:p>
+                      <a:pPr marL="0" marR="0" lvl="0" indent="0" algn="ctr" rtl="0">
+                        <a:spcBef>
+                          <a:spcPts val="0"/>
+                        </a:spcBef>
+                        <a:spcAft>
+                          <a:spcPts val="0"/>
+                        </a:spcAft>
+                        <a:buNone/>
+                      </a:pPr>
+                      <a:r>
+                        <a:rPr lang="ko-KR" sz="1800" b="1" u="none" strike="noStrike" cap="none" dirty="0">
+                          <a:solidFill>
+                            <a:srgbClr val="FF0000"/>
+                          </a:solidFill>
+                        </a:rPr>
+                        <a:t>전력소비량</a:t>
+                      </a:r>
+                      <a:endParaRPr sz="1800" b="1" u="none" strike="noStrike" cap="none" dirty="0">
+                        <a:solidFill>
+                          <a:srgbClr val="FF0000"/>
+                        </a:solidFill>
+                      </a:endParaRPr>
+                    </a:p>
+                  </a:txBody>
+                  <a:tcPr marL="91450" marR="91450" marT="45725" marB="45725">
+                    <a:lnL w="12700" cap="flat" cmpd="sng">
+                      <a:solidFill>
+                        <a:schemeClr val="dk1"/>
+                      </a:solidFill>
+                      <a:prstDash val="solid"/>
+                      <a:round/>
+                      <a:headEnd type="none" w="sm" len="sm"/>
+                      <a:tailEnd type="none" w="sm" len="sm"/>
+                    </a:lnL>
+                    <a:lnR w="12700" cap="flat" cmpd="sng">
+                      <a:solidFill>
+                        <a:schemeClr val="dk1"/>
+                      </a:solidFill>
+                      <a:prstDash val="solid"/>
+                      <a:round/>
+                      <a:headEnd type="none" w="sm" len="sm"/>
+                      <a:tailEnd type="none" w="sm" len="sm"/>
+                    </a:lnR>
+                    <a:lnT w="12700" cap="flat" cmpd="sng">
+                      <a:solidFill>
+                        <a:schemeClr val="dk1"/>
+                      </a:solidFill>
+                      <a:prstDash val="solid"/>
+                      <a:round/>
+                      <a:headEnd type="none" w="sm" len="sm"/>
+                      <a:tailEnd type="none" w="sm" len="sm"/>
+                    </a:lnT>
+                    <a:lnB w="12700" cap="flat" cmpd="sng">
+                      <a:solidFill>
+                        <a:schemeClr val="dk1"/>
+                      </a:solidFill>
+                      <a:prstDash val="solid"/>
+                      <a:round/>
+                      <a:headEnd type="none" w="sm" len="sm"/>
+                      <a:tailEnd type="none" w="sm" len="sm"/>
+                    </a:lnB>
+                    <a:solidFill>
+                      <a:schemeClr val="lt1"/>
+                    </a:solidFill>
+                  </a:tcPr>
+                </a:tc>
+                <a:tc vMerge="1">
+                  <a:txBody>
+                    <a:bodyPr/>
+                    <a:lstStyle/>
+                    <a:p>
+                      <a:endParaRPr lang="ko-KR"/>
+                    </a:p>
+                  </a:txBody>
+                  <a:tcPr/>
+                </a:tc>
+                <a:tc>
+                  <a:txBody>
+                    <a:bodyPr/>
+                    <a:lstStyle/>
+                    <a:p>
+                      <a:pPr marL="0" marR="0" lvl="0" indent="0" algn="ctr" rtl="0">
+                        <a:spcBef>
+                          <a:spcPts val="0"/>
+                        </a:spcBef>
+                        <a:spcAft>
+                          <a:spcPts val="0"/>
+                        </a:spcAft>
+                        <a:buNone/>
+                      </a:pPr>
+                      <a:r>
+                        <a:rPr lang="ko-KR" sz="1800" u="none" strike="noStrike" cap="none"/>
+                        <a:t>Float64</a:t>
+                      </a:r>
+                      <a:endParaRPr sz="1800" u="none" strike="noStrike" cap="none"/>
+                    </a:p>
+                  </a:txBody>
+                  <a:tcPr marL="91450" marR="91450" marT="45725" marB="45725">
+                    <a:lnL w="12700" cap="flat" cmpd="sng">
+                      <a:solidFill>
+                        <a:schemeClr val="dk1"/>
+                      </a:solidFill>
+                      <a:prstDash val="solid"/>
+                      <a:round/>
+                      <a:headEnd type="none" w="sm" len="sm"/>
+                      <a:tailEnd type="none" w="sm" len="sm"/>
+                    </a:lnL>
+                    <a:lnR w="12700" cap="flat" cmpd="sng">
+                      <a:solidFill>
+                        <a:schemeClr val="dk1"/>
+                      </a:solidFill>
+                      <a:prstDash val="solid"/>
+                      <a:round/>
+                      <a:headEnd type="none" w="sm" len="sm"/>
+                      <a:tailEnd type="none" w="sm" len="sm"/>
+                    </a:lnR>
+                    <a:lnT w="12700" cap="flat" cmpd="sng">
+                      <a:solidFill>
+                        <a:schemeClr val="dk1"/>
+                      </a:solidFill>
+                      <a:prstDash val="solid"/>
+                      <a:round/>
+                      <a:headEnd type="none" w="sm" len="sm"/>
+                      <a:tailEnd type="none" w="sm" len="sm"/>
+                    </a:lnT>
+                    <a:lnB w="12700" cap="flat" cmpd="sng">
+                      <a:solidFill>
+                        <a:schemeClr val="dk1"/>
+                      </a:solidFill>
+                      <a:prstDash val="solid"/>
+                      <a:round/>
+                      <a:headEnd type="none" w="sm" len="sm"/>
+                      <a:tailEnd type="none" w="sm" len="sm"/>
+                    </a:lnB>
+                    <a:solidFill>
+                      <a:schemeClr val="lt1"/>
+                    </a:solidFill>
+                  </a:tcPr>
+                </a:tc>
+                <a:tc>
+                  <a:txBody>
+                    <a:bodyPr/>
+                    <a:lstStyle/>
+                    <a:p>
+                      <a:pPr marL="0" marR="0" lvl="0" indent="0" algn="ctr" rtl="0">
+                        <a:spcBef>
+                          <a:spcPts val="0"/>
+                        </a:spcBef>
+                        <a:spcAft>
+                          <a:spcPts val="0"/>
+                        </a:spcAft>
+                        <a:buNone/>
+                      </a:pPr>
+                      <a:r>
+                        <a:rPr lang="ko-KR" sz="1800" b="1" u="none" strike="noStrike" cap="none" dirty="0">
+                          <a:solidFill>
+                            <a:srgbClr val="FF0000"/>
+                          </a:solidFill>
+                        </a:rPr>
+                        <a:t>Target Data</a:t>
+                      </a:r>
+                      <a:endParaRPr sz="1800" b="1" u="none" strike="noStrike" cap="none" dirty="0">
+                        <a:solidFill>
+                          <a:srgbClr val="FF0000"/>
+                        </a:solidFill>
+                      </a:endParaRPr>
+                    </a:p>
+                  </a:txBody>
+                  <a:tcPr marL="91450" marR="91450" marT="45725" marB="45725">
+                    <a:lnL w="12700" cap="flat" cmpd="sng">
+                      <a:solidFill>
+                        <a:schemeClr val="dk1"/>
+                      </a:solidFill>
+                      <a:prstDash val="solid"/>
+                      <a:round/>
+                      <a:headEnd type="none" w="sm" len="sm"/>
+                      <a:tailEnd type="none" w="sm" len="sm"/>
+                    </a:lnL>
+                    <a:lnR w="12700" cap="flat" cmpd="sng">
+                      <a:solidFill>
+                        <a:schemeClr val="dk1"/>
+                      </a:solidFill>
+                      <a:prstDash val="solid"/>
+                      <a:round/>
+                      <a:headEnd type="none" w="sm" len="sm"/>
+                      <a:tailEnd type="none" w="sm" len="sm"/>
+                    </a:lnR>
+                    <a:lnT w="12700" cap="flat" cmpd="sng">
+                      <a:solidFill>
+                        <a:schemeClr val="dk1"/>
+                      </a:solidFill>
+                      <a:prstDash val="solid"/>
+                      <a:round/>
+                      <a:headEnd type="none" w="sm" len="sm"/>
+                      <a:tailEnd type="none" w="sm" len="sm"/>
+                    </a:lnT>
+                    <a:lnB w="12700" cap="flat" cmpd="sng">
+                      <a:solidFill>
+                        <a:schemeClr val="dk1"/>
+                      </a:solidFill>
+                      <a:prstDash val="solid"/>
+                      <a:round/>
+                      <a:headEnd type="none" w="sm" len="sm"/>
+                      <a:tailEnd type="none" w="sm" len="sm"/>
+                    </a:lnB>
+                    <a:solidFill>
+                      <a:schemeClr val="lt1"/>
+                    </a:solidFill>
+                  </a:tcPr>
+                </a:tc>
+                <a:extLst>
+                  <a:ext uri="{0D108BD9-81ED-4DB2-BD59-A6C34878D82A}">
+                    <a16:rowId xmlns:a16="http://schemas.microsoft.com/office/drawing/2014/main" val="10010"/>
+                  </a:ext>
+                </a:extLst>
+              </a:tr>
+            </a:tbl>
+          </a:graphicData>
+        </a:graphic>
+      </p:graphicFrame>
     </p:spTree>
     <p:extLst>
       <p:ext uri="{BB962C8B-B14F-4D97-AF65-F5344CB8AC3E}">
-        <p14:creationId xmlns:p14="http://schemas.microsoft.com/office/powerpoint/2010/main" val="4077288853"/>
+        <p14:creationId xmlns:p14="http://schemas.microsoft.com/office/powerpoint/2010/main" val="3354391073"/>
       </p:ext>
     </p:extLst>
   </p:cSld>

--- a/electricity.pptx
+++ b/electricity.pptx
@@ -145,7 +145,7 @@
   <pc:docChgLst>
     <pc:chgData name="동욱 황" userId="4ef6500828eae399" providerId="LiveId" clId="{9A47C71C-90E0-444D-9289-A054697F2D96}"/>
     <pc:docChg chg="undo custSel addSld modSld sldOrd">
-      <pc:chgData name="동욱 황" userId="4ef6500828eae399" providerId="LiveId" clId="{9A47C71C-90E0-444D-9289-A054697F2D96}" dt="2024-04-13T10:19:45.860" v="5578" actId="20577"/>
+      <pc:chgData name="동욱 황" userId="4ef6500828eae399" providerId="LiveId" clId="{9A47C71C-90E0-444D-9289-A054697F2D96}" dt="2024-04-14T10:49:02.523" v="10440" actId="122"/>
       <pc:docMkLst>
         <pc:docMk/>
       </pc:docMkLst>
@@ -562,7 +562,7 @@
         </pc:cxnChg>
       </pc:sldChg>
       <pc:sldChg chg="addSp delSp modSp mod">
-        <pc:chgData name="동욱 황" userId="4ef6500828eae399" providerId="LiveId" clId="{9A47C71C-90E0-444D-9289-A054697F2D96}" dt="2024-04-13T09:34:51.806" v="4975" actId="121"/>
+        <pc:chgData name="동욱 황" userId="4ef6500828eae399" providerId="LiveId" clId="{9A47C71C-90E0-444D-9289-A054697F2D96}" dt="2024-04-14T09:00:55.420" v="7703" actId="113"/>
         <pc:sldMkLst>
           <pc:docMk/>
           <pc:sldMk cId="4077288853" sldId="260"/>
@@ -607,8 +607,8 @@
             <ac:spMk id="9" creationId="{09B0B7D0-D0AF-6DE5-8F87-9C46A27E38F0}"/>
           </ac:spMkLst>
         </pc:spChg>
-        <pc:graphicFrameChg chg="add mod">
-          <ac:chgData name="동욱 황" userId="4ef6500828eae399" providerId="LiveId" clId="{9A47C71C-90E0-444D-9289-A054697F2D96}" dt="2024-04-13T08:54:57.012" v="4514" actId="1076"/>
+        <pc:graphicFrameChg chg="add mod modGraphic">
+          <ac:chgData name="동욱 황" userId="4ef6500828eae399" providerId="LiveId" clId="{9A47C71C-90E0-444D-9289-A054697F2D96}" dt="2024-04-14T09:00:55.420" v="7703" actId="113"/>
           <ac:graphicFrameMkLst>
             <pc:docMk/>
             <pc:sldMk cId="4077288853" sldId="260"/>
@@ -680,7 +680,7 @@
         </pc:picChg>
       </pc:sldChg>
       <pc:sldChg chg="modSp mod">
-        <pc:chgData name="동욱 황" userId="4ef6500828eae399" providerId="LiveId" clId="{9A47C71C-90E0-444D-9289-A054697F2D96}" dt="2024-04-13T09:34:37.815" v="4964" actId="121"/>
+        <pc:chgData name="동욱 황" userId="4ef6500828eae399" providerId="LiveId" clId="{9A47C71C-90E0-444D-9289-A054697F2D96}" dt="2024-04-14T09:00:46.381" v="7701" actId="113"/>
         <pc:sldMkLst>
           <pc:docMk/>
           <pc:sldMk cId="3902701286" sldId="262"/>
@@ -701,6 +701,14 @@
             <ac:spMk id="7" creationId="{6027C991-84FE-42BD-7CB1-D581531CC4D4}"/>
           </ac:spMkLst>
         </pc:spChg>
+        <pc:graphicFrameChg chg="modGraphic">
+          <ac:chgData name="동욱 황" userId="4ef6500828eae399" providerId="LiveId" clId="{9A47C71C-90E0-444D-9289-A054697F2D96}" dt="2024-04-14T09:00:46.381" v="7701" actId="113"/>
+          <ac:graphicFrameMkLst>
+            <pc:docMk/>
+            <pc:sldMk cId="3902701286" sldId="262"/>
+            <ac:graphicFrameMk id="5" creationId="{FCCDDF93-9AB8-5DA2-C714-8B3A2D68BFA2}"/>
+          </ac:graphicFrameMkLst>
+        </pc:graphicFrameChg>
       </pc:sldChg>
       <pc:sldChg chg="addSp delSp modSp add mod setBg">
         <pc:chgData name="동욱 황" userId="4ef6500828eae399" providerId="LiveId" clId="{9A47C71C-90E0-444D-9289-A054697F2D96}" dt="2024-04-13T08:52:01.899" v="4391" actId="20577"/>
@@ -1014,7 +1022,7 @@
         </pc:picChg>
       </pc:sldChg>
       <pc:sldChg chg="addSp delSp modSp mod">
-        <pc:chgData name="동욱 황" userId="4ef6500828eae399" providerId="LiveId" clId="{9A47C71C-90E0-444D-9289-A054697F2D96}" dt="2024-04-13T09:34:44.836" v="4966" actId="121"/>
+        <pc:chgData name="동욱 황" userId="4ef6500828eae399" providerId="LiveId" clId="{9A47C71C-90E0-444D-9289-A054697F2D96}" dt="2024-04-14T09:00:50.765" v="7702" actId="113"/>
         <pc:sldMkLst>
           <pc:docMk/>
           <pc:sldMk cId="3354391073" sldId="264"/>
@@ -1052,7 +1060,7 @@
           </ac:spMkLst>
         </pc:spChg>
         <pc:graphicFrameChg chg="modGraphic">
-          <ac:chgData name="동욱 황" userId="4ef6500828eae399" providerId="LiveId" clId="{9A47C71C-90E0-444D-9289-A054697F2D96}" dt="2024-04-13T08:51:20.219" v="4348" actId="207"/>
+          <ac:chgData name="동욱 황" userId="4ef6500828eae399" providerId="LiveId" clId="{9A47C71C-90E0-444D-9289-A054697F2D96}" dt="2024-04-14T09:00:50.765" v="7702" actId="113"/>
           <ac:graphicFrameMkLst>
             <pc:docMk/>
             <pc:sldMk cId="3354391073" sldId="264"/>
@@ -1061,7 +1069,7 @@
         </pc:graphicFrameChg>
       </pc:sldChg>
       <pc:sldChg chg="addSp delSp modSp mod">
-        <pc:chgData name="동욱 황" userId="4ef6500828eae399" providerId="LiveId" clId="{9A47C71C-90E0-444D-9289-A054697F2D96}" dt="2024-04-13T09:35:01.383" v="4978" actId="20577"/>
+        <pc:chgData name="동욱 황" userId="4ef6500828eae399" providerId="LiveId" clId="{9A47C71C-90E0-444D-9289-A054697F2D96}" dt="2024-04-14T09:00:59.552" v="7704" actId="113"/>
         <pc:sldMkLst>
           <pc:docMk/>
           <pc:sldMk cId="2712241595" sldId="265"/>
@@ -1091,7 +1099,7 @@
           </ac:spMkLst>
         </pc:spChg>
         <pc:graphicFrameChg chg="add del mod modGraphic">
-          <ac:chgData name="동욱 황" userId="4ef6500828eae399" providerId="LiveId" clId="{9A47C71C-90E0-444D-9289-A054697F2D96}" dt="2024-04-13T09:03:45.897" v="4918" actId="14100"/>
+          <ac:chgData name="동욱 황" userId="4ef6500828eae399" providerId="LiveId" clId="{9A47C71C-90E0-444D-9289-A054697F2D96}" dt="2024-04-14T09:00:59.552" v="7704" actId="113"/>
           <ac:graphicFrameMkLst>
             <pc:docMk/>
             <pc:sldMk cId="2712241595" sldId="265"/>
@@ -1435,7 +1443,7 @@
         </pc:cxnChg>
       </pc:sldChg>
       <pc:sldChg chg="addSp delSp modSp add mod setBg">
-        <pc:chgData name="동욱 황" userId="4ef6500828eae399" providerId="LiveId" clId="{9A47C71C-90E0-444D-9289-A054697F2D96}" dt="2024-04-13T10:19:45.860" v="5578" actId="20577"/>
+        <pc:chgData name="동욱 황" userId="4ef6500828eae399" providerId="LiveId" clId="{9A47C71C-90E0-444D-9289-A054697F2D96}" dt="2024-04-14T09:19:16.518" v="7733" actId="1440"/>
         <pc:sldMkLst>
           <pc:docMk/>
           <pc:sldMk cId="989691292" sldId="268"/>
@@ -1454,6 +1462,14 @@
             <pc:docMk/>
             <pc:sldMk cId="989691292" sldId="268"/>
             <ac:spMk id="4" creationId="{BBDD50A2-2BBE-D666-192D-D592D3FAFEA1}"/>
+          </ac:spMkLst>
+        </pc:spChg>
+        <pc:spChg chg="add mod">
+          <ac:chgData name="동욱 황" userId="4ef6500828eae399" providerId="LiveId" clId="{9A47C71C-90E0-444D-9289-A054697F2D96}" dt="2024-04-13T10:32:45.422" v="6125" actId="207"/>
+          <ac:spMkLst>
+            <pc:docMk/>
+            <pc:sldMk cId="989691292" sldId="268"/>
+            <ac:spMk id="4" creationId="{F24F7B11-134E-45E5-00B7-CF2606C5C41C}"/>
           </ac:spMkLst>
         </pc:spChg>
         <pc:spChg chg="del">
@@ -1488,14 +1504,22 @@
             <ac:spMk id="10" creationId="{2A8949DA-DD22-1288-301B-655FB6324B69}"/>
           </ac:spMkLst>
         </pc:spChg>
-        <pc:spChg chg="add mod">
-          <ac:chgData name="동욱 황" userId="4ef6500828eae399" providerId="LiveId" clId="{9A47C71C-90E0-444D-9289-A054697F2D96}" dt="2024-04-13T10:19:45.860" v="5578" actId="20577"/>
+        <pc:spChg chg="add del mod">
+          <ac:chgData name="동욱 황" userId="4ef6500828eae399" providerId="LiveId" clId="{9A47C71C-90E0-444D-9289-A054697F2D96}" dt="2024-04-13T10:29:04.436" v="5810" actId="478"/>
           <ac:spMkLst>
             <pc:docMk/>
             <pc:sldMk cId="989691292" sldId="268"/>
             <ac:spMk id="11" creationId="{52001B71-232E-2843-0D1F-67A1DB6830AF}"/>
           </ac:spMkLst>
         </pc:spChg>
+        <pc:graphicFrameChg chg="add mod modGraphic">
+          <ac:chgData name="동욱 황" userId="4ef6500828eae399" providerId="LiveId" clId="{9A47C71C-90E0-444D-9289-A054697F2D96}" dt="2024-04-13T10:31:33.468" v="6053" actId="14734"/>
+          <ac:graphicFrameMkLst>
+            <pc:docMk/>
+            <pc:sldMk cId="989691292" sldId="268"/>
+            <ac:graphicFrameMk id="3" creationId="{2DC259A2-80AA-D8E3-E0D2-CF3616E88E1D}"/>
+          </ac:graphicFrameMkLst>
+        </pc:graphicFrameChg>
         <pc:graphicFrameChg chg="del">
           <ac:chgData name="동욱 황" userId="4ef6500828eae399" providerId="LiveId" clId="{9A47C71C-90E0-444D-9289-A054697F2D96}" dt="2024-04-13T09:04:36.850" v="4927" actId="478"/>
           <ac:graphicFrameMkLst>
@@ -1505,7 +1529,7 @@
           </ac:graphicFrameMkLst>
         </pc:graphicFrameChg>
         <pc:picChg chg="add mod">
-          <ac:chgData name="동욱 황" userId="4ef6500828eae399" providerId="LiveId" clId="{9A47C71C-90E0-444D-9289-A054697F2D96}" dt="2024-04-13T09:50:50.264" v="5081" actId="1076"/>
+          <ac:chgData name="동욱 황" userId="4ef6500828eae399" providerId="LiveId" clId="{9A47C71C-90E0-444D-9289-A054697F2D96}" dt="2024-04-14T09:19:16.518" v="7733" actId="1440"/>
           <ac:picMkLst>
             <pc:docMk/>
             <pc:sldMk cId="989691292" sldId="268"/>
@@ -1514,7 +1538,7 @@
         </pc:picChg>
       </pc:sldChg>
       <pc:sldChg chg="addSp delSp modSp add mod setBg">
-        <pc:chgData name="동욱 황" userId="4ef6500828eae399" providerId="LiveId" clId="{9A47C71C-90E0-444D-9289-A054697F2D96}" dt="2024-04-13T09:58:26.340" v="5543"/>
+        <pc:chgData name="동욱 황" userId="4ef6500828eae399" providerId="LiveId" clId="{9A47C71C-90E0-444D-9289-A054697F2D96}" dt="2024-04-14T09:22:27.892" v="7740" actId="14100"/>
         <pc:sldMkLst>
           <pc:docMk/>
           <pc:sldMk cId="1322031870" sldId="269"/>
@@ -1535,6 +1559,14 @@
             <ac:spMk id="3" creationId="{D5F2C6AA-CC00-10C7-E3A1-041EFE1AC5A2}"/>
           </ac:spMkLst>
         </pc:spChg>
+        <pc:spChg chg="add mod">
+          <ac:chgData name="동욱 황" userId="4ef6500828eae399" providerId="LiveId" clId="{9A47C71C-90E0-444D-9289-A054697F2D96}" dt="2024-04-14T08:51:46.940" v="7138" actId="1076"/>
+          <ac:spMkLst>
+            <pc:docMk/>
+            <pc:sldMk cId="1322031870" sldId="269"/>
+            <ac:spMk id="4" creationId="{30CB42B5-9CD9-9701-0F77-866E91B55101}"/>
+          </ac:spMkLst>
+        </pc:spChg>
         <pc:spChg chg="del">
           <ac:chgData name="동욱 황" userId="4ef6500828eae399" providerId="LiveId" clId="{9A47C71C-90E0-444D-9289-A054697F2D96}" dt="2024-04-13T09:58:25.821" v="5542" actId="478"/>
           <ac:spMkLst>
@@ -1552,7 +1584,7 @@
           </ac:spMkLst>
         </pc:spChg>
         <pc:spChg chg="add mod">
-          <ac:chgData name="동욱 황" userId="4ef6500828eae399" providerId="LiveId" clId="{9A47C71C-90E0-444D-9289-A054697F2D96}" dt="2024-04-13T09:58:26.340" v="5543"/>
+          <ac:chgData name="동욱 황" userId="4ef6500828eae399" providerId="LiveId" clId="{9A47C71C-90E0-444D-9289-A054697F2D96}" dt="2024-04-14T08:09:12.322" v="6858" actId="207"/>
           <ac:spMkLst>
             <pc:docMk/>
             <pc:sldMk cId="1322031870" sldId="269"/>
@@ -1567,9 +1599,209 @@
             <ac:spMk id="7" creationId="{A2D85A0C-25D7-9328-3AE1-083855942FF6}"/>
           </ac:spMkLst>
         </pc:spChg>
+        <pc:spChg chg="add mod">
+          <ac:chgData name="동욱 황" userId="4ef6500828eae399" providerId="LiveId" clId="{9A47C71C-90E0-444D-9289-A054697F2D96}" dt="2024-04-14T08:48:00.585" v="7093" actId="20577"/>
+          <ac:spMkLst>
+            <pc:docMk/>
+            <pc:sldMk cId="1322031870" sldId="269"/>
+            <ac:spMk id="7" creationId="{B8D36124-33C4-5F30-5E50-C499B97BBA1A}"/>
+          </ac:spMkLst>
+        </pc:spChg>
+        <pc:spChg chg="add del mod ord">
+          <ac:chgData name="동욱 황" userId="4ef6500828eae399" providerId="LiveId" clId="{9A47C71C-90E0-444D-9289-A054697F2D96}" dt="2024-04-14T08:51:16.897" v="7119" actId="11529"/>
+          <ac:spMkLst>
+            <pc:docMk/>
+            <pc:sldMk cId="1322031870" sldId="269"/>
+            <ac:spMk id="8" creationId="{A6EDE858-3B1F-09D6-5B02-1F11B6099258}"/>
+          </ac:spMkLst>
+        </pc:spChg>
+        <pc:spChg chg="add mod">
+          <ac:chgData name="동욱 황" userId="4ef6500828eae399" providerId="LiveId" clId="{9A47C71C-90E0-444D-9289-A054697F2D96}" dt="2024-04-14T09:22:27.892" v="7740" actId="14100"/>
+          <ac:spMkLst>
+            <pc:docMk/>
+            <pc:sldMk cId="1322031870" sldId="269"/>
+            <ac:spMk id="9" creationId="{C9B7CDAE-2800-04B7-55D4-4A762807886C}"/>
+          </ac:spMkLst>
+        </pc:spChg>
+        <pc:spChg chg="mod">
+          <ac:chgData name="동욱 황" userId="4ef6500828eae399" providerId="LiveId" clId="{9A47C71C-90E0-444D-9289-A054697F2D96}" dt="2024-04-14T08:52:10.642" v="7158" actId="1076"/>
+          <ac:spMkLst>
+            <pc:docMk/>
+            <pc:sldMk cId="1322031870" sldId="269"/>
+            <ac:spMk id="13" creationId="{5AA9D103-A475-337A-9025-66BD98481562}"/>
+          </ac:spMkLst>
+        </pc:spChg>
+        <pc:spChg chg="add mod">
+          <ac:chgData name="동욱 황" userId="4ef6500828eae399" providerId="LiveId" clId="{9A47C71C-90E0-444D-9289-A054697F2D96}" dt="2024-04-14T09:19:02.205" v="7732" actId="1036"/>
+          <ac:spMkLst>
+            <pc:docMk/>
+            <pc:sldMk cId="1322031870" sldId="269"/>
+            <ac:spMk id="14" creationId="{6620B9E3-F518-C60D-2F64-F86A7F10E186}"/>
+          </ac:spMkLst>
+        </pc:spChg>
+        <pc:spChg chg="add mod">
+          <ac:chgData name="동욱 황" userId="4ef6500828eae399" providerId="LiveId" clId="{9A47C71C-90E0-444D-9289-A054697F2D96}" dt="2024-04-14T09:22:27.892" v="7740" actId="14100"/>
+          <ac:spMkLst>
+            <pc:docMk/>
+            <pc:sldMk cId="1322031870" sldId="269"/>
+            <ac:spMk id="16" creationId="{996685C7-4670-C384-6B24-18A26AC8E444}"/>
+          </ac:spMkLst>
+        </pc:spChg>
+        <pc:spChg chg="add mod">
+          <ac:chgData name="동욱 황" userId="4ef6500828eae399" providerId="LiveId" clId="{9A47C71C-90E0-444D-9289-A054697F2D96}" dt="2024-04-14T09:19:02.205" v="7732" actId="1036"/>
+          <ac:spMkLst>
+            <pc:docMk/>
+            <pc:sldMk cId="1322031870" sldId="269"/>
+            <ac:spMk id="17" creationId="{DB6F0283-0F9F-BE40-5B35-30AF0EB97149}"/>
+          </ac:spMkLst>
+        </pc:spChg>
+        <pc:spChg chg="add mod">
+          <ac:chgData name="동욱 황" userId="4ef6500828eae399" providerId="LiveId" clId="{9A47C71C-90E0-444D-9289-A054697F2D96}" dt="2024-04-14T09:19:02.205" v="7732" actId="1036"/>
+          <ac:spMkLst>
+            <pc:docMk/>
+            <pc:sldMk cId="1322031870" sldId="269"/>
+            <ac:spMk id="18" creationId="{50E13097-19D2-F17E-9059-4F803CFEF6B3}"/>
+          </ac:spMkLst>
+        </pc:spChg>
+        <pc:spChg chg="add mod">
+          <ac:chgData name="동욱 황" userId="4ef6500828eae399" providerId="LiveId" clId="{9A47C71C-90E0-444D-9289-A054697F2D96}" dt="2024-04-14T09:19:02.205" v="7732" actId="1036"/>
+          <ac:spMkLst>
+            <pc:docMk/>
+            <pc:sldMk cId="1322031870" sldId="269"/>
+            <ac:spMk id="19" creationId="{4D3773B0-CC1B-6EB3-2C59-C651089DF11F}"/>
+          </ac:spMkLst>
+        </pc:spChg>
+        <pc:grpChg chg="add mod">
+          <ac:chgData name="동욱 황" userId="4ef6500828eae399" providerId="LiveId" clId="{9A47C71C-90E0-444D-9289-A054697F2D96}" dt="2024-04-14T09:22:27.892" v="7740" actId="14100"/>
+          <ac:grpSpMkLst>
+            <pc:docMk/>
+            <pc:sldMk cId="1322031870" sldId="269"/>
+            <ac:grpSpMk id="10" creationId="{BD2BC9A4-59B7-E24D-4831-75619557EC4C}"/>
+          </ac:grpSpMkLst>
+        </pc:grpChg>
+        <pc:grpChg chg="add del mod">
+          <ac:chgData name="동욱 황" userId="4ef6500828eae399" providerId="LiveId" clId="{9A47C71C-90E0-444D-9289-A054697F2D96}" dt="2024-04-14T08:52:13.693" v="7160" actId="478"/>
+          <ac:grpSpMkLst>
+            <pc:docMk/>
+            <pc:sldMk cId="1322031870" sldId="269"/>
+            <ac:grpSpMk id="11" creationId="{2D008BEC-7275-B6C3-7A57-CA5760EDC3F1}"/>
+          </ac:grpSpMkLst>
+        </pc:grpChg>
+        <pc:grpChg chg="add mod">
+          <ac:chgData name="동욱 황" userId="4ef6500828eae399" providerId="LiveId" clId="{9A47C71C-90E0-444D-9289-A054697F2D96}" dt="2024-04-14T09:19:02.205" v="7732" actId="1036"/>
+          <ac:grpSpMkLst>
+            <pc:docMk/>
+            <pc:sldMk cId="1322031870" sldId="269"/>
+            <ac:grpSpMk id="15" creationId="{FBB6D517-5E43-2364-BEB8-BEBDC2BD3724}"/>
+          </ac:grpSpMkLst>
+        </pc:grpChg>
+        <pc:grpChg chg="add mod">
+          <ac:chgData name="동욱 황" userId="4ef6500828eae399" providerId="LiveId" clId="{9A47C71C-90E0-444D-9289-A054697F2D96}" dt="2024-04-14T09:22:27.892" v="7740" actId="14100"/>
+          <ac:grpSpMkLst>
+            <pc:docMk/>
+            <pc:sldMk cId="1322031870" sldId="269"/>
+            <ac:grpSpMk id="20" creationId="{4B9F92A8-5F8D-B718-2607-FB5AC26C2C31}"/>
+          </ac:grpSpMkLst>
+        </pc:grpChg>
+        <pc:grpChg chg="add mod">
+          <ac:chgData name="동욱 황" userId="4ef6500828eae399" providerId="LiveId" clId="{9A47C71C-90E0-444D-9289-A054697F2D96}" dt="2024-04-14T09:19:02.205" v="7732" actId="1036"/>
+          <ac:grpSpMkLst>
+            <pc:docMk/>
+            <pc:sldMk cId="1322031870" sldId="269"/>
+            <ac:grpSpMk id="21" creationId="{18130565-9FA3-2B7E-CEF3-E01F184A8FC1}"/>
+          </ac:grpSpMkLst>
+        </pc:grpChg>
+        <pc:grpChg chg="add mod">
+          <ac:chgData name="동욱 황" userId="4ef6500828eae399" providerId="LiveId" clId="{9A47C71C-90E0-444D-9289-A054697F2D96}" dt="2024-04-14T08:57:44.920" v="7650" actId="164"/>
+          <ac:grpSpMkLst>
+            <pc:docMk/>
+            <pc:sldMk cId="1322031870" sldId="269"/>
+            <ac:grpSpMk id="22" creationId="{70525B17-D44C-60A0-DBBF-7FCE3CBB2C36}"/>
+          </ac:grpSpMkLst>
+        </pc:grpChg>
+        <pc:grpChg chg="add mod">
+          <ac:chgData name="동욱 황" userId="4ef6500828eae399" providerId="LiveId" clId="{9A47C71C-90E0-444D-9289-A054697F2D96}" dt="2024-04-14T09:19:02.205" v="7732" actId="1036"/>
+          <ac:grpSpMkLst>
+            <pc:docMk/>
+            <pc:sldMk cId="1322031870" sldId="269"/>
+            <ac:grpSpMk id="23" creationId="{032E9FB9-0818-4816-D3E9-488BE5B04633}"/>
+          </ac:grpSpMkLst>
+        </pc:grpChg>
+        <pc:picChg chg="add del mod">
+          <ac:chgData name="동욱 황" userId="4ef6500828eae399" providerId="LiveId" clId="{9A47C71C-90E0-444D-9289-A054697F2D96}" dt="2024-04-14T09:18:29.649" v="7716" actId="478"/>
+          <ac:picMkLst>
+            <pc:docMk/>
+            <pc:sldMk cId="1322031870" sldId="269"/>
+            <ac:picMk id="3" creationId="{D9750790-D107-0B40-4854-94D2919B9EB1}"/>
+          </ac:picMkLst>
+        </pc:picChg>
+        <pc:picChg chg="mod">
+          <ac:chgData name="동욱 황" userId="4ef6500828eae399" providerId="LiveId" clId="{9A47C71C-90E0-444D-9289-A054697F2D96}" dt="2024-04-14T08:52:10.642" v="7158" actId="1076"/>
+          <ac:picMkLst>
+            <pc:docMk/>
+            <pc:sldMk cId="1322031870" sldId="269"/>
+            <ac:picMk id="12" creationId="{F8E8CDC3-C9E4-9008-6560-DC67A2F43372}"/>
+          </ac:picMkLst>
+        </pc:picChg>
+        <pc:picChg chg="add mod">
+          <ac:chgData name="동욱 황" userId="4ef6500828eae399" providerId="LiveId" clId="{9A47C71C-90E0-444D-9289-A054697F2D96}" dt="2024-04-14T09:18:56.267" v="7721" actId="1440"/>
+          <ac:picMkLst>
+            <pc:docMk/>
+            <pc:sldMk cId="1322031870" sldId="269"/>
+            <ac:picMk id="25" creationId="{A324AD6B-D6CD-7A22-7B70-DA9FBD0CF167}"/>
+          </ac:picMkLst>
+        </pc:picChg>
+        <pc:picChg chg="add del mod">
+          <ac:chgData name="동욱 황" userId="4ef6500828eae399" providerId="LiveId" clId="{9A47C71C-90E0-444D-9289-A054697F2D96}" dt="2024-04-14T08:50:49.400" v="7112" actId="478"/>
+          <ac:picMkLst>
+            <pc:docMk/>
+            <pc:sldMk cId="1322031870" sldId="269"/>
+            <ac:picMk id="2050" creationId="{FCABE8EC-1518-B75F-B561-4C383FB4F2E2}"/>
+          </ac:picMkLst>
+        </pc:picChg>
+        <pc:picChg chg="add del mod">
+          <ac:chgData name="동욱 황" userId="4ef6500828eae399" providerId="LiveId" clId="{9A47C71C-90E0-444D-9289-A054697F2D96}" dt="2024-04-14T08:50:43.617" v="7109" actId="478"/>
+          <ac:picMkLst>
+            <pc:docMk/>
+            <pc:sldMk cId="1322031870" sldId="269"/>
+            <ac:picMk id="2052" creationId="{B8F36380-59CE-4B5F-7824-BCC99A8E6DF5}"/>
+          </ac:picMkLst>
+        </pc:picChg>
+        <pc:picChg chg="add mod">
+          <ac:chgData name="동욱 황" userId="4ef6500828eae399" providerId="LiveId" clId="{9A47C71C-90E0-444D-9289-A054697F2D96}" dt="2024-04-14T09:22:27.892" v="7740" actId="14100"/>
+          <ac:picMkLst>
+            <pc:docMk/>
+            <pc:sldMk cId="1322031870" sldId="269"/>
+            <ac:picMk id="2054" creationId="{F3614929-4AE0-8C59-DA8C-9A8EB167F291}"/>
+          </ac:picMkLst>
+        </pc:picChg>
+        <pc:picChg chg="add del mod">
+          <ac:chgData name="동욱 황" userId="4ef6500828eae399" providerId="LiveId" clId="{9A47C71C-90E0-444D-9289-A054697F2D96}" dt="2024-04-14T09:19:02.205" v="7732" actId="1036"/>
+          <ac:picMkLst>
+            <pc:docMk/>
+            <pc:sldMk cId="1322031870" sldId="269"/>
+            <ac:picMk id="2056" creationId="{AD1654A9-D9BB-55AE-4061-021A76872486}"/>
+          </ac:picMkLst>
+        </pc:picChg>
+        <pc:picChg chg="add del mod">
+          <ac:chgData name="동욱 황" userId="4ef6500828eae399" providerId="LiveId" clId="{9A47C71C-90E0-444D-9289-A054697F2D96}" dt="2024-04-14T08:50:43.332" v="7108" actId="478"/>
+          <ac:picMkLst>
+            <pc:docMk/>
+            <pc:sldMk cId="1322031870" sldId="269"/>
+            <ac:picMk id="2058" creationId="{69AE42CB-FB9A-5660-DC18-9D54256BE4B9}"/>
+          </ac:picMkLst>
+        </pc:picChg>
+        <pc:picChg chg="add mod">
+          <ac:chgData name="동욱 황" userId="4ef6500828eae399" providerId="LiveId" clId="{9A47C71C-90E0-444D-9289-A054697F2D96}" dt="2024-04-14T09:19:02.205" v="7732" actId="1036"/>
+          <ac:picMkLst>
+            <pc:docMk/>
+            <pc:sldMk cId="1322031870" sldId="269"/>
+            <ac:picMk id="2060" creationId="{E75125A9-60A3-B318-CC93-E77930DF00FE}"/>
+          </ac:picMkLst>
+        </pc:picChg>
       </pc:sldChg>
       <pc:sldChg chg="addSp delSp modSp add mod ord setBg">
-        <pc:chgData name="동욱 황" userId="4ef6500828eae399" providerId="LiveId" clId="{9A47C71C-90E0-444D-9289-A054697F2D96}" dt="2024-04-13T09:58:23.534" v="5541"/>
+        <pc:chgData name="동욱 황" userId="4ef6500828eae399" providerId="LiveId" clId="{9A47C71C-90E0-444D-9289-A054697F2D96}" dt="2024-04-14T08:08:45.590" v="6856" actId="122"/>
         <pc:sldMkLst>
           <pc:docMk/>
           <pc:sldMk cId="1072142493" sldId="270"/>
@@ -1588,6 +1820,14 @@
             <pc:docMk/>
             <pc:sldMk cId="1072142493" sldId="270"/>
             <ac:spMk id="3" creationId="{BF42122B-37CA-36BB-5AF7-FFCF3E64B6D0}"/>
+          </ac:spMkLst>
+        </pc:spChg>
+        <pc:spChg chg="add del mod">
+          <ac:chgData name="동욱 황" userId="4ef6500828eae399" providerId="LiveId" clId="{9A47C71C-90E0-444D-9289-A054697F2D96}" dt="2024-04-14T07:47:45.759" v="6129" actId="22"/>
+          <ac:spMkLst>
+            <pc:docMk/>
+            <pc:sldMk cId="1072142493" sldId="270"/>
+            <ac:spMk id="3" creationId="{E327B071-0B81-1C3E-3E20-3A7FA8BAC900}"/>
           </ac:spMkLst>
         </pc:spChg>
         <pc:spChg chg="del">
@@ -1622,13 +1862,69 @@
             <ac:spMk id="7" creationId="{A2D85A0C-25D7-9328-3AE1-083855942FF6}"/>
           </ac:spMkLst>
         </pc:spChg>
+        <pc:spChg chg="add mod ord">
+          <ac:chgData name="동욱 황" userId="4ef6500828eae399" providerId="LiveId" clId="{9A47C71C-90E0-444D-9289-A054697F2D96}" dt="2024-04-14T08:04:55.343" v="6628" actId="20577"/>
+          <ac:spMkLst>
+            <pc:docMk/>
+            <pc:sldMk cId="1072142493" sldId="270"/>
+            <ac:spMk id="8" creationId="{0ABA4E41-B581-E148-FDBE-851FF67AF2F9}"/>
+          </ac:spMkLst>
+        </pc:spChg>
+        <pc:spChg chg="add mod">
+          <ac:chgData name="동욱 황" userId="4ef6500828eae399" providerId="LiveId" clId="{9A47C71C-90E0-444D-9289-A054697F2D96}" dt="2024-04-14T08:08:45.590" v="6856" actId="122"/>
+          <ac:spMkLst>
+            <pc:docMk/>
+            <pc:sldMk cId="1072142493" sldId="270"/>
+            <ac:spMk id="9" creationId="{8DE1C752-8505-401D-9D41-814751373C32}"/>
+          </ac:spMkLst>
+        </pc:spChg>
+        <pc:spChg chg="add del mod">
+          <ac:chgData name="동욱 황" userId="4ef6500828eae399" providerId="LiveId" clId="{9A47C71C-90E0-444D-9289-A054697F2D96}" dt="2024-04-14T08:04:39.214" v="6620" actId="478"/>
+          <ac:spMkLst>
+            <pc:docMk/>
+            <pc:sldMk cId="1072142493" sldId="270"/>
+            <ac:spMk id="10" creationId="{D99852E6-9B13-3DCA-79E8-67F30985E84F}"/>
+          </ac:spMkLst>
+        </pc:spChg>
+        <pc:spChg chg="add mod">
+          <ac:chgData name="동욱 황" userId="4ef6500828eae399" providerId="LiveId" clId="{9A47C71C-90E0-444D-9289-A054697F2D96}" dt="2024-04-14T08:05:18.972" v="6640" actId="121"/>
+          <ac:spMkLst>
+            <pc:docMk/>
+            <pc:sldMk cId="1072142493" sldId="270"/>
+            <ac:spMk id="12" creationId="{886A1C8D-C6DF-5629-7168-38828A31D1FA}"/>
+          </ac:spMkLst>
+        </pc:spChg>
+        <pc:graphicFrameChg chg="add del mod modGraphic">
+          <ac:chgData name="동욱 황" userId="4ef6500828eae399" providerId="LiveId" clId="{9A47C71C-90E0-444D-9289-A054697F2D96}" dt="2024-04-14T07:49:50.872" v="6258" actId="478"/>
+          <ac:graphicFrameMkLst>
+            <pc:docMk/>
+            <pc:sldMk cId="1072142493" sldId="270"/>
+            <ac:graphicFrameMk id="4" creationId="{9FC92610-EF44-9E3F-94E4-42F227D87C5A}"/>
+          </ac:graphicFrameMkLst>
+        </pc:graphicFrameChg>
+        <pc:graphicFrameChg chg="add mod ord modGraphic">
+          <ac:chgData name="동욱 황" userId="4ef6500828eae399" providerId="LiveId" clId="{9A47C71C-90E0-444D-9289-A054697F2D96}" dt="2024-04-14T08:04:26.600" v="6614" actId="14100"/>
+          <ac:graphicFrameMkLst>
+            <pc:docMk/>
+            <pc:sldMk cId="1072142493" sldId="270"/>
+            <ac:graphicFrameMk id="7" creationId="{AC102832-A57D-675A-4D9F-DE0B3E96F614}"/>
+          </ac:graphicFrameMkLst>
+        </pc:graphicFrameChg>
       </pc:sldChg>
       <pc:sldChg chg="addSp delSp modSp add mod setBg">
-        <pc:chgData name="동욱 황" userId="4ef6500828eae399" providerId="LiveId" clId="{9A47C71C-90E0-444D-9289-A054697F2D96}" dt="2024-04-13T09:58:29.810" v="5545"/>
+        <pc:chgData name="동욱 황" userId="4ef6500828eae399" providerId="LiveId" clId="{9A47C71C-90E0-444D-9289-A054697F2D96}" dt="2024-04-14T09:28:28.791" v="8387" actId="20577"/>
         <pc:sldMkLst>
           <pc:docMk/>
           <pc:sldMk cId="857296512" sldId="271"/>
         </pc:sldMkLst>
+        <pc:spChg chg="add mod">
+          <ac:chgData name="동욱 황" userId="4ef6500828eae399" providerId="LiveId" clId="{9A47C71C-90E0-444D-9289-A054697F2D96}" dt="2024-04-14T08:09:20.318" v="6860"/>
+          <ac:spMkLst>
+            <pc:docMk/>
+            <pc:sldMk cId="857296512" sldId="271"/>
+            <ac:spMk id="2" creationId="{343D0C73-80D5-3E11-838F-D833166A08B2}"/>
+          </ac:spMkLst>
+        </pc:spChg>
         <pc:spChg chg="del">
           <ac:chgData name="동욱 황" userId="4ef6500828eae399" providerId="LiveId" clId="{9A47C71C-90E0-444D-9289-A054697F2D96}" dt="2024-04-13T09:35:43.707" v="5001" actId="478"/>
           <ac:spMkLst>
@@ -1661,12 +1957,20 @@
             <ac:spMk id="5" creationId="{946368B5-1F01-F70B-955A-B5FB80082EFC}"/>
           </ac:spMkLst>
         </pc:spChg>
-        <pc:spChg chg="add mod">
-          <ac:chgData name="동욱 황" userId="4ef6500828eae399" providerId="LiveId" clId="{9A47C71C-90E0-444D-9289-A054697F2D96}" dt="2024-04-13T09:58:29.810" v="5545"/>
+        <pc:spChg chg="add del mod">
+          <ac:chgData name="동욱 황" userId="4ef6500828eae399" providerId="LiveId" clId="{9A47C71C-90E0-444D-9289-A054697F2D96}" dt="2024-04-14T08:09:19.911" v="6859" actId="478"/>
           <ac:spMkLst>
             <pc:docMk/>
             <pc:sldMk cId="857296512" sldId="271"/>
             <ac:spMk id="6" creationId="{78D581F7-7DA1-30AD-5A9E-D57241CBAFE8}"/>
+          </ac:spMkLst>
+        </pc:spChg>
+        <pc:spChg chg="add mod">
+          <ac:chgData name="동욱 황" userId="4ef6500828eae399" providerId="LiveId" clId="{9A47C71C-90E0-444D-9289-A054697F2D96}" dt="2024-04-14T09:28:28.791" v="8387" actId="20577"/>
+          <ac:spMkLst>
+            <pc:docMk/>
+            <pc:sldMk cId="857296512" sldId="271"/>
+            <ac:spMk id="7" creationId="{6C28F59A-6FEC-040B-5EA2-BE09CB35C474}"/>
           </ac:spMkLst>
         </pc:spChg>
         <pc:spChg chg="del">
@@ -1677,13 +1981,29 @@
             <ac:spMk id="7" creationId="{A2D85A0C-25D7-9328-3AE1-083855942FF6}"/>
           </ac:spMkLst>
         </pc:spChg>
+        <pc:picChg chg="add mod">
+          <ac:chgData name="동욱 황" userId="4ef6500828eae399" providerId="LiveId" clId="{9A47C71C-90E0-444D-9289-A054697F2D96}" dt="2024-04-14T09:21:57.492" v="7738" actId="1076"/>
+          <ac:picMkLst>
+            <pc:docMk/>
+            <pc:sldMk cId="857296512" sldId="271"/>
+            <ac:picMk id="4" creationId="{554FA0AD-2C48-2655-7AE4-05D268654CD1}"/>
+          </ac:picMkLst>
+        </pc:picChg>
       </pc:sldChg>
       <pc:sldChg chg="addSp delSp modSp add mod setBg">
-        <pc:chgData name="동욱 황" userId="4ef6500828eae399" providerId="LiveId" clId="{9A47C71C-90E0-444D-9289-A054697F2D96}" dt="2024-04-13T09:58:32.480" v="5547"/>
+        <pc:chgData name="동욱 황" userId="4ef6500828eae399" providerId="LiveId" clId="{9A47C71C-90E0-444D-9289-A054697F2D96}" dt="2024-04-14T09:51:59.746" v="8720" actId="1440"/>
         <pc:sldMkLst>
           <pc:docMk/>
           <pc:sldMk cId="2669781682" sldId="272"/>
         </pc:sldMkLst>
+        <pc:spChg chg="add mod">
+          <ac:chgData name="동욱 황" userId="4ef6500828eae399" providerId="LiveId" clId="{9A47C71C-90E0-444D-9289-A054697F2D96}" dt="2024-04-14T08:09:23.090" v="6862"/>
+          <ac:spMkLst>
+            <pc:docMk/>
+            <pc:sldMk cId="2669781682" sldId="272"/>
+            <ac:spMk id="2" creationId="{9DAA557A-0AB6-6E0F-2D65-C479DCE5BB0B}"/>
+          </ac:spMkLst>
+        </pc:spChg>
         <pc:spChg chg="del">
           <ac:chgData name="동욱 황" userId="4ef6500828eae399" providerId="LiveId" clId="{9A47C71C-90E0-444D-9289-A054697F2D96}" dt="2024-04-13T09:35:46.654" v="5003" actId="478"/>
           <ac:spMkLst>
@@ -1716,8 +2036,8 @@
             <ac:spMk id="5" creationId="{7EAB250F-92A1-DF20-AAFE-27A132AF7E6C}"/>
           </ac:spMkLst>
         </pc:spChg>
-        <pc:spChg chg="add mod">
-          <ac:chgData name="동욱 황" userId="4ef6500828eae399" providerId="LiveId" clId="{9A47C71C-90E0-444D-9289-A054697F2D96}" dt="2024-04-13T09:58:32.480" v="5547"/>
+        <pc:spChg chg="add del mod">
+          <ac:chgData name="동욱 황" userId="4ef6500828eae399" providerId="LiveId" clId="{9A47C71C-90E0-444D-9289-A054697F2D96}" dt="2024-04-14T08:09:22.868" v="6861" actId="478"/>
           <ac:spMkLst>
             <pc:docMk/>
             <pc:sldMk cId="2669781682" sldId="272"/>
@@ -1732,9 +2052,33 @@
             <ac:spMk id="7" creationId="{A2D85A0C-25D7-9328-3AE1-083855942FF6}"/>
           </ac:spMkLst>
         </pc:spChg>
+        <pc:spChg chg="add mod">
+          <ac:chgData name="동욱 황" userId="4ef6500828eae399" providerId="LiveId" clId="{9A47C71C-90E0-444D-9289-A054697F2D96}" dt="2024-04-14T09:48:37.352" v="8597" actId="20577"/>
+          <ac:spMkLst>
+            <pc:docMk/>
+            <pc:sldMk cId="2669781682" sldId="272"/>
+            <ac:spMk id="7" creationId="{DF851939-031D-C2EB-2675-CBFE72E53442}"/>
+          </ac:spMkLst>
+        </pc:spChg>
+        <pc:spChg chg="add mod">
+          <ac:chgData name="동욱 황" userId="4ef6500828eae399" providerId="LiveId" clId="{9A47C71C-90E0-444D-9289-A054697F2D96}" dt="2024-04-14T09:49:34.057" v="8719" actId="14100"/>
+          <ac:spMkLst>
+            <pc:docMk/>
+            <pc:sldMk cId="2669781682" sldId="272"/>
+            <ac:spMk id="8" creationId="{773B968B-D65D-1539-8CFD-3320AA81D96D}"/>
+          </ac:spMkLst>
+        </pc:spChg>
+        <pc:picChg chg="add mod">
+          <ac:chgData name="동욱 황" userId="4ef6500828eae399" providerId="LiveId" clId="{9A47C71C-90E0-444D-9289-A054697F2D96}" dt="2024-04-14T09:51:59.746" v="8720" actId="1440"/>
+          <ac:picMkLst>
+            <pc:docMk/>
+            <pc:sldMk cId="2669781682" sldId="272"/>
+            <ac:picMk id="4" creationId="{F0FA29E9-F633-F924-E4FE-013D69FDE4FF}"/>
+          </ac:picMkLst>
+        </pc:picChg>
       </pc:sldChg>
       <pc:sldChg chg="addSp delSp modSp add mod setBg">
-        <pc:chgData name="동욱 황" userId="4ef6500828eae399" providerId="LiveId" clId="{9A47C71C-90E0-444D-9289-A054697F2D96}" dt="2024-04-13T09:58:36.086" v="5549"/>
+        <pc:chgData name="동욱 황" userId="4ef6500828eae399" providerId="LiveId" clId="{9A47C71C-90E0-444D-9289-A054697F2D96}" dt="2024-04-14T10:04:15.115" v="9302"/>
         <pc:sldMkLst>
           <pc:docMk/>
           <pc:sldMk cId="4149582524" sldId="273"/>
@@ -1755,6 +2099,14 @@
             <ac:spMk id="3" creationId="{55F0DD6D-8FA7-7103-2AA8-21C74F55EFF1}"/>
           </ac:spMkLst>
         </pc:spChg>
+        <pc:spChg chg="add mod">
+          <ac:chgData name="동욱 황" userId="4ef6500828eae399" providerId="LiveId" clId="{9A47C71C-90E0-444D-9289-A054697F2D96}" dt="2024-04-14T10:00:25.930" v="9199" actId="115"/>
+          <ac:spMkLst>
+            <pc:docMk/>
+            <pc:sldMk cId="4149582524" sldId="273"/>
+            <ac:spMk id="4" creationId="{A983D59B-58B2-B44A-67FC-946DC1EAFA5C}"/>
+          </ac:spMkLst>
+        </pc:spChg>
         <pc:spChg chg="del">
           <ac:chgData name="동욱 황" userId="4ef6500828eae399" providerId="LiveId" clId="{9A47C71C-90E0-444D-9289-A054697F2D96}" dt="2024-04-13T09:58:35.706" v="5548" actId="478"/>
           <ac:spMkLst>
@@ -1771,12 +2123,20 @@
             <ac:spMk id="5" creationId="{E7A51536-9805-25A0-1324-52A06C8297C3}"/>
           </ac:spMkLst>
         </pc:spChg>
-        <pc:spChg chg="add mod">
-          <ac:chgData name="동욱 황" userId="4ef6500828eae399" providerId="LiveId" clId="{9A47C71C-90E0-444D-9289-A054697F2D96}" dt="2024-04-13T09:58:36.086" v="5549"/>
+        <pc:spChg chg="add del mod">
+          <ac:chgData name="동욱 황" userId="4ef6500828eae399" providerId="LiveId" clId="{9A47C71C-90E0-444D-9289-A054697F2D96}" dt="2024-04-14T10:04:14.907" v="9301" actId="478"/>
           <ac:spMkLst>
             <pc:docMk/>
             <pc:sldMk cId="4149582524" sldId="273"/>
             <ac:spMk id="6" creationId="{BBD7206D-359F-9BB3-75D8-D2F96AFA19B3}"/>
+          </ac:spMkLst>
+        </pc:spChg>
+        <pc:spChg chg="add mod">
+          <ac:chgData name="동욱 황" userId="4ef6500828eae399" providerId="LiveId" clId="{9A47C71C-90E0-444D-9289-A054697F2D96}" dt="2024-04-14T10:03:52.070" v="9300" actId="1076"/>
+          <ac:spMkLst>
+            <pc:docMk/>
+            <pc:sldMk cId="4149582524" sldId="273"/>
+            <ac:spMk id="7" creationId="{1F4D3DEC-0F42-1A8E-4754-75935F276635}"/>
           </ac:spMkLst>
         </pc:spChg>
         <pc:spChg chg="del">
@@ -1787,13 +2147,117 @@
             <ac:spMk id="7" creationId="{A2D85A0C-25D7-9328-3AE1-083855942FF6}"/>
           </ac:spMkLst>
         </pc:spChg>
+        <pc:spChg chg="add del mod">
+          <ac:chgData name="동욱 황" userId="4ef6500828eae399" providerId="LiveId" clId="{9A47C71C-90E0-444D-9289-A054697F2D96}" dt="2024-04-14T09:56:22.783" v="8900" actId="478"/>
+          <ac:spMkLst>
+            <pc:docMk/>
+            <pc:sldMk cId="4149582524" sldId="273"/>
+            <ac:spMk id="9" creationId="{DFB66E4D-E6AD-E904-5C0B-B766A67AB60E}"/>
+          </ac:spMkLst>
+        </pc:spChg>
+        <pc:spChg chg="add mod">
+          <ac:chgData name="동욱 황" userId="4ef6500828eae399" providerId="LiveId" clId="{9A47C71C-90E0-444D-9289-A054697F2D96}" dt="2024-04-14T09:57:53.987" v="8973" actId="1076"/>
+          <ac:spMkLst>
+            <pc:docMk/>
+            <pc:sldMk cId="4149582524" sldId="273"/>
+            <ac:spMk id="10" creationId="{7D773F51-AE43-AC03-27A9-8F4C19C009E7}"/>
+          </ac:spMkLst>
+        </pc:spChg>
+        <pc:spChg chg="add mod">
+          <ac:chgData name="동욱 황" userId="4ef6500828eae399" providerId="LiveId" clId="{9A47C71C-90E0-444D-9289-A054697F2D96}" dt="2024-04-14T10:02:10.538" v="9222" actId="1076"/>
+          <ac:spMkLst>
+            <pc:docMk/>
+            <pc:sldMk cId="4149582524" sldId="273"/>
+            <ac:spMk id="11" creationId="{2B9AC096-F85A-08F0-1D16-870B2BF59C78}"/>
+          </ac:spMkLst>
+        </pc:spChg>
+        <pc:spChg chg="add mod">
+          <ac:chgData name="동욱 황" userId="4ef6500828eae399" providerId="LiveId" clId="{9A47C71C-90E0-444D-9289-A054697F2D96}" dt="2024-04-14T10:02:10.538" v="9222" actId="1076"/>
+          <ac:spMkLst>
+            <pc:docMk/>
+            <pc:sldMk cId="4149582524" sldId="273"/>
+            <ac:spMk id="12" creationId="{FD452C1D-9127-C6EC-7039-A56EF0492291}"/>
+          </ac:spMkLst>
+        </pc:spChg>
+        <pc:spChg chg="add del mod">
+          <ac:chgData name="동욱 황" userId="4ef6500828eae399" providerId="LiveId" clId="{9A47C71C-90E0-444D-9289-A054697F2D96}" dt="2024-04-14T10:01:55.775" v="9220" actId="478"/>
+          <ac:spMkLst>
+            <pc:docMk/>
+            <pc:sldMk cId="4149582524" sldId="273"/>
+            <ac:spMk id="13" creationId="{A6A69AEF-D87A-923F-0D4F-DC14FD25BEDB}"/>
+          </ac:spMkLst>
+        </pc:spChg>
+        <pc:spChg chg="add mod">
+          <ac:chgData name="동욱 황" userId="4ef6500828eae399" providerId="LiveId" clId="{9A47C71C-90E0-444D-9289-A054697F2D96}" dt="2024-04-14T10:03:24.345" v="9246" actId="207"/>
+          <ac:spMkLst>
+            <pc:docMk/>
+            <pc:sldMk cId="4149582524" sldId="273"/>
+            <ac:spMk id="14" creationId="{E42BF8B3-2107-CC02-E693-496F324231A0}"/>
+          </ac:spMkLst>
+        </pc:spChg>
+        <pc:spChg chg="add mod">
+          <ac:chgData name="동욱 황" userId="4ef6500828eae399" providerId="LiveId" clId="{9A47C71C-90E0-444D-9289-A054697F2D96}" dt="2024-04-14T10:04:15.115" v="9302"/>
+          <ac:spMkLst>
+            <pc:docMk/>
+            <pc:sldMk cId="4149582524" sldId="273"/>
+            <ac:spMk id="16" creationId="{451FE5FD-0A6A-1DBD-F160-2BF7CCC986DC}"/>
+          </ac:spMkLst>
+        </pc:spChg>
+        <pc:grpChg chg="add mod">
+          <ac:chgData name="동욱 황" userId="4ef6500828eae399" providerId="LiveId" clId="{9A47C71C-90E0-444D-9289-A054697F2D96}" dt="2024-04-14T10:03:22.642" v="9245" actId="1076"/>
+          <ac:grpSpMkLst>
+            <pc:docMk/>
+            <pc:sldMk cId="4149582524" sldId="273"/>
+            <ac:grpSpMk id="15" creationId="{80D5333E-FF09-88A5-E36A-526A59AA31D4}"/>
+          </ac:grpSpMkLst>
+        </pc:grpChg>
+        <pc:graphicFrameChg chg="add del mod">
+          <ac:chgData name="동욱 황" userId="4ef6500828eae399" providerId="LiveId" clId="{9A47C71C-90E0-444D-9289-A054697F2D96}" dt="2024-04-14T09:53:10.749" v="8722" actId="478"/>
+          <ac:graphicFrameMkLst>
+            <pc:docMk/>
+            <pc:sldMk cId="4149582524" sldId="273"/>
+            <ac:graphicFrameMk id="2" creationId="{8D89907C-5E2A-627D-3479-72DC3157597D}"/>
+          </ac:graphicFrameMkLst>
+        </pc:graphicFrameChg>
+        <pc:graphicFrameChg chg="add del mod">
+          <ac:chgData name="동욱 황" userId="4ef6500828eae399" providerId="LiveId" clId="{9A47C71C-90E0-444D-9289-A054697F2D96}" dt="2024-04-14T09:53:45.601" v="8724" actId="478"/>
+          <ac:graphicFrameMkLst>
+            <pc:docMk/>
+            <pc:sldMk cId="4149582524" sldId="273"/>
+            <ac:graphicFrameMk id="3" creationId="{6632CD1B-4360-426D-03B8-32933D85CE19}"/>
+          </ac:graphicFrameMkLst>
+        </pc:graphicFrameChg>
+        <pc:picChg chg="add mod">
+          <ac:chgData name="동욱 황" userId="4ef6500828eae399" providerId="LiveId" clId="{9A47C71C-90E0-444D-9289-A054697F2D96}" dt="2024-04-14T10:03:31.111" v="9271" actId="1036"/>
+          <ac:picMkLst>
+            <pc:docMk/>
+            <pc:sldMk cId="4149582524" sldId="273"/>
+            <ac:picMk id="3074" creationId="{F1E4E734-A420-0F86-D59C-D7B8D4083E0B}"/>
+          </ac:picMkLst>
+        </pc:picChg>
+        <pc:picChg chg="add mod">
+          <ac:chgData name="동욱 황" userId="4ef6500828eae399" providerId="LiveId" clId="{9A47C71C-90E0-444D-9289-A054697F2D96}" dt="2024-04-14T10:03:22.642" v="9245" actId="1076"/>
+          <ac:picMkLst>
+            <pc:docMk/>
+            <pc:sldMk cId="4149582524" sldId="273"/>
+            <ac:picMk id="3076" creationId="{B1AEE55F-52F6-9EE8-940B-0697407BC03E}"/>
+          </ac:picMkLst>
+        </pc:picChg>
       </pc:sldChg>
       <pc:sldChg chg="addSp delSp modSp add mod setBg">
-        <pc:chgData name="동욱 황" userId="4ef6500828eae399" providerId="LiveId" clId="{9A47C71C-90E0-444D-9289-A054697F2D96}" dt="2024-04-13T09:58:38.696" v="5551"/>
+        <pc:chgData name="동욱 황" userId="4ef6500828eae399" providerId="LiveId" clId="{9A47C71C-90E0-444D-9289-A054697F2D96}" dt="2024-04-14T10:49:02.523" v="10440" actId="122"/>
         <pc:sldMkLst>
           <pc:docMk/>
           <pc:sldMk cId="2836758727" sldId="274"/>
         </pc:sldMkLst>
+        <pc:spChg chg="add mod">
+          <ac:chgData name="동욱 황" userId="4ef6500828eae399" providerId="LiveId" clId="{9A47C71C-90E0-444D-9289-A054697F2D96}" dt="2024-04-14T10:04:18.405" v="9304"/>
+          <ac:spMkLst>
+            <pc:docMk/>
+            <pc:sldMk cId="2836758727" sldId="274"/>
+            <ac:spMk id="2" creationId="{BA2333F7-A474-A833-DF0F-35FD1525FDE1}"/>
+          </ac:spMkLst>
+        </pc:spChg>
         <pc:spChg chg="del">
           <ac:chgData name="동욱 황" userId="4ef6500828eae399" providerId="LiveId" clId="{9A47C71C-90E0-444D-9289-A054697F2D96}" dt="2024-04-13T09:35:52.174" v="5007" actId="478"/>
           <ac:spMkLst>
@@ -1808,6 +2272,14 @@
             <pc:docMk/>
             <pc:sldMk cId="2836758727" sldId="274"/>
             <ac:spMk id="3" creationId="{FA1D8904-A525-ED74-B8B4-5DFB99FC1F3D}"/>
+          </ac:spMkLst>
+        </pc:spChg>
+        <pc:spChg chg="add mod">
+          <ac:chgData name="동욱 황" userId="4ef6500828eae399" providerId="LiveId" clId="{9A47C71C-90E0-444D-9289-A054697F2D96}" dt="2024-04-14T10:49:02.523" v="10440" actId="122"/>
+          <ac:spMkLst>
+            <pc:docMk/>
+            <pc:sldMk cId="2836758727" sldId="274"/>
+            <ac:spMk id="4" creationId="{38EA42FF-A4ED-D06E-DB39-88136C0D42FD}"/>
           </ac:spMkLst>
         </pc:spChg>
         <pc:spChg chg="del">
@@ -1826,8 +2298,8 @@
             <ac:spMk id="5" creationId="{FFEC8D5C-CFA7-5AA0-232D-AEA873DBBD07}"/>
           </ac:spMkLst>
         </pc:spChg>
-        <pc:spChg chg="add mod">
-          <ac:chgData name="동욱 황" userId="4ef6500828eae399" providerId="LiveId" clId="{9A47C71C-90E0-444D-9289-A054697F2D96}" dt="2024-04-13T09:58:38.696" v="5551"/>
+        <pc:spChg chg="add del mod">
+          <ac:chgData name="동욱 황" userId="4ef6500828eae399" providerId="LiveId" clId="{9A47C71C-90E0-444D-9289-A054697F2D96}" dt="2024-04-14T10:04:17.714" v="9303" actId="478"/>
           <ac:spMkLst>
             <pc:docMk/>
             <pc:sldMk cId="2836758727" sldId="274"/>
@@ -1842,13 +2314,29 @@
             <ac:spMk id="7" creationId="{A2D85A0C-25D7-9328-3AE1-083855942FF6}"/>
           </ac:spMkLst>
         </pc:spChg>
+        <pc:graphicFrameChg chg="add mod modGraphic">
+          <ac:chgData name="동욱 황" userId="4ef6500828eae399" providerId="LiveId" clId="{9A47C71C-90E0-444D-9289-A054697F2D96}" dt="2024-04-14T10:46:55.011" v="10044" actId="1076"/>
+          <ac:graphicFrameMkLst>
+            <pc:docMk/>
+            <pc:sldMk cId="2836758727" sldId="274"/>
+            <ac:graphicFrameMk id="3" creationId="{EEF9394D-3679-2DD7-C9EF-F313968B5426}"/>
+          </ac:graphicFrameMkLst>
+        </pc:graphicFrameChg>
       </pc:sldChg>
       <pc:sldChg chg="addSp delSp modSp add mod setBg">
-        <pc:chgData name="동욱 황" userId="4ef6500828eae399" providerId="LiveId" clId="{9A47C71C-90E0-444D-9289-A054697F2D96}" dt="2024-04-13T09:58:43.896" v="5554"/>
+        <pc:chgData name="동욱 황" userId="4ef6500828eae399" providerId="LiveId" clId="{9A47C71C-90E0-444D-9289-A054697F2D96}" dt="2024-04-14T10:04:21.166" v="9306"/>
         <pc:sldMkLst>
           <pc:docMk/>
           <pc:sldMk cId="2748002644" sldId="275"/>
         </pc:sldMkLst>
+        <pc:spChg chg="add mod">
+          <ac:chgData name="동욱 황" userId="4ef6500828eae399" providerId="LiveId" clId="{9A47C71C-90E0-444D-9289-A054697F2D96}" dt="2024-04-14T10:04:21.166" v="9306"/>
+          <ac:spMkLst>
+            <pc:docMk/>
+            <pc:sldMk cId="2748002644" sldId="275"/>
+            <ac:spMk id="2" creationId="{E8412414-5240-41F9-C910-6AD45800D68B}"/>
+          </ac:spMkLst>
+        </pc:spChg>
         <pc:spChg chg="del">
           <ac:chgData name="동욱 황" userId="4ef6500828eae399" providerId="LiveId" clId="{9A47C71C-90E0-444D-9289-A054697F2D96}" dt="2024-04-13T09:58:42.852" v="5553" actId="478"/>
           <ac:spMkLst>
@@ -1897,8 +2385,8 @@
             <ac:spMk id="7" creationId="{A2D85A0C-25D7-9328-3AE1-083855942FF6}"/>
           </ac:spMkLst>
         </pc:spChg>
-        <pc:spChg chg="add mod">
-          <ac:chgData name="동욱 황" userId="4ef6500828eae399" providerId="LiveId" clId="{9A47C71C-90E0-444D-9289-A054697F2D96}" dt="2024-04-13T09:58:43.896" v="5554"/>
+        <pc:spChg chg="add del mod">
+          <ac:chgData name="동욱 황" userId="4ef6500828eae399" providerId="LiveId" clId="{9A47C71C-90E0-444D-9289-A054697F2D96}" dt="2024-04-14T10:04:20.899" v="9305" actId="478"/>
           <ac:spMkLst>
             <pc:docMk/>
             <pc:sldMk cId="2748002644" sldId="275"/>
@@ -2035,7 +2523,7 @@
           <a:p>
             <a:fld id="{193E5F9B-9A03-41ED-96FE-9830435574D6}" type="datetimeFigureOut">
               <a:rPr lang="ko-KR" altLang="en-US" smtClean="0"/>
-              <a:t>2024-04-13</a:t>
+              <a:t>2024-04-14</a:t>
             </a:fld>
             <a:endParaRPr lang="ko-KR" altLang="en-US"/>
           </a:p>
@@ -2533,7 +3021,7 @@
           <a:p>
             <a:fld id="{1A6B1C94-4E21-4EB7-84C4-6E795422F0E3}" type="datetimeFigureOut">
               <a:rPr lang="ko-KR" altLang="en-US" smtClean="0"/>
-              <a:t>2024-04-13</a:t>
+              <a:t>2024-04-14</a:t>
             </a:fld>
             <a:endParaRPr lang="ko-KR" altLang="en-US"/>
           </a:p>
@@ -2731,7 +3219,7 @@
           <a:p>
             <a:fld id="{1A6B1C94-4E21-4EB7-84C4-6E795422F0E3}" type="datetimeFigureOut">
               <a:rPr lang="ko-KR" altLang="en-US" smtClean="0"/>
-              <a:t>2024-04-13</a:t>
+              <a:t>2024-04-14</a:t>
             </a:fld>
             <a:endParaRPr lang="ko-KR" altLang="en-US"/>
           </a:p>
@@ -2939,7 +3427,7 @@
           <a:p>
             <a:fld id="{1A6B1C94-4E21-4EB7-84C4-6E795422F0E3}" type="datetimeFigureOut">
               <a:rPr lang="ko-KR" altLang="en-US" smtClean="0"/>
-              <a:t>2024-04-13</a:t>
+              <a:t>2024-04-14</a:t>
             </a:fld>
             <a:endParaRPr lang="ko-KR" altLang="en-US"/>
           </a:p>
@@ -3137,7 +3625,7 @@
           <a:p>
             <a:fld id="{1A6B1C94-4E21-4EB7-84C4-6E795422F0E3}" type="datetimeFigureOut">
               <a:rPr lang="ko-KR" altLang="en-US" smtClean="0"/>
-              <a:t>2024-04-13</a:t>
+              <a:t>2024-04-14</a:t>
             </a:fld>
             <a:endParaRPr lang="ko-KR" altLang="en-US"/>
           </a:p>
@@ -3412,7 +3900,7 @@
           <a:p>
             <a:fld id="{1A6B1C94-4E21-4EB7-84C4-6E795422F0E3}" type="datetimeFigureOut">
               <a:rPr lang="ko-KR" altLang="en-US" smtClean="0"/>
-              <a:t>2024-04-13</a:t>
+              <a:t>2024-04-14</a:t>
             </a:fld>
             <a:endParaRPr lang="ko-KR" altLang="en-US"/>
           </a:p>
@@ -3677,7 +4165,7 @@
           <a:p>
             <a:fld id="{1A6B1C94-4E21-4EB7-84C4-6E795422F0E3}" type="datetimeFigureOut">
               <a:rPr lang="ko-KR" altLang="en-US" smtClean="0"/>
-              <a:t>2024-04-13</a:t>
+              <a:t>2024-04-14</a:t>
             </a:fld>
             <a:endParaRPr lang="ko-KR" altLang="en-US"/>
           </a:p>
@@ -4089,7 +4577,7 @@
           <a:p>
             <a:fld id="{1A6B1C94-4E21-4EB7-84C4-6E795422F0E3}" type="datetimeFigureOut">
               <a:rPr lang="ko-KR" altLang="en-US" smtClean="0"/>
-              <a:t>2024-04-13</a:t>
+              <a:t>2024-04-14</a:t>
             </a:fld>
             <a:endParaRPr lang="ko-KR" altLang="en-US"/>
           </a:p>
@@ -4230,7 +4718,7 @@
           <a:p>
             <a:fld id="{1A6B1C94-4E21-4EB7-84C4-6E795422F0E3}" type="datetimeFigureOut">
               <a:rPr lang="ko-KR" altLang="en-US" smtClean="0"/>
-              <a:t>2024-04-13</a:t>
+              <a:t>2024-04-14</a:t>
             </a:fld>
             <a:endParaRPr lang="ko-KR" altLang="en-US"/>
           </a:p>
@@ -4343,7 +4831,7 @@
           <a:p>
             <a:fld id="{1A6B1C94-4E21-4EB7-84C4-6E795422F0E3}" type="datetimeFigureOut">
               <a:rPr lang="ko-KR" altLang="en-US" smtClean="0"/>
-              <a:t>2024-04-13</a:t>
+              <a:t>2024-04-14</a:t>
             </a:fld>
             <a:endParaRPr lang="ko-KR" altLang="en-US"/>
           </a:p>
@@ -4654,7 +5142,7 @@
           <a:p>
             <a:fld id="{1A6B1C94-4E21-4EB7-84C4-6E795422F0E3}" type="datetimeFigureOut">
               <a:rPr lang="ko-KR" altLang="en-US" smtClean="0"/>
-              <a:t>2024-04-13</a:t>
+              <a:t>2024-04-14</a:t>
             </a:fld>
             <a:endParaRPr lang="ko-KR" altLang="en-US"/>
           </a:p>
@@ -4942,7 +5430,7 @@
           <a:p>
             <a:fld id="{1A6B1C94-4E21-4EB7-84C4-6E795422F0E3}" type="datetimeFigureOut">
               <a:rPr lang="ko-KR" altLang="en-US" smtClean="0"/>
-              <a:t>2024-04-13</a:t>
+              <a:t>2024-04-14</a:t>
             </a:fld>
             <a:endParaRPr lang="ko-KR" altLang="en-US"/>
           </a:p>
@@ -5183,7 +5671,7 @@
           <a:p>
             <a:fld id="{1A6B1C94-4E21-4EB7-84C4-6E795422F0E3}" type="datetimeFigureOut">
               <a:rPr lang="ko-KR" altLang="en-US" smtClean="0"/>
-              <a:t>2024-04-13</a:t>
+              <a:t>2024-04-14</a:t>
             </a:fld>
             <a:endParaRPr lang="ko-KR" altLang="en-US"/>
           </a:p>
@@ -6046,7 +6534,7 @@
           <p:nvPr>
             <p:extLst>
               <p:ext uri="{D42A27DB-BD31-4B8C-83A1-F6EECF244321}">
-                <p14:modId xmlns:p14="http://schemas.microsoft.com/office/powerpoint/2010/main" val="1527128271"/>
+                <p14:modId xmlns:p14="http://schemas.microsoft.com/office/powerpoint/2010/main" val="2856949719"/>
               </p:ext>
             </p:extLst>
           </p:nvPr>
@@ -6107,14 +6595,14 @@
                         <a:buNone/>
                       </a:pPr>
                       <a:r>
-                        <a:rPr lang="ko-KR" sz="2000" u="none" strike="noStrike" cap="none">
+                        <a:rPr lang="ko-KR" sz="2000" b="1" u="none" strike="noStrike" cap="none" dirty="0" err="1">
                           <a:solidFill>
                             <a:schemeClr val="dk1"/>
                           </a:solidFill>
                         </a:rPr>
                         <a:t>변수명</a:t>
                       </a:r>
-                      <a:endParaRPr sz="2000" u="none" strike="noStrike" cap="none">
+                      <a:endParaRPr sz="2000" b="1" u="none" strike="noStrike" cap="none" dirty="0">
                         <a:solidFill>
                           <a:schemeClr val="dk1"/>
                         </a:solidFill>
@@ -6178,14 +6666,22 @@
                         <a:buNone/>
                       </a:pPr>
                       <a:r>
-                        <a:rPr lang="ko-KR" sz="2000" u="none" strike="noStrike" cap="none">
+                        <a:rPr lang="ko-KR" sz="2000" b="1" u="none" strike="noStrike" cap="none" dirty="0">
                           <a:solidFill>
                             <a:schemeClr val="dk1"/>
                           </a:solidFill>
                         </a:rPr>
-                        <a:t>데이터 Shape</a:t>
+                        <a:t>데이터 </a:t>
                       </a:r>
-                      <a:endParaRPr sz="2000" u="none" strike="noStrike" cap="none">
+                      <a:r>
+                        <a:rPr lang="ko-KR" sz="2000" b="1" u="none" strike="noStrike" cap="none" dirty="0" err="1">
+                          <a:solidFill>
+                            <a:schemeClr val="dk1"/>
+                          </a:solidFill>
+                        </a:rPr>
+                        <a:t>Shape</a:t>
+                      </a:r>
+                      <a:endParaRPr sz="2000" b="1" u="none" strike="noStrike" cap="none" dirty="0">
                         <a:solidFill>
                           <a:schemeClr val="dk1"/>
                         </a:solidFill>
@@ -6249,14 +6745,14 @@
                         <a:buNone/>
                       </a:pPr>
                       <a:r>
-                        <a:rPr lang="ko-KR" sz="2000" u="none" strike="noStrike" cap="none">
+                        <a:rPr lang="ko-KR" sz="2000" b="1" u="none" strike="noStrike" cap="none" dirty="0">
                           <a:solidFill>
                             <a:schemeClr val="dk1"/>
                           </a:solidFill>
                         </a:rPr>
                         <a:t>데이터 자료형</a:t>
                       </a:r>
-                      <a:endParaRPr sz="2000" u="none" strike="noStrike" cap="none">
+                      <a:endParaRPr sz="2000" b="1" u="none" strike="noStrike" cap="none" dirty="0">
                         <a:solidFill>
                           <a:schemeClr val="dk1"/>
                         </a:solidFill>
@@ -6320,14 +6816,14 @@
                         <a:buNone/>
                       </a:pPr>
                       <a:r>
-                        <a:rPr lang="ko-KR" sz="2000" u="none" strike="noStrike" cap="none">
+                        <a:rPr lang="ko-KR" sz="2000" b="1" u="none" strike="noStrike" cap="none" dirty="0">
                           <a:solidFill>
                             <a:schemeClr val="dk1"/>
                           </a:solidFill>
                         </a:rPr>
                         <a:t>변수 설명</a:t>
                       </a:r>
-                      <a:endParaRPr sz="2000" u="none" strike="noStrike" cap="none">
+                      <a:endParaRPr sz="2000" b="1" u="none" strike="noStrike" cap="none" dirty="0">
                         <a:solidFill>
                           <a:schemeClr val="dk1"/>
                         </a:solidFill>
@@ -9036,7 +9532,7 @@
           <p:nvPr>
             <p:extLst>
               <p:ext uri="{D42A27DB-BD31-4B8C-83A1-F6EECF244321}">
-                <p14:modId xmlns:p14="http://schemas.microsoft.com/office/powerpoint/2010/main" val="2359854017"/>
+                <p14:modId xmlns:p14="http://schemas.microsoft.com/office/powerpoint/2010/main" val="285093610"/>
               </p:ext>
             </p:extLst>
           </p:nvPr>
@@ -9097,14 +9593,14 @@
                         <a:buNone/>
                       </a:pPr>
                       <a:r>
-                        <a:rPr lang="ko-KR" sz="2000" u="none" strike="noStrike" cap="none">
+                        <a:rPr lang="ko-KR" sz="2000" b="1" u="none" strike="noStrike" cap="none" dirty="0" err="1">
                           <a:solidFill>
                             <a:schemeClr val="dk1"/>
                           </a:solidFill>
                         </a:rPr>
                         <a:t>변수명</a:t>
                       </a:r>
-                      <a:endParaRPr sz="2000" u="none" strike="noStrike" cap="none">
+                      <a:endParaRPr sz="2000" b="1" u="none" strike="noStrike" cap="none" dirty="0">
                         <a:solidFill>
                           <a:schemeClr val="dk1"/>
                         </a:solidFill>
@@ -9168,14 +9664,22 @@
                         <a:buNone/>
                       </a:pPr>
                       <a:r>
-                        <a:rPr lang="ko-KR" sz="2000" u="none" strike="noStrike" cap="none">
+                        <a:rPr lang="ko-KR" sz="2000" b="1" u="none" strike="noStrike" cap="none" dirty="0">
                           <a:solidFill>
                             <a:schemeClr val="dk1"/>
                           </a:solidFill>
                         </a:rPr>
-                        <a:t>데이터 Shape</a:t>
+                        <a:t>데이터 </a:t>
                       </a:r>
-                      <a:endParaRPr sz="2000" u="none" strike="noStrike" cap="none">
+                      <a:r>
+                        <a:rPr lang="ko-KR" sz="2000" b="1" u="none" strike="noStrike" cap="none" dirty="0" err="1">
+                          <a:solidFill>
+                            <a:schemeClr val="dk1"/>
+                          </a:solidFill>
+                        </a:rPr>
+                        <a:t>Shape</a:t>
+                      </a:r>
+                      <a:endParaRPr sz="2000" b="1" u="none" strike="noStrike" cap="none" dirty="0">
                         <a:solidFill>
                           <a:schemeClr val="dk1"/>
                         </a:solidFill>
@@ -9239,14 +9743,14 @@
                         <a:buNone/>
                       </a:pPr>
                       <a:r>
-                        <a:rPr lang="ko-KR" sz="2000" u="none" strike="noStrike" cap="none">
+                        <a:rPr lang="ko-KR" sz="2000" b="1" u="none" strike="noStrike" cap="none">
                           <a:solidFill>
                             <a:schemeClr val="dk1"/>
                           </a:solidFill>
                         </a:rPr>
                         <a:t>데이터 자료형</a:t>
                       </a:r>
-                      <a:endParaRPr sz="2000" u="none" strike="noStrike" cap="none">
+                      <a:endParaRPr sz="2000" b="1" u="none" strike="noStrike" cap="none">
                         <a:solidFill>
                           <a:schemeClr val="dk1"/>
                         </a:solidFill>
@@ -9310,14 +9814,14 @@
                         <a:buNone/>
                       </a:pPr>
                       <a:r>
-                        <a:rPr lang="ko-KR" sz="2000" u="none" strike="noStrike" cap="none">
+                        <a:rPr lang="ko-KR" sz="2000" b="1" u="none" strike="noStrike" cap="none" dirty="0">
                           <a:solidFill>
                             <a:schemeClr val="dk1"/>
                           </a:solidFill>
                         </a:rPr>
                         <a:t>변수 설명</a:t>
                       </a:r>
-                      <a:endParaRPr sz="2000" u="none" strike="noStrike" cap="none">
+                      <a:endParaRPr sz="2000" b="1" u="none" strike="noStrike" cap="none" dirty="0">
                         <a:solidFill>
                           <a:schemeClr val="dk1"/>
                         </a:solidFill>
@@ -9586,10 +10090,10 @@
                         <a:buNone/>
                       </a:pPr>
                       <a:r>
-                        <a:rPr lang="ko-KR" sz="1800" u="none" strike="noStrike" cap="none"/>
+                        <a:rPr lang="ko-KR" sz="1800" u="none" strike="noStrike" cap="none" dirty="0" err="1"/>
                         <a:t>Object</a:t>
                       </a:r>
-                      <a:endParaRPr sz="1800" u="none" strike="noStrike" cap="none"/>
+                      <a:endParaRPr sz="1800" u="none" strike="noStrike" cap="none" dirty="0"/>
                     </a:p>
                   </a:txBody>
                   <a:tcPr marL="91450" marR="91450" marT="45725" marB="45725">
@@ -9649,14 +10153,14 @@
                         <a:buNone/>
                       </a:pPr>
                       <a:r>
-                        <a:rPr lang="ko-KR" sz="1800" b="0" u="none" strike="noStrike" cap="none">
+                        <a:rPr lang="ko-KR" sz="1800" b="0" u="none" strike="noStrike" cap="none" dirty="0">
                           <a:solidFill>
                             <a:schemeClr val="dk1"/>
                           </a:solidFill>
                         </a:rPr>
                         <a:t>건물번호, 기록일시(1시간)</a:t>
                       </a:r>
-                      <a:endParaRPr sz="1800" b="0" u="none" strike="noStrike" cap="none">
+                      <a:endParaRPr sz="1800" b="0" u="none" strike="noStrike" cap="none" dirty="0">
                         <a:solidFill>
                           <a:schemeClr val="dk1"/>
                         </a:solidFill>
@@ -11568,7 +12072,7 @@
           <p:nvPr>
             <p:extLst>
               <p:ext uri="{D42A27DB-BD31-4B8C-83A1-F6EECF244321}">
-                <p14:modId xmlns:p14="http://schemas.microsoft.com/office/powerpoint/2010/main" val="2554024629"/>
+                <p14:modId xmlns:p14="http://schemas.microsoft.com/office/powerpoint/2010/main" val="3639262006"/>
               </p:ext>
             </p:extLst>
           </p:nvPr>
@@ -11629,14 +12133,14 @@
                         <a:buNone/>
                       </a:pPr>
                       <a:r>
-                        <a:rPr lang="ko-KR" sz="2000" u="none" strike="noStrike" cap="none">
+                        <a:rPr lang="ko-KR" sz="2000" b="1" u="none" strike="noStrike" cap="none" dirty="0" err="1">
                           <a:solidFill>
                             <a:schemeClr val="dk1"/>
                           </a:solidFill>
                         </a:rPr>
                         <a:t>변수명</a:t>
                       </a:r>
-                      <a:endParaRPr sz="2000" u="none" strike="noStrike" cap="none">
+                      <a:endParaRPr sz="2000" b="1" u="none" strike="noStrike" cap="none" dirty="0">
                         <a:solidFill>
                           <a:schemeClr val="dk1"/>
                         </a:solidFill>
@@ -11700,7 +12204,7 @@
                         <a:buNone/>
                       </a:pPr>
                       <a:r>
-                        <a:rPr lang="ko-KR" sz="2000" u="none" strike="noStrike" cap="none" dirty="0">
+                        <a:rPr lang="ko-KR" sz="2000" b="1" u="none" strike="noStrike" cap="none" dirty="0">
                           <a:solidFill>
                             <a:schemeClr val="dk1"/>
                           </a:solidFill>
@@ -11708,14 +12212,14 @@
                         <a:t>데이터 </a:t>
                       </a:r>
                       <a:r>
-                        <a:rPr lang="ko-KR" sz="2000" u="none" strike="noStrike" cap="none" dirty="0" err="1">
+                        <a:rPr lang="ko-KR" sz="2000" b="1" u="none" strike="noStrike" cap="none" dirty="0" err="1">
                           <a:solidFill>
                             <a:schemeClr val="dk1"/>
                           </a:solidFill>
                         </a:rPr>
                         <a:t>Shape</a:t>
                       </a:r>
-                      <a:endParaRPr sz="2000" u="none" strike="noStrike" cap="none" dirty="0">
+                      <a:endParaRPr sz="2000" b="1" u="none" strike="noStrike" cap="none" dirty="0">
                         <a:solidFill>
                           <a:schemeClr val="dk1"/>
                         </a:solidFill>
@@ -11779,14 +12283,14 @@
                         <a:buNone/>
                       </a:pPr>
                       <a:r>
-                        <a:rPr lang="ko-KR" sz="2000" u="none" strike="noStrike" cap="none">
+                        <a:rPr lang="ko-KR" sz="2000" b="1" u="none" strike="noStrike" cap="none" dirty="0">
                           <a:solidFill>
                             <a:schemeClr val="dk1"/>
                           </a:solidFill>
                         </a:rPr>
                         <a:t>데이터 자료형</a:t>
                       </a:r>
-                      <a:endParaRPr sz="2000" u="none" strike="noStrike" cap="none">
+                      <a:endParaRPr sz="2000" b="1" u="none" strike="noStrike" cap="none" dirty="0">
                         <a:solidFill>
                           <a:schemeClr val="dk1"/>
                         </a:solidFill>
@@ -11850,14 +12354,14 @@
                         <a:buNone/>
                       </a:pPr>
                       <a:r>
-                        <a:rPr lang="ko-KR" sz="2000" u="none" strike="noStrike" cap="none">
+                        <a:rPr lang="ko-KR" sz="2000" b="1" u="none" strike="noStrike" cap="none" dirty="0">
                           <a:solidFill>
                             <a:schemeClr val="dk1"/>
                           </a:solidFill>
                         </a:rPr>
                         <a:t>변수 설명</a:t>
                       </a:r>
-                      <a:endParaRPr sz="2000" u="none" strike="noStrike" cap="none">
+                      <a:endParaRPr sz="2000" b="1" u="none" strike="noStrike" cap="none" dirty="0">
                         <a:solidFill>
                           <a:schemeClr val="dk1"/>
                         </a:solidFill>
@@ -13043,9 +13547,35 @@
             <a:off x="715586" y="1819175"/>
             <a:ext cx="5878491" cy="4596448"/>
           </a:xfrm>
-          <a:prstGeom prst="rect">
-            <a:avLst/>
+          <a:prstGeom prst="roundRect">
+            <a:avLst>
+              <a:gd name="adj" fmla="val 4167"/>
+            </a:avLst>
           </a:prstGeom>
+          <a:solidFill>
+            <a:srgbClr val="FFFFFF"/>
+          </a:solidFill>
+          <a:ln w="76200" cap="sq">
+            <a:solidFill>
+              <a:srgbClr val="292929"/>
+            </a:solidFill>
+            <a:miter lim="800000"/>
+          </a:ln>
+          <a:effectLst>
+            <a:reflection blurRad="12700" stA="28000" endPos="28000" dist="5000" dir="5400000" sy="-100000" algn="bl" rotWithShape="0"/>
+          </a:effectLst>
+          <a:scene3d>
+            <a:camera prst="orthographicFront"/>
+            <a:lightRig rig="threePt" dir="t">
+              <a:rot lat="0" lon="0" rev="2700000"/>
+            </a:lightRig>
+          </a:scene3d>
+          <a:sp3d>
+            <a:bevelT h="38100"/>
+            <a:contourClr>
+              <a:srgbClr val="C0C0C0"/>
+            </a:contourClr>
+          </a:sp3d>
         </p:spPr>
       </p:pic>
       <p:sp>
@@ -13124,12 +13654,1258 @@
           </a:p>
         </p:txBody>
       </p:sp>
+      <p:graphicFrame>
+        <p:nvGraphicFramePr>
+          <p:cNvPr id="3" name="Google Shape;258;p9">
+            <a:extLst>
+              <a:ext uri="{FF2B5EF4-FFF2-40B4-BE49-F238E27FC236}">
+                <a16:creationId xmlns:a16="http://schemas.microsoft.com/office/drawing/2014/main" id="{2DC259A2-80AA-D8E3-E0D2-CF3616E88E1D}"/>
+              </a:ext>
+            </a:extLst>
+          </p:cNvPr>
+          <p:cNvGraphicFramePr/>
+          <p:nvPr>
+            <p:extLst>
+              <p:ext uri="{D42A27DB-BD31-4B8C-83A1-F6EECF244321}">
+                <p14:modId xmlns:p14="http://schemas.microsoft.com/office/powerpoint/2010/main" val="3567098222"/>
+              </p:ext>
+            </p:extLst>
+          </p:nvPr>
+        </p:nvGraphicFramePr>
+        <p:xfrm>
+          <a:off x="6825354" y="2025432"/>
+          <a:ext cx="5278801" cy="3550615"/>
+        </p:xfrm>
+        <a:graphic>
+          <a:graphicData uri="http://schemas.openxmlformats.org/drawingml/2006/table">
+            <a:tbl>
+              <a:tblPr firstRow="1" bandRow="1">
+                <a:noFill/>
+              </a:tblPr>
+              <a:tblGrid>
+                <a:gridCol w="1270337">
+                  <a:extLst>
+                    <a:ext uri="{9D8B030D-6E8A-4147-A177-3AD203B41FA5}">
+                      <a16:colId xmlns:a16="http://schemas.microsoft.com/office/drawing/2014/main" val="20000"/>
+                    </a:ext>
+                  </a:extLst>
+                </a:gridCol>
+                <a:gridCol w="840125">
+                  <a:extLst>
+                    <a:ext uri="{9D8B030D-6E8A-4147-A177-3AD203B41FA5}">
+                      <a16:colId xmlns:a16="http://schemas.microsoft.com/office/drawing/2014/main" val="20001"/>
+                    </a:ext>
+                  </a:extLst>
+                </a:gridCol>
+                <a:gridCol w="791309">
+                  <a:extLst>
+                    <a:ext uri="{9D8B030D-6E8A-4147-A177-3AD203B41FA5}">
+                      <a16:colId xmlns:a16="http://schemas.microsoft.com/office/drawing/2014/main" val="20002"/>
+                    </a:ext>
+                  </a:extLst>
+                </a:gridCol>
+                <a:gridCol w="2377030">
+                  <a:extLst>
+                    <a:ext uri="{9D8B030D-6E8A-4147-A177-3AD203B41FA5}">
+                      <a16:colId xmlns:a16="http://schemas.microsoft.com/office/drawing/2014/main" val="20003"/>
+                    </a:ext>
+                  </a:extLst>
+                </a:gridCol>
+              </a:tblGrid>
+              <a:tr h="565385">
+                <a:tc>
+                  <a:txBody>
+                    <a:bodyPr/>
+                    <a:lstStyle/>
+                    <a:p>
+                      <a:pPr marL="0" marR="0" lvl="0" indent="0" algn="ctr" rtl="0">
+                        <a:spcBef>
+                          <a:spcPts val="0"/>
+                        </a:spcBef>
+                        <a:spcAft>
+                          <a:spcPts val="0"/>
+                        </a:spcAft>
+                        <a:buNone/>
+                      </a:pPr>
+                      <a:r>
+                        <a:rPr lang="ko-KR" sz="1400" b="1" u="none" strike="noStrike" cap="none" dirty="0">
+                          <a:solidFill>
+                            <a:schemeClr val="dk1"/>
+                          </a:solidFill>
+                        </a:rPr>
+                        <a:t>변수</a:t>
+                      </a:r>
+                      <a:endParaRPr sz="1400" b="1" u="none" strike="noStrike" cap="none" dirty="0">
+                        <a:solidFill>
+                          <a:schemeClr val="dk1"/>
+                        </a:solidFill>
+                      </a:endParaRPr>
+                    </a:p>
+                  </a:txBody>
+                  <a:tcPr marL="91450" marR="91450" marT="45725" marB="45725" anchor="ctr" anchorCtr="1">
+                    <a:lnL w="12700" cap="flat" cmpd="sng">
+                      <a:solidFill>
+                        <a:schemeClr val="dk1"/>
+                      </a:solidFill>
+                      <a:prstDash val="solid"/>
+                      <a:round/>
+                      <a:headEnd type="none" w="sm" len="sm"/>
+                      <a:tailEnd type="none" w="sm" len="sm"/>
+                    </a:lnL>
+                    <a:lnR w="12700" cap="flat" cmpd="sng">
+                      <a:solidFill>
+                        <a:schemeClr val="dk1"/>
+                      </a:solidFill>
+                      <a:prstDash val="solid"/>
+                      <a:round/>
+                      <a:headEnd type="none" w="sm" len="sm"/>
+                      <a:tailEnd type="none" w="sm" len="sm"/>
+                    </a:lnR>
+                    <a:lnT w="12700" cap="flat" cmpd="sng">
+                      <a:solidFill>
+                        <a:schemeClr val="dk1"/>
+                      </a:solidFill>
+                      <a:prstDash val="solid"/>
+                      <a:round/>
+                      <a:headEnd type="none" w="sm" len="sm"/>
+                      <a:tailEnd type="none" w="sm" len="sm"/>
+                    </a:lnT>
+                    <a:lnB w="12700" cap="flat" cmpd="sng">
+                      <a:solidFill>
+                        <a:schemeClr val="dk1"/>
+                      </a:solidFill>
+                      <a:prstDash val="solid"/>
+                      <a:round/>
+                      <a:headEnd type="none" w="sm" len="sm"/>
+                      <a:tailEnd type="none" w="sm" len="sm"/>
+                    </a:lnB>
+                    <a:solidFill>
+                      <a:srgbClr val="D8D8D8"/>
+                    </a:solidFill>
+                  </a:tcPr>
+                </a:tc>
+                <a:tc>
+                  <a:txBody>
+                    <a:bodyPr/>
+                    <a:lstStyle/>
+                    <a:p>
+                      <a:pPr marL="0" marR="0" lvl="0" indent="0" algn="ctr" rtl="0">
+                        <a:spcBef>
+                          <a:spcPts val="0"/>
+                        </a:spcBef>
+                        <a:spcAft>
+                          <a:spcPts val="0"/>
+                        </a:spcAft>
+                        <a:buNone/>
+                      </a:pPr>
+                      <a:r>
+                        <a:rPr lang="ko-KR" sz="1400" b="1" u="none" strike="noStrike" cap="none" dirty="0">
+                          <a:solidFill>
+                            <a:schemeClr val="dk1"/>
+                          </a:solidFill>
+                        </a:rPr>
+                        <a:t>처리 전</a:t>
+                      </a:r>
+                      <a:endParaRPr sz="1400" b="1" u="none" strike="noStrike" cap="none" dirty="0">
+                        <a:solidFill>
+                          <a:schemeClr val="dk1"/>
+                        </a:solidFill>
+                      </a:endParaRPr>
+                    </a:p>
+                  </a:txBody>
+                  <a:tcPr marL="91450" marR="91450" marT="45725" marB="45725" anchor="ctr" anchorCtr="1">
+                    <a:lnL w="12700" cap="flat" cmpd="sng">
+                      <a:solidFill>
+                        <a:schemeClr val="dk1"/>
+                      </a:solidFill>
+                      <a:prstDash val="solid"/>
+                      <a:round/>
+                      <a:headEnd type="none" w="sm" len="sm"/>
+                      <a:tailEnd type="none" w="sm" len="sm"/>
+                    </a:lnL>
+                    <a:lnR w="12700" cap="flat" cmpd="sng">
+                      <a:solidFill>
+                        <a:schemeClr val="dk1"/>
+                      </a:solidFill>
+                      <a:prstDash val="solid"/>
+                      <a:round/>
+                      <a:headEnd type="none" w="sm" len="sm"/>
+                      <a:tailEnd type="none" w="sm" len="sm"/>
+                    </a:lnR>
+                    <a:lnT w="12700" cap="flat" cmpd="sng">
+                      <a:solidFill>
+                        <a:schemeClr val="dk1"/>
+                      </a:solidFill>
+                      <a:prstDash val="solid"/>
+                      <a:round/>
+                      <a:headEnd type="none" w="sm" len="sm"/>
+                      <a:tailEnd type="none" w="sm" len="sm"/>
+                    </a:lnT>
+                    <a:lnB w="12700" cap="flat" cmpd="sng">
+                      <a:solidFill>
+                        <a:schemeClr val="dk1"/>
+                      </a:solidFill>
+                      <a:prstDash val="solid"/>
+                      <a:round/>
+                      <a:headEnd type="none" w="sm" len="sm"/>
+                      <a:tailEnd type="none" w="sm" len="sm"/>
+                    </a:lnB>
+                    <a:solidFill>
+                      <a:srgbClr val="D8D8D8"/>
+                    </a:solidFill>
+                  </a:tcPr>
+                </a:tc>
+                <a:tc>
+                  <a:txBody>
+                    <a:bodyPr/>
+                    <a:lstStyle/>
+                    <a:p>
+                      <a:pPr marL="0" marR="0" lvl="0" indent="0" algn="ctr" rtl="0">
+                        <a:spcBef>
+                          <a:spcPts val="0"/>
+                        </a:spcBef>
+                        <a:spcAft>
+                          <a:spcPts val="0"/>
+                        </a:spcAft>
+                        <a:buNone/>
+                      </a:pPr>
+                      <a:r>
+                        <a:rPr lang="ko-KR" sz="1400" b="1" u="none" strike="noStrike" cap="none" dirty="0">
+                          <a:solidFill>
+                            <a:schemeClr val="dk1"/>
+                          </a:solidFill>
+                        </a:rPr>
+                        <a:t>처리 후</a:t>
+                      </a:r>
+                      <a:endParaRPr sz="1400" b="1" u="none" strike="noStrike" cap="none" dirty="0">
+                        <a:solidFill>
+                          <a:schemeClr val="dk1"/>
+                        </a:solidFill>
+                      </a:endParaRPr>
+                    </a:p>
+                  </a:txBody>
+                  <a:tcPr marL="91450" marR="91450" marT="45725" marB="45725" anchor="ctr" anchorCtr="1">
+                    <a:lnL w="12700" cap="flat" cmpd="sng">
+                      <a:solidFill>
+                        <a:schemeClr val="dk1"/>
+                      </a:solidFill>
+                      <a:prstDash val="solid"/>
+                      <a:round/>
+                      <a:headEnd type="none" w="sm" len="sm"/>
+                      <a:tailEnd type="none" w="sm" len="sm"/>
+                    </a:lnL>
+                    <a:lnR w="12700" cap="flat" cmpd="sng">
+                      <a:solidFill>
+                        <a:schemeClr val="dk1"/>
+                      </a:solidFill>
+                      <a:prstDash val="solid"/>
+                      <a:round/>
+                      <a:headEnd type="none" w="sm" len="sm"/>
+                      <a:tailEnd type="none" w="sm" len="sm"/>
+                    </a:lnR>
+                    <a:lnT w="12700" cap="flat" cmpd="sng">
+                      <a:solidFill>
+                        <a:schemeClr val="dk1"/>
+                      </a:solidFill>
+                      <a:prstDash val="solid"/>
+                      <a:round/>
+                      <a:headEnd type="none" w="sm" len="sm"/>
+                      <a:tailEnd type="none" w="sm" len="sm"/>
+                    </a:lnT>
+                    <a:lnB w="12700" cap="flat" cmpd="sng">
+                      <a:solidFill>
+                        <a:schemeClr val="dk1"/>
+                      </a:solidFill>
+                      <a:prstDash val="solid"/>
+                      <a:round/>
+                      <a:headEnd type="none" w="sm" len="sm"/>
+                      <a:tailEnd type="none" w="sm" len="sm"/>
+                    </a:lnB>
+                    <a:solidFill>
+                      <a:srgbClr val="D8D8D8"/>
+                    </a:solidFill>
+                  </a:tcPr>
+                </a:tc>
+                <a:tc>
+                  <a:txBody>
+                    <a:bodyPr/>
+                    <a:lstStyle/>
+                    <a:p>
+                      <a:pPr marL="0" marR="0" lvl="0" indent="0" algn="ctr" rtl="0">
+                        <a:spcBef>
+                          <a:spcPts val="0"/>
+                        </a:spcBef>
+                        <a:spcAft>
+                          <a:spcPts val="0"/>
+                        </a:spcAft>
+                        <a:buNone/>
+                      </a:pPr>
+                      <a:r>
+                        <a:rPr lang="ko-KR" altLang="en-US" sz="1400" b="1" u="none" strike="noStrike" cap="none" dirty="0">
+                          <a:solidFill>
+                            <a:schemeClr val="dk1"/>
+                          </a:solidFill>
+                        </a:rPr>
+                        <a:t>근거</a:t>
+                      </a:r>
+                      <a:endParaRPr sz="1400" b="1" u="none" strike="noStrike" cap="none" dirty="0">
+                        <a:solidFill>
+                          <a:schemeClr val="dk1"/>
+                        </a:solidFill>
+                      </a:endParaRPr>
+                    </a:p>
+                  </a:txBody>
+                  <a:tcPr marL="91450" marR="91450" marT="45725" marB="45725" anchor="ctr" anchorCtr="1">
+                    <a:lnL w="12700" cap="flat" cmpd="sng">
+                      <a:solidFill>
+                        <a:schemeClr val="dk1"/>
+                      </a:solidFill>
+                      <a:prstDash val="solid"/>
+                      <a:round/>
+                      <a:headEnd type="none" w="sm" len="sm"/>
+                      <a:tailEnd type="none" w="sm" len="sm"/>
+                    </a:lnL>
+                    <a:lnR w="12700" cap="flat" cmpd="sng">
+                      <a:solidFill>
+                        <a:schemeClr val="dk1"/>
+                      </a:solidFill>
+                      <a:prstDash val="solid"/>
+                      <a:round/>
+                      <a:headEnd type="none" w="sm" len="sm"/>
+                      <a:tailEnd type="none" w="sm" len="sm"/>
+                    </a:lnR>
+                    <a:lnT w="12700" cap="flat" cmpd="sng">
+                      <a:solidFill>
+                        <a:schemeClr val="dk1"/>
+                      </a:solidFill>
+                      <a:prstDash val="solid"/>
+                      <a:round/>
+                      <a:headEnd type="none" w="sm" len="sm"/>
+                      <a:tailEnd type="none" w="sm" len="sm"/>
+                    </a:lnT>
+                    <a:lnB w="12700" cap="flat" cmpd="sng">
+                      <a:solidFill>
+                        <a:schemeClr val="dk1"/>
+                      </a:solidFill>
+                      <a:prstDash val="solid"/>
+                      <a:round/>
+                      <a:headEnd type="none" w="sm" len="sm"/>
+                      <a:tailEnd type="none" w="sm" len="sm"/>
+                    </a:lnB>
+                    <a:solidFill>
+                      <a:srgbClr val="D8D8D8"/>
+                    </a:solidFill>
+                  </a:tcPr>
+                </a:tc>
+                <a:extLst>
+                  <a:ext uri="{0D108BD9-81ED-4DB2-BD59-A6C34878D82A}">
+                    <a16:rowId xmlns:a16="http://schemas.microsoft.com/office/drawing/2014/main" val="10000"/>
+                  </a:ext>
+                </a:extLst>
+              </a:tr>
+              <a:tr h="904612">
+                <a:tc>
+                  <a:txBody>
+                    <a:bodyPr/>
+                    <a:lstStyle/>
+                    <a:p>
+                      <a:pPr marL="0" marR="0" lvl="0" indent="0" algn="ctr" rtl="0">
+                        <a:spcBef>
+                          <a:spcPts val="0"/>
+                        </a:spcBef>
+                        <a:spcAft>
+                          <a:spcPts val="0"/>
+                        </a:spcAft>
+                        <a:buNone/>
+                      </a:pPr>
+                      <a:r>
+                        <a:rPr lang="ko-KR" sz="1400" b="1" u="none" strike="noStrike" cap="none">
+                          <a:solidFill>
+                            <a:schemeClr val="dk1"/>
+                          </a:solidFill>
+                        </a:rPr>
+                        <a:t>태양광용량</a:t>
+                      </a:r>
+                      <a:endParaRPr sz="1400" b="1" u="none" strike="noStrike" cap="none">
+                        <a:solidFill>
+                          <a:schemeClr val="dk1"/>
+                        </a:solidFill>
+                      </a:endParaRPr>
+                    </a:p>
+                  </a:txBody>
+                  <a:tcPr marL="91450" marR="91450" marT="45725" marB="45725" anchor="ctr" anchorCtr="1">
+                    <a:lnL w="12700" cap="flat" cmpd="sng">
+                      <a:solidFill>
+                        <a:schemeClr val="dk1"/>
+                      </a:solidFill>
+                      <a:prstDash val="solid"/>
+                      <a:round/>
+                      <a:headEnd type="none" w="sm" len="sm"/>
+                      <a:tailEnd type="none" w="sm" len="sm"/>
+                    </a:lnL>
+                    <a:lnR w="12700" cap="flat" cmpd="sng">
+                      <a:solidFill>
+                        <a:schemeClr val="dk1"/>
+                      </a:solidFill>
+                      <a:prstDash val="solid"/>
+                      <a:round/>
+                      <a:headEnd type="none" w="sm" len="sm"/>
+                      <a:tailEnd type="none" w="sm" len="sm"/>
+                    </a:lnR>
+                    <a:lnT w="12700" cap="flat" cmpd="sng">
+                      <a:solidFill>
+                        <a:schemeClr val="dk1"/>
+                      </a:solidFill>
+                      <a:prstDash val="solid"/>
+                      <a:round/>
+                      <a:headEnd type="none" w="sm" len="sm"/>
+                      <a:tailEnd type="none" w="sm" len="sm"/>
+                    </a:lnT>
+                    <a:lnB w="12700" cap="flat" cmpd="sng">
+                      <a:solidFill>
+                        <a:schemeClr val="dk1"/>
+                      </a:solidFill>
+                      <a:prstDash val="solid"/>
+                      <a:round/>
+                      <a:headEnd type="none" w="sm" len="sm"/>
+                      <a:tailEnd type="none" w="sm" len="sm"/>
+                    </a:lnB>
+                    <a:solidFill>
+                      <a:schemeClr val="lt1"/>
+                    </a:solidFill>
+                  </a:tcPr>
+                </a:tc>
+                <a:tc>
+                  <a:txBody>
+                    <a:bodyPr/>
+                    <a:lstStyle/>
+                    <a:p>
+                      <a:pPr marL="0" marR="0" lvl="0" indent="0" algn="ctr" rtl="0">
+                        <a:spcBef>
+                          <a:spcPts val="0"/>
+                        </a:spcBef>
+                        <a:spcAft>
+                          <a:spcPts val="0"/>
+                        </a:spcAft>
+                        <a:buNone/>
+                      </a:pPr>
+                      <a:r>
+                        <a:rPr lang="ko-KR" sz="1400" b="1" u="none" strike="noStrike" cap="none" dirty="0">
+                          <a:solidFill>
+                            <a:schemeClr val="dk1"/>
+                          </a:solidFill>
+                        </a:rPr>
+                        <a:t>‘-’</a:t>
+                      </a:r>
+                      <a:endParaRPr sz="1400" b="1" dirty="0"/>
+                    </a:p>
+                  </a:txBody>
+                  <a:tcPr marL="91450" marR="91450" marT="45725" marB="45725" anchor="ctr" anchorCtr="1">
+                    <a:lnL w="12700" cap="flat" cmpd="sng">
+                      <a:solidFill>
+                        <a:schemeClr val="dk1"/>
+                      </a:solidFill>
+                      <a:prstDash val="solid"/>
+                      <a:round/>
+                      <a:headEnd type="none" w="sm" len="sm"/>
+                      <a:tailEnd type="none" w="sm" len="sm"/>
+                    </a:lnL>
+                    <a:lnR w="12700" cap="flat" cmpd="sng">
+                      <a:solidFill>
+                        <a:schemeClr val="dk1"/>
+                      </a:solidFill>
+                      <a:prstDash val="solid"/>
+                      <a:round/>
+                      <a:headEnd type="none" w="sm" len="sm"/>
+                      <a:tailEnd type="none" w="sm" len="sm"/>
+                    </a:lnR>
+                    <a:lnT w="12700" cap="flat" cmpd="sng">
+                      <a:solidFill>
+                        <a:schemeClr val="dk1"/>
+                      </a:solidFill>
+                      <a:prstDash val="solid"/>
+                      <a:round/>
+                      <a:headEnd type="none" w="sm" len="sm"/>
+                      <a:tailEnd type="none" w="sm" len="sm"/>
+                    </a:lnT>
+                    <a:lnB w="12700" cap="flat" cmpd="sng">
+                      <a:solidFill>
+                        <a:schemeClr val="dk1"/>
+                      </a:solidFill>
+                      <a:prstDash val="solid"/>
+                      <a:round/>
+                      <a:headEnd type="none" w="sm" len="sm"/>
+                      <a:tailEnd type="none" w="sm" len="sm"/>
+                    </a:lnB>
+                    <a:solidFill>
+                      <a:schemeClr val="lt1"/>
+                    </a:solidFill>
+                  </a:tcPr>
+                </a:tc>
+                <a:tc>
+                  <a:txBody>
+                    <a:bodyPr/>
+                    <a:lstStyle/>
+                    <a:p>
+                      <a:pPr marL="0" marR="0" lvl="0" indent="0" algn="ctr" rtl="0">
+                        <a:spcBef>
+                          <a:spcPts val="0"/>
+                        </a:spcBef>
+                        <a:spcAft>
+                          <a:spcPts val="0"/>
+                        </a:spcAft>
+                        <a:buNone/>
+                      </a:pPr>
+                      <a:r>
+                        <a:rPr lang="en-US" altLang="ko-KR" sz="1400" b="1" u="none" strike="noStrike" cap="none" dirty="0">
+                          <a:solidFill>
+                            <a:schemeClr val="dk1"/>
+                          </a:solidFill>
+                        </a:rPr>
+                        <a:t>0</a:t>
+                      </a:r>
+                      <a:endParaRPr sz="1400" b="1" u="none" strike="noStrike" cap="none" dirty="0">
+                        <a:solidFill>
+                          <a:schemeClr val="dk1"/>
+                        </a:solidFill>
+                      </a:endParaRPr>
+                    </a:p>
+                  </a:txBody>
+                  <a:tcPr marL="91450" marR="91450" marT="45725" marB="45725" anchor="ctr" anchorCtr="1">
+                    <a:lnL w="12700" cap="flat" cmpd="sng">
+                      <a:solidFill>
+                        <a:schemeClr val="dk1"/>
+                      </a:solidFill>
+                      <a:prstDash val="solid"/>
+                      <a:round/>
+                      <a:headEnd type="none" w="sm" len="sm"/>
+                      <a:tailEnd type="none" w="sm" len="sm"/>
+                    </a:lnL>
+                    <a:lnR w="12700" cap="flat" cmpd="sng">
+                      <a:solidFill>
+                        <a:schemeClr val="dk1"/>
+                      </a:solidFill>
+                      <a:prstDash val="solid"/>
+                      <a:round/>
+                      <a:headEnd type="none" w="sm" len="sm"/>
+                      <a:tailEnd type="none" w="sm" len="sm"/>
+                    </a:lnR>
+                    <a:lnT w="12700" cap="flat" cmpd="sng">
+                      <a:solidFill>
+                        <a:schemeClr val="dk1"/>
+                      </a:solidFill>
+                      <a:prstDash val="solid"/>
+                      <a:round/>
+                      <a:headEnd type="none" w="sm" len="sm"/>
+                      <a:tailEnd type="none" w="sm" len="sm"/>
+                    </a:lnT>
+                    <a:lnB w="12700" cap="flat" cmpd="sng">
+                      <a:solidFill>
+                        <a:schemeClr val="dk1"/>
+                      </a:solidFill>
+                      <a:prstDash val="solid"/>
+                      <a:round/>
+                      <a:headEnd type="none" w="sm" len="sm"/>
+                      <a:tailEnd type="none" w="sm" len="sm"/>
+                    </a:lnB>
+                    <a:solidFill>
+                      <a:schemeClr val="lt1"/>
+                    </a:solidFill>
+                  </a:tcPr>
+                </a:tc>
+                <a:tc rowSpan="3">
+                  <a:txBody>
+                    <a:bodyPr/>
+                    <a:lstStyle/>
+                    <a:p>
+                      <a:pPr marL="0" marR="0" lvl="0" indent="0" algn="ctr" rtl="0">
+                        <a:spcBef>
+                          <a:spcPts val="0"/>
+                        </a:spcBef>
+                        <a:spcAft>
+                          <a:spcPts val="0"/>
+                        </a:spcAft>
+                        <a:buNone/>
+                      </a:pPr>
+                      <a:r>
+                        <a:rPr lang="ko-KR" altLang="en-US" sz="1400" b="1" u="none" strike="noStrike" cap="none" dirty="0">
+                          <a:solidFill>
+                            <a:schemeClr val="dk1"/>
+                          </a:solidFill>
+                        </a:rPr>
+                        <a:t>해당 값이 비어 있는 이유가 태양광 시설이 없기 때문에 관련 컬럼값을 모두 </a:t>
+                      </a:r>
+                      <a:r>
+                        <a:rPr lang="en-US" altLang="ko-KR" sz="1400" b="1" u="none" strike="noStrike" cap="none" dirty="0">
+                          <a:solidFill>
+                            <a:schemeClr val="dk1"/>
+                          </a:solidFill>
+                        </a:rPr>
+                        <a:t>0</a:t>
+                      </a:r>
+                      <a:r>
+                        <a:rPr lang="ko-KR" altLang="en-US" sz="1400" b="1" u="none" strike="noStrike" cap="none" dirty="0">
+                          <a:solidFill>
+                            <a:schemeClr val="dk1"/>
+                          </a:solidFill>
+                        </a:rPr>
+                        <a:t>값으로 처리 </a:t>
+                      </a:r>
+                      <a:endParaRPr sz="1400" b="1" u="none" strike="noStrike" cap="none" dirty="0">
+                        <a:solidFill>
+                          <a:schemeClr val="dk1"/>
+                        </a:solidFill>
+                      </a:endParaRPr>
+                    </a:p>
+                  </a:txBody>
+                  <a:tcPr marL="91450" marR="91450" marT="45725" marB="45725" anchor="ctr" anchorCtr="1">
+                    <a:lnL w="12700" cap="flat" cmpd="sng">
+                      <a:solidFill>
+                        <a:schemeClr val="dk1"/>
+                      </a:solidFill>
+                      <a:prstDash val="solid"/>
+                      <a:round/>
+                      <a:headEnd type="none" w="sm" len="sm"/>
+                      <a:tailEnd type="none" w="sm" len="sm"/>
+                    </a:lnL>
+                    <a:lnR w="12700" cap="flat" cmpd="sng">
+                      <a:solidFill>
+                        <a:schemeClr val="dk1"/>
+                      </a:solidFill>
+                      <a:prstDash val="solid"/>
+                      <a:round/>
+                      <a:headEnd type="none" w="sm" len="sm"/>
+                      <a:tailEnd type="none" w="sm" len="sm"/>
+                    </a:lnR>
+                    <a:lnT w="12700" cap="flat" cmpd="sng">
+                      <a:solidFill>
+                        <a:schemeClr val="dk1"/>
+                      </a:solidFill>
+                      <a:prstDash val="solid"/>
+                      <a:round/>
+                      <a:headEnd type="none" w="sm" len="sm"/>
+                      <a:tailEnd type="none" w="sm" len="sm"/>
+                    </a:lnT>
+                    <a:lnB w="12700" cap="flat" cmpd="sng">
+                      <a:solidFill>
+                        <a:schemeClr val="dk1"/>
+                      </a:solidFill>
+                      <a:prstDash val="solid"/>
+                      <a:round/>
+                      <a:headEnd type="none" w="sm" len="sm"/>
+                      <a:tailEnd type="none" w="sm" len="sm"/>
+                    </a:lnB>
+                    <a:solidFill>
+                      <a:schemeClr val="lt1"/>
+                    </a:solidFill>
+                  </a:tcPr>
+                </a:tc>
+                <a:extLst>
+                  <a:ext uri="{0D108BD9-81ED-4DB2-BD59-A6C34878D82A}">
+                    <a16:rowId xmlns:a16="http://schemas.microsoft.com/office/drawing/2014/main" val="10001"/>
+                  </a:ext>
+                </a:extLst>
+              </a:tr>
+              <a:tr h="1111918">
+                <a:tc>
+                  <a:txBody>
+                    <a:bodyPr/>
+                    <a:lstStyle/>
+                    <a:p>
+                      <a:pPr marL="0" marR="0" lvl="0" indent="0" algn="ctr" rtl="0">
+                        <a:spcBef>
+                          <a:spcPts val="0"/>
+                        </a:spcBef>
+                        <a:spcAft>
+                          <a:spcPts val="0"/>
+                        </a:spcAft>
+                        <a:buNone/>
+                      </a:pPr>
+                      <a:r>
+                        <a:rPr lang="en-US" sz="1400" b="1" u="none" strike="noStrike" cap="none" dirty="0">
+                          <a:solidFill>
+                            <a:schemeClr val="dk1"/>
+                          </a:solidFill>
+                        </a:rPr>
+                        <a:t>ESG</a:t>
+                      </a:r>
+                      <a:r>
+                        <a:rPr lang="ko-KR" altLang="en-US" sz="1400" b="1" u="none" strike="noStrike" cap="none" dirty="0">
+                          <a:solidFill>
+                            <a:schemeClr val="dk1"/>
+                          </a:solidFill>
+                        </a:rPr>
+                        <a:t>저장용량</a:t>
+                      </a:r>
+                      <a:endParaRPr sz="1400" b="1" u="none" strike="noStrike" cap="none" dirty="0">
+                        <a:solidFill>
+                          <a:schemeClr val="dk1"/>
+                        </a:solidFill>
+                      </a:endParaRPr>
+                    </a:p>
+                  </a:txBody>
+                  <a:tcPr marL="91450" marR="91450" marT="45725" marB="45725" anchor="ctr" anchorCtr="1">
+                    <a:lnL w="12700" cap="flat" cmpd="sng">
+                      <a:solidFill>
+                        <a:schemeClr val="dk1"/>
+                      </a:solidFill>
+                      <a:prstDash val="solid"/>
+                      <a:round/>
+                      <a:headEnd type="none" w="sm" len="sm"/>
+                      <a:tailEnd type="none" w="sm" len="sm"/>
+                    </a:lnL>
+                    <a:lnR w="12700" cap="flat" cmpd="sng">
+                      <a:solidFill>
+                        <a:schemeClr val="dk1"/>
+                      </a:solidFill>
+                      <a:prstDash val="solid"/>
+                      <a:round/>
+                      <a:headEnd type="none" w="sm" len="sm"/>
+                      <a:tailEnd type="none" w="sm" len="sm"/>
+                    </a:lnR>
+                    <a:lnT w="12700" cap="flat" cmpd="sng">
+                      <a:solidFill>
+                        <a:schemeClr val="dk1"/>
+                      </a:solidFill>
+                      <a:prstDash val="solid"/>
+                      <a:round/>
+                      <a:headEnd type="none" w="sm" len="sm"/>
+                      <a:tailEnd type="none" w="sm" len="sm"/>
+                    </a:lnT>
+                    <a:lnB w="12700" cap="flat" cmpd="sng">
+                      <a:solidFill>
+                        <a:schemeClr val="dk1"/>
+                      </a:solidFill>
+                      <a:prstDash val="solid"/>
+                      <a:round/>
+                      <a:headEnd type="none" w="sm" len="sm"/>
+                      <a:tailEnd type="none" w="sm" len="sm"/>
+                    </a:lnB>
+                    <a:solidFill>
+                      <a:schemeClr val="lt1"/>
+                    </a:solidFill>
+                  </a:tcPr>
+                </a:tc>
+                <a:tc>
+                  <a:txBody>
+                    <a:bodyPr/>
+                    <a:lstStyle/>
+                    <a:p>
+                      <a:pPr marL="0" marR="0" lvl="0" indent="0" algn="ctr" rtl="0">
+                        <a:spcBef>
+                          <a:spcPts val="0"/>
+                        </a:spcBef>
+                        <a:spcAft>
+                          <a:spcPts val="0"/>
+                        </a:spcAft>
+                        <a:buNone/>
+                      </a:pPr>
+                      <a:r>
+                        <a:rPr lang="ko-KR" altLang="en-US" sz="1400" b="1" u="none" strike="noStrike" cap="none" dirty="0">
+                          <a:solidFill>
+                            <a:schemeClr val="dk1"/>
+                          </a:solidFill>
+                        </a:rPr>
+                        <a:t>‘</a:t>
+                      </a:r>
+                      <a:r>
+                        <a:rPr lang="en-US" altLang="ko-KR" sz="1400" b="1" u="none" strike="noStrike" cap="none" dirty="0">
+                          <a:solidFill>
+                            <a:schemeClr val="dk1"/>
+                          </a:solidFill>
+                        </a:rPr>
+                        <a:t>-’</a:t>
+                      </a:r>
+                      <a:endParaRPr lang="ko-KR" altLang="en-US" sz="1400" b="1" dirty="0"/>
+                    </a:p>
+                  </a:txBody>
+                  <a:tcPr marL="91450" marR="91450" marT="45725" marB="45725" anchor="ctr" anchorCtr="1">
+                    <a:lnL w="12700" cap="flat" cmpd="sng">
+                      <a:solidFill>
+                        <a:schemeClr val="dk1"/>
+                      </a:solidFill>
+                      <a:prstDash val="solid"/>
+                      <a:round/>
+                      <a:headEnd type="none" w="sm" len="sm"/>
+                      <a:tailEnd type="none" w="sm" len="sm"/>
+                    </a:lnL>
+                    <a:lnR w="12700" cap="flat" cmpd="sng">
+                      <a:solidFill>
+                        <a:schemeClr val="dk1"/>
+                      </a:solidFill>
+                      <a:prstDash val="solid"/>
+                      <a:round/>
+                      <a:headEnd type="none" w="sm" len="sm"/>
+                      <a:tailEnd type="none" w="sm" len="sm"/>
+                    </a:lnR>
+                    <a:lnT w="12700" cap="flat" cmpd="sng">
+                      <a:solidFill>
+                        <a:schemeClr val="dk1"/>
+                      </a:solidFill>
+                      <a:prstDash val="solid"/>
+                      <a:round/>
+                      <a:headEnd type="none" w="sm" len="sm"/>
+                      <a:tailEnd type="none" w="sm" len="sm"/>
+                    </a:lnT>
+                    <a:lnB w="12700" cap="flat" cmpd="sng">
+                      <a:solidFill>
+                        <a:schemeClr val="dk1"/>
+                      </a:solidFill>
+                      <a:prstDash val="solid"/>
+                      <a:round/>
+                      <a:headEnd type="none" w="sm" len="sm"/>
+                      <a:tailEnd type="none" w="sm" len="sm"/>
+                    </a:lnB>
+                    <a:solidFill>
+                      <a:schemeClr val="lt1"/>
+                    </a:solidFill>
+                  </a:tcPr>
+                </a:tc>
+                <a:tc>
+                  <a:txBody>
+                    <a:bodyPr/>
+                    <a:lstStyle/>
+                    <a:p>
+                      <a:pPr marL="0" marR="0" lvl="0" indent="0" algn="ctr" rtl="0">
+                        <a:spcBef>
+                          <a:spcPts val="0"/>
+                        </a:spcBef>
+                        <a:spcAft>
+                          <a:spcPts val="0"/>
+                        </a:spcAft>
+                        <a:buNone/>
+                      </a:pPr>
+                      <a:r>
+                        <a:rPr lang="en-US" altLang="ko-KR" sz="1400" b="1" u="none" strike="noStrike" cap="none" dirty="0">
+                          <a:solidFill>
+                            <a:schemeClr val="dk1"/>
+                          </a:solidFill>
+                        </a:rPr>
+                        <a:t>0</a:t>
+                      </a:r>
+                      <a:endParaRPr sz="1400" b="1" u="none" strike="noStrike" cap="none" dirty="0">
+                        <a:solidFill>
+                          <a:schemeClr val="dk1"/>
+                        </a:solidFill>
+                      </a:endParaRPr>
+                    </a:p>
+                  </a:txBody>
+                  <a:tcPr marL="91450" marR="91450" marT="45725" marB="45725" anchor="ctr" anchorCtr="1">
+                    <a:lnL w="12700" cap="flat" cmpd="sng">
+                      <a:solidFill>
+                        <a:schemeClr val="dk1"/>
+                      </a:solidFill>
+                      <a:prstDash val="solid"/>
+                      <a:round/>
+                      <a:headEnd type="none" w="sm" len="sm"/>
+                      <a:tailEnd type="none" w="sm" len="sm"/>
+                    </a:lnL>
+                    <a:lnR w="12700" cap="flat" cmpd="sng">
+                      <a:solidFill>
+                        <a:schemeClr val="dk1"/>
+                      </a:solidFill>
+                      <a:prstDash val="solid"/>
+                      <a:round/>
+                      <a:headEnd type="none" w="sm" len="sm"/>
+                      <a:tailEnd type="none" w="sm" len="sm"/>
+                    </a:lnR>
+                    <a:lnT w="12700" cap="flat" cmpd="sng">
+                      <a:solidFill>
+                        <a:schemeClr val="dk1"/>
+                      </a:solidFill>
+                      <a:prstDash val="solid"/>
+                      <a:round/>
+                      <a:headEnd type="none" w="sm" len="sm"/>
+                      <a:tailEnd type="none" w="sm" len="sm"/>
+                    </a:lnT>
+                    <a:lnB w="12700" cap="flat" cmpd="sng">
+                      <a:solidFill>
+                        <a:schemeClr val="dk1"/>
+                      </a:solidFill>
+                      <a:prstDash val="solid"/>
+                      <a:round/>
+                      <a:headEnd type="none" w="sm" len="sm"/>
+                      <a:tailEnd type="none" w="sm" len="sm"/>
+                    </a:lnB>
+                    <a:solidFill>
+                      <a:schemeClr val="lt1"/>
+                    </a:solidFill>
+                  </a:tcPr>
+                </a:tc>
+                <a:tc vMerge="1">
+                  <a:txBody>
+                    <a:bodyPr/>
+                    <a:lstStyle/>
+                    <a:p>
+                      <a:pPr marL="0" marR="0" lvl="0" indent="0" algn="ctr" rtl="0">
+                        <a:spcBef>
+                          <a:spcPts val="0"/>
+                        </a:spcBef>
+                        <a:spcAft>
+                          <a:spcPts val="0"/>
+                        </a:spcAft>
+                        <a:buNone/>
+                      </a:pPr>
+                      <a:endParaRPr sz="1400" u="none" strike="noStrike" cap="none" dirty="0">
+                        <a:solidFill>
+                          <a:schemeClr val="dk1"/>
+                        </a:solidFill>
+                      </a:endParaRPr>
+                    </a:p>
+                  </a:txBody>
+                  <a:tcPr marL="91450" marR="91450" marT="45725" marB="45725" anchor="ctr" anchorCtr="1">
+                    <a:lnL w="12700" cap="flat" cmpd="sng">
+                      <a:solidFill>
+                        <a:schemeClr val="dk1"/>
+                      </a:solidFill>
+                      <a:prstDash val="solid"/>
+                      <a:round/>
+                      <a:headEnd type="none" w="sm" len="sm"/>
+                      <a:tailEnd type="none" w="sm" len="sm"/>
+                    </a:lnL>
+                    <a:lnR w="12700" cap="flat" cmpd="sng">
+                      <a:solidFill>
+                        <a:schemeClr val="dk1"/>
+                      </a:solidFill>
+                      <a:prstDash val="solid"/>
+                      <a:round/>
+                      <a:headEnd type="none" w="sm" len="sm"/>
+                      <a:tailEnd type="none" w="sm" len="sm"/>
+                    </a:lnR>
+                    <a:lnT w="12700" cap="flat" cmpd="sng">
+                      <a:solidFill>
+                        <a:schemeClr val="dk1"/>
+                      </a:solidFill>
+                      <a:prstDash val="solid"/>
+                      <a:round/>
+                      <a:headEnd type="none" w="sm" len="sm"/>
+                      <a:tailEnd type="none" w="sm" len="sm"/>
+                    </a:lnT>
+                    <a:lnB w="12700" cap="flat" cmpd="sng">
+                      <a:solidFill>
+                        <a:schemeClr val="dk1"/>
+                      </a:solidFill>
+                      <a:prstDash val="solid"/>
+                      <a:round/>
+                      <a:headEnd type="none" w="sm" len="sm"/>
+                      <a:tailEnd type="none" w="sm" len="sm"/>
+                    </a:lnB>
+                    <a:solidFill>
+                      <a:schemeClr val="lt1"/>
+                    </a:solidFill>
+                  </a:tcPr>
+                </a:tc>
+                <a:extLst>
+                  <a:ext uri="{0D108BD9-81ED-4DB2-BD59-A6C34878D82A}">
+                    <a16:rowId xmlns:a16="http://schemas.microsoft.com/office/drawing/2014/main" val="10002"/>
+                  </a:ext>
+                </a:extLst>
+              </a:tr>
+              <a:tr h="968700">
+                <a:tc>
+                  <a:txBody>
+                    <a:bodyPr/>
+                    <a:lstStyle/>
+                    <a:p>
+                      <a:pPr marL="0" marR="0" lvl="0" indent="0" algn="ctr" rtl="0">
+                        <a:spcBef>
+                          <a:spcPts val="0"/>
+                        </a:spcBef>
+                        <a:spcAft>
+                          <a:spcPts val="0"/>
+                        </a:spcAft>
+                        <a:buNone/>
+                      </a:pPr>
+                      <a:r>
+                        <a:rPr lang="en-US" altLang="ko-KR" sz="1400" b="1" u="none" strike="noStrike" cap="none" dirty="0">
+                          <a:solidFill>
+                            <a:schemeClr val="dk1"/>
+                          </a:solidFill>
+                        </a:rPr>
+                        <a:t>PCS</a:t>
+                      </a:r>
+                      <a:r>
+                        <a:rPr lang="ko-KR" altLang="en-US" sz="1400" b="1" u="none" strike="noStrike" cap="none" dirty="0">
+                          <a:solidFill>
+                            <a:schemeClr val="dk1"/>
+                          </a:solidFill>
+                        </a:rPr>
+                        <a:t>용량</a:t>
+                      </a:r>
+                      <a:endParaRPr sz="1400" b="1" u="none" strike="noStrike" cap="none" dirty="0">
+                        <a:solidFill>
+                          <a:schemeClr val="dk1"/>
+                        </a:solidFill>
+                      </a:endParaRPr>
+                    </a:p>
+                  </a:txBody>
+                  <a:tcPr marL="91450" marR="91450" marT="45725" marB="45725" anchor="ctr" anchorCtr="1">
+                    <a:lnL w="12700" cap="flat" cmpd="sng">
+                      <a:solidFill>
+                        <a:schemeClr val="dk1"/>
+                      </a:solidFill>
+                      <a:prstDash val="solid"/>
+                      <a:round/>
+                      <a:headEnd type="none" w="sm" len="sm"/>
+                      <a:tailEnd type="none" w="sm" len="sm"/>
+                    </a:lnL>
+                    <a:lnR w="12700" cap="flat" cmpd="sng">
+                      <a:solidFill>
+                        <a:schemeClr val="dk1"/>
+                      </a:solidFill>
+                      <a:prstDash val="solid"/>
+                      <a:round/>
+                      <a:headEnd type="none" w="sm" len="sm"/>
+                      <a:tailEnd type="none" w="sm" len="sm"/>
+                    </a:lnR>
+                    <a:lnT w="12700" cap="flat" cmpd="sng">
+                      <a:solidFill>
+                        <a:schemeClr val="dk1"/>
+                      </a:solidFill>
+                      <a:prstDash val="solid"/>
+                      <a:round/>
+                      <a:headEnd type="none" w="sm" len="sm"/>
+                      <a:tailEnd type="none" w="sm" len="sm"/>
+                    </a:lnT>
+                    <a:lnB w="12700" cap="flat" cmpd="sng">
+                      <a:solidFill>
+                        <a:schemeClr val="dk1"/>
+                      </a:solidFill>
+                      <a:prstDash val="solid"/>
+                      <a:round/>
+                      <a:headEnd type="none" w="sm" len="sm"/>
+                      <a:tailEnd type="none" w="sm" len="sm"/>
+                    </a:lnB>
+                    <a:solidFill>
+                      <a:schemeClr val="lt1"/>
+                    </a:solidFill>
+                  </a:tcPr>
+                </a:tc>
+                <a:tc>
+                  <a:txBody>
+                    <a:bodyPr/>
+                    <a:lstStyle/>
+                    <a:p>
+                      <a:pPr marL="0" marR="0" lvl="0" indent="0" algn="ctr" rtl="0">
+                        <a:spcBef>
+                          <a:spcPts val="0"/>
+                        </a:spcBef>
+                        <a:spcAft>
+                          <a:spcPts val="0"/>
+                        </a:spcAft>
+                        <a:buNone/>
+                      </a:pPr>
+                      <a:r>
+                        <a:rPr lang="ko-KR" altLang="en-US" sz="1400" b="1" u="none" strike="noStrike" cap="none" dirty="0">
+                          <a:solidFill>
+                            <a:schemeClr val="dk1"/>
+                          </a:solidFill>
+                        </a:rPr>
+                        <a:t>‘</a:t>
+                      </a:r>
+                      <a:r>
+                        <a:rPr lang="en-US" altLang="ko-KR" sz="1400" b="1" u="none" strike="noStrike" cap="none" dirty="0">
+                          <a:solidFill>
+                            <a:schemeClr val="dk1"/>
+                          </a:solidFill>
+                        </a:rPr>
+                        <a:t>-’</a:t>
+                      </a:r>
+                      <a:endParaRPr lang="ko-KR" altLang="en-US" sz="1400" b="1" dirty="0"/>
+                    </a:p>
+                  </a:txBody>
+                  <a:tcPr marL="91450" marR="91450" marT="45725" marB="45725" anchor="ctr" anchorCtr="1">
+                    <a:lnL w="12700" cap="flat" cmpd="sng">
+                      <a:solidFill>
+                        <a:schemeClr val="dk1"/>
+                      </a:solidFill>
+                      <a:prstDash val="solid"/>
+                      <a:round/>
+                      <a:headEnd type="none" w="sm" len="sm"/>
+                      <a:tailEnd type="none" w="sm" len="sm"/>
+                    </a:lnL>
+                    <a:lnR w="12700" cap="flat" cmpd="sng">
+                      <a:solidFill>
+                        <a:schemeClr val="dk1"/>
+                      </a:solidFill>
+                      <a:prstDash val="solid"/>
+                      <a:round/>
+                      <a:headEnd type="none" w="sm" len="sm"/>
+                      <a:tailEnd type="none" w="sm" len="sm"/>
+                    </a:lnR>
+                    <a:lnT w="12700" cap="flat" cmpd="sng">
+                      <a:solidFill>
+                        <a:schemeClr val="dk1"/>
+                      </a:solidFill>
+                      <a:prstDash val="solid"/>
+                      <a:round/>
+                      <a:headEnd type="none" w="sm" len="sm"/>
+                      <a:tailEnd type="none" w="sm" len="sm"/>
+                    </a:lnT>
+                    <a:lnB w="12700" cap="flat" cmpd="sng">
+                      <a:solidFill>
+                        <a:schemeClr val="dk1"/>
+                      </a:solidFill>
+                      <a:prstDash val="solid"/>
+                      <a:round/>
+                      <a:headEnd type="none" w="sm" len="sm"/>
+                      <a:tailEnd type="none" w="sm" len="sm"/>
+                    </a:lnB>
+                    <a:solidFill>
+                      <a:schemeClr val="lt1"/>
+                    </a:solidFill>
+                  </a:tcPr>
+                </a:tc>
+                <a:tc>
+                  <a:txBody>
+                    <a:bodyPr/>
+                    <a:lstStyle/>
+                    <a:p>
+                      <a:pPr marL="0" marR="0" lvl="0" indent="0" algn="ctr" rtl="0">
+                        <a:spcBef>
+                          <a:spcPts val="0"/>
+                        </a:spcBef>
+                        <a:spcAft>
+                          <a:spcPts val="0"/>
+                        </a:spcAft>
+                        <a:buNone/>
+                      </a:pPr>
+                      <a:r>
+                        <a:rPr lang="en-US" altLang="ko-KR" sz="1400" b="1" u="none" strike="noStrike" cap="none" dirty="0">
+                          <a:solidFill>
+                            <a:schemeClr val="dk1"/>
+                          </a:solidFill>
+                        </a:rPr>
+                        <a:t>0</a:t>
+                      </a:r>
+                      <a:endParaRPr sz="1400" b="1" u="none" strike="noStrike" cap="none" dirty="0">
+                        <a:solidFill>
+                          <a:schemeClr val="dk1"/>
+                        </a:solidFill>
+                      </a:endParaRPr>
+                    </a:p>
+                  </a:txBody>
+                  <a:tcPr marL="91450" marR="91450" marT="45725" marB="45725" anchor="ctr" anchorCtr="1">
+                    <a:lnL w="12700" cap="flat" cmpd="sng">
+                      <a:solidFill>
+                        <a:schemeClr val="dk1"/>
+                      </a:solidFill>
+                      <a:prstDash val="solid"/>
+                      <a:round/>
+                      <a:headEnd type="none" w="sm" len="sm"/>
+                      <a:tailEnd type="none" w="sm" len="sm"/>
+                    </a:lnL>
+                    <a:lnR w="12700" cap="flat" cmpd="sng">
+                      <a:solidFill>
+                        <a:schemeClr val="dk1"/>
+                      </a:solidFill>
+                      <a:prstDash val="solid"/>
+                      <a:round/>
+                      <a:headEnd type="none" w="sm" len="sm"/>
+                      <a:tailEnd type="none" w="sm" len="sm"/>
+                    </a:lnR>
+                    <a:lnT w="12700" cap="flat" cmpd="sng">
+                      <a:solidFill>
+                        <a:schemeClr val="dk1"/>
+                      </a:solidFill>
+                      <a:prstDash val="solid"/>
+                      <a:round/>
+                      <a:headEnd type="none" w="sm" len="sm"/>
+                      <a:tailEnd type="none" w="sm" len="sm"/>
+                    </a:lnT>
+                    <a:lnB w="12700" cap="flat" cmpd="sng">
+                      <a:solidFill>
+                        <a:schemeClr val="dk1"/>
+                      </a:solidFill>
+                      <a:prstDash val="solid"/>
+                      <a:round/>
+                      <a:headEnd type="none" w="sm" len="sm"/>
+                      <a:tailEnd type="none" w="sm" len="sm"/>
+                    </a:lnB>
+                    <a:solidFill>
+                      <a:schemeClr val="lt1"/>
+                    </a:solidFill>
+                  </a:tcPr>
+                </a:tc>
+                <a:tc vMerge="1">
+                  <a:txBody>
+                    <a:bodyPr/>
+                    <a:lstStyle/>
+                    <a:p>
+                      <a:pPr marL="0" marR="0" lvl="0" indent="0" algn="ctr" rtl="0">
+                        <a:spcBef>
+                          <a:spcPts val="0"/>
+                        </a:spcBef>
+                        <a:spcAft>
+                          <a:spcPts val="0"/>
+                        </a:spcAft>
+                        <a:buNone/>
+                      </a:pPr>
+                      <a:endParaRPr sz="1400" u="none" strike="noStrike" cap="none" dirty="0">
+                        <a:solidFill>
+                          <a:schemeClr val="dk1"/>
+                        </a:solidFill>
+                      </a:endParaRPr>
+                    </a:p>
+                  </a:txBody>
+                  <a:tcPr marL="91450" marR="91450" marT="45725" marB="45725" anchor="ctr" anchorCtr="1">
+                    <a:lnL w="12700" cap="flat" cmpd="sng">
+                      <a:solidFill>
+                        <a:schemeClr val="dk1"/>
+                      </a:solidFill>
+                      <a:prstDash val="solid"/>
+                      <a:round/>
+                      <a:headEnd type="none" w="sm" len="sm"/>
+                      <a:tailEnd type="none" w="sm" len="sm"/>
+                    </a:lnL>
+                    <a:lnR w="12700" cap="flat" cmpd="sng">
+                      <a:solidFill>
+                        <a:schemeClr val="dk1"/>
+                      </a:solidFill>
+                      <a:prstDash val="solid"/>
+                      <a:round/>
+                      <a:headEnd type="none" w="sm" len="sm"/>
+                      <a:tailEnd type="none" w="sm" len="sm"/>
+                    </a:lnR>
+                    <a:lnT w="12700" cap="flat" cmpd="sng">
+                      <a:solidFill>
+                        <a:schemeClr val="dk1"/>
+                      </a:solidFill>
+                      <a:prstDash val="solid"/>
+                      <a:round/>
+                      <a:headEnd type="none" w="sm" len="sm"/>
+                      <a:tailEnd type="none" w="sm" len="sm"/>
+                    </a:lnT>
+                    <a:lnB w="12700" cap="flat" cmpd="sng">
+                      <a:solidFill>
+                        <a:schemeClr val="dk1"/>
+                      </a:solidFill>
+                      <a:prstDash val="solid"/>
+                      <a:round/>
+                      <a:headEnd type="none" w="sm" len="sm"/>
+                      <a:tailEnd type="none" w="sm" len="sm"/>
+                    </a:lnB>
+                    <a:solidFill>
+                      <a:schemeClr val="lt1"/>
+                    </a:solidFill>
+                  </a:tcPr>
+                </a:tc>
+                <a:extLst>
+                  <a:ext uri="{0D108BD9-81ED-4DB2-BD59-A6C34878D82A}">
+                    <a16:rowId xmlns:a16="http://schemas.microsoft.com/office/drawing/2014/main" val="10003"/>
+                  </a:ext>
+                </a:extLst>
+              </a:tr>
+            </a:tbl>
+          </a:graphicData>
+        </a:graphic>
+      </p:graphicFrame>
       <p:sp>
         <p:nvSpPr>
-          <p:cNvPr id="11" name="Google Shape;124;p3">
+          <p:cNvPr id="4" name="Google Shape;124;p3">
             <a:extLst>
               <a:ext uri="{FF2B5EF4-FFF2-40B4-BE49-F238E27FC236}">
-                <a16:creationId xmlns:a16="http://schemas.microsoft.com/office/drawing/2014/main" id="{52001B71-232E-2843-0D1F-67A1DB6830AF}"/>
+                <a16:creationId xmlns:a16="http://schemas.microsoft.com/office/drawing/2014/main" id="{F24F7B11-134E-45E5-00B7-CF2606C5C41C}"/>
               </a:ext>
             </a:extLst>
           </p:cNvPr>
@@ -13138,8 +14914,8 @@
         </p:nvSpPr>
         <p:spPr>
           <a:xfrm>
-            <a:off x="6723631" y="1893263"/>
-            <a:ext cx="5338811" cy="400069"/>
+            <a:off x="6913197" y="5776487"/>
+            <a:ext cx="5278802" cy="338514"/>
           </a:xfrm>
           <a:prstGeom prst="rect">
             <a:avLst/>
@@ -13155,7 +14931,7 @@
           </a:bodyPr>
           <a:lstStyle/>
           <a:p>
-            <a:pPr marL="0" marR="0" lvl="0" indent="0" rtl="0">
+            <a:pPr marL="0" marR="0" lvl="0" indent="0" algn="ctr" rtl="0">
               <a:spcBef>
                 <a:spcPts val="0"/>
               </a:spcBef>
@@ -13165,7 +14941,7 @@
               <a:buNone/>
             </a:pPr>
             <a:r>
-              <a:rPr lang="en-US" sz="2000" b="1" dirty="0">
+              <a:rPr lang="ko-KR" altLang="en-US" sz="1600" b="1" dirty="0">
                 <a:solidFill>
                   <a:schemeClr val="bg1"/>
                 </a:solidFill>
@@ -13174,9 +14950,33 @@
                 <a:cs typeface="Malgun Gothic"/>
                 <a:sym typeface="Malgun Gothic"/>
               </a:rPr>
-              <a:t>1. </a:t>
-            </a:r>
-            <a:endParaRPr sz="2000" b="1" dirty="0">
+              <a:t>세 변수의 데이터 타입을 </a:t>
+            </a:r>
+            <a:r>
+              <a:rPr lang="en-US" altLang="ko-KR" sz="1600" b="1" dirty="0">
+                <a:solidFill>
+                  <a:srgbClr val="FFFF00"/>
+                </a:solidFill>
+                <a:latin typeface="+mj-lt"/>
+                <a:ea typeface="Malgun Gothic"/>
+                <a:cs typeface="Malgun Gothic"/>
+                <a:sym typeface="Malgun Gothic"/>
+              </a:rPr>
+              <a:t>FLOAT64</a:t>
+            </a:r>
+            <a:r>
+              <a:rPr lang="ko-KR" altLang="en-US" sz="1600" b="1" dirty="0">
+                <a:solidFill>
+                  <a:schemeClr val="bg1"/>
+                </a:solidFill>
+                <a:latin typeface="+mj-lt"/>
+                <a:ea typeface="Malgun Gothic"/>
+                <a:cs typeface="Malgun Gothic"/>
+                <a:sym typeface="Malgun Gothic"/>
+              </a:rPr>
+              <a:t>로 변경</a:t>
+            </a:r>
+            <a:endParaRPr sz="1600" b="1" dirty="0">
               <a:solidFill>
                 <a:schemeClr val="bg1"/>
               </a:solidFill>
@@ -13428,6 +15228,1792 @@
           </a:p>
         </p:txBody>
       </p:sp>
+      <p:graphicFrame>
+        <p:nvGraphicFramePr>
+          <p:cNvPr id="7" name="표 6">
+            <a:extLst>
+              <a:ext uri="{FF2B5EF4-FFF2-40B4-BE49-F238E27FC236}">
+                <a16:creationId xmlns:a16="http://schemas.microsoft.com/office/drawing/2014/main" id="{AC102832-A57D-675A-4D9F-DE0B3E96F614}"/>
+              </a:ext>
+            </a:extLst>
+          </p:cNvPr>
+          <p:cNvGraphicFramePr>
+            <a:graphicFrameLocks noGrp="1"/>
+          </p:cNvGraphicFramePr>
+          <p:nvPr>
+            <p:extLst>
+              <p:ext uri="{D42A27DB-BD31-4B8C-83A1-F6EECF244321}">
+                <p14:modId xmlns:p14="http://schemas.microsoft.com/office/powerpoint/2010/main" val="3334075108"/>
+              </p:ext>
+            </p:extLst>
+          </p:nvPr>
+        </p:nvGraphicFramePr>
+        <p:xfrm>
+          <a:off x="256988" y="2393332"/>
+          <a:ext cx="11468847" cy="2334410"/>
+        </p:xfrm>
+        <a:graphic>
+          <a:graphicData uri="http://schemas.openxmlformats.org/drawingml/2006/table">
+            <a:tbl>
+              <a:tblPr firstRow="1" bandRow="1">
+                <a:tableStyleId>{5C22544A-7EE6-4342-B048-85BDC9FD1C3A}</a:tableStyleId>
+              </a:tblPr>
+              <a:tblGrid>
+                <a:gridCol w="1910446">
+                  <a:extLst>
+                    <a:ext uri="{9D8B030D-6E8A-4147-A177-3AD203B41FA5}">
+                      <a16:colId xmlns:a16="http://schemas.microsoft.com/office/drawing/2014/main" val="336963943"/>
+                    </a:ext>
+                  </a:extLst>
+                </a:gridCol>
+                <a:gridCol w="1876465">
+                  <a:extLst>
+                    <a:ext uri="{9D8B030D-6E8A-4147-A177-3AD203B41FA5}">
+                      <a16:colId xmlns:a16="http://schemas.microsoft.com/office/drawing/2014/main" val="335339778"/>
+                    </a:ext>
+                  </a:extLst>
+                </a:gridCol>
+                <a:gridCol w="2398996">
+                  <a:extLst>
+                    <a:ext uri="{9D8B030D-6E8A-4147-A177-3AD203B41FA5}">
+                      <a16:colId xmlns:a16="http://schemas.microsoft.com/office/drawing/2014/main" val="2724588369"/>
+                    </a:ext>
+                  </a:extLst>
+                </a:gridCol>
+                <a:gridCol w="2734135">
+                  <a:extLst>
+                    <a:ext uri="{9D8B030D-6E8A-4147-A177-3AD203B41FA5}">
+                      <a16:colId xmlns:a16="http://schemas.microsoft.com/office/drawing/2014/main" val="195660497"/>
+                    </a:ext>
+                  </a:extLst>
+                </a:gridCol>
+                <a:gridCol w="2548805">
+                  <a:extLst>
+                    <a:ext uri="{9D8B030D-6E8A-4147-A177-3AD203B41FA5}">
+                      <a16:colId xmlns:a16="http://schemas.microsoft.com/office/drawing/2014/main" val="1040238814"/>
+                    </a:ext>
+                  </a:extLst>
+                </a:gridCol>
+              </a:tblGrid>
+              <a:tr h="577586">
+                <a:tc>
+                  <a:txBody>
+                    <a:bodyPr/>
+                    <a:lstStyle/>
+                    <a:p>
+                      <a:pPr algn="ctr" latinLnBrk="1"/>
+                      <a:r>
+                        <a:rPr lang="ko-KR" altLang="en-US" b="1" dirty="0">
+                          <a:solidFill>
+                            <a:schemeClr val="tx1"/>
+                          </a:solidFill>
+                        </a:rPr>
+                        <a:t>건물번호</a:t>
+                      </a:r>
+                    </a:p>
+                  </a:txBody>
+                  <a:tcPr anchor="ctr">
+                    <a:lnL w="12700" cap="flat" cmpd="sng" algn="ctr">
+                      <a:solidFill>
+                        <a:schemeClr val="tx1"/>
+                      </a:solidFill>
+                      <a:prstDash val="solid"/>
+                      <a:round/>
+                      <a:headEnd type="none" w="med" len="med"/>
+                      <a:tailEnd type="none" w="med" len="med"/>
+                    </a:lnL>
+                    <a:lnR w="12700" cap="flat" cmpd="sng" algn="ctr">
+                      <a:solidFill>
+                        <a:schemeClr val="tx1"/>
+                      </a:solidFill>
+                      <a:prstDash val="solid"/>
+                      <a:round/>
+                      <a:headEnd type="none" w="med" len="med"/>
+                      <a:tailEnd type="none" w="med" len="med"/>
+                    </a:lnR>
+                    <a:lnT w="12700" cap="flat" cmpd="sng" algn="ctr">
+                      <a:solidFill>
+                        <a:schemeClr val="tx1"/>
+                      </a:solidFill>
+                      <a:prstDash val="solid"/>
+                      <a:round/>
+                      <a:headEnd type="none" w="med" len="med"/>
+                      <a:tailEnd type="none" w="med" len="med"/>
+                    </a:lnT>
+                    <a:lnB w="12700" cap="flat" cmpd="sng" algn="ctr">
+                      <a:solidFill>
+                        <a:schemeClr val="tx1"/>
+                      </a:solidFill>
+                      <a:prstDash val="solid"/>
+                      <a:round/>
+                      <a:headEnd type="none" w="med" len="med"/>
+                      <a:tailEnd type="none" w="med" len="med"/>
+                    </a:lnB>
+                    <a:lnTlToBr w="12700" cmpd="sng">
+                      <a:noFill/>
+                      <a:prstDash val="solid"/>
+                    </a:lnTlToBr>
+                    <a:lnBlToTr w="12700" cmpd="sng">
+                      <a:noFill/>
+                      <a:prstDash val="solid"/>
+                    </a:lnBlToTr>
+                    <a:solidFill>
+                      <a:schemeClr val="bg2">
+                        <a:lumMod val="90000"/>
+                      </a:schemeClr>
+                    </a:solidFill>
+                  </a:tcPr>
+                </a:tc>
+                <a:tc>
+                  <a:txBody>
+                    <a:bodyPr/>
+                    <a:lstStyle/>
+                    <a:p>
+                      <a:pPr algn="ctr" latinLnBrk="1"/>
+                      <a:r>
+                        <a:rPr lang="ko-KR" altLang="en-US" b="1" dirty="0">
+                          <a:solidFill>
+                            <a:schemeClr val="tx1"/>
+                          </a:solidFill>
+                        </a:rPr>
+                        <a:t>건물유형</a:t>
+                      </a:r>
+                    </a:p>
+                  </a:txBody>
+                  <a:tcPr anchor="ctr">
+                    <a:lnL w="12700" cap="flat" cmpd="sng" algn="ctr">
+                      <a:solidFill>
+                        <a:schemeClr val="tx1"/>
+                      </a:solidFill>
+                      <a:prstDash val="solid"/>
+                      <a:round/>
+                      <a:headEnd type="none" w="med" len="med"/>
+                      <a:tailEnd type="none" w="med" len="med"/>
+                    </a:lnL>
+                    <a:lnR w="12700" cap="flat" cmpd="sng" algn="ctr">
+                      <a:solidFill>
+                        <a:schemeClr val="tx1"/>
+                      </a:solidFill>
+                      <a:prstDash val="solid"/>
+                      <a:round/>
+                      <a:headEnd type="none" w="med" len="med"/>
+                      <a:tailEnd type="none" w="med" len="med"/>
+                    </a:lnR>
+                    <a:lnT w="12700" cap="flat" cmpd="sng" algn="ctr">
+                      <a:solidFill>
+                        <a:schemeClr val="tx1"/>
+                      </a:solidFill>
+                      <a:prstDash val="solid"/>
+                      <a:round/>
+                      <a:headEnd type="none" w="med" len="med"/>
+                      <a:tailEnd type="none" w="med" len="med"/>
+                    </a:lnT>
+                    <a:lnB w="12700" cap="flat" cmpd="sng" algn="ctr">
+                      <a:solidFill>
+                        <a:schemeClr val="tx1"/>
+                      </a:solidFill>
+                      <a:prstDash val="solid"/>
+                      <a:round/>
+                      <a:headEnd type="none" w="med" len="med"/>
+                      <a:tailEnd type="none" w="med" len="med"/>
+                    </a:lnB>
+                    <a:lnTlToBr w="12700" cmpd="sng">
+                      <a:noFill/>
+                      <a:prstDash val="solid"/>
+                    </a:lnTlToBr>
+                    <a:lnBlToTr w="12700" cmpd="sng">
+                      <a:noFill/>
+                      <a:prstDash val="solid"/>
+                    </a:lnBlToTr>
+                    <a:solidFill>
+                      <a:schemeClr val="bg2">
+                        <a:lumMod val="90000"/>
+                      </a:schemeClr>
+                    </a:solidFill>
+                  </a:tcPr>
+                </a:tc>
+                <a:tc>
+                  <a:txBody>
+                    <a:bodyPr/>
+                    <a:lstStyle/>
+                    <a:p>
+                      <a:pPr algn="ctr" latinLnBrk="1"/>
+                      <a:r>
+                        <a:rPr lang="ko-KR" altLang="en-US" b="1" dirty="0">
+                          <a:solidFill>
+                            <a:schemeClr val="tx1"/>
+                          </a:solidFill>
+                        </a:rPr>
+                        <a:t>연면적</a:t>
+                      </a:r>
+                    </a:p>
+                  </a:txBody>
+                  <a:tcPr anchor="ctr">
+                    <a:lnL w="12700" cap="flat" cmpd="sng" algn="ctr">
+                      <a:solidFill>
+                        <a:schemeClr val="tx1"/>
+                      </a:solidFill>
+                      <a:prstDash val="solid"/>
+                      <a:round/>
+                      <a:headEnd type="none" w="med" len="med"/>
+                      <a:tailEnd type="none" w="med" len="med"/>
+                    </a:lnL>
+                    <a:lnR w="12700" cap="flat" cmpd="sng" algn="ctr">
+                      <a:solidFill>
+                        <a:schemeClr val="tx1"/>
+                      </a:solidFill>
+                      <a:prstDash val="solid"/>
+                      <a:round/>
+                      <a:headEnd type="none" w="med" len="med"/>
+                      <a:tailEnd type="none" w="med" len="med"/>
+                    </a:lnR>
+                    <a:lnT w="12700" cap="flat" cmpd="sng" algn="ctr">
+                      <a:solidFill>
+                        <a:schemeClr val="tx1"/>
+                      </a:solidFill>
+                      <a:prstDash val="solid"/>
+                      <a:round/>
+                      <a:headEnd type="none" w="med" len="med"/>
+                      <a:tailEnd type="none" w="med" len="med"/>
+                    </a:lnT>
+                    <a:lnB w="12700" cap="flat" cmpd="sng" algn="ctr">
+                      <a:solidFill>
+                        <a:schemeClr val="tx1"/>
+                      </a:solidFill>
+                      <a:prstDash val="solid"/>
+                      <a:round/>
+                      <a:headEnd type="none" w="med" len="med"/>
+                      <a:tailEnd type="none" w="med" len="med"/>
+                    </a:lnB>
+                    <a:lnTlToBr w="12700" cmpd="sng">
+                      <a:noFill/>
+                      <a:prstDash val="solid"/>
+                    </a:lnTlToBr>
+                    <a:lnBlToTr w="12700" cmpd="sng">
+                      <a:noFill/>
+                      <a:prstDash val="solid"/>
+                    </a:lnBlToTr>
+                    <a:solidFill>
+                      <a:schemeClr val="bg2">
+                        <a:lumMod val="90000"/>
+                      </a:schemeClr>
+                    </a:solidFill>
+                  </a:tcPr>
+                </a:tc>
+                <a:tc>
+                  <a:txBody>
+                    <a:bodyPr/>
+                    <a:lstStyle/>
+                    <a:p>
+                      <a:pPr algn="ctr" latinLnBrk="1"/>
+                      <a:r>
+                        <a:rPr lang="ko-KR" altLang="en-US" b="1" dirty="0">
+                          <a:solidFill>
+                            <a:schemeClr val="tx1"/>
+                          </a:solidFill>
+                        </a:rPr>
+                        <a:t>냉방면적</a:t>
+                      </a:r>
+                      <a:r>
+                        <a:rPr lang="en-US" altLang="ko-KR" b="1" dirty="0">
+                          <a:solidFill>
+                            <a:schemeClr val="tx1"/>
+                          </a:solidFill>
+                        </a:rPr>
+                        <a:t>(</a:t>
+                      </a:r>
+                      <a:r>
+                        <a:rPr lang="ko-KR" altLang="en-US" b="1" dirty="0">
+                          <a:solidFill>
+                            <a:schemeClr val="tx1"/>
+                          </a:solidFill>
+                        </a:rPr>
+                        <a:t>전</a:t>
+                      </a:r>
+                      <a:r>
+                        <a:rPr lang="en-US" altLang="ko-KR" b="1" dirty="0">
+                          <a:solidFill>
+                            <a:schemeClr val="tx1"/>
+                          </a:solidFill>
+                        </a:rPr>
+                        <a:t>)</a:t>
+                      </a:r>
+                      <a:endParaRPr lang="ko-KR" altLang="en-US" b="1" dirty="0">
+                        <a:solidFill>
+                          <a:schemeClr val="tx1"/>
+                        </a:solidFill>
+                      </a:endParaRPr>
+                    </a:p>
+                  </a:txBody>
+                  <a:tcPr anchor="ctr">
+                    <a:lnL w="12700" cap="flat" cmpd="sng" algn="ctr">
+                      <a:solidFill>
+                        <a:schemeClr val="tx1"/>
+                      </a:solidFill>
+                      <a:prstDash val="solid"/>
+                      <a:round/>
+                      <a:headEnd type="none" w="med" len="med"/>
+                      <a:tailEnd type="none" w="med" len="med"/>
+                    </a:lnL>
+                    <a:lnR w="12700" cap="flat" cmpd="sng" algn="ctr">
+                      <a:solidFill>
+                        <a:schemeClr val="tx1"/>
+                      </a:solidFill>
+                      <a:prstDash val="solid"/>
+                      <a:round/>
+                      <a:headEnd type="none" w="med" len="med"/>
+                      <a:tailEnd type="none" w="med" len="med"/>
+                    </a:lnR>
+                    <a:lnT w="12700" cap="flat" cmpd="sng" algn="ctr">
+                      <a:solidFill>
+                        <a:schemeClr val="tx1"/>
+                      </a:solidFill>
+                      <a:prstDash val="solid"/>
+                      <a:round/>
+                      <a:headEnd type="none" w="med" len="med"/>
+                      <a:tailEnd type="none" w="med" len="med"/>
+                    </a:lnT>
+                    <a:lnB w="12700" cap="flat" cmpd="sng" algn="ctr">
+                      <a:solidFill>
+                        <a:schemeClr val="tx1"/>
+                      </a:solidFill>
+                      <a:prstDash val="solid"/>
+                      <a:round/>
+                      <a:headEnd type="none" w="med" len="med"/>
+                      <a:tailEnd type="none" w="med" len="med"/>
+                    </a:lnB>
+                    <a:lnTlToBr w="12700" cmpd="sng">
+                      <a:noFill/>
+                      <a:prstDash val="solid"/>
+                    </a:lnTlToBr>
+                    <a:lnBlToTr w="12700" cmpd="sng">
+                      <a:noFill/>
+                      <a:prstDash val="solid"/>
+                    </a:lnBlToTr>
+                    <a:solidFill>
+                      <a:schemeClr val="bg2">
+                        <a:lumMod val="90000"/>
+                      </a:schemeClr>
+                    </a:solidFill>
+                  </a:tcPr>
+                </a:tc>
+                <a:tc>
+                  <a:txBody>
+                    <a:bodyPr/>
+                    <a:lstStyle/>
+                    <a:p>
+                      <a:pPr algn="ctr" latinLnBrk="1"/>
+                      <a:r>
+                        <a:rPr lang="ko-KR" altLang="en-US" b="1" dirty="0">
+                          <a:solidFill>
+                            <a:srgbClr val="C00000"/>
+                          </a:solidFill>
+                        </a:rPr>
+                        <a:t>냉방면적</a:t>
+                      </a:r>
+                      <a:r>
+                        <a:rPr lang="en-US" altLang="ko-KR" b="1" dirty="0">
+                          <a:solidFill>
+                            <a:srgbClr val="C00000"/>
+                          </a:solidFill>
+                        </a:rPr>
+                        <a:t>(</a:t>
+                      </a:r>
+                      <a:r>
+                        <a:rPr lang="ko-KR" altLang="en-US" b="1" dirty="0">
+                          <a:solidFill>
+                            <a:srgbClr val="C00000"/>
+                          </a:solidFill>
+                        </a:rPr>
+                        <a:t>후</a:t>
+                      </a:r>
+                      <a:r>
+                        <a:rPr lang="en-US" altLang="ko-KR" b="1" dirty="0">
+                          <a:solidFill>
+                            <a:srgbClr val="C00000"/>
+                          </a:solidFill>
+                        </a:rPr>
+                        <a:t>)</a:t>
+                      </a:r>
+                      <a:endParaRPr lang="ko-KR" altLang="en-US" b="1" dirty="0">
+                        <a:solidFill>
+                          <a:srgbClr val="C00000"/>
+                        </a:solidFill>
+                      </a:endParaRPr>
+                    </a:p>
+                  </a:txBody>
+                  <a:tcPr anchor="ctr">
+                    <a:lnL w="12700" cap="flat" cmpd="sng" algn="ctr">
+                      <a:solidFill>
+                        <a:schemeClr val="tx1"/>
+                      </a:solidFill>
+                      <a:prstDash val="solid"/>
+                      <a:round/>
+                      <a:headEnd type="none" w="med" len="med"/>
+                      <a:tailEnd type="none" w="med" len="med"/>
+                    </a:lnL>
+                    <a:lnR w="12700" cap="flat" cmpd="sng" algn="ctr">
+                      <a:solidFill>
+                        <a:schemeClr val="tx1"/>
+                      </a:solidFill>
+                      <a:prstDash val="solid"/>
+                      <a:round/>
+                      <a:headEnd type="none" w="med" len="med"/>
+                      <a:tailEnd type="none" w="med" len="med"/>
+                    </a:lnR>
+                    <a:lnT w="12700" cap="flat" cmpd="sng" algn="ctr">
+                      <a:solidFill>
+                        <a:schemeClr val="tx1"/>
+                      </a:solidFill>
+                      <a:prstDash val="solid"/>
+                      <a:round/>
+                      <a:headEnd type="none" w="med" len="med"/>
+                      <a:tailEnd type="none" w="med" len="med"/>
+                    </a:lnT>
+                    <a:lnB w="12700" cap="flat" cmpd="sng" algn="ctr">
+                      <a:solidFill>
+                        <a:schemeClr val="tx1"/>
+                      </a:solidFill>
+                      <a:prstDash val="solid"/>
+                      <a:round/>
+                      <a:headEnd type="none" w="med" len="med"/>
+                      <a:tailEnd type="none" w="med" len="med"/>
+                    </a:lnB>
+                    <a:lnTlToBr w="12700" cmpd="sng">
+                      <a:noFill/>
+                      <a:prstDash val="solid"/>
+                    </a:lnTlToBr>
+                    <a:lnBlToTr w="12700" cmpd="sng">
+                      <a:noFill/>
+                      <a:prstDash val="solid"/>
+                    </a:lnBlToTr>
+                    <a:solidFill>
+                      <a:schemeClr val="bg2">
+                        <a:lumMod val="90000"/>
+                      </a:schemeClr>
+                    </a:solidFill>
+                  </a:tcPr>
+                </a:tc>
+                <a:extLst>
+                  <a:ext uri="{0D108BD9-81ED-4DB2-BD59-A6C34878D82A}">
+                    <a16:rowId xmlns:a16="http://schemas.microsoft.com/office/drawing/2014/main" val="705861328"/>
+                  </a:ext>
+                </a:extLst>
+              </a:tr>
+              <a:tr h="585608">
+                <a:tc>
+                  <a:txBody>
+                    <a:bodyPr/>
+                    <a:lstStyle/>
+                    <a:p>
+                      <a:pPr algn="ctr" latinLnBrk="1"/>
+                      <a:r>
+                        <a:rPr lang="en-US" altLang="ko-KR" b="1" dirty="0">
+                          <a:solidFill>
+                            <a:schemeClr val="tx1"/>
+                          </a:solidFill>
+                        </a:rPr>
+                        <a:t>64</a:t>
+                      </a:r>
+                      <a:endParaRPr lang="ko-KR" altLang="en-US" b="1" dirty="0">
+                        <a:solidFill>
+                          <a:schemeClr val="tx1"/>
+                        </a:solidFill>
+                      </a:endParaRPr>
+                    </a:p>
+                  </a:txBody>
+                  <a:tcPr anchor="ctr">
+                    <a:lnL w="12700" cap="flat" cmpd="sng" algn="ctr">
+                      <a:solidFill>
+                        <a:schemeClr val="tx1"/>
+                      </a:solidFill>
+                      <a:prstDash val="solid"/>
+                      <a:round/>
+                      <a:headEnd type="none" w="med" len="med"/>
+                      <a:tailEnd type="none" w="med" len="med"/>
+                    </a:lnL>
+                    <a:lnR w="12700" cap="flat" cmpd="sng" algn="ctr">
+                      <a:solidFill>
+                        <a:schemeClr val="tx1"/>
+                      </a:solidFill>
+                      <a:prstDash val="solid"/>
+                      <a:round/>
+                      <a:headEnd type="none" w="med" len="med"/>
+                      <a:tailEnd type="none" w="med" len="med"/>
+                    </a:lnR>
+                    <a:lnT w="12700" cap="flat" cmpd="sng" algn="ctr">
+                      <a:solidFill>
+                        <a:schemeClr val="tx1"/>
+                      </a:solidFill>
+                      <a:prstDash val="solid"/>
+                      <a:round/>
+                      <a:headEnd type="none" w="med" len="med"/>
+                      <a:tailEnd type="none" w="med" len="med"/>
+                    </a:lnT>
+                    <a:lnB w="12700" cap="flat" cmpd="sng" algn="ctr">
+                      <a:solidFill>
+                        <a:schemeClr val="tx1"/>
+                      </a:solidFill>
+                      <a:prstDash val="solid"/>
+                      <a:round/>
+                      <a:headEnd type="none" w="med" len="med"/>
+                      <a:tailEnd type="none" w="med" len="med"/>
+                    </a:lnB>
+                    <a:lnTlToBr w="12700" cmpd="sng">
+                      <a:noFill/>
+                      <a:prstDash val="solid"/>
+                    </a:lnTlToBr>
+                    <a:lnBlToTr w="12700" cmpd="sng">
+                      <a:noFill/>
+                      <a:prstDash val="solid"/>
+                    </a:lnBlToTr>
+                    <a:solidFill>
+                      <a:schemeClr val="bg1"/>
+                    </a:solidFill>
+                  </a:tcPr>
+                </a:tc>
+                <a:tc>
+                  <a:txBody>
+                    <a:bodyPr/>
+                    <a:lstStyle/>
+                    <a:p>
+                      <a:pPr algn="ctr" latinLnBrk="1"/>
+                      <a:r>
+                        <a:rPr lang="ko-KR" altLang="en-US" b="1" dirty="0">
+                          <a:solidFill>
+                            <a:schemeClr val="tx1"/>
+                          </a:solidFill>
+                        </a:rPr>
+                        <a:t>아파트</a:t>
+                      </a:r>
+                    </a:p>
+                  </a:txBody>
+                  <a:tcPr anchor="ctr">
+                    <a:lnL w="12700" cap="flat" cmpd="sng" algn="ctr">
+                      <a:solidFill>
+                        <a:schemeClr val="tx1"/>
+                      </a:solidFill>
+                      <a:prstDash val="solid"/>
+                      <a:round/>
+                      <a:headEnd type="none" w="med" len="med"/>
+                      <a:tailEnd type="none" w="med" len="med"/>
+                    </a:lnL>
+                    <a:lnR w="12700" cap="flat" cmpd="sng" algn="ctr">
+                      <a:solidFill>
+                        <a:schemeClr val="tx1"/>
+                      </a:solidFill>
+                      <a:prstDash val="solid"/>
+                      <a:round/>
+                      <a:headEnd type="none" w="med" len="med"/>
+                      <a:tailEnd type="none" w="med" len="med"/>
+                    </a:lnR>
+                    <a:lnT w="12700" cap="flat" cmpd="sng" algn="ctr">
+                      <a:solidFill>
+                        <a:schemeClr val="tx1"/>
+                      </a:solidFill>
+                      <a:prstDash val="solid"/>
+                      <a:round/>
+                      <a:headEnd type="none" w="med" len="med"/>
+                      <a:tailEnd type="none" w="med" len="med"/>
+                    </a:lnT>
+                    <a:lnB w="12700" cap="flat" cmpd="sng" algn="ctr">
+                      <a:solidFill>
+                        <a:schemeClr val="tx1"/>
+                      </a:solidFill>
+                      <a:prstDash val="solid"/>
+                      <a:round/>
+                      <a:headEnd type="none" w="med" len="med"/>
+                      <a:tailEnd type="none" w="med" len="med"/>
+                    </a:lnB>
+                    <a:lnTlToBr w="12700" cmpd="sng">
+                      <a:noFill/>
+                      <a:prstDash val="solid"/>
+                    </a:lnTlToBr>
+                    <a:lnBlToTr w="12700" cmpd="sng">
+                      <a:noFill/>
+                      <a:prstDash val="solid"/>
+                    </a:lnBlToTr>
+                    <a:solidFill>
+                      <a:schemeClr val="bg1"/>
+                    </a:solidFill>
+                  </a:tcPr>
+                </a:tc>
+                <a:tc>
+                  <a:txBody>
+                    <a:bodyPr/>
+                    <a:lstStyle/>
+                    <a:p>
+                      <a:pPr algn="ctr"/>
+                      <a:r>
+                        <a:rPr lang="en-US" altLang="ko-KR" b="1" dirty="0">
+                          <a:solidFill>
+                            <a:schemeClr val="tx1"/>
+                          </a:solidFill>
+                          <a:effectLst/>
+                        </a:rPr>
+                        <a:t>183839.000</a:t>
+                      </a:r>
+                    </a:p>
+                  </a:txBody>
+                  <a:tcPr marL="76200" marR="76200" marT="38100" marB="38100" anchor="ctr">
+                    <a:lnL w="12700" cap="flat" cmpd="sng" algn="ctr">
+                      <a:solidFill>
+                        <a:schemeClr val="tx1"/>
+                      </a:solidFill>
+                      <a:prstDash val="solid"/>
+                      <a:round/>
+                      <a:headEnd type="none" w="med" len="med"/>
+                      <a:tailEnd type="none" w="med" len="med"/>
+                    </a:lnL>
+                    <a:lnR w="12700" cap="flat" cmpd="sng" algn="ctr">
+                      <a:solidFill>
+                        <a:schemeClr val="tx1"/>
+                      </a:solidFill>
+                      <a:prstDash val="solid"/>
+                      <a:round/>
+                      <a:headEnd type="none" w="med" len="med"/>
+                      <a:tailEnd type="none" w="med" len="med"/>
+                    </a:lnR>
+                    <a:lnT w="12700" cap="flat" cmpd="sng" algn="ctr">
+                      <a:solidFill>
+                        <a:schemeClr val="tx1"/>
+                      </a:solidFill>
+                      <a:prstDash val="solid"/>
+                      <a:round/>
+                      <a:headEnd type="none" w="med" len="med"/>
+                      <a:tailEnd type="none" w="med" len="med"/>
+                    </a:lnT>
+                    <a:lnB w="12700" cap="flat" cmpd="sng" algn="ctr">
+                      <a:solidFill>
+                        <a:schemeClr val="tx1"/>
+                      </a:solidFill>
+                      <a:prstDash val="solid"/>
+                      <a:round/>
+                      <a:headEnd type="none" w="med" len="med"/>
+                      <a:tailEnd type="none" w="med" len="med"/>
+                    </a:lnB>
+                    <a:lnTlToBr w="12700" cmpd="sng">
+                      <a:noFill/>
+                      <a:prstDash val="solid"/>
+                    </a:lnTlToBr>
+                    <a:lnBlToTr w="12700" cmpd="sng">
+                      <a:noFill/>
+                      <a:prstDash val="solid"/>
+                    </a:lnBlToTr>
+                    <a:solidFill>
+                      <a:schemeClr val="bg1"/>
+                    </a:solidFill>
+                  </a:tcPr>
+                </a:tc>
+                <a:tc>
+                  <a:txBody>
+                    <a:bodyPr/>
+                    <a:lstStyle/>
+                    <a:p>
+                      <a:pPr algn="ctr" latinLnBrk="1"/>
+                      <a:r>
+                        <a:rPr lang="en-US" altLang="ko-KR" b="1" dirty="0">
+                          <a:solidFill>
+                            <a:schemeClr val="tx1"/>
+                          </a:solidFill>
+                        </a:rPr>
+                        <a:t>0</a:t>
+                      </a:r>
+                      <a:endParaRPr lang="ko-KR" altLang="en-US" b="1" dirty="0">
+                        <a:solidFill>
+                          <a:schemeClr val="tx1"/>
+                        </a:solidFill>
+                      </a:endParaRPr>
+                    </a:p>
+                  </a:txBody>
+                  <a:tcPr anchor="ctr">
+                    <a:lnL w="12700" cap="flat" cmpd="sng" algn="ctr">
+                      <a:solidFill>
+                        <a:schemeClr val="tx1"/>
+                      </a:solidFill>
+                      <a:prstDash val="solid"/>
+                      <a:round/>
+                      <a:headEnd type="none" w="med" len="med"/>
+                      <a:tailEnd type="none" w="med" len="med"/>
+                    </a:lnL>
+                    <a:lnR w="12700" cap="flat" cmpd="sng" algn="ctr">
+                      <a:solidFill>
+                        <a:schemeClr val="tx1"/>
+                      </a:solidFill>
+                      <a:prstDash val="solid"/>
+                      <a:round/>
+                      <a:headEnd type="none" w="med" len="med"/>
+                      <a:tailEnd type="none" w="med" len="med"/>
+                    </a:lnR>
+                    <a:lnT w="12700" cap="flat" cmpd="sng" algn="ctr">
+                      <a:solidFill>
+                        <a:schemeClr val="tx1"/>
+                      </a:solidFill>
+                      <a:prstDash val="solid"/>
+                      <a:round/>
+                      <a:headEnd type="none" w="med" len="med"/>
+                      <a:tailEnd type="none" w="med" len="med"/>
+                    </a:lnT>
+                    <a:lnB w="12700" cap="flat" cmpd="sng" algn="ctr">
+                      <a:solidFill>
+                        <a:schemeClr val="tx1"/>
+                      </a:solidFill>
+                      <a:prstDash val="solid"/>
+                      <a:round/>
+                      <a:headEnd type="none" w="med" len="med"/>
+                      <a:tailEnd type="none" w="med" len="med"/>
+                    </a:lnB>
+                    <a:lnTlToBr w="12700" cmpd="sng">
+                      <a:noFill/>
+                      <a:prstDash val="solid"/>
+                    </a:lnTlToBr>
+                    <a:lnBlToTr w="12700" cmpd="sng">
+                      <a:noFill/>
+                      <a:prstDash val="solid"/>
+                    </a:lnBlToTr>
+                    <a:solidFill>
+                      <a:schemeClr val="bg1"/>
+                    </a:solidFill>
+                  </a:tcPr>
+                </a:tc>
+                <a:tc>
+                  <a:txBody>
+                    <a:bodyPr/>
+                    <a:lstStyle/>
+                    <a:p>
+                      <a:pPr algn="ctr"/>
+                      <a:r>
+                        <a:rPr lang="en-US" altLang="ko-KR" b="1" dirty="0">
+                          <a:solidFill>
+                            <a:srgbClr val="C00000"/>
+                          </a:solidFill>
+                          <a:effectLst/>
+                        </a:rPr>
+                        <a:t>14475</a:t>
+                      </a:r>
+                    </a:p>
+                  </a:txBody>
+                  <a:tcPr anchor="ctr">
+                    <a:lnL w="12700" cap="flat" cmpd="sng" algn="ctr">
+                      <a:solidFill>
+                        <a:schemeClr val="tx1"/>
+                      </a:solidFill>
+                      <a:prstDash val="solid"/>
+                      <a:round/>
+                      <a:headEnd type="none" w="med" len="med"/>
+                      <a:tailEnd type="none" w="med" len="med"/>
+                    </a:lnL>
+                    <a:lnR w="12700" cap="flat" cmpd="sng" algn="ctr">
+                      <a:solidFill>
+                        <a:schemeClr val="tx1"/>
+                      </a:solidFill>
+                      <a:prstDash val="solid"/>
+                      <a:round/>
+                      <a:headEnd type="none" w="med" len="med"/>
+                      <a:tailEnd type="none" w="med" len="med"/>
+                    </a:lnR>
+                    <a:lnT w="12700" cap="flat" cmpd="sng" algn="ctr">
+                      <a:solidFill>
+                        <a:schemeClr val="tx1"/>
+                      </a:solidFill>
+                      <a:prstDash val="solid"/>
+                      <a:round/>
+                      <a:headEnd type="none" w="med" len="med"/>
+                      <a:tailEnd type="none" w="med" len="med"/>
+                    </a:lnT>
+                    <a:lnB w="12700" cap="flat" cmpd="sng" algn="ctr">
+                      <a:solidFill>
+                        <a:schemeClr val="tx1"/>
+                      </a:solidFill>
+                      <a:prstDash val="solid"/>
+                      <a:round/>
+                      <a:headEnd type="none" w="med" len="med"/>
+                      <a:tailEnd type="none" w="med" len="med"/>
+                    </a:lnB>
+                    <a:lnTlToBr w="12700" cmpd="sng">
+                      <a:noFill/>
+                      <a:prstDash val="solid"/>
+                    </a:lnTlToBr>
+                    <a:lnBlToTr w="12700" cmpd="sng">
+                      <a:noFill/>
+                      <a:prstDash val="solid"/>
+                    </a:lnBlToTr>
+                    <a:solidFill>
+                      <a:schemeClr val="bg1"/>
+                    </a:solidFill>
+                  </a:tcPr>
+                </a:tc>
+                <a:extLst>
+                  <a:ext uri="{0D108BD9-81ED-4DB2-BD59-A6C34878D82A}">
+                    <a16:rowId xmlns:a16="http://schemas.microsoft.com/office/drawing/2014/main" val="311672072"/>
+                  </a:ext>
+                </a:extLst>
+              </a:tr>
+              <a:tr h="585608">
+                <a:tc>
+                  <a:txBody>
+                    <a:bodyPr/>
+                    <a:lstStyle/>
+                    <a:p>
+                      <a:pPr algn="ctr" latinLnBrk="1"/>
+                      <a:r>
+                        <a:rPr lang="en-US" altLang="ko-KR" b="1" dirty="0">
+                          <a:solidFill>
+                            <a:schemeClr val="tx1"/>
+                          </a:solidFill>
+                        </a:rPr>
+                        <a:t>65</a:t>
+                      </a:r>
+                      <a:endParaRPr lang="ko-KR" altLang="en-US" b="1" dirty="0">
+                        <a:solidFill>
+                          <a:schemeClr val="tx1"/>
+                        </a:solidFill>
+                      </a:endParaRPr>
+                    </a:p>
+                  </a:txBody>
+                  <a:tcPr anchor="ctr">
+                    <a:lnL w="12700" cap="flat" cmpd="sng" algn="ctr">
+                      <a:solidFill>
+                        <a:schemeClr val="tx1"/>
+                      </a:solidFill>
+                      <a:prstDash val="solid"/>
+                      <a:round/>
+                      <a:headEnd type="none" w="med" len="med"/>
+                      <a:tailEnd type="none" w="med" len="med"/>
+                    </a:lnL>
+                    <a:lnR w="12700" cap="flat" cmpd="sng" algn="ctr">
+                      <a:solidFill>
+                        <a:schemeClr val="tx1"/>
+                      </a:solidFill>
+                      <a:prstDash val="solid"/>
+                      <a:round/>
+                      <a:headEnd type="none" w="med" len="med"/>
+                      <a:tailEnd type="none" w="med" len="med"/>
+                    </a:lnR>
+                    <a:lnT w="12700" cap="flat" cmpd="sng" algn="ctr">
+                      <a:solidFill>
+                        <a:schemeClr val="tx1"/>
+                      </a:solidFill>
+                      <a:prstDash val="solid"/>
+                      <a:round/>
+                      <a:headEnd type="none" w="med" len="med"/>
+                      <a:tailEnd type="none" w="med" len="med"/>
+                    </a:lnT>
+                    <a:lnB w="12700" cap="flat" cmpd="sng" algn="ctr">
+                      <a:solidFill>
+                        <a:schemeClr val="tx1"/>
+                      </a:solidFill>
+                      <a:prstDash val="solid"/>
+                      <a:round/>
+                      <a:headEnd type="none" w="med" len="med"/>
+                      <a:tailEnd type="none" w="med" len="med"/>
+                    </a:lnB>
+                    <a:lnTlToBr w="12700" cmpd="sng">
+                      <a:noFill/>
+                      <a:prstDash val="solid"/>
+                    </a:lnTlToBr>
+                    <a:lnBlToTr w="12700" cmpd="sng">
+                      <a:noFill/>
+                      <a:prstDash val="solid"/>
+                    </a:lnBlToTr>
+                    <a:solidFill>
+                      <a:schemeClr val="bg1"/>
+                    </a:solidFill>
+                  </a:tcPr>
+                </a:tc>
+                <a:tc>
+                  <a:txBody>
+                    <a:bodyPr/>
+                    <a:lstStyle/>
+                    <a:p>
+                      <a:pPr algn="ctr" latinLnBrk="1"/>
+                      <a:r>
+                        <a:rPr lang="ko-KR" altLang="en-US" b="1" dirty="0">
+                          <a:solidFill>
+                            <a:schemeClr val="tx1"/>
+                          </a:solidFill>
+                        </a:rPr>
+                        <a:t>아파트</a:t>
+                      </a:r>
+                    </a:p>
+                  </a:txBody>
+                  <a:tcPr anchor="ctr">
+                    <a:lnL w="12700" cap="flat" cmpd="sng" algn="ctr">
+                      <a:solidFill>
+                        <a:schemeClr val="tx1"/>
+                      </a:solidFill>
+                      <a:prstDash val="solid"/>
+                      <a:round/>
+                      <a:headEnd type="none" w="med" len="med"/>
+                      <a:tailEnd type="none" w="med" len="med"/>
+                    </a:lnL>
+                    <a:lnR w="12700" cap="flat" cmpd="sng" algn="ctr">
+                      <a:solidFill>
+                        <a:schemeClr val="tx1"/>
+                      </a:solidFill>
+                      <a:prstDash val="solid"/>
+                      <a:round/>
+                      <a:headEnd type="none" w="med" len="med"/>
+                      <a:tailEnd type="none" w="med" len="med"/>
+                    </a:lnR>
+                    <a:lnT w="12700" cap="flat" cmpd="sng" algn="ctr">
+                      <a:solidFill>
+                        <a:schemeClr val="tx1"/>
+                      </a:solidFill>
+                      <a:prstDash val="solid"/>
+                      <a:round/>
+                      <a:headEnd type="none" w="med" len="med"/>
+                      <a:tailEnd type="none" w="med" len="med"/>
+                    </a:lnT>
+                    <a:lnB w="12700" cap="flat" cmpd="sng" algn="ctr">
+                      <a:solidFill>
+                        <a:schemeClr val="tx1"/>
+                      </a:solidFill>
+                      <a:prstDash val="solid"/>
+                      <a:round/>
+                      <a:headEnd type="none" w="med" len="med"/>
+                      <a:tailEnd type="none" w="med" len="med"/>
+                    </a:lnB>
+                    <a:lnTlToBr w="12700" cmpd="sng">
+                      <a:noFill/>
+                      <a:prstDash val="solid"/>
+                    </a:lnTlToBr>
+                    <a:lnBlToTr w="12700" cmpd="sng">
+                      <a:noFill/>
+                      <a:prstDash val="solid"/>
+                    </a:lnBlToTr>
+                    <a:solidFill>
+                      <a:schemeClr val="bg1"/>
+                    </a:solidFill>
+                  </a:tcPr>
+                </a:tc>
+                <a:tc>
+                  <a:txBody>
+                    <a:bodyPr/>
+                    <a:lstStyle/>
+                    <a:p>
+                      <a:pPr algn="ctr"/>
+                      <a:r>
+                        <a:rPr lang="en-US" altLang="ko-KR" b="1" dirty="0">
+                          <a:solidFill>
+                            <a:schemeClr val="tx1"/>
+                          </a:solidFill>
+                          <a:effectLst/>
+                        </a:rPr>
+                        <a:t>105073.000</a:t>
+                      </a:r>
+                    </a:p>
+                  </a:txBody>
+                  <a:tcPr marL="76200" marR="76200" marT="38100" marB="38100" anchor="ctr">
+                    <a:lnL w="12700" cap="flat" cmpd="sng" algn="ctr">
+                      <a:solidFill>
+                        <a:schemeClr val="tx1"/>
+                      </a:solidFill>
+                      <a:prstDash val="solid"/>
+                      <a:round/>
+                      <a:headEnd type="none" w="med" len="med"/>
+                      <a:tailEnd type="none" w="med" len="med"/>
+                    </a:lnL>
+                    <a:lnR w="12700" cap="flat" cmpd="sng" algn="ctr">
+                      <a:solidFill>
+                        <a:schemeClr val="tx1"/>
+                      </a:solidFill>
+                      <a:prstDash val="solid"/>
+                      <a:round/>
+                      <a:headEnd type="none" w="med" len="med"/>
+                      <a:tailEnd type="none" w="med" len="med"/>
+                    </a:lnR>
+                    <a:lnT w="12700" cap="flat" cmpd="sng" algn="ctr">
+                      <a:solidFill>
+                        <a:schemeClr val="tx1"/>
+                      </a:solidFill>
+                      <a:prstDash val="solid"/>
+                      <a:round/>
+                      <a:headEnd type="none" w="med" len="med"/>
+                      <a:tailEnd type="none" w="med" len="med"/>
+                    </a:lnT>
+                    <a:lnB w="12700" cap="flat" cmpd="sng" algn="ctr">
+                      <a:solidFill>
+                        <a:schemeClr val="tx1"/>
+                      </a:solidFill>
+                      <a:prstDash val="solid"/>
+                      <a:round/>
+                      <a:headEnd type="none" w="med" len="med"/>
+                      <a:tailEnd type="none" w="med" len="med"/>
+                    </a:lnB>
+                    <a:lnTlToBr w="12700" cmpd="sng">
+                      <a:noFill/>
+                      <a:prstDash val="solid"/>
+                    </a:lnTlToBr>
+                    <a:lnBlToTr w="12700" cmpd="sng">
+                      <a:noFill/>
+                      <a:prstDash val="solid"/>
+                    </a:lnBlToTr>
+                    <a:solidFill>
+                      <a:schemeClr val="bg1"/>
+                    </a:solidFill>
+                  </a:tcPr>
+                </a:tc>
+                <a:tc>
+                  <a:txBody>
+                    <a:bodyPr/>
+                    <a:lstStyle/>
+                    <a:p>
+                      <a:pPr algn="ctr" latinLnBrk="1"/>
+                      <a:r>
+                        <a:rPr lang="en-US" altLang="ko-KR" b="1" dirty="0">
+                          <a:solidFill>
+                            <a:schemeClr val="tx1"/>
+                          </a:solidFill>
+                        </a:rPr>
+                        <a:t>0</a:t>
+                      </a:r>
+                      <a:endParaRPr lang="ko-KR" altLang="en-US" b="1" dirty="0">
+                        <a:solidFill>
+                          <a:schemeClr val="tx1"/>
+                        </a:solidFill>
+                      </a:endParaRPr>
+                    </a:p>
+                  </a:txBody>
+                  <a:tcPr anchor="ctr">
+                    <a:lnL w="12700" cap="flat" cmpd="sng" algn="ctr">
+                      <a:solidFill>
+                        <a:schemeClr val="tx1"/>
+                      </a:solidFill>
+                      <a:prstDash val="solid"/>
+                      <a:round/>
+                      <a:headEnd type="none" w="med" len="med"/>
+                      <a:tailEnd type="none" w="med" len="med"/>
+                    </a:lnL>
+                    <a:lnR w="12700" cap="flat" cmpd="sng" algn="ctr">
+                      <a:solidFill>
+                        <a:schemeClr val="tx1"/>
+                      </a:solidFill>
+                      <a:prstDash val="solid"/>
+                      <a:round/>
+                      <a:headEnd type="none" w="med" len="med"/>
+                      <a:tailEnd type="none" w="med" len="med"/>
+                    </a:lnR>
+                    <a:lnT w="12700" cap="flat" cmpd="sng" algn="ctr">
+                      <a:solidFill>
+                        <a:schemeClr val="tx1"/>
+                      </a:solidFill>
+                      <a:prstDash val="solid"/>
+                      <a:round/>
+                      <a:headEnd type="none" w="med" len="med"/>
+                      <a:tailEnd type="none" w="med" len="med"/>
+                    </a:lnT>
+                    <a:lnB w="12700" cap="flat" cmpd="sng" algn="ctr">
+                      <a:solidFill>
+                        <a:schemeClr val="tx1"/>
+                      </a:solidFill>
+                      <a:prstDash val="solid"/>
+                      <a:round/>
+                      <a:headEnd type="none" w="med" len="med"/>
+                      <a:tailEnd type="none" w="med" len="med"/>
+                    </a:lnB>
+                    <a:lnTlToBr w="12700" cmpd="sng">
+                      <a:noFill/>
+                      <a:prstDash val="solid"/>
+                    </a:lnTlToBr>
+                    <a:lnBlToTr w="12700" cmpd="sng">
+                      <a:noFill/>
+                      <a:prstDash val="solid"/>
+                    </a:lnBlToTr>
+                    <a:solidFill>
+                      <a:schemeClr val="bg1"/>
+                    </a:solidFill>
+                  </a:tcPr>
+                </a:tc>
+                <a:tc>
+                  <a:txBody>
+                    <a:bodyPr/>
+                    <a:lstStyle/>
+                    <a:p>
+                      <a:pPr algn="ctr"/>
+                      <a:r>
+                        <a:rPr lang="en-US" altLang="ko-KR" b="1" dirty="0">
+                          <a:solidFill>
+                            <a:srgbClr val="C00000"/>
+                          </a:solidFill>
+                          <a:effectLst/>
+                        </a:rPr>
+                        <a:t>82735</a:t>
+                      </a:r>
+                    </a:p>
+                  </a:txBody>
+                  <a:tcPr marL="76200" marR="76200" marT="38100" marB="38100" anchor="ctr">
+                    <a:lnL w="12700" cap="flat" cmpd="sng" algn="ctr">
+                      <a:solidFill>
+                        <a:schemeClr val="tx1"/>
+                      </a:solidFill>
+                      <a:prstDash val="solid"/>
+                      <a:round/>
+                      <a:headEnd type="none" w="med" len="med"/>
+                      <a:tailEnd type="none" w="med" len="med"/>
+                    </a:lnL>
+                    <a:lnR w="12700" cap="flat" cmpd="sng" algn="ctr">
+                      <a:solidFill>
+                        <a:schemeClr val="tx1"/>
+                      </a:solidFill>
+                      <a:prstDash val="solid"/>
+                      <a:round/>
+                      <a:headEnd type="none" w="med" len="med"/>
+                      <a:tailEnd type="none" w="med" len="med"/>
+                    </a:lnR>
+                    <a:lnT w="12700" cap="flat" cmpd="sng" algn="ctr">
+                      <a:solidFill>
+                        <a:schemeClr val="tx1"/>
+                      </a:solidFill>
+                      <a:prstDash val="solid"/>
+                      <a:round/>
+                      <a:headEnd type="none" w="med" len="med"/>
+                      <a:tailEnd type="none" w="med" len="med"/>
+                    </a:lnT>
+                    <a:lnB w="12700" cap="flat" cmpd="sng" algn="ctr">
+                      <a:solidFill>
+                        <a:schemeClr val="tx1"/>
+                      </a:solidFill>
+                      <a:prstDash val="solid"/>
+                      <a:round/>
+                      <a:headEnd type="none" w="med" len="med"/>
+                      <a:tailEnd type="none" w="med" len="med"/>
+                    </a:lnB>
+                    <a:lnTlToBr w="12700" cmpd="sng">
+                      <a:noFill/>
+                      <a:prstDash val="solid"/>
+                    </a:lnTlToBr>
+                    <a:lnBlToTr w="12700" cmpd="sng">
+                      <a:noFill/>
+                      <a:prstDash val="solid"/>
+                    </a:lnBlToTr>
+                    <a:solidFill>
+                      <a:schemeClr val="bg1"/>
+                    </a:solidFill>
+                  </a:tcPr>
+                </a:tc>
+                <a:extLst>
+                  <a:ext uri="{0D108BD9-81ED-4DB2-BD59-A6C34878D82A}">
+                    <a16:rowId xmlns:a16="http://schemas.microsoft.com/office/drawing/2014/main" val="1129271722"/>
+                  </a:ext>
+                </a:extLst>
+              </a:tr>
+              <a:tr h="585608">
+                <a:tc>
+                  <a:txBody>
+                    <a:bodyPr/>
+                    <a:lstStyle/>
+                    <a:p>
+                      <a:pPr algn="ctr" latinLnBrk="1"/>
+                      <a:r>
+                        <a:rPr lang="en-US" altLang="ko-KR" b="1" dirty="0">
+                          <a:solidFill>
+                            <a:schemeClr val="tx1"/>
+                          </a:solidFill>
+                        </a:rPr>
+                        <a:t>67</a:t>
+                      </a:r>
+                      <a:endParaRPr lang="ko-KR" altLang="en-US" b="1" dirty="0">
+                        <a:solidFill>
+                          <a:schemeClr val="tx1"/>
+                        </a:solidFill>
+                      </a:endParaRPr>
+                    </a:p>
+                  </a:txBody>
+                  <a:tcPr anchor="ctr">
+                    <a:lnL w="12700" cap="flat" cmpd="sng" algn="ctr">
+                      <a:solidFill>
+                        <a:schemeClr val="tx1"/>
+                      </a:solidFill>
+                      <a:prstDash val="solid"/>
+                      <a:round/>
+                      <a:headEnd type="none" w="med" len="med"/>
+                      <a:tailEnd type="none" w="med" len="med"/>
+                    </a:lnL>
+                    <a:lnR w="12700" cap="flat" cmpd="sng" algn="ctr">
+                      <a:solidFill>
+                        <a:schemeClr val="tx1"/>
+                      </a:solidFill>
+                      <a:prstDash val="solid"/>
+                      <a:round/>
+                      <a:headEnd type="none" w="med" len="med"/>
+                      <a:tailEnd type="none" w="med" len="med"/>
+                    </a:lnR>
+                    <a:lnT w="12700" cap="flat" cmpd="sng" algn="ctr">
+                      <a:solidFill>
+                        <a:schemeClr val="tx1"/>
+                      </a:solidFill>
+                      <a:prstDash val="solid"/>
+                      <a:round/>
+                      <a:headEnd type="none" w="med" len="med"/>
+                      <a:tailEnd type="none" w="med" len="med"/>
+                    </a:lnT>
+                    <a:lnB w="12700" cap="flat" cmpd="sng" algn="ctr">
+                      <a:solidFill>
+                        <a:schemeClr val="tx1"/>
+                      </a:solidFill>
+                      <a:prstDash val="solid"/>
+                      <a:round/>
+                      <a:headEnd type="none" w="med" len="med"/>
+                      <a:tailEnd type="none" w="med" len="med"/>
+                    </a:lnB>
+                    <a:lnTlToBr w="12700" cmpd="sng">
+                      <a:noFill/>
+                      <a:prstDash val="solid"/>
+                    </a:lnTlToBr>
+                    <a:lnBlToTr w="12700" cmpd="sng">
+                      <a:noFill/>
+                      <a:prstDash val="solid"/>
+                    </a:lnBlToTr>
+                    <a:solidFill>
+                      <a:schemeClr val="bg1"/>
+                    </a:solidFill>
+                  </a:tcPr>
+                </a:tc>
+                <a:tc>
+                  <a:txBody>
+                    <a:bodyPr/>
+                    <a:lstStyle/>
+                    <a:p>
+                      <a:pPr algn="ctr" latinLnBrk="1"/>
+                      <a:r>
+                        <a:rPr lang="ko-KR" altLang="en-US" b="1" dirty="0">
+                          <a:solidFill>
+                            <a:schemeClr val="tx1"/>
+                          </a:solidFill>
+                        </a:rPr>
+                        <a:t>아파트</a:t>
+                      </a:r>
+                    </a:p>
+                  </a:txBody>
+                  <a:tcPr anchor="ctr">
+                    <a:lnL w="12700" cap="flat" cmpd="sng" algn="ctr">
+                      <a:solidFill>
+                        <a:schemeClr val="tx1"/>
+                      </a:solidFill>
+                      <a:prstDash val="solid"/>
+                      <a:round/>
+                      <a:headEnd type="none" w="med" len="med"/>
+                      <a:tailEnd type="none" w="med" len="med"/>
+                    </a:lnL>
+                    <a:lnR w="12700" cap="flat" cmpd="sng" algn="ctr">
+                      <a:solidFill>
+                        <a:schemeClr val="tx1"/>
+                      </a:solidFill>
+                      <a:prstDash val="solid"/>
+                      <a:round/>
+                      <a:headEnd type="none" w="med" len="med"/>
+                      <a:tailEnd type="none" w="med" len="med"/>
+                    </a:lnR>
+                    <a:lnT w="12700" cap="flat" cmpd="sng" algn="ctr">
+                      <a:solidFill>
+                        <a:schemeClr val="tx1"/>
+                      </a:solidFill>
+                      <a:prstDash val="solid"/>
+                      <a:round/>
+                      <a:headEnd type="none" w="med" len="med"/>
+                      <a:tailEnd type="none" w="med" len="med"/>
+                    </a:lnT>
+                    <a:lnB w="12700" cap="flat" cmpd="sng" algn="ctr">
+                      <a:solidFill>
+                        <a:schemeClr val="tx1"/>
+                      </a:solidFill>
+                      <a:prstDash val="solid"/>
+                      <a:round/>
+                      <a:headEnd type="none" w="med" len="med"/>
+                      <a:tailEnd type="none" w="med" len="med"/>
+                    </a:lnB>
+                    <a:lnTlToBr w="12700" cmpd="sng">
+                      <a:noFill/>
+                      <a:prstDash val="solid"/>
+                    </a:lnTlToBr>
+                    <a:lnBlToTr w="12700" cmpd="sng">
+                      <a:noFill/>
+                      <a:prstDash val="solid"/>
+                    </a:lnBlToTr>
+                    <a:solidFill>
+                      <a:schemeClr val="bg1"/>
+                    </a:solidFill>
+                  </a:tcPr>
+                </a:tc>
+                <a:tc>
+                  <a:txBody>
+                    <a:bodyPr/>
+                    <a:lstStyle/>
+                    <a:p>
+                      <a:pPr algn="ctr"/>
+                      <a:r>
+                        <a:rPr lang="en-US" altLang="ko-KR" b="1" dirty="0">
+                          <a:solidFill>
+                            <a:schemeClr val="tx1"/>
+                          </a:solidFill>
+                          <a:effectLst/>
+                        </a:rPr>
+                        <a:t>389395.928</a:t>
+                      </a:r>
+                    </a:p>
+                  </a:txBody>
+                  <a:tcPr marL="76200" marR="76200" marT="38100" marB="38100" anchor="ctr">
+                    <a:lnL w="12700" cap="flat" cmpd="sng" algn="ctr">
+                      <a:solidFill>
+                        <a:schemeClr val="tx1"/>
+                      </a:solidFill>
+                      <a:prstDash val="solid"/>
+                      <a:round/>
+                      <a:headEnd type="none" w="med" len="med"/>
+                      <a:tailEnd type="none" w="med" len="med"/>
+                    </a:lnL>
+                    <a:lnR w="12700" cap="flat" cmpd="sng" algn="ctr">
+                      <a:solidFill>
+                        <a:schemeClr val="tx1"/>
+                      </a:solidFill>
+                      <a:prstDash val="solid"/>
+                      <a:round/>
+                      <a:headEnd type="none" w="med" len="med"/>
+                      <a:tailEnd type="none" w="med" len="med"/>
+                    </a:lnR>
+                    <a:lnT w="12700" cap="flat" cmpd="sng" algn="ctr">
+                      <a:solidFill>
+                        <a:schemeClr val="tx1"/>
+                      </a:solidFill>
+                      <a:prstDash val="solid"/>
+                      <a:round/>
+                      <a:headEnd type="none" w="med" len="med"/>
+                      <a:tailEnd type="none" w="med" len="med"/>
+                    </a:lnT>
+                    <a:lnB w="12700" cap="flat" cmpd="sng" algn="ctr">
+                      <a:solidFill>
+                        <a:schemeClr val="tx1"/>
+                      </a:solidFill>
+                      <a:prstDash val="solid"/>
+                      <a:round/>
+                      <a:headEnd type="none" w="med" len="med"/>
+                      <a:tailEnd type="none" w="med" len="med"/>
+                    </a:lnB>
+                    <a:lnTlToBr w="12700" cmpd="sng">
+                      <a:noFill/>
+                      <a:prstDash val="solid"/>
+                    </a:lnTlToBr>
+                    <a:lnBlToTr w="12700" cmpd="sng">
+                      <a:noFill/>
+                      <a:prstDash val="solid"/>
+                    </a:lnBlToTr>
+                    <a:solidFill>
+                      <a:schemeClr val="bg1"/>
+                    </a:solidFill>
+                  </a:tcPr>
+                </a:tc>
+                <a:tc>
+                  <a:txBody>
+                    <a:bodyPr/>
+                    <a:lstStyle/>
+                    <a:p>
+                      <a:pPr algn="ctr" latinLnBrk="1"/>
+                      <a:r>
+                        <a:rPr lang="en-US" altLang="ko-KR" b="1" dirty="0">
+                          <a:solidFill>
+                            <a:schemeClr val="tx1"/>
+                          </a:solidFill>
+                        </a:rPr>
+                        <a:t>0</a:t>
+                      </a:r>
+                      <a:endParaRPr lang="ko-KR" altLang="en-US" b="1" dirty="0">
+                        <a:solidFill>
+                          <a:schemeClr val="tx1"/>
+                        </a:solidFill>
+                      </a:endParaRPr>
+                    </a:p>
+                  </a:txBody>
+                  <a:tcPr anchor="ctr">
+                    <a:lnL w="12700" cap="flat" cmpd="sng" algn="ctr">
+                      <a:solidFill>
+                        <a:schemeClr val="tx1"/>
+                      </a:solidFill>
+                      <a:prstDash val="solid"/>
+                      <a:round/>
+                      <a:headEnd type="none" w="med" len="med"/>
+                      <a:tailEnd type="none" w="med" len="med"/>
+                    </a:lnL>
+                    <a:lnR w="12700" cap="flat" cmpd="sng" algn="ctr">
+                      <a:solidFill>
+                        <a:schemeClr val="tx1"/>
+                      </a:solidFill>
+                      <a:prstDash val="solid"/>
+                      <a:round/>
+                      <a:headEnd type="none" w="med" len="med"/>
+                      <a:tailEnd type="none" w="med" len="med"/>
+                    </a:lnR>
+                    <a:lnT w="12700" cap="flat" cmpd="sng" algn="ctr">
+                      <a:solidFill>
+                        <a:schemeClr val="tx1"/>
+                      </a:solidFill>
+                      <a:prstDash val="solid"/>
+                      <a:round/>
+                      <a:headEnd type="none" w="med" len="med"/>
+                      <a:tailEnd type="none" w="med" len="med"/>
+                    </a:lnT>
+                    <a:lnB w="12700" cap="flat" cmpd="sng" algn="ctr">
+                      <a:solidFill>
+                        <a:schemeClr val="tx1"/>
+                      </a:solidFill>
+                      <a:prstDash val="solid"/>
+                      <a:round/>
+                      <a:headEnd type="none" w="med" len="med"/>
+                      <a:tailEnd type="none" w="med" len="med"/>
+                    </a:lnB>
+                    <a:lnTlToBr w="12700" cmpd="sng">
+                      <a:noFill/>
+                      <a:prstDash val="solid"/>
+                    </a:lnTlToBr>
+                    <a:lnBlToTr w="12700" cmpd="sng">
+                      <a:noFill/>
+                      <a:prstDash val="solid"/>
+                    </a:lnBlToTr>
+                    <a:solidFill>
+                      <a:schemeClr val="bg1"/>
+                    </a:solidFill>
+                  </a:tcPr>
+                </a:tc>
+                <a:tc>
+                  <a:txBody>
+                    <a:bodyPr/>
+                    <a:lstStyle/>
+                    <a:p>
+                      <a:pPr algn="ctr"/>
+                      <a:r>
+                        <a:rPr lang="en-US" altLang="ko-KR" b="1" dirty="0">
+                          <a:solidFill>
+                            <a:srgbClr val="C00000"/>
+                          </a:solidFill>
+                          <a:effectLst/>
+                        </a:rPr>
+                        <a:t>306611</a:t>
+                      </a:r>
+                    </a:p>
+                  </a:txBody>
+                  <a:tcPr marL="76200" marR="76200" marT="38100" marB="38100" anchor="ctr">
+                    <a:lnL w="12700" cap="flat" cmpd="sng" algn="ctr">
+                      <a:solidFill>
+                        <a:schemeClr val="tx1"/>
+                      </a:solidFill>
+                      <a:prstDash val="solid"/>
+                      <a:round/>
+                      <a:headEnd type="none" w="med" len="med"/>
+                      <a:tailEnd type="none" w="med" len="med"/>
+                    </a:lnL>
+                    <a:lnR w="12700" cap="flat" cmpd="sng" algn="ctr">
+                      <a:solidFill>
+                        <a:schemeClr val="tx1"/>
+                      </a:solidFill>
+                      <a:prstDash val="solid"/>
+                      <a:round/>
+                      <a:headEnd type="none" w="med" len="med"/>
+                      <a:tailEnd type="none" w="med" len="med"/>
+                    </a:lnR>
+                    <a:lnT w="12700" cap="flat" cmpd="sng" algn="ctr">
+                      <a:solidFill>
+                        <a:schemeClr val="tx1"/>
+                      </a:solidFill>
+                      <a:prstDash val="solid"/>
+                      <a:round/>
+                      <a:headEnd type="none" w="med" len="med"/>
+                      <a:tailEnd type="none" w="med" len="med"/>
+                    </a:lnT>
+                    <a:lnB w="12700" cap="flat" cmpd="sng" algn="ctr">
+                      <a:solidFill>
+                        <a:schemeClr val="tx1"/>
+                      </a:solidFill>
+                      <a:prstDash val="solid"/>
+                      <a:round/>
+                      <a:headEnd type="none" w="med" len="med"/>
+                      <a:tailEnd type="none" w="med" len="med"/>
+                    </a:lnB>
+                    <a:lnTlToBr w="12700" cmpd="sng">
+                      <a:noFill/>
+                      <a:prstDash val="solid"/>
+                    </a:lnTlToBr>
+                    <a:lnBlToTr w="12700" cmpd="sng">
+                      <a:noFill/>
+                      <a:prstDash val="solid"/>
+                    </a:lnBlToTr>
+                    <a:solidFill>
+                      <a:schemeClr val="bg1"/>
+                    </a:solidFill>
+                  </a:tcPr>
+                </a:tc>
+                <a:extLst>
+                  <a:ext uri="{0D108BD9-81ED-4DB2-BD59-A6C34878D82A}">
+                    <a16:rowId xmlns:a16="http://schemas.microsoft.com/office/drawing/2014/main" val="3059953721"/>
+                  </a:ext>
+                </a:extLst>
+              </a:tr>
+            </a:tbl>
+          </a:graphicData>
+        </a:graphic>
+      </p:graphicFrame>
+      <p:sp>
+        <p:nvSpPr>
+          <p:cNvPr id="8" name="Google Shape;124;p3">
+            <a:extLst>
+              <a:ext uri="{FF2B5EF4-FFF2-40B4-BE49-F238E27FC236}">
+                <a16:creationId xmlns:a16="http://schemas.microsoft.com/office/drawing/2014/main" id="{0ABA4E41-B581-E148-FDBE-851FF67AF2F9}"/>
+              </a:ext>
+            </a:extLst>
+          </p:cNvPr>
+          <p:cNvSpPr txBox="1"/>
+          <p:nvPr/>
+        </p:nvSpPr>
+        <p:spPr>
+          <a:xfrm>
+            <a:off x="256988" y="1984420"/>
+            <a:ext cx="11468846" cy="400069"/>
+          </a:xfrm>
+          <a:prstGeom prst="rect">
+            <a:avLst/>
+          </a:prstGeom>
+          <a:noFill/>
+          <a:ln>
+            <a:noFill/>
+          </a:ln>
+        </p:spPr>
+        <p:txBody>
+          <a:bodyPr spcFirstLastPara="1" wrap="square" lIns="91425" tIns="45700" rIns="91425" bIns="45700" anchor="t" anchorCtr="0">
+            <a:spAutoFit/>
+          </a:bodyPr>
+          <a:lstStyle/>
+          <a:p>
+            <a:pPr algn="ctr"/>
+            <a:r>
+              <a:rPr lang="ko-KR" altLang="en-US" sz="2000" b="1" dirty="0">
+                <a:solidFill>
+                  <a:schemeClr val="bg1"/>
+                </a:solidFill>
+                <a:latin typeface="+mj-lt"/>
+                <a:ea typeface="Malgun Gothic"/>
+                <a:cs typeface="Malgun Gothic"/>
+                <a:sym typeface="Malgun Gothic"/>
+              </a:rPr>
+              <a:t>냉방면적이 </a:t>
+            </a:r>
+            <a:r>
+              <a:rPr lang="en-US" altLang="ko-KR" sz="2000" b="1" dirty="0">
+                <a:solidFill>
+                  <a:schemeClr val="bg1"/>
+                </a:solidFill>
+                <a:latin typeface="+mj-lt"/>
+                <a:ea typeface="Malgun Gothic"/>
+                <a:cs typeface="Malgun Gothic"/>
+                <a:sym typeface="Malgun Gothic"/>
+              </a:rPr>
+              <a:t>0</a:t>
+            </a:r>
+            <a:r>
+              <a:rPr lang="ko-KR" altLang="en-US" sz="2000" b="1" dirty="0">
+                <a:solidFill>
+                  <a:schemeClr val="bg1"/>
+                </a:solidFill>
+                <a:latin typeface="+mj-lt"/>
+                <a:ea typeface="Malgun Gothic"/>
+                <a:cs typeface="Malgun Gothic"/>
+                <a:sym typeface="Malgun Gothic"/>
+              </a:rPr>
+              <a:t>인 행</a:t>
+            </a:r>
+            <a:endParaRPr sz="2000" b="1" dirty="0">
+              <a:solidFill>
+                <a:schemeClr val="bg1"/>
+              </a:solidFill>
+              <a:latin typeface="+mj-lt"/>
+              <a:ea typeface="Malgun Gothic"/>
+              <a:cs typeface="Malgun Gothic"/>
+              <a:sym typeface="Malgun Gothic"/>
+            </a:endParaRPr>
+          </a:p>
+        </p:txBody>
+      </p:sp>
+      <p:sp>
+        <p:nvSpPr>
+          <p:cNvPr id="9" name="TextBox 8">
+            <a:extLst>
+              <a:ext uri="{FF2B5EF4-FFF2-40B4-BE49-F238E27FC236}">
+                <a16:creationId xmlns:a16="http://schemas.microsoft.com/office/drawing/2014/main" id="{8DE1C752-8505-401D-9D41-814751373C32}"/>
+              </a:ext>
+            </a:extLst>
+          </p:cNvPr>
+          <p:cNvSpPr txBox="1"/>
+          <p:nvPr/>
+        </p:nvSpPr>
+        <p:spPr>
+          <a:xfrm>
+            <a:off x="256987" y="5405156"/>
+            <a:ext cx="11468847" cy="369332"/>
+          </a:xfrm>
+          <a:prstGeom prst="rect">
+            <a:avLst/>
+          </a:prstGeom>
+          <a:noFill/>
+        </p:spPr>
+        <p:txBody>
+          <a:bodyPr wrap="square" rtlCol="0">
+            <a:spAutoFit/>
+          </a:bodyPr>
+          <a:lstStyle/>
+          <a:p>
+            <a:pPr lvl="1" algn="ctr"/>
+            <a:r>
+              <a:rPr lang="ko-KR" altLang="en-US" b="1" dirty="0">
+                <a:solidFill>
+                  <a:schemeClr val="bg1"/>
+                </a:solidFill>
+                <a:latin typeface="+mj-lt"/>
+              </a:rPr>
+              <a:t>데이터 상의 일관성</a:t>
+            </a:r>
+            <a:r>
+              <a:rPr lang="en-US" altLang="ko-KR" b="1" dirty="0">
+                <a:solidFill>
+                  <a:schemeClr val="bg1"/>
+                </a:solidFill>
+                <a:latin typeface="+mj-lt"/>
+              </a:rPr>
+              <a:t>, </a:t>
+            </a:r>
+            <a:r>
+              <a:rPr lang="ko-KR" altLang="en-US" b="1" dirty="0">
+                <a:solidFill>
+                  <a:schemeClr val="bg1"/>
+                </a:solidFill>
+                <a:latin typeface="+mj-lt"/>
+              </a:rPr>
+              <a:t>기존 데이터의 패턴</a:t>
+            </a:r>
+            <a:r>
+              <a:rPr lang="en-US" altLang="ko-KR" b="1" dirty="0">
+                <a:solidFill>
+                  <a:schemeClr val="bg1"/>
+                </a:solidFill>
+                <a:latin typeface="+mj-lt"/>
+              </a:rPr>
+              <a:t>, </a:t>
+            </a:r>
+            <a:r>
+              <a:rPr lang="ko-KR" altLang="en-US" b="1" dirty="0">
+                <a:solidFill>
+                  <a:schemeClr val="bg1"/>
+                </a:solidFill>
+                <a:latin typeface="+mj-lt"/>
+              </a:rPr>
+              <a:t>추정의 편의성</a:t>
+            </a:r>
+            <a:r>
+              <a:rPr lang="en-US" altLang="ko-KR" b="1" dirty="0">
+                <a:solidFill>
+                  <a:schemeClr val="bg1"/>
+                </a:solidFill>
+                <a:latin typeface="+mj-lt"/>
+              </a:rPr>
+              <a:t>, </a:t>
+            </a:r>
+            <a:r>
+              <a:rPr lang="ko-KR" altLang="en-US" b="1" dirty="0">
+                <a:solidFill>
+                  <a:schemeClr val="bg1"/>
+                </a:solidFill>
+                <a:latin typeface="+mj-lt"/>
+              </a:rPr>
+              <a:t>실용적 접근을 근거로 해당 공식을 사용</a:t>
+            </a:r>
+          </a:p>
+        </p:txBody>
+      </p:sp>
+      <p:sp>
+        <p:nvSpPr>
+          <p:cNvPr id="12" name="TextBox 11">
+            <a:extLst>
+              <a:ext uri="{FF2B5EF4-FFF2-40B4-BE49-F238E27FC236}">
+                <a16:creationId xmlns:a16="http://schemas.microsoft.com/office/drawing/2014/main" id="{886A1C8D-C6DF-5629-7168-38828A31D1FA}"/>
+              </a:ext>
+            </a:extLst>
+          </p:cNvPr>
+          <p:cNvSpPr txBox="1"/>
+          <p:nvPr/>
+        </p:nvSpPr>
+        <p:spPr>
+          <a:xfrm>
+            <a:off x="256987" y="4736585"/>
+            <a:ext cx="11468847" cy="246221"/>
+          </a:xfrm>
+          <a:prstGeom prst="rect">
+            <a:avLst/>
+          </a:prstGeom>
+          <a:noFill/>
+        </p:spPr>
+        <p:txBody>
+          <a:bodyPr wrap="square">
+            <a:spAutoFit/>
+          </a:bodyPr>
+          <a:lstStyle/>
+          <a:p>
+            <a:pPr algn="r"/>
+            <a:r>
+              <a:rPr lang="ko-KR" altLang="en-US" sz="1000" b="1" i="0" dirty="0">
+                <a:solidFill>
+                  <a:srgbClr val="ECECEC"/>
+                </a:solidFill>
+                <a:effectLst/>
+                <a:latin typeface="+mj-lt"/>
+              </a:rPr>
+              <a:t>추정된 냉방면적</a:t>
+            </a:r>
+            <a:r>
+              <a:rPr lang="en-US" altLang="ko-KR" sz="1000" b="1" i="0" dirty="0">
+                <a:solidFill>
+                  <a:srgbClr val="ECECEC"/>
+                </a:solidFill>
+                <a:effectLst/>
+                <a:latin typeface="+mj-lt"/>
+              </a:rPr>
+              <a:t>(m²)=</a:t>
+            </a:r>
+            <a:r>
+              <a:rPr lang="ko-KR" altLang="en-US" sz="1000" b="1" i="0" dirty="0">
+                <a:solidFill>
+                  <a:srgbClr val="ECECEC"/>
+                </a:solidFill>
+                <a:effectLst/>
+                <a:latin typeface="+mj-lt"/>
+              </a:rPr>
+              <a:t>연면적</a:t>
+            </a:r>
+            <a:r>
+              <a:rPr lang="en-US" altLang="ko-KR" sz="1000" b="1" i="0" dirty="0">
+                <a:solidFill>
+                  <a:srgbClr val="ECECEC"/>
+                </a:solidFill>
+                <a:effectLst/>
+                <a:latin typeface="+mj-lt"/>
+              </a:rPr>
+              <a:t>(m²)×</a:t>
+            </a:r>
+            <a:r>
+              <a:rPr lang="ko-KR" altLang="en-US" sz="1000" b="1" i="0" dirty="0">
+                <a:solidFill>
+                  <a:srgbClr val="ECECEC"/>
+                </a:solidFill>
+                <a:effectLst/>
+                <a:latin typeface="+mj-lt"/>
+              </a:rPr>
+              <a:t>평균 냉방면적 비율</a:t>
+            </a:r>
+            <a:endParaRPr lang="ko-KR" altLang="en-US" sz="1000" b="1" dirty="0">
+              <a:solidFill>
+                <a:schemeClr val="bg1"/>
+              </a:solidFill>
+              <a:latin typeface="+mj-lt"/>
+            </a:endParaRPr>
+          </a:p>
+        </p:txBody>
+      </p:sp>
     </p:spTree>
     <p:extLst>
       <p:ext uri="{BB962C8B-B14F-4D97-AF65-F5344CB8AC3E}">
@@ -13587,7 +17173,7 @@
             <a:r>
               <a:rPr lang="en-US" sz="2000" b="1" dirty="0">
                 <a:solidFill>
-                  <a:srgbClr val="FFC000"/>
+                  <a:schemeClr val="bg1"/>
                 </a:solidFill>
                 <a:latin typeface="+mj-lt"/>
                 <a:ea typeface="Malgun Gothic"/>
@@ -13599,7 +17185,7 @@
             <a:r>
               <a:rPr lang="ko-KR" altLang="en-US" sz="2000" b="1" dirty="0">
                 <a:solidFill>
-                  <a:srgbClr val="FFC000"/>
+                  <a:schemeClr val="bg1"/>
                 </a:solidFill>
                 <a:latin typeface="+mj-lt"/>
                 <a:ea typeface="Malgun Gothic"/>
@@ -13618,19 +17204,43 @@
                 <a:cs typeface="Malgun Gothic"/>
                 <a:sym typeface="Malgun Gothic"/>
               </a:rPr>
-              <a:t>&gt; train </a:t>
-            </a:r>
-            <a:r>
-              <a:rPr lang="ko-KR" altLang="en-US" sz="2000" b="1" dirty="0">
-                <a:solidFill>
-                  <a:schemeClr val="bg1"/>
+              <a:t>&gt; </a:t>
+            </a:r>
+            <a:r>
+              <a:rPr lang="en-US" altLang="ko-KR" sz="2000" b="1" dirty="0">
+                <a:solidFill>
+                  <a:srgbClr val="FFC000"/>
                 </a:solidFill>
                 <a:latin typeface="+mj-lt"/>
                 <a:ea typeface="Malgun Gothic"/>
                 <a:cs typeface="Malgun Gothic"/>
                 <a:sym typeface="Malgun Gothic"/>
               </a:rPr>
-              <a:t>전처리 </a:t>
+              <a:t>train </a:t>
+            </a:r>
+            <a:r>
+              <a:rPr lang="ko-KR" altLang="en-US" sz="2000" b="1" dirty="0">
+                <a:solidFill>
+                  <a:srgbClr val="FFC000"/>
+                </a:solidFill>
+                <a:latin typeface="+mj-lt"/>
+                <a:ea typeface="Malgun Gothic"/>
+                <a:cs typeface="Malgun Gothic"/>
+                <a:sym typeface="Malgun Gothic"/>
+              </a:rPr>
+              <a:t>전처리</a:t>
+            </a:r>
+            <a:r>
+              <a:rPr lang="ko-KR" altLang="en-US" sz="2000" b="1" dirty="0">
+                <a:solidFill>
+                  <a:schemeClr val="bg1"/>
+                </a:solidFill>
+                <a:latin typeface="+mj-lt"/>
+                <a:ea typeface="Malgun Gothic"/>
+                <a:cs typeface="Malgun Gothic"/>
+                <a:sym typeface="Malgun Gothic"/>
+              </a:rPr>
+              <a:t> </a:t>
             </a:r>
             <a:r>
               <a:rPr lang="en-US" altLang="ko-KR" sz="2000" b="1" dirty="0">
@@ -13668,6 +17278,714 @@
           </a:p>
         </p:txBody>
       </p:sp>
+      <p:sp>
+        <p:nvSpPr>
+          <p:cNvPr id="4" name="TextBox 3">
+            <a:extLst>
+              <a:ext uri="{FF2B5EF4-FFF2-40B4-BE49-F238E27FC236}">
+                <a16:creationId xmlns:a16="http://schemas.microsoft.com/office/drawing/2014/main" id="{30CB42B5-9CD9-9701-0F77-866E91B55101}"/>
+              </a:ext>
+            </a:extLst>
+          </p:cNvPr>
+          <p:cNvSpPr txBox="1"/>
+          <p:nvPr/>
+        </p:nvSpPr>
+        <p:spPr>
+          <a:xfrm>
+            <a:off x="-854635" y="1420923"/>
+            <a:ext cx="4279154" cy="646331"/>
+          </a:xfrm>
+          <a:prstGeom prst="rect">
+            <a:avLst/>
+          </a:prstGeom>
+          <a:noFill/>
+        </p:spPr>
+        <p:txBody>
+          <a:bodyPr wrap="square" rtlCol="0">
+            <a:spAutoFit/>
+          </a:bodyPr>
+          <a:lstStyle/>
+          <a:p>
+            <a:pPr algn="ctr"/>
+            <a:r>
+              <a:rPr lang="ko-KR" altLang="en-US" b="1" dirty="0">
+                <a:solidFill>
+                  <a:schemeClr val="bg1"/>
+                </a:solidFill>
+                <a:latin typeface="+mj-lt"/>
+              </a:rPr>
+              <a:t>파생변수 생성</a:t>
+            </a:r>
+            <a:endParaRPr lang="en-US" altLang="ko-KR" b="1" dirty="0">
+              <a:solidFill>
+                <a:schemeClr val="bg1"/>
+              </a:solidFill>
+              <a:latin typeface="+mj-lt"/>
+            </a:endParaRPr>
+          </a:p>
+          <a:p>
+            <a:endParaRPr lang="en-US" altLang="ko-KR" b="1" dirty="0">
+              <a:solidFill>
+                <a:schemeClr val="bg1"/>
+              </a:solidFill>
+              <a:latin typeface="+mj-lt"/>
+            </a:endParaRPr>
+          </a:p>
+        </p:txBody>
+      </p:sp>
+      <p:grpSp>
+        <p:nvGrpSpPr>
+          <p:cNvPr id="20" name="그룹 19">
+            <a:extLst>
+              <a:ext uri="{FF2B5EF4-FFF2-40B4-BE49-F238E27FC236}">
+                <a16:creationId xmlns:a16="http://schemas.microsoft.com/office/drawing/2014/main" id="{4B9F92A8-5F8D-B718-2607-FB5AC26C2C31}"/>
+              </a:ext>
+            </a:extLst>
+          </p:cNvPr>
+          <p:cNvGrpSpPr/>
+          <p:nvPr/>
+        </p:nvGrpSpPr>
+        <p:grpSpPr>
+          <a:xfrm>
+            <a:off x="6418344" y="1874834"/>
+            <a:ext cx="5436559" cy="1002445"/>
+            <a:chOff x="6594075" y="1758291"/>
+            <a:chExt cx="5436559" cy="1002445"/>
+          </a:xfrm>
+        </p:grpSpPr>
+        <p:grpSp>
+          <p:nvGrpSpPr>
+            <p:cNvPr id="10" name="그룹 9">
+              <a:extLst>
+                <a:ext uri="{FF2B5EF4-FFF2-40B4-BE49-F238E27FC236}">
+                  <a16:creationId xmlns:a16="http://schemas.microsoft.com/office/drawing/2014/main" id="{BD2BC9A4-59B7-E24D-4831-75619557EC4C}"/>
+                </a:ext>
+              </a:extLst>
+            </p:cNvPr>
+            <p:cNvGrpSpPr/>
+            <p:nvPr/>
+          </p:nvGrpSpPr>
+          <p:grpSpPr>
+            <a:xfrm>
+              <a:off x="6594076" y="1758291"/>
+              <a:ext cx="1673063" cy="613763"/>
+              <a:chOff x="6594076" y="2631180"/>
+              <a:chExt cx="1673063" cy="613763"/>
+            </a:xfrm>
+          </p:grpSpPr>
+          <p:pic>
+            <p:nvPicPr>
+              <p:cNvPr id="2054" name="Picture 6" descr="1번 ">
+                <a:extLst>
+                  <a:ext uri="{FF2B5EF4-FFF2-40B4-BE49-F238E27FC236}">
+                    <a16:creationId xmlns:a16="http://schemas.microsoft.com/office/drawing/2014/main" id="{F3614929-4AE0-8C59-DA8C-9A8EB167F291}"/>
+                  </a:ext>
+                </a:extLst>
+              </p:cNvPr>
+              <p:cNvPicPr>
+                <a:picLocks noChangeAspect="1" noChangeArrowheads="1"/>
+              </p:cNvPicPr>
+              <p:nvPr/>
+            </p:nvPicPr>
+            <p:blipFill>
+              <a:blip r:embed="rId2">
+                <a:extLst>
+                  <a:ext uri="{28A0092B-C50C-407E-A947-70E740481C1C}">
+                    <a14:useLocalDpi xmlns:a14="http://schemas.microsoft.com/office/drawing/2010/main" val="0"/>
+                  </a:ext>
+                </a:extLst>
+              </a:blip>
+              <a:srcRect/>
+              <a:stretch>
+                <a:fillRect/>
+              </a:stretch>
+            </p:blipFill>
+            <p:spPr bwMode="auto">
+              <a:xfrm>
+                <a:off x="6594076" y="2635343"/>
+                <a:ext cx="609600" cy="609600"/>
+              </a:xfrm>
+              <a:prstGeom prst="rect">
+                <a:avLst/>
+              </a:prstGeom>
+              <a:noFill/>
+              <a:extLst>
+                <a:ext uri="{909E8E84-426E-40DD-AFC4-6F175D3DCCD1}">
+                  <a14:hiddenFill xmlns:a14="http://schemas.microsoft.com/office/drawing/2010/main">
+                    <a:solidFill>
+                      <a:srgbClr val="FFFFFF"/>
+                    </a:solidFill>
+                  </a14:hiddenFill>
+                </a:ext>
+              </a:extLst>
+            </p:spPr>
+          </p:pic>
+          <p:sp>
+            <p:nvSpPr>
+              <p:cNvPr id="9" name="TextBox 8">
+                <a:extLst>
+                  <a:ext uri="{FF2B5EF4-FFF2-40B4-BE49-F238E27FC236}">
+                    <a16:creationId xmlns:a16="http://schemas.microsoft.com/office/drawing/2014/main" id="{C9B7CDAE-2800-04B7-55D4-4A762807886C}"/>
+                  </a:ext>
+                </a:extLst>
+              </p:cNvPr>
+              <p:cNvSpPr txBox="1"/>
+              <p:nvPr/>
+            </p:nvSpPr>
+            <p:spPr>
+              <a:xfrm>
+                <a:off x="7344787" y="2631180"/>
+                <a:ext cx="922352" cy="584775"/>
+              </a:xfrm>
+              <a:prstGeom prst="rect">
+                <a:avLst/>
+              </a:prstGeom>
+              <a:noFill/>
+            </p:spPr>
+            <p:txBody>
+              <a:bodyPr wrap="square" rtlCol="0" anchor="ctr">
+                <a:spAutoFit/>
+              </a:bodyPr>
+              <a:lstStyle/>
+              <a:p>
+                <a:r>
+                  <a:rPr lang="ko-KR" altLang="en-US" sz="2000" b="1" dirty="0">
+                    <a:solidFill>
+                      <a:srgbClr val="FFFF00"/>
+                    </a:solidFill>
+                    <a:latin typeface="+mj-lt"/>
+                  </a:rPr>
+                  <a:t>휴일</a:t>
+                </a:r>
+                <a:r>
+                  <a:rPr lang="ko-KR" altLang="en-US" sz="3200" b="1" dirty="0">
+                    <a:solidFill>
+                      <a:schemeClr val="bg1"/>
+                    </a:solidFill>
+                    <a:latin typeface="+mj-lt"/>
+                  </a:rPr>
+                  <a:t> </a:t>
+                </a:r>
+                <a:endParaRPr lang="en-US" altLang="ko-KR" sz="3200" b="1" dirty="0">
+                  <a:solidFill>
+                    <a:schemeClr val="bg1"/>
+                  </a:solidFill>
+                  <a:latin typeface="+mj-lt"/>
+                </a:endParaRPr>
+              </a:p>
+            </p:txBody>
+          </p:sp>
+        </p:grpSp>
+        <p:sp>
+          <p:nvSpPr>
+            <p:cNvPr id="16" name="TextBox 15">
+              <a:extLst>
+                <a:ext uri="{FF2B5EF4-FFF2-40B4-BE49-F238E27FC236}">
+                  <a16:creationId xmlns:a16="http://schemas.microsoft.com/office/drawing/2014/main" id="{996685C7-4670-C384-6B24-18A26AC8E444}"/>
+                </a:ext>
+              </a:extLst>
+            </p:cNvPr>
+            <p:cNvSpPr txBox="1"/>
+            <p:nvPr/>
+          </p:nvSpPr>
+          <p:spPr>
+            <a:xfrm>
+              <a:off x="6594075" y="2391404"/>
+              <a:ext cx="5436559" cy="369332"/>
+            </a:xfrm>
+            <a:prstGeom prst="rect">
+              <a:avLst/>
+            </a:prstGeom>
+            <a:noFill/>
+          </p:spPr>
+          <p:txBody>
+            <a:bodyPr wrap="square" rtlCol="0" anchor="ctr">
+              <a:spAutoFit/>
+            </a:bodyPr>
+            <a:lstStyle/>
+            <a:p>
+              <a:r>
+                <a:rPr lang="ko-KR" altLang="en-US" b="1" dirty="0">
+                  <a:solidFill>
+                    <a:schemeClr val="bg1"/>
+                  </a:solidFill>
+                  <a:latin typeface="+mj-lt"/>
+                </a:rPr>
+                <a:t>평일과 주말의 유의미한 전력사용량 차이가 존재</a:t>
+              </a:r>
+              <a:endParaRPr lang="en-US" altLang="ko-KR" b="1" dirty="0">
+                <a:solidFill>
+                  <a:schemeClr val="bg1"/>
+                </a:solidFill>
+                <a:latin typeface="+mj-lt"/>
+              </a:endParaRPr>
+            </a:p>
+          </p:txBody>
+        </p:sp>
+      </p:grpSp>
+      <p:grpSp>
+        <p:nvGrpSpPr>
+          <p:cNvPr id="21" name="그룹 20">
+            <a:extLst>
+              <a:ext uri="{FF2B5EF4-FFF2-40B4-BE49-F238E27FC236}">
+                <a16:creationId xmlns:a16="http://schemas.microsoft.com/office/drawing/2014/main" id="{18130565-9FA3-2B7E-CEF3-E01F184A8FC1}"/>
+              </a:ext>
+            </a:extLst>
+          </p:cNvPr>
+          <p:cNvGrpSpPr/>
+          <p:nvPr/>
+        </p:nvGrpSpPr>
+        <p:grpSpPr>
+          <a:xfrm>
+            <a:off x="6418344" y="3384641"/>
+            <a:ext cx="5436559" cy="1267187"/>
+            <a:chOff x="6594075" y="3339371"/>
+            <a:chExt cx="5436559" cy="1267187"/>
+          </a:xfrm>
+        </p:grpSpPr>
+        <p:grpSp>
+          <p:nvGrpSpPr>
+            <p:cNvPr id="15" name="그룹 14">
+              <a:extLst>
+                <a:ext uri="{FF2B5EF4-FFF2-40B4-BE49-F238E27FC236}">
+                  <a16:creationId xmlns:a16="http://schemas.microsoft.com/office/drawing/2014/main" id="{FBB6D517-5E43-2364-BEB8-BEBDC2BD3724}"/>
+                </a:ext>
+              </a:extLst>
+            </p:cNvPr>
+            <p:cNvGrpSpPr/>
+            <p:nvPr/>
+          </p:nvGrpSpPr>
+          <p:grpSpPr>
+            <a:xfrm>
+              <a:off x="6594076" y="3339371"/>
+              <a:ext cx="2968941" cy="609600"/>
+              <a:chOff x="6594076" y="4558572"/>
+              <a:chExt cx="2968941" cy="609600"/>
+            </a:xfrm>
+          </p:grpSpPr>
+          <p:pic>
+            <p:nvPicPr>
+              <p:cNvPr id="2056" name="Picture 8" descr="2 번 ">
+                <a:extLst>
+                  <a:ext uri="{FF2B5EF4-FFF2-40B4-BE49-F238E27FC236}">
+                    <a16:creationId xmlns:a16="http://schemas.microsoft.com/office/drawing/2014/main" id="{AD1654A9-D9BB-55AE-4061-021A76872486}"/>
+                  </a:ext>
+                </a:extLst>
+              </p:cNvPr>
+              <p:cNvPicPr>
+                <a:picLocks noChangeAspect="1" noChangeArrowheads="1"/>
+              </p:cNvPicPr>
+              <p:nvPr/>
+            </p:nvPicPr>
+            <p:blipFill>
+              <a:blip r:embed="rId3">
+                <a:extLst>
+                  <a:ext uri="{28A0092B-C50C-407E-A947-70E740481C1C}">
+                    <a14:useLocalDpi xmlns:a14="http://schemas.microsoft.com/office/drawing/2010/main" val="0"/>
+                  </a:ext>
+                </a:extLst>
+              </a:blip>
+              <a:srcRect/>
+              <a:stretch>
+                <a:fillRect/>
+              </a:stretch>
+            </p:blipFill>
+            <p:spPr bwMode="auto">
+              <a:xfrm>
+                <a:off x="6594076" y="4558572"/>
+                <a:ext cx="609600" cy="609600"/>
+              </a:xfrm>
+              <a:prstGeom prst="rect">
+                <a:avLst/>
+              </a:prstGeom>
+              <a:noFill/>
+              <a:extLst>
+                <a:ext uri="{909E8E84-426E-40DD-AFC4-6F175D3DCCD1}">
+                  <a14:hiddenFill xmlns:a14="http://schemas.microsoft.com/office/drawing/2010/main">
+                    <a:solidFill>
+                      <a:srgbClr val="FFFFFF"/>
+                    </a:solidFill>
+                  </a14:hiddenFill>
+                </a:ext>
+              </a:extLst>
+            </p:spPr>
+          </p:pic>
+          <p:sp>
+            <p:nvSpPr>
+              <p:cNvPr id="14" name="TextBox 13">
+                <a:extLst>
+                  <a:ext uri="{FF2B5EF4-FFF2-40B4-BE49-F238E27FC236}">
+                    <a16:creationId xmlns:a16="http://schemas.microsoft.com/office/drawing/2014/main" id="{6620B9E3-F518-C60D-2F64-F86A7F10E186}"/>
+                  </a:ext>
+                </a:extLst>
+              </p:cNvPr>
+              <p:cNvSpPr txBox="1"/>
+              <p:nvPr/>
+            </p:nvSpPr>
+            <p:spPr>
+              <a:xfrm>
+                <a:off x="7335822" y="4672281"/>
+                <a:ext cx="2227195" cy="400110"/>
+              </a:xfrm>
+              <a:prstGeom prst="rect">
+                <a:avLst/>
+              </a:prstGeom>
+              <a:noFill/>
+            </p:spPr>
+            <p:txBody>
+              <a:bodyPr wrap="square" rtlCol="0" anchor="ctr">
+                <a:spAutoFit/>
+              </a:bodyPr>
+              <a:lstStyle/>
+              <a:p>
+                <a:r>
+                  <a:rPr lang="ko-KR" altLang="en-US" sz="2000" b="1" dirty="0">
+                    <a:solidFill>
+                      <a:srgbClr val="FFFF00"/>
+                    </a:solidFill>
+                    <a:latin typeface="+mj-lt"/>
+                  </a:rPr>
+                  <a:t>년</a:t>
+                </a:r>
+                <a:r>
+                  <a:rPr lang="en-US" altLang="ko-KR" sz="2000" b="1" dirty="0">
+                    <a:solidFill>
+                      <a:srgbClr val="FFFF00"/>
+                    </a:solidFill>
+                    <a:latin typeface="+mj-lt"/>
+                  </a:rPr>
+                  <a:t>/</a:t>
+                </a:r>
+                <a:r>
+                  <a:rPr lang="ko-KR" altLang="en-US" sz="2000" b="1" dirty="0">
+                    <a:solidFill>
+                      <a:srgbClr val="FFFF00"/>
+                    </a:solidFill>
+                    <a:latin typeface="+mj-lt"/>
+                  </a:rPr>
+                  <a:t>월</a:t>
+                </a:r>
+                <a:r>
+                  <a:rPr lang="en-US" altLang="ko-KR" sz="2000" b="1" dirty="0">
+                    <a:solidFill>
+                      <a:srgbClr val="FFFF00"/>
+                    </a:solidFill>
+                    <a:latin typeface="+mj-lt"/>
+                  </a:rPr>
+                  <a:t>/</a:t>
+                </a:r>
+                <a:r>
+                  <a:rPr lang="ko-KR" altLang="en-US" sz="2000" b="1" dirty="0">
+                    <a:solidFill>
+                      <a:srgbClr val="FFFF00"/>
+                    </a:solidFill>
+                    <a:latin typeface="+mj-lt"/>
+                  </a:rPr>
+                  <a:t>일</a:t>
+                </a:r>
+                <a:r>
+                  <a:rPr lang="en-US" altLang="ko-KR" sz="2000" b="1" dirty="0">
+                    <a:solidFill>
+                      <a:srgbClr val="FFFF00"/>
+                    </a:solidFill>
+                    <a:latin typeface="+mj-lt"/>
+                  </a:rPr>
+                  <a:t>/</a:t>
+                </a:r>
+                <a:r>
+                  <a:rPr lang="ko-KR" altLang="en-US" sz="2000" b="1" dirty="0">
+                    <a:solidFill>
+                      <a:srgbClr val="FFFF00"/>
+                    </a:solidFill>
+                    <a:latin typeface="+mj-lt"/>
+                  </a:rPr>
+                  <a:t>시</a:t>
+                </a:r>
+                <a:endParaRPr lang="en-US" altLang="ko-KR" sz="2000" b="1" dirty="0">
+                  <a:solidFill>
+                    <a:srgbClr val="FFFF00"/>
+                  </a:solidFill>
+                  <a:latin typeface="+mj-lt"/>
+                </a:endParaRPr>
+              </a:p>
+            </p:txBody>
+          </p:sp>
+        </p:grpSp>
+        <p:sp>
+          <p:nvSpPr>
+            <p:cNvPr id="17" name="TextBox 16">
+              <a:extLst>
+                <a:ext uri="{FF2B5EF4-FFF2-40B4-BE49-F238E27FC236}">
+                  <a16:creationId xmlns:a16="http://schemas.microsoft.com/office/drawing/2014/main" id="{DB6F0283-0F9F-BE40-5B35-30AF0EB97149}"/>
+                </a:ext>
+              </a:extLst>
+            </p:cNvPr>
+            <p:cNvSpPr txBox="1"/>
+            <p:nvPr/>
+          </p:nvSpPr>
+          <p:spPr>
+            <a:xfrm>
+              <a:off x="6594075" y="3960227"/>
+              <a:ext cx="5436559" cy="646331"/>
+            </a:xfrm>
+            <a:prstGeom prst="rect">
+              <a:avLst/>
+            </a:prstGeom>
+            <a:noFill/>
+          </p:spPr>
+          <p:txBody>
+            <a:bodyPr wrap="square" rtlCol="0" anchor="ctr">
+              <a:spAutoFit/>
+            </a:bodyPr>
+            <a:lstStyle/>
+            <a:p>
+              <a:r>
+                <a:rPr lang="ko-KR" altLang="en-US" b="1" dirty="0">
+                  <a:solidFill>
+                    <a:schemeClr val="bg1"/>
+                  </a:solidFill>
+                  <a:latin typeface="+mj-lt"/>
+                </a:rPr>
+                <a:t>기존의 </a:t>
+              </a:r>
+              <a:r>
+                <a:rPr lang="en-US" altLang="ko-KR" b="1" dirty="0">
+                  <a:solidFill>
+                    <a:schemeClr val="bg1"/>
+                  </a:solidFill>
+                  <a:latin typeface="+mj-lt"/>
+                </a:rPr>
+                <a:t>‘num_date_time’ </a:t>
+              </a:r>
+              <a:r>
+                <a:rPr lang="ko-KR" altLang="en-US" b="1" dirty="0">
+                  <a:solidFill>
+                    <a:schemeClr val="bg1"/>
+                  </a:solidFill>
+                  <a:latin typeface="+mj-lt"/>
+                </a:rPr>
+                <a:t>변수로 시간을 제대로 설명하기 어려워 해당 변수 생성</a:t>
+              </a:r>
+              <a:endParaRPr lang="en-US" altLang="ko-KR" b="1" dirty="0">
+                <a:solidFill>
+                  <a:schemeClr val="bg1"/>
+                </a:solidFill>
+                <a:latin typeface="+mj-lt"/>
+              </a:endParaRPr>
+            </a:p>
+          </p:txBody>
+        </p:sp>
+      </p:grpSp>
+      <p:grpSp>
+        <p:nvGrpSpPr>
+          <p:cNvPr id="23" name="그룹 22">
+            <a:extLst>
+              <a:ext uri="{FF2B5EF4-FFF2-40B4-BE49-F238E27FC236}">
+                <a16:creationId xmlns:a16="http://schemas.microsoft.com/office/drawing/2014/main" id="{032E9FB9-0818-4816-D3E9-488BE5B04633}"/>
+              </a:ext>
+            </a:extLst>
+          </p:cNvPr>
+          <p:cNvGrpSpPr/>
+          <p:nvPr/>
+        </p:nvGrpSpPr>
+        <p:grpSpPr>
+          <a:xfrm>
+            <a:off x="6418344" y="5159190"/>
+            <a:ext cx="5436559" cy="982418"/>
+            <a:chOff x="6594074" y="5042647"/>
+            <a:chExt cx="5436559" cy="982418"/>
+          </a:xfrm>
+        </p:grpSpPr>
+        <p:pic>
+          <p:nvPicPr>
+            <p:cNvPr id="2060" name="Picture 12" descr="3 번 ">
+              <a:extLst>
+                <a:ext uri="{FF2B5EF4-FFF2-40B4-BE49-F238E27FC236}">
+                  <a16:creationId xmlns:a16="http://schemas.microsoft.com/office/drawing/2014/main" id="{E75125A9-60A3-B318-CC93-E77930DF00FE}"/>
+                </a:ext>
+              </a:extLst>
+            </p:cNvPr>
+            <p:cNvPicPr>
+              <a:picLocks noChangeAspect="1" noChangeArrowheads="1"/>
+            </p:cNvPicPr>
+            <p:nvPr/>
+          </p:nvPicPr>
+          <p:blipFill>
+            <a:blip r:embed="rId4">
+              <a:extLst>
+                <a:ext uri="{28A0092B-C50C-407E-A947-70E740481C1C}">
+                  <a14:useLocalDpi xmlns:a14="http://schemas.microsoft.com/office/drawing/2010/main" val="0"/>
+                </a:ext>
+              </a:extLst>
+            </a:blip>
+            <a:srcRect/>
+            <a:stretch>
+              <a:fillRect/>
+            </a:stretch>
+          </p:blipFill>
+          <p:spPr bwMode="auto">
+            <a:xfrm>
+              <a:off x="6607475" y="5042647"/>
+              <a:ext cx="609600" cy="609600"/>
+            </a:xfrm>
+            <a:prstGeom prst="rect">
+              <a:avLst/>
+            </a:prstGeom>
+            <a:noFill/>
+            <a:extLst>
+              <a:ext uri="{909E8E84-426E-40DD-AFC4-6F175D3DCCD1}">
+                <a14:hiddenFill xmlns:a14="http://schemas.microsoft.com/office/drawing/2010/main">
+                  <a:solidFill>
+                    <a:srgbClr val="FFFFFF"/>
+                  </a:solidFill>
+                </a14:hiddenFill>
+              </a:ext>
+            </a:extLst>
+          </p:spPr>
+        </p:pic>
+        <p:sp>
+          <p:nvSpPr>
+            <p:cNvPr id="18" name="TextBox 17">
+              <a:extLst>
+                <a:ext uri="{FF2B5EF4-FFF2-40B4-BE49-F238E27FC236}">
+                  <a16:creationId xmlns:a16="http://schemas.microsoft.com/office/drawing/2014/main" id="{50E13097-19D2-F17E-9059-4F803CFEF6B3}"/>
+                </a:ext>
+              </a:extLst>
+            </p:cNvPr>
+            <p:cNvSpPr txBox="1"/>
+            <p:nvPr/>
+          </p:nvSpPr>
+          <p:spPr>
+            <a:xfrm>
+              <a:off x="7344787" y="5147391"/>
+              <a:ext cx="3359072" cy="400110"/>
+            </a:xfrm>
+            <a:prstGeom prst="rect">
+              <a:avLst/>
+            </a:prstGeom>
+            <a:noFill/>
+          </p:spPr>
+          <p:txBody>
+            <a:bodyPr wrap="square" rtlCol="0" anchor="ctr">
+              <a:spAutoFit/>
+            </a:bodyPr>
+            <a:lstStyle/>
+            <a:p>
+              <a:r>
+                <a:rPr lang="en-US" altLang="ko-KR" sz="2000" b="1" dirty="0">
+                  <a:solidFill>
+                    <a:srgbClr val="FFFF00"/>
+                  </a:solidFill>
+                  <a:latin typeface="+mj-lt"/>
+                </a:rPr>
+                <a:t>cos_time, sin_time</a:t>
+              </a:r>
+            </a:p>
+          </p:txBody>
+        </p:sp>
+        <p:sp>
+          <p:nvSpPr>
+            <p:cNvPr id="19" name="TextBox 18">
+              <a:extLst>
+                <a:ext uri="{FF2B5EF4-FFF2-40B4-BE49-F238E27FC236}">
+                  <a16:creationId xmlns:a16="http://schemas.microsoft.com/office/drawing/2014/main" id="{4D3773B0-CC1B-6EB3-2C59-C651089DF11F}"/>
+                </a:ext>
+              </a:extLst>
+            </p:cNvPr>
+            <p:cNvSpPr txBox="1"/>
+            <p:nvPr/>
+          </p:nvSpPr>
+          <p:spPr>
+            <a:xfrm>
+              <a:off x="6594074" y="5655733"/>
+              <a:ext cx="5436559" cy="369332"/>
+            </a:xfrm>
+            <a:prstGeom prst="rect">
+              <a:avLst/>
+            </a:prstGeom>
+            <a:noFill/>
+          </p:spPr>
+          <p:txBody>
+            <a:bodyPr wrap="square" rtlCol="0" anchor="ctr">
+              <a:spAutoFit/>
+            </a:bodyPr>
+            <a:lstStyle/>
+            <a:p>
+              <a:r>
+                <a:rPr lang="ko-KR" altLang="en-US" b="1" dirty="0">
+                  <a:solidFill>
+                    <a:schemeClr val="bg1"/>
+                  </a:solidFill>
+                  <a:latin typeface="+mj-lt"/>
+                </a:rPr>
+                <a:t>시간의 주기성을 표현하기 위해 생성</a:t>
+              </a:r>
+              <a:endParaRPr lang="en-US" altLang="ko-KR" b="1" dirty="0">
+                <a:solidFill>
+                  <a:schemeClr val="bg1"/>
+                </a:solidFill>
+                <a:latin typeface="+mj-lt"/>
+              </a:endParaRPr>
+            </a:p>
+          </p:txBody>
+        </p:sp>
+      </p:grpSp>
+      <p:pic>
+        <p:nvPicPr>
+          <p:cNvPr id="25" name="그림 24">
+            <a:extLst>
+              <a:ext uri="{FF2B5EF4-FFF2-40B4-BE49-F238E27FC236}">
+                <a16:creationId xmlns:a16="http://schemas.microsoft.com/office/drawing/2014/main" id="{A324AD6B-D6CD-7A22-7B70-DA9FBD0CF167}"/>
+              </a:ext>
+            </a:extLst>
+          </p:cNvPr>
+          <p:cNvPicPr>
+            <a:picLocks noChangeAspect="1"/>
+          </p:cNvPicPr>
+          <p:nvPr/>
+        </p:nvPicPr>
+        <p:blipFill>
+          <a:blip r:embed="rId5"/>
+          <a:stretch>
+            <a:fillRect/>
+          </a:stretch>
+        </p:blipFill>
+        <p:spPr>
+          <a:xfrm>
+            <a:off x="337097" y="1956551"/>
+            <a:ext cx="5374411" cy="4139005"/>
+          </a:xfrm>
+          <a:prstGeom prst="roundRect">
+            <a:avLst>
+              <a:gd name="adj" fmla="val 4167"/>
+            </a:avLst>
+          </a:prstGeom>
+          <a:solidFill>
+            <a:srgbClr val="FFFFFF"/>
+          </a:solidFill>
+          <a:ln w="76200" cap="sq">
+            <a:solidFill>
+              <a:srgbClr val="EAEAEA"/>
+            </a:solidFill>
+            <a:miter lim="800000"/>
+          </a:ln>
+          <a:effectLst>
+            <a:reflection blurRad="12700" stA="33000" endPos="28000" dist="5000" dir="5400000" sy="-100000" algn="bl" rotWithShape="0"/>
+          </a:effectLst>
+          <a:scene3d>
+            <a:camera prst="orthographicFront"/>
+            <a:lightRig rig="threePt" dir="t">
+              <a:rot lat="0" lon="0" rev="2700000"/>
+            </a:lightRig>
+          </a:scene3d>
+          <a:sp3d contourW="6350">
+            <a:bevelT h="38100"/>
+            <a:contourClr>
+              <a:srgbClr val="C0C0C0"/>
+            </a:contourClr>
+          </a:sp3d>
+        </p:spPr>
+      </p:pic>
     </p:spTree>
     <p:extLst>
       <p:ext uri="{BB962C8B-B14F-4D97-AF65-F5344CB8AC3E}">
@@ -13786,10 +18104,10 @@
       </p:sp>
       <p:sp>
         <p:nvSpPr>
-          <p:cNvPr id="6" name="Google Shape;124;p3">
+          <p:cNvPr id="2" name="Google Shape;124;p3">
             <a:extLst>
               <a:ext uri="{FF2B5EF4-FFF2-40B4-BE49-F238E27FC236}">
-                <a16:creationId xmlns:a16="http://schemas.microsoft.com/office/drawing/2014/main" id="{78D581F7-7DA1-30AD-5A9E-D57241CBAFE8}"/>
+                <a16:creationId xmlns:a16="http://schemas.microsoft.com/office/drawing/2014/main" id="{343D0C73-80D5-3E11-838F-D833166A08B2}"/>
               </a:ext>
             </a:extLst>
           </p:cNvPr>
@@ -13827,7 +18145,7 @@
             <a:r>
               <a:rPr lang="en-US" sz="2000" b="1" dirty="0">
                 <a:solidFill>
-                  <a:srgbClr val="FFC000"/>
+                  <a:schemeClr val="bg1"/>
                 </a:solidFill>
                 <a:latin typeface="+mj-lt"/>
                 <a:ea typeface="Malgun Gothic"/>
@@ -13839,7 +18157,7 @@
             <a:r>
               <a:rPr lang="ko-KR" altLang="en-US" sz="2000" b="1" dirty="0">
                 <a:solidFill>
-                  <a:srgbClr val="FFC000"/>
+                  <a:schemeClr val="bg1"/>
                 </a:solidFill>
                 <a:latin typeface="+mj-lt"/>
                 <a:ea typeface="Malgun Gothic"/>
@@ -13858,19 +18176,43 @@
                 <a:cs typeface="Malgun Gothic"/>
                 <a:sym typeface="Malgun Gothic"/>
               </a:rPr>
-              <a:t>&gt; train </a:t>
-            </a:r>
-            <a:r>
-              <a:rPr lang="ko-KR" altLang="en-US" sz="2000" b="1" dirty="0">
-                <a:solidFill>
-                  <a:schemeClr val="bg1"/>
+              <a:t>&gt; </a:t>
+            </a:r>
+            <a:r>
+              <a:rPr lang="en-US" altLang="ko-KR" sz="2000" b="1" dirty="0">
+                <a:solidFill>
+                  <a:srgbClr val="FFC000"/>
                 </a:solidFill>
                 <a:latin typeface="+mj-lt"/>
                 <a:ea typeface="Malgun Gothic"/>
                 <a:cs typeface="Malgun Gothic"/>
                 <a:sym typeface="Malgun Gothic"/>
               </a:rPr>
-              <a:t>전처리 </a:t>
+              <a:t>train </a:t>
+            </a:r>
+            <a:r>
+              <a:rPr lang="ko-KR" altLang="en-US" sz="2000" b="1" dirty="0">
+                <a:solidFill>
+                  <a:srgbClr val="FFC000"/>
+                </a:solidFill>
+                <a:latin typeface="+mj-lt"/>
+                <a:ea typeface="Malgun Gothic"/>
+                <a:cs typeface="Malgun Gothic"/>
+                <a:sym typeface="Malgun Gothic"/>
+              </a:rPr>
+              <a:t>전처리</a:t>
+            </a:r>
+            <a:r>
+              <a:rPr lang="ko-KR" altLang="en-US" sz="2000" b="1" dirty="0">
+                <a:solidFill>
+                  <a:schemeClr val="bg1"/>
+                </a:solidFill>
+                <a:latin typeface="+mj-lt"/>
+                <a:ea typeface="Malgun Gothic"/>
+                <a:cs typeface="Malgun Gothic"/>
+                <a:sym typeface="Malgun Gothic"/>
+              </a:rPr>
+              <a:t> </a:t>
             </a:r>
             <a:r>
               <a:rPr lang="en-US" altLang="ko-KR" sz="2000" b="1" dirty="0">
@@ -13904,6 +18246,224 @@
               <a:ea typeface="Malgun Gothic"/>
               <a:cs typeface="Malgun Gothic"/>
               <a:sym typeface="Malgun Gothic"/>
+            </a:endParaRPr>
+          </a:p>
+        </p:txBody>
+      </p:sp>
+      <p:pic>
+        <p:nvPicPr>
+          <p:cNvPr id="4" name="그림 3">
+            <a:extLst>
+              <a:ext uri="{FF2B5EF4-FFF2-40B4-BE49-F238E27FC236}">
+                <a16:creationId xmlns:a16="http://schemas.microsoft.com/office/drawing/2014/main" id="{554FA0AD-2C48-2655-7AE4-05D268654CD1}"/>
+              </a:ext>
+            </a:extLst>
+          </p:cNvPr>
+          <p:cNvPicPr>
+            <a:picLocks noChangeAspect="1"/>
+          </p:cNvPicPr>
+          <p:nvPr/>
+        </p:nvPicPr>
+        <p:blipFill>
+          <a:blip r:embed="rId2"/>
+          <a:stretch>
+            <a:fillRect/>
+          </a:stretch>
+        </p:blipFill>
+        <p:spPr>
+          <a:xfrm>
+            <a:off x="421211" y="1518024"/>
+            <a:ext cx="5776976" cy="4194704"/>
+          </a:xfrm>
+          <a:prstGeom prst="roundRect">
+            <a:avLst>
+              <a:gd name="adj" fmla="val 4167"/>
+            </a:avLst>
+          </a:prstGeom>
+          <a:solidFill>
+            <a:srgbClr val="FFFFFF"/>
+          </a:solidFill>
+          <a:ln w="76200" cap="sq">
+            <a:solidFill>
+              <a:srgbClr val="292929"/>
+            </a:solidFill>
+            <a:miter lim="800000"/>
+          </a:ln>
+          <a:effectLst>
+            <a:reflection blurRad="12700" stA="28000" endPos="28000" dist="5000" dir="5400000" sy="-100000" algn="bl" rotWithShape="0"/>
+          </a:effectLst>
+          <a:scene3d>
+            <a:camera prst="orthographicFront"/>
+            <a:lightRig rig="threePt" dir="t">
+              <a:rot lat="0" lon="0" rev="2700000"/>
+            </a:lightRig>
+          </a:scene3d>
+          <a:sp3d>
+            <a:bevelT h="38100"/>
+            <a:contourClr>
+              <a:srgbClr val="C0C0C0"/>
+            </a:contourClr>
+          </a:sp3d>
+        </p:spPr>
+      </p:pic>
+      <p:sp>
+        <p:nvSpPr>
+          <p:cNvPr id="7" name="TextBox 6">
+            <a:extLst>
+              <a:ext uri="{FF2B5EF4-FFF2-40B4-BE49-F238E27FC236}">
+                <a16:creationId xmlns:a16="http://schemas.microsoft.com/office/drawing/2014/main" id="{6C28F59A-6FEC-040B-5EA2-BE09CB35C474}"/>
+              </a:ext>
+            </a:extLst>
+          </p:cNvPr>
+          <p:cNvSpPr txBox="1"/>
+          <p:nvPr/>
+        </p:nvSpPr>
+        <p:spPr>
+          <a:xfrm>
+            <a:off x="6513767" y="2737704"/>
+            <a:ext cx="5257022" cy="1508105"/>
+          </a:xfrm>
+          <a:prstGeom prst="rect">
+            <a:avLst/>
+          </a:prstGeom>
+          <a:noFill/>
+        </p:spPr>
+        <p:txBody>
+          <a:bodyPr wrap="square" rtlCol="0" anchor="ctr">
+            <a:spAutoFit/>
+          </a:bodyPr>
+          <a:lstStyle/>
+          <a:p>
+            <a:r>
+              <a:rPr lang="ko-KR" altLang="en-US" sz="2000" b="1" dirty="0">
+                <a:solidFill>
+                  <a:srgbClr val="FFFF00"/>
+                </a:solidFill>
+                <a:latin typeface="+mj-lt"/>
+              </a:rPr>
+              <a:t>건물 유형별 전력소비량 차이가 유의미함</a:t>
+            </a:r>
+            <a:endParaRPr lang="en-US" altLang="ko-KR" sz="2000" b="1" dirty="0">
+              <a:solidFill>
+                <a:srgbClr val="FFFF00"/>
+              </a:solidFill>
+              <a:latin typeface="+mj-lt"/>
+            </a:endParaRPr>
+          </a:p>
+          <a:p>
+            <a:endParaRPr lang="en-US" altLang="ko-KR" b="1" dirty="0">
+              <a:solidFill>
+                <a:schemeClr val="bg1"/>
+              </a:solidFill>
+              <a:latin typeface="+mj-lt"/>
+            </a:endParaRPr>
+          </a:p>
+          <a:p>
+            <a:pPr marL="285750" indent="-285750">
+              <a:buFont typeface="Wingdings" panose="05000000000000000000" pitchFamily="2" charset="2"/>
+              <a:buChar char="§"/>
+            </a:pPr>
+            <a:r>
+              <a:rPr lang="ko-KR" altLang="en-US" b="1" dirty="0">
+                <a:solidFill>
+                  <a:schemeClr val="bg1"/>
+                </a:solidFill>
+                <a:latin typeface="+mj-lt"/>
+              </a:rPr>
+              <a:t>따라서 건물 유형별로 모델링이 필요함</a:t>
+            </a:r>
+            <a:endParaRPr lang="en-US" altLang="ko-KR" b="1" dirty="0">
+              <a:solidFill>
+                <a:schemeClr val="bg1"/>
+              </a:solidFill>
+              <a:latin typeface="+mj-lt"/>
+            </a:endParaRPr>
+          </a:p>
+          <a:p>
+            <a:pPr marL="285750" indent="-285750">
+              <a:buFont typeface="Wingdings" panose="05000000000000000000" pitchFamily="2" charset="2"/>
+              <a:buChar char="§"/>
+            </a:pPr>
+            <a:r>
+              <a:rPr lang="en-US" altLang="ko-KR" b="1" dirty="0">
+                <a:solidFill>
+                  <a:schemeClr val="bg1"/>
+                </a:solidFill>
+                <a:latin typeface="+mj-lt"/>
+              </a:rPr>
+              <a:t>Building</a:t>
+            </a:r>
+            <a:r>
+              <a:rPr lang="ko-KR" altLang="en-US" b="1" dirty="0">
+                <a:solidFill>
+                  <a:schemeClr val="bg1"/>
+                </a:solidFill>
+                <a:latin typeface="+mj-lt"/>
+              </a:rPr>
+              <a:t> </a:t>
+            </a:r>
+            <a:r>
+              <a:rPr lang="en-US" altLang="ko-KR" b="1" dirty="0">
+                <a:solidFill>
+                  <a:schemeClr val="bg1"/>
+                </a:solidFill>
+                <a:latin typeface="+mj-lt"/>
+              </a:rPr>
+              <a:t>/</a:t>
+            </a:r>
+            <a:r>
+              <a:rPr lang="ko-KR" altLang="en-US" b="1" dirty="0">
+                <a:solidFill>
+                  <a:schemeClr val="bg1"/>
+                </a:solidFill>
+                <a:latin typeface="+mj-lt"/>
+              </a:rPr>
+              <a:t> </a:t>
+            </a:r>
+            <a:r>
+              <a:rPr lang="en-US" altLang="ko-KR" b="1" dirty="0">
+                <a:solidFill>
+                  <a:schemeClr val="bg1"/>
+                </a:solidFill>
+                <a:latin typeface="+mj-lt"/>
+              </a:rPr>
+              <a:t>train</a:t>
+            </a:r>
+            <a:r>
+              <a:rPr lang="ko-KR" altLang="en-US" b="1" dirty="0">
+                <a:solidFill>
+                  <a:schemeClr val="bg1"/>
+                </a:solidFill>
+                <a:latin typeface="+mj-lt"/>
+              </a:rPr>
+              <a:t>을 건물번호를  기준으로 병합</a:t>
+            </a:r>
+            <a:endParaRPr lang="en-US" altLang="ko-KR" b="1" dirty="0">
+              <a:solidFill>
+                <a:schemeClr val="bg1"/>
+              </a:solidFill>
+              <a:latin typeface="+mj-lt"/>
+            </a:endParaRPr>
+          </a:p>
+          <a:p>
+            <a:pPr marL="285750" indent="-285750">
+              <a:buFont typeface="Wingdings" panose="05000000000000000000" pitchFamily="2" charset="2"/>
+              <a:buChar char="§"/>
+            </a:pPr>
+            <a:r>
+              <a:rPr lang="ko-KR" altLang="en-US" b="1" dirty="0">
+                <a:solidFill>
+                  <a:schemeClr val="bg1"/>
+                </a:solidFill>
+                <a:latin typeface="+mj-lt"/>
+              </a:rPr>
+              <a:t>편의성을 위해 건물유형별 숫자 할당</a:t>
+            </a:r>
+            <a:endParaRPr lang="en-US" altLang="ko-KR" b="1" dirty="0">
+              <a:solidFill>
+                <a:schemeClr val="bg1"/>
+              </a:solidFill>
+              <a:latin typeface="+mj-lt"/>
             </a:endParaRPr>
           </a:p>
         </p:txBody>
@@ -14026,10 +18586,10 @@
       </p:sp>
       <p:sp>
         <p:nvSpPr>
-          <p:cNvPr id="6" name="Google Shape;124;p3">
+          <p:cNvPr id="2" name="Google Shape;124;p3">
             <a:extLst>
               <a:ext uri="{FF2B5EF4-FFF2-40B4-BE49-F238E27FC236}">
-                <a16:creationId xmlns:a16="http://schemas.microsoft.com/office/drawing/2014/main" id="{9BCBF58F-A1ED-03D4-75E1-887721BECB5E}"/>
+                <a16:creationId xmlns:a16="http://schemas.microsoft.com/office/drawing/2014/main" id="{9DAA557A-0AB6-6E0F-2D65-C479DCE5BB0B}"/>
               </a:ext>
             </a:extLst>
           </p:cNvPr>
@@ -14067,7 +18627,7 @@
             <a:r>
               <a:rPr lang="en-US" sz="2000" b="1" dirty="0">
                 <a:solidFill>
-                  <a:srgbClr val="FFC000"/>
+                  <a:schemeClr val="bg1"/>
                 </a:solidFill>
                 <a:latin typeface="+mj-lt"/>
                 <a:ea typeface="Malgun Gothic"/>
@@ -14079,7 +18639,7 @@
             <a:r>
               <a:rPr lang="ko-KR" altLang="en-US" sz="2000" b="1" dirty="0">
                 <a:solidFill>
-                  <a:srgbClr val="FFC000"/>
+                  <a:schemeClr val="bg1"/>
                 </a:solidFill>
                 <a:latin typeface="+mj-lt"/>
                 <a:ea typeface="Malgun Gothic"/>
@@ -14098,19 +18658,43 @@
                 <a:cs typeface="Malgun Gothic"/>
                 <a:sym typeface="Malgun Gothic"/>
               </a:rPr>
-              <a:t>&gt; train </a:t>
-            </a:r>
-            <a:r>
-              <a:rPr lang="ko-KR" altLang="en-US" sz="2000" b="1" dirty="0">
-                <a:solidFill>
-                  <a:schemeClr val="bg1"/>
+              <a:t>&gt; </a:t>
+            </a:r>
+            <a:r>
+              <a:rPr lang="en-US" altLang="ko-KR" sz="2000" b="1" dirty="0">
+                <a:solidFill>
+                  <a:srgbClr val="FFC000"/>
                 </a:solidFill>
                 <a:latin typeface="+mj-lt"/>
                 <a:ea typeface="Malgun Gothic"/>
                 <a:cs typeface="Malgun Gothic"/>
                 <a:sym typeface="Malgun Gothic"/>
               </a:rPr>
-              <a:t>전처리 </a:t>
+              <a:t>train </a:t>
+            </a:r>
+            <a:r>
+              <a:rPr lang="ko-KR" altLang="en-US" sz="2000" b="1" dirty="0">
+                <a:solidFill>
+                  <a:srgbClr val="FFC000"/>
+                </a:solidFill>
+                <a:latin typeface="+mj-lt"/>
+                <a:ea typeface="Malgun Gothic"/>
+                <a:cs typeface="Malgun Gothic"/>
+                <a:sym typeface="Malgun Gothic"/>
+              </a:rPr>
+              <a:t>전처리</a:t>
+            </a:r>
+            <a:r>
+              <a:rPr lang="ko-KR" altLang="en-US" sz="2000" b="1" dirty="0">
+                <a:solidFill>
+                  <a:schemeClr val="bg1"/>
+                </a:solidFill>
+                <a:latin typeface="+mj-lt"/>
+                <a:ea typeface="Malgun Gothic"/>
+                <a:cs typeface="Malgun Gothic"/>
+                <a:sym typeface="Malgun Gothic"/>
+              </a:rPr>
+              <a:t> </a:t>
             </a:r>
             <a:r>
               <a:rPr lang="en-US" altLang="ko-KR" sz="2000" b="1" dirty="0">
@@ -14144,6 +18728,325 @@
               <a:ea typeface="Malgun Gothic"/>
               <a:cs typeface="Malgun Gothic"/>
               <a:sym typeface="Malgun Gothic"/>
+            </a:endParaRPr>
+          </a:p>
+        </p:txBody>
+      </p:sp>
+      <p:pic>
+        <p:nvPicPr>
+          <p:cNvPr id="4" name="그림 3">
+            <a:extLst>
+              <a:ext uri="{FF2B5EF4-FFF2-40B4-BE49-F238E27FC236}">
+                <a16:creationId xmlns:a16="http://schemas.microsoft.com/office/drawing/2014/main" id="{F0FA29E9-F633-F924-E4FE-013D69FDE4FF}"/>
+              </a:ext>
+            </a:extLst>
+          </p:cNvPr>
+          <p:cNvPicPr>
+            <a:picLocks noChangeAspect="1"/>
+          </p:cNvPicPr>
+          <p:nvPr/>
+        </p:nvPicPr>
+        <p:blipFill>
+          <a:blip r:embed="rId2"/>
+          <a:stretch>
+            <a:fillRect/>
+          </a:stretch>
+        </p:blipFill>
+        <p:spPr>
+          <a:xfrm>
+            <a:off x="681319" y="1568824"/>
+            <a:ext cx="10192870" cy="4159624"/>
+          </a:xfrm>
+          <a:prstGeom prst="roundRect">
+            <a:avLst>
+              <a:gd name="adj" fmla="val 4167"/>
+            </a:avLst>
+          </a:prstGeom>
+          <a:solidFill>
+            <a:srgbClr val="FFFFFF"/>
+          </a:solidFill>
+          <a:ln w="76200" cap="sq">
+            <a:solidFill>
+              <a:srgbClr val="292929"/>
+            </a:solidFill>
+            <a:miter lim="800000"/>
+          </a:ln>
+          <a:effectLst>
+            <a:reflection blurRad="12700" stA="28000" endPos="28000" dist="5000" dir="5400000" sy="-100000" algn="bl" rotWithShape="0"/>
+          </a:effectLst>
+          <a:scene3d>
+            <a:camera prst="orthographicFront"/>
+            <a:lightRig rig="threePt" dir="t">
+              <a:rot lat="0" lon="0" rev="2700000"/>
+            </a:lightRig>
+          </a:scene3d>
+          <a:sp3d>
+            <a:bevelT h="38100"/>
+            <a:contourClr>
+              <a:srgbClr val="C0C0C0"/>
+            </a:contourClr>
+          </a:sp3d>
+        </p:spPr>
+      </p:pic>
+      <p:sp>
+        <p:nvSpPr>
+          <p:cNvPr id="7" name="TextBox 6">
+            <a:extLst>
+              <a:ext uri="{FF2B5EF4-FFF2-40B4-BE49-F238E27FC236}">
+                <a16:creationId xmlns:a16="http://schemas.microsoft.com/office/drawing/2014/main" id="{DF851939-031D-C2EB-2675-CBFE72E53442}"/>
+              </a:ext>
+            </a:extLst>
+          </p:cNvPr>
+          <p:cNvSpPr txBox="1"/>
+          <p:nvPr/>
+        </p:nvSpPr>
+        <p:spPr>
+          <a:xfrm>
+            <a:off x="681319" y="5878676"/>
+            <a:ext cx="10192870" cy="369332"/>
+          </a:xfrm>
+          <a:prstGeom prst="rect">
+            <a:avLst/>
+          </a:prstGeom>
+          <a:noFill/>
+        </p:spPr>
+        <p:txBody>
+          <a:bodyPr wrap="square" rtlCol="0" anchor="ctr">
+            <a:spAutoFit/>
+          </a:bodyPr>
+          <a:lstStyle/>
+          <a:p>
+            <a:r>
+              <a:rPr lang="ko-KR" altLang="en-US" b="1" dirty="0">
+                <a:solidFill>
+                  <a:schemeClr val="bg1"/>
+                </a:solidFill>
+                <a:latin typeface="+mj-lt"/>
+              </a:rPr>
+              <a:t>태양광용량</a:t>
+            </a:r>
+            <a:r>
+              <a:rPr lang="en-US" altLang="ko-KR" b="1" dirty="0">
+                <a:solidFill>
+                  <a:schemeClr val="bg1"/>
+                </a:solidFill>
+                <a:latin typeface="+mj-lt"/>
+              </a:rPr>
+              <a:t>, ESG</a:t>
+            </a:r>
+            <a:r>
+              <a:rPr lang="ko-KR" altLang="en-US" b="1" dirty="0">
+                <a:solidFill>
+                  <a:schemeClr val="bg1"/>
+                </a:solidFill>
+                <a:latin typeface="+mj-lt"/>
+              </a:rPr>
+              <a:t>저장용량</a:t>
+            </a:r>
+            <a:r>
+              <a:rPr lang="en-US" altLang="ko-KR" b="1" dirty="0">
+                <a:solidFill>
+                  <a:schemeClr val="bg1"/>
+                </a:solidFill>
+                <a:latin typeface="+mj-lt"/>
+              </a:rPr>
+              <a:t>, PCS</a:t>
+            </a:r>
+            <a:r>
+              <a:rPr lang="ko-KR" altLang="en-US" b="1" dirty="0">
+                <a:solidFill>
+                  <a:schemeClr val="bg1"/>
+                </a:solidFill>
+                <a:latin typeface="+mj-lt"/>
+              </a:rPr>
+              <a:t>용량</a:t>
+            </a:r>
+            <a:r>
+              <a:rPr lang="en-US" altLang="ko-KR" b="1" dirty="0">
+                <a:solidFill>
+                  <a:schemeClr val="bg1"/>
+                </a:solidFill>
+                <a:latin typeface="+mj-lt"/>
+              </a:rPr>
+              <a:t>, </a:t>
+            </a:r>
+            <a:r>
+              <a:rPr lang="ko-KR" altLang="en-US" b="1" dirty="0">
+                <a:solidFill>
+                  <a:schemeClr val="bg1"/>
+                </a:solidFill>
+                <a:latin typeface="+mj-lt"/>
+              </a:rPr>
+              <a:t>강수량</a:t>
+            </a:r>
+            <a:r>
+              <a:rPr lang="en-US" altLang="ko-KR" b="1" dirty="0">
+                <a:solidFill>
+                  <a:schemeClr val="bg1"/>
+                </a:solidFill>
+                <a:latin typeface="+mj-lt"/>
+              </a:rPr>
+              <a:t>, </a:t>
+            </a:r>
+            <a:r>
+              <a:rPr lang="ko-KR" altLang="en-US" b="1" dirty="0">
+                <a:solidFill>
+                  <a:schemeClr val="bg1"/>
+                </a:solidFill>
+                <a:latin typeface="+mj-lt"/>
+              </a:rPr>
+              <a:t>풍속</a:t>
+            </a:r>
+            <a:r>
+              <a:rPr lang="en-US" altLang="ko-KR" b="1" dirty="0">
+                <a:solidFill>
+                  <a:schemeClr val="bg1"/>
+                </a:solidFill>
+                <a:latin typeface="+mj-lt"/>
+              </a:rPr>
+              <a:t>, </a:t>
+            </a:r>
+            <a:r>
+              <a:rPr lang="ko-KR" altLang="en-US" b="1" dirty="0">
+                <a:solidFill>
+                  <a:schemeClr val="bg1"/>
+                </a:solidFill>
+                <a:latin typeface="+mj-lt"/>
+              </a:rPr>
+              <a:t>습도</a:t>
+            </a:r>
+            <a:r>
+              <a:rPr lang="en-US" altLang="ko-KR" b="1" dirty="0">
+                <a:solidFill>
+                  <a:schemeClr val="bg1"/>
+                </a:solidFill>
+                <a:latin typeface="+mj-lt"/>
+              </a:rPr>
+              <a:t>, </a:t>
+            </a:r>
+            <a:r>
+              <a:rPr lang="ko-KR" altLang="en-US" b="1" dirty="0">
+                <a:solidFill>
+                  <a:schemeClr val="bg1"/>
+                </a:solidFill>
+                <a:latin typeface="+mj-lt"/>
+              </a:rPr>
+              <a:t>일조</a:t>
+            </a:r>
+            <a:r>
+              <a:rPr lang="en-US" altLang="ko-KR" b="1" dirty="0">
+                <a:solidFill>
+                  <a:schemeClr val="bg1"/>
+                </a:solidFill>
+                <a:latin typeface="+mj-lt"/>
+              </a:rPr>
+              <a:t>, </a:t>
+            </a:r>
+            <a:r>
+              <a:rPr lang="ko-KR" altLang="en-US" b="1" dirty="0">
+                <a:solidFill>
+                  <a:schemeClr val="bg1"/>
+                </a:solidFill>
+                <a:latin typeface="+mj-lt"/>
+              </a:rPr>
+              <a:t>일사에 </a:t>
+            </a:r>
+            <a:r>
+              <a:rPr lang="ko-KR" altLang="en-US" b="1" dirty="0">
+                <a:solidFill>
+                  <a:srgbClr val="FFFF00"/>
+                </a:solidFill>
+                <a:latin typeface="+mj-lt"/>
+              </a:rPr>
+              <a:t>결측치</a:t>
+            </a:r>
+            <a:r>
+              <a:rPr lang="ko-KR" altLang="en-US" b="1" dirty="0">
+                <a:solidFill>
+                  <a:schemeClr val="bg1"/>
+                </a:solidFill>
+                <a:latin typeface="+mj-lt"/>
+              </a:rPr>
+              <a:t>가 있음을 확인가능</a:t>
+            </a:r>
+            <a:endParaRPr lang="en-US" altLang="ko-KR" b="1" dirty="0">
+              <a:solidFill>
+                <a:schemeClr val="bg1"/>
+              </a:solidFill>
+              <a:latin typeface="+mj-lt"/>
+            </a:endParaRPr>
+          </a:p>
+        </p:txBody>
+      </p:sp>
+      <p:sp>
+        <p:nvSpPr>
+          <p:cNvPr id="8" name="TextBox 7">
+            <a:extLst>
+              <a:ext uri="{FF2B5EF4-FFF2-40B4-BE49-F238E27FC236}">
+                <a16:creationId xmlns:a16="http://schemas.microsoft.com/office/drawing/2014/main" id="{773B968B-D65D-1539-8CFD-3320AA81D96D}"/>
+              </a:ext>
+            </a:extLst>
+          </p:cNvPr>
+          <p:cNvSpPr txBox="1"/>
+          <p:nvPr/>
+        </p:nvSpPr>
+        <p:spPr>
+          <a:xfrm>
+            <a:off x="6965576" y="1322603"/>
+            <a:ext cx="3908613" cy="246221"/>
+          </a:xfrm>
+          <a:prstGeom prst="rect">
+            <a:avLst/>
+          </a:prstGeom>
+          <a:noFill/>
+        </p:spPr>
+        <p:txBody>
+          <a:bodyPr wrap="square" rtlCol="0" anchor="ctr">
+            <a:spAutoFit/>
+          </a:bodyPr>
+          <a:lstStyle/>
+          <a:p>
+            <a:r>
+              <a:rPr lang="en-US" altLang="ko-KR" sz="1000" b="1" dirty="0">
+                <a:solidFill>
+                  <a:srgbClr val="FFFF00"/>
+                </a:solidFill>
+                <a:latin typeface="+mj-lt"/>
+              </a:rPr>
+              <a:t>* </a:t>
+            </a:r>
+            <a:r>
+              <a:rPr lang="ko-KR" altLang="en-US" sz="1000" b="1" dirty="0">
+                <a:solidFill>
+                  <a:srgbClr val="FFFF00"/>
+                </a:solidFill>
+                <a:latin typeface="+mj-lt"/>
+              </a:rPr>
+              <a:t>풍속</a:t>
+            </a:r>
+            <a:r>
+              <a:rPr lang="en-US" altLang="ko-KR" sz="1000" b="1" dirty="0">
+                <a:solidFill>
+                  <a:srgbClr val="FFFF00"/>
+                </a:solidFill>
+                <a:latin typeface="+mj-lt"/>
+              </a:rPr>
+              <a:t>, </a:t>
+            </a:r>
+            <a:r>
+              <a:rPr lang="ko-KR" altLang="en-US" sz="1000" b="1" dirty="0">
+                <a:solidFill>
+                  <a:srgbClr val="FFFF00"/>
+                </a:solidFill>
+                <a:latin typeface="+mj-lt"/>
+              </a:rPr>
+              <a:t>습도는 결측치 개수가 적어 그래프 상으로 잘 보이지 않음</a:t>
+            </a:r>
+            <a:endParaRPr lang="en-US" altLang="ko-KR" sz="1000" b="1" dirty="0">
+              <a:solidFill>
+                <a:srgbClr val="FFFF00"/>
+              </a:solidFill>
+              <a:latin typeface="+mj-lt"/>
             </a:endParaRPr>
           </a:p>
         </p:txBody>
@@ -14264,12 +19167,587 @@
           </a:p>
         </p:txBody>
       </p:sp>
+      <p:pic>
+        <p:nvPicPr>
+          <p:cNvPr id="3074" name="Picture 2" descr="날씨 앱 ">
+            <a:extLst>
+              <a:ext uri="{FF2B5EF4-FFF2-40B4-BE49-F238E27FC236}">
+                <a16:creationId xmlns:a16="http://schemas.microsoft.com/office/drawing/2014/main" id="{F1E4E734-A420-0F86-D59C-D7B8D4083E0B}"/>
+              </a:ext>
+            </a:extLst>
+          </p:cNvPr>
+          <p:cNvPicPr>
+            <a:picLocks noChangeAspect="1" noChangeArrowheads="1"/>
+          </p:cNvPicPr>
+          <p:nvPr/>
+        </p:nvPicPr>
+        <p:blipFill>
+          <a:blip r:embed="rId2">
+            <a:extLst>
+              <a:ext uri="{28A0092B-C50C-407E-A947-70E740481C1C}">
+                <a14:useLocalDpi xmlns:a14="http://schemas.microsoft.com/office/drawing/2010/main" val="0"/>
+              </a:ext>
+            </a:extLst>
+          </a:blip>
+          <a:srcRect/>
+          <a:stretch>
+            <a:fillRect/>
+          </a:stretch>
+        </p:blipFill>
+        <p:spPr bwMode="auto">
+          <a:xfrm>
+            <a:off x="1014007" y="2067673"/>
+            <a:ext cx="3242733" cy="3242733"/>
+          </a:xfrm>
+          <a:prstGeom prst="rect">
+            <a:avLst/>
+          </a:prstGeom>
+          <a:noFill/>
+          <a:extLst>
+            <a:ext uri="{909E8E84-426E-40DD-AFC4-6F175D3DCCD1}">
+              <a14:hiddenFill xmlns:a14="http://schemas.microsoft.com/office/drawing/2010/main">
+                <a:solidFill>
+                  <a:srgbClr val="FFFFFF"/>
+                </a:solidFill>
+              </a14:hiddenFill>
+            </a:ext>
+          </a:extLst>
+        </p:spPr>
+      </p:pic>
       <p:sp>
         <p:nvSpPr>
-          <p:cNvPr id="6" name="Google Shape;124;p3">
+          <p:cNvPr id="4" name="TextBox 3">
             <a:extLst>
               <a:ext uri="{FF2B5EF4-FFF2-40B4-BE49-F238E27FC236}">
-                <a16:creationId xmlns:a16="http://schemas.microsoft.com/office/drawing/2014/main" id="{BBD7206D-359F-9BB3-75D8-D2F96AFA19B3}"/>
+                <a16:creationId xmlns:a16="http://schemas.microsoft.com/office/drawing/2014/main" id="{A983D59B-58B2-B44A-67FC-946DC1EAFA5C}"/>
+              </a:ext>
+            </a:extLst>
+          </p:cNvPr>
+          <p:cNvSpPr txBox="1"/>
+          <p:nvPr/>
+        </p:nvSpPr>
+        <p:spPr>
+          <a:xfrm>
+            <a:off x="5804185" y="3361319"/>
+            <a:ext cx="5757333" cy="400110"/>
+          </a:xfrm>
+          <a:prstGeom prst="rect">
+            <a:avLst/>
+          </a:prstGeom>
+          <a:noFill/>
+        </p:spPr>
+        <p:txBody>
+          <a:bodyPr wrap="square" rtlCol="0" anchor="ctr">
+            <a:spAutoFit/>
+          </a:bodyPr>
+          <a:lstStyle/>
+          <a:p>
+            <a:r>
+              <a:rPr lang="ko-KR" altLang="en-US" sz="2000" b="1" u="sng" dirty="0">
+                <a:solidFill>
+                  <a:schemeClr val="bg1"/>
+                </a:solidFill>
+                <a:latin typeface="+mj-lt"/>
+              </a:rPr>
+              <a:t>기상청에서 결측치 처리를 위해 사용하는 방식</a:t>
+            </a:r>
+            <a:endParaRPr lang="en-US" altLang="ko-KR" sz="2000" b="1" u="sng" dirty="0">
+              <a:solidFill>
+                <a:schemeClr val="bg1"/>
+              </a:solidFill>
+              <a:latin typeface="+mj-lt"/>
+            </a:endParaRPr>
+          </a:p>
+        </p:txBody>
+      </p:sp>
+      <p:sp>
+        <p:nvSpPr>
+          <p:cNvPr id="7" name="TextBox 6">
+            <a:extLst>
+              <a:ext uri="{FF2B5EF4-FFF2-40B4-BE49-F238E27FC236}">
+                <a16:creationId xmlns:a16="http://schemas.microsoft.com/office/drawing/2014/main" id="{1F4D3DEC-0F42-1A8E-4754-75935F276635}"/>
+              </a:ext>
+            </a:extLst>
+          </p:cNvPr>
+          <p:cNvSpPr txBox="1"/>
+          <p:nvPr/>
+        </p:nvSpPr>
+        <p:spPr>
+          <a:xfrm>
+            <a:off x="690032" y="5420813"/>
+            <a:ext cx="3890682" cy="707886"/>
+          </a:xfrm>
+          <a:prstGeom prst="rect">
+            <a:avLst/>
+          </a:prstGeom>
+          <a:noFill/>
+        </p:spPr>
+        <p:txBody>
+          <a:bodyPr wrap="square" rtlCol="0" anchor="ctr">
+            <a:spAutoFit/>
+          </a:bodyPr>
+          <a:lstStyle/>
+          <a:p>
+            <a:pPr algn="ctr"/>
+            <a:r>
+              <a:rPr lang="ko-KR" altLang="en-US" sz="2000" b="1" dirty="0">
+                <a:solidFill>
+                  <a:srgbClr val="FFFF00"/>
+                </a:solidFill>
+                <a:latin typeface="+mj-lt"/>
+              </a:rPr>
+              <a:t>기상 데이터</a:t>
+            </a:r>
+            <a:endParaRPr lang="en-US" altLang="ko-KR" sz="2000" b="1" dirty="0">
+              <a:solidFill>
+                <a:srgbClr val="FFFF00"/>
+              </a:solidFill>
+              <a:latin typeface="+mj-lt"/>
+            </a:endParaRPr>
+          </a:p>
+          <a:p>
+            <a:pPr algn="ctr"/>
+            <a:r>
+              <a:rPr lang="en-US" altLang="ko-KR" sz="2000" b="1" dirty="0">
+                <a:solidFill>
+                  <a:schemeClr val="bg1"/>
+                </a:solidFill>
+                <a:latin typeface="+mj-lt"/>
+              </a:rPr>
+              <a:t>(</a:t>
+            </a:r>
+            <a:r>
+              <a:rPr lang="ko-KR" altLang="en-US" sz="2000" b="1" dirty="0">
+                <a:solidFill>
+                  <a:schemeClr val="bg1"/>
+                </a:solidFill>
+                <a:latin typeface="+mj-lt"/>
+              </a:rPr>
+              <a:t>강수량</a:t>
+            </a:r>
+            <a:r>
+              <a:rPr lang="en-US" altLang="ko-KR" sz="2000" b="1" dirty="0">
+                <a:solidFill>
+                  <a:schemeClr val="bg1"/>
+                </a:solidFill>
+                <a:latin typeface="+mj-lt"/>
+              </a:rPr>
+              <a:t>, </a:t>
+            </a:r>
+            <a:r>
+              <a:rPr lang="ko-KR" altLang="en-US" sz="2000" b="1" dirty="0">
+                <a:solidFill>
+                  <a:schemeClr val="bg1"/>
+                </a:solidFill>
+                <a:latin typeface="+mj-lt"/>
+              </a:rPr>
+              <a:t>풍속</a:t>
+            </a:r>
+            <a:r>
+              <a:rPr lang="en-US" altLang="ko-KR" sz="2000" b="1" dirty="0">
+                <a:solidFill>
+                  <a:schemeClr val="bg1"/>
+                </a:solidFill>
+                <a:latin typeface="+mj-lt"/>
+              </a:rPr>
+              <a:t>, </a:t>
+            </a:r>
+            <a:r>
+              <a:rPr lang="ko-KR" altLang="en-US" sz="2000" b="1" dirty="0">
+                <a:solidFill>
+                  <a:schemeClr val="bg1"/>
+                </a:solidFill>
+                <a:latin typeface="+mj-lt"/>
+              </a:rPr>
+              <a:t>습도</a:t>
+            </a:r>
+            <a:r>
+              <a:rPr lang="en-US" altLang="ko-KR" sz="2000" b="1" dirty="0">
+                <a:solidFill>
+                  <a:schemeClr val="bg1"/>
+                </a:solidFill>
+                <a:latin typeface="+mj-lt"/>
+              </a:rPr>
+              <a:t>, </a:t>
+            </a:r>
+            <a:r>
+              <a:rPr lang="ko-KR" altLang="en-US" sz="2000" b="1" dirty="0">
+                <a:solidFill>
+                  <a:schemeClr val="bg1"/>
+                </a:solidFill>
+                <a:latin typeface="+mj-lt"/>
+              </a:rPr>
+              <a:t>일조</a:t>
+            </a:r>
+            <a:r>
+              <a:rPr lang="en-US" altLang="ko-KR" sz="2000" b="1" dirty="0">
+                <a:solidFill>
+                  <a:schemeClr val="bg1"/>
+                </a:solidFill>
+                <a:latin typeface="+mj-lt"/>
+              </a:rPr>
+              <a:t>, </a:t>
+            </a:r>
+            <a:r>
+              <a:rPr lang="ko-KR" altLang="en-US" sz="2000" b="1" dirty="0">
+                <a:solidFill>
+                  <a:schemeClr val="bg1"/>
+                </a:solidFill>
+                <a:latin typeface="+mj-lt"/>
+              </a:rPr>
+              <a:t>일사</a:t>
+            </a:r>
+            <a:r>
+              <a:rPr lang="en-US" altLang="ko-KR" sz="2000" b="1" dirty="0">
+                <a:solidFill>
+                  <a:schemeClr val="bg1"/>
+                </a:solidFill>
+                <a:latin typeface="+mj-lt"/>
+              </a:rPr>
+              <a:t>)</a:t>
+            </a:r>
+          </a:p>
+        </p:txBody>
+      </p:sp>
+      <p:sp>
+        <p:nvSpPr>
+          <p:cNvPr id="10" name="TextBox 9">
+            <a:extLst>
+              <a:ext uri="{FF2B5EF4-FFF2-40B4-BE49-F238E27FC236}">
+                <a16:creationId xmlns:a16="http://schemas.microsoft.com/office/drawing/2014/main" id="{7D773F51-AE43-AC03-27A9-8F4C19C009E7}"/>
+              </a:ext>
+            </a:extLst>
+          </p:cNvPr>
+          <p:cNvSpPr txBox="1"/>
+          <p:nvPr/>
+        </p:nvSpPr>
+        <p:spPr>
+          <a:xfrm>
+            <a:off x="5804185" y="2566000"/>
+            <a:ext cx="5597923" cy="523220"/>
+          </a:xfrm>
+          <a:prstGeom prst="rect">
+            <a:avLst/>
+          </a:prstGeom>
+          <a:noFill/>
+        </p:spPr>
+        <p:txBody>
+          <a:bodyPr wrap="square" rtlCol="0" anchor="ctr">
+            <a:spAutoFit/>
+          </a:bodyPr>
+          <a:lstStyle/>
+          <a:p>
+            <a:r>
+              <a:rPr lang="ko-KR" altLang="en-US" sz="2800" b="1" dirty="0">
+                <a:solidFill>
+                  <a:srgbClr val="FFFF00"/>
+                </a:solidFill>
+                <a:latin typeface="+mj-lt"/>
+              </a:rPr>
+              <a:t>선형보간법 </a:t>
+            </a:r>
+            <a:r>
+              <a:rPr lang="en-US" altLang="ko-KR" sz="2800" b="1" dirty="0">
+                <a:solidFill>
+                  <a:srgbClr val="FFFF00"/>
+                </a:solidFill>
+                <a:latin typeface="+mj-lt"/>
+              </a:rPr>
+              <a:t>(Linear Interpolation)</a:t>
+            </a:r>
+          </a:p>
+        </p:txBody>
+      </p:sp>
+      <p:sp>
+        <p:nvSpPr>
+          <p:cNvPr id="11" name="TextBox 10">
+            <a:extLst>
+              <a:ext uri="{FF2B5EF4-FFF2-40B4-BE49-F238E27FC236}">
+                <a16:creationId xmlns:a16="http://schemas.microsoft.com/office/drawing/2014/main" id="{2B9AC096-F85A-08F0-1D16-870B2BF59C78}"/>
+              </a:ext>
+            </a:extLst>
+          </p:cNvPr>
+          <p:cNvSpPr txBox="1"/>
+          <p:nvPr/>
+        </p:nvSpPr>
+        <p:spPr>
+          <a:xfrm>
+            <a:off x="7670835" y="4405150"/>
+            <a:ext cx="3890683" cy="1631216"/>
+          </a:xfrm>
+          <a:prstGeom prst="rect">
+            <a:avLst/>
+          </a:prstGeom>
+          <a:noFill/>
+        </p:spPr>
+        <p:txBody>
+          <a:bodyPr wrap="square" rtlCol="0" anchor="ctr">
+            <a:spAutoFit/>
+          </a:bodyPr>
+          <a:lstStyle/>
+          <a:p>
+            <a:r>
+              <a:rPr lang="en-US" altLang="ko-KR" sz="2000" b="1" dirty="0">
+                <a:solidFill>
+                  <a:schemeClr val="bg1"/>
+                </a:solidFill>
+                <a:latin typeface="+mj-lt"/>
+              </a:rPr>
+              <a:t>1. </a:t>
+            </a:r>
+            <a:r>
+              <a:rPr lang="ko-KR" altLang="en-US" sz="2000" b="1" dirty="0">
+                <a:solidFill>
+                  <a:schemeClr val="bg1"/>
+                </a:solidFill>
+                <a:latin typeface="+mj-lt"/>
+              </a:rPr>
+              <a:t>연속성 유지</a:t>
+            </a:r>
+            <a:endParaRPr lang="en-US" altLang="ko-KR" sz="2000" b="1" dirty="0">
+              <a:solidFill>
+                <a:schemeClr val="bg1"/>
+              </a:solidFill>
+              <a:latin typeface="+mj-lt"/>
+            </a:endParaRPr>
+          </a:p>
+          <a:p>
+            <a:pPr marL="457200" indent="-457200">
+              <a:buAutoNum type="arabicPeriod"/>
+            </a:pPr>
+            <a:endParaRPr lang="en-US" altLang="ko-KR" sz="2000" b="1" dirty="0">
+              <a:solidFill>
+                <a:schemeClr val="bg1"/>
+              </a:solidFill>
+              <a:latin typeface="+mj-lt"/>
+            </a:endParaRPr>
+          </a:p>
+          <a:p>
+            <a:r>
+              <a:rPr lang="en-US" altLang="ko-KR" sz="2000" b="1" dirty="0">
+                <a:solidFill>
+                  <a:schemeClr val="bg1"/>
+                </a:solidFill>
+                <a:latin typeface="+mj-lt"/>
+              </a:rPr>
+              <a:t>2.</a:t>
+            </a:r>
+            <a:r>
+              <a:rPr lang="ko-KR" altLang="en-US" sz="2000" b="1" dirty="0">
+                <a:solidFill>
+                  <a:schemeClr val="bg1"/>
+                </a:solidFill>
+                <a:latin typeface="+mj-lt"/>
+              </a:rPr>
+              <a:t> 시간적 또는 공간적 경향 보존</a:t>
+            </a:r>
+            <a:endParaRPr lang="en-US" altLang="ko-KR" sz="2000" b="1" dirty="0">
+              <a:solidFill>
+                <a:schemeClr val="bg1"/>
+              </a:solidFill>
+              <a:latin typeface="+mj-lt"/>
+            </a:endParaRPr>
+          </a:p>
+          <a:p>
+            <a:endParaRPr lang="en-US" altLang="ko-KR" sz="2000" b="1" dirty="0">
+              <a:solidFill>
+                <a:schemeClr val="bg1"/>
+              </a:solidFill>
+              <a:latin typeface="+mj-lt"/>
+            </a:endParaRPr>
+          </a:p>
+          <a:p>
+            <a:r>
+              <a:rPr lang="en-US" altLang="ko-KR" sz="2000" b="1" dirty="0">
+                <a:solidFill>
+                  <a:schemeClr val="bg1"/>
+                </a:solidFill>
+                <a:latin typeface="+mj-lt"/>
+              </a:rPr>
+              <a:t>3. </a:t>
+            </a:r>
+            <a:r>
+              <a:rPr lang="ko-KR" altLang="en-US" sz="2000" b="1" dirty="0">
+                <a:solidFill>
+                  <a:schemeClr val="bg1"/>
+                </a:solidFill>
+                <a:latin typeface="+mj-lt"/>
+              </a:rPr>
+              <a:t>단순하고 빠른 계산</a:t>
+            </a:r>
+            <a:endParaRPr lang="en-US" altLang="ko-KR" sz="2000" b="1" dirty="0">
+              <a:solidFill>
+                <a:schemeClr val="bg1"/>
+              </a:solidFill>
+              <a:latin typeface="+mj-lt"/>
+            </a:endParaRPr>
+          </a:p>
+        </p:txBody>
+      </p:sp>
+      <p:sp>
+        <p:nvSpPr>
+          <p:cNvPr id="12" name="왼쪽 대괄호 11">
+            <a:extLst>
+              <a:ext uri="{FF2B5EF4-FFF2-40B4-BE49-F238E27FC236}">
+                <a16:creationId xmlns:a16="http://schemas.microsoft.com/office/drawing/2014/main" id="{FD452C1D-9127-C6EC-7039-A56EF0492291}"/>
+              </a:ext>
+            </a:extLst>
+          </p:cNvPr>
+          <p:cNvSpPr/>
+          <p:nvPr/>
+        </p:nvSpPr>
+        <p:spPr>
+          <a:xfrm>
+            <a:off x="7180229" y="4563278"/>
+            <a:ext cx="297330" cy="1286933"/>
+          </a:xfrm>
+          <a:prstGeom prst="leftBracket">
+            <a:avLst/>
+          </a:prstGeom>
+          <a:ln w="57150">
+            <a:solidFill>
+              <a:schemeClr val="bg1"/>
+            </a:solidFill>
+          </a:ln>
+        </p:spPr>
+        <p:style>
+          <a:lnRef idx="1">
+            <a:schemeClr val="accent1"/>
+          </a:lnRef>
+          <a:fillRef idx="0">
+            <a:schemeClr val="accent1"/>
+          </a:fillRef>
+          <a:effectRef idx="0">
+            <a:schemeClr val="accent1"/>
+          </a:effectRef>
+          <a:fontRef idx="minor">
+            <a:schemeClr val="tx1"/>
+          </a:fontRef>
+        </p:style>
+        <p:txBody>
+          <a:bodyPr rtlCol="0" anchor="ctr"/>
+          <a:lstStyle/>
+          <a:p>
+            <a:pPr algn="ctr"/>
+            <a:endParaRPr lang="ko-KR" altLang="en-US"/>
+          </a:p>
+        </p:txBody>
+      </p:sp>
+      <p:grpSp>
+        <p:nvGrpSpPr>
+          <p:cNvPr id="15" name="그룹 14">
+            <a:extLst>
+              <a:ext uri="{FF2B5EF4-FFF2-40B4-BE49-F238E27FC236}">
+                <a16:creationId xmlns:a16="http://schemas.microsoft.com/office/drawing/2014/main" id="{80D5333E-FF09-88A5-E36A-526A59AA31D4}"/>
+              </a:ext>
+            </a:extLst>
+          </p:cNvPr>
+          <p:cNvGrpSpPr/>
+          <p:nvPr/>
+        </p:nvGrpSpPr>
+        <p:grpSpPr>
+          <a:xfrm>
+            <a:off x="5576563" y="4324407"/>
+            <a:ext cx="1371564" cy="1711959"/>
+            <a:chOff x="5642284" y="4542538"/>
+            <a:chExt cx="1371564" cy="1711959"/>
+          </a:xfrm>
+        </p:grpSpPr>
+        <p:pic>
+          <p:nvPicPr>
+            <p:cNvPr id="3076" name="Picture 4" descr="질문 ">
+              <a:extLst>
+                <a:ext uri="{FF2B5EF4-FFF2-40B4-BE49-F238E27FC236}">
+                  <a16:creationId xmlns:a16="http://schemas.microsoft.com/office/drawing/2014/main" id="{B1AEE55F-52F6-9EE8-940B-0697407BC03E}"/>
+                </a:ext>
+              </a:extLst>
+            </p:cNvPr>
+            <p:cNvPicPr>
+              <a:picLocks noChangeAspect="1" noChangeArrowheads="1"/>
+            </p:cNvPicPr>
+            <p:nvPr/>
+          </p:nvPicPr>
+          <p:blipFill>
+            <a:blip r:embed="rId3">
+              <a:extLst>
+                <a:ext uri="{28A0092B-C50C-407E-A947-70E740481C1C}">
+                  <a14:useLocalDpi xmlns:a14="http://schemas.microsoft.com/office/drawing/2010/main" val="0"/>
+                </a:ext>
+              </a:extLst>
+            </a:blip>
+            <a:srcRect/>
+            <a:stretch>
+              <a:fillRect/>
+            </a:stretch>
+          </p:blipFill>
+          <p:spPr bwMode="auto">
+            <a:xfrm>
+              <a:off x="5765792" y="4542538"/>
+              <a:ext cx="1126072" cy="1126072"/>
+            </a:xfrm>
+            <a:prstGeom prst="rect">
+              <a:avLst/>
+            </a:prstGeom>
+            <a:noFill/>
+            <a:extLst>
+              <a:ext uri="{909E8E84-426E-40DD-AFC4-6F175D3DCCD1}">
+                <a14:hiddenFill xmlns:a14="http://schemas.microsoft.com/office/drawing/2010/main">
+                  <a:solidFill>
+                    <a:srgbClr val="FFFFFF"/>
+                  </a:solidFill>
+                </a14:hiddenFill>
+              </a:ext>
+            </a:extLst>
+          </p:spPr>
+        </p:pic>
+        <p:sp>
+          <p:nvSpPr>
+            <p:cNvPr id="14" name="TextBox 13">
+              <a:extLst>
+                <a:ext uri="{FF2B5EF4-FFF2-40B4-BE49-F238E27FC236}">
+                  <a16:creationId xmlns:a16="http://schemas.microsoft.com/office/drawing/2014/main" id="{E42BF8B3-2107-CC02-E693-496F324231A0}"/>
+                </a:ext>
+              </a:extLst>
+            </p:cNvPr>
+            <p:cNvSpPr txBox="1"/>
+            <p:nvPr/>
+          </p:nvSpPr>
+          <p:spPr>
+            <a:xfrm>
+              <a:off x="5642284" y="5731277"/>
+              <a:ext cx="1371564" cy="523220"/>
+            </a:xfrm>
+            <a:prstGeom prst="rect">
+              <a:avLst/>
+            </a:prstGeom>
+            <a:noFill/>
+          </p:spPr>
+          <p:txBody>
+            <a:bodyPr wrap="square" rtlCol="0" anchor="ctr">
+              <a:spAutoFit/>
+            </a:bodyPr>
+            <a:lstStyle/>
+            <a:p>
+              <a:pPr algn="ctr"/>
+              <a:r>
+                <a:rPr lang="en-US" altLang="ko-KR" sz="2800" b="1" dirty="0">
+                  <a:solidFill>
+                    <a:srgbClr val="FFFF00"/>
+                  </a:solidFill>
+                  <a:latin typeface="+mj-lt"/>
+                </a:rPr>
+                <a:t>WHY?</a:t>
+              </a:r>
+            </a:p>
+          </p:txBody>
+        </p:sp>
+      </p:grpSp>
+      <p:sp>
+        <p:nvSpPr>
+          <p:cNvPr id="16" name="Google Shape;124;p3">
+            <a:extLst>
+              <a:ext uri="{FF2B5EF4-FFF2-40B4-BE49-F238E27FC236}">
+                <a16:creationId xmlns:a16="http://schemas.microsoft.com/office/drawing/2014/main" id="{451FE5FD-0A6A-1DBD-F160-2BF7CCC986DC}"/>
               </a:ext>
             </a:extLst>
           </p:cNvPr>
@@ -14307,7 +19785,7 @@
             <a:r>
               <a:rPr lang="en-US" sz="2000" b="1" dirty="0">
                 <a:solidFill>
-                  <a:srgbClr val="FFC000"/>
+                  <a:schemeClr val="bg1"/>
                 </a:solidFill>
                 <a:latin typeface="+mj-lt"/>
                 <a:ea typeface="Malgun Gothic"/>
@@ -14319,7 +19797,7 @@
             <a:r>
               <a:rPr lang="ko-KR" altLang="en-US" sz="2000" b="1" dirty="0">
                 <a:solidFill>
-                  <a:srgbClr val="FFC000"/>
+                  <a:schemeClr val="bg1"/>
                 </a:solidFill>
                 <a:latin typeface="+mj-lt"/>
                 <a:ea typeface="Malgun Gothic"/>
@@ -14338,19 +19816,43 @@
                 <a:cs typeface="Malgun Gothic"/>
                 <a:sym typeface="Malgun Gothic"/>
               </a:rPr>
-              <a:t>&gt; train </a:t>
-            </a:r>
-            <a:r>
-              <a:rPr lang="ko-KR" altLang="en-US" sz="2000" b="1" dirty="0">
-                <a:solidFill>
-                  <a:schemeClr val="bg1"/>
+              <a:t>&gt; </a:t>
+            </a:r>
+            <a:r>
+              <a:rPr lang="en-US" altLang="ko-KR" sz="2000" b="1" dirty="0">
+                <a:solidFill>
+                  <a:srgbClr val="FFC000"/>
                 </a:solidFill>
                 <a:latin typeface="+mj-lt"/>
                 <a:ea typeface="Malgun Gothic"/>
                 <a:cs typeface="Malgun Gothic"/>
                 <a:sym typeface="Malgun Gothic"/>
               </a:rPr>
-              <a:t>전처리 </a:t>
+              <a:t>train </a:t>
+            </a:r>
+            <a:r>
+              <a:rPr lang="ko-KR" altLang="en-US" sz="2000" b="1" dirty="0">
+                <a:solidFill>
+                  <a:srgbClr val="FFC000"/>
+                </a:solidFill>
+                <a:latin typeface="+mj-lt"/>
+                <a:ea typeface="Malgun Gothic"/>
+                <a:cs typeface="Malgun Gothic"/>
+                <a:sym typeface="Malgun Gothic"/>
+              </a:rPr>
+              <a:t>전처리</a:t>
+            </a:r>
+            <a:r>
+              <a:rPr lang="ko-KR" altLang="en-US" sz="2000" b="1" dirty="0">
+                <a:solidFill>
+                  <a:schemeClr val="bg1"/>
+                </a:solidFill>
+                <a:latin typeface="+mj-lt"/>
+                <a:ea typeface="Malgun Gothic"/>
+                <a:cs typeface="Malgun Gothic"/>
+                <a:sym typeface="Malgun Gothic"/>
+              </a:rPr>
+              <a:t> </a:t>
             </a:r>
             <a:r>
               <a:rPr lang="en-US" altLang="ko-KR" sz="2000" b="1" dirty="0">
@@ -14506,10 +20008,10 @@
       </p:sp>
       <p:sp>
         <p:nvSpPr>
-          <p:cNvPr id="6" name="Google Shape;124;p3">
+          <p:cNvPr id="2" name="Google Shape;124;p3">
             <a:extLst>
               <a:ext uri="{FF2B5EF4-FFF2-40B4-BE49-F238E27FC236}">
-                <a16:creationId xmlns:a16="http://schemas.microsoft.com/office/drawing/2014/main" id="{446F39A0-C65C-5C38-E68F-D0A5442869B4}"/>
+                <a16:creationId xmlns:a16="http://schemas.microsoft.com/office/drawing/2014/main" id="{BA2333F7-A474-A833-DF0F-35FD1525FDE1}"/>
               </a:ext>
             </a:extLst>
           </p:cNvPr>
@@ -14547,7 +20049,7 @@
             <a:r>
               <a:rPr lang="en-US" sz="2000" b="1" dirty="0">
                 <a:solidFill>
-                  <a:srgbClr val="FFC000"/>
+                  <a:schemeClr val="bg1"/>
                 </a:solidFill>
                 <a:latin typeface="+mj-lt"/>
                 <a:ea typeface="Malgun Gothic"/>
@@ -14559,7 +20061,7 @@
             <a:r>
               <a:rPr lang="ko-KR" altLang="en-US" sz="2000" b="1" dirty="0">
                 <a:solidFill>
-                  <a:srgbClr val="FFC000"/>
+                  <a:schemeClr val="bg1"/>
                 </a:solidFill>
                 <a:latin typeface="+mj-lt"/>
                 <a:ea typeface="Malgun Gothic"/>
@@ -14578,19 +20080,43 @@
                 <a:cs typeface="Malgun Gothic"/>
                 <a:sym typeface="Malgun Gothic"/>
               </a:rPr>
-              <a:t>&gt; train </a:t>
-            </a:r>
-            <a:r>
-              <a:rPr lang="ko-KR" altLang="en-US" sz="2000" b="1" dirty="0">
-                <a:solidFill>
-                  <a:schemeClr val="bg1"/>
+              <a:t>&gt; </a:t>
+            </a:r>
+            <a:r>
+              <a:rPr lang="en-US" altLang="ko-KR" sz="2000" b="1" dirty="0">
+                <a:solidFill>
+                  <a:srgbClr val="FFC000"/>
                 </a:solidFill>
                 <a:latin typeface="+mj-lt"/>
                 <a:ea typeface="Malgun Gothic"/>
                 <a:cs typeface="Malgun Gothic"/>
                 <a:sym typeface="Malgun Gothic"/>
               </a:rPr>
-              <a:t>전처리 </a:t>
+              <a:t>train </a:t>
+            </a:r>
+            <a:r>
+              <a:rPr lang="ko-KR" altLang="en-US" sz="2000" b="1" dirty="0">
+                <a:solidFill>
+                  <a:srgbClr val="FFC000"/>
+                </a:solidFill>
+                <a:latin typeface="+mj-lt"/>
+                <a:ea typeface="Malgun Gothic"/>
+                <a:cs typeface="Malgun Gothic"/>
+                <a:sym typeface="Malgun Gothic"/>
+              </a:rPr>
+              <a:t>전처리</a:t>
+            </a:r>
+            <a:r>
+              <a:rPr lang="ko-KR" altLang="en-US" sz="2000" b="1" dirty="0">
+                <a:solidFill>
+                  <a:schemeClr val="bg1"/>
+                </a:solidFill>
+                <a:latin typeface="+mj-lt"/>
+                <a:ea typeface="Malgun Gothic"/>
+                <a:cs typeface="Malgun Gothic"/>
+                <a:sym typeface="Malgun Gothic"/>
+              </a:rPr>
+              <a:t> </a:t>
             </a:r>
             <a:r>
               <a:rPr lang="en-US" altLang="ko-KR" sz="2000" b="1" dirty="0">
@@ -14624,6 +20150,2369 @@
               <a:ea typeface="Malgun Gothic"/>
               <a:cs typeface="Malgun Gothic"/>
               <a:sym typeface="Malgun Gothic"/>
+            </a:endParaRPr>
+          </a:p>
+        </p:txBody>
+      </p:sp>
+      <mc:AlternateContent xmlns:mc="http://schemas.openxmlformats.org/markup-compatibility/2006">
+        <mc:Choice xmlns:a14="http://schemas.microsoft.com/office/drawing/2010/main" Requires="a14">
+          <p:graphicFrame>
+            <p:nvGraphicFramePr>
+              <p:cNvPr id="3" name="표 2">
+                <a:extLst>
+                  <a:ext uri="{FF2B5EF4-FFF2-40B4-BE49-F238E27FC236}">
+                    <a16:creationId xmlns:a16="http://schemas.microsoft.com/office/drawing/2014/main" id="{EEF9394D-3679-2DD7-C9EF-F313968B5426}"/>
+                  </a:ext>
+                </a:extLst>
+              </p:cNvPr>
+              <p:cNvGraphicFramePr>
+                <a:graphicFrameLocks noGrp="1"/>
+              </p:cNvGraphicFramePr>
+              <p:nvPr>
+                <p:extLst>
+                  <p:ext uri="{D42A27DB-BD31-4B8C-83A1-F6EECF244321}">
+                    <p14:modId xmlns:p14="http://schemas.microsoft.com/office/powerpoint/2010/main" val="4277444123"/>
+                  </p:ext>
+                </p:extLst>
+              </p:nvPr>
+            </p:nvGraphicFramePr>
+            <p:xfrm>
+              <a:off x="236550" y="1797722"/>
+              <a:ext cx="11718900" cy="3103904"/>
+            </p:xfrm>
+            <a:graphic>
+              <a:graphicData uri="http://schemas.openxmlformats.org/drawingml/2006/table">
+                <a:tbl>
+                  <a:tblPr firstRow="1" bandRow="1">
+                    <a:tableStyleId>{5C22544A-7EE6-4342-B048-85BDC9FD1C3A}</a:tableStyleId>
+                  </a:tblPr>
+                  <a:tblGrid>
+                    <a:gridCol w="1510030">
+                      <a:extLst>
+                        <a:ext uri="{9D8B030D-6E8A-4147-A177-3AD203B41FA5}">
+                          <a16:colId xmlns:a16="http://schemas.microsoft.com/office/drawing/2014/main" val="336963943"/>
+                        </a:ext>
+                      </a:extLst>
+                    </a:gridCol>
+                    <a:gridCol w="5984464">
+                      <a:extLst>
+                        <a:ext uri="{9D8B030D-6E8A-4147-A177-3AD203B41FA5}">
+                          <a16:colId xmlns:a16="http://schemas.microsoft.com/office/drawing/2014/main" val="335339778"/>
+                        </a:ext>
+                      </a:extLst>
+                    </a:gridCol>
+                    <a:gridCol w="4224406">
+                      <a:extLst>
+                        <a:ext uri="{9D8B030D-6E8A-4147-A177-3AD203B41FA5}">
+                          <a16:colId xmlns:a16="http://schemas.microsoft.com/office/drawing/2014/main" val="2724588369"/>
+                        </a:ext>
+                      </a:extLst>
+                    </a:gridCol>
+                  </a:tblGrid>
+                  <a:tr h="742122">
+                    <a:tc>
+                      <a:txBody>
+                        <a:bodyPr/>
+                        <a:lstStyle/>
+                        <a:p>
+                          <a:pPr algn="ctr" latinLnBrk="1"/>
+                          <a:r>
+                            <a:rPr lang="ko-KR" altLang="en-US" sz="2400" b="1" dirty="0">
+                              <a:solidFill>
+                                <a:schemeClr val="tx1"/>
+                              </a:solidFill>
+                              <a:latin typeface="+mj-lt"/>
+                            </a:rPr>
+                            <a:t>파생변수</a:t>
+                          </a:r>
+                        </a:p>
+                      </a:txBody>
+                      <a:tcPr anchor="ctr">
+                        <a:lnL w="12700" cap="flat" cmpd="sng" algn="ctr">
+                          <a:solidFill>
+                            <a:schemeClr val="tx1"/>
+                          </a:solidFill>
+                          <a:prstDash val="solid"/>
+                          <a:round/>
+                          <a:headEnd type="none" w="med" len="med"/>
+                          <a:tailEnd type="none" w="med" len="med"/>
+                        </a:lnL>
+                        <a:lnR w="12700" cap="flat" cmpd="sng" algn="ctr">
+                          <a:solidFill>
+                            <a:schemeClr val="tx1"/>
+                          </a:solidFill>
+                          <a:prstDash val="solid"/>
+                          <a:round/>
+                          <a:headEnd type="none" w="med" len="med"/>
+                          <a:tailEnd type="none" w="med" len="med"/>
+                        </a:lnR>
+                        <a:lnT w="12700" cap="flat" cmpd="sng" algn="ctr">
+                          <a:solidFill>
+                            <a:schemeClr val="tx1"/>
+                          </a:solidFill>
+                          <a:prstDash val="solid"/>
+                          <a:round/>
+                          <a:headEnd type="none" w="med" len="med"/>
+                          <a:tailEnd type="none" w="med" len="med"/>
+                        </a:lnT>
+                        <a:lnB w="12700" cap="flat" cmpd="sng" algn="ctr">
+                          <a:solidFill>
+                            <a:schemeClr val="tx1"/>
+                          </a:solidFill>
+                          <a:prstDash val="solid"/>
+                          <a:round/>
+                          <a:headEnd type="none" w="med" len="med"/>
+                          <a:tailEnd type="none" w="med" len="med"/>
+                        </a:lnB>
+                        <a:lnTlToBr w="12700" cmpd="sng">
+                          <a:noFill/>
+                          <a:prstDash val="solid"/>
+                        </a:lnTlToBr>
+                        <a:lnBlToTr w="12700" cmpd="sng">
+                          <a:noFill/>
+                          <a:prstDash val="solid"/>
+                        </a:lnBlToTr>
+                        <a:solidFill>
+                          <a:schemeClr val="bg2">
+                            <a:lumMod val="90000"/>
+                          </a:schemeClr>
+                        </a:solidFill>
+                      </a:tcPr>
+                    </a:tc>
+                    <a:tc>
+                      <a:txBody>
+                        <a:bodyPr/>
+                        <a:lstStyle/>
+                        <a:p>
+                          <a:pPr algn="ctr" latinLnBrk="1"/>
+                          <a:r>
+                            <a:rPr lang="ko-KR" altLang="en-US" sz="2400" b="1" dirty="0">
+                              <a:solidFill>
+                                <a:schemeClr val="tx1"/>
+                              </a:solidFill>
+                              <a:latin typeface="+mj-lt"/>
+                            </a:rPr>
+                            <a:t>수식</a:t>
+                          </a:r>
+                        </a:p>
+                      </a:txBody>
+                      <a:tcPr anchor="ctr">
+                        <a:lnL w="12700" cap="flat" cmpd="sng" algn="ctr">
+                          <a:solidFill>
+                            <a:schemeClr val="tx1"/>
+                          </a:solidFill>
+                          <a:prstDash val="solid"/>
+                          <a:round/>
+                          <a:headEnd type="none" w="med" len="med"/>
+                          <a:tailEnd type="none" w="med" len="med"/>
+                        </a:lnL>
+                        <a:lnR w="12700" cap="flat" cmpd="sng" algn="ctr">
+                          <a:solidFill>
+                            <a:schemeClr val="tx1"/>
+                          </a:solidFill>
+                          <a:prstDash val="solid"/>
+                          <a:round/>
+                          <a:headEnd type="none" w="med" len="med"/>
+                          <a:tailEnd type="none" w="med" len="med"/>
+                        </a:lnR>
+                        <a:lnT w="12700" cap="flat" cmpd="sng" algn="ctr">
+                          <a:solidFill>
+                            <a:schemeClr val="tx1"/>
+                          </a:solidFill>
+                          <a:prstDash val="solid"/>
+                          <a:round/>
+                          <a:headEnd type="none" w="med" len="med"/>
+                          <a:tailEnd type="none" w="med" len="med"/>
+                        </a:lnT>
+                        <a:lnB w="12700" cap="flat" cmpd="sng" algn="ctr">
+                          <a:solidFill>
+                            <a:schemeClr val="tx1"/>
+                          </a:solidFill>
+                          <a:prstDash val="solid"/>
+                          <a:round/>
+                          <a:headEnd type="none" w="med" len="med"/>
+                          <a:tailEnd type="none" w="med" len="med"/>
+                        </a:lnB>
+                        <a:lnTlToBr w="12700" cmpd="sng">
+                          <a:noFill/>
+                          <a:prstDash val="solid"/>
+                        </a:lnTlToBr>
+                        <a:lnBlToTr w="12700" cmpd="sng">
+                          <a:noFill/>
+                          <a:prstDash val="solid"/>
+                        </a:lnBlToTr>
+                        <a:solidFill>
+                          <a:schemeClr val="bg2">
+                            <a:lumMod val="90000"/>
+                          </a:schemeClr>
+                        </a:solidFill>
+                      </a:tcPr>
+                    </a:tc>
+                    <a:tc>
+                      <a:txBody>
+                        <a:bodyPr/>
+                        <a:lstStyle/>
+                        <a:p>
+                          <a:pPr algn="ctr" latinLnBrk="1"/>
+                          <a:r>
+                            <a:rPr lang="ko-KR" altLang="en-US" sz="2400" b="1" dirty="0">
+                              <a:solidFill>
+                                <a:schemeClr val="tx1"/>
+                              </a:solidFill>
+                              <a:latin typeface="+mj-lt"/>
+                            </a:rPr>
+                            <a:t>사용근거</a:t>
+                          </a:r>
+                        </a:p>
+                      </a:txBody>
+                      <a:tcPr anchor="ctr">
+                        <a:lnL w="12700" cap="flat" cmpd="sng" algn="ctr">
+                          <a:solidFill>
+                            <a:schemeClr val="tx1"/>
+                          </a:solidFill>
+                          <a:prstDash val="solid"/>
+                          <a:round/>
+                          <a:headEnd type="none" w="med" len="med"/>
+                          <a:tailEnd type="none" w="med" len="med"/>
+                        </a:lnL>
+                        <a:lnR w="12700" cap="flat" cmpd="sng" algn="ctr">
+                          <a:solidFill>
+                            <a:schemeClr val="tx1"/>
+                          </a:solidFill>
+                          <a:prstDash val="solid"/>
+                          <a:round/>
+                          <a:headEnd type="none" w="med" len="med"/>
+                          <a:tailEnd type="none" w="med" len="med"/>
+                        </a:lnR>
+                        <a:lnT w="12700" cap="flat" cmpd="sng" algn="ctr">
+                          <a:solidFill>
+                            <a:schemeClr val="tx1"/>
+                          </a:solidFill>
+                          <a:prstDash val="solid"/>
+                          <a:round/>
+                          <a:headEnd type="none" w="med" len="med"/>
+                          <a:tailEnd type="none" w="med" len="med"/>
+                        </a:lnT>
+                        <a:lnB w="12700" cap="flat" cmpd="sng" algn="ctr">
+                          <a:solidFill>
+                            <a:schemeClr val="tx1"/>
+                          </a:solidFill>
+                          <a:prstDash val="solid"/>
+                          <a:round/>
+                          <a:headEnd type="none" w="med" len="med"/>
+                          <a:tailEnd type="none" w="med" len="med"/>
+                        </a:lnB>
+                        <a:lnTlToBr w="12700" cmpd="sng">
+                          <a:noFill/>
+                          <a:prstDash val="solid"/>
+                        </a:lnTlToBr>
+                        <a:lnBlToTr w="12700" cmpd="sng">
+                          <a:noFill/>
+                          <a:prstDash val="solid"/>
+                        </a:lnBlToTr>
+                        <a:solidFill>
+                          <a:schemeClr val="bg2">
+                            <a:lumMod val="90000"/>
+                          </a:schemeClr>
+                        </a:solidFill>
+                      </a:tcPr>
+                    </a:tc>
+                    <a:extLst>
+                      <a:ext uri="{0D108BD9-81ED-4DB2-BD59-A6C34878D82A}">
+                        <a16:rowId xmlns:a16="http://schemas.microsoft.com/office/drawing/2014/main" val="705861328"/>
+                      </a:ext>
+                    </a:extLst>
+                  </a:tr>
+                  <a:tr h="752430">
+                    <a:tc>
+                      <a:txBody>
+                        <a:bodyPr/>
+                        <a:lstStyle/>
+                        <a:p>
+                          <a:pPr algn="ctr" latinLnBrk="1"/>
+                          <a:r>
+                            <a:rPr lang="ko-KR" altLang="en-US" b="1" dirty="0">
+                              <a:solidFill>
+                                <a:schemeClr val="tx1"/>
+                              </a:solidFill>
+                              <a:latin typeface="+mj-lt"/>
+                            </a:rPr>
+                            <a:t>불쾌지수</a:t>
+                          </a:r>
+                        </a:p>
+                      </a:txBody>
+                      <a:tcPr anchor="ctr">
+                        <a:lnL w="12700" cap="flat" cmpd="sng" algn="ctr">
+                          <a:solidFill>
+                            <a:schemeClr val="tx1"/>
+                          </a:solidFill>
+                          <a:prstDash val="solid"/>
+                          <a:round/>
+                          <a:headEnd type="none" w="med" len="med"/>
+                          <a:tailEnd type="none" w="med" len="med"/>
+                        </a:lnL>
+                        <a:lnR w="12700" cap="flat" cmpd="sng" algn="ctr">
+                          <a:solidFill>
+                            <a:schemeClr val="tx1"/>
+                          </a:solidFill>
+                          <a:prstDash val="solid"/>
+                          <a:round/>
+                          <a:headEnd type="none" w="med" len="med"/>
+                          <a:tailEnd type="none" w="med" len="med"/>
+                        </a:lnR>
+                        <a:lnT w="12700" cap="flat" cmpd="sng" algn="ctr">
+                          <a:solidFill>
+                            <a:schemeClr val="tx1"/>
+                          </a:solidFill>
+                          <a:prstDash val="solid"/>
+                          <a:round/>
+                          <a:headEnd type="none" w="med" len="med"/>
+                          <a:tailEnd type="none" w="med" len="med"/>
+                        </a:lnT>
+                        <a:lnB w="12700" cap="flat" cmpd="sng" algn="ctr">
+                          <a:solidFill>
+                            <a:schemeClr val="tx1"/>
+                          </a:solidFill>
+                          <a:prstDash val="solid"/>
+                          <a:round/>
+                          <a:headEnd type="none" w="med" len="med"/>
+                          <a:tailEnd type="none" w="med" len="med"/>
+                        </a:lnB>
+                        <a:lnTlToBr w="12700" cmpd="sng">
+                          <a:noFill/>
+                          <a:prstDash val="solid"/>
+                        </a:lnTlToBr>
+                        <a:lnBlToTr w="12700" cmpd="sng">
+                          <a:noFill/>
+                          <a:prstDash val="solid"/>
+                        </a:lnBlToTr>
+                        <a:solidFill>
+                          <a:schemeClr val="bg1"/>
+                        </a:solidFill>
+                      </a:tcPr>
+                    </a:tc>
+                    <a:tc>
+                      <a:txBody>
+                        <a:bodyPr/>
+                        <a:lstStyle/>
+                        <a:p>
+                          <a:pPr algn="ctr" latinLnBrk="1"/>
+                          <a:r>
+                            <a:rPr lang="en-US" altLang="ko-KR" sz="1400" b="1" dirty="0">
+                              <a:solidFill>
+                                <a:schemeClr val="tx1"/>
+                              </a:solidFill>
+                              <a:latin typeface="+mj-lt"/>
+                            </a:rPr>
+                            <a:t>1.8*</a:t>
+                          </a:r>
+                          <a:r>
+                            <a:rPr lang="ko-KR" altLang="en-US" sz="1400" b="1" dirty="0">
+                              <a:solidFill>
+                                <a:schemeClr val="tx1"/>
+                              </a:solidFill>
+                              <a:latin typeface="+mj-lt"/>
+                            </a:rPr>
+                            <a:t>기온 </a:t>
+                          </a:r>
+                          <a:r>
+                            <a:rPr lang="en-US" altLang="ko-KR" sz="1400" b="1" dirty="0">
+                              <a:solidFill>
+                                <a:schemeClr val="tx1"/>
+                              </a:solidFill>
+                              <a:latin typeface="+mj-lt"/>
+                            </a:rPr>
+                            <a:t>– 0.55*(1-</a:t>
+                          </a:r>
+                          <a:r>
+                            <a:rPr lang="ko-KR" altLang="en-US" sz="1400" b="1" dirty="0">
+                              <a:solidFill>
+                                <a:schemeClr val="tx1"/>
+                              </a:solidFill>
+                              <a:latin typeface="+mj-lt"/>
+                            </a:rPr>
+                            <a:t>습도</a:t>
+                          </a:r>
+                          <a:r>
+                            <a:rPr lang="en-US" altLang="ko-KR" sz="1400" b="1" dirty="0">
+                              <a:solidFill>
+                                <a:schemeClr val="tx1"/>
+                              </a:solidFill>
+                              <a:latin typeface="+mj-lt"/>
+                            </a:rPr>
+                            <a:t>/100) * (1.8*</a:t>
+                          </a:r>
+                          <a:r>
+                            <a:rPr lang="ko-KR" altLang="en-US" sz="1400" b="1" dirty="0">
+                              <a:solidFill>
+                                <a:schemeClr val="tx1"/>
+                              </a:solidFill>
+                              <a:latin typeface="+mj-lt"/>
+                            </a:rPr>
+                            <a:t>습도</a:t>
+                          </a:r>
+                          <a:r>
+                            <a:rPr lang="en-US" altLang="ko-KR" sz="1400" b="1" dirty="0">
+                              <a:solidFill>
+                                <a:schemeClr val="tx1"/>
+                              </a:solidFill>
+                              <a:latin typeface="+mj-lt"/>
+                            </a:rPr>
+                            <a:t>-26) + 32</a:t>
+                          </a:r>
+                          <a:endParaRPr lang="ko-KR" altLang="en-US" sz="1400" b="1" dirty="0">
+                            <a:solidFill>
+                              <a:schemeClr val="tx1"/>
+                            </a:solidFill>
+                            <a:latin typeface="+mj-lt"/>
+                          </a:endParaRPr>
+                        </a:p>
+                      </a:txBody>
+                      <a:tcPr anchor="ctr">
+                        <a:lnL w="12700" cap="flat" cmpd="sng" algn="ctr">
+                          <a:solidFill>
+                            <a:schemeClr val="tx1"/>
+                          </a:solidFill>
+                          <a:prstDash val="solid"/>
+                          <a:round/>
+                          <a:headEnd type="none" w="med" len="med"/>
+                          <a:tailEnd type="none" w="med" len="med"/>
+                        </a:lnL>
+                        <a:lnR w="12700" cap="flat" cmpd="sng" algn="ctr">
+                          <a:solidFill>
+                            <a:schemeClr val="tx1"/>
+                          </a:solidFill>
+                          <a:prstDash val="solid"/>
+                          <a:round/>
+                          <a:headEnd type="none" w="med" len="med"/>
+                          <a:tailEnd type="none" w="med" len="med"/>
+                        </a:lnR>
+                        <a:lnT w="12700" cap="flat" cmpd="sng" algn="ctr">
+                          <a:solidFill>
+                            <a:schemeClr val="tx1"/>
+                          </a:solidFill>
+                          <a:prstDash val="solid"/>
+                          <a:round/>
+                          <a:headEnd type="none" w="med" len="med"/>
+                          <a:tailEnd type="none" w="med" len="med"/>
+                        </a:lnT>
+                        <a:lnB w="12700" cap="flat" cmpd="sng" algn="ctr">
+                          <a:solidFill>
+                            <a:schemeClr val="tx1"/>
+                          </a:solidFill>
+                          <a:prstDash val="solid"/>
+                          <a:round/>
+                          <a:headEnd type="none" w="med" len="med"/>
+                          <a:tailEnd type="none" w="med" len="med"/>
+                        </a:lnB>
+                        <a:lnTlToBr w="12700" cmpd="sng">
+                          <a:noFill/>
+                          <a:prstDash val="solid"/>
+                        </a:lnTlToBr>
+                        <a:lnBlToTr w="12700" cmpd="sng">
+                          <a:noFill/>
+                          <a:prstDash val="solid"/>
+                        </a:lnBlToTr>
+                        <a:solidFill>
+                          <a:schemeClr val="bg1"/>
+                        </a:solidFill>
+                      </a:tcPr>
+                    </a:tc>
+                    <a:tc rowSpan="2">
+                      <a:txBody>
+                        <a:bodyPr/>
+                        <a:lstStyle/>
+                        <a:p>
+                          <a:pPr marL="342900" indent="-342900" algn="l">
+                            <a:buAutoNum type="arabicPeriod"/>
+                          </a:pPr>
+                          <a:r>
+                            <a:rPr lang="ko-KR" altLang="en-US" b="1" dirty="0">
+                              <a:solidFill>
+                                <a:schemeClr val="tx1"/>
+                              </a:solidFill>
+                              <a:effectLst/>
+                              <a:latin typeface="+mj-lt"/>
+                            </a:rPr>
+                            <a:t>소비자 행동의 예측</a:t>
+                          </a:r>
+                          <a:endParaRPr lang="en-US" altLang="ko-KR" b="1" dirty="0">
+                            <a:solidFill>
+                              <a:schemeClr val="tx1"/>
+                            </a:solidFill>
+                            <a:effectLst/>
+                            <a:latin typeface="+mj-lt"/>
+                          </a:endParaRPr>
+                        </a:p>
+                        <a:p>
+                          <a:pPr marL="0" indent="0" algn="l">
+                            <a:buNone/>
+                          </a:pPr>
+                          <a:r>
+                            <a:rPr lang="en-US" altLang="ko-KR" b="1" dirty="0">
+                              <a:solidFill>
+                                <a:schemeClr val="tx1"/>
+                              </a:solidFill>
+                              <a:effectLst/>
+                              <a:latin typeface="+mj-lt"/>
+                            </a:rPr>
+                            <a:t>2. </a:t>
+                          </a:r>
+                          <a:r>
+                            <a:rPr lang="ko-KR" altLang="en-US" b="1" dirty="0">
+                              <a:solidFill>
+                                <a:schemeClr val="tx1"/>
+                              </a:solidFill>
+                              <a:effectLst/>
+                              <a:latin typeface="+mj-lt"/>
+                            </a:rPr>
+                            <a:t>에너지 소비와의 관련성</a:t>
+                          </a:r>
+                          <a:endParaRPr lang="en-US" altLang="ko-KR" b="1" dirty="0">
+                            <a:solidFill>
+                              <a:schemeClr val="tx1"/>
+                            </a:solidFill>
+                            <a:effectLst/>
+                            <a:latin typeface="+mj-lt"/>
+                          </a:endParaRPr>
+                        </a:p>
+                        <a:p>
+                          <a:pPr marL="0" indent="0" algn="l">
+                            <a:buNone/>
+                          </a:pPr>
+                          <a:r>
+                            <a:rPr lang="en-US" altLang="ko-KR" b="1" dirty="0">
+                              <a:solidFill>
+                                <a:schemeClr val="tx1"/>
+                              </a:solidFill>
+                              <a:effectLst/>
+                              <a:latin typeface="+mj-lt"/>
+                            </a:rPr>
+                            <a:t>3. </a:t>
+                          </a:r>
+                          <a:r>
+                            <a:rPr lang="ko-KR" altLang="en-US" b="1" dirty="0">
+                              <a:solidFill>
+                                <a:schemeClr val="tx1"/>
+                              </a:solidFill>
+                              <a:effectLst/>
+                              <a:latin typeface="+mj-lt"/>
+                            </a:rPr>
+                            <a:t>기상정보를 반영하는 추가정보</a:t>
+                          </a:r>
+                          <a:endParaRPr lang="en-US" altLang="ko-KR" b="1" dirty="0">
+                            <a:solidFill>
+                              <a:schemeClr val="tx1"/>
+                            </a:solidFill>
+                            <a:effectLst/>
+                            <a:latin typeface="+mj-lt"/>
+                          </a:endParaRPr>
+                        </a:p>
+                      </a:txBody>
+                      <a:tcPr marL="76200" marR="76200" marT="38100" marB="38100" anchor="ctr">
+                        <a:lnL w="12700" cap="flat" cmpd="sng" algn="ctr">
+                          <a:solidFill>
+                            <a:schemeClr val="tx1"/>
+                          </a:solidFill>
+                          <a:prstDash val="solid"/>
+                          <a:round/>
+                          <a:headEnd type="none" w="med" len="med"/>
+                          <a:tailEnd type="none" w="med" len="med"/>
+                        </a:lnL>
+                        <a:lnR w="12700" cap="flat" cmpd="sng" algn="ctr">
+                          <a:solidFill>
+                            <a:schemeClr val="tx1"/>
+                          </a:solidFill>
+                          <a:prstDash val="solid"/>
+                          <a:round/>
+                          <a:headEnd type="none" w="med" len="med"/>
+                          <a:tailEnd type="none" w="med" len="med"/>
+                        </a:lnR>
+                        <a:lnT w="12700" cap="flat" cmpd="sng" algn="ctr">
+                          <a:solidFill>
+                            <a:schemeClr val="tx1"/>
+                          </a:solidFill>
+                          <a:prstDash val="solid"/>
+                          <a:round/>
+                          <a:headEnd type="none" w="med" len="med"/>
+                          <a:tailEnd type="none" w="med" len="med"/>
+                        </a:lnT>
+                        <a:lnB w="12700" cap="flat" cmpd="sng" algn="ctr">
+                          <a:solidFill>
+                            <a:schemeClr val="tx1"/>
+                          </a:solidFill>
+                          <a:prstDash val="solid"/>
+                          <a:round/>
+                          <a:headEnd type="none" w="med" len="med"/>
+                          <a:tailEnd type="none" w="med" len="med"/>
+                        </a:lnB>
+                        <a:lnTlToBr w="12700" cmpd="sng">
+                          <a:noFill/>
+                          <a:prstDash val="solid"/>
+                        </a:lnTlToBr>
+                        <a:lnBlToTr w="12700" cmpd="sng">
+                          <a:noFill/>
+                          <a:prstDash val="solid"/>
+                        </a:lnBlToTr>
+                        <a:solidFill>
+                          <a:schemeClr val="bg1"/>
+                        </a:solidFill>
+                      </a:tcPr>
+                    </a:tc>
+                    <a:extLst>
+                      <a:ext uri="{0D108BD9-81ED-4DB2-BD59-A6C34878D82A}">
+                        <a16:rowId xmlns:a16="http://schemas.microsoft.com/office/drawing/2014/main" val="311672072"/>
+                      </a:ext>
+                    </a:extLst>
+                  </a:tr>
+                  <a:tr h="752430">
+                    <a:tc>
+                      <a:txBody>
+                        <a:bodyPr/>
+                        <a:lstStyle/>
+                        <a:p>
+                          <a:pPr algn="ctr" latinLnBrk="1"/>
+                          <a:r>
+                            <a:rPr lang="ko-KR" altLang="en-US" b="1" dirty="0">
+                              <a:solidFill>
+                                <a:schemeClr val="tx1"/>
+                              </a:solidFill>
+                              <a:latin typeface="+mj-lt"/>
+                            </a:rPr>
+                            <a:t>체감온도</a:t>
+                          </a:r>
+                        </a:p>
+                      </a:txBody>
+                      <a:tcPr anchor="ctr">
+                        <a:lnL w="12700" cap="flat" cmpd="sng" algn="ctr">
+                          <a:solidFill>
+                            <a:schemeClr val="tx1"/>
+                          </a:solidFill>
+                          <a:prstDash val="solid"/>
+                          <a:round/>
+                          <a:headEnd type="none" w="med" len="med"/>
+                          <a:tailEnd type="none" w="med" len="med"/>
+                        </a:lnL>
+                        <a:lnR w="12700" cap="flat" cmpd="sng" algn="ctr">
+                          <a:solidFill>
+                            <a:schemeClr val="tx1"/>
+                          </a:solidFill>
+                          <a:prstDash val="solid"/>
+                          <a:round/>
+                          <a:headEnd type="none" w="med" len="med"/>
+                          <a:tailEnd type="none" w="med" len="med"/>
+                        </a:lnR>
+                        <a:lnT w="12700" cap="flat" cmpd="sng" algn="ctr">
+                          <a:solidFill>
+                            <a:schemeClr val="tx1"/>
+                          </a:solidFill>
+                          <a:prstDash val="solid"/>
+                          <a:round/>
+                          <a:headEnd type="none" w="med" len="med"/>
+                          <a:tailEnd type="none" w="med" len="med"/>
+                        </a:lnT>
+                        <a:lnB w="12700" cap="flat" cmpd="sng" algn="ctr">
+                          <a:solidFill>
+                            <a:schemeClr val="tx1"/>
+                          </a:solidFill>
+                          <a:prstDash val="solid"/>
+                          <a:round/>
+                          <a:headEnd type="none" w="med" len="med"/>
+                          <a:tailEnd type="none" w="med" len="med"/>
+                        </a:lnB>
+                        <a:lnTlToBr w="12700" cmpd="sng">
+                          <a:noFill/>
+                          <a:prstDash val="solid"/>
+                        </a:lnTlToBr>
+                        <a:lnBlToTr w="12700" cmpd="sng">
+                          <a:noFill/>
+                          <a:prstDash val="solid"/>
+                        </a:lnBlToTr>
+                        <a:solidFill>
+                          <a:schemeClr val="bg1"/>
+                        </a:solidFill>
+                      </a:tcPr>
+                    </a:tc>
+                    <a:tc>
+                      <a:txBody>
+                        <a:bodyPr/>
+                        <a:lstStyle/>
+                        <a:p>
+                          <a:pPr algn="ctr" latinLnBrk="1"/>
+                          <a:r>
+                            <a:rPr lang="en-US" altLang="ko-KR" sz="1400" b="1" dirty="0">
+                              <a:solidFill>
+                                <a:schemeClr val="tx1"/>
+                              </a:solidFill>
+                              <a:latin typeface="+mj-lt"/>
+                            </a:rPr>
+                            <a:t>13.12 + 0.6125*</a:t>
+                          </a:r>
+                          <a:r>
+                            <a:rPr lang="ko-KR" altLang="en-US" sz="1400" b="1" dirty="0">
+                              <a:solidFill>
+                                <a:schemeClr val="tx1"/>
+                              </a:solidFill>
+                              <a:latin typeface="+mj-lt"/>
+                            </a:rPr>
+                            <a:t>기온 </a:t>
+                          </a:r>
+                          <a:r>
+                            <a:rPr lang="en-US" altLang="ko-KR" sz="1400" b="1" dirty="0">
+                              <a:solidFill>
+                                <a:schemeClr val="tx1"/>
+                              </a:solidFill>
+                              <a:latin typeface="+mj-lt"/>
+                            </a:rPr>
+                            <a:t>– 11.37*</a:t>
+                          </a:r>
+                          <a14:m>
+                            <m:oMath xmlns:m="http://schemas.openxmlformats.org/officeDocument/2006/math">
+                              <m:sSup>
+                                <m:sSupPr>
+                                  <m:ctrlPr>
+                                    <a:rPr lang="en-US" altLang="ko-KR" sz="1400" b="1" i="0" dirty="0" smtClean="0">
+                                      <a:solidFill>
+                                        <a:schemeClr val="tx1"/>
+                                      </a:solidFill>
+                                      <a:latin typeface="+mj-lt"/>
+                                    </a:rPr>
+                                  </m:ctrlPr>
+                                </m:sSupPr>
+                                <m:e>
+                                  <m:r>
+                                    <a:rPr lang="ko-KR" altLang="en-US" sz="1400" b="1" i="0" dirty="0" smtClean="0">
+                                      <a:solidFill>
+                                        <a:schemeClr val="tx1"/>
+                                      </a:solidFill>
+                                      <a:latin typeface="+mj-lt"/>
+                                    </a:rPr>
+                                    <m:t>풍속</m:t>
+                                  </m:r>
+                                </m:e>
+                                <m:sup>
+                                  <m:r>
+                                    <a:rPr lang="en-US" altLang="ko-KR" sz="1400" b="1" i="0" dirty="0" smtClean="0">
+                                      <a:solidFill>
+                                        <a:schemeClr val="tx1"/>
+                                      </a:solidFill>
+                                      <a:latin typeface="+mj-lt"/>
+                                    </a:rPr>
+                                    <m:t>𝟎</m:t>
+                                  </m:r>
+                                  <m:r>
+                                    <a:rPr lang="en-US" altLang="ko-KR" sz="1400" b="1" i="0" dirty="0" smtClean="0">
+                                      <a:solidFill>
+                                        <a:schemeClr val="tx1"/>
+                                      </a:solidFill>
+                                      <a:latin typeface="+mj-lt"/>
+                                    </a:rPr>
+                                    <m:t>.</m:t>
+                                  </m:r>
+                                  <m:r>
+                                    <a:rPr lang="en-US" altLang="ko-KR" sz="1400" b="1" i="0" dirty="0" smtClean="0">
+                                      <a:solidFill>
+                                        <a:schemeClr val="tx1"/>
+                                      </a:solidFill>
+                                      <a:latin typeface="+mj-lt"/>
+                                    </a:rPr>
+                                    <m:t>𝟏𝟔</m:t>
+                                  </m:r>
+                                </m:sup>
+                              </m:sSup>
+                            </m:oMath>
+                          </a14:m>
+                          <a:r>
+                            <a:rPr lang="en-US" altLang="ko-KR" sz="1400" b="1" dirty="0">
+                              <a:solidFill>
+                                <a:schemeClr val="tx1"/>
+                              </a:solidFill>
+                              <a:latin typeface="+mj-lt"/>
+                            </a:rPr>
+                            <a:t>+ 0.3965*</a:t>
+                          </a:r>
+                          <a14:m>
+                            <m:oMath xmlns:m="http://schemas.openxmlformats.org/officeDocument/2006/math">
+                              <m:sSup>
+                                <m:sSupPr>
+                                  <m:ctrlPr>
+                                    <a:rPr lang="en-US" altLang="ko-KR" sz="1400" b="1" i="0" dirty="0" smtClean="0">
+                                      <a:solidFill>
+                                        <a:schemeClr val="tx1"/>
+                                      </a:solidFill>
+                                      <a:effectLst/>
+                                      <a:latin typeface="+mj-lt"/>
+                                    </a:rPr>
+                                  </m:ctrlPr>
+                                </m:sSupPr>
+                                <m:e>
+                                  <m:r>
+                                    <a:rPr lang="ko-KR" altLang="en-US" sz="1400" b="1" i="0" dirty="0" smtClean="0">
+                                      <a:solidFill>
+                                        <a:schemeClr val="tx1"/>
+                                      </a:solidFill>
+                                      <a:effectLst/>
+                                      <a:latin typeface="+mj-lt"/>
+                                    </a:rPr>
+                                    <m:t>풍속</m:t>
+                                  </m:r>
+                                </m:e>
+                                <m:sup>
+                                  <m:r>
+                                    <a:rPr lang="en-US" altLang="ko-KR" sz="1400" b="1" i="0" dirty="0" smtClean="0">
+                                      <a:solidFill>
+                                        <a:schemeClr val="tx1"/>
+                                      </a:solidFill>
+                                      <a:effectLst/>
+                                      <a:latin typeface="+mj-lt"/>
+                                    </a:rPr>
+                                    <m:t>𝟎</m:t>
+                                  </m:r>
+                                  <m:r>
+                                    <a:rPr lang="en-US" altLang="ko-KR" sz="1400" b="1" i="0" dirty="0" smtClean="0">
+                                      <a:solidFill>
+                                        <a:schemeClr val="tx1"/>
+                                      </a:solidFill>
+                                      <a:effectLst/>
+                                      <a:latin typeface="+mj-lt"/>
+                                    </a:rPr>
+                                    <m:t>.</m:t>
+                                  </m:r>
+                                  <m:r>
+                                    <a:rPr lang="en-US" altLang="ko-KR" sz="1400" b="1" i="0" dirty="0" smtClean="0">
+                                      <a:solidFill>
+                                        <a:schemeClr val="tx1"/>
+                                      </a:solidFill>
+                                      <a:effectLst/>
+                                      <a:latin typeface="+mj-lt"/>
+                                    </a:rPr>
+                                    <m:t>𝟏𝟔</m:t>
+                                  </m:r>
+                                </m:sup>
+                              </m:sSup>
+                            </m:oMath>
+                          </a14:m>
+                          <a:r>
+                            <a:rPr lang="en-US" altLang="ko-KR" sz="1400" b="1" dirty="0">
+                              <a:solidFill>
+                                <a:schemeClr val="tx1"/>
+                              </a:solidFill>
+                              <a:latin typeface="+mj-lt"/>
+                            </a:rPr>
+                            <a:t>*</a:t>
+                          </a:r>
+                          <a:r>
+                            <a:rPr lang="ko-KR" altLang="en-US" sz="1400" b="1" dirty="0">
+                              <a:solidFill>
+                                <a:schemeClr val="tx1"/>
+                              </a:solidFill>
+                              <a:latin typeface="+mj-lt"/>
+                            </a:rPr>
+                            <a:t>기온</a:t>
+                          </a:r>
+                        </a:p>
+                      </a:txBody>
+                      <a:tcPr anchor="ctr">
+                        <a:lnL w="12700" cap="flat" cmpd="sng" algn="ctr">
+                          <a:solidFill>
+                            <a:schemeClr val="tx1"/>
+                          </a:solidFill>
+                          <a:prstDash val="solid"/>
+                          <a:round/>
+                          <a:headEnd type="none" w="med" len="med"/>
+                          <a:tailEnd type="none" w="med" len="med"/>
+                        </a:lnL>
+                        <a:lnR w="12700" cap="flat" cmpd="sng" algn="ctr">
+                          <a:solidFill>
+                            <a:schemeClr val="tx1"/>
+                          </a:solidFill>
+                          <a:prstDash val="solid"/>
+                          <a:round/>
+                          <a:headEnd type="none" w="med" len="med"/>
+                          <a:tailEnd type="none" w="med" len="med"/>
+                        </a:lnR>
+                        <a:lnT w="12700" cap="flat" cmpd="sng" algn="ctr">
+                          <a:solidFill>
+                            <a:schemeClr val="tx1"/>
+                          </a:solidFill>
+                          <a:prstDash val="solid"/>
+                          <a:round/>
+                          <a:headEnd type="none" w="med" len="med"/>
+                          <a:tailEnd type="none" w="med" len="med"/>
+                        </a:lnT>
+                        <a:lnB w="12700" cap="flat" cmpd="sng" algn="ctr">
+                          <a:solidFill>
+                            <a:schemeClr val="tx1"/>
+                          </a:solidFill>
+                          <a:prstDash val="solid"/>
+                          <a:round/>
+                          <a:headEnd type="none" w="med" len="med"/>
+                          <a:tailEnd type="none" w="med" len="med"/>
+                        </a:lnB>
+                        <a:lnTlToBr w="12700" cmpd="sng">
+                          <a:noFill/>
+                          <a:prstDash val="solid"/>
+                        </a:lnTlToBr>
+                        <a:lnBlToTr w="12700" cmpd="sng">
+                          <a:noFill/>
+                          <a:prstDash val="solid"/>
+                        </a:lnBlToTr>
+                        <a:solidFill>
+                          <a:schemeClr val="bg1"/>
+                        </a:solidFill>
+                      </a:tcPr>
+                    </a:tc>
+                    <a:tc vMerge="1">
+                      <a:txBody>
+                        <a:bodyPr/>
+                        <a:lstStyle/>
+                        <a:p>
+                          <a:pPr algn="ctr"/>
+                          <a:endParaRPr lang="en-US" altLang="ko-KR" b="1" dirty="0">
+                            <a:solidFill>
+                              <a:schemeClr val="tx1"/>
+                            </a:solidFill>
+                            <a:effectLst/>
+                            <a:latin typeface="+mj-lt"/>
+                          </a:endParaRPr>
+                        </a:p>
+                      </a:txBody>
+                      <a:tcPr marL="76200" marR="76200" marT="38100" marB="38100" anchor="ctr">
+                        <a:lnL w="12700" cap="flat" cmpd="sng" algn="ctr">
+                          <a:solidFill>
+                            <a:schemeClr val="tx1"/>
+                          </a:solidFill>
+                          <a:prstDash val="solid"/>
+                          <a:round/>
+                          <a:headEnd type="none" w="med" len="med"/>
+                          <a:tailEnd type="none" w="med" len="med"/>
+                        </a:lnL>
+                        <a:lnR w="12700" cap="flat" cmpd="sng" algn="ctr">
+                          <a:solidFill>
+                            <a:schemeClr val="tx1"/>
+                          </a:solidFill>
+                          <a:prstDash val="solid"/>
+                          <a:round/>
+                          <a:headEnd type="none" w="med" len="med"/>
+                          <a:tailEnd type="none" w="med" len="med"/>
+                        </a:lnR>
+                        <a:lnT w="12700" cap="flat" cmpd="sng" algn="ctr">
+                          <a:solidFill>
+                            <a:schemeClr val="tx1"/>
+                          </a:solidFill>
+                          <a:prstDash val="solid"/>
+                          <a:round/>
+                          <a:headEnd type="none" w="med" len="med"/>
+                          <a:tailEnd type="none" w="med" len="med"/>
+                        </a:lnT>
+                        <a:lnB w="12700" cap="flat" cmpd="sng" algn="ctr">
+                          <a:solidFill>
+                            <a:schemeClr val="tx1"/>
+                          </a:solidFill>
+                          <a:prstDash val="solid"/>
+                          <a:round/>
+                          <a:headEnd type="none" w="med" len="med"/>
+                          <a:tailEnd type="none" w="med" len="med"/>
+                        </a:lnB>
+                        <a:lnTlToBr w="12700" cmpd="sng">
+                          <a:noFill/>
+                          <a:prstDash val="solid"/>
+                        </a:lnTlToBr>
+                        <a:lnBlToTr w="12700" cmpd="sng">
+                          <a:noFill/>
+                          <a:prstDash val="solid"/>
+                        </a:lnBlToTr>
+                        <a:solidFill>
+                          <a:schemeClr val="bg1"/>
+                        </a:solidFill>
+                      </a:tcPr>
+                    </a:tc>
+                    <a:extLst>
+                      <a:ext uri="{0D108BD9-81ED-4DB2-BD59-A6C34878D82A}">
+                        <a16:rowId xmlns:a16="http://schemas.microsoft.com/office/drawing/2014/main" val="1129271722"/>
+                      </a:ext>
+                    </a:extLst>
+                  </a:tr>
+                  <a:tr h="856922">
+                    <a:tc>
+                      <a:txBody>
+                        <a:bodyPr/>
+                        <a:lstStyle/>
+                        <a:p>
+                          <a:pPr algn="ctr" latinLnBrk="1"/>
+                          <a:r>
+                            <a:rPr lang="ko-KR" altLang="en-US" b="1" dirty="0">
+                              <a:solidFill>
+                                <a:schemeClr val="tx1"/>
+                              </a:solidFill>
+                              <a:latin typeface="+mj-lt"/>
+                            </a:rPr>
+                            <a:t>냉방효율</a:t>
+                          </a:r>
+                        </a:p>
+                      </a:txBody>
+                      <a:tcPr anchor="ctr">
+                        <a:lnL w="12700" cap="flat" cmpd="sng" algn="ctr">
+                          <a:solidFill>
+                            <a:schemeClr val="tx1"/>
+                          </a:solidFill>
+                          <a:prstDash val="solid"/>
+                          <a:round/>
+                          <a:headEnd type="none" w="med" len="med"/>
+                          <a:tailEnd type="none" w="med" len="med"/>
+                        </a:lnL>
+                        <a:lnR w="12700" cap="flat" cmpd="sng" algn="ctr">
+                          <a:solidFill>
+                            <a:schemeClr val="tx1"/>
+                          </a:solidFill>
+                          <a:prstDash val="solid"/>
+                          <a:round/>
+                          <a:headEnd type="none" w="med" len="med"/>
+                          <a:tailEnd type="none" w="med" len="med"/>
+                        </a:lnR>
+                        <a:lnT w="12700" cap="flat" cmpd="sng" algn="ctr">
+                          <a:solidFill>
+                            <a:schemeClr val="tx1"/>
+                          </a:solidFill>
+                          <a:prstDash val="solid"/>
+                          <a:round/>
+                          <a:headEnd type="none" w="med" len="med"/>
+                          <a:tailEnd type="none" w="med" len="med"/>
+                        </a:lnT>
+                        <a:lnB w="12700" cap="flat" cmpd="sng" algn="ctr">
+                          <a:solidFill>
+                            <a:schemeClr val="tx1"/>
+                          </a:solidFill>
+                          <a:prstDash val="solid"/>
+                          <a:round/>
+                          <a:headEnd type="none" w="med" len="med"/>
+                          <a:tailEnd type="none" w="med" len="med"/>
+                        </a:lnB>
+                        <a:lnTlToBr w="12700" cmpd="sng">
+                          <a:noFill/>
+                          <a:prstDash val="solid"/>
+                        </a:lnTlToBr>
+                        <a:lnBlToTr w="12700" cmpd="sng">
+                          <a:noFill/>
+                          <a:prstDash val="solid"/>
+                        </a:lnBlToTr>
+                        <a:solidFill>
+                          <a:schemeClr val="bg1"/>
+                        </a:solidFill>
+                      </a:tcPr>
+                    </a:tc>
+                    <a:tc>
+                      <a:txBody>
+                        <a:bodyPr/>
+                        <a:lstStyle/>
+                        <a:p>
+                          <a:pPr algn="ctr" latinLnBrk="1"/>
+                          <a:r>
+                            <a:rPr lang="ko-KR" altLang="en-US" b="1" dirty="0">
+                              <a:solidFill>
+                                <a:schemeClr val="tx1"/>
+                              </a:solidFill>
+                              <a:latin typeface="+mj-lt"/>
+                            </a:rPr>
+                            <a:t>냉방면적 </a:t>
+                          </a:r>
+                          <a:r>
+                            <a:rPr lang="en-US" altLang="ko-KR" b="1" dirty="0">
+                              <a:solidFill>
+                                <a:schemeClr val="tx1"/>
+                              </a:solidFill>
+                              <a:latin typeface="+mj-lt"/>
+                            </a:rPr>
+                            <a:t>/ </a:t>
+                          </a:r>
+                          <a:r>
+                            <a:rPr lang="ko-KR" altLang="en-US" b="1" dirty="0">
+                              <a:solidFill>
+                                <a:schemeClr val="tx1"/>
+                              </a:solidFill>
+                              <a:latin typeface="+mj-lt"/>
+                            </a:rPr>
+                            <a:t>연면적</a:t>
+                          </a:r>
+                        </a:p>
+                      </a:txBody>
+                      <a:tcPr anchor="ctr">
+                        <a:lnL w="12700" cap="flat" cmpd="sng" algn="ctr">
+                          <a:solidFill>
+                            <a:schemeClr val="tx1"/>
+                          </a:solidFill>
+                          <a:prstDash val="solid"/>
+                          <a:round/>
+                          <a:headEnd type="none" w="med" len="med"/>
+                          <a:tailEnd type="none" w="med" len="med"/>
+                        </a:lnL>
+                        <a:lnR w="12700" cap="flat" cmpd="sng" algn="ctr">
+                          <a:solidFill>
+                            <a:schemeClr val="tx1"/>
+                          </a:solidFill>
+                          <a:prstDash val="solid"/>
+                          <a:round/>
+                          <a:headEnd type="none" w="med" len="med"/>
+                          <a:tailEnd type="none" w="med" len="med"/>
+                        </a:lnR>
+                        <a:lnT w="12700" cap="flat" cmpd="sng" algn="ctr">
+                          <a:solidFill>
+                            <a:schemeClr val="tx1"/>
+                          </a:solidFill>
+                          <a:prstDash val="solid"/>
+                          <a:round/>
+                          <a:headEnd type="none" w="med" len="med"/>
+                          <a:tailEnd type="none" w="med" len="med"/>
+                        </a:lnT>
+                        <a:lnB w="12700" cap="flat" cmpd="sng" algn="ctr">
+                          <a:solidFill>
+                            <a:schemeClr val="tx1"/>
+                          </a:solidFill>
+                          <a:prstDash val="solid"/>
+                          <a:round/>
+                          <a:headEnd type="none" w="med" len="med"/>
+                          <a:tailEnd type="none" w="med" len="med"/>
+                        </a:lnB>
+                        <a:lnTlToBr w="12700" cmpd="sng">
+                          <a:noFill/>
+                          <a:prstDash val="solid"/>
+                        </a:lnTlToBr>
+                        <a:lnBlToTr w="12700" cmpd="sng">
+                          <a:noFill/>
+                          <a:prstDash val="solid"/>
+                        </a:lnBlToTr>
+                        <a:solidFill>
+                          <a:schemeClr val="bg1"/>
+                        </a:solidFill>
+                      </a:tcPr>
+                    </a:tc>
+                    <a:tc>
+                      <a:txBody>
+                        <a:bodyPr/>
+                        <a:lstStyle/>
+                        <a:p>
+                          <a:pPr marL="342900" indent="-342900" algn="l">
+                            <a:buAutoNum type="arabicPeriod"/>
+                          </a:pPr>
+                          <a:r>
+                            <a:rPr lang="ko-KR" altLang="en-US" b="1" dirty="0">
+                              <a:solidFill>
+                                <a:schemeClr val="tx1"/>
+                              </a:solidFill>
+                              <a:effectLst/>
+                              <a:latin typeface="+mj-lt"/>
+                            </a:rPr>
+                            <a:t>냉방 시스템의 효율성 반영</a:t>
+                          </a:r>
+                          <a:endParaRPr lang="en-US" altLang="ko-KR" b="1" dirty="0">
+                            <a:solidFill>
+                              <a:schemeClr val="tx1"/>
+                            </a:solidFill>
+                            <a:effectLst/>
+                            <a:latin typeface="+mj-lt"/>
+                          </a:endParaRPr>
+                        </a:p>
+                        <a:p>
+                          <a:pPr marL="342900" indent="-342900" algn="l">
+                            <a:buAutoNum type="arabicPeriod"/>
+                          </a:pPr>
+                          <a:r>
+                            <a:rPr lang="ko-KR" altLang="en-US" b="1" dirty="0">
+                              <a:solidFill>
+                                <a:schemeClr val="tx1"/>
+                              </a:solidFill>
+                              <a:effectLst/>
+                              <a:latin typeface="+mj-lt"/>
+                            </a:rPr>
+                            <a:t>건물 에너지의 효율성 평가</a:t>
+                          </a:r>
+                          <a:endParaRPr lang="en-US" altLang="ko-KR" b="1" dirty="0">
+                            <a:solidFill>
+                              <a:schemeClr val="tx1"/>
+                            </a:solidFill>
+                            <a:effectLst/>
+                            <a:latin typeface="+mj-lt"/>
+                          </a:endParaRPr>
+                        </a:p>
+                      </a:txBody>
+                      <a:tcPr marL="76200" marR="76200" marT="38100" marB="38100" anchor="ctr">
+                        <a:lnL w="12700" cap="flat" cmpd="sng" algn="ctr">
+                          <a:solidFill>
+                            <a:schemeClr val="tx1"/>
+                          </a:solidFill>
+                          <a:prstDash val="solid"/>
+                          <a:round/>
+                          <a:headEnd type="none" w="med" len="med"/>
+                          <a:tailEnd type="none" w="med" len="med"/>
+                        </a:lnL>
+                        <a:lnR w="12700" cap="flat" cmpd="sng" algn="ctr">
+                          <a:solidFill>
+                            <a:schemeClr val="tx1"/>
+                          </a:solidFill>
+                          <a:prstDash val="solid"/>
+                          <a:round/>
+                          <a:headEnd type="none" w="med" len="med"/>
+                          <a:tailEnd type="none" w="med" len="med"/>
+                        </a:lnR>
+                        <a:lnT w="12700" cap="flat" cmpd="sng" algn="ctr">
+                          <a:solidFill>
+                            <a:schemeClr val="tx1"/>
+                          </a:solidFill>
+                          <a:prstDash val="solid"/>
+                          <a:round/>
+                          <a:headEnd type="none" w="med" len="med"/>
+                          <a:tailEnd type="none" w="med" len="med"/>
+                        </a:lnT>
+                        <a:lnB w="12700" cap="flat" cmpd="sng" algn="ctr">
+                          <a:solidFill>
+                            <a:schemeClr val="tx1"/>
+                          </a:solidFill>
+                          <a:prstDash val="solid"/>
+                          <a:round/>
+                          <a:headEnd type="none" w="med" len="med"/>
+                          <a:tailEnd type="none" w="med" len="med"/>
+                        </a:lnB>
+                        <a:lnTlToBr w="12700" cmpd="sng">
+                          <a:noFill/>
+                          <a:prstDash val="solid"/>
+                        </a:lnTlToBr>
+                        <a:lnBlToTr w="12700" cmpd="sng">
+                          <a:noFill/>
+                          <a:prstDash val="solid"/>
+                        </a:lnBlToTr>
+                        <a:solidFill>
+                          <a:schemeClr val="bg1"/>
+                        </a:solidFill>
+                      </a:tcPr>
+                    </a:tc>
+                    <a:extLst>
+                      <a:ext uri="{0D108BD9-81ED-4DB2-BD59-A6C34878D82A}">
+                        <a16:rowId xmlns:a16="http://schemas.microsoft.com/office/drawing/2014/main" val="3059953721"/>
+                      </a:ext>
+                    </a:extLst>
+                  </a:tr>
+                </a:tbl>
+              </a:graphicData>
+            </a:graphic>
+          </p:graphicFrame>
+        </mc:Choice>
+        <mc:Fallback>
+          <p:graphicFrame>
+            <p:nvGraphicFramePr>
+              <p:cNvPr id="3" name="표 2">
+                <a:extLst>
+                  <a:ext uri="{FF2B5EF4-FFF2-40B4-BE49-F238E27FC236}">
+                    <a16:creationId xmlns:a16="http://schemas.microsoft.com/office/drawing/2014/main" id="{EEF9394D-3679-2DD7-C9EF-F313968B5426}"/>
+                  </a:ext>
+                </a:extLst>
+              </p:cNvPr>
+              <p:cNvGraphicFramePr>
+                <a:graphicFrameLocks noGrp="1"/>
+              </p:cNvGraphicFramePr>
+              <p:nvPr>
+                <p:extLst>
+                  <p:ext uri="{D42A27DB-BD31-4B8C-83A1-F6EECF244321}">
+                    <p14:modId xmlns:p14="http://schemas.microsoft.com/office/powerpoint/2010/main" val="4277444123"/>
+                  </p:ext>
+                </p:extLst>
+              </p:nvPr>
+            </p:nvGraphicFramePr>
+            <p:xfrm>
+              <a:off x="236550" y="1797722"/>
+              <a:ext cx="11718900" cy="3103904"/>
+            </p:xfrm>
+            <a:graphic>
+              <a:graphicData uri="http://schemas.openxmlformats.org/drawingml/2006/table">
+                <a:tbl>
+                  <a:tblPr firstRow="1" bandRow="1">
+                    <a:tableStyleId>{5C22544A-7EE6-4342-B048-85BDC9FD1C3A}</a:tableStyleId>
+                  </a:tblPr>
+                  <a:tblGrid>
+                    <a:gridCol w="1510030">
+                      <a:extLst>
+                        <a:ext uri="{9D8B030D-6E8A-4147-A177-3AD203B41FA5}">
+                          <a16:colId xmlns:a16="http://schemas.microsoft.com/office/drawing/2014/main" val="336963943"/>
+                        </a:ext>
+                      </a:extLst>
+                    </a:gridCol>
+                    <a:gridCol w="5984464">
+                      <a:extLst>
+                        <a:ext uri="{9D8B030D-6E8A-4147-A177-3AD203B41FA5}">
+                          <a16:colId xmlns:a16="http://schemas.microsoft.com/office/drawing/2014/main" val="335339778"/>
+                        </a:ext>
+                      </a:extLst>
+                    </a:gridCol>
+                    <a:gridCol w="4224406">
+                      <a:extLst>
+                        <a:ext uri="{9D8B030D-6E8A-4147-A177-3AD203B41FA5}">
+                          <a16:colId xmlns:a16="http://schemas.microsoft.com/office/drawing/2014/main" val="2724588369"/>
+                        </a:ext>
+                      </a:extLst>
+                    </a:gridCol>
+                  </a:tblGrid>
+                  <a:tr h="742122">
+                    <a:tc>
+                      <a:txBody>
+                        <a:bodyPr/>
+                        <a:lstStyle/>
+                        <a:p>
+                          <a:pPr algn="ctr" latinLnBrk="1"/>
+                          <a:r>
+                            <a:rPr lang="ko-KR" altLang="en-US" sz="2400" b="1" dirty="0">
+                              <a:solidFill>
+                                <a:schemeClr val="tx1"/>
+                              </a:solidFill>
+                              <a:latin typeface="+mj-lt"/>
+                            </a:rPr>
+                            <a:t>파생변수</a:t>
+                          </a:r>
+                        </a:p>
+                      </a:txBody>
+                      <a:tcPr anchor="ctr">
+                        <a:lnL w="12700" cap="flat" cmpd="sng" algn="ctr">
+                          <a:solidFill>
+                            <a:schemeClr val="tx1"/>
+                          </a:solidFill>
+                          <a:prstDash val="solid"/>
+                          <a:round/>
+                          <a:headEnd type="none" w="med" len="med"/>
+                          <a:tailEnd type="none" w="med" len="med"/>
+                        </a:lnL>
+                        <a:lnR w="12700" cap="flat" cmpd="sng" algn="ctr">
+                          <a:solidFill>
+                            <a:schemeClr val="tx1"/>
+                          </a:solidFill>
+                          <a:prstDash val="solid"/>
+                          <a:round/>
+                          <a:headEnd type="none" w="med" len="med"/>
+                          <a:tailEnd type="none" w="med" len="med"/>
+                        </a:lnR>
+                        <a:lnT w="12700" cap="flat" cmpd="sng" algn="ctr">
+                          <a:solidFill>
+                            <a:schemeClr val="tx1"/>
+                          </a:solidFill>
+                          <a:prstDash val="solid"/>
+                          <a:round/>
+                          <a:headEnd type="none" w="med" len="med"/>
+                          <a:tailEnd type="none" w="med" len="med"/>
+                        </a:lnT>
+                        <a:lnB w="12700" cap="flat" cmpd="sng" algn="ctr">
+                          <a:solidFill>
+                            <a:schemeClr val="tx1"/>
+                          </a:solidFill>
+                          <a:prstDash val="solid"/>
+                          <a:round/>
+                          <a:headEnd type="none" w="med" len="med"/>
+                          <a:tailEnd type="none" w="med" len="med"/>
+                        </a:lnB>
+                        <a:lnTlToBr w="12700" cmpd="sng">
+                          <a:noFill/>
+                          <a:prstDash val="solid"/>
+                        </a:lnTlToBr>
+                        <a:lnBlToTr w="12700" cmpd="sng">
+                          <a:noFill/>
+                          <a:prstDash val="solid"/>
+                        </a:lnBlToTr>
+                        <a:solidFill>
+                          <a:schemeClr val="bg2">
+                            <a:lumMod val="90000"/>
+                          </a:schemeClr>
+                        </a:solidFill>
+                      </a:tcPr>
+                    </a:tc>
+                    <a:tc>
+                      <a:txBody>
+                        <a:bodyPr/>
+                        <a:lstStyle/>
+                        <a:p>
+                          <a:pPr algn="ctr" latinLnBrk="1"/>
+                          <a:r>
+                            <a:rPr lang="ko-KR" altLang="en-US" sz="2400" b="1" dirty="0">
+                              <a:solidFill>
+                                <a:schemeClr val="tx1"/>
+                              </a:solidFill>
+                              <a:latin typeface="+mj-lt"/>
+                            </a:rPr>
+                            <a:t>수식</a:t>
+                          </a:r>
+                        </a:p>
+                      </a:txBody>
+                      <a:tcPr anchor="ctr">
+                        <a:lnL w="12700" cap="flat" cmpd="sng" algn="ctr">
+                          <a:solidFill>
+                            <a:schemeClr val="tx1"/>
+                          </a:solidFill>
+                          <a:prstDash val="solid"/>
+                          <a:round/>
+                          <a:headEnd type="none" w="med" len="med"/>
+                          <a:tailEnd type="none" w="med" len="med"/>
+                        </a:lnL>
+                        <a:lnR w="12700" cap="flat" cmpd="sng" algn="ctr">
+                          <a:solidFill>
+                            <a:schemeClr val="tx1"/>
+                          </a:solidFill>
+                          <a:prstDash val="solid"/>
+                          <a:round/>
+                          <a:headEnd type="none" w="med" len="med"/>
+                          <a:tailEnd type="none" w="med" len="med"/>
+                        </a:lnR>
+                        <a:lnT w="12700" cap="flat" cmpd="sng" algn="ctr">
+                          <a:solidFill>
+                            <a:schemeClr val="tx1"/>
+                          </a:solidFill>
+                          <a:prstDash val="solid"/>
+                          <a:round/>
+                          <a:headEnd type="none" w="med" len="med"/>
+                          <a:tailEnd type="none" w="med" len="med"/>
+                        </a:lnT>
+                        <a:lnB w="12700" cap="flat" cmpd="sng" algn="ctr">
+                          <a:solidFill>
+                            <a:schemeClr val="tx1"/>
+                          </a:solidFill>
+                          <a:prstDash val="solid"/>
+                          <a:round/>
+                          <a:headEnd type="none" w="med" len="med"/>
+                          <a:tailEnd type="none" w="med" len="med"/>
+                        </a:lnB>
+                        <a:lnTlToBr w="12700" cmpd="sng">
+                          <a:noFill/>
+                          <a:prstDash val="solid"/>
+                        </a:lnTlToBr>
+                        <a:lnBlToTr w="12700" cmpd="sng">
+                          <a:noFill/>
+                          <a:prstDash val="solid"/>
+                        </a:lnBlToTr>
+                        <a:solidFill>
+                          <a:schemeClr val="bg2">
+                            <a:lumMod val="90000"/>
+                          </a:schemeClr>
+                        </a:solidFill>
+                      </a:tcPr>
+                    </a:tc>
+                    <a:tc>
+                      <a:txBody>
+                        <a:bodyPr/>
+                        <a:lstStyle/>
+                        <a:p>
+                          <a:pPr algn="ctr" latinLnBrk="1"/>
+                          <a:r>
+                            <a:rPr lang="ko-KR" altLang="en-US" sz="2400" b="1" dirty="0">
+                              <a:solidFill>
+                                <a:schemeClr val="tx1"/>
+                              </a:solidFill>
+                              <a:latin typeface="+mj-lt"/>
+                            </a:rPr>
+                            <a:t>사용근거</a:t>
+                          </a:r>
+                        </a:p>
+                      </a:txBody>
+                      <a:tcPr anchor="ctr">
+                        <a:lnL w="12700" cap="flat" cmpd="sng" algn="ctr">
+                          <a:solidFill>
+                            <a:schemeClr val="tx1"/>
+                          </a:solidFill>
+                          <a:prstDash val="solid"/>
+                          <a:round/>
+                          <a:headEnd type="none" w="med" len="med"/>
+                          <a:tailEnd type="none" w="med" len="med"/>
+                        </a:lnL>
+                        <a:lnR w="12700" cap="flat" cmpd="sng" algn="ctr">
+                          <a:solidFill>
+                            <a:schemeClr val="tx1"/>
+                          </a:solidFill>
+                          <a:prstDash val="solid"/>
+                          <a:round/>
+                          <a:headEnd type="none" w="med" len="med"/>
+                          <a:tailEnd type="none" w="med" len="med"/>
+                        </a:lnR>
+                        <a:lnT w="12700" cap="flat" cmpd="sng" algn="ctr">
+                          <a:solidFill>
+                            <a:schemeClr val="tx1"/>
+                          </a:solidFill>
+                          <a:prstDash val="solid"/>
+                          <a:round/>
+                          <a:headEnd type="none" w="med" len="med"/>
+                          <a:tailEnd type="none" w="med" len="med"/>
+                        </a:lnT>
+                        <a:lnB w="12700" cap="flat" cmpd="sng" algn="ctr">
+                          <a:solidFill>
+                            <a:schemeClr val="tx1"/>
+                          </a:solidFill>
+                          <a:prstDash val="solid"/>
+                          <a:round/>
+                          <a:headEnd type="none" w="med" len="med"/>
+                          <a:tailEnd type="none" w="med" len="med"/>
+                        </a:lnB>
+                        <a:lnTlToBr w="12700" cmpd="sng">
+                          <a:noFill/>
+                          <a:prstDash val="solid"/>
+                        </a:lnTlToBr>
+                        <a:lnBlToTr w="12700" cmpd="sng">
+                          <a:noFill/>
+                          <a:prstDash val="solid"/>
+                        </a:lnBlToTr>
+                        <a:solidFill>
+                          <a:schemeClr val="bg2">
+                            <a:lumMod val="90000"/>
+                          </a:schemeClr>
+                        </a:solidFill>
+                      </a:tcPr>
+                    </a:tc>
+                    <a:extLst>
+                      <a:ext uri="{0D108BD9-81ED-4DB2-BD59-A6C34878D82A}">
+                        <a16:rowId xmlns:a16="http://schemas.microsoft.com/office/drawing/2014/main" val="705861328"/>
+                      </a:ext>
+                    </a:extLst>
+                  </a:tr>
+                  <a:tr h="752430">
+                    <a:tc>
+                      <a:txBody>
+                        <a:bodyPr/>
+                        <a:lstStyle/>
+                        <a:p>
+                          <a:pPr algn="ctr" latinLnBrk="1"/>
+                          <a:r>
+                            <a:rPr lang="ko-KR" altLang="en-US" b="1" dirty="0">
+                              <a:solidFill>
+                                <a:schemeClr val="tx1"/>
+                              </a:solidFill>
+                              <a:latin typeface="+mj-lt"/>
+                            </a:rPr>
+                            <a:t>불쾌지수</a:t>
+                          </a:r>
+                        </a:p>
+                      </a:txBody>
+                      <a:tcPr anchor="ctr">
+                        <a:lnL w="12700" cap="flat" cmpd="sng" algn="ctr">
+                          <a:solidFill>
+                            <a:schemeClr val="tx1"/>
+                          </a:solidFill>
+                          <a:prstDash val="solid"/>
+                          <a:round/>
+                          <a:headEnd type="none" w="med" len="med"/>
+                          <a:tailEnd type="none" w="med" len="med"/>
+                        </a:lnL>
+                        <a:lnR w="12700" cap="flat" cmpd="sng" algn="ctr">
+                          <a:solidFill>
+                            <a:schemeClr val="tx1"/>
+                          </a:solidFill>
+                          <a:prstDash val="solid"/>
+                          <a:round/>
+                          <a:headEnd type="none" w="med" len="med"/>
+                          <a:tailEnd type="none" w="med" len="med"/>
+                        </a:lnR>
+                        <a:lnT w="12700" cap="flat" cmpd="sng" algn="ctr">
+                          <a:solidFill>
+                            <a:schemeClr val="tx1"/>
+                          </a:solidFill>
+                          <a:prstDash val="solid"/>
+                          <a:round/>
+                          <a:headEnd type="none" w="med" len="med"/>
+                          <a:tailEnd type="none" w="med" len="med"/>
+                        </a:lnT>
+                        <a:lnB w="12700" cap="flat" cmpd="sng" algn="ctr">
+                          <a:solidFill>
+                            <a:schemeClr val="tx1"/>
+                          </a:solidFill>
+                          <a:prstDash val="solid"/>
+                          <a:round/>
+                          <a:headEnd type="none" w="med" len="med"/>
+                          <a:tailEnd type="none" w="med" len="med"/>
+                        </a:lnB>
+                        <a:lnTlToBr w="12700" cmpd="sng">
+                          <a:noFill/>
+                          <a:prstDash val="solid"/>
+                        </a:lnTlToBr>
+                        <a:lnBlToTr w="12700" cmpd="sng">
+                          <a:noFill/>
+                          <a:prstDash val="solid"/>
+                        </a:lnBlToTr>
+                        <a:solidFill>
+                          <a:schemeClr val="bg1"/>
+                        </a:solidFill>
+                      </a:tcPr>
+                    </a:tc>
+                    <a:tc>
+                      <a:txBody>
+                        <a:bodyPr/>
+                        <a:lstStyle/>
+                        <a:p>
+                          <a:pPr algn="ctr" latinLnBrk="1"/>
+                          <a:r>
+                            <a:rPr lang="en-US" altLang="ko-KR" sz="1400" b="1" dirty="0">
+                              <a:solidFill>
+                                <a:schemeClr val="tx1"/>
+                              </a:solidFill>
+                              <a:latin typeface="+mj-lt"/>
+                            </a:rPr>
+                            <a:t>1.8*</a:t>
+                          </a:r>
+                          <a:r>
+                            <a:rPr lang="ko-KR" altLang="en-US" sz="1400" b="1" dirty="0">
+                              <a:solidFill>
+                                <a:schemeClr val="tx1"/>
+                              </a:solidFill>
+                              <a:latin typeface="+mj-lt"/>
+                            </a:rPr>
+                            <a:t>기온 </a:t>
+                          </a:r>
+                          <a:r>
+                            <a:rPr lang="en-US" altLang="ko-KR" sz="1400" b="1" dirty="0">
+                              <a:solidFill>
+                                <a:schemeClr val="tx1"/>
+                              </a:solidFill>
+                              <a:latin typeface="+mj-lt"/>
+                            </a:rPr>
+                            <a:t>– 0.55*(1-</a:t>
+                          </a:r>
+                          <a:r>
+                            <a:rPr lang="ko-KR" altLang="en-US" sz="1400" b="1" dirty="0">
+                              <a:solidFill>
+                                <a:schemeClr val="tx1"/>
+                              </a:solidFill>
+                              <a:latin typeface="+mj-lt"/>
+                            </a:rPr>
+                            <a:t>습도</a:t>
+                          </a:r>
+                          <a:r>
+                            <a:rPr lang="en-US" altLang="ko-KR" sz="1400" b="1" dirty="0">
+                              <a:solidFill>
+                                <a:schemeClr val="tx1"/>
+                              </a:solidFill>
+                              <a:latin typeface="+mj-lt"/>
+                            </a:rPr>
+                            <a:t>/100) * (1.8*</a:t>
+                          </a:r>
+                          <a:r>
+                            <a:rPr lang="ko-KR" altLang="en-US" sz="1400" b="1" dirty="0">
+                              <a:solidFill>
+                                <a:schemeClr val="tx1"/>
+                              </a:solidFill>
+                              <a:latin typeface="+mj-lt"/>
+                            </a:rPr>
+                            <a:t>습도</a:t>
+                          </a:r>
+                          <a:r>
+                            <a:rPr lang="en-US" altLang="ko-KR" sz="1400" b="1" dirty="0">
+                              <a:solidFill>
+                                <a:schemeClr val="tx1"/>
+                              </a:solidFill>
+                              <a:latin typeface="+mj-lt"/>
+                            </a:rPr>
+                            <a:t>-26) + 32</a:t>
+                          </a:r>
+                          <a:endParaRPr lang="ko-KR" altLang="en-US" sz="1400" b="1" dirty="0">
+                            <a:solidFill>
+                              <a:schemeClr val="tx1"/>
+                            </a:solidFill>
+                            <a:latin typeface="+mj-lt"/>
+                          </a:endParaRPr>
+                        </a:p>
+                      </a:txBody>
+                      <a:tcPr anchor="ctr">
+                        <a:lnL w="12700" cap="flat" cmpd="sng" algn="ctr">
+                          <a:solidFill>
+                            <a:schemeClr val="tx1"/>
+                          </a:solidFill>
+                          <a:prstDash val="solid"/>
+                          <a:round/>
+                          <a:headEnd type="none" w="med" len="med"/>
+                          <a:tailEnd type="none" w="med" len="med"/>
+                        </a:lnL>
+                        <a:lnR w="12700" cap="flat" cmpd="sng" algn="ctr">
+                          <a:solidFill>
+                            <a:schemeClr val="tx1"/>
+                          </a:solidFill>
+                          <a:prstDash val="solid"/>
+                          <a:round/>
+                          <a:headEnd type="none" w="med" len="med"/>
+                          <a:tailEnd type="none" w="med" len="med"/>
+                        </a:lnR>
+                        <a:lnT w="12700" cap="flat" cmpd="sng" algn="ctr">
+                          <a:solidFill>
+                            <a:schemeClr val="tx1"/>
+                          </a:solidFill>
+                          <a:prstDash val="solid"/>
+                          <a:round/>
+                          <a:headEnd type="none" w="med" len="med"/>
+                          <a:tailEnd type="none" w="med" len="med"/>
+                        </a:lnT>
+                        <a:lnB w="12700" cap="flat" cmpd="sng" algn="ctr">
+                          <a:solidFill>
+                            <a:schemeClr val="tx1"/>
+                          </a:solidFill>
+                          <a:prstDash val="solid"/>
+                          <a:round/>
+                          <a:headEnd type="none" w="med" len="med"/>
+                          <a:tailEnd type="none" w="med" len="med"/>
+                        </a:lnB>
+                        <a:lnTlToBr w="12700" cmpd="sng">
+                          <a:noFill/>
+                          <a:prstDash val="solid"/>
+                        </a:lnTlToBr>
+                        <a:lnBlToTr w="12700" cmpd="sng">
+                          <a:noFill/>
+                          <a:prstDash val="solid"/>
+                        </a:lnBlToTr>
+                        <a:solidFill>
+                          <a:schemeClr val="bg1"/>
+                        </a:solidFill>
+                      </a:tcPr>
+                    </a:tc>
+                    <a:tc rowSpan="2">
+                      <a:txBody>
+                        <a:bodyPr/>
+                        <a:lstStyle/>
+                        <a:p>
+                          <a:pPr marL="342900" indent="-342900" algn="l">
+                            <a:buAutoNum type="arabicPeriod"/>
+                          </a:pPr>
+                          <a:r>
+                            <a:rPr lang="ko-KR" altLang="en-US" b="1" dirty="0">
+                              <a:solidFill>
+                                <a:schemeClr val="tx1"/>
+                              </a:solidFill>
+                              <a:effectLst/>
+                              <a:latin typeface="+mj-lt"/>
+                            </a:rPr>
+                            <a:t>소비자 행동의 예측</a:t>
+                          </a:r>
+                          <a:endParaRPr lang="en-US" altLang="ko-KR" b="1" dirty="0">
+                            <a:solidFill>
+                              <a:schemeClr val="tx1"/>
+                            </a:solidFill>
+                            <a:effectLst/>
+                            <a:latin typeface="+mj-lt"/>
+                          </a:endParaRPr>
+                        </a:p>
+                        <a:p>
+                          <a:pPr marL="0" indent="0" algn="l">
+                            <a:buNone/>
+                          </a:pPr>
+                          <a:r>
+                            <a:rPr lang="en-US" altLang="ko-KR" b="1" dirty="0">
+                              <a:solidFill>
+                                <a:schemeClr val="tx1"/>
+                              </a:solidFill>
+                              <a:effectLst/>
+                              <a:latin typeface="+mj-lt"/>
+                            </a:rPr>
+                            <a:t>2. </a:t>
+                          </a:r>
+                          <a:r>
+                            <a:rPr lang="ko-KR" altLang="en-US" b="1" dirty="0">
+                              <a:solidFill>
+                                <a:schemeClr val="tx1"/>
+                              </a:solidFill>
+                              <a:effectLst/>
+                              <a:latin typeface="+mj-lt"/>
+                            </a:rPr>
+                            <a:t>에너지 소비와의 관련성</a:t>
+                          </a:r>
+                          <a:endParaRPr lang="en-US" altLang="ko-KR" b="1" dirty="0">
+                            <a:solidFill>
+                              <a:schemeClr val="tx1"/>
+                            </a:solidFill>
+                            <a:effectLst/>
+                            <a:latin typeface="+mj-lt"/>
+                          </a:endParaRPr>
+                        </a:p>
+                        <a:p>
+                          <a:pPr marL="0" indent="0" algn="l">
+                            <a:buNone/>
+                          </a:pPr>
+                          <a:r>
+                            <a:rPr lang="en-US" altLang="ko-KR" b="1" dirty="0">
+                              <a:solidFill>
+                                <a:schemeClr val="tx1"/>
+                              </a:solidFill>
+                              <a:effectLst/>
+                              <a:latin typeface="+mj-lt"/>
+                            </a:rPr>
+                            <a:t>3. </a:t>
+                          </a:r>
+                          <a:r>
+                            <a:rPr lang="ko-KR" altLang="en-US" b="1" dirty="0">
+                              <a:solidFill>
+                                <a:schemeClr val="tx1"/>
+                              </a:solidFill>
+                              <a:effectLst/>
+                              <a:latin typeface="+mj-lt"/>
+                            </a:rPr>
+                            <a:t>기상정보를 반영하는 추가정보</a:t>
+                          </a:r>
+                          <a:endParaRPr lang="en-US" altLang="ko-KR" b="1" dirty="0">
+                            <a:solidFill>
+                              <a:schemeClr val="tx1"/>
+                            </a:solidFill>
+                            <a:effectLst/>
+                            <a:latin typeface="+mj-lt"/>
+                          </a:endParaRPr>
+                        </a:p>
+                      </a:txBody>
+                      <a:tcPr marL="76200" marR="76200" marT="38100" marB="38100" anchor="ctr">
+                        <a:lnL w="12700" cap="flat" cmpd="sng" algn="ctr">
+                          <a:solidFill>
+                            <a:schemeClr val="tx1"/>
+                          </a:solidFill>
+                          <a:prstDash val="solid"/>
+                          <a:round/>
+                          <a:headEnd type="none" w="med" len="med"/>
+                          <a:tailEnd type="none" w="med" len="med"/>
+                        </a:lnL>
+                        <a:lnR w="12700" cap="flat" cmpd="sng" algn="ctr">
+                          <a:solidFill>
+                            <a:schemeClr val="tx1"/>
+                          </a:solidFill>
+                          <a:prstDash val="solid"/>
+                          <a:round/>
+                          <a:headEnd type="none" w="med" len="med"/>
+                          <a:tailEnd type="none" w="med" len="med"/>
+                        </a:lnR>
+                        <a:lnT w="12700" cap="flat" cmpd="sng" algn="ctr">
+                          <a:solidFill>
+                            <a:schemeClr val="tx1"/>
+                          </a:solidFill>
+                          <a:prstDash val="solid"/>
+                          <a:round/>
+                          <a:headEnd type="none" w="med" len="med"/>
+                          <a:tailEnd type="none" w="med" len="med"/>
+                        </a:lnT>
+                        <a:lnB w="12700" cap="flat" cmpd="sng" algn="ctr">
+                          <a:solidFill>
+                            <a:schemeClr val="tx1"/>
+                          </a:solidFill>
+                          <a:prstDash val="solid"/>
+                          <a:round/>
+                          <a:headEnd type="none" w="med" len="med"/>
+                          <a:tailEnd type="none" w="med" len="med"/>
+                        </a:lnB>
+                        <a:lnTlToBr w="12700" cmpd="sng">
+                          <a:noFill/>
+                          <a:prstDash val="solid"/>
+                        </a:lnTlToBr>
+                        <a:lnBlToTr w="12700" cmpd="sng">
+                          <a:noFill/>
+                          <a:prstDash val="solid"/>
+                        </a:lnBlToTr>
+                        <a:solidFill>
+                          <a:schemeClr val="bg1"/>
+                        </a:solidFill>
+                      </a:tcPr>
+                    </a:tc>
+                    <a:extLst>
+                      <a:ext uri="{0D108BD9-81ED-4DB2-BD59-A6C34878D82A}">
+                        <a16:rowId xmlns:a16="http://schemas.microsoft.com/office/drawing/2014/main" val="311672072"/>
+                      </a:ext>
+                    </a:extLst>
+                  </a:tr>
+                  <a:tr h="752430">
+                    <a:tc>
+                      <a:txBody>
+                        <a:bodyPr/>
+                        <a:lstStyle/>
+                        <a:p>
+                          <a:pPr algn="ctr" latinLnBrk="1"/>
+                          <a:r>
+                            <a:rPr lang="ko-KR" altLang="en-US" b="1" dirty="0">
+                              <a:solidFill>
+                                <a:schemeClr val="tx1"/>
+                              </a:solidFill>
+                              <a:latin typeface="+mj-lt"/>
+                            </a:rPr>
+                            <a:t>체감온도</a:t>
+                          </a:r>
+                        </a:p>
+                      </a:txBody>
+                      <a:tcPr anchor="ctr">
+                        <a:lnL w="12700" cap="flat" cmpd="sng" algn="ctr">
+                          <a:solidFill>
+                            <a:schemeClr val="tx1"/>
+                          </a:solidFill>
+                          <a:prstDash val="solid"/>
+                          <a:round/>
+                          <a:headEnd type="none" w="med" len="med"/>
+                          <a:tailEnd type="none" w="med" len="med"/>
+                        </a:lnL>
+                        <a:lnR w="12700" cap="flat" cmpd="sng" algn="ctr">
+                          <a:solidFill>
+                            <a:schemeClr val="tx1"/>
+                          </a:solidFill>
+                          <a:prstDash val="solid"/>
+                          <a:round/>
+                          <a:headEnd type="none" w="med" len="med"/>
+                          <a:tailEnd type="none" w="med" len="med"/>
+                        </a:lnR>
+                        <a:lnT w="12700" cap="flat" cmpd="sng" algn="ctr">
+                          <a:solidFill>
+                            <a:schemeClr val="tx1"/>
+                          </a:solidFill>
+                          <a:prstDash val="solid"/>
+                          <a:round/>
+                          <a:headEnd type="none" w="med" len="med"/>
+                          <a:tailEnd type="none" w="med" len="med"/>
+                        </a:lnT>
+                        <a:lnB w="12700" cap="flat" cmpd="sng" algn="ctr">
+                          <a:solidFill>
+                            <a:schemeClr val="tx1"/>
+                          </a:solidFill>
+                          <a:prstDash val="solid"/>
+                          <a:round/>
+                          <a:headEnd type="none" w="med" len="med"/>
+                          <a:tailEnd type="none" w="med" len="med"/>
+                        </a:lnB>
+                        <a:lnTlToBr w="12700" cmpd="sng">
+                          <a:noFill/>
+                          <a:prstDash val="solid"/>
+                        </a:lnTlToBr>
+                        <a:lnBlToTr w="12700" cmpd="sng">
+                          <a:noFill/>
+                          <a:prstDash val="solid"/>
+                        </a:lnBlToTr>
+                        <a:solidFill>
+                          <a:schemeClr val="bg1"/>
+                        </a:solidFill>
+                      </a:tcPr>
+                    </a:tc>
+                    <a:tc>
+                      <a:txBody>
+                        <a:bodyPr/>
+                        <a:lstStyle/>
+                        <a:p>
+                          <a:endParaRPr lang="ko-KR"/>
+                        </a:p>
+                      </a:txBody>
+                      <a:tcPr anchor="ctr">
+                        <a:lnL w="12700" cap="flat" cmpd="sng" algn="ctr">
+                          <a:solidFill>
+                            <a:schemeClr val="tx1"/>
+                          </a:solidFill>
+                          <a:prstDash val="solid"/>
+                          <a:round/>
+                          <a:headEnd type="none" w="med" len="med"/>
+                          <a:tailEnd type="none" w="med" len="med"/>
+                        </a:lnL>
+                        <a:lnR w="12700" cap="flat" cmpd="sng" algn="ctr">
+                          <a:solidFill>
+                            <a:schemeClr val="tx1"/>
+                          </a:solidFill>
+                          <a:prstDash val="solid"/>
+                          <a:round/>
+                          <a:headEnd type="none" w="med" len="med"/>
+                          <a:tailEnd type="none" w="med" len="med"/>
+                        </a:lnR>
+                        <a:lnT w="12700" cap="flat" cmpd="sng" algn="ctr">
+                          <a:solidFill>
+                            <a:schemeClr val="tx1"/>
+                          </a:solidFill>
+                          <a:prstDash val="solid"/>
+                          <a:round/>
+                          <a:headEnd type="none" w="med" len="med"/>
+                          <a:tailEnd type="none" w="med" len="med"/>
+                        </a:lnT>
+                        <a:lnB w="12700" cap="flat" cmpd="sng" algn="ctr">
+                          <a:solidFill>
+                            <a:schemeClr val="tx1"/>
+                          </a:solidFill>
+                          <a:prstDash val="solid"/>
+                          <a:round/>
+                          <a:headEnd type="none" w="med" len="med"/>
+                          <a:tailEnd type="none" w="med" len="med"/>
+                        </a:lnB>
+                        <a:lnTlToBr w="12700" cmpd="sng">
+                          <a:noFill/>
+                          <a:prstDash val="solid"/>
+                        </a:lnTlToBr>
+                        <a:lnBlToTr w="12700" cmpd="sng">
+                          <a:noFill/>
+                          <a:prstDash val="solid"/>
+                        </a:lnBlToTr>
+                        <a:blipFill>
+                          <a:blip r:embed="rId2"/>
+                          <a:stretch>
+                            <a:fillRect l="-25356" t="-199194" r="-70876" b="-115323"/>
+                          </a:stretch>
+                        </a:blipFill>
+                      </a:tcPr>
+                    </a:tc>
+                    <a:tc vMerge="1">
+                      <a:txBody>
+                        <a:bodyPr/>
+                        <a:lstStyle/>
+                        <a:p>
+                          <a:pPr algn="ctr"/>
+                          <a:endParaRPr lang="en-US" altLang="ko-KR" b="1" dirty="0">
+                            <a:solidFill>
+                              <a:schemeClr val="tx1"/>
+                            </a:solidFill>
+                            <a:effectLst/>
+                            <a:latin typeface="+mj-lt"/>
+                          </a:endParaRPr>
+                        </a:p>
+                      </a:txBody>
+                      <a:tcPr marL="76200" marR="76200" marT="38100" marB="38100" anchor="ctr">
+                        <a:lnL w="12700" cap="flat" cmpd="sng" algn="ctr">
+                          <a:solidFill>
+                            <a:schemeClr val="tx1"/>
+                          </a:solidFill>
+                          <a:prstDash val="solid"/>
+                          <a:round/>
+                          <a:headEnd type="none" w="med" len="med"/>
+                          <a:tailEnd type="none" w="med" len="med"/>
+                        </a:lnL>
+                        <a:lnR w="12700" cap="flat" cmpd="sng" algn="ctr">
+                          <a:solidFill>
+                            <a:schemeClr val="tx1"/>
+                          </a:solidFill>
+                          <a:prstDash val="solid"/>
+                          <a:round/>
+                          <a:headEnd type="none" w="med" len="med"/>
+                          <a:tailEnd type="none" w="med" len="med"/>
+                        </a:lnR>
+                        <a:lnT w="12700" cap="flat" cmpd="sng" algn="ctr">
+                          <a:solidFill>
+                            <a:schemeClr val="tx1"/>
+                          </a:solidFill>
+                          <a:prstDash val="solid"/>
+                          <a:round/>
+                          <a:headEnd type="none" w="med" len="med"/>
+                          <a:tailEnd type="none" w="med" len="med"/>
+                        </a:lnT>
+                        <a:lnB w="12700" cap="flat" cmpd="sng" algn="ctr">
+                          <a:solidFill>
+                            <a:schemeClr val="tx1"/>
+                          </a:solidFill>
+                          <a:prstDash val="solid"/>
+                          <a:round/>
+                          <a:headEnd type="none" w="med" len="med"/>
+                          <a:tailEnd type="none" w="med" len="med"/>
+                        </a:lnB>
+                        <a:lnTlToBr w="12700" cmpd="sng">
+                          <a:noFill/>
+                          <a:prstDash val="solid"/>
+                        </a:lnTlToBr>
+                        <a:lnBlToTr w="12700" cmpd="sng">
+                          <a:noFill/>
+                          <a:prstDash val="solid"/>
+                        </a:lnBlToTr>
+                        <a:solidFill>
+                          <a:schemeClr val="bg1"/>
+                        </a:solidFill>
+                      </a:tcPr>
+                    </a:tc>
+                    <a:extLst>
+                      <a:ext uri="{0D108BD9-81ED-4DB2-BD59-A6C34878D82A}">
+                        <a16:rowId xmlns:a16="http://schemas.microsoft.com/office/drawing/2014/main" val="1129271722"/>
+                      </a:ext>
+                    </a:extLst>
+                  </a:tr>
+                  <a:tr h="856922">
+                    <a:tc>
+                      <a:txBody>
+                        <a:bodyPr/>
+                        <a:lstStyle/>
+                        <a:p>
+                          <a:pPr algn="ctr" latinLnBrk="1"/>
+                          <a:r>
+                            <a:rPr lang="ko-KR" altLang="en-US" b="1" dirty="0">
+                              <a:solidFill>
+                                <a:schemeClr val="tx1"/>
+                              </a:solidFill>
+                              <a:latin typeface="+mj-lt"/>
+                            </a:rPr>
+                            <a:t>냉방효율</a:t>
+                          </a:r>
+                        </a:p>
+                      </a:txBody>
+                      <a:tcPr anchor="ctr">
+                        <a:lnL w="12700" cap="flat" cmpd="sng" algn="ctr">
+                          <a:solidFill>
+                            <a:schemeClr val="tx1"/>
+                          </a:solidFill>
+                          <a:prstDash val="solid"/>
+                          <a:round/>
+                          <a:headEnd type="none" w="med" len="med"/>
+                          <a:tailEnd type="none" w="med" len="med"/>
+                        </a:lnL>
+                        <a:lnR w="12700" cap="flat" cmpd="sng" algn="ctr">
+                          <a:solidFill>
+                            <a:schemeClr val="tx1"/>
+                          </a:solidFill>
+                          <a:prstDash val="solid"/>
+                          <a:round/>
+                          <a:headEnd type="none" w="med" len="med"/>
+                          <a:tailEnd type="none" w="med" len="med"/>
+                        </a:lnR>
+                        <a:lnT w="12700" cap="flat" cmpd="sng" algn="ctr">
+                          <a:solidFill>
+                            <a:schemeClr val="tx1"/>
+                          </a:solidFill>
+                          <a:prstDash val="solid"/>
+                          <a:round/>
+                          <a:headEnd type="none" w="med" len="med"/>
+                          <a:tailEnd type="none" w="med" len="med"/>
+                        </a:lnT>
+                        <a:lnB w="12700" cap="flat" cmpd="sng" algn="ctr">
+                          <a:solidFill>
+                            <a:schemeClr val="tx1"/>
+                          </a:solidFill>
+                          <a:prstDash val="solid"/>
+                          <a:round/>
+                          <a:headEnd type="none" w="med" len="med"/>
+                          <a:tailEnd type="none" w="med" len="med"/>
+                        </a:lnB>
+                        <a:lnTlToBr w="12700" cmpd="sng">
+                          <a:noFill/>
+                          <a:prstDash val="solid"/>
+                        </a:lnTlToBr>
+                        <a:lnBlToTr w="12700" cmpd="sng">
+                          <a:noFill/>
+                          <a:prstDash val="solid"/>
+                        </a:lnBlToTr>
+                        <a:solidFill>
+                          <a:schemeClr val="bg1"/>
+                        </a:solidFill>
+                      </a:tcPr>
+                    </a:tc>
+                    <a:tc>
+                      <a:txBody>
+                        <a:bodyPr/>
+                        <a:lstStyle/>
+                        <a:p>
+                          <a:pPr algn="ctr" latinLnBrk="1"/>
+                          <a:r>
+                            <a:rPr lang="ko-KR" altLang="en-US" b="1" dirty="0">
+                              <a:solidFill>
+                                <a:schemeClr val="tx1"/>
+                              </a:solidFill>
+                              <a:latin typeface="+mj-lt"/>
+                            </a:rPr>
+                            <a:t>냉방면적 </a:t>
+                          </a:r>
+                          <a:r>
+                            <a:rPr lang="en-US" altLang="ko-KR" b="1" dirty="0">
+                              <a:solidFill>
+                                <a:schemeClr val="tx1"/>
+                              </a:solidFill>
+                              <a:latin typeface="+mj-lt"/>
+                            </a:rPr>
+                            <a:t>/ </a:t>
+                          </a:r>
+                          <a:r>
+                            <a:rPr lang="ko-KR" altLang="en-US" b="1" dirty="0">
+                              <a:solidFill>
+                                <a:schemeClr val="tx1"/>
+                              </a:solidFill>
+                              <a:latin typeface="+mj-lt"/>
+                            </a:rPr>
+                            <a:t>연면적</a:t>
+                          </a:r>
+                        </a:p>
+                      </a:txBody>
+                      <a:tcPr anchor="ctr">
+                        <a:lnL w="12700" cap="flat" cmpd="sng" algn="ctr">
+                          <a:solidFill>
+                            <a:schemeClr val="tx1"/>
+                          </a:solidFill>
+                          <a:prstDash val="solid"/>
+                          <a:round/>
+                          <a:headEnd type="none" w="med" len="med"/>
+                          <a:tailEnd type="none" w="med" len="med"/>
+                        </a:lnL>
+                        <a:lnR w="12700" cap="flat" cmpd="sng" algn="ctr">
+                          <a:solidFill>
+                            <a:schemeClr val="tx1"/>
+                          </a:solidFill>
+                          <a:prstDash val="solid"/>
+                          <a:round/>
+                          <a:headEnd type="none" w="med" len="med"/>
+                          <a:tailEnd type="none" w="med" len="med"/>
+                        </a:lnR>
+                        <a:lnT w="12700" cap="flat" cmpd="sng" algn="ctr">
+                          <a:solidFill>
+                            <a:schemeClr val="tx1"/>
+                          </a:solidFill>
+                          <a:prstDash val="solid"/>
+                          <a:round/>
+                          <a:headEnd type="none" w="med" len="med"/>
+                          <a:tailEnd type="none" w="med" len="med"/>
+                        </a:lnT>
+                        <a:lnB w="12700" cap="flat" cmpd="sng" algn="ctr">
+                          <a:solidFill>
+                            <a:schemeClr val="tx1"/>
+                          </a:solidFill>
+                          <a:prstDash val="solid"/>
+                          <a:round/>
+                          <a:headEnd type="none" w="med" len="med"/>
+                          <a:tailEnd type="none" w="med" len="med"/>
+                        </a:lnB>
+                        <a:lnTlToBr w="12700" cmpd="sng">
+                          <a:noFill/>
+                          <a:prstDash val="solid"/>
+                        </a:lnTlToBr>
+                        <a:lnBlToTr w="12700" cmpd="sng">
+                          <a:noFill/>
+                          <a:prstDash val="solid"/>
+                        </a:lnBlToTr>
+                        <a:solidFill>
+                          <a:schemeClr val="bg1"/>
+                        </a:solidFill>
+                      </a:tcPr>
+                    </a:tc>
+                    <a:tc>
+                      <a:txBody>
+                        <a:bodyPr/>
+                        <a:lstStyle/>
+                        <a:p>
+                          <a:pPr marL="342900" indent="-342900" algn="l">
+                            <a:buAutoNum type="arabicPeriod"/>
+                          </a:pPr>
+                          <a:r>
+                            <a:rPr lang="ko-KR" altLang="en-US" b="1" dirty="0">
+                              <a:solidFill>
+                                <a:schemeClr val="tx1"/>
+                              </a:solidFill>
+                              <a:effectLst/>
+                              <a:latin typeface="+mj-lt"/>
+                            </a:rPr>
+                            <a:t>냉방 시스템의 효율성 반영</a:t>
+                          </a:r>
+                          <a:endParaRPr lang="en-US" altLang="ko-KR" b="1" dirty="0">
+                            <a:solidFill>
+                              <a:schemeClr val="tx1"/>
+                            </a:solidFill>
+                            <a:effectLst/>
+                            <a:latin typeface="+mj-lt"/>
+                          </a:endParaRPr>
+                        </a:p>
+                        <a:p>
+                          <a:pPr marL="342900" indent="-342900" algn="l">
+                            <a:buAutoNum type="arabicPeriod"/>
+                          </a:pPr>
+                          <a:r>
+                            <a:rPr lang="ko-KR" altLang="en-US" b="1" dirty="0">
+                              <a:solidFill>
+                                <a:schemeClr val="tx1"/>
+                              </a:solidFill>
+                              <a:effectLst/>
+                              <a:latin typeface="+mj-lt"/>
+                            </a:rPr>
+                            <a:t>건물 에너지의 효율성 평가</a:t>
+                          </a:r>
+                          <a:endParaRPr lang="en-US" altLang="ko-KR" b="1" dirty="0">
+                            <a:solidFill>
+                              <a:schemeClr val="tx1"/>
+                            </a:solidFill>
+                            <a:effectLst/>
+                            <a:latin typeface="+mj-lt"/>
+                          </a:endParaRPr>
+                        </a:p>
+                      </a:txBody>
+                      <a:tcPr marL="76200" marR="76200" marT="38100" marB="38100" anchor="ctr">
+                        <a:lnL w="12700" cap="flat" cmpd="sng" algn="ctr">
+                          <a:solidFill>
+                            <a:schemeClr val="tx1"/>
+                          </a:solidFill>
+                          <a:prstDash val="solid"/>
+                          <a:round/>
+                          <a:headEnd type="none" w="med" len="med"/>
+                          <a:tailEnd type="none" w="med" len="med"/>
+                        </a:lnL>
+                        <a:lnR w="12700" cap="flat" cmpd="sng" algn="ctr">
+                          <a:solidFill>
+                            <a:schemeClr val="tx1"/>
+                          </a:solidFill>
+                          <a:prstDash val="solid"/>
+                          <a:round/>
+                          <a:headEnd type="none" w="med" len="med"/>
+                          <a:tailEnd type="none" w="med" len="med"/>
+                        </a:lnR>
+                        <a:lnT w="12700" cap="flat" cmpd="sng" algn="ctr">
+                          <a:solidFill>
+                            <a:schemeClr val="tx1"/>
+                          </a:solidFill>
+                          <a:prstDash val="solid"/>
+                          <a:round/>
+                          <a:headEnd type="none" w="med" len="med"/>
+                          <a:tailEnd type="none" w="med" len="med"/>
+                        </a:lnT>
+                        <a:lnB w="12700" cap="flat" cmpd="sng" algn="ctr">
+                          <a:solidFill>
+                            <a:schemeClr val="tx1"/>
+                          </a:solidFill>
+                          <a:prstDash val="solid"/>
+                          <a:round/>
+                          <a:headEnd type="none" w="med" len="med"/>
+                          <a:tailEnd type="none" w="med" len="med"/>
+                        </a:lnB>
+                        <a:lnTlToBr w="12700" cmpd="sng">
+                          <a:noFill/>
+                          <a:prstDash val="solid"/>
+                        </a:lnTlToBr>
+                        <a:lnBlToTr w="12700" cmpd="sng">
+                          <a:noFill/>
+                          <a:prstDash val="solid"/>
+                        </a:lnBlToTr>
+                        <a:solidFill>
+                          <a:schemeClr val="bg1"/>
+                        </a:solidFill>
+                      </a:tcPr>
+                    </a:tc>
+                    <a:extLst>
+                      <a:ext uri="{0D108BD9-81ED-4DB2-BD59-A6C34878D82A}">
+                        <a16:rowId xmlns:a16="http://schemas.microsoft.com/office/drawing/2014/main" val="3059953721"/>
+                      </a:ext>
+                    </a:extLst>
+                  </a:tr>
+                </a:tbl>
+              </a:graphicData>
+            </a:graphic>
+          </p:graphicFrame>
+        </mc:Fallback>
+      </mc:AlternateContent>
+      <p:sp>
+        <p:nvSpPr>
+          <p:cNvPr id="4" name="TextBox 3">
+            <a:extLst>
+              <a:ext uri="{FF2B5EF4-FFF2-40B4-BE49-F238E27FC236}">
+                <a16:creationId xmlns:a16="http://schemas.microsoft.com/office/drawing/2014/main" id="{38EA42FF-A4ED-D06E-DB39-88136C0D42FD}"/>
+              </a:ext>
+            </a:extLst>
+          </p:cNvPr>
+          <p:cNvSpPr txBox="1"/>
+          <p:nvPr/>
+        </p:nvSpPr>
+        <p:spPr>
+          <a:xfrm>
+            <a:off x="236550" y="5199084"/>
+            <a:ext cx="11718900" cy="400110"/>
+          </a:xfrm>
+          <a:prstGeom prst="rect">
+            <a:avLst/>
+          </a:prstGeom>
+          <a:noFill/>
+        </p:spPr>
+        <p:txBody>
+          <a:bodyPr wrap="square" rtlCol="0" anchor="ctr">
+            <a:spAutoFit/>
+          </a:bodyPr>
+          <a:lstStyle/>
+          <a:p>
+            <a:pPr algn="ctr"/>
+            <a:r>
+              <a:rPr lang="ko-KR" altLang="en-US" sz="2000" b="1" dirty="0">
+                <a:solidFill>
+                  <a:schemeClr val="bg1"/>
+                </a:solidFill>
+                <a:latin typeface="+mj-lt"/>
+              </a:rPr>
+              <a:t>인간의 체감정보와 에너지 효율과 관련된 파생변수 추가</a:t>
+            </a:r>
+            <a:endParaRPr lang="en-US" altLang="ko-KR" sz="2000" b="1" dirty="0">
+              <a:solidFill>
+                <a:schemeClr val="bg1"/>
+              </a:solidFill>
+              <a:latin typeface="+mj-lt"/>
             </a:endParaRPr>
           </a:p>
         </p:txBody>
@@ -15898,10 +23787,10 @@
       </p:sp>
       <p:sp>
         <p:nvSpPr>
-          <p:cNvPr id="8" name="Google Shape;124;p3">
+          <p:cNvPr id="2" name="Google Shape;124;p3">
             <a:extLst>
               <a:ext uri="{FF2B5EF4-FFF2-40B4-BE49-F238E27FC236}">
-                <a16:creationId xmlns:a16="http://schemas.microsoft.com/office/drawing/2014/main" id="{F17992A2-9D19-8153-466A-8FEB49CEE574}"/>
+                <a16:creationId xmlns:a16="http://schemas.microsoft.com/office/drawing/2014/main" id="{E8412414-5240-41F9-C910-6AD45800D68B}"/>
               </a:ext>
             </a:extLst>
           </p:cNvPr>
@@ -15939,7 +23828,7 @@
             <a:r>
               <a:rPr lang="en-US" sz="2000" b="1" dirty="0">
                 <a:solidFill>
-                  <a:srgbClr val="FFC000"/>
+                  <a:schemeClr val="bg1"/>
                 </a:solidFill>
                 <a:latin typeface="+mj-lt"/>
                 <a:ea typeface="Malgun Gothic"/>
@@ -15951,7 +23840,7 @@
             <a:r>
               <a:rPr lang="ko-KR" altLang="en-US" sz="2000" b="1" dirty="0">
                 <a:solidFill>
-                  <a:srgbClr val="FFC000"/>
+                  <a:schemeClr val="bg1"/>
                 </a:solidFill>
                 <a:latin typeface="+mj-lt"/>
                 <a:ea typeface="Malgun Gothic"/>
@@ -15970,19 +23859,43 @@
                 <a:cs typeface="Malgun Gothic"/>
                 <a:sym typeface="Malgun Gothic"/>
               </a:rPr>
-              <a:t>&gt; train </a:t>
-            </a:r>
-            <a:r>
-              <a:rPr lang="ko-KR" altLang="en-US" sz="2000" b="1" dirty="0">
-                <a:solidFill>
-                  <a:schemeClr val="bg1"/>
+              <a:t>&gt; </a:t>
+            </a:r>
+            <a:r>
+              <a:rPr lang="en-US" altLang="ko-KR" sz="2000" b="1" dirty="0">
+                <a:solidFill>
+                  <a:srgbClr val="FFC000"/>
                 </a:solidFill>
                 <a:latin typeface="+mj-lt"/>
                 <a:ea typeface="Malgun Gothic"/>
                 <a:cs typeface="Malgun Gothic"/>
                 <a:sym typeface="Malgun Gothic"/>
               </a:rPr>
-              <a:t>전처리 </a:t>
+              <a:t>train </a:t>
+            </a:r>
+            <a:r>
+              <a:rPr lang="ko-KR" altLang="en-US" sz="2000" b="1" dirty="0">
+                <a:solidFill>
+                  <a:srgbClr val="FFC000"/>
+                </a:solidFill>
+                <a:latin typeface="+mj-lt"/>
+                <a:ea typeface="Malgun Gothic"/>
+                <a:cs typeface="Malgun Gothic"/>
+                <a:sym typeface="Malgun Gothic"/>
+              </a:rPr>
+              <a:t>전처리</a:t>
+            </a:r>
+            <a:r>
+              <a:rPr lang="ko-KR" altLang="en-US" sz="2000" b="1" dirty="0">
+                <a:solidFill>
+                  <a:schemeClr val="bg1"/>
+                </a:solidFill>
+                <a:latin typeface="+mj-lt"/>
+                <a:ea typeface="Malgun Gothic"/>
+                <a:cs typeface="Malgun Gothic"/>
+                <a:sym typeface="Malgun Gothic"/>
+              </a:rPr>
+              <a:t> </a:t>
             </a:r>
             <a:r>
               <a:rPr lang="en-US" altLang="ko-KR" sz="2000" b="1" dirty="0">
@@ -22357,7 +30270,7 @@
           <p:nvPr>
             <p:extLst>
               <p:ext uri="{D42A27DB-BD31-4B8C-83A1-F6EECF244321}">
-                <p14:modId xmlns:p14="http://schemas.microsoft.com/office/powerpoint/2010/main" val="2308347146"/>
+                <p14:modId xmlns:p14="http://schemas.microsoft.com/office/powerpoint/2010/main" val="3680777813"/>
               </p:ext>
             </p:extLst>
           </p:nvPr>
@@ -22425,14 +30338,14 @@
                         <a:buNone/>
                       </a:pPr>
                       <a:r>
-                        <a:rPr lang="ko-KR" sz="2000" u="none" strike="noStrike" cap="none">
+                        <a:rPr lang="ko-KR" sz="2000" b="1" u="none" strike="noStrike" cap="none" dirty="0" err="1">
                           <a:solidFill>
                             <a:schemeClr val="dk1"/>
                           </a:solidFill>
                         </a:rPr>
                         <a:t>변수명</a:t>
                       </a:r>
-                      <a:endParaRPr sz="2000" u="none" strike="noStrike" cap="none">
+                      <a:endParaRPr sz="2000" b="1" u="none" strike="noStrike" cap="none" dirty="0">
                         <a:solidFill>
                           <a:schemeClr val="dk1"/>
                         </a:solidFill>
@@ -22496,14 +30409,22 @@
                         <a:buNone/>
                       </a:pPr>
                       <a:r>
-                        <a:rPr lang="ko-KR" sz="2000" u="none" strike="noStrike" cap="none">
+                        <a:rPr lang="ko-KR" sz="2000" b="1" u="none" strike="noStrike" cap="none" dirty="0">
                           <a:solidFill>
                             <a:schemeClr val="dk1"/>
                           </a:solidFill>
                         </a:rPr>
-                        <a:t>데이터 Shape</a:t>
+                        <a:t>데이터 </a:t>
                       </a:r>
-                      <a:endParaRPr sz="2000" u="none" strike="noStrike" cap="none">
+                      <a:r>
+                        <a:rPr lang="ko-KR" sz="2000" b="1" u="none" strike="noStrike" cap="none" dirty="0" err="1">
+                          <a:solidFill>
+                            <a:schemeClr val="dk1"/>
+                          </a:solidFill>
+                        </a:rPr>
+                        <a:t>Shape</a:t>
+                      </a:r>
+                      <a:endParaRPr sz="2000" b="1" u="none" strike="noStrike" cap="none" dirty="0">
                         <a:solidFill>
                           <a:schemeClr val="dk1"/>
                         </a:solidFill>
@@ -22567,14 +30488,14 @@
                         <a:buNone/>
                       </a:pPr>
                       <a:r>
-                        <a:rPr lang="ko-KR" sz="2000" u="none" strike="noStrike" cap="none">
+                        <a:rPr lang="ko-KR" sz="2000" b="1" u="none" strike="noStrike" cap="none" dirty="0">
                           <a:solidFill>
                             <a:schemeClr val="dk1"/>
                           </a:solidFill>
                         </a:rPr>
                         <a:t>데이터 자료형</a:t>
                       </a:r>
-                      <a:endParaRPr sz="2000" u="none" strike="noStrike" cap="none">
+                      <a:endParaRPr sz="2000" b="1" u="none" strike="noStrike" cap="none" dirty="0">
                         <a:solidFill>
                           <a:schemeClr val="dk1"/>
                         </a:solidFill>
@@ -22638,14 +30559,14 @@
                         <a:buNone/>
                       </a:pPr>
                       <a:r>
-                        <a:rPr lang="ko-KR" sz="2000" u="none" strike="noStrike" cap="none">
+                        <a:rPr lang="ko-KR" sz="2000" b="1" u="none" strike="noStrike" cap="none" dirty="0">
                           <a:solidFill>
                             <a:schemeClr val="dk1"/>
                           </a:solidFill>
                         </a:rPr>
                         <a:t>변수 설명</a:t>
                       </a:r>
-                      <a:endParaRPr sz="2000" u="none" strike="noStrike" cap="none">
+                      <a:endParaRPr sz="2000" b="1" u="none" strike="noStrike" cap="none" dirty="0">
                         <a:solidFill>
                           <a:schemeClr val="dk1"/>
                         </a:solidFill>
@@ -22892,14 +30813,14 @@
                         <a:buNone/>
                       </a:pPr>
                       <a:r>
-                        <a:rPr lang="ko-KR" sz="1800" u="none" strike="noStrike" cap="none">
+                        <a:rPr lang="ko-KR" sz="1800" u="none" strike="noStrike" cap="none" dirty="0">
                           <a:solidFill>
                             <a:schemeClr val="dk1"/>
                           </a:solidFill>
                         </a:rPr>
                         <a:t>Int64</a:t>
                       </a:r>
-                      <a:endParaRPr sz="1800" u="none" strike="noStrike" cap="none">
+                      <a:endParaRPr sz="1800" u="none" strike="noStrike" cap="none" dirty="0">
                         <a:solidFill>
                           <a:schemeClr val="dk1"/>
                         </a:solidFill>

--- a/electricity.pptx
+++ b/electricity.pptx
@@ -144,7 +144,7 @@
   <pc:docChgLst>
     <pc:chgData name="동욱 황" userId="4ef6500828eae399" providerId="LiveId" clId="{9A47C71C-90E0-444D-9289-A054697F2D96}"/>
     <pc:docChg chg="undo custSel addSld delSld modSld sldOrd">
-      <pc:chgData name="동욱 황" userId="4ef6500828eae399" providerId="LiveId" clId="{9A47C71C-90E0-444D-9289-A054697F2D96}" dt="2024-04-16T11:51:04.641" v="15202" actId="20577"/>
+      <pc:chgData name="동욱 황" userId="4ef6500828eae399" providerId="LiveId" clId="{9A47C71C-90E0-444D-9289-A054697F2D96}" dt="2024-04-17T07:48:45.461" v="15268" actId="207"/>
       <pc:docMkLst>
         <pc:docMk/>
       </pc:docMkLst>
@@ -3496,7 +3496,7 @@
         </pc:cxnChg>
       </pc:sldChg>
       <pc:sldChg chg="addSp delSp modSp add mod setBg">
-        <pc:chgData name="동욱 황" userId="4ef6500828eae399" providerId="LiveId" clId="{9A47C71C-90E0-444D-9289-A054697F2D96}" dt="2024-04-16T11:50:55.634" v="15196" actId="1076"/>
+        <pc:chgData name="동욱 황" userId="4ef6500828eae399" providerId="LiveId" clId="{9A47C71C-90E0-444D-9289-A054697F2D96}" dt="2024-04-17T07:48:45.461" v="15268" actId="207"/>
         <pc:sldMkLst>
           <pc:docMk/>
           <pc:sldMk cId="1448008419" sldId="286"/>
@@ -3509,6 +3509,14 @@
             <ac:spMk id="2" creationId="{7CAA9A12-43F4-39C0-32AB-20A46FA9B727}"/>
           </ac:spMkLst>
         </pc:spChg>
+        <pc:spChg chg="add mod">
+          <ac:chgData name="동욱 황" userId="4ef6500828eae399" providerId="LiveId" clId="{9A47C71C-90E0-444D-9289-A054697F2D96}" dt="2024-04-17T07:48:45.461" v="15268" actId="207"/>
+          <ac:spMkLst>
+            <pc:docMk/>
+            <pc:sldMk cId="1448008419" sldId="286"/>
+            <ac:spMk id="2" creationId="{82E063E0-4D39-9367-96FE-D2A5B13B9AB6}"/>
+          </ac:spMkLst>
+        </pc:spChg>
         <pc:spChg chg="add del mod">
           <ac:chgData name="동욱 황" userId="4ef6500828eae399" providerId="LiveId" clId="{9A47C71C-90E0-444D-9289-A054697F2D96}" dt="2024-04-16T11:41:05.897" v="15190" actId="478"/>
           <ac:spMkLst>
@@ -3518,13 +3526,21 @@
           </ac:spMkLst>
         </pc:spChg>
         <pc:spChg chg="mod">
-          <ac:chgData name="동욱 황" userId="4ef6500828eae399" providerId="LiveId" clId="{9A47C71C-90E0-444D-9289-A054697F2D96}" dt="2024-04-16T11:50:55.634" v="15196" actId="1076"/>
+          <ac:chgData name="동욱 황" userId="4ef6500828eae399" providerId="LiveId" clId="{9A47C71C-90E0-444D-9289-A054697F2D96}" dt="2024-04-17T07:48:42.216" v="15267" actId="207"/>
           <ac:spMkLst>
             <pc:docMk/>
             <pc:sldMk cId="1448008419" sldId="286"/>
             <ac:spMk id="5" creationId="{FFEC8D5C-CFA7-5AA0-232D-AEA873DBBD07}"/>
           </ac:spMkLst>
         </pc:spChg>
+        <pc:picChg chg="add mod">
+          <ac:chgData name="동욱 황" userId="4ef6500828eae399" providerId="LiveId" clId="{9A47C71C-90E0-444D-9289-A054697F2D96}" dt="2024-04-17T07:46:39.439" v="15211" actId="1076"/>
+          <ac:picMkLst>
+            <pc:docMk/>
+            <pc:sldMk cId="1448008419" sldId="286"/>
+            <ac:picMk id="1026" creationId="{7A7B2DE5-A372-7C75-EA3F-12EBA21CCB27}"/>
+          </ac:picMkLst>
+        </pc:picChg>
       </pc:sldChg>
       <pc:sldChg chg="add del ord setBg">
         <pc:chgData name="동욱 황" userId="4ef6500828eae399" providerId="LiveId" clId="{9A47C71C-90E0-444D-9289-A054697F2D96}" dt="2024-04-16T10:38:50.026" v="13159" actId="47"/>
@@ -3651,7 +3667,7 @@
           <a:p>
             <a:fld id="{193E5F9B-9A03-41ED-96FE-9830435574D6}" type="datetimeFigureOut">
               <a:rPr lang="ko-KR" altLang="en-US" smtClean="0"/>
-              <a:t>2024-04-16</a:t>
+              <a:t>2024-04-17</a:t>
             </a:fld>
             <a:endParaRPr lang="ko-KR" altLang="en-US"/>
           </a:p>
@@ -4149,7 +4165,7 @@
           <a:p>
             <a:fld id="{1A6B1C94-4E21-4EB7-84C4-6E795422F0E3}" type="datetimeFigureOut">
               <a:rPr lang="ko-KR" altLang="en-US" smtClean="0"/>
-              <a:t>2024-04-16</a:t>
+              <a:t>2024-04-17</a:t>
             </a:fld>
             <a:endParaRPr lang="ko-KR" altLang="en-US"/>
           </a:p>
@@ -4347,7 +4363,7 @@
           <a:p>
             <a:fld id="{1A6B1C94-4E21-4EB7-84C4-6E795422F0E3}" type="datetimeFigureOut">
               <a:rPr lang="ko-KR" altLang="en-US" smtClean="0"/>
-              <a:t>2024-04-16</a:t>
+              <a:t>2024-04-17</a:t>
             </a:fld>
             <a:endParaRPr lang="ko-KR" altLang="en-US"/>
           </a:p>
@@ -4555,7 +4571,7 @@
           <a:p>
             <a:fld id="{1A6B1C94-4E21-4EB7-84C4-6E795422F0E3}" type="datetimeFigureOut">
               <a:rPr lang="ko-KR" altLang="en-US" smtClean="0"/>
-              <a:t>2024-04-16</a:t>
+              <a:t>2024-04-17</a:t>
             </a:fld>
             <a:endParaRPr lang="ko-KR" altLang="en-US"/>
           </a:p>
@@ -4753,7 +4769,7 @@
           <a:p>
             <a:fld id="{1A6B1C94-4E21-4EB7-84C4-6E795422F0E3}" type="datetimeFigureOut">
               <a:rPr lang="ko-KR" altLang="en-US" smtClean="0"/>
-              <a:t>2024-04-16</a:t>
+              <a:t>2024-04-17</a:t>
             </a:fld>
             <a:endParaRPr lang="ko-KR" altLang="en-US"/>
           </a:p>
@@ -5028,7 +5044,7 @@
           <a:p>
             <a:fld id="{1A6B1C94-4E21-4EB7-84C4-6E795422F0E3}" type="datetimeFigureOut">
               <a:rPr lang="ko-KR" altLang="en-US" smtClean="0"/>
-              <a:t>2024-04-16</a:t>
+              <a:t>2024-04-17</a:t>
             </a:fld>
             <a:endParaRPr lang="ko-KR" altLang="en-US"/>
           </a:p>
@@ -5293,7 +5309,7 @@
           <a:p>
             <a:fld id="{1A6B1C94-4E21-4EB7-84C4-6E795422F0E3}" type="datetimeFigureOut">
               <a:rPr lang="ko-KR" altLang="en-US" smtClean="0"/>
-              <a:t>2024-04-16</a:t>
+              <a:t>2024-04-17</a:t>
             </a:fld>
             <a:endParaRPr lang="ko-KR" altLang="en-US"/>
           </a:p>
@@ -5705,7 +5721,7 @@
           <a:p>
             <a:fld id="{1A6B1C94-4E21-4EB7-84C4-6E795422F0E3}" type="datetimeFigureOut">
               <a:rPr lang="ko-KR" altLang="en-US" smtClean="0"/>
-              <a:t>2024-04-16</a:t>
+              <a:t>2024-04-17</a:t>
             </a:fld>
             <a:endParaRPr lang="ko-KR" altLang="en-US"/>
           </a:p>
@@ -5846,7 +5862,7 @@
           <a:p>
             <a:fld id="{1A6B1C94-4E21-4EB7-84C4-6E795422F0E3}" type="datetimeFigureOut">
               <a:rPr lang="ko-KR" altLang="en-US" smtClean="0"/>
-              <a:t>2024-04-16</a:t>
+              <a:t>2024-04-17</a:t>
             </a:fld>
             <a:endParaRPr lang="ko-KR" altLang="en-US"/>
           </a:p>
@@ -5959,7 +5975,7 @@
           <a:p>
             <a:fld id="{1A6B1C94-4E21-4EB7-84C4-6E795422F0E3}" type="datetimeFigureOut">
               <a:rPr lang="ko-KR" altLang="en-US" smtClean="0"/>
-              <a:t>2024-04-16</a:t>
+              <a:t>2024-04-17</a:t>
             </a:fld>
             <a:endParaRPr lang="ko-KR" altLang="en-US"/>
           </a:p>
@@ -6270,7 +6286,7 @@
           <a:p>
             <a:fld id="{1A6B1C94-4E21-4EB7-84C4-6E795422F0E3}" type="datetimeFigureOut">
               <a:rPr lang="ko-KR" altLang="en-US" smtClean="0"/>
-              <a:t>2024-04-16</a:t>
+              <a:t>2024-04-17</a:t>
             </a:fld>
             <a:endParaRPr lang="ko-KR" altLang="en-US"/>
           </a:p>
@@ -6558,7 +6574,7 @@
           <a:p>
             <a:fld id="{1A6B1C94-4E21-4EB7-84C4-6E795422F0E3}" type="datetimeFigureOut">
               <a:rPr lang="ko-KR" altLang="en-US" smtClean="0"/>
-              <a:t>2024-04-16</a:t>
+              <a:t>2024-04-17</a:t>
             </a:fld>
             <a:endParaRPr lang="ko-KR" altLang="en-US"/>
           </a:p>
@@ -6799,7 +6815,7 @@
           <a:p>
             <a:fld id="{1A6B1C94-4E21-4EB7-84C4-6E795422F0E3}" type="datetimeFigureOut">
               <a:rPr lang="ko-KR" altLang="en-US" smtClean="0"/>
-              <a:t>2024-04-16</a:t>
+              <a:t>2024-04-17</a:t>
             </a:fld>
             <a:endParaRPr lang="ko-KR" altLang="en-US"/>
           </a:p>
@@ -33421,8 +33437,8 @@
         </p:nvSpPr>
         <p:spPr>
           <a:xfrm>
-            <a:off x="5054072" y="2067370"/>
-            <a:ext cx="2083855" cy="584735"/>
+            <a:off x="3691438" y="2659599"/>
+            <a:ext cx="6949668" cy="769401"/>
           </a:xfrm>
           <a:prstGeom prst="rect">
             <a:avLst/>
@@ -33438,7 +33454,7 @@
           </a:bodyPr>
           <a:lstStyle/>
           <a:p>
-            <a:pPr marL="0" marR="0" lvl="0" indent="0" algn="ctr" rtl="0">
+            <a:pPr marL="0" marR="0" lvl="0" indent="0" rtl="0">
               <a:spcBef>
                 <a:spcPts val="0"/>
               </a:spcBef>
@@ -33448,9 +33464,9 @@
               <a:buNone/>
             </a:pPr>
             <a:r>
-              <a:rPr lang="ko-KR" altLang="en-US" sz="3200" b="1" dirty="0">
-                <a:solidFill>
-                  <a:schemeClr val="bg1"/>
+              <a:rPr lang="ko-KR" altLang="en-US" sz="4400" b="1" dirty="0">
+                <a:solidFill>
+                  <a:srgbClr val="FFFF00"/>
                 </a:solidFill>
                 <a:latin typeface="+mj-lt"/>
                 <a:ea typeface="Malgun Gothic"/>
@@ -33459,7 +33475,190 @@
               </a:rPr>
               <a:t>최종 점수</a:t>
             </a:r>
-            <a:endParaRPr sz="3200" b="1" dirty="0">
+            <a:r>
+              <a:rPr lang="en-US" altLang="ko-KR" sz="4400" b="1" dirty="0">
+                <a:solidFill>
+                  <a:schemeClr val="bg1"/>
+                </a:solidFill>
+                <a:latin typeface="+mj-lt"/>
+                <a:ea typeface="Malgun Gothic"/>
+                <a:cs typeface="Malgun Gothic"/>
+                <a:sym typeface="Malgun Gothic"/>
+              </a:rPr>
+              <a:t>: 7.53 </a:t>
+            </a:r>
+            <a:endParaRPr sz="4400" b="1" dirty="0">
+              <a:solidFill>
+                <a:schemeClr val="bg1"/>
+              </a:solidFill>
+              <a:latin typeface="+mj-lt"/>
+              <a:ea typeface="Malgun Gothic"/>
+              <a:cs typeface="Malgun Gothic"/>
+              <a:sym typeface="Malgun Gothic"/>
+            </a:endParaRPr>
+          </a:p>
+        </p:txBody>
+      </p:sp>
+      <p:pic>
+        <p:nvPicPr>
+          <p:cNvPr id="1026" name="Picture 2" descr="Success ">
+            <a:extLst>
+              <a:ext uri="{FF2B5EF4-FFF2-40B4-BE49-F238E27FC236}">
+                <a16:creationId xmlns:a16="http://schemas.microsoft.com/office/drawing/2014/main" id="{7A7B2DE5-A372-7C75-EA3F-12EBA21CCB27}"/>
+              </a:ext>
+            </a:extLst>
+          </p:cNvPr>
+          <p:cNvPicPr>
+            <a:picLocks noChangeAspect="1" noChangeArrowheads="1"/>
+          </p:cNvPicPr>
+          <p:nvPr/>
+        </p:nvPicPr>
+        <p:blipFill>
+          <a:blip r:embed="rId2">
+            <a:extLst>
+              <a:ext uri="{28A0092B-C50C-407E-A947-70E740481C1C}">
+                <a14:useLocalDpi xmlns:a14="http://schemas.microsoft.com/office/drawing/2010/main" val="0"/>
+              </a:ext>
+            </a:extLst>
+          </a:blip>
+          <a:srcRect/>
+          <a:stretch>
+            <a:fillRect/>
+          </a:stretch>
+        </p:blipFill>
+        <p:spPr bwMode="auto">
+          <a:xfrm>
+            <a:off x="1640540" y="2622176"/>
+            <a:ext cx="1613647" cy="1613647"/>
+          </a:xfrm>
+          <a:prstGeom prst="rect">
+            <a:avLst/>
+          </a:prstGeom>
+          <a:noFill/>
+          <a:extLst>
+            <a:ext uri="{909E8E84-426E-40DD-AFC4-6F175D3DCCD1}">
+              <a14:hiddenFill xmlns:a14="http://schemas.microsoft.com/office/drawing/2010/main">
+                <a:solidFill>
+                  <a:srgbClr val="FFFFFF"/>
+                </a:solidFill>
+              </a14:hiddenFill>
+            </a:ext>
+          </a:extLst>
+        </p:spPr>
+      </p:pic>
+      <p:sp>
+        <p:nvSpPr>
+          <p:cNvPr id="2" name="Google Shape;123;p3">
+            <a:extLst>
+              <a:ext uri="{FF2B5EF4-FFF2-40B4-BE49-F238E27FC236}">
+                <a16:creationId xmlns:a16="http://schemas.microsoft.com/office/drawing/2014/main" id="{82E063E0-4D39-9367-96FE-D2A5B13B9AB6}"/>
+              </a:ext>
+            </a:extLst>
+          </p:cNvPr>
+          <p:cNvSpPr txBox="1"/>
+          <p:nvPr/>
+        </p:nvSpPr>
+        <p:spPr>
+          <a:xfrm>
+            <a:off x="3691438" y="3466422"/>
+            <a:ext cx="7048280" cy="769401"/>
+          </a:xfrm>
+          <a:prstGeom prst="rect">
+            <a:avLst/>
+          </a:prstGeom>
+          <a:noFill/>
+          <a:ln>
+            <a:noFill/>
+          </a:ln>
+        </p:spPr>
+        <p:txBody>
+          <a:bodyPr spcFirstLastPara="1" wrap="square" lIns="91425" tIns="45700" rIns="91425" bIns="45700" anchor="t" anchorCtr="0">
+            <a:spAutoFit/>
+          </a:bodyPr>
+          <a:lstStyle/>
+          <a:p>
+            <a:pPr marL="0" marR="0" lvl="0" indent="0" rtl="0">
+              <a:spcBef>
+                <a:spcPts val="0"/>
+              </a:spcBef>
+              <a:spcAft>
+                <a:spcPts val="0"/>
+              </a:spcAft>
+              <a:buNone/>
+            </a:pPr>
+            <a:r>
+              <a:rPr lang="ko-KR" altLang="en-US" sz="4400" b="1" dirty="0">
+                <a:solidFill>
+                  <a:srgbClr val="FFFF00"/>
+                </a:solidFill>
+                <a:latin typeface="+mj-lt"/>
+                <a:ea typeface="Malgun Gothic"/>
+                <a:cs typeface="Malgun Gothic"/>
+                <a:sym typeface="Malgun Gothic"/>
+              </a:rPr>
+              <a:t>최종 등수</a:t>
+            </a:r>
+            <a:r>
+              <a:rPr lang="en-US" altLang="ko-KR" sz="4400" b="1" dirty="0">
+                <a:solidFill>
+                  <a:schemeClr val="bg1"/>
+                </a:solidFill>
+                <a:latin typeface="+mj-lt"/>
+                <a:ea typeface="Malgun Gothic"/>
+                <a:cs typeface="Malgun Gothic"/>
+                <a:sym typeface="Malgun Gothic"/>
+              </a:rPr>
+              <a:t>: 113</a:t>
+            </a:r>
+            <a:r>
+              <a:rPr lang="ko-KR" altLang="en-US" sz="4400" b="1" dirty="0">
+                <a:solidFill>
+                  <a:schemeClr val="bg1"/>
+                </a:solidFill>
+                <a:latin typeface="+mj-lt"/>
+                <a:ea typeface="Malgun Gothic"/>
+                <a:cs typeface="Malgun Gothic"/>
+                <a:sym typeface="Malgun Gothic"/>
+              </a:rPr>
+              <a:t>등 </a:t>
+            </a:r>
+            <a:r>
+              <a:rPr lang="en-US" altLang="ko-KR" sz="4400" b="1" dirty="0">
+                <a:solidFill>
+                  <a:schemeClr val="bg1"/>
+                </a:solidFill>
+                <a:latin typeface="+mj-lt"/>
+                <a:ea typeface="Malgun Gothic"/>
+                <a:cs typeface="Malgun Gothic"/>
+                <a:sym typeface="Malgun Gothic"/>
+              </a:rPr>
+              <a:t>/ 1200</a:t>
+            </a:r>
+            <a:r>
+              <a:rPr lang="ko-KR" altLang="en-US" sz="4400" b="1" dirty="0">
+                <a:solidFill>
+                  <a:schemeClr val="bg1"/>
+                </a:solidFill>
+                <a:latin typeface="+mj-lt"/>
+                <a:ea typeface="Malgun Gothic"/>
+                <a:cs typeface="Malgun Gothic"/>
+                <a:sym typeface="Malgun Gothic"/>
+              </a:rPr>
+              <a:t>명</a:t>
+            </a:r>
+            <a:r>
+              <a:rPr lang="en-US" altLang="ko-KR" sz="4400" b="1" dirty="0">
+                <a:solidFill>
+                  <a:schemeClr val="bg1"/>
+                </a:solidFill>
+                <a:latin typeface="+mj-lt"/>
+                <a:ea typeface="Malgun Gothic"/>
+                <a:cs typeface="Malgun Gothic"/>
+                <a:sym typeface="Malgun Gothic"/>
+              </a:rPr>
+              <a:t> </a:t>
+            </a:r>
+            <a:endParaRPr sz="4400" b="1" dirty="0">
               <a:solidFill>
                 <a:schemeClr val="bg1"/>
               </a:solidFill>
